--- a/ArtificialNeuralNetwork/ArtificialNeuralNetwork.pptx
+++ b/ArtificialNeuralNetwork/ArtificialNeuralNetwork.pptx
@@ -5,75 +5,74 @@
     <p:sldMasterId id="2147483648" r:id="rId1"/>
   </p:sldMasterIdLst>
   <p:notesMasterIdLst>
-    <p:notesMasterId r:id="rId68"/>
+    <p:notesMasterId r:id="rId67"/>
   </p:notesMasterIdLst>
   <p:sldIdLst>
     <p:sldId id="256" r:id="rId2"/>
     <p:sldId id="268" r:id="rId3"/>
     <p:sldId id="428" r:id="rId4"/>
-    <p:sldId id="433" r:id="rId5"/>
-    <p:sldId id="452" r:id="rId6"/>
-    <p:sldId id="453" r:id="rId7"/>
-    <p:sldId id="420" r:id="rId8"/>
-    <p:sldId id="436" r:id="rId9"/>
-    <p:sldId id="441" r:id="rId10"/>
-    <p:sldId id="437" r:id="rId11"/>
-    <p:sldId id="458" r:id="rId12"/>
-    <p:sldId id="411" r:id="rId13"/>
-    <p:sldId id="459" r:id="rId14"/>
-    <p:sldId id="460" r:id="rId15"/>
-    <p:sldId id="461" r:id="rId16"/>
-    <p:sldId id="462" r:id="rId17"/>
-    <p:sldId id="413" r:id="rId18"/>
-    <p:sldId id="463" r:id="rId19"/>
-    <p:sldId id="485" r:id="rId20"/>
-    <p:sldId id="486" r:id="rId21"/>
-    <p:sldId id="487" r:id="rId22"/>
-    <p:sldId id="488" r:id="rId23"/>
-    <p:sldId id="489" r:id="rId24"/>
-    <p:sldId id="490" r:id="rId25"/>
-    <p:sldId id="491" r:id="rId26"/>
-    <p:sldId id="493" r:id="rId27"/>
-    <p:sldId id="494" r:id="rId28"/>
-    <p:sldId id="495" r:id="rId29"/>
-    <p:sldId id="496" r:id="rId30"/>
-    <p:sldId id="455" r:id="rId31"/>
-    <p:sldId id="476" r:id="rId32"/>
-    <p:sldId id="466" r:id="rId33"/>
-    <p:sldId id="475" r:id="rId34"/>
-    <p:sldId id="467" r:id="rId35"/>
-    <p:sldId id="468" r:id="rId36"/>
-    <p:sldId id="469" r:id="rId37"/>
-    <p:sldId id="470" r:id="rId38"/>
-    <p:sldId id="471" r:id="rId39"/>
-    <p:sldId id="472" r:id="rId40"/>
-    <p:sldId id="473" r:id="rId41"/>
-    <p:sldId id="477" r:id="rId42"/>
-    <p:sldId id="478" r:id="rId43"/>
-    <p:sldId id="474" r:id="rId44"/>
-    <p:sldId id="479" r:id="rId45"/>
-    <p:sldId id="480" r:id="rId46"/>
-    <p:sldId id="481" r:id="rId47"/>
-    <p:sldId id="482" r:id="rId48"/>
-    <p:sldId id="483" r:id="rId49"/>
-    <p:sldId id="484" r:id="rId50"/>
-    <p:sldId id="415" r:id="rId51"/>
-    <p:sldId id="438" r:id="rId52"/>
-    <p:sldId id="440" r:id="rId53"/>
-    <p:sldId id="439" r:id="rId54"/>
-    <p:sldId id="422" r:id="rId55"/>
-    <p:sldId id="444" r:id="rId56"/>
-    <p:sldId id="442" r:id="rId57"/>
-    <p:sldId id="443" r:id="rId58"/>
-    <p:sldId id="423" r:id="rId59"/>
-    <p:sldId id="445" r:id="rId60"/>
-    <p:sldId id="446" r:id="rId61"/>
-    <p:sldId id="447" r:id="rId62"/>
-    <p:sldId id="448" r:id="rId63"/>
-    <p:sldId id="449" r:id="rId64"/>
-    <p:sldId id="450" r:id="rId65"/>
-    <p:sldId id="451" r:id="rId66"/>
-    <p:sldId id="269" r:id="rId67"/>
+    <p:sldId id="452" r:id="rId5"/>
+    <p:sldId id="453" r:id="rId6"/>
+    <p:sldId id="420" r:id="rId7"/>
+    <p:sldId id="436" r:id="rId8"/>
+    <p:sldId id="441" r:id="rId9"/>
+    <p:sldId id="437" r:id="rId10"/>
+    <p:sldId id="458" r:id="rId11"/>
+    <p:sldId id="411" r:id="rId12"/>
+    <p:sldId id="459" r:id="rId13"/>
+    <p:sldId id="460" r:id="rId14"/>
+    <p:sldId id="461" r:id="rId15"/>
+    <p:sldId id="462" r:id="rId16"/>
+    <p:sldId id="413" r:id="rId17"/>
+    <p:sldId id="463" r:id="rId18"/>
+    <p:sldId id="485" r:id="rId19"/>
+    <p:sldId id="486" r:id="rId20"/>
+    <p:sldId id="487" r:id="rId21"/>
+    <p:sldId id="488" r:id="rId22"/>
+    <p:sldId id="489" r:id="rId23"/>
+    <p:sldId id="490" r:id="rId24"/>
+    <p:sldId id="491" r:id="rId25"/>
+    <p:sldId id="493" r:id="rId26"/>
+    <p:sldId id="494" r:id="rId27"/>
+    <p:sldId id="495" r:id="rId28"/>
+    <p:sldId id="496" r:id="rId29"/>
+    <p:sldId id="455" r:id="rId30"/>
+    <p:sldId id="476" r:id="rId31"/>
+    <p:sldId id="466" r:id="rId32"/>
+    <p:sldId id="475" r:id="rId33"/>
+    <p:sldId id="467" r:id="rId34"/>
+    <p:sldId id="468" r:id="rId35"/>
+    <p:sldId id="469" r:id="rId36"/>
+    <p:sldId id="470" r:id="rId37"/>
+    <p:sldId id="471" r:id="rId38"/>
+    <p:sldId id="472" r:id="rId39"/>
+    <p:sldId id="473" r:id="rId40"/>
+    <p:sldId id="477" r:id="rId41"/>
+    <p:sldId id="478" r:id="rId42"/>
+    <p:sldId id="474" r:id="rId43"/>
+    <p:sldId id="479" r:id="rId44"/>
+    <p:sldId id="480" r:id="rId45"/>
+    <p:sldId id="481" r:id="rId46"/>
+    <p:sldId id="482" r:id="rId47"/>
+    <p:sldId id="483" r:id="rId48"/>
+    <p:sldId id="484" r:id="rId49"/>
+    <p:sldId id="415" r:id="rId50"/>
+    <p:sldId id="438" r:id="rId51"/>
+    <p:sldId id="440" r:id="rId52"/>
+    <p:sldId id="439" r:id="rId53"/>
+    <p:sldId id="422" r:id="rId54"/>
+    <p:sldId id="444" r:id="rId55"/>
+    <p:sldId id="442" r:id="rId56"/>
+    <p:sldId id="443" r:id="rId57"/>
+    <p:sldId id="423" r:id="rId58"/>
+    <p:sldId id="445" r:id="rId59"/>
+    <p:sldId id="446" r:id="rId60"/>
+    <p:sldId id="447" r:id="rId61"/>
+    <p:sldId id="448" r:id="rId62"/>
+    <p:sldId id="449" r:id="rId63"/>
+    <p:sldId id="450" r:id="rId64"/>
+    <p:sldId id="451" r:id="rId65"/>
+    <p:sldId id="269" r:id="rId66"/>
   </p:sldIdLst>
   <p:sldSz cx="9144000" cy="6858000" type="screen4x3"/>
   <p:notesSz cx="6858000" cy="9144000"/>
@@ -258,7 +257,7 @@
             <a:fld id="{98BFDCCA-FFB9-49F6-B56E-F6432283D67C}" type="datetimeFigureOut">
               <a:rPr lang="en-US" smtClean="0"/>
               <a:pPr/>
-              <a:t>2/1/2023</a:t>
+              <a:t>2/10/2023</a:t>
             </a:fld>
             <a:endParaRPr lang="en-US"/>
           </a:p>
@@ -706,7 +705,7 @@
             <a:fld id="{9099FEDA-6AC3-495C-A467-2B0399D71BB7}" type="datetimeFigureOut">
               <a:rPr lang="en-US" smtClean="0"/>
               <a:pPr/>
-              <a:t>2/1/2023</a:t>
+              <a:t>2/10/2023</a:t>
             </a:fld>
             <a:endParaRPr lang="en-US"/>
           </a:p>
@@ -873,7 +872,7 @@
             <a:fld id="{9099FEDA-6AC3-495C-A467-2B0399D71BB7}" type="datetimeFigureOut">
               <a:rPr lang="en-US" smtClean="0"/>
               <a:pPr/>
-              <a:t>2/1/2023</a:t>
+              <a:t>2/10/2023</a:t>
             </a:fld>
             <a:endParaRPr lang="en-US"/>
           </a:p>
@@ -1050,7 +1049,7 @@
             <a:fld id="{9099FEDA-6AC3-495C-A467-2B0399D71BB7}" type="datetimeFigureOut">
               <a:rPr lang="en-US" smtClean="0"/>
               <a:pPr/>
-              <a:t>2/1/2023</a:t>
+              <a:t>2/10/2023</a:t>
             </a:fld>
             <a:endParaRPr lang="en-US"/>
           </a:p>
@@ -1217,7 +1216,7 @@
             <a:fld id="{9099FEDA-6AC3-495C-A467-2B0399D71BB7}" type="datetimeFigureOut">
               <a:rPr lang="en-US" smtClean="0"/>
               <a:pPr/>
-              <a:t>2/1/2023</a:t>
+              <a:t>2/10/2023</a:t>
             </a:fld>
             <a:endParaRPr lang="en-US"/>
           </a:p>
@@ -1460,7 +1459,7 @@
             <a:fld id="{9099FEDA-6AC3-495C-A467-2B0399D71BB7}" type="datetimeFigureOut">
               <a:rPr lang="en-US" smtClean="0"/>
               <a:pPr/>
-              <a:t>2/1/2023</a:t>
+              <a:t>2/10/2023</a:t>
             </a:fld>
             <a:endParaRPr lang="en-US"/>
           </a:p>
@@ -1745,7 +1744,7 @@
             <a:fld id="{9099FEDA-6AC3-495C-A467-2B0399D71BB7}" type="datetimeFigureOut">
               <a:rPr lang="en-US" smtClean="0"/>
               <a:pPr/>
-              <a:t>2/1/2023</a:t>
+              <a:t>2/10/2023</a:t>
             </a:fld>
             <a:endParaRPr lang="en-US"/>
           </a:p>
@@ -2164,7 +2163,7 @@
             <a:fld id="{9099FEDA-6AC3-495C-A467-2B0399D71BB7}" type="datetimeFigureOut">
               <a:rPr lang="en-US" smtClean="0"/>
               <a:pPr/>
-              <a:t>2/1/2023</a:t>
+              <a:t>2/10/2023</a:t>
             </a:fld>
             <a:endParaRPr lang="en-US"/>
           </a:p>
@@ -2279,7 +2278,7 @@
             <a:fld id="{9099FEDA-6AC3-495C-A467-2B0399D71BB7}" type="datetimeFigureOut">
               <a:rPr lang="en-US" smtClean="0"/>
               <a:pPr/>
-              <a:t>2/1/2023</a:t>
+              <a:t>2/10/2023</a:t>
             </a:fld>
             <a:endParaRPr lang="en-US"/>
           </a:p>
@@ -2371,7 +2370,7 @@
             <a:fld id="{9099FEDA-6AC3-495C-A467-2B0399D71BB7}" type="datetimeFigureOut">
               <a:rPr lang="en-US" smtClean="0"/>
               <a:pPr/>
-              <a:t>2/1/2023</a:t>
+              <a:t>2/10/2023</a:t>
             </a:fld>
             <a:endParaRPr lang="en-US"/>
           </a:p>
@@ -2645,7 +2644,7 @@
             <a:fld id="{9099FEDA-6AC3-495C-A467-2B0399D71BB7}" type="datetimeFigureOut">
               <a:rPr lang="en-US" smtClean="0"/>
               <a:pPr/>
-              <a:t>2/1/2023</a:t>
+              <a:t>2/10/2023</a:t>
             </a:fld>
             <a:endParaRPr lang="en-US"/>
           </a:p>
@@ -2895,7 +2894,7 @@
             <a:fld id="{9099FEDA-6AC3-495C-A467-2B0399D71BB7}" type="datetimeFigureOut">
               <a:rPr lang="en-US" smtClean="0"/>
               <a:pPr/>
-              <a:t>2/1/2023</a:t>
+              <a:t>2/10/2023</a:t>
             </a:fld>
             <a:endParaRPr lang="en-US"/>
           </a:p>
@@ -3105,7 +3104,7 @@
             <a:fld id="{9099FEDA-6AC3-495C-A467-2B0399D71BB7}" type="datetimeFigureOut">
               <a:rPr lang="en-US" smtClean="0"/>
               <a:pPr/>
-              <a:t>2/1/2023</a:t>
+              <a:t>2/10/2023</a:t>
             </a:fld>
             <a:endParaRPr lang="en-US"/>
           </a:p>
@@ -3520,25 +3519,30 @@
           </a:xfrm>
         </p:spPr>
         <p:txBody>
-          <a:bodyPr/>
+          <a:bodyPr>
+            <a:normAutofit fontScale="92500"/>
+          </a:bodyPr>
           <a:lstStyle/>
           <a:p>
             <a:r>
-              <a:rPr lang="en-US" b="1" dirty="0" smtClean="0"/>
+              <a:rPr lang="en-US" dirty="0" smtClean="0"/>
               <a:t>Pritam Prakash Shete</a:t>
             </a:r>
           </a:p>
           <a:p>
             <a:r>
-              <a:rPr lang="en-US" smtClean="0"/>
-              <a:t>Scientific Officer F,</a:t>
-            </a:r>
-            <a:endParaRPr lang="en-US" dirty="0" smtClean="0"/>
-          </a:p>
-          <a:p>
-            <a:r>
-              <a:rPr lang="en-US" dirty="0" smtClean="0"/>
-              <a:t>Computer Division, BARC</a:t>
+              <a:rPr lang="en-US" dirty="0" smtClean="0"/>
+              <a:t>Computer Division, BARC </a:t>
+            </a:r>
+          </a:p>
+          <a:p>
+            <a:r>
+              <a:rPr lang="en-IN" dirty="0" smtClean="0"/>
+              <a:t>Centre for Excellence in Basic </a:t>
+            </a:r>
+            <a:r>
+              <a:rPr lang="en-IN" dirty="0" smtClean="0"/>
+              <a:t>Sciences</a:t>
             </a:r>
             <a:endParaRPr lang="en-US" dirty="0"/>
           </a:p>
@@ -3594,8 +3598,12 @@
           <a:lstStyle/>
           <a:p>
             <a:r>
-              <a:rPr lang="en-US" dirty="0" smtClean="0"/>
-              <a:t>Logistic regression – Equation  </a:t>
+              <a:rPr lang="en-US" smtClean="0"/>
+              <a:t>Logistic </a:t>
+            </a:r>
+            <a:r>
+              <a:rPr lang="en-US" smtClean="0"/>
+              <a:t>Regression</a:t>
             </a:r>
             <a:endParaRPr lang="en-US" dirty="0"/>
           </a:p>
@@ -3611,15 +3619,10 @@
             <p:ph idx="1"/>
           </p:nvPr>
         </p:nvSpPr>
-        <p:spPr>
-          <a:xfrm>
-            <a:off x="457200" y="1600200"/>
-            <a:ext cx="8077200" cy="4525963"/>
-          </a:xfrm>
-        </p:spPr>
+        <p:spPr/>
         <p:txBody>
           <a:bodyPr>
-            <a:normAutofit fontScale="92500" lnSpcReduction="10000"/>
+            <a:normAutofit lnSpcReduction="10000"/>
           </a:bodyPr>
           <a:lstStyle/>
           <a:p>
@@ -3722,35 +3725,7 @@
                   <a:srgbClr val="00B050"/>
                 </a:solidFill>
               </a:rPr>
-              <a:t>ŷ = </a:t>
-            </a:r>
-            <a:r>
-              <a:rPr lang="el-GR" dirty="0" smtClean="0">
-                <a:solidFill>
-                  <a:srgbClr val="00B050"/>
-                </a:solidFill>
-              </a:rPr>
-              <a:t>σ</a:t>
-            </a:r>
-            <a:r>
-              <a:rPr lang="en-US" dirty="0" smtClean="0">
-                <a:solidFill>
-                  <a:srgbClr val="00B050"/>
-                </a:solidFill>
-              </a:rPr>
-              <a:t>(Z)</a:t>
-            </a:r>
-            <a:r>
-              <a:rPr lang="en-US" dirty="0" smtClean="0"/>
-              <a:t> </a:t>
-            </a:r>
-            <a:r>
-              <a:rPr lang="en-US" dirty="0" smtClean="0">
-                <a:solidFill>
-                  <a:srgbClr val="00B050"/>
-                </a:solidFill>
-              </a:rPr>
-              <a:t>– Activation (sigmoid) function</a:t>
+              <a:t>ŷ = P( y=1 | X) </a:t>
             </a:r>
           </a:p>
           <a:p>
@@ -3758,553 +3733,6 @@
           </a:p>
         </p:txBody>
       </p:sp>
-      <p:grpSp>
-        <p:nvGrpSpPr>
-          <p:cNvPr id="43" name="Group 42"/>
-          <p:cNvGrpSpPr/>
-          <p:nvPr/>
-        </p:nvGrpSpPr>
-        <p:grpSpPr>
-          <a:xfrm>
-            <a:off x="5003460" y="2129135"/>
-            <a:ext cx="3759540" cy="2290465"/>
-            <a:chOff x="1752600" y="2057400"/>
-            <a:chExt cx="3759540" cy="2290465"/>
-          </a:xfrm>
-        </p:grpSpPr>
-        <p:sp>
-          <p:nvSpPr>
-            <p:cNvPr id="44" name="TextBox 43"/>
-            <p:cNvSpPr txBox="1"/>
-            <p:nvPr/>
-          </p:nvSpPr>
-          <p:spPr>
-            <a:xfrm>
-              <a:off x="1752600" y="2057400"/>
-              <a:ext cx="429926" cy="461665"/>
-            </a:xfrm>
-            <a:prstGeom prst="rect">
-              <a:avLst/>
-            </a:prstGeom>
-            <a:noFill/>
-          </p:spPr>
-          <p:txBody>
-            <a:bodyPr wrap="none" rtlCol="0">
-              <a:spAutoFit/>
-            </a:bodyPr>
-            <a:lstStyle/>
-            <a:p>
-              <a:r>
-                <a:rPr lang="en-US" sz="2400" b="1" dirty="0" smtClean="0"/>
-                <a:t>x</a:t>
-              </a:r>
-              <a:r>
-                <a:rPr lang="en-US" sz="2400" b="1" baseline="-25000" dirty="0" smtClean="0"/>
-                <a:t>1</a:t>
-              </a:r>
-              <a:endParaRPr lang="en-US" sz="2400" b="1" baseline="-25000" dirty="0"/>
-            </a:p>
-          </p:txBody>
-        </p:sp>
-        <p:sp>
-          <p:nvSpPr>
-            <p:cNvPr id="45" name="TextBox 44"/>
-            <p:cNvSpPr txBox="1"/>
-            <p:nvPr/>
-          </p:nvSpPr>
-          <p:spPr>
-            <a:xfrm>
-              <a:off x="1752600" y="3048000"/>
-              <a:ext cx="429926" cy="461665"/>
-            </a:xfrm>
-            <a:prstGeom prst="rect">
-              <a:avLst/>
-            </a:prstGeom>
-            <a:noFill/>
-          </p:spPr>
-          <p:txBody>
-            <a:bodyPr wrap="none" rtlCol="0">
-              <a:spAutoFit/>
-            </a:bodyPr>
-            <a:lstStyle/>
-            <a:p>
-              <a:r>
-                <a:rPr lang="en-US" sz="2400" b="1" dirty="0" smtClean="0"/>
-                <a:t>x</a:t>
-              </a:r>
-              <a:r>
-                <a:rPr lang="en-US" sz="2400" b="1" baseline="-25000" dirty="0" smtClean="0"/>
-                <a:t>2</a:t>
-              </a:r>
-              <a:endParaRPr lang="en-US" sz="2400" b="1" baseline="-25000" dirty="0"/>
-            </a:p>
-          </p:txBody>
-        </p:sp>
-        <p:sp>
-          <p:nvSpPr>
-            <p:cNvPr id="46" name="TextBox 45"/>
-            <p:cNvSpPr txBox="1"/>
-            <p:nvPr/>
-          </p:nvSpPr>
-          <p:spPr>
-            <a:xfrm>
-              <a:off x="1752600" y="3886200"/>
-              <a:ext cx="429926" cy="461665"/>
-            </a:xfrm>
-            <a:prstGeom prst="rect">
-              <a:avLst/>
-            </a:prstGeom>
-            <a:noFill/>
-          </p:spPr>
-          <p:txBody>
-            <a:bodyPr wrap="none" rtlCol="0">
-              <a:spAutoFit/>
-            </a:bodyPr>
-            <a:lstStyle/>
-            <a:p>
-              <a:r>
-                <a:rPr lang="en-US" sz="2400" b="1" dirty="0" smtClean="0"/>
-                <a:t>x</a:t>
-              </a:r>
-              <a:r>
-                <a:rPr lang="en-US" sz="2400" b="1" baseline="-25000" dirty="0" smtClean="0"/>
-                <a:t>3</a:t>
-              </a:r>
-              <a:endParaRPr lang="en-US" sz="2400" b="1" baseline="-25000" dirty="0"/>
-            </a:p>
-          </p:txBody>
-        </p:sp>
-        <p:sp>
-          <p:nvSpPr>
-            <p:cNvPr id="47" name="Oval 46"/>
-            <p:cNvSpPr>
-              <a:spLocks noChangeAspect="1"/>
-            </p:cNvSpPr>
-            <p:nvPr/>
-          </p:nvSpPr>
-          <p:spPr>
-            <a:xfrm>
-              <a:off x="3429000" y="3048000"/>
-              <a:ext cx="533400" cy="533400"/>
-            </a:xfrm>
-            <a:prstGeom prst="ellipse">
-              <a:avLst/>
-            </a:prstGeom>
-            <a:noFill/>
-            <a:ln>
-              <a:solidFill>
-                <a:schemeClr val="tx1"/>
-              </a:solidFill>
-            </a:ln>
-          </p:spPr>
-          <p:style>
-            <a:lnRef idx="2">
-              <a:schemeClr val="accent1">
-                <a:shade val="50000"/>
-              </a:schemeClr>
-            </a:lnRef>
-            <a:fillRef idx="1">
-              <a:schemeClr val="accent1"/>
-            </a:fillRef>
-            <a:effectRef idx="0">
-              <a:schemeClr val="accent1"/>
-            </a:effectRef>
-            <a:fontRef idx="minor">
-              <a:schemeClr val="lt1"/>
-            </a:fontRef>
-          </p:style>
-          <p:txBody>
-            <a:bodyPr rtlCol="0" anchor="ctr"/>
-            <a:lstStyle/>
-            <a:p>
-              <a:pPr algn="ctr"/>
-              <a:endParaRPr lang="en-US"/>
-            </a:p>
-          </p:txBody>
-        </p:sp>
-        <p:sp>
-          <p:nvSpPr>
-            <p:cNvPr id="48" name="TextBox 47"/>
-            <p:cNvSpPr txBox="1"/>
-            <p:nvPr/>
-          </p:nvSpPr>
-          <p:spPr>
-            <a:xfrm>
-              <a:off x="5181600" y="3043535"/>
-              <a:ext cx="330540" cy="461665"/>
-            </a:xfrm>
-            <a:prstGeom prst="rect">
-              <a:avLst/>
-            </a:prstGeom>
-            <a:noFill/>
-          </p:spPr>
-          <p:txBody>
-            <a:bodyPr wrap="none" rtlCol="0">
-              <a:spAutoFit/>
-            </a:bodyPr>
-            <a:lstStyle/>
-            <a:p>
-              <a:r>
-                <a:rPr lang="en-US" sz="2400" b="1" dirty="0" smtClean="0"/>
-                <a:t>ŷ</a:t>
-              </a:r>
-              <a:endParaRPr lang="en-US" sz="2400" b="1" dirty="0"/>
-            </a:p>
-          </p:txBody>
-        </p:sp>
-        <p:cxnSp>
-          <p:nvCxnSpPr>
-            <p:cNvPr id="49" name="Straight Arrow Connector 48"/>
-            <p:cNvCxnSpPr>
-              <a:stCxn id="47" idx="6"/>
-            </p:cNvCxnSpPr>
-            <p:nvPr/>
-          </p:nvCxnSpPr>
-          <p:spPr>
-            <a:xfrm flipV="1">
-              <a:off x="3962400" y="3278188"/>
-              <a:ext cx="1143000" cy="36512"/>
-            </a:xfrm>
-            <a:prstGeom prst="straightConnector1">
-              <a:avLst/>
-            </a:prstGeom>
-            <a:ln w="25400">
-              <a:solidFill>
-                <a:schemeClr val="tx1"/>
-              </a:solidFill>
-              <a:tailEnd type="arrow"/>
-            </a:ln>
-          </p:spPr>
-          <p:style>
-            <a:lnRef idx="1">
-              <a:schemeClr val="accent1"/>
-            </a:lnRef>
-            <a:fillRef idx="0">
-              <a:schemeClr val="accent1"/>
-            </a:fillRef>
-            <a:effectRef idx="0">
-              <a:schemeClr val="accent1"/>
-            </a:effectRef>
-            <a:fontRef idx="minor">
-              <a:schemeClr val="tx1"/>
-            </a:fontRef>
-          </p:style>
-        </p:cxnSp>
-        <p:cxnSp>
-          <p:nvCxnSpPr>
-            <p:cNvPr id="50" name="Straight Arrow Connector 49"/>
-            <p:cNvCxnSpPr>
-              <a:endCxn id="47" idx="2"/>
-            </p:cNvCxnSpPr>
-            <p:nvPr/>
-          </p:nvCxnSpPr>
-          <p:spPr>
-            <a:xfrm flipV="1">
-              <a:off x="2148840" y="3314700"/>
-              <a:ext cx="1280160" cy="38100"/>
-            </a:xfrm>
-            <a:prstGeom prst="straightConnector1">
-              <a:avLst/>
-            </a:prstGeom>
-            <a:ln w="25400">
-              <a:solidFill>
-                <a:schemeClr val="tx1"/>
-              </a:solidFill>
-              <a:tailEnd type="arrow"/>
-            </a:ln>
-          </p:spPr>
-          <p:style>
-            <a:lnRef idx="1">
-              <a:schemeClr val="accent1"/>
-            </a:lnRef>
-            <a:fillRef idx="0">
-              <a:schemeClr val="accent1"/>
-            </a:fillRef>
-            <a:effectRef idx="0">
-              <a:schemeClr val="accent1"/>
-            </a:effectRef>
-            <a:fontRef idx="minor">
-              <a:schemeClr val="tx1"/>
-            </a:fontRef>
-          </p:style>
-        </p:cxnSp>
-        <p:cxnSp>
-          <p:nvCxnSpPr>
-            <p:cNvPr id="51" name="Straight Arrow Connector 50"/>
-            <p:cNvCxnSpPr>
-              <a:endCxn id="47" idx="1"/>
-            </p:cNvCxnSpPr>
-            <p:nvPr/>
-          </p:nvCxnSpPr>
-          <p:spPr>
-            <a:xfrm>
-              <a:off x="2286000" y="2438400"/>
-              <a:ext cx="1221115" cy="687715"/>
-            </a:xfrm>
-            <a:prstGeom prst="straightConnector1">
-              <a:avLst/>
-            </a:prstGeom>
-            <a:ln w="25400">
-              <a:solidFill>
-                <a:schemeClr val="tx1"/>
-              </a:solidFill>
-              <a:tailEnd type="arrow"/>
-            </a:ln>
-          </p:spPr>
-          <p:style>
-            <a:lnRef idx="1">
-              <a:schemeClr val="accent1"/>
-            </a:lnRef>
-            <a:fillRef idx="0">
-              <a:schemeClr val="accent1"/>
-            </a:fillRef>
-            <a:effectRef idx="0">
-              <a:schemeClr val="accent1"/>
-            </a:effectRef>
-            <a:fontRef idx="minor">
-              <a:schemeClr val="tx1"/>
-            </a:fontRef>
-          </p:style>
-        </p:cxnSp>
-        <p:cxnSp>
-          <p:nvCxnSpPr>
-            <p:cNvPr id="52" name="Straight Arrow Connector 51"/>
-            <p:cNvCxnSpPr>
-              <a:endCxn id="47" idx="3"/>
-            </p:cNvCxnSpPr>
-            <p:nvPr/>
-          </p:nvCxnSpPr>
-          <p:spPr>
-            <a:xfrm flipV="1">
-              <a:off x="2286000" y="3503285"/>
-              <a:ext cx="1221115" cy="535315"/>
-            </a:xfrm>
-            <a:prstGeom prst="straightConnector1">
-              <a:avLst/>
-            </a:prstGeom>
-            <a:ln w="25400">
-              <a:solidFill>
-                <a:schemeClr val="tx1"/>
-              </a:solidFill>
-              <a:tailEnd type="arrow"/>
-            </a:ln>
-          </p:spPr>
-          <p:style>
-            <a:lnRef idx="1">
-              <a:schemeClr val="accent1"/>
-            </a:lnRef>
-            <a:fillRef idx="0">
-              <a:schemeClr val="accent1"/>
-            </a:fillRef>
-            <a:effectRef idx="0">
-              <a:schemeClr val="accent1"/>
-            </a:effectRef>
-            <a:fontRef idx="minor">
-              <a:schemeClr val="tx1"/>
-            </a:fontRef>
-          </p:style>
-        </p:cxnSp>
-        <p:sp>
-          <p:nvSpPr>
-            <p:cNvPr id="53" name="TextBox 52"/>
-            <p:cNvSpPr txBox="1"/>
-            <p:nvPr/>
-          </p:nvSpPr>
-          <p:spPr>
-            <a:xfrm>
-              <a:off x="2389474" y="2205335"/>
-              <a:ext cx="567784" cy="461665"/>
-            </a:xfrm>
-            <a:prstGeom prst="rect">
-              <a:avLst/>
-            </a:prstGeom>
-            <a:noFill/>
-          </p:spPr>
-          <p:txBody>
-            <a:bodyPr wrap="none" rtlCol="0">
-              <a:spAutoFit/>
-            </a:bodyPr>
-            <a:lstStyle/>
-            <a:p>
-              <a:r>
-                <a:rPr lang="en-US" sz="2400" b="1" dirty="0" smtClean="0"/>
-                <a:t>W</a:t>
-              </a:r>
-              <a:r>
-                <a:rPr lang="en-US" sz="2400" b="1" baseline="-25000" dirty="0" smtClean="0"/>
-                <a:t>1</a:t>
-              </a:r>
-              <a:endParaRPr lang="en-US" sz="2400" b="1" baseline="-25000" dirty="0"/>
-            </a:p>
-          </p:txBody>
-        </p:sp>
-        <p:sp>
-          <p:nvSpPr>
-            <p:cNvPr id="54" name="TextBox 53"/>
-            <p:cNvSpPr txBox="1"/>
-            <p:nvPr/>
-          </p:nvSpPr>
-          <p:spPr>
-            <a:xfrm>
-              <a:off x="2362200" y="2895600"/>
-              <a:ext cx="567784" cy="461665"/>
-            </a:xfrm>
-            <a:prstGeom prst="rect">
-              <a:avLst/>
-            </a:prstGeom>
-            <a:noFill/>
-          </p:spPr>
-          <p:txBody>
-            <a:bodyPr wrap="none" rtlCol="0">
-              <a:spAutoFit/>
-            </a:bodyPr>
-            <a:lstStyle/>
-            <a:p>
-              <a:r>
-                <a:rPr lang="en-US" sz="2400" b="1" dirty="0" smtClean="0"/>
-                <a:t>W</a:t>
-              </a:r>
-              <a:r>
-                <a:rPr lang="en-US" sz="2400" b="1" baseline="-25000" dirty="0" smtClean="0"/>
-                <a:t>2</a:t>
-              </a:r>
-              <a:endParaRPr lang="en-US" sz="2400" b="1" baseline="-25000" dirty="0"/>
-            </a:p>
-          </p:txBody>
-        </p:sp>
-        <p:sp>
-          <p:nvSpPr>
-            <p:cNvPr id="55" name="TextBox 54"/>
-            <p:cNvSpPr txBox="1"/>
-            <p:nvPr/>
-          </p:nvSpPr>
-          <p:spPr>
-            <a:xfrm>
-              <a:off x="2480216" y="3810000"/>
-              <a:ext cx="567784" cy="461665"/>
-            </a:xfrm>
-            <a:prstGeom prst="rect">
-              <a:avLst/>
-            </a:prstGeom>
-            <a:noFill/>
-          </p:spPr>
-          <p:txBody>
-            <a:bodyPr wrap="none" rtlCol="0">
-              <a:spAutoFit/>
-            </a:bodyPr>
-            <a:lstStyle/>
-            <a:p>
-              <a:r>
-                <a:rPr lang="en-US" sz="2400" b="1" dirty="0" smtClean="0"/>
-                <a:t>W</a:t>
-              </a:r>
-              <a:r>
-                <a:rPr lang="en-US" sz="2400" b="1" baseline="-25000" dirty="0" smtClean="0"/>
-                <a:t>3</a:t>
-              </a:r>
-              <a:endParaRPr lang="en-US" sz="2400" b="1" baseline="-25000" dirty="0"/>
-            </a:p>
-          </p:txBody>
-        </p:sp>
-        <p:sp>
-          <p:nvSpPr>
-            <p:cNvPr id="56" name="TextBox 55"/>
-            <p:cNvSpPr txBox="1"/>
-            <p:nvPr/>
-          </p:nvSpPr>
-          <p:spPr>
-            <a:xfrm>
-              <a:off x="3352800" y="2438400"/>
-              <a:ext cx="503664" cy="461665"/>
-            </a:xfrm>
-            <a:prstGeom prst="rect">
-              <a:avLst/>
-            </a:prstGeom>
-            <a:noFill/>
-          </p:spPr>
-          <p:txBody>
-            <a:bodyPr wrap="none" rtlCol="0">
-              <a:spAutoFit/>
-            </a:bodyPr>
-            <a:lstStyle/>
-            <a:p>
-              <a:r>
-                <a:rPr lang="en-US" sz="2400" b="1" dirty="0" smtClean="0"/>
-                <a:t>+b</a:t>
-              </a:r>
-              <a:endParaRPr lang="en-US" sz="2400" b="1" baseline="-25000" dirty="0"/>
-            </a:p>
-          </p:txBody>
-        </p:sp>
-        <p:cxnSp>
-          <p:nvCxnSpPr>
-            <p:cNvPr id="57" name="Straight Connector 56"/>
-            <p:cNvCxnSpPr>
-              <a:stCxn id="47" idx="0"/>
-              <a:endCxn id="47" idx="4"/>
-            </p:cNvCxnSpPr>
-            <p:nvPr/>
-          </p:nvCxnSpPr>
-          <p:spPr>
-            <a:xfrm rot="16200000" flipH="1">
-              <a:off x="3429000" y="3314700"/>
-              <a:ext cx="533400" cy="1588"/>
-            </a:xfrm>
-            <a:prstGeom prst="line">
-              <a:avLst/>
-            </a:prstGeom>
-            <a:ln w="25400">
-              <a:solidFill>
-                <a:schemeClr val="tx1"/>
-              </a:solidFill>
-            </a:ln>
-          </p:spPr>
-          <p:style>
-            <a:lnRef idx="1">
-              <a:schemeClr val="accent1"/>
-            </a:lnRef>
-            <a:fillRef idx="0">
-              <a:schemeClr val="accent1"/>
-            </a:fillRef>
-            <a:effectRef idx="0">
-              <a:schemeClr val="accent1"/>
-            </a:effectRef>
-            <a:fontRef idx="minor">
-              <a:schemeClr val="tx1"/>
-            </a:fontRef>
-          </p:style>
-        </p:cxnSp>
-        <p:sp>
-          <p:nvSpPr>
-            <p:cNvPr id="58" name="TextBox 57"/>
-            <p:cNvSpPr txBox="1"/>
-            <p:nvPr/>
-          </p:nvSpPr>
-          <p:spPr>
-            <a:xfrm>
-              <a:off x="3810000" y="3505200"/>
-              <a:ext cx="1451679" cy="461665"/>
-            </a:xfrm>
-            <a:prstGeom prst="rect">
-              <a:avLst/>
-            </a:prstGeom>
-            <a:noFill/>
-          </p:spPr>
-          <p:txBody>
-            <a:bodyPr wrap="none" rtlCol="0">
-              <a:spAutoFit/>
-            </a:bodyPr>
-            <a:lstStyle/>
-            <a:p>
-              <a:r>
-                <a:rPr lang="en-US" sz="2400" b="1" dirty="0" smtClean="0"/>
-                <a:t>activation</a:t>
-              </a:r>
-              <a:endParaRPr lang="en-US" sz="2400" b="1" baseline="-25000" dirty="0"/>
-            </a:p>
-          </p:txBody>
-        </p:sp>
-      </p:grpSp>
     </p:spTree>
   </p:cSld>
   <p:clrMapOvr>
@@ -4356,7 +3784,7 @@
           <a:p>
             <a:r>
               <a:rPr lang="en-US" dirty="0" smtClean="0"/>
-              <a:t>Logistic regression – Equation  </a:t>
+              <a:t>Logistic regression loss function </a:t>
             </a:r>
             <a:endParaRPr lang="en-US" dirty="0"/>
           </a:p>
@@ -4375,114 +3803,158 @@
         <p:spPr/>
         <p:txBody>
           <a:bodyPr>
-            <a:normAutofit lnSpcReduction="10000"/>
+            <a:normAutofit/>
           </a:bodyPr>
           <a:lstStyle/>
           <a:p>
             <a:r>
               <a:rPr lang="en-US" dirty="0" smtClean="0"/>
-              <a:t>Weights – W  </a:t>
+              <a:t>Input dataset </a:t>
             </a:r>
           </a:p>
           <a:p>
             <a:pPr lvl="1"/>
             <a:r>
               <a:rPr lang="en-US" dirty="0" smtClean="0"/>
-              <a:t>Vector</a:t>
+              <a:t>{ (x</a:t>
+            </a:r>
+            <a:r>
+              <a:rPr lang="en-US" baseline="30000" dirty="0" smtClean="0"/>
+              <a:t>(1)</a:t>
+            </a:r>
+            <a:r>
+              <a:rPr lang="en-US" dirty="0" smtClean="0"/>
+              <a:t>,y</a:t>
+            </a:r>
+            <a:r>
+              <a:rPr lang="en-US" baseline="30000" dirty="0" smtClean="0"/>
+              <a:t>(1)</a:t>
+            </a:r>
+            <a:r>
+              <a:rPr lang="en-US" dirty="0" smtClean="0"/>
+              <a:t>), (x</a:t>
+            </a:r>
+            <a:r>
+              <a:rPr lang="en-US" baseline="30000" dirty="0" smtClean="0"/>
+              <a:t>(2)</a:t>
+            </a:r>
+            <a:r>
+              <a:rPr lang="en-US" dirty="0" smtClean="0"/>
+              <a:t>,y</a:t>
+            </a:r>
+            <a:r>
+              <a:rPr lang="en-US" baseline="30000" dirty="0" smtClean="0"/>
+              <a:t>(2)</a:t>
+            </a:r>
+            <a:r>
+              <a:rPr lang="en-US" dirty="0" smtClean="0"/>
+              <a:t>), …, (x</a:t>
+            </a:r>
+            <a:r>
+              <a:rPr lang="en-US" baseline="30000" dirty="0" smtClean="0"/>
+              <a:t>(m)</a:t>
+            </a:r>
+            <a:r>
+              <a:rPr lang="en-US" dirty="0" smtClean="0"/>
+              <a:t>,y</a:t>
+            </a:r>
+            <a:r>
+              <a:rPr lang="en-US" baseline="30000" dirty="0" smtClean="0"/>
+              <a:t>(m)</a:t>
+            </a:r>
+            <a:r>
+              <a:rPr lang="en-US" dirty="0" smtClean="0"/>
+              <a:t>)}</a:t>
+            </a:r>
+          </a:p>
+          <a:p>
+            <a:r>
+              <a:rPr lang="en-US" dirty="0" smtClean="0"/>
+              <a:t>Equations</a:t>
             </a:r>
           </a:p>
           <a:p>
             <a:pPr lvl="1"/>
             <a:r>
               <a:rPr lang="en-US" dirty="0" smtClean="0"/>
-              <a:t>W </a:t>
+              <a:t>Z = W</a:t>
+            </a:r>
+            <a:r>
+              <a:rPr lang="en-US" baseline="30000" dirty="0" smtClean="0"/>
+              <a:t>T</a:t>
+            </a:r>
+            <a:r>
+              <a:rPr lang="en-US" dirty="0" smtClean="0"/>
+              <a:t>X + b</a:t>
+            </a:r>
+          </a:p>
+          <a:p>
+            <a:pPr lvl="1"/>
+            <a:r>
+              <a:rPr lang="en-US" dirty="0" smtClean="0"/>
+              <a:t>ŷ = </a:t>
             </a:r>
             <a:r>
               <a:rPr lang="el-GR" dirty="0" smtClean="0"/>
-              <a:t>ε</a:t>
-            </a:r>
-            <a:r>
-              <a:rPr lang="en-US" dirty="0" smtClean="0"/>
-              <a:t> R</a:t>
+              <a:t>σ</a:t>
+            </a:r>
+            <a:r>
+              <a:rPr lang="en-US" dirty="0" smtClean="0"/>
+              <a:t>(Z) = y</a:t>
+            </a:r>
+            <a:r>
+              <a:rPr lang="en-US" baseline="-25000" dirty="0" smtClean="0"/>
+              <a:t>p</a:t>
+            </a:r>
+          </a:p>
+          <a:p>
+            <a:r>
+              <a:rPr lang="en-US" dirty="0" smtClean="0"/>
+              <a:t>Output </a:t>
             </a:r>
           </a:p>
           <a:p>
             <a:pPr lvl="1"/>
             <a:r>
               <a:rPr lang="en-US" dirty="0" smtClean="0"/>
-              <a:t>Dimension – n</a:t>
-            </a:r>
-            <a:r>
-              <a:rPr lang="en-US" baseline="-25000" dirty="0" smtClean="0"/>
-              <a:t>X </a:t>
-            </a:r>
-          </a:p>
-          <a:p>
-            <a:r>
-              <a:rPr lang="en-US" dirty="0" smtClean="0"/>
-              <a:t>Bias – b  </a:t>
-            </a:r>
+              <a:t>ŷ</a:t>
+            </a:r>
+            <a:r>
+              <a:rPr lang="en-US" baseline="30000" dirty="0" smtClean="0"/>
+              <a:t>(</a:t>
+            </a:r>
+            <a:r>
+              <a:rPr lang="en-US" baseline="30000" dirty="0" err="1" smtClean="0"/>
+              <a:t>i</a:t>
+            </a:r>
+            <a:r>
+              <a:rPr lang="en-US" baseline="30000" dirty="0" smtClean="0"/>
+              <a:t>) </a:t>
+            </a:r>
+            <a:r>
+              <a:rPr lang="en-US" dirty="0" smtClean="0"/>
+              <a:t>~ y</a:t>
+            </a:r>
+            <a:r>
+              <a:rPr lang="en-US" baseline="30000" dirty="0" smtClean="0"/>
+              <a:t>(</a:t>
+            </a:r>
+            <a:r>
+              <a:rPr lang="en-US" baseline="30000" dirty="0" err="1" smtClean="0"/>
+              <a:t>i</a:t>
+            </a:r>
+            <a:r>
+              <a:rPr lang="en-US" baseline="30000" dirty="0" smtClean="0"/>
+              <a:t>)</a:t>
+            </a:r>
+            <a:endParaRPr lang="en-US" dirty="0" smtClean="0"/>
           </a:p>
           <a:p>
             <a:pPr lvl="1"/>
             <a:r>
               <a:rPr lang="en-US" dirty="0" smtClean="0"/>
-              <a:t>Scalar</a:t>
-            </a:r>
-          </a:p>
-          <a:p>
-            <a:pPr lvl="1"/>
-            <a:r>
-              <a:rPr lang="en-US" dirty="0" smtClean="0"/>
-              <a:t>b </a:t>
-            </a:r>
-            <a:r>
-              <a:rPr lang="el-GR" dirty="0" smtClean="0"/>
-              <a:t>ε </a:t>
-            </a:r>
-            <a:r>
-              <a:rPr lang="en-US" dirty="0" smtClean="0"/>
-              <a:t>R</a:t>
-            </a:r>
-          </a:p>
-          <a:p>
-            <a:r>
-              <a:rPr lang="en-US" dirty="0" smtClean="0">
-                <a:solidFill>
-                  <a:srgbClr val="00B050"/>
-                </a:solidFill>
-              </a:rPr>
-              <a:t>Z = W</a:t>
-            </a:r>
-            <a:r>
-              <a:rPr lang="en-US" baseline="30000" dirty="0" smtClean="0">
-                <a:solidFill>
-                  <a:srgbClr val="00B050"/>
-                </a:solidFill>
-              </a:rPr>
-              <a:t>T</a:t>
-            </a:r>
-            <a:r>
-              <a:rPr lang="en-US" dirty="0" smtClean="0">
-                <a:solidFill>
-                  <a:srgbClr val="00B050"/>
-                </a:solidFill>
-              </a:rPr>
-              <a:t>X + b</a:t>
-            </a:r>
-          </a:p>
-          <a:p>
-            <a:r>
-              <a:rPr lang="en-US" dirty="0" smtClean="0">
-                <a:solidFill>
-                  <a:srgbClr val="00B050"/>
-                </a:solidFill>
-              </a:rPr>
-              <a:t>ŷ = P( y=1 | X) </a:t>
-            </a:r>
-          </a:p>
-          <a:p>
-            <a:endParaRPr lang="en-US" baseline="-25000" dirty="0"/>
+              <a:t>W and b</a:t>
+            </a:r>
           </a:p>
         </p:txBody>
       </p:sp>
@@ -4562,151 +4034,7 @@
           <a:p>
             <a:r>
               <a:rPr lang="en-US" dirty="0" smtClean="0"/>
-              <a:t>Input dataset </a:t>
-            </a:r>
-          </a:p>
-          <a:p>
-            <a:pPr lvl="1"/>
-            <a:r>
-              <a:rPr lang="en-US" dirty="0" smtClean="0"/>
-              <a:t>{ (x</a:t>
-            </a:r>
-            <a:r>
-              <a:rPr lang="en-US" baseline="30000" dirty="0" smtClean="0"/>
-              <a:t>(1)</a:t>
-            </a:r>
-            <a:r>
-              <a:rPr lang="en-US" dirty="0" smtClean="0"/>
-              <a:t>,y</a:t>
-            </a:r>
-            <a:r>
-              <a:rPr lang="en-US" baseline="30000" dirty="0" smtClean="0"/>
-              <a:t>(1)</a:t>
-            </a:r>
-            <a:r>
-              <a:rPr lang="en-US" dirty="0" smtClean="0"/>
-              <a:t>), (x</a:t>
-            </a:r>
-            <a:r>
-              <a:rPr lang="en-US" baseline="30000" dirty="0" smtClean="0"/>
-              <a:t>(2)</a:t>
-            </a:r>
-            <a:r>
-              <a:rPr lang="en-US" dirty="0" smtClean="0"/>
-              <a:t>,y</a:t>
-            </a:r>
-            <a:r>
-              <a:rPr lang="en-US" baseline="30000" dirty="0" smtClean="0"/>
-              <a:t>(2)</a:t>
-            </a:r>
-            <a:r>
-              <a:rPr lang="en-US" dirty="0" smtClean="0"/>
-              <a:t>), …, (x</a:t>
-            </a:r>
-            <a:r>
-              <a:rPr lang="en-US" baseline="30000" dirty="0" smtClean="0"/>
-              <a:t>(m)</a:t>
-            </a:r>
-            <a:r>
-              <a:rPr lang="en-US" dirty="0" smtClean="0"/>
-              <a:t>,y</a:t>
-            </a:r>
-            <a:r>
-              <a:rPr lang="en-US" baseline="30000" dirty="0" smtClean="0"/>
-              <a:t>(m)</a:t>
-            </a:r>
-            <a:r>
-              <a:rPr lang="en-US" dirty="0" smtClean="0"/>
-              <a:t>)}</a:t>
-            </a:r>
-          </a:p>
-          <a:p>
-            <a:r>
-              <a:rPr lang="en-US" dirty="0" smtClean="0"/>
-              <a:t>Equations</a:t>
-            </a:r>
-          </a:p>
-          <a:p>
-            <a:pPr lvl="1"/>
-            <a:r>
-              <a:rPr lang="en-US" dirty="0" smtClean="0"/>
-              <a:t>Z = W</a:t>
-            </a:r>
-            <a:r>
-              <a:rPr lang="en-US" baseline="30000" dirty="0" smtClean="0"/>
-              <a:t>T</a:t>
-            </a:r>
-            <a:r>
-              <a:rPr lang="en-US" dirty="0" smtClean="0"/>
-              <a:t>X + b</a:t>
-            </a:r>
-          </a:p>
-          <a:p>
-            <a:pPr lvl="1"/>
-            <a:r>
-              <a:rPr lang="en-US" dirty="0" smtClean="0"/>
-              <a:t>ŷ = </a:t>
-            </a:r>
-            <a:r>
-              <a:rPr lang="el-GR" dirty="0" smtClean="0"/>
-              <a:t>σ</a:t>
-            </a:r>
-            <a:r>
-              <a:rPr lang="en-US" dirty="0" smtClean="0"/>
-              <a:t>(Z) = y</a:t>
-            </a:r>
-            <a:r>
-              <a:rPr lang="en-US" baseline="-25000" dirty="0" smtClean="0"/>
-              <a:t>p</a:t>
-            </a:r>
-          </a:p>
-          <a:p>
-            <a:r>
-              <a:rPr lang="en-US" dirty="0" smtClean="0"/>
-              <a:t>Output </a:t>
-            </a:r>
-          </a:p>
-          <a:p>
-            <a:pPr lvl="1"/>
-            <a:r>
-              <a:rPr lang="en-US" dirty="0" smtClean="0"/>
-              <a:t>ŷ</a:t>
-            </a:r>
-            <a:r>
-              <a:rPr lang="en-US" baseline="30000" dirty="0" smtClean="0"/>
-              <a:t>(</a:t>
-            </a:r>
-            <a:r>
-              <a:rPr lang="en-US" baseline="30000" dirty="0" err="1" smtClean="0"/>
-              <a:t>i</a:t>
-            </a:r>
-            <a:r>
-              <a:rPr lang="en-US" baseline="30000" dirty="0" smtClean="0"/>
-              <a:t>) </a:t>
-            </a:r>
-            <a:r>
-              <a:rPr lang="en-US" dirty="0" smtClean="0"/>
-              <a:t>~ y</a:t>
-            </a:r>
-            <a:r>
-              <a:rPr lang="en-US" baseline="30000" dirty="0" smtClean="0"/>
-              <a:t>(</a:t>
-            </a:r>
-            <a:r>
-              <a:rPr lang="en-US" baseline="30000" dirty="0" err="1" smtClean="0"/>
-              <a:t>i</a:t>
-            </a:r>
-            <a:r>
-              <a:rPr lang="en-US" baseline="30000" dirty="0" smtClean="0"/>
-              <a:t>)</a:t>
-            </a:r>
-            <a:endParaRPr lang="en-US" dirty="0" smtClean="0"/>
-          </a:p>
-          <a:p>
-            <a:pPr lvl="1"/>
-            <a:r>
-              <a:rPr lang="en-US" dirty="0" smtClean="0"/>
-              <a:t>W and b</a:t>
+              <a:t>L(ŷ, y) = – y * log(ŷ) – (1 – y) * log(1 – ŷ)</a:t>
             </a:r>
           </a:p>
         </p:txBody>
@@ -4790,6 +4118,90 @@
               <a:t>L(ŷ, y) = – y * log(ŷ) – (1 – y) * log(1 – ŷ)</a:t>
             </a:r>
           </a:p>
+          <a:p>
+            <a:pPr lvl="1">
+              <a:buNone/>
+            </a:pPr>
+            <a:r>
+              <a:rPr lang="en-US" dirty="0" smtClean="0">
+                <a:solidFill>
+                  <a:srgbClr val="00B050"/>
+                </a:solidFill>
+              </a:rPr>
+              <a:t>y = 1</a:t>
+            </a:r>
+          </a:p>
+          <a:p>
+            <a:pPr lvl="1">
+              <a:buNone/>
+            </a:pPr>
+            <a:r>
+              <a:rPr lang="en-US" dirty="0" smtClean="0">
+                <a:solidFill>
+                  <a:srgbClr val="00B050"/>
+                </a:solidFill>
+              </a:rPr>
+              <a:t>L(ŷ, y) = – log(ŷ)</a:t>
+            </a:r>
+          </a:p>
+          <a:p>
+            <a:pPr lvl="1">
+              <a:buNone/>
+            </a:pPr>
+            <a:r>
+              <a:rPr lang="en-US" dirty="0" smtClean="0">
+                <a:solidFill>
+                  <a:srgbClr val="00B050"/>
+                </a:solidFill>
+              </a:rPr>
+              <a:t>– log(ŷ) – Minimize</a:t>
+            </a:r>
+          </a:p>
+          <a:p>
+            <a:pPr lvl="1">
+              <a:buNone/>
+            </a:pPr>
+            <a:r>
+              <a:rPr lang="en-US" dirty="0" smtClean="0">
+                <a:solidFill>
+                  <a:srgbClr val="00B050"/>
+                </a:solidFill>
+              </a:rPr>
+              <a:t>log(ŷ) – Maximize </a:t>
+            </a:r>
+          </a:p>
+          <a:p>
+            <a:pPr lvl="1">
+              <a:buNone/>
+            </a:pPr>
+            <a:r>
+              <a:rPr lang="en-US" dirty="0" smtClean="0">
+                <a:solidFill>
+                  <a:srgbClr val="00B050"/>
+                </a:solidFill>
+              </a:rPr>
+              <a:t>ŷ – Maximize </a:t>
+            </a:r>
+          </a:p>
+          <a:p>
+            <a:pPr lvl="1">
+              <a:buNone/>
+            </a:pPr>
+            <a:r>
+              <a:rPr lang="en-US" dirty="0" smtClean="0">
+                <a:solidFill>
+                  <a:srgbClr val="00B050"/>
+                </a:solidFill>
+              </a:rPr>
+              <a:t>ŷ – 1.0</a:t>
+            </a:r>
+          </a:p>
+          <a:p>
+            <a:pPr>
+              <a:buNone/>
+            </a:pPr>
+            <a:endParaRPr lang="en-US" dirty="0" smtClean="0"/>
+          </a:p>
         </p:txBody>
       </p:sp>
     </p:spTree>
@@ -4881,7 +4293,7 @@
                   <a:srgbClr val="00B050"/>
                 </a:solidFill>
               </a:rPr>
-              <a:t>y = 1</a:t>
+              <a:t>y = 0</a:t>
             </a:r>
           </a:p>
           <a:p>
@@ -4894,7 +4306,7 @@
                   <a:srgbClr val="00B050"/>
                 </a:solidFill>
               </a:rPr>
-              <a:t>L(ŷ, y) = – log(ŷ)</a:t>
+              <a:t>L(ŷ, y) = – log(1 – ŷ)</a:t>
             </a:r>
           </a:p>
           <a:p>
@@ -4907,7 +4319,7 @@
                   <a:srgbClr val="00B050"/>
                 </a:solidFill>
               </a:rPr>
-              <a:t>– log(ŷ) – Minimize</a:t>
+              <a:t>– log(1 – ŷ) – Minimize</a:t>
             </a:r>
           </a:p>
           <a:p>
@@ -4920,7 +4332,7 @@
                   <a:srgbClr val="00B050"/>
                 </a:solidFill>
               </a:rPr>
-              <a:t>log(ŷ) – Maximize </a:t>
+              <a:t>log(1 – ŷ) – Maximize </a:t>
             </a:r>
           </a:p>
           <a:p>
@@ -4933,7 +4345,7 @@
                   <a:srgbClr val="00B050"/>
                 </a:solidFill>
               </a:rPr>
-              <a:t>ŷ – Maximize </a:t>
+              <a:t>1 – ŷ – Maximize</a:t>
             </a:r>
           </a:p>
           <a:p>
@@ -4946,7 +4358,20 @@
                   <a:srgbClr val="00B050"/>
                 </a:solidFill>
               </a:rPr>
-              <a:t>ŷ – 1.0</a:t>
+              <a:t>ŷ – Minimize</a:t>
+            </a:r>
+          </a:p>
+          <a:p>
+            <a:pPr lvl="1">
+              <a:buNone/>
+            </a:pPr>
+            <a:r>
+              <a:rPr lang="en-US" dirty="0" smtClean="0">
+                <a:solidFill>
+                  <a:srgbClr val="00B050"/>
+                </a:solidFill>
+              </a:rPr>
+              <a:t>ŷ – 0.0</a:t>
             </a:r>
           </a:p>
           <a:p>
@@ -5008,7 +4433,7 @@
           <a:p>
             <a:r>
               <a:rPr lang="en-US" dirty="0" smtClean="0"/>
-              <a:t>Logistic regression loss function </a:t>
+              <a:t>Logistic regression cost function </a:t>
             </a:r>
             <a:endParaRPr lang="en-US" dirty="0"/>
           </a:p>
@@ -5033,108 +4458,162 @@
           <a:p>
             <a:r>
               <a:rPr lang="en-US" dirty="0" smtClean="0"/>
-              <a:t>L(ŷ, y) = – y * log(ŷ) – (1 – y) * log(1 – ŷ)</a:t>
-            </a:r>
-          </a:p>
-          <a:p>
-            <a:pPr lvl="1">
-              <a:buNone/>
-            </a:pPr>
-            <a:r>
-              <a:rPr lang="en-US" dirty="0" smtClean="0">
-                <a:solidFill>
-                  <a:srgbClr val="00B050"/>
-                </a:solidFill>
-              </a:rPr>
-              <a:t>y = 0</a:t>
-            </a:r>
-          </a:p>
-          <a:p>
-            <a:pPr lvl="1">
-              <a:buNone/>
-            </a:pPr>
-            <a:r>
-              <a:rPr lang="en-US" dirty="0" smtClean="0">
-                <a:solidFill>
-                  <a:srgbClr val="00B050"/>
-                </a:solidFill>
-              </a:rPr>
-              <a:t>L(ŷ, y) = – log(1 – ŷ)</a:t>
-            </a:r>
-          </a:p>
-          <a:p>
-            <a:pPr lvl="1">
-              <a:buNone/>
-            </a:pPr>
-            <a:r>
-              <a:rPr lang="en-US" dirty="0" smtClean="0">
-                <a:solidFill>
-                  <a:srgbClr val="00B050"/>
-                </a:solidFill>
-              </a:rPr>
-              <a:t>– log(1 – ŷ) – Minimize</a:t>
-            </a:r>
-          </a:p>
-          <a:p>
-            <a:pPr lvl="1">
-              <a:buNone/>
-            </a:pPr>
-            <a:r>
-              <a:rPr lang="en-US" dirty="0" smtClean="0">
-                <a:solidFill>
-                  <a:srgbClr val="00B050"/>
-                </a:solidFill>
-              </a:rPr>
-              <a:t>log(1 – ŷ) – Maximize </a:t>
-            </a:r>
-          </a:p>
-          <a:p>
-            <a:pPr lvl="1">
-              <a:buNone/>
-            </a:pPr>
-            <a:r>
-              <a:rPr lang="en-US" dirty="0" smtClean="0">
-                <a:solidFill>
-                  <a:srgbClr val="00B050"/>
-                </a:solidFill>
-              </a:rPr>
-              <a:t>1 – ŷ – Maximize</a:t>
-            </a:r>
-          </a:p>
-          <a:p>
-            <a:pPr lvl="1">
-              <a:buNone/>
-            </a:pPr>
-            <a:r>
-              <a:rPr lang="en-US" dirty="0" smtClean="0">
-                <a:solidFill>
-                  <a:srgbClr val="00B050"/>
-                </a:solidFill>
-              </a:rPr>
-              <a:t>ŷ – Minimize</a:t>
-            </a:r>
-          </a:p>
-          <a:p>
-            <a:pPr lvl="1">
-              <a:buNone/>
-            </a:pPr>
-            <a:r>
-              <a:rPr lang="en-US" dirty="0" smtClean="0">
-                <a:solidFill>
-                  <a:srgbClr val="00B050"/>
-                </a:solidFill>
-              </a:rPr>
-              <a:t>ŷ – 0.0</a:t>
-            </a:r>
-          </a:p>
-          <a:p>
-            <a:pPr>
-              <a:buNone/>
-            </a:pPr>
-            <a:endParaRPr lang="en-US" dirty="0" smtClean="0"/>
+              <a:t>Loss function</a:t>
+            </a:r>
+          </a:p>
+          <a:p>
+            <a:pPr lvl="1"/>
+            <a:r>
+              <a:rPr lang="en-US" dirty="0" smtClean="0"/>
+              <a:t>One sample – i</a:t>
+            </a:r>
+            <a:r>
+              <a:rPr lang="en-US" baseline="30000" dirty="0" smtClean="0"/>
+              <a:t>th</a:t>
+            </a:r>
+            <a:r>
+              <a:rPr lang="en-US" dirty="0" smtClean="0"/>
+              <a:t> sample</a:t>
+            </a:r>
+          </a:p>
+          <a:p>
+            <a:pPr lvl="1"/>
+            <a:r>
+              <a:rPr lang="en-US" dirty="0" smtClean="0"/>
+              <a:t>L(ŷ</a:t>
+            </a:r>
+            <a:r>
+              <a:rPr lang="en-US" baseline="30000" dirty="0" smtClean="0"/>
+              <a:t>(</a:t>
+            </a:r>
+            <a:r>
+              <a:rPr lang="en-US" baseline="30000" dirty="0" err="1" smtClean="0"/>
+              <a:t>i</a:t>
+            </a:r>
+            <a:r>
+              <a:rPr lang="en-US" baseline="30000" dirty="0" smtClean="0"/>
+              <a:t>)</a:t>
+            </a:r>
+            <a:r>
+              <a:rPr lang="en-US" dirty="0" smtClean="0"/>
+              <a:t>, y</a:t>
+            </a:r>
+            <a:r>
+              <a:rPr lang="en-US" baseline="30000" dirty="0" smtClean="0"/>
+              <a:t>(</a:t>
+            </a:r>
+            <a:r>
+              <a:rPr lang="en-US" baseline="30000" dirty="0" err="1" smtClean="0"/>
+              <a:t>i</a:t>
+            </a:r>
+            <a:r>
+              <a:rPr lang="en-US" baseline="30000" dirty="0" smtClean="0"/>
+              <a:t>)</a:t>
+            </a:r>
+            <a:r>
+              <a:rPr lang="en-US" dirty="0" smtClean="0"/>
+              <a:t>) = – y</a:t>
+            </a:r>
+            <a:r>
+              <a:rPr lang="en-US" baseline="30000" dirty="0" smtClean="0"/>
+              <a:t>(</a:t>
+            </a:r>
+            <a:r>
+              <a:rPr lang="en-US" baseline="30000" dirty="0" err="1" smtClean="0"/>
+              <a:t>i</a:t>
+            </a:r>
+            <a:r>
+              <a:rPr lang="en-US" baseline="30000" dirty="0" smtClean="0"/>
+              <a:t>)</a:t>
+            </a:r>
+            <a:r>
+              <a:rPr lang="en-US" dirty="0" smtClean="0"/>
+              <a:t> * log(ŷ</a:t>
+            </a:r>
+            <a:r>
+              <a:rPr lang="en-US" baseline="30000" dirty="0" smtClean="0"/>
+              <a:t>(</a:t>
+            </a:r>
+            <a:r>
+              <a:rPr lang="en-US" baseline="30000" dirty="0" err="1" smtClean="0"/>
+              <a:t>i</a:t>
+            </a:r>
+            <a:r>
+              <a:rPr lang="en-US" baseline="30000" dirty="0" smtClean="0"/>
+              <a:t>)</a:t>
+            </a:r>
+            <a:r>
+              <a:rPr lang="en-US" dirty="0" smtClean="0"/>
+              <a:t>) – (1 – y</a:t>
+            </a:r>
+            <a:r>
+              <a:rPr lang="en-US" baseline="30000" dirty="0" smtClean="0"/>
+              <a:t>(</a:t>
+            </a:r>
+            <a:r>
+              <a:rPr lang="en-US" baseline="30000" dirty="0" err="1" smtClean="0"/>
+              <a:t>i</a:t>
+            </a:r>
+            <a:r>
+              <a:rPr lang="en-US" baseline="30000" dirty="0" smtClean="0"/>
+              <a:t>)</a:t>
+            </a:r>
+            <a:r>
+              <a:rPr lang="en-US" dirty="0" smtClean="0"/>
+              <a:t>) * log(1 – ŷ</a:t>
+            </a:r>
+            <a:r>
+              <a:rPr lang="en-US" baseline="30000" dirty="0" smtClean="0"/>
+              <a:t>(</a:t>
+            </a:r>
+            <a:r>
+              <a:rPr lang="en-US" baseline="30000" dirty="0" err="1" smtClean="0"/>
+              <a:t>i</a:t>
+            </a:r>
+            <a:r>
+              <a:rPr lang="en-US" baseline="30000" dirty="0" smtClean="0"/>
+              <a:t>)</a:t>
+            </a:r>
+            <a:r>
+              <a:rPr lang="en-US" dirty="0" smtClean="0"/>
+              <a:t>)</a:t>
+            </a:r>
+          </a:p>
+          <a:p>
+            <a:r>
+              <a:rPr lang="en-US" dirty="0" smtClean="0"/>
+              <a:t>Cost function</a:t>
+            </a:r>
+          </a:p>
+          <a:p>
+            <a:pPr lvl="1"/>
+            <a:r>
+              <a:rPr lang="en-US" dirty="0" smtClean="0"/>
+              <a:t>Average of loss function for all samples</a:t>
+            </a:r>
           </a:p>
         </p:txBody>
       </p:sp>
+      <p:graphicFrame>
+        <p:nvGraphicFramePr>
+          <p:cNvPr id="15362" name="Object 2"/>
+          <p:cNvGraphicFramePr>
+            <a:graphicFrameLocks noChangeAspect="1"/>
+          </p:cNvGraphicFramePr>
+          <p:nvPr/>
+        </p:nvGraphicFramePr>
+        <p:xfrm>
+          <a:off x="1219200" y="4634957"/>
+          <a:ext cx="7162800" cy="1842043"/>
+        </p:xfrm>
+        <a:graphic>
+          <a:graphicData uri="http://schemas.openxmlformats.org/presentationml/2006/ole">
+            <p:oleObj spid="_x0000_s15362" name="Equation" r:id="rId3" imgW="3492360" imgH="888840" progId="Equation.3">
+              <p:embed/>
+            </p:oleObj>
+          </a:graphicData>
+        </a:graphic>
+      </p:graphicFrame>
     </p:spTree>
   </p:cSld>
   <p:clrMapOvr>
@@ -5180,238 +4659,6 @@
         <p:spPr/>
         <p:txBody>
           <a:bodyPr>
-            <a:normAutofit/>
-          </a:bodyPr>
-          <a:lstStyle/>
-          <a:p>
-            <a:r>
-              <a:rPr lang="en-US" dirty="0" smtClean="0"/>
-              <a:t>Logistic regression cost function </a:t>
-            </a:r>
-            <a:endParaRPr lang="en-US" dirty="0"/>
-          </a:p>
-        </p:txBody>
-      </p:sp>
-      <p:sp>
-        <p:nvSpPr>
-          <p:cNvPr id="3" name="Content Placeholder 2"/>
-          <p:cNvSpPr>
-            <a:spLocks noGrp="1"/>
-          </p:cNvSpPr>
-          <p:nvPr>
-            <p:ph idx="1"/>
-          </p:nvPr>
-        </p:nvSpPr>
-        <p:spPr/>
-        <p:txBody>
-          <a:bodyPr>
-            <a:normAutofit/>
-          </a:bodyPr>
-          <a:lstStyle/>
-          <a:p>
-            <a:r>
-              <a:rPr lang="en-US" dirty="0" smtClean="0"/>
-              <a:t>Loss function</a:t>
-            </a:r>
-          </a:p>
-          <a:p>
-            <a:pPr lvl="1"/>
-            <a:r>
-              <a:rPr lang="en-US" dirty="0" smtClean="0"/>
-              <a:t>One sample – i</a:t>
-            </a:r>
-            <a:r>
-              <a:rPr lang="en-US" baseline="30000" dirty="0" smtClean="0"/>
-              <a:t>th</a:t>
-            </a:r>
-            <a:r>
-              <a:rPr lang="en-US" dirty="0" smtClean="0"/>
-              <a:t> sample</a:t>
-            </a:r>
-          </a:p>
-          <a:p>
-            <a:pPr lvl="1"/>
-            <a:r>
-              <a:rPr lang="en-US" dirty="0" smtClean="0"/>
-              <a:t>L(ŷ</a:t>
-            </a:r>
-            <a:r>
-              <a:rPr lang="en-US" baseline="30000" dirty="0" smtClean="0"/>
-              <a:t>(</a:t>
-            </a:r>
-            <a:r>
-              <a:rPr lang="en-US" baseline="30000" dirty="0" err="1" smtClean="0"/>
-              <a:t>i</a:t>
-            </a:r>
-            <a:r>
-              <a:rPr lang="en-US" baseline="30000" dirty="0" smtClean="0"/>
-              <a:t>)</a:t>
-            </a:r>
-            <a:r>
-              <a:rPr lang="en-US" dirty="0" smtClean="0"/>
-              <a:t>, y</a:t>
-            </a:r>
-            <a:r>
-              <a:rPr lang="en-US" baseline="30000" dirty="0" smtClean="0"/>
-              <a:t>(</a:t>
-            </a:r>
-            <a:r>
-              <a:rPr lang="en-US" baseline="30000" dirty="0" err="1" smtClean="0"/>
-              <a:t>i</a:t>
-            </a:r>
-            <a:r>
-              <a:rPr lang="en-US" baseline="30000" dirty="0" smtClean="0"/>
-              <a:t>)</a:t>
-            </a:r>
-            <a:r>
-              <a:rPr lang="en-US" dirty="0" smtClean="0"/>
-              <a:t>) = – y</a:t>
-            </a:r>
-            <a:r>
-              <a:rPr lang="en-US" baseline="30000" dirty="0" smtClean="0"/>
-              <a:t>(</a:t>
-            </a:r>
-            <a:r>
-              <a:rPr lang="en-US" baseline="30000" dirty="0" err="1" smtClean="0"/>
-              <a:t>i</a:t>
-            </a:r>
-            <a:r>
-              <a:rPr lang="en-US" baseline="30000" dirty="0" smtClean="0"/>
-              <a:t>)</a:t>
-            </a:r>
-            <a:r>
-              <a:rPr lang="en-US" dirty="0" smtClean="0"/>
-              <a:t> * log(ŷ</a:t>
-            </a:r>
-            <a:r>
-              <a:rPr lang="en-US" baseline="30000" dirty="0" smtClean="0"/>
-              <a:t>(</a:t>
-            </a:r>
-            <a:r>
-              <a:rPr lang="en-US" baseline="30000" dirty="0" err="1" smtClean="0"/>
-              <a:t>i</a:t>
-            </a:r>
-            <a:r>
-              <a:rPr lang="en-US" baseline="30000" dirty="0" smtClean="0"/>
-              <a:t>)</a:t>
-            </a:r>
-            <a:r>
-              <a:rPr lang="en-US" dirty="0" smtClean="0"/>
-              <a:t>) – (1 – y</a:t>
-            </a:r>
-            <a:r>
-              <a:rPr lang="en-US" baseline="30000" dirty="0" smtClean="0"/>
-              <a:t>(</a:t>
-            </a:r>
-            <a:r>
-              <a:rPr lang="en-US" baseline="30000" dirty="0" err="1" smtClean="0"/>
-              <a:t>i</a:t>
-            </a:r>
-            <a:r>
-              <a:rPr lang="en-US" baseline="30000" dirty="0" smtClean="0"/>
-              <a:t>)</a:t>
-            </a:r>
-            <a:r>
-              <a:rPr lang="en-US" dirty="0" smtClean="0"/>
-              <a:t>) * log(1 – ŷ</a:t>
-            </a:r>
-            <a:r>
-              <a:rPr lang="en-US" baseline="30000" dirty="0" smtClean="0"/>
-              <a:t>(</a:t>
-            </a:r>
-            <a:r>
-              <a:rPr lang="en-US" baseline="30000" dirty="0" err="1" smtClean="0"/>
-              <a:t>i</a:t>
-            </a:r>
-            <a:r>
-              <a:rPr lang="en-US" baseline="30000" dirty="0" smtClean="0"/>
-              <a:t>)</a:t>
-            </a:r>
-            <a:r>
-              <a:rPr lang="en-US" dirty="0" smtClean="0"/>
-              <a:t>)</a:t>
-            </a:r>
-          </a:p>
-          <a:p>
-            <a:r>
-              <a:rPr lang="en-US" dirty="0" smtClean="0"/>
-              <a:t>Cost function</a:t>
-            </a:r>
-          </a:p>
-          <a:p>
-            <a:pPr lvl="1"/>
-            <a:r>
-              <a:rPr lang="en-US" dirty="0" smtClean="0"/>
-              <a:t>Average of loss function for all samples</a:t>
-            </a:r>
-          </a:p>
-        </p:txBody>
-      </p:sp>
-      <p:graphicFrame>
-        <p:nvGraphicFramePr>
-          <p:cNvPr id="15362" name="Object 2"/>
-          <p:cNvGraphicFramePr>
-            <a:graphicFrameLocks noChangeAspect="1"/>
-          </p:cNvGraphicFramePr>
-          <p:nvPr/>
-        </p:nvGraphicFramePr>
-        <p:xfrm>
-          <a:off x="1219200" y="4634957"/>
-          <a:ext cx="7162800" cy="1842043"/>
-        </p:xfrm>
-        <a:graphic>
-          <a:graphicData uri="http://schemas.openxmlformats.org/presentationml/2006/ole">
-            <p:oleObj spid="_x0000_s15362" name="Equation" r:id="rId3" imgW="3492360" imgH="888840" progId="Equation.3">
-              <p:embed/>
-            </p:oleObj>
-          </a:graphicData>
-        </a:graphic>
-      </p:graphicFrame>
-    </p:spTree>
-  </p:cSld>
-  <p:clrMapOvr>
-    <a:masterClrMapping/>
-  </p:clrMapOvr>
-  <p:timing>
-    <p:tnLst>
-      <p:par>
-        <p:cTn id="1" dur="indefinite" restart="never" nodeType="tmRoot"/>
-      </p:par>
-    </p:tnLst>
-  </p:timing>
-</p:sld>
-</file>
-
-<file path=ppt/slides/slide17.xml><?xml version="1.0" encoding="utf-8"?>
-<p:sld xmlns:a="http://schemas.openxmlformats.org/drawingml/2006/main" xmlns:r="http://schemas.openxmlformats.org/officeDocument/2006/relationships" xmlns:p="http://schemas.openxmlformats.org/presentationml/2006/main">
-  <p:cSld>
-    <p:spTree>
-      <p:nvGrpSpPr>
-        <p:cNvPr id="1" name=""/>
-        <p:cNvGrpSpPr/>
-        <p:nvPr/>
-      </p:nvGrpSpPr>
-      <p:grpSpPr>
-        <a:xfrm>
-          <a:off x="0" y="0"/>
-          <a:ext cx="0" cy="0"/>
-          <a:chOff x="0" y="0"/>
-          <a:chExt cx="0" cy="0"/>
-        </a:xfrm>
-      </p:grpSpPr>
-      <p:sp>
-        <p:nvSpPr>
-          <p:cNvPr id="2" name="Title 1"/>
-          <p:cNvSpPr>
-            <a:spLocks noGrp="1"/>
-          </p:cNvSpPr>
-          <p:nvPr>
-            <p:ph type="title"/>
-          </p:nvPr>
-        </p:nvSpPr>
-        <p:spPr/>
-        <p:txBody>
-          <a:bodyPr>
             <a:normAutofit fontScale="90000"/>
           </a:bodyPr>
           <a:lstStyle/>
@@ -5742,7 +4989,7 @@
 </p:sld>
 </file>
 
-<file path=ppt/slides/slide18.xml><?xml version="1.0" encoding="utf-8"?>
+<file path=ppt/slides/slide17.xml><?xml version="1.0" encoding="utf-8"?>
 <p:sld xmlns:a="http://schemas.openxmlformats.org/drawingml/2006/main" xmlns:r="http://schemas.openxmlformats.org/officeDocument/2006/relationships" xmlns:p="http://schemas.openxmlformats.org/presentationml/2006/main">
   <p:cSld>
     <p:spTree>
@@ -5857,6 +5104,536 @@
 </p:sld>
 </file>
 
+<file path=ppt/slides/slide18.xml><?xml version="1.0" encoding="utf-8"?>
+<p:sld xmlns:a="http://schemas.openxmlformats.org/drawingml/2006/main" xmlns:r="http://schemas.openxmlformats.org/officeDocument/2006/relationships" xmlns:p="http://schemas.openxmlformats.org/presentationml/2006/main">
+  <p:cSld>
+    <p:spTree>
+      <p:nvGrpSpPr>
+        <p:cNvPr id="1" name=""/>
+        <p:cNvGrpSpPr/>
+        <p:nvPr/>
+      </p:nvGrpSpPr>
+      <p:grpSpPr>
+        <a:xfrm>
+          <a:off x="0" y="0"/>
+          <a:ext cx="0" cy="0"/>
+          <a:chOff x="0" y="0"/>
+          <a:chExt cx="0" cy="0"/>
+        </a:xfrm>
+      </p:grpSpPr>
+      <p:sp>
+        <p:nvSpPr>
+          <p:cNvPr id="2" name="Title 1"/>
+          <p:cNvSpPr>
+            <a:spLocks noGrp="1"/>
+          </p:cNvSpPr>
+          <p:nvPr>
+            <p:ph type="title"/>
+          </p:nvPr>
+        </p:nvSpPr>
+        <p:spPr/>
+        <p:txBody>
+          <a:bodyPr>
+            <a:normAutofit fontScale="90000"/>
+          </a:bodyPr>
+          <a:lstStyle/>
+          <a:p>
+            <a:r>
+              <a:rPr lang="en-US" dirty="0" smtClean="0"/>
+              <a:t>Logistic regression – Gradient descent</a:t>
+            </a:r>
+            <a:endParaRPr lang="en-US" dirty="0"/>
+          </a:p>
+        </p:txBody>
+      </p:sp>
+      <p:sp>
+        <p:nvSpPr>
+          <p:cNvPr id="5" name="Content Placeholder 2"/>
+          <p:cNvSpPr txBox="1">
+            <a:spLocks/>
+          </p:cNvSpPr>
+          <p:nvPr/>
+        </p:nvSpPr>
+        <p:spPr>
+          <a:xfrm>
+            <a:off x="457200" y="1600200"/>
+            <a:ext cx="4114800" cy="4525963"/>
+          </a:xfrm>
+          <a:prstGeom prst="rect">
+            <a:avLst/>
+          </a:prstGeom>
+        </p:spPr>
+        <p:txBody>
+          <a:bodyPr vert="horz" lIns="91440" tIns="45720" rIns="91440" bIns="45720" rtlCol="0">
+            <a:normAutofit/>
+          </a:bodyPr>
+          <a:lstStyle/>
+          <a:p>
+            <a:pPr marL="342900" marR="0" lvl="0" indent="-342900" algn="l" defTabSz="914400" rtl="0" eaLnBrk="1" fontAlgn="auto" latinLnBrk="0" hangingPunct="1">
+              <a:lnSpc>
+                <a:spcPct val="100000"/>
+              </a:lnSpc>
+              <a:spcBef>
+                <a:spcPct val="20000"/>
+              </a:spcBef>
+              <a:spcAft>
+                <a:spcPts val="0"/>
+              </a:spcAft>
+              <a:buClrTx/>
+              <a:buSzTx/>
+              <a:buFont typeface="Arial" pitchFamily="34" charset="0"/>
+              <a:buChar char="•"/>
+              <a:tabLst/>
+              <a:defRPr/>
+            </a:pPr>
+            <a:r>
+              <a:rPr kumimoji="0" lang="en-US" sz="3200" b="0" i="0" u="none" strike="noStrike" kern="1200" cap="none" spc="0" normalizeH="0" baseline="0" noProof="0" dirty="0" smtClean="0">
+                <a:ln>
+                  <a:noFill/>
+                </a:ln>
+                <a:solidFill>
+                  <a:schemeClr val="tx1"/>
+                </a:solidFill>
+                <a:effectLst/>
+                <a:uLnTx/>
+                <a:uFillTx/>
+                <a:latin typeface="+mn-lt"/>
+                <a:ea typeface="+mn-ea"/>
+                <a:cs typeface="+mn-cs"/>
+              </a:rPr>
+              <a:t>Forward pass</a:t>
+            </a:r>
+          </a:p>
+          <a:p>
+            <a:pPr marL="742950" lvl="1" indent="-285750">
+              <a:spcBef>
+                <a:spcPct val="20000"/>
+              </a:spcBef>
+              <a:buFont typeface="Arial" pitchFamily="34" charset="0"/>
+              <a:buChar char="–"/>
+            </a:pPr>
+            <a:r>
+              <a:rPr lang="en-US" sz="2800" dirty="0" smtClean="0"/>
+              <a:t>Z</a:t>
+            </a:r>
+            <a:r>
+              <a:rPr lang="en-US" sz="2800" baseline="30000" dirty="0" smtClean="0"/>
+              <a:t>[1]</a:t>
+            </a:r>
+            <a:r>
+              <a:rPr lang="en-US" sz="2800" dirty="0" smtClean="0"/>
+              <a:t>= W</a:t>
+            </a:r>
+            <a:r>
+              <a:rPr lang="en-US" sz="2800" baseline="30000" dirty="0" smtClean="0"/>
+              <a:t>[1]</a:t>
+            </a:r>
+            <a:r>
+              <a:rPr lang="en-US" sz="2800" dirty="0" smtClean="0"/>
+              <a:t>a</a:t>
+            </a:r>
+            <a:r>
+              <a:rPr lang="en-US" sz="2800" baseline="30000" dirty="0" smtClean="0"/>
+              <a:t>[0] </a:t>
+            </a:r>
+            <a:r>
+              <a:rPr kumimoji="0" lang="en-US" sz="2800" b="0" i="0" u="none" strike="noStrike" kern="1200" cap="none" spc="0" normalizeH="0" baseline="0" noProof="0" dirty="0" smtClean="0">
+                <a:ln>
+                  <a:noFill/>
+                </a:ln>
+                <a:solidFill>
+                  <a:schemeClr val="tx1"/>
+                </a:solidFill>
+                <a:effectLst/>
+                <a:uLnTx/>
+                <a:uFillTx/>
+                <a:latin typeface="+mn-lt"/>
+                <a:ea typeface="+mn-ea"/>
+                <a:cs typeface="+mn-cs"/>
+              </a:rPr>
+              <a:t>+ b</a:t>
+            </a:r>
+            <a:r>
+              <a:rPr kumimoji="0" lang="en-US" sz="2800" b="0" i="0" u="none" strike="noStrike" kern="1200" cap="none" spc="0" normalizeH="0" baseline="30000" noProof="0" dirty="0" smtClean="0">
+                <a:ln>
+                  <a:noFill/>
+                </a:ln>
+                <a:solidFill>
+                  <a:schemeClr val="tx1"/>
+                </a:solidFill>
+                <a:effectLst/>
+                <a:uLnTx/>
+                <a:uFillTx/>
+                <a:latin typeface="+mn-lt"/>
+                <a:ea typeface="+mn-ea"/>
+                <a:cs typeface="+mn-cs"/>
+              </a:rPr>
+              <a:t>[1]</a:t>
+            </a:r>
+          </a:p>
+          <a:p>
+            <a:pPr marL="742950" lvl="1" indent="-285750">
+              <a:spcBef>
+                <a:spcPct val="20000"/>
+              </a:spcBef>
+              <a:buFont typeface="Arial" pitchFamily="34" charset="0"/>
+              <a:buChar char="–"/>
+            </a:pPr>
+            <a:r>
+              <a:rPr lang="en-US" sz="2800" dirty="0" smtClean="0"/>
+              <a:t>ŷ = a</a:t>
+            </a:r>
+            <a:r>
+              <a:rPr lang="en-US" sz="2800" baseline="30000" dirty="0" smtClean="0"/>
+              <a:t>[1]  </a:t>
+            </a:r>
+            <a:r>
+              <a:rPr lang="en-US" sz="2800" dirty="0" smtClean="0"/>
+              <a:t>= </a:t>
+            </a:r>
+            <a:r>
+              <a:rPr lang="el-GR" sz="2800" dirty="0" smtClean="0"/>
+              <a:t>σ</a:t>
+            </a:r>
+            <a:r>
+              <a:rPr lang="en-US" sz="2800" dirty="0" smtClean="0"/>
+              <a:t>(Z</a:t>
+            </a:r>
+            <a:r>
+              <a:rPr lang="en-US" sz="2800" baseline="30000" dirty="0" smtClean="0"/>
+              <a:t>[1]</a:t>
+            </a:r>
+            <a:r>
+              <a:rPr lang="en-US" sz="2800" dirty="0" smtClean="0"/>
+              <a:t>)</a:t>
+            </a:r>
+          </a:p>
+          <a:p>
+            <a:pPr marL="742950" lvl="1" indent="-285750">
+              <a:spcBef>
+                <a:spcPct val="20000"/>
+              </a:spcBef>
+              <a:buFont typeface="Arial" pitchFamily="34" charset="0"/>
+              <a:buChar char="–"/>
+            </a:pPr>
+            <a:r>
+              <a:rPr lang="en-US" sz="2800" dirty="0" smtClean="0"/>
+              <a:t>L(ŷ</a:t>
+            </a:r>
+            <a:r>
+              <a:rPr lang="en-US" sz="2800" baseline="30000" dirty="0" smtClean="0"/>
+              <a:t>(</a:t>
+            </a:r>
+            <a:r>
+              <a:rPr lang="en-US" sz="2800" baseline="30000" dirty="0" err="1" smtClean="0"/>
+              <a:t>i</a:t>
+            </a:r>
+            <a:r>
+              <a:rPr lang="en-US" sz="2800" baseline="30000" dirty="0" smtClean="0"/>
+              <a:t>)</a:t>
+            </a:r>
+            <a:r>
+              <a:rPr lang="en-US" sz="2800" dirty="0" smtClean="0"/>
+              <a:t>, y</a:t>
+            </a:r>
+            <a:r>
+              <a:rPr lang="en-US" sz="2800" baseline="30000" dirty="0" smtClean="0"/>
+              <a:t>(</a:t>
+            </a:r>
+            <a:r>
+              <a:rPr lang="en-US" sz="2800" baseline="30000" dirty="0" err="1" smtClean="0"/>
+              <a:t>i</a:t>
+            </a:r>
+            <a:r>
+              <a:rPr lang="en-US" sz="2800" baseline="30000" dirty="0" smtClean="0"/>
+              <a:t>)</a:t>
+            </a:r>
+            <a:r>
+              <a:rPr lang="en-US" sz="2800" dirty="0" smtClean="0"/>
+              <a:t>)</a:t>
+            </a:r>
+          </a:p>
+          <a:p>
+            <a:pPr marL="742950" lvl="1" indent="-285750">
+              <a:spcBef>
+                <a:spcPct val="20000"/>
+              </a:spcBef>
+              <a:buFont typeface="Arial" pitchFamily="34" charset="0"/>
+              <a:buChar char="–"/>
+            </a:pPr>
+            <a:r>
+              <a:rPr lang="en-US" sz="2800" dirty="0" smtClean="0"/>
+              <a:t>J(W</a:t>
+            </a:r>
+            <a:r>
+              <a:rPr lang="en-US" sz="2800" baseline="30000" dirty="0" smtClean="0"/>
+              <a:t>[1]</a:t>
+            </a:r>
+            <a:r>
+              <a:rPr lang="en-US" sz="2800" dirty="0" smtClean="0"/>
+              <a:t>, b</a:t>
+            </a:r>
+            <a:r>
+              <a:rPr lang="en-US" sz="2800" baseline="30000" dirty="0" smtClean="0"/>
+              <a:t>[1]</a:t>
+            </a:r>
+            <a:r>
+              <a:rPr lang="en-US" sz="2800" dirty="0" smtClean="0"/>
+              <a:t>)</a:t>
+            </a:r>
+          </a:p>
+          <a:p>
+            <a:pPr marL="742950" lvl="1" indent="-285750">
+              <a:spcBef>
+                <a:spcPct val="20000"/>
+              </a:spcBef>
+              <a:buFont typeface="Arial" pitchFamily="34" charset="0"/>
+              <a:buChar char="–"/>
+            </a:pPr>
+            <a:endParaRPr kumimoji="0" lang="en-US" sz="2800" b="0" i="0" u="none" strike="noStrike" kern="1200" cap="none" spc="0" normalizeH="0" noProof="0" dirty="0" smtClean="0">
+              <a:ln>
+                <a:noFill/>
+              </a:ln>
+              <a:solidFill>
+                <a:schemeClr val="tx1"/>
+              </a:solidFill>
+              <a:effectLst/>
+              <a:uLnTx/>
+              <a:uFillTx/>
+              <a:latin typeface="+mn-lt"/>
+              <a:ea typeface="+mn-ea"/>
+              <a:cs typeface="+mn-cs"/>
+            </a:endParaRPr>
+          </a:p>
+          <a:p>
+            <a:pPr marL="342900" marR="0" lvl="0" indent="-342900" algn="l" defTabSz="914400" rtl="0" eaLnBrk="1" fontAlgn="auto" latinLnBrk="0" hangingPunct="1">
+              <a:lnSpc>
+                <a:spcPct val="100000"/>
+              </a:lnSpc>
+              <a:spcBef>
+                <a:spcPct val="20000"/>
+              </a:spcBef>
+              <a:spcAft>
+                <a:spcPts val="0"/>
+              </a:spcAft>
+              <a:buClrTx/>
+              <a:buSzTx/>
+              <a:buFont typeface="Arial" pitchFamily="34" charset="0"/>
+              <a:buChar char="•"/>
+              <a:tabLst/>
+              <a:defRPr/>
+            </a:pPr>
+            <a:endParaRPr kumimoji="0" lang="en-US" sz="3200" b="0" i="0" u="none" strike="noStrike" kern="1200" cap="none" spc="0" normalizeH="0" baseline="0" noProof="0" dirty="0" smtClean="0">
+              <a:ln>
+                <a:noFill/>
+              </a:ln>
+              <a:solidFill>
+                <a:schemeClr val="tx1"/>
+              </a:solidFill>
+              <a:effectLst/>
+              <a:uLnTx/>
+              <a:uFillTx/>
+              <a:latin typeface="+mn-lt"/>
+              <a:ea typeface="+mn-ea"/>
+              <a:cs typeface="+mn-cs"/>
+            </a:endParaRPr>
+          </a:p>
+          <a:p>
+            <a:pPr marL="742950" marR="0" lvl="1" indent="-285750" algn="l" defTabSz="914400" rtl="0" eaLnBrk="1" fontAlgn="auto" latinLnBrk="0" hangingPunct="1">
+              <a:lnSpc>
+                <a:spcPct val="100000"/>
+              </a:lnSpc>
+              <a:spcBef>
+                <a:spcPct val="20000"/>
+              </a:spcBef>
+              <a:spcAft>
+                <a:spcPts val="0"/>
+              </a:spcAft>
+              <a:buClrTx/>
+              <a:buSzTx/>
+              <a:buFont typeface="Arial" pitchFamily="34" charset="0"/>
+              <a:buChar char="–"/>
+              <a:tabLst/>
+              <a:defRPr/>
+            </a:pPr>
+            <a:endParaRPr kumimoji="0" lang="en-US" sz="2800" b="0" i="0" u="none" strike="noStrike" kern="1200" cap="none" spc="0" normalizeH="0" baseline="0" noProof="0" dirty="0">
+              <a:ln>
+                <a:noFill/>
+              </a:ln>
+              <a:solidFill>
+                <a:schemeClr val="tx1"/>
+              </a:solidFill>
+              <a:effectLst/>
+              <a:uLnTx/>
+              <a:uFillTx/>
+              <a:latin typeface="+mn-lt"/>
+              <a:ea typeface="+mn-ea"/>
+              <a:cs typeface="+mn-cs"/>
+            </a:endParaRPr>
+          </a:p>
+        </p:txBody>
+      </p:sp>
+      <p:sp>
+        <p:nvSpPr>
+          <p:cNvPr id="6" name="Content Placeholder 2"/>
+          <p:cNvSpPr txBox="1">
+            <a:spLocks/>
+          </p:cNvSpPr>
+          <p:nvPr/>
+        </p:nvSpPr>
+        <p:spPr>
+          <a:xfrm>
+            <a:off x="4724400" y="1600200"/>
+            <a:ext cx="4114800" cy="4525963"/>
+          </a:xfrm>
+          <a:prstGeom prst="rect">
+            <a:avLst/>
+          </a:prstGeom>
+        </p:spPr>
+        <p:txBody>
+          <a:bodyPr vert="horz" lIns="91440" tIns="45720" rIns="91440" bIns="45720" rtlCol="0">
+            <a:normAutofit/>
+          </a:bodyPr>
+          <a:lstStyle/>
+          <a:p>
+            <a:pPr marL="342900" marR="0" lvl="0" indent="-342900" algn="l" defTabSz="914400" rtl="0" eaLnBrk="1" fontAlgn="auto" latinLnBrk="0" hangingPunct="1">
+              <a:lnSpc>
+                <a:spcPct val="100000"/>
+              </a:lnSpc>
+              <a:spcBef>
+                <a:spcPct val="20000"/>
+              </a:spcBef>
+              <a:spcAft>
+                <a:spcPts val="0"/>
+              </a:spcAft>
+              <a:buClrTx/>
+              <a:buSzTx/>
+              <a:buFont typeface="Arial" pitchFamily="34" charset="0"/>
+              <a:buChar char="•"/>
+              <a:tabLst/>
+              <a:defRPr/>
+            </a:pPr>
+            <a:r>
+              <a:rPr kumimoji="0" lang="en-US" sz="3200" b="0" i="0" u="none" strike="noStrike" kern="1200" cap="none" spc="0" normalizeH="0" baseline="0" noProof="0" dirty="0" smtClean="0">
+                <a:ln>
+                  <a:noFill/>
+                </a:ln>
+                <a:solidFill>
+                  <a:schemeClr val="tx1"/>
+                </a:solidFill>
+                <a:effectLst/>
+                <a:uLnTx/>
+                <a:uFillTx/>
+                <a:latin typeface="+mn-lt"/>
+                <a:ea typeface="+mn-ea"/>
+                <a:cs typeface="+mn-cs"/>
+              </a:rPr>
+              <a:t>Backward pass</a:t>
+            </a:r>
+          </a:p>
+          <a:p>
+            <a:pPr marL="342900" marR="0" lvl="0" indent="-342900" algn="l" defTabSz="914400" rtl="0" eaLnBrk="1" fontAlgn="auto" latinLnBrk="0" hangingPunct="1">
+              <a:lnSpc>
+                <a:spcPct val="100000"/>
+              </a:lnSpc>
+              <a:spcBef>
+                <a:spcPct val="20000"/>
+              </a:spcBef>
+              <a:spcAft>
+                <a:spcPts val="0"/>
+              </a:spcAft>
+              <a:buClrTx/>
+              <a:buSzTx/>
+              <a:buFont typeface="Arial" pitchFamily="34" charset="0"/>
+              <a:buChar char="•"/>
+              <a:tabLst/>
+              <a:defRPr/>
+            </a:pPr>
+            <a:endParaRPr kumimoji="0" lang="en-US" sz="3200" b="0" i="0" u="none" strike="noStrike" kern="1200" cap="none" spc="0" normalizeH="0" baseline="0" noProof="0" dirty="0" smtClean="0">
+              <a:ln>
+                <a:noFill/>
+              </a:ln>
+              <a:solidFill>
+                <a:schemeClr val="tx1"/>
+              </a:solidFill>
+              <a:effectLst/>
+              <a:uLnTx/>
+              <a:uFillTx/>
+              <a:latin typeface="+mn-lt"/>
+              <a:ea typeface="+mn-ea"/>
+              <a:cs typeface="+mn-cs"/>
+            </a:endParaRPr>
+          </a:p>
+          <a:p>
+            <a:pPr marL="742950" marR="0" lvl="1" indent="-285750" algn="l" defTabSz="914400" rtl="0" eaLnBrk="1" fontAlgn="auto" latinLnBrk="0" hangingPunct="1">
+              <a:lnSpc>
+                <a:spcPct val="100000"/>
+              </a:lnSpc>
+              <a:spcBef>
+                <a:spcPct val="20000"/>
+              </a:spcBef>
+              <a:spcAft>
+                <a:spcPts val="0"/>
+              </a:spcAft>
+              <a:buClrTx/>
+              <a:buSzTx/>
+              <a:buFont typeface="Arial" pitchFamily="34" charset="0"/>
+              <a:buChar char="–"/>
+              <a:tabLst/>
+              <a:defRPr/>
+            </a:pPr>
+            <a:endParaRPr kumimoji="0" lang="en-US" sz="2800" b="0" i="0" u="none" strike="noStrike" kern="1200" cap="none" spc="0" normalizeH="0" baseline="0" noProof="0" dirty="0">
+              <a:ln>
+                <a:noFill/>
+              </a:ln>
+              <a:solidFill>
+                <a:schemeClr val="tx1"/>
+              </a:solidFill>
+              <a:effectLst/>
+              <a:uLnTx/>
+              <a:uFillTx/>
+              <a:latin typeface="+mn-lt"/>
+              <a:ea typeface="+mn-ea"/>
+              <a:cs typeface="+mn-cs"/>
+            </a:endParaRPr>
+          </a:p>
+        </p:txBody>
+      </p:sp>
+      <p:graphicFrame>
+        <p:nvGraphicFramePr>
+          <p:cNvPr id="7" name="Object 6"/>
+          <p:cNvGraphicFramePr>
+            <a:graphicFrameLocks noChangeAspect="1"/>
+          </p:cNvGraphicFramePr>
+          <p:nvPr/>
+        </p:nvGraphicFramePr>
+        <p:xfrm>
+          <a:off x="4935538" y="2192338"/>
+          <a:ext cx="1793875" cy="1616075"/>
+        </p:xfrm>
+        <a:graphic>
+          <a:graphicData uri="http://schemas.openxmlformats.org/presentationml/2006/ole">
+            <p:oleObj spid="_x0000_s78850" name="Equation" r:id="rId3" imgW="901440" imgH="812520" progId="Equation.3">
+              <p:embed/>
+            </p:oleObj>
+          </a:graphicData>
+        </a:graphic>
+      </p:graphicFrame>
+    </p:spTree>
+  </p:cSld>
+  <p:clrMapOvr>
+    <a:masterClrMapping/>
+  </p:clrMapOvr>
+  <p:timing>
+    <p:tnLst>
+      <p:par>
+        <p:cTn id="1" dur="indefinite" restart="never" nodeType="tmRoot"/>
+      </p:par>
+    </p:tnLst>
+  </p:timing>
+</p:sld>
+</file>
+
 <file path=ppt/slides/slide19.xml><?xml version="1.0" encoding="utf-8"?>
 <p:sld xmlns:a="http://schemas.openxmlformats.org/drawingml/2006/main" xmlns:r="http://schemas.openxmlformats.org/officeDocument/2006/relationships" xmlns:p="http://schemas.openxmlformats.org/presentationml/2006/main">
   <p:cSld>
@@ -6362,11 +6139,11 @@
         </p:nvGraphicFramePr>
         <p:xfrm>
           <a:off x="4935538" y="2192338"/>
-          <a:ext cx="1793875" cy="1616075"/>
+          <a:ext cx="2728912" cy="2525712"/>
         </p:xfrm>
         <a:graphic>
           <a:graphicData uri="http://schemas.openxmlformats.org/presentationml/2006/ole">
-            <p:oleObj spid="_x0000_s78850" name="Equation" r:id="rId3" imgW="901440" imgH="812520" progId="Equation.3">
+            <p:oleObj spid="_x0000_s79874" name="Equation" r:id="rId3" imgW="1371600" imgH="1269720" progId="Equation.3">
               <p:embed/>
             </p:oleObj>
           </a:graphicData>
@@ -6458,26 +6235,25 @@
           <a:p>
             <a:r>
               <a:rPr lang="en-US" dirty="0" smtClean="0"/>
+              <a:t>Artificial </a:t>
+            </a:r>
+            <a:r>
+              <a:rPr lang="en-US" dirty="0" smtClean="0"/>
+              <a:t>neural network</a:t>
+            </a:r>
+          </a:p>
+          <a:p>
+            <a:r>
+              <a:rPr lang="en-US" dirty="0" smtClean="0"/>
               <a:t>Gradient descent</a:t>
             </a:r>
           </a:p>
           <a:p>
             <a:r>
               <a:rPr lang="en-US" dirty="0" smtClean="0"/>
-              <a:t>Gradient descent for logistic regression</a:t>
-            </a:r>
-          </a:p>
-          <a:p>
-            <a:r>
-              <a:rPr lang="en-US" dirty="0" smtClean="0"/>
-              <a:t>Artificial neural network</a:t>
-            </a:r>
-          </a:p>
-          <a:p>
-            <a:r>
-              <a:rPr lang="en-US" dirty="0" smtClean="0"/>
-              <a:t>Back propagation for neural network</a:t>
-            </a:r>
+              <a:t>Back propagation</a:t>
+            </a:r>
+            <a:endParaRPr lang="en-US" dirty="0" smtClean="0"/>
           </a:p>
           <a:p>
             <a:r>
@@ -6782,15 +6558,6 @@
               <a:rPr lang="en-US" sz="2800" dirty="0" smtClean="0"/>
               <a:t>)</a:t>
             </a:r>
-          </a:p>
-          <a:p>
-            <a:pPr marL="742950" lvl="1" indent="-285750">
-              <a:spcBef>
-                <a:spcPct val="20000"/>
-              </a:spcBef>
-              <a:buFont typeface="Arial" pitchFamily="34" charset="0"/>
-              <a:buChar char="–"/>
-            </a:pPr>
             <a:endParaRPr kumimoji="0" lang="en-US" sz="2800" b="0" i="0" u="none" strike="noStrike" kern="1200" cap="none" spc="0" normalizeH="0" noProof="0" dirty="0" smtClean="0">
               <a:ln>
                 <a:noFill/>
@@ -7010,11 +6777,11 @@
         </p:nvGraphicFramePr>
         <p:xfrm>
           <a:off x="4935538" y="2192338"/>
-          <a:ext cx="2728912" cy="2525712"/>
+          <a:ext cx="2222500" cy="1616075"/>
         </p:xfrm>
         <a:graphic>
           <a:graphicData uri="http://schemas.openxmlformats.org/presentationml/2006/ole">
-            <p:oleObj spid="_x0000_s79874" name="Equation" r:id="rId3" imgW="1371600" imgH="1269720" progId="Equation.3">
+            <p:oleObj spid="_x0000_s80898" name="Equation" r:id="rId3" imgW="1117440" imgH="812520" progId="Equation.3">
               <p:embed/>
             </p:oleObj>
           </a:graphicData>
@@ -7531,11 +7298,11 @@
         </p:nvGraphicFramePr>
         <p:xfrm>
           <a:off x="4935538" y="2192338"/>
-          <a:ext cx="2222500" cy="1616075"/>
+          <a:ext cx="2222500" cy="782637"/>
         </p:xfrm>
         <a:graphic>
           <a:graphicData uri="http://schemas.openxmlformats.org/presentationml/2006/ole">
-            <p:oleObj spid="_x0000_s80898" name="Equation" r:id="rId3" imgW="1117440" imgH="812520" progId="Equation.3">
+            <p:oleObj spid="_x0000_s81922" name="Equation" r:id="rId3" imgW="1117440" imgH="393480" progId="Equation.3">
               <p:embed/>
             </p:oleObj>
           </a:graphicData>
@@ -8052,11 +7819,11 @@
         </p:nvGraphicFramePr>
         <p:xfrm>
           <a:off x="4935538" y="2192338"/>
-          <a:ext cx="2222500" cy="782637"/>
+          <a:ext cx="3132137" cy="2095500"/>
         </p:xfrm>
         <a:graphic>
           <a:graphicData uri="http://schemas.openxmlformats.org/presentationml/2006/ole">
-            <p:oleObj spid="_x0000_s81922" name="Equation" r:id="rId3" imgW="1117440" imgH="393480" progId="Equation.3">
+            <p:oleObj spid="_x0000_s82946" name="Equation" r:id="rId3" imgW="1574640" imgH="1054080" progId="Equation.3">
               <p:embed/>
             </p:oleObj>
           </a:graphicData>
@@ -8573,11 +8340,11 @@
         </p:nvGraphicFramePr>
         <p:xfrm>
           <a:off x="4935538" y="2192338"/>
-          <a:ext cx="3132137" cy="2095500"/>
+          <a:ext cx="3611562" cy="1666875"/>
         </p:xfrm>
         <a:graphic>
           <a:graphicData uri="http://schemas.openxmlformats.org/presentationml/2006/ole">
-            <p:oleObj spid="_x0000_s82946" name="Equation" r:id="rId3" imgW="1574640" imgH="1054080" progId="Equation.3">
+            <p:oleObj spid="_x0000_s84994" name="Equation" r:id="rId3" imgW="1815840" imgH="838080" progId="Equation.3">
               <p:embed/>
             </p:oleObj>
           </a:graphicData>
@@ -9094,11 +8861,11 @@
         </p:nvGraphicFramePr>
         <p:xfrm>
           <a:off x="4935538" y="2192338"/>
-          <a:ext cx="3611562" cy="1666875"/>
+          <a:ext cx="2222500" cy="1263650"/>
         </p:xfrm>
         <a:graphic>
           <a:graphicData uri="http://schemas.openxmlformats.org/presentationml/2006/ole">
-            <p:oleObj spid="_x0000_s84994" name="Equation" r:id="rId3" imgW="1815840" imgH="838080" progId="Equation.3">
+            <p:oleObj spid="_x0000_s86018" name="Equation" r:id="rId3" imgW="1117440" imgH="634680" progId="Equation.3">
               <p:embed/>
             </p:oleObj>
           </a:graphicData>
@@ -9615,11 +9382,11 @@
         </p:nvGraphicFramePr>
         <p:xfrm>
           <a:off x="4935538" y="2192338"/>
-          <a:ext cx="2222500" cy="1263650"/>
+          <a:ext cx="4065587" cy="2147887"/>
         </p:xfrm>
         <a:graphic>
           <a:graphicData uri="http://schemas.openxmlformats.org/presentationml/2006/ole">
-            <p:oleObj spid="_x0000_s86018" name="Equation" r:id="rId3" imgW="1117440" imgH="634680" progId="Equation.3">
+            <p:oleObj spid="_x0000_s88066" name="Equation" r:id="rId3" imgW="2044440" imgH="1079280" progId="Equation.3">
               <p:embed/>
             </p:oleObj>
           </a:graphicData>
@@ -10136,11 +9903,11 @@
         </p:nvGraphicFramePr>
         <p:xfrm>
           <a:off x="4935538" y="2192338"/>
-          <a:ext cx="4065587" cy="2147887"/>
+          <a:ext cx="2222500" cy="1795462"/>
         </p:xfrm>
         <a:graphic>
           <a:graphicData uri="http://schemas.openxmlformats.org/presentationml/2006/ole">
-            <p:oleObj spid="_x0000_s88066" name="Equation" r:id="rId3" imgW="2044440" imgH="1079280" progId="Equation.3">
+            <p:oleObj spid="_x0000_s89090" name="Equation" r:id="rId3" imgW="1117440" imgH="901440" progId="Equation.3">
               <p:embed/>
             </p:oleObj>
           </a:graphicData>
@@ -10657,11 +10424,11 @@
         </p:nvGraphicFramePr>
         <p:xfrm>
           <a:off x="4935538" y="2192338"/>
-          <a:ext cx="2222500" cy="1795462"/>
+          <a:ext cx="3687762" cy="2627312"/>
         </p:xfrm>
         <a:graphic>
           <a:graphicData uri="http://schemas.openxmlformats.org/presentationml/2006/ole">
-            <p:oleObj spid="_x0000_s89090" name="Equation" r:id="rId3" imgW="1117440" imgH="901440" progId="Equation.3">
+            <p:oleObj spid="_x0000_s90114" name="Equation" r:id="rId3" imgW="1854000" imgH="1320480" progId="Equation.3">
               <p:embed/>
             </p:oleObj>
           </a:graphicData>
@@ -11178,11 +10945,11 @@
         </p:nvGraphicFramePr>
         <p:xfrm>
           <a:off x="4935538" y="2192338"/>
-          <a:ext cx="3687762" cy="2627312"/>
+          <a:ext cx="2222500" cy="2273300"/>
         </p:xfrm>
         <a:graphic>
           <a:graphicData uri="http://schemas.openxmlformats.org/presentationml/2006/ole">
-            <p:oleObj spid="_x0000_s90114" name="Equation" r:id="rId3" imgW="1854000" imgH="1320480" progId="Equation.3">
+            <p:oleObj spid="_x0000_s91138" name="Equation" r:id="rId3" imgW="1117440" imgH="1143000" progId="Equation.3">
               <p:embed/>
             </p:oleObj>
           </a:graphicData>
@@ -11233,13 +11000,13 @@
         <p:spPr/>
         <p:txBody>
           <a:bodyPr>
-            <a:normAutofit fontScale="90000"/>
+            <a:normAutofit/>
           </a:bodyPr>
           <a:lstStyle/>
           <a:p>
             <a:r>
               <a:rPr lang="en-US" dirty="0" smtClean="0"/>
-              <a:t>Logistic regression – Gradient descent</a:t>
+              <a:t>Artificial neural network</a:t>
             </a:r>
             <a:endParaRPr lang="en-US" dirty="0"/>
           </a:p>
@@ -11247,468 +11014,597 @@
       </p:sp>
       <p:sp>
         <p:nvSpPr>
-          <p:cNvPr id="5" name="Content Placeholder 2"/>
-          <p:cNvSpPr txBox="1">
-            <a:spLocks/>
+          <p:cNvPr id="3" name="Content Placeholder 2"/>
+          <p:cNvSpPr>
+            <a:spLocks noGrp="1"/>
           </p:cNvSpPr>
-          <p:nvPr/>
+          <p:nvPr>
+            <p:ph idx="1"/>
+          </p:nvPr>
         </p:nvSpPr>
         <p:spPr>
           <a:xfrm>
             <a:off x="457200" y="1600200"/>
-            <a:ext cx="4114800" cy="4525963"/>
+            <a:ext cx="8382000" cy="4525963"/>
           </a:xfrm>
-          <a:prstGeom prst="rect">
-            <a:avLst/>
-          </a:prstGeom>
         </p:spPr>
         <p:txBody>
-          <a:bodyPr vert="horz" lIns="91440" tIns="45720" rIns="91440" bIns="45720" rtlCol="0">
-            <a:normAutofit/>
-          </a:bodyPr>
+          <a:bodyPr/>
           <a:lstStyle/>
           <a:p>
-            <a:pPr marL="342900" marR="0" lvl="0" indent="-342900" algn="l" defTabSz="914400" rtl="0" eaLnBrk="1" fontAlgn="auto" latinLnBrk="0" hangingPunct="1">
-              <a:lnSpc>
-                <a:spcPct val="100000"/>
-              </a:lnSpc>
-              <a:spcBef>
-                <a:spcPct val="20000"/>
-              </a:spcBef>
-              <a:spcAft>
-                <a:spcPts val="0"/>
-              </a:spcAft>
-              <a:buClrTx/>
-              <a:buSzTx/>
-              <a:buFont typeface="Arial" pitchFamily="34" charset="0"/>
-              <a:buChar char="•"/>
-              <a:tabLst/>
-              <a:defRPr/>
-            </a:pPr>
-            <a:r>
-              <a:rPr kumimoji="0" lang="en-US" sz="3200" b="0" i="0" u="none" strike="noStrike" kern="1200" cap="none" spc="0" normalizeH="0" baseline="0" noProof="0" dirty="0" smtClean="0">
-                <a:ln>
-                  <a:noFill/>
-                </a:ln>
-                <a:solidFill>
-                  <a:schemeClr val="tx1"/>
-                </a:solidFill>
-                <a:effectLst/>
-                <a:uLnTx/>
-                <a:uFillTx/>
-                <a:latin typeface="+mn-lt"/>
-                <a:ea typeface="+mn-ea"/>
-                <a:cs typeface="+mn-cs"/>
-              </a:rPr>
-              <a:t>Forward pass</a:t>
-            </a:r>
-          </a:p>
-          <a:p>
-            <a:pPr marL="742950" lvl="1" indent="-285750">
-              <a:spcBef>
-                <a:spcPct val="20000"/>
-              </a:spcBef>
-              <a:buFont typeface="Arial" pitchFamily="34" charset="0"/>
-              <a:buChar char="–"/>
-            </a:pPr>
-            <a:r>
-              <a:rPr lang="en-US" sz="2800" dirty="0" smtClean="0"/>
-              <a:t>Z</a:t>
-            </a:r>
-            <a:r>
-              <a:rPr lang="en-US" sz="2800" baseline="30000" dirty="0" smtClean="0"/>
-              <a:t>[1]</a:t>
-            </a:r>
-            <a:r>
-              <a:rPr lang="en-US" sz="2800" dirty="0" smtClean="0"/>
-              <a:t>= W</a:t>
-            </a:r>
-            <a:r>
-              <a:rPr lang="en-US" sz="2800" baseline="30000" dirty="0" smtClean="0"/>
-              <a:t>[1]</a:t>
-            </a:r>
-            <a:r>
-              <a:rPr lang="en-US" sz="2800" dirty="0" smtClean="0"/>
-              <a:t>a</a:t>
-            </a:r>
-            <a:r>
-              <a:rPr lang="en-US" sz="2800" baseline="30000" dirty="0" smtClean="0"/>
-              <a:t>[0] </a:t>
-            </a:r>
-            <a:r>
-              <a:rPr kumimoji="0" lang="en-US" sz="2800" b="0" i="0" u="none" strike="noStrike" kern="1200" cap="none" spc="0" normalizeH="0" baseline="0" noProof="0" dirty="0" smtClean="0">
-                <a:ln>
-                  <a:noFill/>
-                </a:ln>
-                <a:solidFill>
-                  <a:schemeClr val="tx1"/>
-                </a:solidFill>
-                <a:effectLst/>
-                <a:uLnTx/>
-                <a:uFillTx/>
-                <a:latin typeface="+mn-lt"/>
-                <a:ea typeface="+mn-ea"/>
-                <a:cs typeface="+mn-cs"/>
-              </a:rPr>
-              <a:t>+ b</a:t>
-            </a:r>
-            <a:r>
-              <a:rPr kumimoji="0" lang="en-US" sz="2800" b="0" i="0" u="none" strike="noStrike" kern="1200" cap="none" spc="0" normalizeH="0" baseline="30000" noProof="0" dirty="0" smtClean="0">
-                <a:ln>
-                  <a:noFill/>
-                </a:ln>
-                <a:solidFill>
-                  <a:schemeClr val="tx1"/>
-                </a:solidFill>
-                <a:effectLst/>
-                <a:uLnTx/>
-                <a:uFillTx/>
-                <a:latin typeface="+mn-lt"/>
-                <a:ea typeface="+mn-ea"/>
-                <a:cs typeface="+mn-cs"/>
-              </a:rPr>
-              <a:t>[1]</a:t>
-            </a:r>
-          </a:p>
-          <a:p>
-            <a:pPr marL="742950" lvl="1" indent="-285750">
-              <a:spcBef>
-                <a:spcPct val="20000"/>
-              </a:spcBef>
-              <a:buFont typeface="Arial" pitchFamily="34" charset="0"/>
-              <a:buChar char="–"/>
-            </a:pPr>
-            <a:r>
-              <a:rPr lang="en-US" sz="2800" dirty="0" smtClean="0"/>
-              <a:t>ŷ = a</a:t>
-            </a:r>
-            <a:r>
-              <a:rPr lang="en-US" sz="2800" baseline="30000" dirty="0" smtClean="0"/>
-              <a:t>[1]  </a:t>
-            </a:r>
-            <a:r>
-              <a:rPr lang="en-US" sz="2800" dirty="0" smtClean="0"/>
-              <a:t>= </a:t>
-            </a:r>
-            <a:r>
-              <a:rPr lang="el-GR" sz="2800" dirty="0" smtClean="0"/>
-              <a:t>σ</a:t>
-            </a:r>
-            <a:r>
-              <a:rPr lang="en-US" sz="2800" dirty="0" smtClean="0"/>
-              <a:t>(Z</a:t>
-            </a:r>
-            <a:r>
-              <a:rPr lang="en-US" sz="2800" baseline="30000" dirty="0" smtClean="0"/>
-              <a:t>[1]</a:t>
-            </a:r>
-            <a:r>
-              <a:rPr lang="en-US" sz="2800" dirty="0" smtClean="0"/>
-              <a:t>)</a:t>
-            </a:r>
-          </a:p>
-          <a:p>
-            <a:pPr marL="742950" lvl="1" indent="-285750">
-              <a:spcBef>
-                <a:spcPct val="20000"/>
-              </a:spcBef>
-              <a:buFont typeface="Arial" pitchFamily="34" charset="0"/>
-              <a:buChar char="–"/>
-            </a:pPr>
-            <a:r>
-              <a:rPr lang="en-US" sz="2800" dirty="0" smtClean="0"/>
-              <a:t>L(ŷ</a:t>
-            </a:r>
-            <a:r>
-              <a:rPr lang="en-US" sz="2800" baseline="30000" dirty="0" smtClean="0"/>
-              <a:t>(</a:t>
-            </a:r>
-            <a:r>
-              <a:rPr lang="en-US" sz="2800" baseline="30000" dirty="0" err="1" smtClean="0"/>
-              <a:t>i</a:t>
-            </a:r>
-            <a:r>
-              <a:rPr lang="en-US" sz="2800" baseline="30000" dirty="0" smtClean="0"/>
-              <a:t>)</a:t>
-            </a:r>
-            <a:r>
-              <a:rPr lang="en-US" sz="2800" dirty="0" smtClean="0"/>
-              <a:t>, y</a:t>
-            </a:r>
-            <a:r>
-              <a:rPr lang="en-US" sz="2800" baseline="30000" dirty="0" smtClean="0"/>
-              <a:t>(</a:t>
-            </a:r>
-            <a:r>
-              <a:rPr lang="en-US" sz="2800" baseline="30000" dirty="0" err="1" smtClean="0"/>
-              <a:t>i</a:t>
-            </a:r>
-            <a:r>
-              <a:rPr lang="en-US" sz="2800" baseline="30000" dirty="0" smtClean="0"/>
-              <a:t>)</a:t>
-            </a:r>
-            <a:r>
-              <a:rPr lang="en-US" sz="2800" dirty="0" smtClean="0"/>
-              <a:t>)</a:t>
-            </a:r>
-          </a:p>
-          <a:p>
-            <a:pPr marL="742950" lvl="1" indent="-285750">
-              <a:spcBef>
-                <a:spcPct val="20000"/>
-              </a:spcBef>
-              <a:buFont typeface="Arial" pitchFamily="34" charset="0"/>
-              <a:buChar char="–"/>
-            </a:pPr>
-            <a:r>
-              <a:rPr lang="en-US" sz="2800" dirty="0" smtClean="0"/>
-              <a:t>J(W</a:t>
-            </a:r>
-            <a:r>
-              <a:rPr lang="en-US" sz="2800" baseline="30000" dirty="0" smtClean="0"/>
-              <a:t>[1]</a:t>
-            </a:r>
-            <a:r>
-              <a:rPr lang="en-US" sz="2800" dirty="0" smtClean="0"/>
-              <a:t>, b</a:t>
-            </a:r>
-            <a:r>
-              <a:rPr lang="en-US" sz="2800" baseline="30000" dirty="0" smtClean="0"/>
-              <a:t>[1]</a:t>
-            </a:r>
-            <a:r>
-              <a:rPr lang="en-US" sz="2800" dirty="0" smtClean="0"/>
-              <a:t>)</a:t>
-            </a:r>
-            <a:endParaRPr kumimoji="0" lang="en-US" sz="2800" b="0" i="0" u="none" strike="noStrike" kern="1200" cap="none" spc="0" normalizeH="0" noProof="0" dirty="0" smtClean="0">
-              <a:ln>
-                <a:noFill/>
-              </a:ln>
+            <a:r>
+              <a:rPr lang="en-US" dirty="0" smtClean="0"/>
+              <a:t>Z = W</a:t>
+            </a:r>
+            <a:r>
+              <a:rPr lang="en-US" baseline="30000" dirty="0" smtClean="0"/>
+              <a:t>T</a:t>
+            </a:r>
+            <a:r>
+              <a:rPr lang="en-US" dirty="0" smtClean="0"/>
+              <a:t>X + b</a:t>
+            </a:r>
+          </a:p>
+          <a:p>
+            <a:pPr lvl="1"/>
+            <a:r>
+              <a:rPr lang="en-US" dirty="0" smtClean="0"/>
+              <a:t>Linear regression</a:t>
+            </a:r>
+          </a:p>
+          <a:p>
+            <a:pPr lvl="1"/>
+            <a:endParaRPr lang="en-US" dirty="0" smtClean="0"/>
+          </a:p>
+        </p:txBody>
+      </p:sp>
+      <p:grpSp>
+        <p:nvGrpSpPr>
+          <p:cNvPr id="35" name="Group 34"/>
+          <p:cNvGrpSpPr/>
+          <p:nvPr/>
+        </p:nvGrpSpPr>
+        <p:grpSpPr>
+          <a:xfrm>
+            <a:off x="4953000" y="2057400"/>
+            <a:ext cx="3962400" cy="2290465"/>
+            <a:chOff x="5105400" y="2057400"/>
+            <a:chExt cx="3962400" cy="2290465"/>
+          </a:xfrm>
+        </p:grpSpPr>
+        <p:sp>
+          <p:nvSpPr>
+            <p:cNvPr id="18" name="TextBox 17"/>
+            <p:cNvSpPr txBox="1"/>
+            <p:nvPr/>
+          </p:nvSpPr>
+          <p:spPr>
+            <a:xfrm>
+              <a:off x="5105400" y="2057400"/>
+              <a:ext cx="429926" cy="461665"/>
+            </a:xfrm>
+            <a:prstGeom prst="rect">
+              <a:avLst/>
+            </a:prstGeom>
+            <a:noFill/>
+          </p:spPr>
+          <p:txBody>
+            <a:bodyPr wrap="none" rtlCol="0">
+              <a:spAutoFit/>
+            </a:bodyPr>
+            <a:lstStyle/>
+            <a:p>
+              <a:r>
+                <a:rPr lang="en-US" sz="2400" b="1" dirty="0" smtClean="0"/>
+                <a:t>x</a:t>
+              </a:r>
+              <a:r>
+                <a:rPr lang="en-US" sz="2400" b="1" baseline="-25000" dirty="0" smtClean="0"/>
+                <a:t>1</a:t>
+              </a:r>
+              <a:endParaRPr lang="en-US" sz="2400" b="1" baseline="-25000" dirty="0"/>
+            </a:p>
+          </p:txBody>
+        </p:sp>
+        <p:sp>
+          <p:nvSpPr>
+            <p:cNvPr id="19" name="TextBox 18"/>
+            <p:cNvSpPr txBox="1"/>
+            <p:nvPr/>
+          </p:nvSpPr>
+          <p:spPr>
+            <a:xfrm>
+              <a:off x="5105400" y="3048000"/>
+              <a:ext cx="429926" cy="461665"/>
+            </a:xfrm>
+            <a:prstGeom prst="rect">
+              <a:avLst/>
+            </a:prstGeom>
+            <a:noFill/>
+          </p:spPr>
+          <p:txBody>
+            <a:bodyPr wrap="none" rtlCol="0">
+              <a:spAutoFit/>
+            </a:bodyPr>
+            <a:lstStyle/>
+            <a:p>
+              <a:r>
+                <a:rPr lang="en-US" sz="2400" b="1" dirty="0" smtClean="0"/>
+                <a:t>x</a:t>
+              </a:r>
+              <a:r>
+                <a:rPr lang="en-US" sz="2400" b="1" baseline="-25000" dirty="0" smtClean="0"/>
+                <a:t>2</a:t>
+              </a:r>
+              <a:endParaRPr lang="en-US" sz="2400" b="1" baseline="-25000" dirty="0"/>
+            </a:p>
+          </p:txBody>
+        </p:sp>
+        <p:sp>
+          <p:nvSpPr>
+            <p:cNvPr id="20" name="TextBox 19"/>
+            <p:cNvSpPr txBox="1"/>
+            <p:nvPr/>
+          </p:nvSpPr>
+          <p:spPr>
+            <a:xfrm>
+              <a:off x="5105400" y="3886200"/>
+              <a:ext cx="429926" cy="461665"/>
+            </a:xfrm>
+            <a:prstGeom prst="rect">
+              <a:avLst/>
+            </a:prstGeom>
+            <a:noFill/>
+          </p:spPr>
+          <p:txBody>
+            <a:bodyPr wrap="none" rtlCol="0">
+              <a:spAutoFit/>
+            </a:bodyPr>
+            <a:lstStyle/>
+            <a:p>
+              <a:r>
+                <a:rPr lang="en-US" sz="2400" b="1" dirty="0" smtClean="0"/>
+                <a:t>x</a:t>
+              </a:r>
+              <a:r>
+                <a:rPr lang="en-US" sz="2400" b="1" baseline="-25000" dirty="0" smtClean="0"/>
+                <a:t>3</a:t>
+              </a:r>
+              <a:endParaRPr lang="en-US" sz="2400" b="1" baseline="-25000" dirty="0"/>
+            </a:p>
+          </p:txBody>
+        </p:sp>
+        <p:sp>
+          <p:nvSpPr>
+            <p:cNvPr id="21" name="Oval 20"/>
+            <p:cNvSpPr>
+              <a:spLocks noChangeAspect="1"/>
+            </p:cNvSpPr>
+            <p:nvPr/>
+          </p:nvSpPr>
+          <p:spPr>
+            <a:xfrm>
+              <a:off x="6781800" y="3048000"/>
+              <a:ext cx="533400" cy="533400"/>
+            </a:xfrm>
+            <a:prstGeom prst="ellipse">
+              <a:avLst/>
+            </a:prstGeom>
+            <a:noFill/>
+            <a:ln>
               <a:solidFill>
                 <a:schemeClr val="tx1"/>
               </a:solidFill>
-              <a:effectLst/>
-              <a:uLnTx/>
-              <a:uFillTx/>
-              <a:latin typeface="+mn-lt"/>
-              <a:ea typeface="+mn-ea"/>
-              <a:cs typeface="+mn-cs"/>
-            </a:endParaRPr>
-          </a:p>
-          <a:p>
-            <a:pPr marL="342900" marR="0" lvl="0" indent="-342900" algn="l" defTabSz="914400" rtl="0" eaLnBrk="1" fontAlgn="auto" latinLnBrk="0" hangingPunct="1">
-              <a:lnSpc>
-                <a:spcPct val="100000"/>
-              </a:lnSpc>
-              <a:spcBef>
-                <a:spcPct val="20000"/>
-              </a:spcBef>
-              <a:spcAft>
-                <a:spcPts val="0"/>
-              </a:spcAft>
-              <a:buClrTx/>
-              <a:buSzTx/>
-              <a:buFont typeface="Arial" pitchFamily="34" charset="0"/>
-              <a:buChar char="•"/>
-              <a:tabLst/>
-              <a:defRPr/>
-            </a:pPr>
-            <a:endParaRPr kumimoji="0" lang="en-US" sz="3200" b="0" i="0" u="none" strike="noStrike" kern="1200" cap="none" spc="0" normalizeH="0" baseline="0" noProof="0" dirty="0" smtClean="0">
-              <a:ln>
-                <a:noFill/>
-              </a:ln>
+            </a:ln>
+          </p:spPr>
+          <p:style>
+            <a:lnRef idx="2">
+              <a:schemeClr val="accent1">
+                <a:shade val="50000"/>
+              </a:schemeClr>
+            </a:lnRef>
+            <a:fillRef idx="1">
+              <a:schemeClr val="accent1"/>
+            </a:fillRef>
+            <a:effectRef idx="0">
+              <a:schemeClr val="accent1"/>
+            </a:effectRef>
+            <a:fontRef idx="minor">
+              <a:schemeClr val="lt1"/>
+            </a:fontRef>
+          </p:style>
+          <p:txBody>
+            <a:bodyPr rtlCol="0" anchor="ctr"/>
+            <a:lstStyle/>
+            <a:p>
+              <a:pPr algn="ctr"/>
+              <a:endParaRPr lang="en-US"/>
+            </a:p>
+          </p:txBody>
+        </p:sp>
+        <p:sp>
+          <p:nvSpPr>
+            <p:cNvPr id="22" name="TextBox 21"/>
+            <p:cNvSpPr txBox="1"/>
+            <p:nvPr/>
+          </p:nvSpPr>
+          <p:spPr>
+            <a:xfrm>
+              <a:off x="8293229" y="3043535"/>
+              <a:ext cx="774571" cy="461665"/>
+            </a:xfrm>
+            <a:prstGeom prst="rect">
+              <a:avLst/>
+            </a:prstGeom>
+            <a:noFill/>
+          </p:spPr>
+          <p:txBody>
+            <a:bodyPr wrap="none" rtlCol="0">
+              <a:spAutoFit/>
+            </a:bodyPr>
+            <a:lstStyle/>
+            <a:p>
+              <a:r>
+                <a:rPr lang="en-US" sz="2400" b="1" dirty="0" smtClean="0"/>
+                <a:t>a = ŷ</a:t>
+              </a:r>
+              <a:endParaRPr lang="en-US" sz="2400" b="1" dirty="0"/>
+            </a:p>
+          </p:txBody>
+        </p:sp>
+        <p:cxnSp>
+          <p:nvCxnSpPr>
+            <p:cNvPr id="23" name="Straight Arrow Connector 22"/>
+            <p:cNvCxnSpPr>
+              <a:stCxn id="21" idx="6"/>
+            </p:cNvCxnSpPr>
+            <p:nvPr/>
+          </p:nvCxnSpPr>
+          <p:spPr>
+            <a:xfrm flipV="1">
+              <a:off x="7315200" y="3276600"/>
+              <a:ext cx="990600" cy="38100"/>
+            </a:xfrm>
+            <a:prstGeom prst="straightConnector1">
+              <a:avLst/>
+            </a:prstGeom>
+            <a:ln w="25400">
               <a:solidFill>
                 <a:schemeClr val="tx1"/>
               </a:solidFill>
-              <a:effectLst/>
-              <a:uLnTx/>
-              <a:uFillTx/>
-              <a:latin typeface="+mn-lt"/>
-              <a:ea typeface="+mn-ea"/>
-              <a:cs typeface="+mn-cs"/>
-            </a:endParaRPr>
-          </a:p>
-          <a:p>
-            <a:pPr marL="742950" marR="0" lvl="1" indent="-285750" algn="l" defTabSz="914400" rtl="0" eaLnBrk="1" fontAlgn="auto" latinLnBrk="0" hangingPunct="1">
-              <a:lnSpc>
-                <a:spcPct val="100000"/>
-              </a:lnSpc>
-              <a:spcBef>
-                <a:spcPct val="20000"/>
-              </a:spcBef>
-              <a:spcAft>
-                <a:spcPts val="0"/>
-              </a:spcAft>
-              <a:buClrTx/>
-              <a:buSzTx/>
-              <a:buFont typeface="Arial" pitchFamily="34" charset="0"/>
-              <a:buChar char="–"/>
-              <a:tabLst/>
-              <a:defRPr/>
-            </a:pPr>
-            <a:endParaRPr kumimoji="0" lang="en-US" sz="2800" b="0" i="0" u="none" strike="noStrike" kern="1200" cap="none" spc="0" normalizeH="0" baseline="0" noProof="0" dirty="0">
-              <a:ln>
-                <a:noFill/>
-              </a:ln>
+              <a:tailEnd type="arrow"/>
+            </a:ln>
+          </p:spPr>
+          <p:style>
+            <a:lnRef idx="1">
+              <a:schemeClr val="accent1"/>
+            </a:lnRef>
+            <a:fillRef idx="0">
+              <a:schemeClr val="accent1"/>
+            </a:fillRef>
+            <a:effectRef idx="0">
+              <a:schemeClr val="accent1"/>
+            </a:effectRef>
+            <a:fontRef idx="minor">
+              <a:schemeClr val="tx1"/>
+            </a:fontRef>
+          </p:style>
+        </p:cxnSp>
+        <p:cxnSp>
+          <p:nvCxnSpPr>
+            <p:cNvPr id="24" name="Straight Arrow Connector 23"/>
+            <p:cNvCxnSpPr>
+              <a:endCxn id="21" idx="2"/>
+            </p:cNvCxnSpPr>
+            <p:nvPr/>
+          </p:nvCxnSpPr>
+          <p:spPr>
+            <a:xfrm flipV="1">
+              <a:off x="5501640" y="3314700"/>
+              <a:ext cx="1280160" cy="38100"/>
+            </a:xfrm>
+            <a:prstGeom prst="straightConnector1">
+              <a:avLst/>
+            </a:prstGeom>
+            <a:ln w="25400">
               <a:solidFill>
                 <a:schemeClr val="tx1"/>
               </a:solidFill>
-              <a:effectLst/>
-              <a:uLnTx/>
-              <a:uFillTx/>
-              <a:latin typeface="+mn-lt"/>
-              <a:ea typeface="+mn-ea"/>
-              <a:cs typeface="+mn-cs"/>
-            </a:endParaRPr>
-          </a:p>
-        </p:txBody>
-      </p:sp>
-      <p:sp>
-        <p:nvSpPr>
-          <p:cNvPr id="6" name="Content Placeholder 2"/>
-          <p:cNvSpPr txBox="1">
-            <a:spLocks/>
-          </p:cNvSpPr>
-          <p:nvPr/>
-        </p:nvSpPr>
-        <p:spPr>
-          <a:xfrm>
-            <a:off x="4724400" y="1600200"/>
-            <a:ext cx="4114800" cy="4525963"/>
-          </a:xfrm>
-          <a:prstGeom prst="rect">
-            <a:avLst/>
-          </a:prstGeom>
-        </p:spPr>
-        <p:txBody>
-          <a:bodyPr vert="horz" lIns="91440" tIns="45720" rIns="91440" bIns="45720" rtlCol="0">
-            <a:normAutofit/>
-          </a:bodyPr>
-          <a:lstStyle/>
-          <a:p>
-            <a:pPr marL="342900" marR="0" lvl="0" indent="-342900" algn="l" defTabSz="914400" rtl="0" eaLnBrk="1" fontAlgn="auto" latinLnBrk="0" hangingPunct="1">
-              <a:lnSpc>
-                <a:spcPct val="100000"/>
-              </a:lnSpc>
-              <a:spcBef>
-                <a:spcPct val="20000"/>
-              </a:spcBef>
-              <a:spcAft>
-                <a:spcPts val="0"/>
-              </a:spcAft>
-              <a:buClrTx/>
-              <a:buSzTx/>
-              <a:buFont typeface="Arial" pitchFamily="34" charset="0"/>
-              <a:buChar char="•"/>
-              <a:tabLst/>
-              <a:defRPr/>
-            </a:pPr>
-            <a:r>
-              <a:rPr kumimoji="0" lang="en-US" sz="3200" b="0" i="0" u="none" strike="noStrike" kern="1200" cap="none" spc="0" normalizeH="0" baseline="0" noProof="0" dirty="0" smtClean="0">
-                <a:ln>
-                  <a:noFill/>
-                </a:ln>
-                <a:solidFill>
-                  <a:schemeClr val="tx1"/>
-                </a:solidFill>
-                <a:effectLst/>
-                <a:uLnTx/>
-                <a:uFillTx/>
-                <a:latin typeface="+mn-lt"/>
-                <a:ea typeface="+mn-ea"/>
-                <a:cs typeface="+mn-cs"/>
-              </a:rPr>
-              <a:t>Backward pass</a:t>
-            </a:r>
-          </a:p>
-          <a:p>
-            <a:pPr marL="342900" marR="0" lvl="0" indent="-342900" algn="l" defTabSz="914400" rtl="0" eaLnBrk="1" fontAlgn="auto" latinLnBrk="0" hangingPunct="1">
-              <a:lnSpc>
-                <a:spcPct val="100000"/>
-              </a:lnSpc>
-              <a:spcBef>
-                <a:spcPct val="20000"/>
-              </a:spcBef>
-              <a:spcAft>
-                <a:spcPts val="0"/>
-              </a:spcAft>
-              <a:buClrTx/>
-              <a:buSzTx/>
-              <a:buFont typeface="Arial" pitchFamily="34" charset="0"/>
-              <a:buChar char="•"/>
-              <a:tabLst/>
-              <a:defRPr/>
-            </a:pPr>
-            <a:endParaRPr kumimoji="0" lang="en-US" sz="3200" b="0" i="0" u="none" strike="noStrike" kern="1200" cap="none" spc="0" normalizeH="0" baseline="0" noProof="0" dirty="0" smtClean="0">
-              <a:ln>
-                <a:noFill/>
-              </a:ln>
+              <a:tailEnd type="arrow"/>
+            </a:ln>
+          </p:spPr>
+          <p:style>
+            <a:lnRef idx="1">
+              <a:schemeClr val="accent1"/>
+            </a:lnRef>
+            <a:fillRef idx="0">
+              <a:schemeClr val="accent1"/>
+            </a:fillRef>
+            <a:effectRef idx="0">
+              <a:schemeClr val="accent1"/>
+            </a:effectRef>
+            <a:fontRef idx="minor">
+              <a:schemeClr val="tx1"/>
+            </a:fontRef>
+          </p:style>
+        </p:cxnSp>
+        <p:cxnSp>
+          <p:nvCxnSpPr>
+            <p:cNvPr id="25" name="Straight Arrow Connector 24"/>
+            <p:cNvCxnSpPr>
+              <a:endCxn id="21" idx="1"/>
+            </p:cNvCxnSpPr>
+            <p:nvPr/>
+          </p:nvCxnSpPr>
+          <p:spPr>
+            <a:xfrm>
+              <a:off x="5638800" y="2438400"/>
+              <a:ext cx="1221115" cy="687715"/>
+            </a:xfrm>
+            <a:prstGeom prst="straightConnector1">
+              <a:avLst/>
+            </a:prstGeom>
+            <a:ln w="25400">
               <a:solidFill>
                 <a:schemeClr val="tx1"/>
               </a:solidFill>
-              <a:effectLst/>
-              <a:uLnTx/>
-              <a:uFillTx/>
-              <a:latin typeface="+mn-lt"/>
-              <a:ea typeface="+mn-ea"/>
-              <a:cs typeface="+mn-cs"/>
-            </a:endParaRPr>
-          </a:p>
-          <a:p>
-            <a:pPr marL="742950" marR="0" lvl="1" indent="-285750" algn="l" defTabSz="914400" rtl="0" eaLnBrk="1" fontAlgn="auto" latinLnBrk="0" hangingPunct="1">
-              <a:lnSpc>
-                <a:spcPct val="100000"/>
-              </a:lnSpc>
-              <a:spcBef>
-                <a:spcPct val="20000"/>
-              </a:spcBef>
-              <a:spcAft>
-                <a:spcPts val="0"/>
-              </a:spcAft>
-              <a:buClrTx/>
-              <a:buSzTx/>
-              <a:buFont typeface="Arial" pitchFamily="34" charset="0"/>
-              <a:buChar char="–"/>
-              <a:tabLst/>
-              <a:defRPr/>
-            </a:pPr>
-            <a:endParaRPr kumimoji="0" lang="en-US" sz="2800" b="0" i="0" u="none" strike="noStrike" kern="1200" cap="none" spc="0" normalizeH="0" baseline="0" noProof="0" dirty="0">
-              <a:ln>
-                <a:noFill/>
-              </a:ln>
+              <a:tailEnd type="arrow"/>
+            </a:ln>
+          </p:spPr>
+          <p:style>
+            <a:lnRef idx="1">
+              <a:schemeClr val="accent1"/>
+            </a:lnRef>
+            <a:fillRef idx="0">
+              <a:schemeClr val="accent1"/>
+            </a:fillRef>
+            <a:effectRef idx="0">
+              <a:schemeClr val="accent1"/>
+            </a:effectRef>
+            <a:fontRef idx="minor">
+              <a:schemeClr val="tx1"/>
+            </a:fontRef>
+          </p:style>
+        </p:cxnSp>
+        <p:cxnSp>
+          <p:nvCxnSpPr>
+            <p:cNvPr id="26" name="Straight Arrow Connector 25"/>
+            <p:cNvCxnSpPr>
+              <a:endCxn id="21" idx="3"/>
+            </p:cNvCxnSpPr>
+            <p:nvPr/>
+          </p:nvCxnSpPr>
+          <p:spPr>
+            <a:xfrm flipV="1">
+              <a:off x="5638800" y="3503285"/>
+              <a:ext cx="1221115" cy="535315"/>
+            </a:xfrm>
+            <a:prstGeom prst="straightConnector1">
+              <a:avLst/>
+            </a:prstGeom>
+            <a:ln w="25400">
               <a:solidFill>
                 <a:schemeClr val="tx1"/>
               </a:solidFill>
-              <a:effectLst/>
-              <a:uLnTx/>
-              <a:uFillTx/>
-              <a:latin typeface="+mn-lt"/>
-              <a:ea typeface="+mn-ea"/>
-              <a:cs typeface="+mn-cs"/>
-            </a:endParaRPr>
-          </a:p>
-        </p:txBody>
-      </p:sp>
-      <p:graphicFrame>
-        <p:nvGraphicFramePr>
-          <p:cNvPr id="7" name="Object 6"/>
-          <p:cNvGraphicFramePr>
-            <a:graphicFrameLocks noChangeAspect="1"/>
-          </p:cNvGraphicFramePr>
-          <p:nvPr/>
-        </p:nvGraphicFramePr>
-        <p:xfrm>
-          <a:off x="4935538" y="2192338"/>
-          <a:ext cx="2222500" cy="2273300"/>
-        </p:xfrm>
-        <a:graphic>
-          <a:graphicData uri="http://schemas.openxmlformats.org/presentationml/2006/ole">
-            <p:oleObj spid="_x0000_s91138" name="Equation" r:id="rId3" imgW="1117440" imgH="1143000" progId="Equation.3">
-              <p:embed/>
-            </p:oleObj>
-          </a:graphicData>
-        </a:graphic>
-      </p:graphicFrame>
+              <a:tailEnd type="arrow"/>
+            </a:ln>
+          </p:spPr>
+          <p:style>
+            <a:lnRef idx="1">
+              <a:schemeClr val="accent1"/>
+            </a:lnRef>
+            <a:fillRef idx="0">
+              <a:schemeClr val="accent1"/>
+            </a:fillRef>
+            <a:effectRef idx="0">
+              <a:schemeClr val="accent1"/>
+            </a:effectRef>
+            <a:fontRef idx="minor">
+              <a:schemeClr val="tx1"/>
+            </a:fontRef>
+          </p:style>
+        </p:cxnSp>
+        <p:sp>
+          <p:nvSpPr>
+            <p:cNvPr id="27" name="TextBox 26"/>
+            <p:cNvSpPr txBox="1"/>
+            <p:nvPr/>
+          </p:nvSpPr>
+          <p:spPr>
+            <a:xfrm>
+              <a:off x="5742274" y="2205335"/>
+              <a:ext cx="567784" cy="461665"/>
+            </a:xfrm>
+            <a:prstGeom prst="rect">
+              <a:avLst/>
+            </a:prstGeom>
+            <a:noFill/>
+          </p:spPr>
+          <p:txBody>
+            <a:bodyPr wrap="none" rtlCol="0">
+              <a:spAutoFit/>
+            </a:bodyPr>
+            <a:lstStyle/>
+            <a:p>
+              <a:r>
+                <a:rPr lang="en-US" sz="2400" b="1" dirty="0" smtClean="0"/>
+                <a:t>W</a:t>
+              </a:r>
+              <a:r>
+                <a:rPr lang="en-US" sz="2400" b="1" baseline="-25000" dirty="0" smtClean="0"/>
+                <a:t>1</a:t>
+              </a:r>
+              <a:endParaRPr lang="en-US" sz="2400" b="1" baseline="-25000" dirty="0"/>
+            </a:p>
+          </p:txBody>
+        </p:sp>
+        <p:sp>
+          <p:nvSpPr>
+            <p:cNvPr id="28" name="TextBox 27"/>
+            <p:cNvSpPr txBox="1"/>
+            <p:nvPr/>
+          </p:nvSpPr>
+          <p:spPr>
+            <a:xfrm>
+              <a:off x="5715000" y="2895600"/>
+              <a:ext cx="567784" cy="461665"/>
+            </a:xfrm>
+            <a:prstGeom prst="rect">
+              <a:avLst/>
+            </a:prstGeom>
+            <a:noFill/>
+          </p:spPr>
+          <p:txBody>
+            <a:bodyPr wrap="none" rtlCol="0">
+              <a:spAutoFit/>
+            </a:bodyPr>
+            <a:lstStyle/>
+            <a:p>
+              <a:r>
+                <a:rPr lang="en-US" sz="2400" b="1" dirty="0" smtClean="0"/>
+                <a:t>W</a:t>
+              </a:r>
+              <a:r>
+                <a:rPr lang="en-US" sz="2400" b="1" baseline="-25000" dirty="0" smtClean="0"/>
+                <a:t>2</a:t>
+              </a:r>
+              <a:endParaRPr lang="en-US" sz="2400" b="1" baseline="-25000" dirty="0"/>
+            </a:p>
+          </p:txBody>
+        </p:sp>
+        <p:sp>
+          <p:nvSpPr>
+            <p:cNvPr id="29" name="TextBox 28"/>
+            <p:cNvSpPr txBox="1"/>
+            <p:nvPr/>
+          </p:nvSpPr>
+          <p:spPr>
+            <a:xfrm>
+              <a:off x="5833016" y="3810000"/>
+              <a:ext cx="567784" cy="461665"/>
+            </a:xfrm>
+            <a:prstGeom prst="rect">
+              <a:avLst/>
+            </a:prstGeom>
+            <a:noFill/>
+          </p:spPr>
+          <p:txBody>
+            <a:bodyPr wrap="none" rtlCol="0">
+              <a:spAutoFit/>
+            </a:bodyPr>
+            <a:lstStyle/>
+            <a:p>
+              <a:r>
+                <a:rPr lang="en-US" sz="2400" b="1" dirty="0" smtClean="0"/>
+                <a:t>W</a:t>
+              </a:r>
+              <a:r>
+                <a:rPr lang="en-US" sz="2400" b="1" baseline="-25000" dirty="0" smtClean="0"/>
+                <a:t>3</a:t>
+              </a:r>
+              <a:endParaRPr lang="en-US" sz="2400" b="1" baseline="-25000" dirty="0"/>
+            </a:p>
+          </p:txBody>
+        </p:sp>
+        <p:sp>
+          <p:nvSpPr>
+            <p:cNvPr id="30" name="TextBox 29"/>
+            <p:cNvSpPr txBox="1"/>
+            <p:nvPr/>
+          </p:nvSpPr>
+          <p:spPr>
+            <a:xfrm>
+              <a:off x="6705600" y="2438400"/>
+              <a:ext cx="503664" cy="461665"/>
+            </a:xfrm>
+            <a:prstGeom prst="rect">
+              <a:avLst/>
+            </a:prstGeom>
+            <a:noFill/>
+          </p:spPr>
+          <p:txBody>
+            <a:bodyPr wrap="none" rtlCol="0">
+              <a:spAutoFit/>
+            </a:bodyPr>
+            <a:lstStyle/>
+            <a:p>
+              <a:r>
+                <a:rPr lang="en-US" sz="2400" b="1" dirty="0" smtClean="0"/>
+                <a:t>+b</a:t>
+              </a:r>
+              <a:endParaRPr lang="en-US" sz="2400" b="1" baseline="-25000" dirty="0"/>
+            </a:p>
+          </p:txBody>
+        </p:sp>
+        <p:cxnSp>
+          <p:nvCxnSpPr>
+            <p:cNvPr id="31" name="Straight Connector 30"/>
+            <p:cNvCxnSpPr>
+              <a:stCxn id="21" idx="0"/>
+              <a:endCxn id="21" idx="4"/>
+            </p:cNvCxnSpPr>
+            <p:nvPr/>
+          </p:nvCxnSpPr>
+          <p:spPr>
+            <a:xfrm rot="16200000" flipH="1">
+              <a:off x="6781800" y="3314700"/>
+              <a:ext cx="533400" cy="1588"/>
+            </a:xfrm>
+            <a:prstGeom prst="line">
+              <a:avLst/>
+            </a:prstGeom>
+            <a:ln w="25400">
+              <a:solidFill>
+                <a:schemeClr val="tx1"/>
+              </a:solidFill>
+            </a:ln>
+          </p:spPr>
+          <p:style>
+            <a:lnRef idx="1">
+              <a:schemeClr val="accent1"/>
+            </a:lnRef>
+            <a:fillRef idx="0">
+              <a:schemeClr val="accent1"/>
+            </a:fillRef>
+            <a:effectRef idx="0">
+              <a:schemeClr val="accent1"/>
+            </a:effectRef>
+            <a:fontRef idx="minor">
+              <a:schemeClr val="tx1"/>
+            </a:fontRef>
+          </p:style>
+        </p:cxnSp>
+        <p:sp>
+          <p:nvSpPr>
+            <p:cNvPr id="32" name="TextBox 31"/>
+            <p:cNvSpPr txBox="1"/>
+            <p:nvPr/>
+          </p:nvSpPr>
+          <p:spPr>
+            <a:xfrm>
+              <a:off x="7162800" y="3505200"/>
+              <a:ext cx="1451679" cy="461665"/>
+            </a:xfrm>
+            <a:prstGeom prst="rect">
+              <a:avLst/>
+            </a:prstGeom>
+            <a:noFill/>
+          </p:spPr>
+          <p:txBody>
+            <a:bodyPr wrap="none" rtlCol="0">
+              <a:spAutoFit/>
+            </a:bodyPr>
+            <a:lstStyle/>
+            <a:p>
+              <a:r>
+                <a:rPr lang="en-US" sz="2400" b="1" dirty="0" smtClean="0"/>
+                <a:t>activation</a:t>
+              </a:r>
+              <a:endParaRPr lang="en-US" sz="2400" b="1" baseline="-25000" dirty="0"/>
+            </a:p>
+          </p:txBody>
+        </p:sp>
+      </p:grpSp>
     </p:spTree>
   </p:cSld>
   <p:clrMapOvr>
@@ -11760,7 +11656,11 @@
           <a:p>
             <a:r>
               <a:rPr lang="en-US" dirty="0" smtClean="0"/>
-              <a:t>Linear regression – Equation  </a:t>
+              <a:t>Linear </a:t>
+            </a:r>
+            <a:r>
+              <a:rPr lang="en-US" dirty="0" smtClean="0"/>
+              <a:t>Regression</a:t>
             </a:r>
             <a:endParaRPr lang="en-US" dirty="0"/>
           </a:p>
@@ -11915,7 +11815,7 @@
           <a:p>
             <a:r>
               <a:rPr lang="en-US" dirty="0" smtClean="0"/>
-              <a:t>Artificial neural network</a:t>
+              <a:t>Artificial neural network </a:t>
             </a:r>
             <a:endParaRPr lang="en-US" dirty="0"/>
           </a:p>
@@ -11962,6 +11862,34 @@
             </a:r>
           </a:p>
           <a:p>
+            <a:r>
+              <a:rPr lang="en-US" dirty="0" smtClean="0"/>
+              <a:t>ŷ = </a:t>
+            </a:r>
+            <a:r>
+              <a:rPr lang="el-GR" dirty="0" smtClean="0"/>
+              <a:t>σ</a:t>
+            </a:r>
+            <a:r>
+              <a:rPr lang="en-US" dirty="0" smtClean="0"/>
+              <a:t>(Z) = a</a:t>
+            </a:r>
+          </a:p>
+          <a:p>
+            <a:pPr lvl="1"/>
+            <a:r>
+              <a:rPr lang="en-US" dirty="0" smtClean="0"/>
+              <a:t>Activation function</a:t>
+            </a:r>
+          </a:p>
+          <a:p>
+            <a:pPr lvl="1"/>
+            <a:r>
+              <a:rPr lang="en-US" dirty="0" smtClean="0"/>
+              <a:t>e.g. sigmoid function</a:t>
+            </a:r>
+          </a:p>
+          <a:p>
             <a:pPr lvl="1"/>
             <a:endParaRPr lang="en-US" dirty="0" smtClean="0"/>
           </a:p>
@@ -11969,7 +11897,7 @@
       </p:sp>
       <p:grpSp>
         <p:nvGrpSpPr>
-          <p:cNvPr id="35" name="Group 34"/>
+          <p:cNvPr id="4" name="Group 34"/>
           <p:cNvGrpSpPr/>
           <p:nvPr/>
         </p:nvGrpSpPr>
@@ -12637,6 +12565,19 @@
             <a:r>
               <a:rPr lang="en-US" dirty="0" smtClean="0"/>
               <a:t>e.g. sigmoid function</a:t>
+            </a:r>
+          </a:p>
+          <a:p>
+            <a:r>
+              <a:rPr lang="en-US" dirty="0" smtClean="0"/>
+              <a:t>L(ŷ, y)</a:t>
+            </a:r>
+          </a:p>
+          <a:p>
+            <a:pPr lvl="1"/>
+            <a:r>
+              <a:rPr lang="en-US" dirty="0" smtClean="0"/>
+              <a:t>Loss function</a:t>
             </a:r>
           </a:p>
           <a:p>
@@ -13243,7 +13184,7 @@
           <a:p>
             <a:r>
               <a:rPr lang="en-US" dirty="0" smtClean="0"/>
-              <a:t>Artificial neural network </a:t>
+              <a:t>Artificial neural network</a:t>
             </a:r>
             <a:endParaRPr lang="en-US" dirty="0"/>
           </a:p>
@@ -13262,7 +13203,7 @@
         <p:spPr>
           <a:xfrm>
             <a:off x="457200" y="1600200"/>
-            <a:ext cx="8382000" cy="4525963"/>
+            <a:ext cx="8382000" cy="5029200"/>
           </a:xfrm>
         </p:spPr>
         <p:txBody>
@@ -13320,15 +13261,71 @@
           <a:p>
             <a:r>
               <a:rPr lang="en-US" dirty="0" smtClean="0"/>
-              <a:t>L(ŷ, y)</a:t>
+              <a:t>Loss function</a:t>
             </a:r>
           </a:p>
           <a:p>
             <a:pPr lvl="1"/>
             <a:r>
               <a:rPr lang="en-US" dirty="0" smtClean="0"/>
-              <a:t>Loss function</a:t>
-            </a:r>
+              <a:t>L(ŷ</a:t>
+            </a:r>
+            <a:r>
+              <a:rPr lang="en-US" baseline="30000" dirty="0" smtClean="0"/>
+              <a:t>(</a:t>
+            </a:r>
+            <a:r>
+              <a:rPr lang="en-US" baseline="30000" dirty="0" err="1" smtClean="0"/>
+              <a:t>i</a:t>
+            </a:r>
+            <a:r>
+              <a:rPr lang="en-US" baseline="30000" dirty="0" smtClean="0"/>
+              <a:t>)</a:t>
+            </a:r>
+            <a:r>
+              <a:rPr lang="en-US" dirty="0" smtClean="0"/>
+              <a:t>, y</a:t>
+            </a:r>
+            <a:r>
+              <a:rPr lang="en-US" baseline="30000" dirty="0" smtClean="0"/>
+              <a:t>(</a:t>
+            </a:r>
+            <a:r>
+              <a:rPr lang="en-US" baseline="30000" dirty="0" err="1" smtClean="0"/>
+              <a:t>i</a:t>
+            </a:r>
+            <a:r>
+              <a:rPr lang="en-US" baseline="30000" dirty="0" smtClean="0"/>
+              <a:t>)</a:t>
+            </a:r>
+            <a:r>
+              <a:rPr lang="en-US" dirty="0" smtClean="0"/>
+              <a:t>) – One i</a:t>
+            </a:r>
+            <a:r>
+              <a:rPr lang="en-US" baseline="30000" dirty="0" smtClean="0"/>
+              <a:t>th</a:t>
+            </a:r>
+            <a:r>
+              <a:rPr lang="en-US" dirty="0" smtClean="0"/>
+              <a:t> sample</a:t>
+            </a:r>
+          </a:p>
+          <a:p>
+            <a:r>
+              <a:rPr lang="en-US" dirty="0" smtClean="0"/>
+              <a:t>Cost function</a:t>
+            </a:r>
+          </a:p>
+          <a:p>
+            <a:pPr lvl="1"/>
+            <a:r>
+              <a:rPr lang="en-US" dirty="0" smtClean="0"/>
+              <a:t>J(W, b) – Average of loss function for all samples</a:t>
+            </a:r>
+          </a:p>
+          <a:p>
+            <a:endParaRPr lang="en-US" dirty="0" smtClean="0"/>
           </a:p>
           <a:p>
             <a:pPr lvl="1"/>
@@ -13899,753 +13896,6 @@
 </file>
 
 <file path=ppt/slides/slide33.xml><?xml version="1.0" encoding="utf-8"?>
-<p:sld xmlns:a="http://schemas.openxmlformats.org/drawingml/2006/main" xmlns:r="http://schemas.openxmlformats.org/officeDocument/2006/relationships" xmlns:p="http://schemas.openxmlformats.org/presentationml/2006/main">
-  <p:cSld>
-    <p:spTree>
-      <p:nvGrpSpPr>
-        <p:cNvPr id="1" name=""/>
-        <p:cNvGrpSpPr/>
-        <p:nvPr/>
-      </p:nvGrpSpPr>
-      <p:grpSpPr>
-        <a:xfrm>
-          <a:off x="0" y="0"/>
-          <a:ext cx="0" cy="0"/>
-          <a:chOff x="0" y="0"/>
-          <a:chExt cx="0" cy="0"/>
-        </a:xfrm>
-      </p:grpSpPr>
-      <p:sp>
-        <p:nvSpPr>
-          <p:cNvPr id="2" name="Title 1"/>
-          <p:cNvSpPr>
-            <a:spLocks noGrp="1"/>
-          </p:cNvSpPr>
-          <p:nvPr>
-            <p:ph type="title"/>
-          </p:nvPr>
-        </p:nvSpPr>
-        <p:spPr/>
-        <p:txBody>
-          <a:bodyPr>
-            <a:normAutofit/>
-          </a:bodyPr>
-          <a:lstStyle/>
-          <a:p>
-            <a:r>
-              <a:rPr lang="en-US" dirty="0" smtClean="0"/>
-              <a:t>Artificial neural network</a:t>
-            </a:r>
-            <a:endParaRPr lang="en-US" dirty="0"/>
-          </a:p>
-        </p:txBody>
-      </p:sp>
-      <p:sp>
-        <p:nvSpPr>
-          <p:cNvPr id="3" name="Content Placeholder 2"/>
-          <p:cNvSpPr>
-            <a:spLocks noGrp="1"/>
-          </p:cNvSpPr>
-          <p:nvPr>
-            <p:ph idx="1"/>
-          </p:nvPr>
-        </p:nvSpPr>
-        <p:spPr>
-          <a:xfrm>
-            <a:off x="457200" y="1600200"/>
-            <a:ext cx="8382000" cy="5029200"/>
-          </a:xfrm>
-        </p:spPr>
-        <p:txBody>
-          <a:bodyPr/>
-          <a:lstStyle/>
-          <a:p>
-            <a:r>
-              <a:rPr lang="en-US" dirty="0" smtClean="0"/>
-              <a:t>Z = W</a:t>
-            </a:r>
-            <a:r>
-              <a:rPr lang="en-US" baseline="30000" dirty="0" smtClean="0"/>
-              <a:t>T</a:t>
-            </a:r>
-            <a:r>
-              <a:rPr lang="en-US" dirty="0" smtClean="0"/>
-              <a:t>X + b</a:t>
-            </a:r>
-          </a:p>
-          <a:p>
-            <a:pPr lvl="1"/>
-            <a:r>
-              <a:rPr lang="en-US" dirty="0" smtClean="0"/>
-              <a:t>Linear regression</a:t>
-            </a:r>
-          </a:p>
-          <a:p>
-            <a:r>
-              <a:rPr lang="en-US" dirty="0" smtClean="0"/>
-              <a:t>ŷ = </a:t>
-            </a:r>
-            <a:r>
-              <a:rPr lang="el-GR" dirty="0" smtClean="0"/>
-              <a:t>σ</a:t>
-            </a:r>
-            <a:r>
-              <a:rPr lang="en-US" dirty="0" smtClean="0"/>
-              <a:t>(Z) = a</a:t>
-            </a:r>
-          </a:p>
-          <a:p>
-            <a:pPr lvl="1"/>
-            <a:r>
-              <a:rPr lang="en-US" dirty="0" smtClean="0"/>
-              <a:t>Activation function</a:t>
-            </a:r>
-          </a:p>
-          <a:p>
-            <a:pPr lvl="1"/>
-            <a:r>
-              <a:rPr lang="en-US" dirty="0" smtClean="0"/>
-              <a:t>e.g. sigmoid function</a:t>
-            </a:r>
-          </a:p>
-          <a:p>
-            <a:r>
-              <a:rPr lang="en-US" dirty="0" smtClean="0"/>
-              <a:t>Loss function</a:t>
-            </a:r>
-          </a:p>
-          <a:p>
-            <a:pPr lvl="1"/>
-            <a:r>
-              <a:rPr lang="en-US" dirty="0" smtClean="0"/>
-              <a:t>L(ŷ</a:t>
-            </a:r>
-            <a:r>
-              <a:rPr lang="en-US" baseline="30000" dirty="0" smtClean="0"/>
-              <a:t>(</a:t>
-            </a:r>
-            <a:r>
-              <a:rPr lang="en-US" baseline="30000" dirty="0" err="1" smtClean="0"/>
-              <a:t>i</a:t>
-            </a:r>
-            <a:r>
-              <a:rPr lang="en-US" baseline="30000" dirty="0" smtClean="0"/>
-              <a:t>)</a:t>
-            </a:r>
-            <a:r>
-              <a:rPr lang="en-US" dirty="0" smtClean="0"/>
-              <a:t>, y</a:t>
-            </a:r>
-            <a:r>
-              <a:rPr lang="en-US" baseline="30000" dirty="0" smtClean="0"/>
-              <a:t>(</a:t>
-            </a:r>
-            <a:r>
-              <a:rPr lang="en-US" baseline="30000" dirty="0" err="1" smtClean="0"/>
-              <a:t>i</a:t>
-            </a:r>
-            <a:r>
-              <a:rPr lang="en-US" baseline="30000" dirty="0" smtClean="0"/>
-              <a:t>)</a:t>
-            </a:r>
-            <a:r>
-              <a:rPr lang="en-US" dirty="0" smtClean="0"/>
-              <a:t>) – One i</a:t>
-            </a:r>
-            <a:r>
-              <a:rPr lang="en-US" baseline="30000" dirty="0" smtClean="0"/>
-              <a:t>th</a:t>
-            </a:r>
-            <a:r>
-              <a:rPr lang="en-US" dirty="0" smtClean="0"/>
-              <a:t> sample</a:t>
-            </a:r>
-          </a:p>
-          <a:p>
-            <a:r>
-              <a:rPr lang="en-US" dirty="0" smtClean="0"/>
-              <a:t>Cost function</a:t>
-            </a:r>
-          </a:p>
-          <a:p>
-            <a:pPr lvl="1"/>
-            <a:r>
-              <a:rPr lang="en-US" dirty="0" smtClean="0"/>
-              <a:t>J(W, b) – Average of loss function for all samples</a:t>
-            </a:r>
-          </a:p>
-          <a:p>
-            <a:endParaRPr lang="en-US" dirty="0" smtClean="0"/>
-          </a:p>
-          <a:p>
-            <a:pPr lvl="1"/>
-            <a:endParaRPr lang="en-US" dirty="0" smtClean="0"/>
-          </a:p>
-        </p:txBody>
-      </p:sp>
-      <p:grpSp>
-        <p:nvGrpSpPr>
-          <p:cNvPr id="4" name="Group 34"/>
-          <p:cNvGrpSpPr/>
-          <p:nvPr/>
-        </p:nvGrpSpPr>
-        <p:grpSpPr>
-          <a:xfrm>
-            <a:off x="4953000" y="2057400"/>
-            <a:ext cx="3962400" cy="2290465"/>
-            <a:chOff x="5105400" y="2057400"/>
-            <a:chExt cx="3962400" cy="2290465"/>
-          </a:xfrm>
-        </p:grpSpPr>
-        <p:sp>
-          <p:nvSpPr>
-            <p:cNvPr id="18" name="TextBox 17"/>
-            <p:cNvSpPr txBox="1"/>
-            <p:nvPr/>
-          </p:nvSpPr>
-          <p:spPr>
-            <a:xfrm>
-              <a:off x="5105400" y="2057400"/>
-              <a:ext cx="429926" cy="461665"/>
-            </a:xfrm>
-            <a:prstGeom prst="rect">
-              <a:avLst/>
-            </a:prstGeom>
-            <a:noFill/>
-          </p:spPr>
-          <p:txBody>
-            <a:bodyPr wrap="none" rtlCol="0">
-              <a:spAutoFit/>
-            </a:bodyPr>
-            <a:lstStyle/>
-            <a:p>
-              <a:r>
-                <a:rPr lang="en-US" sz="2400" b="1" dirty="0" smtClean="0"/>
-                <a:t>x</a:t>
-              </a:r>
-              <a:r>
-                <a:rPr lang="en-US" sz="2400" b="1" baseline="-25000" dirty="0" smtClean="0"/>
-                <a:t>1</a:t>
-              </a:r>
-              <a:endParaRPr lang="en-US" sz="2400" b="1" baseline="-25000" dirty="0"/>
-            </a:p>
-          </p:txBody>
-        </p:sp>
-        <p:sp>
-          <p:nvSpPr>
-            <p:cNvPr id="19" name="TextBox 18"/>
-            <p:cNvSpPr txBox="1"/>
-            <p:nvPr/>
-          </p:nvSpPr>
-          <p:spPr>
-            <a:xfrm>
-              <a:off x="5105400" y="3048000"/>
-              <a:ext cx="429926" cy="461665"/>
-            </a:xfrm>
-            <a:prstGeom prst="rect">
-              <a:avLst/>
-            </a:prstGeom>
-            <a:noFill/>
-          </p:spPr>
-          <p:txBody>
-            <a:bodyPr wrap="none" rtlCol="0">
-              <a:spAutoFit/>
-            </a:bodyPr>
-            <a:lstStyle/>
-            <a:p>
-              <a:r>
-                <a:rPr lang="en-US" sz="2400" b="1" dirty="0" smtClean="0"/>
-                <a:t>x</a:t>
-              </a:r>
-              <a:r>
-                <a:rPr lang="en-US" sz="2400" b="1" baseline="-25000" dirty="0" smtClean="0"/>
-                <a:t>2</a:t>
-              </a:r>
-              <a:endParaRPr lang="en-US" sz="2400" b="1" baseline="-25000" dirty="0"/>
-            </a:p>
-          </p:txBody>
-        </p:sp>
-        <p:sp>
-          <p:nvSpPr>
-            <p:cNvPr id="20" name="TextBox 19"/>
-            <p:cNvSpPr txBox="1"/>
-            <p:nvPr/>
-          </p:nvSpPr>
-          <p:spPr>
-            <a:xfrm>
-              <a:off x="5105400" y="3886200"/>
-              <a:ext cx="429926" cy="461665"/>
-            </a:xfrm>
-            <a:prstGeom prst="rect">
-              <a:avLst/>
-            </a:prstGeom>
-            <a:noFill/>
-          </p:spPr>
-          <p:txBody>
-            <a:bodyPr wrap="none" rtlCol="0">
-              <a:spAutoFit/>
-            </a:bodyPr>
-            <a:lstStyle/>
-            <a:p>
-              <a:r>
-                <a:rPr lang="en-US" sz="2400" b="1" dirty="0" smtClean="0"/>
-                <a:t>x</a:t>
-              </a:r>
-              <a:r>
-                <a:rPr lang="en-US" sz="2400" b="1" baseline="-25000" dirty="0" smtClean="0"/>
-                <a:t>3</a:t>
-              </a:r>
-              <a:endParaRPr lang="en-US" sz="2400" b="1" baseline="-25000" dirty="0"/>
-            </a:p>
-          </p:txBody>
-        </p:sp>
-        <p:sp>
-          <p:nvSpPr>
-            <p:cNvPr id="21" name="Oval 20"/>
-            <p:cNvSpPr>
-              <a:spLocks noChangeAspect="1"/>
-            </p:cNvSpPr>
-            <p:nvPr/>
-          </p:nvSpPr>
-          <p:spPr>
-            <a:xfrm>
-              <a:off x="6781800" y="3048000"/>
-              <a:ext cx="533400" cy="533400"/>
-            </a:xfrm>
-            <a:prstGeom prst="ellipse">
-              <a:avLst/>
-            </a:prstGeom>
-            <a:noFill/>
-            <a:ln>
-              <a:solidFill>
-                <a:schemeClr val="tx1"/>
-              </a:solidFill>
-            </a:ln>
-          </p:spPr>
-          <p:style>
-            <a:lnRef idx="2">
-              <a:schemeClr val="accent1">
-                <a:shade val="50000"/>
-              </a:schemeClr>
-            </a:lnRef>
-            <a:fillRef idx="1">
-              <a:schemeClr val="accent1"/>
-            </a:fillRef>
-            <a:effectRef idx="0">
-              <a:schemeClr val="accent1"/>
-            </a:effectRef>
-            <a:fontRef idx="minor">
-              <a:schemeClr val="lt1"/>
-            </a:fontRef>
-          </p:style>
-          <p:txBody>
-            <a:bodyPr rtlCol="0" anchor="ctr"/>
-            <a:lstStyle/>
-            <a:p>
-              <a:pPr algn="ctr"/>
-              <a:endParaRPr lang="en-US"/>
-            </a:p>
-          </p:txBody>
-        </p:sp>
-        <p:sp>
-          <p:nvSpPr>
-            <p:cNvPr id="22" name="TextBox 21"/>
-            <p:cNvSpPr txBox="1"/>
-            <p:nvPr/>
-          </p:nvSpPr>
-          <p:spPr>
-            <a:xfrm>
-              <a:off x="8293229" y="3043535"/>
-              <a:ext cx="774571" cy="461665"/>
-            </a:xfrm>
-            <a:prstGeom prst="rect">
-              <a:avLst/>
-            </a:prstGeom>
-            <a:noFill/>
-          </p:spPr>
-          <p:txBody>
-            <a:bodyPr wrap="none" rtlCol="0">
-              <a:spAutoFit/>
-            </a:bodyPr>
-            <a:lstStyle/>
-            <a:p>
-              <a:r>
-                <a:rPr lang="en-US" sz="2400" b="1" dirty="0" smtClean="0"/>
-                <a:t>a = ŷ</a:t>
-              </a:r>
-              <a:endParaRPr lang="en-US" sz="2400" b="1" dirty="0"/>
-            </a:p>
-          </p:txBody>
-        </p:sp>
-        <p:cxnSp>
-          <p:nvCxnSpPr>
-            <p:cNvPr id="23" name="Straight Arrow Connector 22"/>
-            <p:cNvCxnSpPr>
-              <a:stCxn id="21" idx="6"/>
-            </p:cNvCxnSpPr>
-            <p:nvPr/>
-          </p:nvCxnSpPr>
-          <p:spPr>
-            <a:xfrm flipV="1">
-              <a:off x="7315200" y="3276600"/>
-              <a:ext cx="990600" cy="38100"/>
-            </a:xfrm>
-            <a:prstGeom prst="straightConnector1">
-              <a:avLst/>
-            </a:prstGeom>
-            <a:ln w="25400">
-              <a:solidFill>
-                <a:schemeClr val="tx1"/>
-              </a:solidFill>
-              <a:tailEnd type="arrow"/>
-            </a:ln>
-          </p:spPr>
-          <p:style>
-            <a:lnRef idx="1">
-              <a:schemeClr val="accent1"/>
-            </a:lnRef>
-            <a:fillRef idx="0">
-              <a:schemeClr val="accent1"/>
-            </a:fillRef>
-            <a:effectRef idx="0">
-              <a:schemeClr val="accent1"/>
-            </a:effectRef>
-            <a:fontRef idx="minor">
-              <a:schemeClr val="tx1"/>
-            </a:fontRef>
-          </p:style>
-        </p:cxnSp>
-        <p:cxnSp>
-          <p:nvCxnSpPr>
-            <p:cNvPr id="24" name="Straight Arrow Connector 23"/>
-            <p:cNvCxnSpPr>
-              <a:endCxn id="21" idx="2"/>
-            </p:cNvCxnSpPr>
-            <p:nvPr/>
-          </p:nvCxnSpPr>
-          <p:spPr>
-            <a:xfrm flipV="1">
-              <a:off x="5501640" y="3314700"/>
-              <a:ext cx="1280160" cy="38100"/>
-            </a:xfrm>
-            <a:prstGeom prst="straightConnector1">
-              <a:avLst/>
-            </a:prstGeom>
-            <a:ln w="25400">
-              <a:solidFill>
-                <a:schemeClr val="tx1"/>
-              </a:solidFill>
-              <a:tailEnd type="arrow"/>
-            </a:ln>
-          </p:spPr>
-          <p:style>
-            <a:lnRef idx="1">
-              <a:schemeClr val="accent1"/>
-            </a:lnRef>
-            <a:fillRef idx="0">
-              <a:schemeClr val="accent1"/>
-            </a:fillRef>
-            <a:effectRef idx="0">
-              <a:schemeClr val="accent1"/>
-            </a:effectRef>
-            <a:fontRef idx="minor">
-              <a:schemeClr val="tx1"/>
-            </a:fontRef>
-          </p:style>
-        </p:cxnSp>
-        <p:cxnSp>
-          <p:nvCxnSpPr>
-            <p:cNvPr id="25" name="Straight Arrow Connector 24"/>
-            <p:cNvCxnSpPr>
-              <a:endCxn id="21" idx="1"/>
-            </p:cNvCxnSpPr>
-            <p:nvPr/>
-          </p:nvCxnSpPr>
-          <p:spPr>
-            <a:xfrm>
-              <a:off x="5638800" y="2438400"/>
-              <a:ext cx="1221115" cy="687715"/>
-            </a:xfrm>
-            <a:prstGeom prst="straightConnector1">
-              <a:avLst/>
-            </a:prstGeom>
-            <a:ln w="25400">
-              <a:solidFill>
-                <a:schemeClr val="tx1"/>
-              </a:solidFill>
-              <a:tailEnd type="arrow"/>
-            </a:ln>
-          </p:spPr>
-          <p:style>
-            <a:lnRef idx="1">
-              <a:schemeClr val="accent1"/>
-            </a:lnRef>
-            <a:fillRef idx="0">
-              <a:schemeClr val="accent1"/>
-            </a:fillRef>
-            <a:effectRef idx="0">
-              <a:schemeClr val="accent1"/>
-            </a:effectRef>
-            <a:fontRef idx="minor">
-              <a:schemeClr val="tx1"/>
-            </a:fontRef>
-          </p:style>
-        </p:cxnSp>
-        <p:cxnSp>
-          <p:nvCxnSpPr>
-            <p:cNvPr id="26" name="Straight Arrow Connector 25"/>
-            <p:cNvCxnSpPr>
-              <a:endCxn id="21" idx="3"/>
-            </p:cNvCxnSpPr>
-            <p:nvPr/>
-          </p:nvCxnSpPr>
-          <p:spPr>
-            <a:xfrm flipV="1">
-              <a:off x="5638800" y="3503285"/>
-              <a:ext cx="1221115" cy="535315"/>
-            </a:xfrm>
-            <a:prstGeom prst="straightConnector1">
-              <a:avLst/>
-            </a:prstGeom>
-            <a:ln w="25400">
-              <a:solidFill>
-                <a:schemeClr val="tx1"/>
-              </a:solidFill>
-              <a:tailEnd type="arrow"/>
-            </a:ln>
-          </p:spPr>
-          <p:style>
-            <a:lnRef idx="1">
-              <a:schemeClr val="accent1"/>
-            </a:lnRef>
-            <a:fillRef idx="0">
-              <a:schemeClr val="accent1"/>
-            </a:fillRef>
-            <a:effectRef idx="0">
-              <a:schemeClr val="accent1"/>
-            </a:effectRef>
-            <a:fontRef idx="minor">
-              <a:schemeClr val="tx1"/>
-            </a:fontRef>
-          </p:style>
-        </p:cxnSp>
-        <p:sp>
-          <p:nvSpPr>
-            <p:cNvPr id="27" name="TextBox 26"/>
-            <p:cNvSpPr txBox="1"/>
-            <p:nvPr/>
-          </p:nvSpPr>
-          <p:spPr>
-            <a:xfrm>
-              <a:off x="5742274" y="2205335"/>
-              <a:ext cx="567784" cy="461665"/>
-            </a:xfrm>
-            <a:prstGeom prst="rect">
-              <a:avLst/>
-            </a:prstGeom>
-            <a:noFill/>
-          </p:spPr>
-          <p:txBody>
-            <a:bodyPr wrap="none" rtlCol="0">
-              <a:spAutoFit/>
-            </a:bodyPr>
-            <a:lstStyle/>
-            <a:p>
-              <a:r>
-                <a:rPr lang="en-US" sz="2400" b="1" dirty="0" smtClean="0"/>
-                <a:t>W</a:t>
-              </a:r>
-              <a:r>
-                <a:rPr lang="en-US" sz="2400" b="1" baseline="-25000" dirty="0" smtClean="0"/>
-                <a:t>1</a:t>
-              </a:r>
-              <a:endParaRPr lang="en-US" sz="2400" b="1" baseline="-25000" dirty="0"/>
-            </a:p>
-          </p:txBody>
-        </p:sp>
-        <p:sp>
-          <p:nvSpPr>
-            <p:cNvPr id="28" name="TextBox 27"/>
-            <p:cNvSpPr txBox="1"/>
-            <p:nvPr/>
-          </p:nvSpPr>
-          <p:spPr>
-            <a:xfrm>
-              <a:off x="5715000" y="2895600"/>
-              <a:ext cx="567784" cy="461665"/>
-            </a:xfrm>
-            <a:prstGeom prst="rect">
-              <a:avLst/>
-            </a:prstGeom>
-            <a:noFill/>
-          </p:spPr>
-          <p:txBody>
-            <a:bodyPr wrap="none" rtlCol="0">
-              <a:spAutoFit/>
-            </a:bodyPr>
-            <a:lstStyle/>
-            <a:p>
-              <a:r>
-                <a:rPr lang="en-US" sz="2400" b="1" dirty="0" smtClean="0"/>
-                <a:t>W</a:t>
-              </a:r>
-              <a:r>
-                <a:rPr lang="en-US" sz="2400" b="1" baseline="-25000" dirty="0" smtClean="0"/>
-                <a:t>2</a:t>
-              </a:r>
-              <a:endParaRPr lang="en-US" sz="2400" b="1" baseline="-25000" dirty="0"/>
-            </a:p>
-          </p:txBody>
-        </p:sp>
-        <p:sp>
-          <p:nvSpPr>
-            <p:cNvPr id="29" name="TextBox 28"/>
-            <p:cNvSpPr txBox="1"/>
-            <p:nvPr/>
-          </p:nvSpPr>
-          <p:spPr>
-            <a:xfrm>
-              <a:off x="5833016" y="3810000"/>
-              <a:ext cx="567784" cy="461665"/>
-            </a:xfrm>
-            <a:prstGeom prst="rect">
-              <a:avLst/>
-            </a:prstGeom>
-            <a:noFill/>
-          </p:spPr>
-          <p:txBody>
-            <a:bodyPr wrap="none" rtlCol="0">
-              <a:spAutoFit/>
-            </a:bodyPr>
-            <a:lstStyle/>
-            <a:p>
-              <a:r>
-                <a:rPr lang="en-US" sz="2400" b="1" dirty="0" smtClean="0"/>
-                <a:t>W</a:t>
-              </a:r>
-              <a:r>
-                <a:rPr lang="en-US" sz="2400" b="1" baseline="-25000" dirty="0" smtClean="0"/>
-                <a:t>3</a:t>
-              </a:r>
-              <a:endParaRPr lang="en-US" sz="2400" b="1" baseline="-25000" dirty="0"/>
-            </a:p>
-          </p:txBody>
-        </p:sp>
-        <p:sp>
-          <p:nvSpPr>
-            <p:cNvPr id="30" name="TextBox 29"/>
-            <p:cNvSpPr txBox="1"/>
-            <p:nvPr/>
-          </p:nvSpPr>
-          <p:spPr>
-            <a:xfrm>
-              <a:off x="6705600" y="2438400"/>
-              <a:ext cx="503664" cy="461665"/>
-            </a:xfrm>
-            <a:prstGeom prst="rect">
-              <a:avLst/>
-            </a:prstGeom>
-            <a:noFill/>
-          </p:spPr>
-          <p:txBody>
-            <a:bodyPr wrap="none" rtlCol="0">
-              <a:spAutoFit/>
-            </a:bodyPr>
-            <a:lstStyle/>
-            <a:p>
-              <a:r>
-                <a:rPr lang="en-US" sz="2400" b="1" dirty="0" smtClean="0"/>
-                <a:t>+b</a:t>
-              </a:r>
-              <a:endParaRPr lang="en-US" sz="2400" b="1" baseline="-25000" dirty="0"/>
-            </a:p>
-          </p:txBody>
-        </p:sp>
-        <p:cxnSp>
-          <p:nvCxnSpPr>
-            <p:cNvPr id="31" name="Straight Connector 30"/>
-            <p:cNvCxnSpPr>
-              <a:stCxn id="21" idx="0"/>
-              <a:endCxn id="21" idx="4"/>
-            </p:cNvCxnSpPr>
-            <p:nvPr/>
-          </p:nvCxnSpPr>
-          <p:spPr>
-            <a:xfrm rot="16200000" flipH="1">
-              <a:off x="6781800" y="3314700"/>
-              <a:ext cx="533400" cy="1588"/>
-            </a:xfrm>
-            <a:prstGeom prst="line">
-              <a:avLst/>
-            </a:prstGeom>
-            <a:ln w="25400">
-              <a:solidFill>
-                <a:schemeClr val="tx1"/>
-              </a:solidFill>
-            </a:ln>
-          </p:spPr>
-          <p:style>
-            <a:lnRef idx="1">
-              <a:schemeClr val="accent1"/>
-            </a:lnRef>
-            <a:fillRef idx="0">
-              <a:schemeClr val="accent1"/>
-            </a:fillRef>
-            <a:effectRef idx="0">
-              <a:schemeClr val="accent1"/>
-            </a:effectRef>
-            <a:fontRef idx="minor">
-              <a:schemeClr val="tx1"/>
-            </a:fontRef>
-          </p:style>
-        </p:cxnSp>
-        <p:sp>
-          <p:nvSpPr>
-            <p:cNvPr id="32" name="TextBox 31"/>
-            <p:cNvSpPr txBox="1"/>
-            <p:nvPr/>
-          </p:nvSpPr>
-          <p:spPr>
-            <a:xfrm>
-              <a:off x="7162800" y="3505200"/>
-              <a:ext cx="1451679" cy="461665"/>
-            </a:xfrm>
-            <a:prstGeom prst="rect">
-              <a:avLst/>
-            </a:prstGeom>
-            <a:noFill/>
-          </p:spPr>
-          <p:txBody>
-            <a:bodyPr wrap="none" rtlCol="0">
-              <a:spAutoFit/>
-            </a:bodyPr>
-            <a:lstStyle/>
-            <a:p>
-              <a:r>
-                <a:rPr lang="en-US" sz="2400" b="1" dirty="0" smtClean="0"/>
-                <a:t>activation</a:t>
-              </a:r>
-              <a:endParaRPr lang="en-US" sz="2400" b="1" baseline="-25000" dirty="0"/>
-            </a:p>
-          </p:txBody>
-        </p:sp>
-      </p:grpSp>
-    </p:spTree>
-  </p:cSld>
-  <p:clrMapOvr>
-    <a:masterClrMapping/>
-  </p:clrMapOvr>
-  <p:timing>
-    <p:tnLst>
-      <p:par>
-        <p:cTn id="1" dur="indefinite" restart="never" nodeType="tmRoot"/>
-      </p:par>
-    </p:tnLst>
-  </p:timing>
-</p:sld>
-</file>
-
-<file path=ppt/slides/slide34.xml><?xml version="1.0" encoding="utf-8"?>
 <p:sld xmlns:a="http://schemas.openxmlformats.org/drawingml/2006/main" xmlns:r="http://schemas.openxmlformats.org/officeDocument/2006/relationships" xmlns:p="http://schemas.openxmlformats.org/presentationml/2006/main">
   <p:cSld>
     <p:spTree>
@@ -16251,7 +15501,7 @@
 </p:sld>
 </file>
 
-<file path=ppt/slides/slide35.xml><?xml version="1.0" encoding="utf-8"?>
+<file path=ppt/slides/slide34.xml><?xml version="1.0" encoding="utf-8"?>
 <p:sld xmlns:a="http://schemas.openxmlformats.org/drawingml/2006/main" xmlns:r="http://schemas.openxmlformats.org/officeDocument/2006/relationships" xmlns:p="http://schemas.openxmlformats.org/presentationml/2006/main">
   <p:cSld>
     <p:spTree>
@@ -17758,7 +17008,7 @@
 </p:sld>
 </file>
 
-<file path=ppt/slides/slide36.xml><?xml version="1.0" encoding="utf-8"?>
+<file path=ppt/slides/slide35.xml><?xml version="1.0" encoding="utf-8"?>
 <p:sld xmlns:a="http://schemas.openxmlformats.org/drawingml/2006/main" xmlns:r="http://schemas.openxmlformats.org/officeDocument/2006/relationships" xmlns:p="http://schemas.openxmlformats.org/presentationml/2006/main">
   <p:cSld>
     <p:spTree>
@@ -19273,7 +18523,7 @@
 </p:sld>
 </file>
 
-<file path=ppt/slides/slide37.xml><?xml version="1.0" encoding="utf-8"?>
+<file path=ppt/slides/slide36.xml><?xml version="1.0" encoding="utf-8"?>
 <p:sld xmlns:a="http://schemas.openxmlformats.org/drawingml/2006/main" xmlns:r="http://schemas.openxmlformats.org/officeDocument/2006/relationships" xmlns:p="http://schemas.openxmlformats.org/presentationml/2006/main">
   <p:cSld>
     <p:spTree>
@@ -20820,7 +20070,7 @@
 </p:sld>
 </file>
 
-<file path=ppt/slides/slide38.xml><?xml version="1.0" encoding="utf-8"?>
+<file path=ppt/slides/slide37.xml><?xml version="1.0" encoding="utf-8"?>
 <p:sld xmlns:a="http://schemas.openxmlformats.org/drawingml/2006/main" xmlns:r="http://schemas.openxmlformats.org/officeDocument/2006/relationships" xmlns:p="http://schemas.openxmlformats.org/presentationml/2006/main">
   <p:cSld>
     <p:spTree>
@@ -22413,7 +21663,7 @@
 </p:sld>
 </file>
 
-<file path=ppt/slides/slide39.xml><?xml version="1.0" encoding="utf-8"?>
+<file path=ppt/slides/slide38.xml><?xml version="1.0" encoding="utf-8"?>
 <p:sld xmlns:a="http://schemas.openxmlformats.org/drawingml/2006/main" xmlns:r="http://schemas.openxmlformats.org/officeDocument/2006/relationships" xmlns:p="http://schemas.openxmlformats.org/presentationml/2006/main">
   <p:cSld>
     <p:spTree>
@@ -24034,302 +23284,7 @@
 </p:sld>
 </file>
 
-<file path=ppt/slides/slide4.xml><?xml version="1.0" encoding="utf-8"?>
-<p:sld xmlns:a="http://schemas.openxmlformats.org/drawingml/2006/main" xmlns:r="http://schemas.openxmlformats.org/officeDocument/2006/relationships" xmlns:p="http://schemas.openxmlformats.org/presentationml/2006/main">
-  <p:cSld>
-    <p:spTree>
-      <p:nvGrpSpPr>
-        <p:cNvPr id="1" name=""/>
-        <p:cNvGrpSpPr/>
-        <p:nvPr/>
-      </p:nvGrpSpPr>
-      <p:grpSpPr>
-        <a:xfrm>
-          <a:off x="0" y="0"/>
-          <a:ext cx="0" cy="0"/>
-          <a:chOff x="0" y="0"/>
-          <a:chExt cx="0" cy="0"/>
-        </a:xfrm>
-      </p:grpSpPr>
-      <p:sp>
-        <p:nvSpPr>
-          <p:cNvPr id="2" name="Title 1"/>
-          <p:cNvSpPr>
-            <a:spLocks noGrp="1"/>
-          </p:cNvSpPr>
-          <p:nvPr>
-            <p:ph type="title"/>
-          </p:nvPr>
-        </p:nvSpPr>
-        <p:spPr/>
-        <p:txBody>
-          <a:bodyPr>
-            <a:normAutofit/>
-          </a:bodyPr>
-          <a:lstStyle/>
-          <a:p>
-            <a:r>
-              <a:rPr lang="en-US" dirty="0" smtClean="0"/>
-              <a:t>Binary classification </a:t>
-            </a:r>
-            <a:endParaRPr lang="en-US" dirty="0"/>
-          </a:p>
-        </p:txBody>
-      </p:sp>
-      <p:sp>
-        <p:nvSpPr>
-          <p:cNvPr id="3" name="Content Placeholder 2"/>
-          <p:cNvSpPr>
-            <a:spLocks noGrp="1"/>
-          </p:cNvSpPr>
-          <p:nvPr>
-            <p:ph idx="1"/>
-          </p:nvPr>
-        </p:nvSpPr>
-        <p:spPr/>
-        <p:txBody>
-          <a:bodyPr/>
-          <a:lstStyle/>
-          <a:p>
-            <a:r>
-              <a:rPr lang="en-US" dirty="0" smtClean="0"/>
-              <a:t>Classify elements of given set into two groups</a:t>
-            </a:r>
-          </a:p>
-          <a:p>
-            <a:pPr lvl="1"/>
-            <a:r>
-              <a:rPr lang="en-US" dirty="0" smtClean="0"/>
-              <a:t>Classify dog and non-dog images</a:t>
-            </a:r>
-            <a:endParaRPr lang="en-US" dirty="0"/>
-          </a:p>
-        </p:txBody>
-      </p:sp>
-      <p:grpSp>
-        <p:nvGrpSpPr>
-          <p:cNvPr id="10" name="Group 9"/>
-          <p:cNvGrpSpPr/>
-          <p:nvPr/>
-        </p:nvGrpSpPr>
-        <p:grpSpPr>
-          <a:xfrm>
-            <a:off x="1447800" y="2895600"/>
-            <a:ext cx="3200400" cy="2671465"/>
-            <a:chOff x="1447800" y="2895600"/>
-            <a:chExt cx="3200400" cy="2671465"/>
-          </a:xfrm>
-        </p:grpSpPr>
-        <p:pic>
-          <p:nvPicPr>
-            <p:cNvPr id="6" name="Picture 5" descr="dog.jpeg"/>
-            <p:cNvPicPr>
-              <a:picLocks noChangeAspect="1"/>
-            </p:cNvPicPr>
-            <p:nvPr/>
-          </p:nvPicPr>
-          <p:blipFill>
-            <a:blip r:embed="rId2"/>
-            <a:stretch>
-              <a:fillRect/>
-            </a:stretch>
-          </p:blipFill>
-          <p:spPr>
-            <a:xfrm>
-              <a:off x="1447800" y="2895600"/>
-              <a:ext cx="3200400" cy="2133600"/>
-            </a:xfrm>
-            <a:prstGeom prst="rect">
-              <a:avLst/>
-            </a:prstGeom>
-          </p:spPr>
-        </p:pic>
-        <p:sp>
-          <p:nvSpPr>
-            <p:cNvPr id="8" name="TextBox 7"/>
-            <p:cNvSpPr txBox="1"/>
-            <p:nvPr/>
-          </p:nvSpPr>
-          <p:spPr>
-            <a:xfrm>
-              <a:off x="1447800" y="5105400"/>
-              <a:ext cx="3200400" cy="461665"/>
-            </a:xfrm>
-            <a:prstGeom prst="rect">
-              <a:avLst/>
-            </a:prstGeom>
-            <a:noFill/>
-          </p:spPr>
-          <p:txBody>
-            <a:bodyPr wrap="square" rtlCol="0">
-              <a:spAutoFit/>
-            </a:bodyPr>
-            <a:lstStyle/>
-            <a:p>
-              <a:pPr algn="ctr"/>
-              <a:r>
-                <a:rPr lang="en-US" sz="2400" b="1" dirty="0" smtClean="0"/>
-                <a:t>Dog</a:t>
-              </a:r>
-              <a:endParaRPr lang="en-US" sz="2400" b="1" dirty="0"/>
-            </a:p>
-          </p:txBody>
-        </p:sp>
-      </p:grpSp>
-      <p:grpSp>
-        <p:nvGrpSpPr>
-          <p:cNvPr id="11" name="Group 10"/>
-          <p:cNvGrpSpPr/>
-          <p:nvPr/>
-        </p:nvGrpSpPr>
-        <p:grpSpPr>
-          <a:xfrm>
-            <a:off x="5105400" y="2895600"/>
-            <a:ext cx="3200400" cy="2671465"/>
-            <a:chOff x="5105400" y="2895600"/>
-            <a:chExt cx="3200400" cy="2671465"/>
-          </a:xfrm>
-        </p:grpSpPr>
-        <p:pic>
-          <p:nvPicPr>
-            <p:cNvPr id="7" name="Picture 6" descr="cat.jpg"/>
-            <p:cNvPicPr>
-              <a:picLocks noChangeAspect="1"/>
-            </p:cNvPicPr>
-            <p:nvPr/>
-          </p:nvPicPr>
-          <p:blipFill>
-            <a:blip r:embed="rId3" cstate="print"/>
-            <a:stretch>
-              <a:fillRect/>
-            </a:stretch>
-          </p:blipFill>
-          <p:spPr>
-            <a:xfrm>
-              <a:off x="5181600" y="2895600"/>
-              <a:ext cx="3048000" cy="2133600"/>
-            </a:xfrm>
-            <a:prstGeom prst="rect">
-              <a:avLst/>
-            </a:prstGeom>
-          </p:spPr>
-        </p:pic>
-        <p:sp>
-          <p:nvSpPr>
-            <p:cNvPr id="9" name="TextBox 8"/>
-            <p:cNvSpPr txBox="1"/>
-            <p:nvPr/>
-          </p:nvSpPr>
-          <p:spPr>
-            <a:xfrm>
-              <a:off x="5105400" y="5105400"/>
-              <a:ext cx="3200400" cy="461665"/>
-            </a:xfrm>
-            <a:prstGeom prst="rect">
-              <a:avLst/>
-            </a:prstGeom>
-            <a:noFill/>
-          </p:spPr>
-          <p:txBody>
-            <a:bodyPr wrap="square" rtlCol="0">
-              <a:spAutoFit/>
-            </a:bodyPr>
-            <a:lstStyle/>
-            <a:p>
-              <a:pPr algn="ctr"/>
-              <a:r>
-                <a:rPr lang="en-US" sz="2400" b="1" dirty="0" smtClean="0"/>
-                <a:t>Non-dog</a:t>
-              </a:r>
-              <a:endParaRPr lang="en-US" sz="2400" b="1" dirty="0"/>
-            </a:p>
-          </p:txBody>
-        </p:sp>
-      </p:grpSp>
-      <p:sp>
-        <p:nvSpPr>
-          <p:cNvPr id="12" name="Text Box 10"/>
-          <p:cNvSpPr txBox="1">
-            <a:spLocks noChangeArrowheads="1"/>
-          </p:cNvSpPr>
-          <p:nvPr/>
-        </p:nvSpPr>
-        <p:spPr bwMode="auto">
-          <a:xfrm rot="10800000" flipV="1">
-            <a:off x="-1" y="6519446"/>
-            <a:ext cx="2133600" cy="338554"/>
-          </a:xfrm>
-          <a:prstGeom prst="rect">
-            <a:avLst/>
-          </a:prstGeom>
-          <a:noFill/>
-          <a:ln w="9525">
-            <a:noFill/>
-            <a:miter lim="800000"/>
-            <a:headEnd/>
-            <a:tailEnd/>
-          </a:ln>
-          <a:effectLst/>
-        </p:spPr>
-        <p:txBody>
-          <a:bodyPr wrap="square">
-            <a:spAutoFit/>
-          </a:bodyPr>
-          <a:lstStyle/>
-          <a:p>
-            <a:pPr>
-              <a:spcBef>
-                <a:spcPct val="50000"/>
-              </a:spcBef>
-            </a:pPr>
-            <a:r>
-              <a:rPr lang="en-US" sz="1600" b="1" dirty="0">
-                <a:solidFill>
-                  <a:srgbClr val="FF0000"/>
-                </a:solidFill>
-              </a:rPr>
-              <a:t>Image </a:t>
-            </a:r>
-            <a:r>
-              <a:rPr lang="en-US" sz="1600" b="1" dirty="0" err="1" smtClean="0">
-                <a:solidFill>
-                  <a:srgbClr val="FF0000"/>
-                </a:solidFill>
-              </a:rPr>
-              <a:t>ack</a:t>
-            </a:r>
-            <a:r>
-              <a:rPr lang="en-US" sz="1600" b="1" dirty="0" smtClean="0">
-                <a:solidFill>
-                  <a:srgbClr val="FF0000"/>
-                </a:solidFill>
-              </a:rPr>
-              <a:t> – Google</a:t>
-            </a:r>
-            <a:endParaRPr lang="en-US" sz="1600" b="1" dirty="0">
-              <a:solidFill>
-                <a:srgbClr val="FF0000"/>
-              </a:solidFill>
-            </a:endParaRPr>
-          </a:p>
-        </p:txBody>
-      </p:sp>
-    </p:spTree>
-  </p:cSld>
-  <p:clrMapOvr>
-    <a:masterClrMapping/>
-  </p:clrMapOvr>
-  <p:timing>
-    <p:tnLst>
-      <p:par>
-        <p:cTn id="1" dur="indefinite" restart="never" nodeType="tmRoot"/>
-      </p:par>
-    </p:tnLst>
-  </p:timing>
-</p:sld>
-</file>
-
-<file path=ppt/slides/slide40.xml><?xml version="1.0" encoding="utf-8"?>
+<file path=ppt/slides/slide39.xml><?xml version="1.0" encoding="utf-8"?>
 <p:sld xmlns:a="http://schemas.openxmlformats.org/drawingml/2006/main" xmlns:r="http://schemas.openxmlformats.org/officeDocument/2006/relationships" xmlns:p="http://schemas.openxmlformats.org/presentationml/2006/main">
   <p:cSld>
     <p:spTree>
@@ -25953,7 +24908,115 @@
 </p:sld>
 </file>
 
-<file path=ppt/slides/slide41.xml><?xml version="1.0" encoding="utf-8"?>
+<file path=ppt/slides/slide4.xml><?xml version="1.0" encoding="utf-8"?>
+<p:sld xmlns:a="http://schemas.openxmlformats.org/drawingml/2006/main" xmlns:r="http://schemas.openxmlformats.org/officeDocument/2006/relationships" xmlns:p="http://schemas.openxmlformats.org/presentationml/2006/main">
+  <p:cSld>
+    <p:spTree>
+      <p:nvGrpSpPr>
+        <p:cNvPr id="1" name=""/>
+        <p:cNvGrpSpPr/>
+        <p:nvPr/>
+      </p:nvGrpSpPr>
+      <p:grpSpPr>
+        <a:xfrm>
+          <a:off x="0" y="0"/>
+          <a:ext cx="0" cy="0"/>
+          <a:chOff x="0" y="0"/>
+          <a:chExt cx="0" cy="0"/>
+        </a:xfrm>
+      </p:grpSpPr>
+      <p:sp>
+        <p:nvSpPr>
+          <p:cNvPr id="2" name="Title 1"/>
+          <p:cNvSpPr>
+            <a:spLocks noGrp="1"/>
+          </p:cNvSpPr>
+          <p:nvPr>
+            <p:ph type="title"/>
+          </p:nvPr>
+        </p:nvSpPr>
+        <p:spPr/>
+        <p:txBody>
+          <a:bodyPr>
+            <a:normAutofit/>
+          </a:bodyPr>
+          <a:lstStyle/>
+          <a:p>
+            <a:r>
+              <a:rPr lang="en-US" dirty="0" smtClean="0"/>
+              <a:t>Sigmoid </a:t>
+            </a:r>
+            <a:r>
+              <a:rPr lang="en-US" dirty="0" smtClean="0"/>
+              <a:t>Function</a:t>
+            </a:r>
+            <a:endParaRPr lang="en-US" dirty="0"/>
+          </a:p>
+        </p:txBody>
+      </p:sp>
+      <p:graphicFrame>
+        <p:nvGraphicFramePr>
+          <p:cNvPr id="1027" name="Object 3"/>
+          <p:cNvGraphicFramePr>
+            <a:graphicFrameLocks noChangeAspect="1"/>
+          </p:cNvGraphicFramePr>
+          <p:nvPr/>
+        </p:nvGraphicFramePr>
+        <p:xfrm>
+          <a:off x="3505200" y="5027612"/>
+          <a:ext cx="1684337" cy="763588"/>
+        </p:xfrm>
+        <a:graphic>
+          <a:graphicData uri="http://schemas.openxmlformats.org/presentationml/2006/ole">
+            <p:oleObj spid="_x0000_s13314" name="Equation" r:id="rId3" imgW="876240" imgH="393480" progId="Equation.3">
+              <p:embed/>
+            </p:oleObj>
+          </a:graphicData>
+        </a:graphic>
+      </p:graphicFrame>
+      <p:pic>
+        <p:nvPicPr>
+          <p:cNvPr id="8" name="Image4"/>
+          <p:cNvPicPr>
+            <a:picLocks noChangeAspect="1"/>
+          </p:cNvPicPr>
+          <p:nvPr/>
+        </p:nvPicPr>
+        <p:blipFill>
+          <a:blip r:embed="rId4"/>
+          <a:stretch>
+            <a:fillRect/>
+          </a:stretch>
+        </p:blipFill>
+        <p:spPr bwMode="auto">
+          <a:xfrm>
+            <a:off x="1905000" y="1703070"/>
+            <a:ext cx="4876800" cy="3249930"/>
+          </a:xfrm>
+          <a:prstGeom prst="rect">
+            <a:avLst/>
+          </a:prstGeom>
+          <a:solidFill>
+            <a:schemeClr val="bg1"/>
+          </a:solidFill>
+        </p:spPr>
+      </p:pic>
+    </p:spTree>
+  </p:cSld>
+  <p:clrMapOvr>
+    <a:masterClrMapping/>
+  </p:clrMapOvr>
+  <p:timing>
+    <p:tnLst>
+      <p:par>
+        <p:cTn id="1" dur="indefinite" restart="never" nodeType="tmRoot"/>
+      </p:par>
+    </p:tnLst>
+  </p:timing>
+</p:sld>
+</file>
+
+<file path=ppt/slides/slide40.xml><?xml version="1.0" encoding="utf-8"?>
 <p:sld xmlns:a="http://schemas.openxmlformats.org/drawingml/2006/main" xmlns:r="http://schemas.openxmlformats.org/officeDocument/2006/relationships" xmlns:p="http://schemas.openxmlformats.org/presentationml/2006/main">
   <p:cSld>
     <p:spTree>
@@ -27609,7 +26672,7 @@
 </p:sld>
 </file>
 
-<file path=ppt/slides/slide42.xml><?xml version="1.0" encoding="utf-8"?>
+<file path=ppt/slides/slide41.xml><?xml version="1.0" encoding="utf-8"?>
 <p:sld xmlns:a="http://schemas.openxmlformats.org/drawingml/2006/main" xmlns:r="http://schemas.openxmlformats.org/officeDocument/2006/relationships" xmlns:p="http://schemas.openxmlformats.org/presentationml/2006/main">
   <p:cSld>
     <p:spTree>
@@ -29233,6 +28296,488 @@
 </p:sld>
 </file>
 
+<file path=ppt/slides/slide42.xml><?xml version="1.0" encoding="utf-8"?>
+<p:sld xmlns:a="http://schemas.openxmlformats.org/drawingml/2006/main" xmlns:r="http://schemas.openxmlformats.org/officeDocument/2006/relationships" xmlns:p="http://schemas.openxmlformats.org/presentationml/2006/main">
+  <p:cSld>
+    <p:spTree>
+      <p:nvGrpSpPr>
+        <p:cNvPr id="1" name=""/>
+        <p:cNvGrpSpPr/>
+        <p:nvPr/>
+      </p:nvGrpSpPr>
+      <p:grpSpPr>
+        <a:xfrm>
+          <a:off x="0" y="0"/>
+          <a:ext cx="0" cy="0"/>
+          <a:chOff x="0" y="0"/>
+          <a:chExt cx="0" cy="0"/>
+        </a:xfrm>
+      </p:grpSpPr>
+      <p:sp>
+        <p:nvSpPr>
+          <p:cNvPr id="2" name="Title 1"/>
+          <p:cNvSpPr>
+            <a:spLocks noGrp="1"/>
+          </p:cNvSpPr>
+          <p:nvPr>
+            <p:ph type="title"/>
+          </p:nvPr>
+        </p:nvSpPr>
+        <p:spPr/>
+        <p:txBody>
+          <a:bodyPr>
+            <a:normAutofit fontScale="90000"/>
+          </a:bodyPr>
+          <a:lstStyle/>
+          <a:p>
+            <a:r>
+              <a:rPr lang="en-US" dirty="0" smtClean="0"/>
+              <a:t>Back propagation for neural networks </a:t>
+            </a:r>
+            <a:endParaRPr lang="en-US" dirty="0"/>
+          </a:p>
+        </p:txBody>
+      </p:sp>
+      <p:sp>
+        <p:nvSpPr>
+          <p:cNvPr id="3" name="Content Placeholder 2"/>
+          <p:cNvSpPr>
+            <a:spLocks noGrp="1"/>
+          </p:cNvSpPr>
+          <p:nvPr>
+            <p:ph idx="1"/>
+          </p:nvPr>
+        </p:nvSpPr>
+        <p:spPr>
+          <a:xfrm>
+            <a:off x="457200" y="1600200"/>
+            <a:ext cx="4114800" cy="4525963"/>
+          </a:xfrm>
+        </p:spPr>
+        <p:txBody>
+          <a:bodyPr/>
+          <a:lstStyle/>
+          <a:p>
+            <a:r>
+              <a:rPr lang="en-US" dirty="0" smtClean="0"/>
+              <a:t>Parameters</a:t>
+            </a:r>
+          </a:p>
+          <a:p>
+            <a:pPr lvl="1"/>
+            <a:r>
+              <a:rPr lang="en-US" dirty="0" smtClean="0"/>
+              <a:t>W</a:t>
+            </a:r>
+            <a:r>
+              <a:rPr lang="en-US" baseline="30000" dirty="0" smtClean="0"/>
+              <a:t>[1]</a:t>
+            </a:r>
+            <a:r>
+              <a:rPr lang="en-US" dirty="0" smtClean="0"/>
+              <a:t>, b</a:t>
+            </a:r>
+            <a:r>
+              <a:rPr lang="en-US" baseline="30000" dirty="0" smtClean="0"/>
+              <a:t>[1]</a:t>
+            </a:r>
+            <a:r>
+              <a:rPr lang="en-US" dirty="0" smtClean="0"/>
+              <a:t>, W</a:t>
+            </a:r>
+            <a:r>
+              <a:rPr lang="en-US" baseline="30000" dirty="0" smtClean="0"/>
+              <a:t>[2]</a:t>
+            </a:r>
+            <a:r>
+              <a:rPr lang="en-US" dirty="0" smtClean="0"/>
+              <a:t>, b</a:t>
+            </a:r>
+            <a:r>
+              <a:rPr lang="en-US" baseline="30000" dirty="0" smtClean="0"/>
+              <a:t>[2]</a:t>
+            </a:r>
+          </a:p>
+          <a:p>
+            <a:pPr lvl="0">
+              <a:defRPr/>
+            </a:pPr>
+            <a:r>
+              <a:rPr lang="en-US" dirty="0" smtClean="0"/>
+              <a:t>Cost function</a:t>
+            </a:r>
+          </a:p>
+          <a:p>
+            <a:pPr lvl="1">
+              <a:defRPr/>
+            </a:pPr>
+            <a:r>
+              <a:rPr lang="en-US" dirty="0" smtClean="0"/>
+              <a:t>J(W</a:t>
+            </a:r>
+            <a:r>
+              <a:rPr lang="en-US" baseline="30000" dirty="0" smtClean="0"/>
+              <a:t>[1]</a:t>
+            </a:r>
+            <a:r>
+              <a:rPr lang="en-US" dirty="0" smtClean="0"/>
+              <a:t>, b</a:t>
+            </a:r>
+            <a:r>
+              <a:rPr lang="en-US" baseline="30000" dirty="0" smtClean="0"/>
+              <a:t>[1]</a:t>
+            </a:r>
+            <a:r>
+              <a:rPr lang="en-US" dirty="0" smtClean="0"/>
+              <a:t>, W</a:t>
+            </a:r>
+            <a:r>
+              <a:rPr lang="en-US" baseline="30000" dirty="0" smtClean="0"/>
+              <a:t>[2]</a:t>
+            </a:r>
+            <a:r>
+              <a:rPr lang="en-US" dirty="0" smtClean="0"/>
+              <a:t>, b</a:t>
+            </a:r>
+            <a:r>
+              <a:rPr lang="en-US" baseline="30000" dirty="0" smtClean="0"/>
+              <a:t>[2]</a:t>
+            </a:r>
+            <a:r>
+              <a:rPr lang="en-US" dirty="0" smtClean="0"/>
+              <a:t>)</a:t>
+            </a:r>
+            <a:r>
+              <a:rPr lang="en-US" baseline="30000" dirty="0" smtClean="0"/>
+              <a:t>    </a:t>
+            </a:r>
+            <a:endParaRPr lang="en-US" dirty="0" smtClean="0"/>
+          </a:p>
+          <a:p>
+            <a:endParaRPr lang="en-US" dirty="0" smtClean="0"/>
+          </a:p>
+          <a:p>
+            <a:pPr lvl="1"/>
+            <a:endParaRPr lang="en-US" dirty="0"/>
+          </a:p>
+        </p:txBody>
+      </p:sp>
+      <p:sp>
+        <p:nvSpPr>
+          <p:cNvPr id="4" name="Content Placeholder 2"/>
+          <p:cNvSpPr txBox="1">
+            <a:spLocks/>
+          </p:cNvSpPr>
+          <p:nvPr/>
+        </p:nvSpPr>
+        <p:spPr>
+          <a:xfrm>
+            <a:off x="4648200" y="1600200"/>
+            <a:ext cx="4114800" cy="4525963"/>
+          </a:xfrm>
+          <a:prstGeom prst="rect">
+            <a:avLst/>
+          </a:prstGeom>
+        </p:spPr>
+        <p:txBody>
+          <a:bodyPr vert="horz" lIns="91440" tIns="45720" rIns="91440" bIns="45720" rtlCol="0">
+            <a:normAutofit/>
+          </a:bodyPr>
+          <a:lstStyle/>
+          <a:p>
+            <a:pPr marL="742950" marR="0" lvl="1" indent="-285750" algn="l" defTabSz="914400" rtl="0" eaLnBrk="1" fontAlgn="auto" latinLnBrk="0" hangingPunct="1">
+              <a:lnSpc>
+                <a:spcPct val="100000"/>
+              </a:lnSpc>
+              <a:spcBef>
+                <a:spcPct val="20000"/>
+              </a:spcBef>
+              <a:spcAft>
+                <a:spcPts val="0"/>
+              </a:spcAft>
+              <a:buClrTx/>
+              <a:buSzTx/>
+              <a:buFont typeface="Arial" pitchFamily="34" charset="0"/>
+              <a:buChar char="–"/>
+              <a:tabLst/>
+              <a:defRPr/>
+            </a:pPr>
+            <a:endParaRPr kumimoji="0" lang="en-US" sz="2800" b="0" i="0" u="none" strike="noStrike" kern="1200" cap="none" spc="0" normalizeH="0" baseline="0" noProof="0" dirty="0">
+              <a:ln>
+                <a:noFill/>
+              </a:ln>
+              <a:solidFill>
+                <a:schemeClr val="tx1"/>
+              </a:solidFill>
+              <a:effectLst/>
+              <a:uLnTx/>
+              <a:uFillTx/>
+              <a:latin typeface="+mn-lt"/>
+              <a:ea typeface="+mn-ea"/>
+              <a:cs typeface="+mn-cs"/>
+            </a:endParaRPr>
+          </a:p>
+        </p:txBody>
+      </p:sp>
+      <p:sp>
+        <p:nvSpPr>
+          <p:cNvPr id="6" name="Content Placeholder 2"/>
+          <p:cNvSpPr txBox="1">
+            <a:spLocks/>
+          </p:cNvSpPr>
+          <p:nvPr/>
+        </p:nvSpPr>
+        <p:spPr>
+          <a:xfrm>
+            <a:off x="4724400" y="1600200"/>
+            <a:ext cx="4114800" cy="4525963"/>
+          </a:xfrm>
+          <a:prstGeom prst="rect">
+            <a:avLst/>
+          </a:prstGeom>
+        </p:spPr>
+        <p:txBody>
+          <a:bodyPr vert="horz" lIns="91440" tIns="45720" rIns="91440" bIns="45720" rtlCol="0">
+            <a:normAutofit/>
+          </a:bodyPr>
+          <a:lstStyle/>
+          <a:p>
+            <a:pPr marL="342900" marR="0" lvl="0" indent="-342900" algn="l" defTabSz="914400" rtl="0" eaLnBrk="1" fontAlgn="auto" latinLnBrk="0" hangingPunct="1">
+              <a:lnSpc>
+                <a:spcPct val="100000"/>
+              </a:lnSpc>
+              <a:spcBef>
+                <a:spcPct val="20000"/>
+              </a:spcBef>
+              <a:spcAft>
+                <a:spcPts val="0"/>
+              </a:spcAft>
+              <a:buClrTx/>
+              <a:buSzTx/>
+              <a:buFont typeface="Arial" pitchFamily="34" charset="0"/>
+              <a:buChar char="•"/>
+              <a:tabLst/>
+              <a:defRPr/>
+            </a:pPr>
+            <a:r>
+              <a:rPr kumimoji="0" lang="en-US" sz="3200" b="0" i="0" u="none" strike="noStrike" kern="1200" cap="none" spc="0" normalizeH="0" baseline="0" noProof="0" dirty="0" smtClean="0">
+                <a:ln>
+                  <a:noFill/>
+                </a:ln>
+                <a:solidFill>
+                  <a:schemeClr val="tx1"/>
+                </a:solidFill>
+                <a:effectLst/>
+                <a:uLnTx/>
+                <a:uFillTx/>
+                <a:latin typeface="+mn-lt"/>
+                <a:ea typeface="+mn-ea"/>
+                <a:cs typeface="+mn-cs"/>
+              </a:rPr>
+              <a:t>Forward pass</a:t>
+            </a:r>
+          </a:p>
+          <a:p>
+            <a:pPr marL="742950" lvl="1" indent="-285750">
+              <a:spcBef>
+                <a:spcPct val="20000"/>
+              </a:spcBef>
+              <a:buFont typeface="Arial" pitchFamily="34" charset="0"/>
+              <a:buChar char="–"/>
+            </a:pPr>
+            <a:r>
+              <a:rPr lang="en-US" sz="2800" dirty="0" smtClean="0"/>
+              <a:t>Z</a:t>
+            </a:r>
+            <a:r>
+              <a:rPr lang="en-US" sz="2800" baseline="30000" dirty="0" smtClean="0"/>
+              <a:t>[1]</a:t>
+            </a:r>
+            <a:r>
+              <a:rPr lang="en-US" sz="2800" dirty="0" smtClean="0"/>
+              <a:t>= W</a:t>
+            </a:r>
+            <a:r>
+              <a:rPr lang="en-US" sz="2800" baseline="30000" dirty="0" smtClean="0"/>
+              <a:t>[1]</a:t>
+            </a:r>
+            <a:r>
+              <a:rPr lang="en-US" sz="2800" dirty="0" smtClean="0"/>
+              <a:t>a</a:t>
+            </a:r>
+            <a:r>
+              <a:rPr lang="en-US" sz="2800" baseline="30000" dirty="0" smtClean="0"/>
+              <a:t>[0] </a:t>
+            </a:r>
+            <a:r>
+              <a:rPr kumimoji="0" lang="en-US" sz="2800" b="0" i="0" u="none" strike="noStrike" kern="1200" cap="none" spc="0" normalizeH="0" baseline="0" noProof="0" dirty="0" smtClean="0">
+                <a:ln>
+                  <a:noFill/>
+                </a:ln>
+                <a:solidFill>
+                  <a:schemeClr val="tx1"/>
+                </a:solidFill>
+                <a:effectLst/>
+                <a:uLnTx/>
+                <a:uFillTx/>
+                <a:latin typeface="+mn-lt"/>
+                <a:ea typeface="+mn-ea"/>
+                <a:cs typeface="+mn-cs"/>
+              </a:rPr>
+              <a:t>+ b</a:t>
+            </a:r>
+            <a:r>
+              <a:rPr kumimoji="0" lang="en-US" sz="2800" b="0" i="0" u="none" strike="noStrike" kern="1200" cap="none" spc="0" normalizeH="0" baseline="30000" noProof="0" dirty="0" smtClean="0">
+                <a:ln>
+                  <a:noFill/>
+                </a:ln>
+                <a:solidFill>
+                  <a:schemeClr val="tx1"/>
+                </a:solidFill>
+                <a:effectLst/>
+                <a:uLnTx/>
+                <a:uFillTx/>
+                <a:latin typeface="+mn-lt"/>
+                <a:ea typeface="+mn-ea"/>
+                <a:cs typeface="+mn-cs"/>
+              </a:rPr>
+              <a:t>[1]</a:t>
+            </a:r>
+          </a:p>
+          <a:p>
+            <a:pPr marL="742950" lvl="1" indent="-285750">
+              <a:spcBef>
+                <a:spcPct val="20000"/>
+              </a:spcBef>
+              <a:buFont typeface="Arial" pitchFamily="34" charset="0"/>
+              <a:buChar char="–"/>
+            </a:pPr>
+            <a:r>
+              <a:rPr lang="en-US" sz="2800" dirty="0" smtClean="0"/>
+              <a:t>a</a:t>
+            </a:r>
+            <a:r>
+              <a:rPr lang="en-US" sz="2800" baseline="30000" dirty="0" smtClean="0"/>
+              <a:t>[1]  </a:t>
+            </a:r>
+            <a:r>
+              <a:rPr lang="en-US" sz="2800" dirty="0" smtClean="0"/>
+              <a:t>= </a:t>
+            </a:r>
+            <a:r>
+              <a:rPr lang="el-GR" sz="2800" dirty="0" smtClean="0"/>
+              <a:t>σ</a:t>
+            </a:r>
+            <a:r>
+              <a:rPr lang="en-US" sz="2800" dirty="0" smtClean="0"/>
+              <a:t>(Z</a:t>
+            </a:r>
+            <a:r>
+              <a:rPr lang="en-US" sz="2800" baseline="30000" dirty="0" smtClean="0"/>
+              <a:t>[1]</a:t>
+            </a:r>
+            <a:r>
+              <a:rPr lang="en-US" sz="2800" dirty="0" smtClean="0"/>
+              <a:t>)</a:t>
+            </a:r>
+            <a:endParaRPr kumimoji="0" lang="en-US" sz="2800" b="0" i="0" u="none" strike="noStrike" kern="1200" cap="none" spc="0" normalizeH="0" noProof="0" dirty="0" smtClean="0">
+              <a:ln>
+                <a:noFill/>
+              </a:ln>
+              <a:solidFill>
+                <a:schemeClr val="tx1"/>
+              </a:solidFill>
+              <a:effectLst/>
+              <a:uLnTx/>
+              <a:uFillTx/>
+              <a:latin typeface="+mn-lt"/>
+              <a:ea typeface="+mn-ea"/>
+              <a:cs typeface="+mn-cs"/>
+            </a:endParaRPr>
+          </a:p>
+          <a:p>
+            <a:pPr marL="342900" marR="0" lvl="0" indent="-342900" algn="l" defTabSz="914400" rtl="0" eaLnBrk="1" fontAlgn="auto" latinLnBrk="0" hangingPunct="1">
+              <a:lnSpc>
+                <a:spcPct val="100000"/>
+              </a:lnSpc>
+              <a:spcBef>
+                <a:spcPct val="20000"/>
+              </a:spcBef>
+              <a:spcAft>
+                <a:spcPts val="0"/>
+              </a:spcAft>
+              <a:buClrTx/>
+              <a:buSzTx/>
+              <a:buFont typeface="Arial" pitchFamily="34" charset="0"/>
+              <a:buChar char="•"/>
+              <a:tabLst/>
+              <a:defRPr/>
+            </a:pPr>
+            <a:endParaRPr kumimoji="0" lang="en-US" sz="3200" b="0" i="0" u="none" strike="noStrike" kern="1200" cap="none" spc="0" normalizeH="0" baseline="0" noProof="0" dirty="0" smtClean="0">
+              <a:ln>
+                <a:noFill/>
+              </a:ln>
+              <a:solidFill>
+                <a:schemeClr val="tx1"/>
+              </a:solidFill>
+              <a:effectLst/>
+              <a:uLnTx/>
+              <a:uFillTx/>
+              <a:latin typeface="+mn-lt"/>
+              <a:ea typeface="+mn-ea"/>
+              <a:cs typeface="+mn-cs"/>
+            </a:endParaRPr>
+          </a:p>
+          <a:p>
+            <a:pPr marL="742950" marR="0" lvl="1" indent="-285750" algn="l" defTabSz="914400" rtl="0" eaLnBrk="1" fontAlgn="auto" latinLnBrk="0" hangingPunct="1">
+              <a:lnSpc>
+                <a:spcPct val="100000"/>
+              </a:lnSpc>
+              <a:spcBef>
+                <a:spcPct val="20000"/>
+              </a:spcBef>
+              <a:spcAft>
+                <a:spcPts val="0"/>
+              </a:spcAft>
+              <a:buClrTx/>
+              <a:buSzTx/>
+              <a:buFont typeface="Arial" pitchFamily="34" charset="0"/>
+              <a:buChar char="–"/>
+              <a:tabLst/>
+              <a:defRPr/>
+            </a:pPr>
+            <a:endParaRPr kumimoji="0" lang="en-US" sz="2800" b="0" i="0" u="none" strike="noStrike" kern="1200" cap="none" spc="0" normalizeH="0" baseline="0" noProof="0" dirty="0">
+              <a:ln>
+                <a:noFill/>
+              </a:ln>
+              <a:solidFill>
+                <a:schemeClr val="tx1"/>
+              </a:solidFill>
+              <a:effectLst/>
+              <a:uLnTx/>
+              <a:uFillTx/>
+              <a:latin typeface="+mn-lt"/>
+              <a:ea typeface="+mn-ea"/>
+              <a:cs typeface="+mn-cs"/>
+            </a:endParaRPr>
+          </a:p>
+        </p:txBody>
+      </p:sp>
+    </p:spTree>
+  </p:cSld>
+  <p:clrMapOvr>
+    <a:masterClrMapping/>
+  </p:clrMapOvr>
+  <p:timing>
+    <p:tnLst>
+      <p:par>
+        <p:cTn id="1" dur="indefinite" restart="never" nodeType="tmRoot"/>
+      </p:par>
+    </p:tnLst>
+  </p:timing>
+</p:sld>
+</file>
+
 <file path=ppt/slides/slide43.xml><?xml version="1.0" encoding="utf-8"?>
 <p:sld xmlns:a="http://schemas.openxmlformats.org/drawingml/2006/main" xmlns:r="http://schemas.openxmlformats.org/officeDocument/2006/relationships" xmlns:p="http://schemas.openxmlformats.org/presentationml/2006/main">
   <p:cSld>
@@ -29612,6 +29157,84 @@
             <a:r>
               <a:rPr lang="en-US" sz="2800" baseline="30000" dirty="0" smtClean="0"/>
               <a:t>[1]</a:t>
+            </a:r>
+            <a:r>
+              <a:rPr lang="en-US" sz="2800" dirty="0" smtClean="0"/>
+              <a:t>)</a:t>
+            </a:r>
+          </a:p>
+          <a:p>
+            <a:pPr marL="742950" lvl="1" indent="-285750">
+              <a:spcBef>
+                <a:spcPct val="20000"/>
+              </a:spcBef>
+              <a:buFont typeface="Arial" pitchFamily="34" charset="0"/>
+              <a:buChar char="–"/>
+            </a:pPr>
+            <a:r>
+              <a:rPr lang="en-US" sz="2800" dirty="0" smtClean="0"/>
+              <a:t>Z</a:t>
+            </a:r>
+            <a:r>
+              <a:rPr lang="en-US" sz="2800" baseline="30000" dirty="0" smtClean="0"/>
+              <a:t>[2]</a:t>
+            </a:r>
+            <a:r>
+              <a:rPr lang="en-US" sz="2800" dirty="0" smtClean="0"/>
+              <a:t>= W</a:t>
+            </a:r>
+            <a:r>
+              <a:rPr lang="en-US" sz="2800" baseline="30000" dirty="0" smtClean="0"/>
+              <a:t>[2]</a:t>
+            </a:r>
+            <a:r>
+              <a:rPr lang="en-US" sz="2800" dirty="0" smtClean="0"/>
+              <a:t>a</a:t>
+            </a:r>
+            <a:r>
+              <a:rPr lang="en-US" sz="2800" baseline="30000" dirty="0" smtClean="0"/>
+              <a:t>[1] </a:t>
+            </a:r>
+            <a:r>
+              <a:rPr lang="en-US" sz="2800" dirty="0" smtClean="0"/>
+              <a:t>+ b</a:t>
+            </a:r>
+            <a:r>
+              <a:rPr lang="en-US" sz="2800" baseline="30000" dirty="0" smtClean="0"/>
+              <a:t>[2]</a:t>
+            </a:r>
+          </a:p>
+          <a:p>
+            <a:pPr marL="742950" lvl="1" indent="-285750">
+              <a:spcBef>
+                <a:spcPct val="20000"/>
+              </a:spcBef>
+              <a:buFont typeface="Arial" pitchFamily="34" charset="0"/>
+              <a:buChar char="–"/>
+            </a:pPr>
+            <a:r>
+              <a:rPr lang="en-US" sz="2800" dirty="0" smtClean="0"/>
+              <a:t>ŷ = a</a:t>
+            </a:r>
+            <a:r>
+              <a:rPr lang="en-US" sz="2800" baseline="30000" dirty="0" smtClean="0"/>
+              <a:t>[2]  </a:t>
+            </a:r>
+            <a:r>
+              <a:rPr lang="en-US" sz="2800" dirty="0" smtClean="0"/>
+              <a:t>= </a:t>
+            </a:r>
+            <a:r>
+              <a:rPr lang="el-GR" sz="2800" dirty="0" smtClean="0"/>
+              <a:t>σ</a:t>
+            </a:r>
+            <a:r>
+              <a:rPr lang="en-US" sz="2800" dirty="0" smtClean="0"/>
+              <a:t>(Z</a:t>
+            </a:r>
+            <a:r>
+              <a:rPr lang="en-US" sz="2800" baseline="30000" dirty="0" smtClean="0"/>
+              <a:t>[2]</a:t>
             </a:r>
             <a:r>
               <a:rPr lang="en-US" sz="2800" dirty="0" smtClean="0"/>
@@ -30177,6 +29800,96 @@
               <a:rPr lang="en-US" sz="2800" dirty="0" smtClean="0"/>
               <a:t>)</a:t>
             </a:r>
+          </a:p>
+          <a:p>
+            <a:pPr marL="742950" lvl="1" indent="-285750">
+              <a:spcBef>
+                <a:spcPct val="20000"/>
+              </a:spcBef>
+              <a:buFont typeface="Arial" pitchFamily="34" charset="0"/>
+              <a:buChar char="–"/>
+            </a:pPr>
+            <a:r>
+              <a:rPr lang="en-US" sz="2800" dirty="0" smtClean="0"/>
+              <a:t>L(ŷ</a:t>
+            </a:r>
+            <a:r>
+              <a:rPr lang="en-US" sz="2800" baseline="30000" dirty="0" smtClean="0"/>
+              <a:t>(</a:t>
+            </a:r>
+            <a:r>
+              <a:rPr lang="en-US" sz="2800" baseline="30000" dirty="0" err="1" smtClean="0"/>
+              <a:t>i</a:t>
+            </a:r>
+            <a:r>
+              <a:rPr lang="en-US" sz="2800" baseline="30000" dirty="0" smtClean="0"/>
+              <a:t>)</a:t>
+            </a:r>
+            <a:r>
+              <a:rPr lang="en-US" sz="2800" dirty="0" smtClean="0"/>
+              <a:t>, y</a:t>
+            </a:r>
+            <a:r>
+              <a:rPr lang="en-US" sz="2800" baseline="30000" dirty="0" smtClean="0"/>
+              <a:t>(</a:t>
+            </a:r>
+            <a:r>
+              <a:rPr lang="en-US" sz="2800" baseline="30000" dirty="0" err="1" smtClean="0"/>
+              <a:t>i</a:t>
+            </a:r>
+            <a:r>
+              <a:rPr lang="en-US" sz="2800" baseline="30000" dirty="0" smtClean="0"/>
+              <a:t>)</a:t>
+            </a:r>
+            <a:r>
+              <a:rPr lang="en-US" sz="2800" dirty="0" smtClean="0"/>
+              <a:t>)</a:t>
+            </a:r>
+          </a:p>
+          <a:p>
+            <a:pPr marL="742950" lvl="1" indent="-285750">
+              <a:spcBef>
+                <a:spcPct val="20000"/>
+              </a:spcBef>
+              <a:buFont typeface="Arial" pitchFamily="34" charset="0"/>
+              <a:buChar char="–"/>
+            </a:pPr>
+            <a:r>
+              <a:rPr lang="en-US" sz="2800" dirty="0" smtClean="0"/>
+              <a:t>J(W</a:t>
+            </a:r>
+            <a:r>
+              <a:rPr lang="en-US" sz="2800" baseline="30000" dirty="0" smtClean="0"/>
+              <a:t>[1]</a:t>
+            </a:r>
+            <a:r>
+              <a:rPr lang="en-US" sz="2800" dirty="0" smtClean="0"/>
+              <a:t>, b</a:t>
+            </a:r>
+            <a:r>
+              <a:rPr lang="en-US" sz="2800" baseline="30000" dirty="0" smtClean="0"/>
+              <a:t>[1]</a:t>
+            </a:r>
+            <a:r>
+              <a:rPr lang="en-US" sz="2800" dirty="0" smtClean="0"/>
+              <a:t>, W</a:t>
+            </a:r>
+            <a:r>
+              <a:rPr lang="en-US" sz="2800" baseline="30000" dirty="0" smtClean="0"/>
+              <a:t>[2]</a:t>
+            </a:r>
+            <a:r>
+              <a:rPr lang="en-US" sz="2800" dirty="0" smtClean="0"/>
+              <a:t>, b</a:t>
+            </a:r>
+            <a:r>
+              <a:rPr lang="en-US" sz="2800" baseline="30000" dirty="0" smtClean="0"/>
+              <a:t>[2]</a:t>
+            </a:r>
+            <a:r>
+              <a:rPr lang="en-US" sz="2800" dirty="0" smtClean="0"/>
+              <a:t>)</a:t>
+            </a:r>
             <a:endParaRPr kumimoji="0" lang="en-US" sz="2800" b="0" i="0" u="none" strike="noStrike" kern="1200" cap="none" spc="0" normalizeH="0" noProof="0" dirty="0" smtClean="0">
               <a:ln>
                 <a:noFill/>
@@ -30553,294 +30266,8 @@
                 <a:ea typeface="+mn-ea"/>
                 <a:cs typeface="+mn-cs"/>
               </a:rPr>
-              <a:t>Forward pass</a:t>
-            </a:r>
-          </a:p>
-          <a:p>
-            <a:pPr marL="742950" lvl="1" indent="-285750">
-              <a:spcBef>
-                <a:spcPct val="20000"/>
-              </a:spcBef>
-              <a:buFont typeface="Arial" pitchFamily="34" charset="0"/>
-              <a:buChar char="–"/>
-            </a:pPr>
-            <a:r>
-              <a:rPr lang="en-US" sz="2800" dirty="0" smtClean="0"/>
-              <a:t>Z</a:t>
-            </a:r>
-            <a:r>
-              <a:rPr lang="en-US" sz="2800" baseline="30000" dirty="0" smtClean="0"/>
-              <a:t>[1]</a:t>
-            </a:r>
-            <a:r>
-              <a:rPr lang="en-US" sz="2800" dirty="0" smtClean="0"/>
-              <a:t>= W</a:t>
-            </a:r>
-            <a:r>
-              <a:rPr lang="en-US" sz="2800" baseline="30000" dirty="0" smtClean="0"/>
-              <a:t>[1]</a:t>
-            </a:r>
-            <a:r>
-              <a:rPr lang="en-US" sz="2800" dirty="0" smtClean="0"/>
-              <a:t>a</a:t>
-            </a:r>
-            <a:r>
-              <a:rPr lang="en-US" sz="2800" baseline="30000" dirty="0" smtClean="0"/>
-              <a:t>[0] </a:t>
-            </a:r>
-            <a:r>
-              <a:rPr kumimoji="0" lang="en-US" sz="2800" b="0" i="0" u="none" strike="noStrike" kern="1200" cap="none" spc="0" normalizeH="0" baseline="0" noProof="0" dirty="0" smtClean="0">
-                <a:ln>
-                  <a:noFill/>
-                </a:ln>
-                <a:solidFill>
-                  <a:schemeClr val="tx1"/>
-                </a:solidFill>
-                <a:effectLst/>
-                <a:uLnTx/>
-                <a:uFillTx/>
-                <a:latin typeface="+mn-lt"/>
-                <a:ea typeface="+mn-ea"/>
-                <a:cs typeface="+mn-cs"/>
-              </a:rPr>
-              <a:t>+ b</a:t>
-            </a:r>
-            <a:r>
-              <a:rPr kumimoji="0" lang="en-US" sz="2800" b="0" i="0" u="none" strike="noStrike" kern="1200" cap="none" spc="0" normalizeH="0" baseline="30000" noProof="0" dirty="0" smtClean="0">
-                <a:ln>
-                  <a:noFill/>
-                </a:ln>
-                <a:solidFill>
-                  <a:schemeClr val="tx1"/>
-                </a:solidFill>
-                <a:effectLst/>
-                <a:uLnTx/>
-                <a:uFillTx/>
-                <a:latin typeface="+mn-lt"/>
-                <a:ea typeface="+mn-ea"/>
-                <a:cs typeface="+mn-cs"/>
-              </a:rPr>
-              <a:t>[1]</a:t>
-            </a:r>
-          </a:p>
-          <a:p>
-            <a:pPr marL="742950" lvl="1" indent="-285750">
-              <a:spcBef>
-                <a:spcPct val="20000"/>
-              </a:spcBef>
-              <a:buFont typeface="Arial" pitchFamily="34" charset="0"/>
-              <a:buChar char="–"/>
-            </a:pPr>
-            <a:r>
-              <a:rPr lang="en-US" sz="2800" dirty="0" smtClean="0"/>
-              <a:t>a</a:t>
-            </a:r>
-            <a:r>
-              <a:rPr lang="en-US" sz="2800" baseline="30000" dirty="0" smtClean="0"/>
-              <a:t>[1]  </a:t>
-            </a:r>
-            <a:r>
-              <a:rPr lang="en-US" sz="2800" dirty="0" smtClean="0"/>
-              <a:t>= </a:t>
-            </a:r>
-            <a:r>
-              <a:rPr lang="el-GR" sz="2800" dirty="0" smtClean="0"/>
-              <a:t>σ</a:t>
-            </a:r>
-            <a:r>
-              <a:rPr lang="en-US" sz="2800" dirty="0" smtClean="0"/>
-              <a:t>(Z</a:t>
-            </a:r>
-            <a:r>
-              <a:rPr lang="en-US" sz="2800" baseline="30000" dirty="0" smtClean="0"/>
-              <a:t>[1]</a:t>
-            </a:r>
-            <a:r>
-              <a:rPr lang="en-US" sz="2800" dirty="0" smtClean="0"/>
-              <a:t>)</a:t>
-            </a:r>
-          </a:p>
-          <a:p>
-            <a:pPr marL="742950" lvl="1" indent="-285750">
-              <a:spcBef>
-                <a:spcPct val="20000"/>
-              </a:spcBef>
-              <a:buFont typeface="Arial" pitchFamily="34" charset="0"/>
-              <a:buChar char="–"/>
-            </a:pPr>
-            <a:r>
-              <a:rPr lang="en-US" sz="2800" dirty="0" smtClean="0"/>
-              <a:t>Z</a:t>
-            </a:r>
-            <a:r>
-              <a:rPr lang="en-US" sz="2800" baseline="30000" dirty="0" smtClean="0"/>
-              <a:t>[2]</a:t>
-            </a:r>
-            <a:r>
-              <a:rPr lang="en-US" sz="2800" dirty="0" smtClean="0"/>
-              <a:t>= W</a:t>
-            </a:r>
-            <a:r>
-              <a:rPr lang="en-US" sz="2800" baseline="30000" dirty="0" smtClean="0"/>
-              <a:t>[2]</a:t>
-            </a:r>
-            <a:r>
-              <a:rPr lang="en-US" sz="2800" dirty="0" smtClean="0"/>
-              <a:t>a</a:t>
-            </a:r>
-            <a:r>
-              <a:rPr lang="en-US" sz="2800" baseline="30000" dirty="0" smtClean="0"/>
-              <a:t>[1] </a:t>
-            </a:r>
-            <a:r>
-              <a:rPr lang="en-US" sz="2800" dirty="0" smtClean="0"/>
-              <a:t>+ b</a:t>
-            </a:r>
-            <a:r>
-              <a:rPr lang="en-US" sz="2800" baseline="30000" dirty="0" smtClean="0"/>
-              <a:t>[2]</a:t>
-            </a:r>
-          </a:p>
-          <a:p>
-            <a:pPr marL="742950" lvl="1" indent="-285750">
-              <a:spcBef>
-                <a:spcPct val="20000"/>
-              </a:spcBef>
-              <a:buFont typeface="Arial" pitchFamily="34" charset="0"/>
-              <a:buChar char="–"/>
-            </a:pPr>
-            <a:r>
-              <a:rPr lang="en-US" sz="2800" dirty="0" smtClean="0"/>
-              <a:t>ŷ = a</a:t>
-            </a:r>
-            <a:r>
-              <a:rPr lang="en-US" sz="2800" baseline="30000" dirty="0" smtClean="0"/>
-              <a:t>[2]  </a:t>
-            </a:r>
-            <a:r>
-              <a:rPr lang="en-US" sz="2800" dirty="0" smtClean="0"/>
-              <a:t>= </a:t>
-            </a:r>
-            <a:r>
-              <a:rPr lang="el-GR" sz="2800" dirty="0" smtClean="0"/>
-              <a:t>σ</a:t>
-            </a:r>
-            <a:r>
-              <a:rPr lang="en-US" sz="2800" dirty="0" smtClean="0"/>
-              <a:t>(Z</a:t>
-            </a:r>
-            <a:r>
-              <a:rPr lang="en-US" sz="2800" baseline="30000" dirty="0" smtClean="0"/>
-              <a:t>[2]</a:t>
-            </a:r>
-            <a:r>
-              <a:rPr lang="en-US" sz="2800" dirty="0" smtClean="0"/>
-              <a:t>)</a:t>
-            </a:r>
-          </a:p>
-          <a:p>
-            <a:pPr marL="742950" lvl="1" indent="-285750">
-              <a:spcBef>
-                <a:spcPct val="20000"/>
-              </a:spcBef>
-              <a:buFont typeface="Arial" pitchFamily="34" charset="0"/>
-              <a:buChar char="–"/>
-            </a:pPr>
-            <a:r>
-              <a:rPr lang="en-US" sz="2800" dirty="0" smtClean="0"/>
-              <a:t>L(ŷ</a:t>
-            </a:r>
-            <a:r>
-              <a:rPr lang="en-US" sz="2800" baseline="30000" dirty="0" smtClean="0"/>
-              <a:t>(</a:t>
-            </a:r>
-            <a:r>
-              <a:rPr lang="en-US" sz="2800" baseline="30000" dirty="0" err="1" smtClean="0"/>
-              <a:t>i</a:t>
-            </a:r>
-            <a:r>
-              <a:rPr lang="en-US" sz="2800" baseline="30000" dirty="0" smtClean="0"/>
-              <a:t>)</a:t>
-            </a:r>
-            <a:r>
-              <a:rPr lang="en-US" sz="2800" dirty="0" smtClean="0"/>
-              <a:t>, y</a:t>
-            </a:r>
-            <a:r>
-              <a:rPr lang="en-US" sz="2800" baseline="30000" dirty="0" smtClean="0"/>
-              <a:t>(</a:t>
-            </a:r>
-            <a:r>
-              <a:rPr lang="en-US" sz="2800" baseline="30000" dirty="0" err="1" smtClean="0"/>
-              <a:t>i</a:t>
-            </a:r>
-            <a:r>
-              <a:rPr lang="en-US" sz="2800" baseline="30000" dirty="0" smtClean="0"/>
-              <a:t>)</a:t>
-            </a:r>
-            <a:r>
-              <a:rPr lang="en-US" sz="2800" dirty="0" smtClean="0"/>
-              <a:t>)</a:t>
-            </a:r>
-          </a:p>
-          <a:p>
-            <a:pPr marL="742950" lvl="1" indent="-285750">
-              <a:spcBef>
-                <a:spcPct val="20000"/>
-              </a:spcBef>
-              <a:buFont typeface="Arial" pitchFamily="34" charset="0"/>
-              <a:buChar char="–"/>
-            </a:pPr>
-            <a:r>
-              <a:rPr lang="en-US" sz="2800" dirty="0" smtClean="0"/>
-              <a:t>J(W</a:t>
-            </a:r>
-            <a:r>
-              <a:rPr lang="en-US" sz="2800" baseline="30000" dirty="0" smtClean="0"/>
-              <a:t>[1]</a:t>
-            </a:r>
-            <a:r>
-              <a:rPr lang="en-US" sz="2800" dirty="0" smtClean="0"/>
-              <a:t>, b</a:t>
-            </a:r>
-            <a:r>
-              <a:rPr lang="en-US" sz="2800" baseline="30000" dirty="0" smtClean="0"/>
-              <a:t>[1]</a:t>
-            </a:r>
-            <a:r>
-              <a:rPr lang="en-US" sz="2800" dirty="0" smtClean="0"/>
-              <a:t>, W</a:t>
-            </a:r>
-            <a:r>
-              <a:rPr lang="en-US" sz="2800" baseline="30000" dirty="0" smtClean="0"/>
-              <a:t>[2]</a:t>
-            </a:r>
-            <a:r>
-              <a:rPr lang="en-US" sz="2800" dirty="0" smtClean="0"/>
-              <a:t>, b</a:t>
-            </a:r>
-            <a:r>
-              <a:rPr lang="en-US" sz="2800" baseline="30000" dirty="0" smtClean="0"/>
-              <a:t>[2]</a:t>
-            </a:r>
-            <a:r>
-              <a:rPr lang="en-US" sz="2800" dirty="0" smtClean="0"/>
-              <a:t>)</a:t>
-            </a:r>
-            <a:endParaRPr kumimoji="0" lang="en-US" sz="2800" b="0" i="0" u="none" strike="noStrike" kern="1200" cap="none" spc="0" normalizeH="0" noProof="0" dirty="0" smtClean="0">
-              <a:ln>
-                <a:noFill/>
-              </a:ln>
-              <a:solidFill>
-                <a:schemeClr val="tx1"/>
-              </a:solidFill>
-              <a:effectLst/>
-              <a:uLnTx/>
-              <a:uFillTx/>
-              <a:latin typeface="+mn-lt"/>
-              <a:ea typeface="+mn-ea"/>
-              <a:cs typeface="+mn-cs"/>
-            </a:endParaRPr>
+              <a:t>Backward pass</a:t>
+            </a:r>
           </a:p>
           <a:p>
             <a:pPr marL="342900" marR="0" lvl="0" indent="-342900" algn="l" defTabSz="914400" rtl="0" eaLnBrk="1" fontAlgn="auto" latinLnBrk="0" hangingPunct="1">
@@ -30910,6 +30337,26 @@
           </a:p>
         </p:txBody>
       </p:sp>
+      <p:graphicFrame>
+        <p:nvGraphicFramePr>
+          <p:cNvPr id="7" name="Object 6"/>
+          <p:cNvGraphicFramePr>
+            <a:graphicFrameLocks noChangeAspect="1"/>
+          </p:cNvGraphicFramePr>
+          <p:nvPr/>
+        </p:nvGraphicFramePr>
+        <p:xfrm>
+          <a:off x="4935538" y="2284413"/>
+          <a:ext cx="3460750" cy="1263650"/>
+        </p:xfrm>
+        <a:graphic>
+          <a:graphicData uri="http://schemas.openxmlformats.org/presentationml/2006/ole">
+            <p:oleObj spid="_x0000_s74754" name="Equation" r:id="rId3" imgW="1739880" imgH="634680" progId="Equation.3">
+              <p:embed/>
+            </p:oleObj>
+          </a:graphicData>
+        </a:graphic>
+      </p:graphicFrame>
     </p:spTree>
   </p:cSld>
   <p:clrMapOvr>
@@ -31284,11 +30731,11 @@
         </p:nvGraphicFramePr>
         <p:xfrm>
           <a:off x="4935538" y="2284413"/>
-          <a:ext cx="3460750" cy="1263650"/>
+          <a:ext cx="3460750" cy="2071687"/>
         </p:xfrm>
         <a:graphic>
           <a:graphicData uri="http://schemas.openxmlformats.org/presentationml/2006/ole">
-            <p:oleObj spid="_x0000_s74754" name="Equation" r:id="rId3" imgW="1739880" imgH="634680" progId="Equation.3">
+            <p:oleObj spid="_x0000_s75778" name="Equation" r:id="rId3" imgW="1739880" imgH="1041120" progId="Equation.3">
               <p:embed/>
             </p:oleObj>
           </a:graphicData>
@@ -31668,11 +31115,11 @@
         </p:nvGraphicFramePr>
         <p:xfrm>
           <a:off x="4935538" y="2284413"/>
-          <a:ext cx="3460750" cy="2071687"/>
+          <a:ext cx="3460750" cy="2525712"/>
         </p:xfrm>
         <a:graphic>
           <a:graphicData uri="http://schemas.openxmlformats.org/presentationml/2006/ole">
-            <p:oleObj spid="_x0000_s75778" name="Equation" r:id="rId3" imgW="1739880" imgH="1041120" progId="Equation.3">
+            <p:oleObj spid="_x0000_s76802" name="Equation" r:id="rId3" imgW="1739880" imgH="1269720" progId="Equation.3">
               <p:embed/>
             </p:oleObj>
           </a:graphicData>
@@ -32052,11 +31499,11 @@
         </p:nvGraphicFramePr>
         <p:xfrm>
           <a:off x="4935538" y="2284413"/>
-          <a:ext cx="3460750" cy="2525712"/>
+          <a:ext cx="3460750" cy="3536950"/>
         </p:xfrm>
         <a:graphic>
           <a:graphicData uri="http://schemas.openxmlformats.org/presentationml/2006/ole">
-            <p:oleObj spid="_x0000_s76802" name="Equation" r:id="rId3" imgW="1739880" imgH="1269720" progId="Equation.3">
+            <p:oleObj spid="_x0000_s77826" name="Equation" r:id="rId3" imgW="1739880" imgH="1777680" progId="Equation.3">
               <p:embed/>
             </p:oleObj>
           </a:graphicData>
@@ -32107,13 +31554,13 @@
         <p:spPr/>
         <p:txBody>
           <a:bodyPr>
-            <a:normAutofit fontScale="90000"/>
+            <a:normAutofit/>
           </a:bodyPr>
           <a:lstStyle/>
           <a:p>
             <a:r>
               <a:rPr lang="en-US" dirty="0" smtClean="0"/>
-              <a:t>Back propagation for neural networks </a:t>
+              <a:t>Activation functions </a:t>
             </a:r>
             <a:endParaRPr lang="en-US" dirty="0"/>
           </a:p>
@@ -32129,323 +31576,48 @@
             <p:ph idx="1"/>
           </p:nvPr>
         </p:nvSpPr>
-        <p:spPr>
-          <a:xfrm>
-            <a:off x="457200" y="1600200"/>
-            <a:ext cx="4114800" cy="4525963"/>
-          </a:xfrm>
-        </p:spPr>
+        <p:spPr/>
         <p:txBody>
           <a:bodyPr/>
           <a:lstStyle/>
           <a:p>
             <a:r>
               <a:rPr lang="en-US" dirty="0" smtClean="0"/>
-              <a:t>Parameters</a:t>
-            </a:r>
-          </a:p>
-          <a:p>
-            <a:pPr lvl="1"/>
-            <a:r>
-              <a:rPr lang="en-US" dirty="0" smtClean="0"/>
-              <a:t>W</a:t>
-            </a:r>
-            <a:r>
-              <a:rPr lang="en-US" baseline="30000" dirty="0" smtClean="0"/>
-              <a:t>[1]</a:t>
-            </a:r>
-            <a:r>
-              <a:rPr lang="en-US" dirty="0" smtClean="0"/>
-              <a:t>, b</a:t>
-            </a:r>
-            <a:r>
-              <a:rPr lang="en-US" baseline="30000" dirty="0" smtClean="0"/>
-              <a:t>[1]</a:t>
-            </a:r>
-            <a:r>
-              <a:rPr lang="en-US" dirty="0" smtClean="0"/>
-              <a:t>, W</a:t>
-            </a:r>
-            <a:r>
-              <a:rPr lang="en-US" baseline="30000" dirty="0" smtClean="0"/>
-              <a:t>[2]</a:t>
-            </a:r>
-            <a:r>
-              <a:rPr lang="en-US" dirty="0" smtClean="0"/>
-              <a:t>, b</a:t>
-            </a:r>
-            <a:r>
-              <a:rPr lang="en-US" baseline="30000" dirty="0" smtClean="0"/>
-              <a:t>[2]</a:t>
-            </a:r>
-          </a:p>
-          <a:p>
-            <a:pPr lvl="0">
-              <a:defRPr/>
-            </a:pPr>
-            <a:r>
-              <a:rPr lang="en-US" dirty="0" smtClean="0"/>
-              <a:t>Cost function</a:t>
-            </a:r>
-          </a:p>
-          <a:p>
-            <a:pPr lvl="1">
-              <a:defRPr/>
-            </a:pPr>
-            <a:r>
-              <a:rPr lang="en-US" dirty="0" smtClean="0"/>
-              <a:t>J(W</a:t>
-            </a:r>
-            <a:r>
-              <a:rPr lang="en-US" baseline="30000" dirty="0" smtClean="0"/>
-              <a:t>[1]</a:t>
-            </a:r>
-            <a:r>
-              <a:rPr lang="en-US" dirty="0" smtClean="0"/>
-              <a:t>, b</a:t>
-            </a:r>
-            <a:r>
-              <a:rPr lang="en-US" baseline="30000" dirty="0" smtClean="0"/>
-              <a:t>[1]</a:t>
-            </a:r>
-            <a:r>
-              <a:rPr lang="en-US" dirty="0" smtClean="0"/>
-              <a:t>, W</a:t>
-            </a:r>
-            <a:r>
-              <a:rPr lang="en-US" baseline="30000" dirty="0" smtClean="0"/>
-              <a:t>[2]</a:t>
-            </a:r>
-            <a:r>
-              <a:rPr lang="en-US" dirty="0" smtClean="0"/>
-              <a:t>, b</a:t>
-            </a:r>
-            <a:r>
-              <a:rPr lang="en-US" baseline="30000" dirty="0" smtClean="0"/>
-              <a:t>[2]</a:t>
-            </a:r>
-            <a:r>
-              <a:rPr lang="en-US" dirty="0" smtClean="0"/>
-              <a:t>)</a:t>
-            </a:r>
-            <a:r>
-              <a:rPr lang="en-US" baseline="30000" dirty="0" smtClean="0"/>
-              <a:t>    </a:t>
+              <a:t>Sigmoid activation</a:t>
+            </a:r>
+          </a:p>
+          <a:p>
+            <a:r>
+              <a:rPr lang="en-US" dirty="0" smtClean="0"/>
+              <a:t>tanh activation</a:t>
+            </a:r>
+          </a:p>
+          <a:p>
+            <a:r>
+              <a:rPr lang="en-US" dirty="0" err="1" smtClean="0"/>
+              <a:t>ReLU</a:t>
+            </a:r>
+            <a:r>
+              <a:rPr lang="en-US" dirty="0" smtClean="0"/>
+              <a:t> – Rectified Linear Units</a:t>
+            </a:r>
+          </a:p>
+          <a:p>
+            <a:r>
+              <a:rPr lang="en-US" dirty="0" smtClean="0"/>
+              <a:t>Leaky </a:t>
+            </a:r>
+            <a:r>
+              <a:rPr lang="en-US" dirty="0" err="1" smtClean="0"/>
+              <a:t>ReLU</a:t>
             </a:r>
             <a:endParaRPr lang="en-US" dirty="0" smtClean="0"/>
           </a:p>
           <a:p>
-            <a:endParaRPr lang="en-US" dirty="0" smtClean="0"/>
-          </a:p>
-          <a:p>
-            <a:pPr lvl="1"/>
             <a:endParaRPr lang="en-US" dirty="0"/>
           </a:p>
         </p:txBody>
       </p:sp>
-      <p:sp>
-        <p:nvSpPr>
-          <p:cNvPr id="4" name="Content Placeholder 2"/>
-          <p:cNvSpPr txBox="1">
-            <a:spLocks/>
-          </p:cNvSpPr>
-          <p:nvPr/>
-        </p:nvSpPr>
-        <p:spPr>
-          <a:xfrm>
-            <a:off x="4648200" y="1600200"/>
-            <a:ext cx="4114800" cy="4525963"/>
-          </a:xfrm>
-          <a:prstGeom prst="rect">
-            <a:avLst/>
-          </a:prstGeom>
-        </p:spPr>
-        <p:txBody>
-          <a:bodyPr vert="horz" lIns="91440" tIns="45720" rIns="91440" bIns="45720" rtlCol="0">
-            <a:normAutofit/>
-          </a:bodyPr>
-          <a:lstStyle/>
-          <a:p>
-            <a:pPr marL="742950" marR="0" lvl="1" indent="-285750" algn="l" defTabSz="914400" rtl="0" eaLnBrk="1" fontAlgn="auto" latinLnBrk="0" hangingPunct="1">
-              <a:lnSpc>
-                <a:spcPct val="100000"/>
-              </a:lnSpc>
-              <a:spcBef>
-                <a:spcPct val="20000"/>
-              </a:spcBef>
-              <a:spcAft>
-                <a:spcPts val="0"/>
-              </a:spcAft>
-              <a:buClrTx/>
-              <a:buSzTx/>
-              <a:buFont typeface="Arial" pitchFamily="34" charset="0"/>
-              <a:buChar char="–"/>
-              <a:tabLst/>
-              <a:defRPr/>
-            </a:pPr>
-            <a:endParaRPr kumimoji="0" lang="en-US" sz="2800" b="0" i="0" u="none" strike="noStrike" kern="1200" cap="none" spc="0" normalizeH="0" baseline="0" noProof="0" dirty="0">
-              <a:ln>
-                <a:noFill/>
-              </a:ln>
-              <a:solidFill>
-                <a:schemeClr val="tx1"/>
-              </a:solidFill>
-              <a:effectLst/>
-              <a:uLnTx/>
-              <a:uFillTx/>
-              <a:latin typeface="+mn-lt"/>
-              <a:ea typeface="+mn-ea"/>
-              <a:cs typeface="+mn-cs"/>
-            </a:endParaRPr>
-          </a:p>
-        </p:txBody>
-      </p:sp>
-      <p:sp>
-        <p:nvSpPr>
-          <p:cNvPr id="6" name="Content Placeholder 2"/>
-          <p:cNvSpPr txBox="1">
-            <a:spLocks/>
-          </p:cNvSpPr>
-          <p:nvPr/>
-        </p:nvSpPr>
-        <p:spPr>
-          <a:xfrm>
-            <a:off x="4724400" y="1600200"/>
-            <a:ext cx="4114800" cy="4525963"/>
-          </a:xfrm>
-          <a:prstGeom prst="rect">
-            <a:avLst/>
-          </a:prstGeom>
-        </p:spPr>
-        <p:txBody>
-          <a:bodyPr vert="horz" lIns="91440" tIns="45720" rIns="91440" bIns="45720" rtlCol="0">
-            <a:normAutofit/>
-          </a:bodyPr>
-          <a:lstStyle/>
-          <a:p>
-            <a:pPr marL="342900" marR="0" lvl="0" indent="-342900" algn="l" defTabSz="914400" rtl="0" eaLnBrk="1" fontAlgn="auto" latinLnBrk="0" hangingPunct="1">
-              <a:lnSpc>
-                <a:spcPct val="100000"/>
-              </a:lnSpc>
-              <a:spcBef>
-                <a:spcPct val="20000"/>
-              </a:spcBef>
-              <a:spcAft>
-                <a:spcPts val="0"/>
-              </a:spcAft>
-              <a:buClrTx/>
-              <a:buSzTx/>
-              <a:buFont typeface="Arial" pitchFamily="34" charset="0"/>
-              <a:buChar char="•"/>
-              <a:tabLst/>
-              <a:defRPr/>
-            </a:pPr>
-            <a:r>
-              <a:rPr kumimoji="0" lang="en-US" sz="3200" b="0" i="0" u="none" strike="noStrike" kern="1200" cap="none" spc="0" normalizeH="0" baseline="0" noProof="0" dirty="0" smtClean="0">
-                <a:ln>
-                  <a:noFill/>
-                </a:ln>
-                <a:solidFill>
-                  <a:schemeClr val="tx1"/>
-                </a:solidFill>
-                <a:effectLst/>
-                <a:uLnTx/>
-                <a:uFillTx/>
-                <a:latin typeface="+mn-lt"/>
-                <a:ea typeface="+mn-ea"/>
-                <a:cs typeface="+mn-cs"/>
-              </a:rPr>
-              <a:t>Backward pass</a:t>
-            </a:r>
-          </a:p>
-          <a:p>
-            <a:pPr marL="342900" marR="0" lvl="0" indent="-342900" algn="l" defTabSz="914400" rtl="0" eaLnBrk="1" fontAlgn="auto" latinLnBrk="0" hangingPunct="1">
-              <a:lnSpc>
-                <a:spcPct val="100000"/>
-              </a:lnSpc>
-              <a:spcBef>
-                <a:spcPct val="20000"/>
-              </a:spcBef>
-              <a:spcAft>
-                <a:spcPts val="0"/>
-              </a:spcAft>
-              <a:buClrTx/>
-              <a:buSzTx/>
-              <a:buFont typeface="Arial" pitchFamily="34" charset="0"/>
-              <a:buChar char="•"/>
-              <a:tabLst/>
-              <a:defRPr/>
-            </a:pPr>
-            <a:endParaRPr kumimoji="0" lang="en-US" sz="3200" b="0" i="0" u="none" strike="noStrike" kern="1200" cap="none" spc="0" normalizeH="0" baseline="0" noProof="0" dirty="0" smtClean="0">
-              <a:ln>
-                <a:noFill/>
-              </a:ln>
-              <a:solidFill>
-                <a:schemeClr val="tx1"/>
-              </a:solidFill>
-              <a:effectLst/>
-              <a:uLnTx/>
-              <a:uFillTx/>
-              <a:latin typeface="+mn-lt"/>
-              <a:ea typeface="+mn-ea"/>
-              <a:cs typeface="+mn-cs"/>
-            </a:endParaRPr>
-          </a:p>
-          <a:p>
-            <a:pPr marL="742950" marR="0" lvl="1" indent="-285750" algn="l" defTabSz="914400" rtl="0" eaLnBrk="1" fontAlgn="auto" latinLnBrk="0" hangingPunct="1">
-              <a:lnSpc>
-                <a:spcPct val="100000"/>
-              </a:lnSpc>
-              <a:spcBef>
-                <a:spcPct val="20000"/>
-              </a:spcBef>
-              <a:spcAft>
-                <a:spcPts val="0"/>
-              </a:spcAft>
-              <a:buClrTx/>
-              <a:buSzTx/>
-              <a:buFont typeface="Arial" pitchFamily="34" charset="0"/>
-              <a:buChar char="–"/>
-              <a:tabLst/>
-              <a:defRPr/>
-            </a:pPr>
-            <a:endParaRPr kumimoji="0" lang="en-US" sz="2800" b="0" i="0" u="none" strike="noStrike" kern="1200" cap="none" spc="0" normalizeH="0" baseline="0" noProof="0" dirty="0">
-              <a:ln>
-                <a:noFill/>
-              </a:ln>
-              <a:solidFill>
-                <a:schemeClr val="tx1"/>
-              </a:solidFill>
-              <a:effectLst/>
-              <a:uLnTx/>
-              <a:uFillTx/>
-              <a:latin typeface="+mn-lt"/>
-              <a:ea typeface="+mn-ea"/>
-              <a:cs typeface="+mn-cs"/>
-            </a:endParaRPr>
-          </a:p>
-        </p:txBody>
-      </p:sp>
-      <p:graphicFrame>
-        <p:nvGraphicFramePr>
-          <p:cNvPr id="7" name="Object 6"/>
-          <p:cNvGraphicFramePr>
-            <a:graphicFrameLocks noChangeAspect="1"/>
-          </p:cNvGraphicFramePr>
-          <p:nvPr/>
-        </p:nvGraphicFramePr>
-        <p:xfrm>
-          <a:off x="4935538" y="2284413"/>
-          <a:ext cx="3460750" cy="3536950"/>
-        </p:xfrm>
-        <a:graphic>
-          <a:graphicData uri="http://schemas.openxmlformats.org/presentationml/2006/ole">
-            <p:oleObj spid="_x0000_s77826" name="Equation" r:id="rId3" imgW="1739880" imgH="1777680" progId="Equation.3">
-              <p:embed/>
-            </p:oleObj>
-          </a:graphicData>
-        </a:graphic>
-      </p:graphicFrame>
     </p:spTree>
   </p:cSld>
   <p:clrMapOvr>
@@ -32497,7 +31669,58 @@
           <a:p>
             <a:r>
               <a:rPr lang="en-US" dirty="0" smtClean="0"/>
-              <a:t>Sigmoid function – Equation  </a:t>
+              <a:t>Sigmoid </a:t>
+            </a:r>
+            <a:r>
+              <a:rPr lang="en-US" dirty="0" smtClean="0"/>
+              <a:t>Function</a:t>
+            </a:r>
+            <a:endParaRPr lang="en-US" dirty="0"/>
+          </a:p>
+        </p:txBody>
+      </p:sp>
+      <p:sp>
+        <p:nvSpPr>
+          <p:cNvPr id="3" name="Content Placeholder 2"/>
+          <p:cNvSpPr>
+            <a:spLocks noGrp="1"/>
+          </p:cNvSpPr>
+          <p:nvPr>
+            <p:ph idx="1"/>
+          </p:nvPr>
+        </p:nvSpPr>
+        <p:spPr/>
+        <p:txBody>
+          <a:bodyPr/>
+          <a:lstStyle/>
+          <a:p>
+            <a:r>
+              <a:rPr lang="el-GR" dirty="0" smtClean="0"/>
+              <a:t>σ</a:t>
+            </a:r>
+            <a:r>
+              <a:rPr lang="en-US" dirty="0" smtClean="0"/>
+              <a:t>(Z) ~ 1 – For Z &gt;&gt; 0 </a:t>
+            </a:r>
+          </a:p>
+          <a:p>
+            <a:r>
+              <a:rPr lang="el-GR" dirty="0" smtClean="0"/>
+              <a:t>σ</a:t>
+            </a:r>
+            <a:r>
+              <a:rPr lang="en-US" dirty="0" smtClean="0"/>
+              <a:t>(Z) ~ 0 – For Z &lt;&lt; 0 </a:t>
+            </a:r>
+          </a:p>
+          <a:p>
+            <a:r>
+              <a:rPr lang="el-GR" dirty="0" smtClean="0"/>
+              <a:t>σ</a:t>
+            </a:r>
+            <a:r>
+              <a:rPr lang="en-US" dirty="0" smtClean="0"/>
+              <a:t>(Z) = 0.5 – For Z = 0</a:t>
             </a:r>
             <a:endParaRPr lang="en-US" dirty="0"/>
           </a:p>
@@ -32505,51 +31728,415 @@
       </p:sp>
       <p:graphicFrame>
         <p:nvGraphicFramePr>
-          <p:cNvPr id="1027" name="Object 3"/>
+          <p:cNvPr id="5" name="Table 4"/>
           <p:cNvGraphicFramePr>
-            <a:graphicFrameLocks noChangeAspect="1"/>
+            <a:graphicFrameLocks noGrp="1"/>
           </p:cNvGraphicFramePr>
-          <p:nvPr/>
+          <p:nvPr>
+            <p:extLst>
+              <p:ext uri="{D42A27DB-BD31-4B8C-83A1-F6EECF244321}">
+                <p14:modId xmlns="" xmlns:p14="http://schemas.microsoft.com/office/powerpoint/2010/main" val="3926379348"/>
+              </p:ext>
+            </p:extLst>
+          </p:nvPr>
         </p:nvGraphicFramePr>
         <p:xfrm>
-          <a:off x="3505200" y="5027612"/>
-          <a:ext cx="1684337" cy="763588"/>
+          <a:off x="5486400" y="1752600"/>
+          <a:ext cx="2895600" cy="3657600"/>
         </p:xfrm>
         <a:graphic>
-          <a:graphicData uri="http://schemas.openxmlformats.org/presentationml/2006/ole">
-            <p:oleObj spid="_x0000_s13314" name="Equation" r:id="rId3" imgW="876240" imgH="393480" progId="Equation.3">
-              <p:embed/>
-            </p:oleObj>
+          <a:graphicData uri="http://schemas.openxmlformats.org/drawingml/2006/table">
+            <a:tbl>
+              <a:tblPr firstRow="1" bandRow="1">
+                <a:tableStyleId>{5940675A-B579-460E-94D1-54222C63F5DA}</a:tableStyleId>
+              </a:tblPr>
+              <a:tblGrid>
+                <a:gridCol w="1447800">
+                  <a:extLst>
+                    <a:ext uri="{9D8B030D-6E8A-4147-A177-3AD203B41FA5}">
+                      <a16:colId xmlns="" xmlns:a16="http://schemas.microsoft.com/office/drawing/2014/main" val="20000"/>
+                    </a:ext>
+                  </a:extLst>
+                </a:gridCol>
+                <a:gridCol w="1447800">
+                  <a:extLst>
+                    <a:ext uri="{9D8B030D-6E8A-4147-A177-3AD203B41FA5}">
+                      <a16:colId xmlns="" xmlns:a16="http://schemas.microsoft.com/office/drawing/2014/main" val="20001"/>
+                    </a:ext>
+                  </a:extLst>
+                </a:gridCol>
+              </a:tblGrid>
+              <a:tr h="298873">
+                <a:tc>
+                  <a:txBody>
+                    <a:bodyPr/>
+                    <a:lstStyle/>
+                    <a:p>
+                      <a:pPr algn="ctr"/>
+                      <a:r>
+                        <a:rPr lang="en-US" b="1" dirty="0" smtClean="0"/>
+                        <a:t>Z</a:t>
+                      </a:r>
+                      <a:endParaRPr lang="en-US" b="1" dirty="0"/>
+                    </a:p>
+                  </a:txBody>
+                  <a:tcPr/>
+                </a:tc>
+                <a:tc>
+                  <a:txBody>
+                    <a:bodyPr/>
+                    <a:lstStyle/>
+                    <a:p>
+                      <a:pPr algn="ctr"/>
+                      <a:r>
+                        <a:rPr lang="el-GR" b="1" dirty="0" smtClean="0"/>
+                        <a:t>σ(</a:t>
+                      </a:r>
+                      <a:r>
+                        <a:rPr lang="en-US" b="1" dirty="0" smtClean="0"/>
+                        <a:t>Z)</a:t>
+                      </a:r>
+                      <a:endParaRPr lang="en-US" b="1" dirty="0"/>
+                    </a:p>
+                  </a:txBody>
+                  <a:tcPr/>
+                </a:tc>
+                <a:extLst>
+                  <a:ext uri="{0D108BD9-81ED-4DB2-BD59-A6C34878D82A}">
+                    <a16:rowId xmlns="" xmlns:a16="http://schemas.microsoft.com/office/drawing/2014/main" val="10000"/>
+                  </a:ext>
+                </a:extLst>
+              </a:tr>
+              <a:tr h="298873">
+                <a:tc>
+                  <a:txBody>
+                    <a:bodyPr/>
+                    <a:lstStyle/>
+                    <a:p>
+                      <a:pPr algn="ctr"/>
+                      <a:r>
+                        <a:rPr lang="en-US" b="0" dirty="0"/>
+                        <a:t>-2</a:t>
+                      </a:r>
+                    </a:p>
+                  </a:txBody>
+                  <a:tcPr/>
+                </a:tc>
+                <a:tc>
+                  <a:txBody>
+                    <a:bodyPr/>
+                    <a:lstStyle/>
+                    <a:p>
+                      <a:pPr algn="ctr"/>
+                      <a:r>
+                        <a:rPr lang="en-US" dirty="0" smtClean="0"/>
+                        <a:t>0.12</a:t>
+                      </a:r>
+                      <a:endParaRPr lang="en-US" dirty="0"/>
+                    </a:p>
+                  </a:txBody>
+                  <a:tcPr/>
+                </a:tc>
+                <a:extLst>
+                  <a:ext uri="{0D108BD9-81ED-4DB2-BD59-A6C34878D82A}">
+                    <a16:rowId xmlns="" xmlns:a16="http://schemas.microsoft.com/office/drawing/2014/main" val="10001"/>
+                  </a:ext>
+                </a:extLst>
+              </a:tr>
+              <a:tr h="298873">
+                <a:tc>
+                  <a:txBody>
+                    <a:bodyPr/>
+                    <a:lstStyle/>
+                    <a:p>
+                      <a:pPr algn="ctr"/>
+                      <a:r>
+                        <a:rPr lang="en-US" b="0" dirty="0"/>
+                        <a:t>-1.5</a:t>
+                      </a:r>
+                    </a:p>
+                  </a:txBody>
+                  <a:tcPr/>
+                </a:tc>
+                <a:tc>
+                  <a:txBody>
+                    <a:bodyPr/>
+                    <a:lstStyle/>
+                    <a:p>
+                      <a:pPr algn="ctr"/>
+                      <a:r>
+                        <a:rPr lang="en-US" dirty="0" smtClean="0"/>
+                        <a:t>0.18</a:t>
+                      </a:r>
+                      <a:endParaRPr lang="en-US" dirty="0"/>
+                    </a:p>
+                  </a:txBody>
+                  <a:tcPr/>
+                </a:tc>
+                <a:extLst>
+                  <a:ext uri="{0D108BD9-81ED-4DB2-BD59-A6C34878D82A}">
+                    <a16:rowId xmlns="" xmlns:a16="http://schemas.microsoft.com/office/drawing/2014/main" val="10002"/>
+                  </a:ext>
+                </a:extLst>
+              </a:tr>
+              <a:tr h="298873">
+                <a:tc>
+                  <a:txBody>
+                    <a:bodyPr/>
+                    <a:lstStyle/>
+                    <a:p>
+                      <a:pPr algn="ctr"/>
+                      <a:r>
+                        <a:rPr lang="en-US" b="0" dirty="0"/>
+                        <a:t>-1</a:t>
+                      </a:r>
+                    </a:p>
+                  </a:txBody>
+                  <a:tcPr/>
+                </a:tc>
+                <a:tc>
+                  <a:txBody>
+                    <a:bodyPr/>
+                    <a:lstStyle/>
+                    <a:p>
+                      <a:pPr algn="ctr"/>
+                      <a:r>
+                        <a:rPr lang="en-US" dirty="0" smtClean="0"/>
+                        <a:t>0.27</a:t>
+                      </a:r>
+                      <a:endParaRPr lang="en-US" dirty="0"/>
+                    </a:p>
+                  </a:txBody>
+                  <a:tcPr/>
+                </a:tc>
+                <a:extLst>
+                  <a:ext uri="{0D108BD9-81ED-4DB2-BD59-A6C34878D82A}">
+                    <a16:rowId xmlns="" xmlns:a16="http://schemas.microsoft.com/office/drawing/2014/main" val="10003"/>
+                  </a:ext>
+                </a:extLst>
+              </a:tr>
+              <a:tr h="298873">
+                <a:tc>
+                  <a:txBody>
+                    <a:bodyPr/>
+                    <a:lstStyle/>
+                    <a:p>
+                      <a:pPr algn="ctr"/>
+                      <a:r>
+                        <a:rPr lang="en-US" b="0" dirty="0" smtClean="0"/>
+                        <a:t>-0.5</a:t>
+                      </a:r>
+                      <a:endParaRPr lang="en-US" b="0" dirty="0"/>
+                    </a:p>
+                  </a:txBody>
+                  <a:tcPr/>
+                </a:tc>
+                <a:tc>
+                  <a:txBody>
+                    <a:bodyPr/>
+                    <a:lstStyle/>
+                    <a:p>
+                      <a:pPr algn="ctr"/>
+                      <a:r>
+                        <a:rPr lang="en-US" dirty="0" smtClean="0"/>
+                        <a:t>0.38</a:t>
+                      </a:r>
+                      <a:endParaRPr lang="en-US" dirty="0"/>
+                    </a:p>
+                  </a:txBody>
+                  <a:tcPr/>
+                </a:tc>
+                <a:extLst>
+                  <a:ext uri="{0D108BD9-81ED-4DB2-BD59-A6C34878D82A}">
+                    <a16:rowId xmlns="" xmlns:a16="http://schemas.microsoft.com/office/drawing/2014/main" val="10004"/>
+                  </a:ext>
+                </a:extLst>
+              </a:tr>
+              <a:tr h="298873">
+                <a:tc>
+                  <a:txBody>
+                    <a:bodyPr/>
+                    <a:lstStyle/>
+                    <a:p>
+                      <a:pPr algn="ctr"/>
+                      <a:r>
+                        <a:rPr lang="en-US" b="0" dirty="0"/>
+                        <a:t>0</a:t>
+                      </a:r>
+                    </a:p>
+                  </a:txBody>
+                  <a:tcPr/>
+                </a:tc>
+                <a:tc>
+                  <a:txBody>
+                    <a:bodyPr/>
+                    <a:lstStyle/>
+                    <a:p>
+                      <a:pPr algn="ctr"/>
+                      <a:r>
+                        <a:rPr lang="en-US" dirty="0" smtClean="0"/>
+                        <a:t>0.50</a:t>
+                      </a:r>
+                      <a:endParaRPr lang="en-US" dirty="0"/>
+                    </a:p>
+                  </a:txBody>
+                  <a:tcPr/>
+                </a:tc>
+                <a:extLst>
+                  <a:ext uri="{0D108BD9-81ED-4DB2-BD59-A6C34878D82A}">
+                    <a16:rowId xmlns="" xmlns:a16="http://schemas.microsoft.com/office/drawing/2014/main" val="10005"/>
+                  </a:ext>
+                </a:extLst>
+              </a:tr>
+              <a:tr h="298873">
+                <a:tc>
+                  <a:txBody>
+                    <a:bodyPr/>
+                    <a:lstStyle/>
+                    <a:p>
+                      <a:pPr algn="ctr"/>
+                      <a:r>
+                        <a:rPr lang="en-US" b="0" dirty="0" smtClean="0"/>
+                        <a:t>0.5</a:t>
+                      </a:r>
+                      <a:endParaRPr lang="en-US" b="0" dirty="0"/>
+                    </a:p>
+                  </a:txBody>
+                  <a:tcPr/>
+                </a:tc>
+                <a:tc>
+                  <a:txBody>
+                    <a:bodyPr/>
+                    <a:lstStyle/>
+                    <a:p>
+                      <a:pPr algn="ctr"/>
+                      <a:r>
+                        <a:rPr lang="en-US" dirty="0" smtClean="0"/>
+                        <a:t>0.62</a:t>
+                      </a:r>
+                      <a:endParaRPr lang="en-US" dirty="0"/>
+                    </a:p>
+                  </a:txBody>
+                  <a:tcPr/>
+                </a:tc>
+                <a:extLst>
+                  <a:ext uri="{0D108BD9-81ED-4DB2-BD59-A6C34878D82A}">
+                    <a16:rowId xmlns="" xmlns:a16="http://schemas.microsoft.com/office/drawing/2014/main" val="10006"/>
+                  </a:ext>
+                </a:extLst>
+              </a:tr>
+              <a:tr h="298873">
+                <a:tc>
+                  <a:txBody>
+                    <a:bodyPr/>
+                    <a:lstStyle/>
+                    <a:p>
+                      <a:pPr algn="ctr"/>
+                      <a:r>
+                        <a:rPr lang="en-US" b="0" dirty="0"/>
+                        <a:t>1</a:t>
+                      </a:r>
+                    </a:p>
+                  </a:txBody>
+                  <a:tcPr/>
+                </a:tc>
+                <a:tc>
+                  <a:txBody>
+                    <a:bodyPr/>
+                    <a:lstStyle/>
+                    <a:p>
+                      <a:pPr algn="ctr"/>
+                      <a:r>
+                        <a:rPr lang="en-US" dirty="0" smtClean="0"/>
+                        <a:t>0.73</a:t>
+                      </a:r>
+                      <a:endParaRPr lang="en-US" dirty="0"/>
+                    </a:p>
+                  </a:txBody>
+                  <a:tcPr/>
+                </a:tc>
+                <a:extLst>
+                  <a:ext uri="{0D108BD9-81ED-4DB2-BD59-A6C34878D82A}">
+                    <a16:rowId xmlns="" xmlns:a16="http://schemas.microsoft.com/office/drawing/2014/main" val="10007"/>
+                  </a:ext>
+                </a:extLst>
+              </a:tr>
+              <a:tr h="298873">
+                <a:tc>
+                  <a:txBody>
+                    <a:bodyPr/>
+                    <a:lstStyle/>
+                    <a:p>
+                      <a:pPr algn="ctr"/>
+                      <a:r>
+                        <a:rPr lang="en-US" b="0" dirty="0"/>
+                        <a:t>1.5</a:t>
+                      </a:r>
+                    </a:p>
+                  </a:txBody>
+                  <a:tcPr/>
+                </a:tc>
+                <a:tc>
+                  <a:txBody>
+                    <a:bodyPr/>
+                    <a:lstStyle/>
+                    <a:p>
+                      <a:pPr algn="ctr"/>
+                      <a:r>
+                        <a:rPr lang="en-US" dirty="0" smtClean="0"/>
+                        <a:t>0.82</a:t>
+                      </a:r>
+                      <a:endParaRPr lang="en-US" dirty="0"/>
+                    </a:p>
+                  </a:txBody>
+                  <a:tcPr/>
+                </a:tc>
+                <a:extLst>
+                  <a:ext uri="{0D108BD9-81ED-4DB2-BD59-A6C34878D82A}">
+                    <a16:rowId xmlns="" xmlns:a16="http://schemas.microsoft.com/office/drawing/2014/main" val="10008"/>
+                  </a:ext>
+                </a:extLst>
+              </a:tr>
+              <a:tr h="298873">
+                <a:tc>
+                  <a:txBody>
+                    <a:bodyPr/>
+                    <a:lstStyle/>
+                    <a:p>
+                      <a:pPr algn="ctr"/>
+                      <a:r>
+                        <a:rPr lang="en-US" b="0" dirty="0"/>
+                        <a:t>2</a:t>
+                      </a:r>
+                    </a:p>
+                  </a:txBody>
+                  <a:tcPr/>
+                </a:tc>
+                <a:tc>
+                  <a:txBody>
+                    <a:bodyPr/>
+                    <a:lstStyle/>
+                    <a:p>
+                      <a:pPr algn="ctr"/>
+                      <a:r>
+                        <a:rPr lang="en-US" dirty="0" smtClean="0"/>
+                        <a:t>0.88</a:t>
+                      </a:r>
+                      <a:endParaRPr lang="en-US" dirty="0"/>
+                    </a:p>
+                  </a:txBody>
+                  <a:tcPr/>
+                </a:tc>
+                <a:extLst>
+                  <a:ext uri="{0D108BD9-81ED-4DB2-BD59-A6C34878D82A}">
+                    <a16:rowId xmlns="" xmlns:a16="http://schemas.microsoft.com/office/drawing/2014/main" val="10009"/>
+                  </a:ext>
+                </a:extLst>
+              </a:tr>
+            </a:tbl>
           </a:graphicData>
         </a:graphic>
       </p:graphicFrame>
-      <p:pic>
-        <p:nvPicPr>
-          <p:cNvPr id="8" name="Image4"/>
-          <p:cNvPicPr>
-            <a:picLocks noChangeAspect="1"/>
-          </p:cNvPicPr>
-          <p:nvPr/>
-        </p:nvPicPr>
-        <p:blipFill>
-          <a:blip r:embed="rId4"/>
-          <a:stretch>
-            <a:fillRect/>
-          </a:stretch>
-        </p:blipFill>
-        <p:spPr bwMode="auto">
-          <a:xfrm>
-            <a:off x="1905000" y="1703070"/>
-            <a:ext cx="4876800" cy="3249930"/>
-          </a:xfrm>
-          <a:prstGeom prst="rect">
-            <a:avLst/>
-          </a:prstGeom>
-          <a:solidFill>
-            <a:schemeClr val="bg1"/>
-          </a:solidFill>
-        </p:spPr>
-      </p:pic>
     </p:spTree>
   </p:cSld>
   <p:clrMapOvr>
@@ -32566,115 +32153,6 @@
 </file>
 
 <file path=ppt/slides/slide50.xml><?xml version="1.0" encoding="utf-8"?>
-<p:sld xmlns:a="http://schemas.openxmlformats.org/drawingml/2006/main" xmlns:r="http://schemas.openxmlformats.org/officeDocument/2006/relationships" xmlns:p="http://schemas.openxmlformats.org/presentationml/2006/main">
-  <p:cSld>
-    <p:spTree>
-      <p:nvGrpSpPr>
-        <p:cNvPr id="1" name=""/>
-        <p:cNvGrpSpPr/>
-        <p:nvPr/>
-      </p:nvGrpSpPr>
-      <p:grpSpPr>
-        <a:xfrm>
-          <a:off x="0" y="0"/>
-          <a:ext cx="0" cy="0"/>
-          <a:chOff x="0" y="0"/>
-          <a:chExt cx="0" cy="0"/>
-        </a:xfrm>
-      </p:grpSpPr>
-      <p:sp>
-        <p:nvSpPr>
-          <p:cNvPr id="2" name="Title 1"/>
-          <p:cNvSpPr>
-            <a:spLocks noGrp="1"/>
-          </p:cNvSpPr>
-          <p:nvPr>
-            <p:ph type="title"/>
-          </p:nvPr>
-        </p:nvSpPr>
-        <p:spPr/>
-        <p:txBody>
-          <a:bodyPr>
-            <a:normAutofit/>
-          </a:bodyPr>
-          <a:lstStyle/>
-          <a:p>
-            <a:r>
-              <a:rPr lang="en-US" dirty="0" smtClean="0"/>
-              <a:t>Activation functions </a:t>
-            </a:r>
-            <a:endParaRPr lang="en-US" dirty="0"/>
-          </a:p>
-        </p:txBody>
-      </p:sp>
-      <p:sp>
-        <p:nvSpPr>
-          <p:cNvPr id="3" name="Content Placeholder 2"/>
-          <p:cNvSpPr>
-            <a:spLocks noGrp="1"/>
-          </p:cNvSpPr>
-          <p:nvPr>
-            <p:ph idx="1"/>
-          </p:nvPr>
-        </p:nvSpPr>
-        <p:spPr/>
-        <p:txBody>
-          <a:bodyPr/>
-          <a:lstStyle/>
-          <a:p>
-            <a:r>
-              <a:rPr lang="en-US" dirty="0" smtClean="0"/>
-              <a:t>Sigmoid activation</a:t>
-            </a:r>
-          </a:p>
-          <a:p>
-            <a:r>
-              <a:rPr lang="en-US" dirty="0" smtClean="0"/>
-              <a:t>tanh activation</a:t>
-            </a:r>
-          </a:p>
-          <a:p>
-            <a:r>
-              <a:rPr lang="en-US" dirty="0" err="1" smtClean="0"/>
-              <a:t>ReLU</a:t>
-            </a:r>
-            <a:r>
-              <a:rPr lang="en-US" dirty="0" smtClean="0"/>
-              <a:t> – Rectified Linear Units</a:t>
-            </a:r>
-          </a:p>
-          <a:p>
-            <a:r>
-              <a:rPr lang="en-US" dirty="0" smtClean="0"/>
-              <a:t>Leaky </a:t>
-            </a:r>
-            <a:r>
-              <a:rPr lang="en-US" dirty="0" err="1" smtClean="0"/>
-              <a:t>ReLU</a:t>
-            </a:r>
-            <a:endParaRPr lang="en-US" dirty="0" smtClean="0"/>
-          </a:p>
-          <a:p>
-            <a:endParaRPr lang="en-US" dirty="0"/>
-          </a:p>
-        </p:txBody>
-      </p:sp>
-    </p:spTree>
-  </p:cSld>
-  <p:clrMapOvr>
-    <a:masterClrMapping/>
-  </p:clrMapOvr>
-  <p:timing>
-    <p:tnLst>
-      <p:par>
-        <p:cTn id="1" dur="indefinite" restart="never" nodeType="tmRoot"/>
-      </p:par>
-    </p:tnLst>
-  </p:timing>
-</p:sld>
-</file>
-
-<file path=ppt/slides/slide51.xml><?xml version="1.0" encoding="utf-8"?>
 <p:sld xmlns:a="http://schemas.openxmlformats.org/drawingml/2006/main" xmlns:r="http://schemas.openxmlformats.org/officeDocument/2006/relationships" xmlns:p="http://schemas.openxmlformats.org/presentationml/2006/main">
   <p:cSld>
     <p:spTree>
@@ -32778,7 +32256,7 @@
 </p:sld>
 </file>
 
-<file path=ppt/slides/slide52.xml><?xml version="1.0" encoding="utf-8"?>
+<file path=ppt/slides/slide51.xml><?xml version="1.0" encoding="utf-8"?>
 <p:sld xmlns:a="http://schemas.openxmlformats.org/drawingml/2006/main" xmlns:r="http://schemas.openxmlformats.org/officeDocument/2006/relationships" xmlns:p="http://schemas.openxmlformats.org/presentationml/2006/main">
   <p:cSld>
     <p:spTree>
@@ -32866,7 +32344,7 @@
 </p:sld>
 </file>
 
-<file path=ppt/slides/slide53.xml><?xml version="1.0" encoding="utf-8"?>
+<file path=ppt/slides/slide52.xml><?xml version="1.0" encoding="utf-8"?>
 <p:sld xmlns:a="http://schemas.openxmlformats.org/drawingml/2006/main" xmlns:r="http://schemas.openxmlformats.org/officeDocument/2006/relationships" xmlns:p="http://schemas.openxmlformats.org/presentationml/2006/main">
   <p:cSld>
     <p:spTree>
@@ -32963,7 +32441,7 @@
 </p:sld>
 </file>
 
-<file path=ppt/slides/slide54.xml><?xml version="1.0" encoding="utf-8"?>
+<file path=ppt/slides/slide53.xml><?xml version="1.0" encoding="utf-8"?>
 <p:sld xmlns:a="http://schemas.openxmlformats.org/drawingml/2006/main" xmlns:r="http://schemas.openxmlformats.org/officeDocument/2006/relationships" xmlns:p="http://schemas.openxmlformats.org/presentationml/2006/main">
   <p:cSld>
     <p:spTree>
@@ -33064,6 +32542,110 @@
 </p:sld>
 </file>
 
+<file path=ppt/slides/slide54.xml><?xml version="1.0" encoding="utf-8"?>
+<p:sld xmlns:a="http://schemas.openxmlformats.org/drawingml/2006/main" xmlns:r="http://schemas.openxmlformats.org/officeDocument/2006/relationships" xmlns:p="http://schemas.openxmlformats.org/presentationml/2006/main">
+  <p:cSld>
+    <p:spTree>
+      <p:nvGrpSpPr>
+        <p:cNvPr id="1" name=""/>
+        <p:cNvGrpSpPr/>
+        <p:nvPr/>
+      </p:nvGrpSpPr>
+      <p:grpSpPr>
+        <a:xfrm>
+          <a:off x="0" y="0"/>
+          <a:ext cx="0" cy="0"/>
+          <a:chOff x="0" y="0"/>
+          <a:chExt cx="0" cy="0"/>
+        </a:xfrm>
+      </p:grpSpPr>
+      <p:sp>
+        <p:nvSpPr>
+          <p:cNvPr id="2" name="Title 1"/>
+          <p:cNvSpPr>
+            <a:spLocks noGrp="1"/>
+          </p:cNvSpPr>
+          <p:nvPr>
+            <p:ph type="title"/>
+          </p:nvPr>
+        </p:nvSpPr>
+        <p:spPr/>
+        <p:txBody>
+          <a:bodyPr>
+            <a:normAutofit/>
+          </a:bodyPr>
+          <a:lstStyle/>
+          <a:p>
+            <a:r>
+              <a:rPr lang="en-US" dirty="0" smtClean="0"/>
+              <a:t>tanh activation – Interpretation  </a:t>
+            </a:r>
+            <a:endParaRPr lang="en-US" dirty="0"/>
+          </a:p>
+        </p:txBody>
+      </p:sp>
+      <p:sp>
+        <p:nvSpPr>
+          <p:cNvPr id="3" name="Content Placeholder 2"/>
+          <p:cNvSpPr>
+            <a:spLocks noGrp="1"/>
+          </p:cNvSpPr>
+          <p:nvPr>
+            <p:ph idx="1"/>
+          </p:nvPr>
+        </p:nvSpPr>
+        <p:spPr/>
+        <p:txBody>
+          <a:bodyPr/>
+          <a:lstStyle/>
+          <a:p>
+            <a:r>
+              <a:rPr lang="en-US" dirty="0" err="1" smtClean="0"/>
+              <a:t>tanh</a:t>
+            </a:r>
+            <a:r>
+              <a:rPr lang="en-US" dirty="0" smtClean="0"/>
+              <a:t>(Z) ~ 1 – For Z &gt;&gt; 0 </a:t>
+            </a:r>
+          </a:p>
+          <a:p>
+            <a:r>
+              <a:rPr lang="en-US" dirty="0" err="1" smtClean="0"/>
+              <a:t>tanh</a:t>
+            </a:r>
+            <a:r>
+              <a:rPr lang="en-US" dirty="0" smtClean="0"/>
+              <a:t>(Z) ~ -1 – For Z &lt;&lt; 0 </a:t>
+            </a:r>
+          </a:p>
+          <a:p>
+            <a:r>
+              <a:rPr lang="en-US" dirty="0" err="1" smtClean="0"/>
+              <a:t>tanh</a:t>
+            </a:r>
+            <a:r>
+              <a:rPr lang="en-US" dirty="0" smtClean="0"/>
+              <a:t>(Z) = 0 – For Z = 0</a:t>
+            </a:r>
+            <a:endParaRPr lang="en-US" dirty="0"/>
+          </a:p>
+        </p:txBody>
+      </p:sp>
+    </p:spTree>
+  </p:cSld>
+  <p:clrMapOvr>
+    <a:masterClrMapping/>
+  </p:clrMapOvr>
+  <p:timing>
+    <p:tnLst>
+      <p:par>
+        <p:cTn id="1" dur="indefinite" restart="never" nodeType="tmRoot"/>
+      </p:par>
+    </p:tnLst>
+  </p:timing>
+</p:sld>
+</file>
+
 <file path=ppt/slides/slide55.xml><?xml version="1.0" encoding="utf-8"?>
 <p:sld xmlns:a="http://schemas.openxmlformats.org/drawingml/2006/main" xmlns:r="http://schemas.openxmlformats.org/officeDocument/2006/relationships" xmlns:p="http://schemas.openxmlformats.org/presentationml/2006/main">
   <p:cSld>
@@ -33100,110 +32682,6 @@
           <a:p>
             <a:r>
               <a:rPr lang="en-US" dirty="0" smtClean="0"/>
-              <a:t>tanh activation – Interpretation  </a:t>
-            </a:r>
-            <a:endParaRPr lang="en-US" dirty="0"/>
-          </a:p>
-        </p:txBody>
-      </p:sp>
-      <p:sp>
-        <p:nvSpPr>
-          <p:cNvPr id="3" name="Content Placeholder 2"/>
-          <p:cNvSpPr>
-            <a:spLocks noGrp="1"/>
-          </p:cNvSpPr>
-          <p:nvPr>
-            <p:ph idx="1"/>
-          </p:nvPr>
-        </p:nvSpPr>
-        <p:spPr/>
-        <p:txBody>
-          <a:bodyPr/>
-          <a:lstStyle/>
-          <a:p>
-            <a:r>
-              <a:rPr lang="en-US" dirty="0" err="1" smtClean="0"/>
-              <a:t>tanh</a:t>
-            </a:r>
-            <a:r>
-              <a:rPr lang="en-US" dirty="0" smtClean="0"/>
-              <a:t>(Z) ~ 1 – For Z &gt;&gt; 0 </a:t>
-            </a:r>
-          </a:p>
-          <a:p>
-            <a:r>
-              <a:rPr lang="en-US" dirty="0" err="1" smtClean="0"/>
-              <a:t>tanh</a:t>
-            </a:r>
-            <a:r>
-              <a:rPr lang="en-US" dirty="0" smtClean="0"/>
-              <a:t>(Z) ~ -1 – For Z &lt;&lt; 0 </a:t>
-            </a:r>
-          </a:p>
-          <a:p>
-            <a:r>
-              <a:rPr lang="en-US" dirty="0" err="1" smtClean="0"/>
-              <a:t>tanh</a:t>
-            </a:r>
-            <a:r>
-              <a:rPr lang="en-US" dirty="0" smtClean="0"/>
-              <a:t>(Z) = 0 – For Z = 0</a:t>
-            </a:r>
-            <a:endParaRPr lang="en-US" dirty="0"/>
-          </a:p>
-        </p:txBody>
-      </p:sp>
-    </p:spTree>
-  </p:cSld>
-  <p:clrMapOvr>
-    <a:masterClrMapping/>
-  </p:clrMapOvr>
-  <p:timing>
-    <p:tnLst>
-      <p:par>
-        <p:cTn id="1" dur="indefinite" restart="never" nodeType="tmRoot"/>
-      </p:par>
-    </p:tnLst>
-  </p:timing>
-</p:sld>
-</file>
-
-<file path=ppt/slides/slide56.xml><?xml version="1.0" encoding="utf-8"?>
-<p:sld xmlns:a="http://schemas.openxmlformats.org/drawingml/2006/main" xmlns:r="http://schemas.openxmlformats.org/officeDocument/2006/relationships" xmlns:p="http://schemas.openxmlformats.org/presentationml/2006/main">
-  <p:cSld>
-    <p:spTree>
-      <p:nvGrpSpPr>
-        <p:cNvPr id="1" name=""/>
-        <p:cNvGrpSpPr/>
-        <p:nvPr/>
-      </p:nvGrpSpPr>
-      <p:grpSpPr>
-        <a:xfrm>
-          <a:off x="0" y="0"/>
-          <a:ext cx="0" cy="0"/>
-          <a:chOff x="0" y="0"/>
-          <a:chExt cx="0" cy="0"/>
-        </a:xfrm>
-      </p:grpSpPr>
-      <p:sp>
-        <p:nvSpPr>
-          <p:cNvPr id="2" name="Title 1"/>
-          <p:cNvSpPr>
-            <a:spLocks noGrp="1"/>
-          </p:cNvSpPr>
-          <p:nvPr>
-            <p:ph type="title"/>
-          </p:nvPr>
-        </p:nvSpPr>
-        <p:spPr/>
-        <p:txBody>
-          <a:bodyPr>
-            <a:normAutofit/>
-          </a:bodyPr>
-          <a:lstStyle/>
-          <a:p>
-            <a:r>
-              <a:rPr lang="en-US" dirty="0" smtClean="0"/>
               <a:t>tanh activation - Applications </a:t>
             </a:r>
             <a:endParaRPr lang="en-US" dirty="0"/>
@@ -33285,7 +32763,7 @@
 </p:sld>
 </file>
 
-<file path=ppt/slides/slide57.xml><?xml version="1.0" encoding="utf-8"?>
+<file path=ppt/slides/slide56.xml><?xml version="1.0" encoding="utf-8"?>
 <p:sld xmlns:a="http://schemas.openxmlformats.org/drawingml/2006/main" xmlns:r="http://schemas.openxmlformats.org/officeDocument/2006/relationships" xmlns:p="http://schemas.openxmlformats.org/presentationml/2006/main">
   <p:cSld>
     <p:spTree>
@@ -33382,7 +32860,7 @@
 </p:sld>
 </file>
 
-<file path=ppt/slides/slide58.xml><?xml version="1.0" encoding="utf-8"?>
+<file path=ppt/slides/slide57.xml><?xml version="1.0" encoding="utf-8"?>
 <p:sld xmlns:a="http://schemas.openxmlformats.org/drawingml/2006/main" xmlns:r="http://schemas.openxmlformats.org/officeDocument/2006/relationships" xmlns:p="http://schemas.openxmlformats.org/presentationml/2006/main">
   <p:cSld>
     <p:spTree>
@@ -33490,6 +32968,131 @@
 </p:sld>
 </file>
 
+<file path=ppt/slides/slide58.xml><?xml version="1.0" encoding="utf-8"?>
+<p:sld xmlns:a="http://schemas.openxmlformats.org/drawingml/2006/main" xmlns:r="http://schemas.openxmlformats.org/officeDocument/2006/relationships" xmlns:p="http://schemas.openxmlformats.org/presentationml/2006/main">
+  <p:cSld>
+    <p:spTree>
+      <p:nvGrpSpPr>
+        <p:cNvPr id="1" name=""/>
+        <p:cNvGrpSpPr/>
+        <p:nvPr/>
+      </p:nvGrpSpPr>
+      <p:grpSpPr>
+        <a:xfrm>
+          <a:off x="0" y="0"/>
+          <a:ext cx="0" cy="0"/>
+          <a:chOff x="0" y="0"/>
+          <a:chExt cx="0" cy="0"/>
+        </a:xfrm>
+      </p:grpSpPr>
+      <p:sp>
+        <p:nvSpPr>
+          <p:cNvPr id="2" name="Title 1"/>
+          <p:cNvSpPr>
+            <a:spLocks noGrp="1"/>
+          </p:cNvSpPr>
+          <p:nvPr>
+            <p:ph type="title"/>
+          </p:nvPr>
+        </p:nvSpPr>
+        <p:spPr/>
+        <p:txBody>
+          <a:bodyPr>
+            <a:normAutofit/>
+          </a:bodyPr>
+          <a:lstStyle/>
+          <a:p>
+            <a:r>
+              <a:rPr lang="en-US" dirty="0" err="1" smtClean="0"/>
+              <a:t>ReLU</a:t>
+            </a:r>
+            <a:r>
+              <a:rPr lang="en-US" dirty="0" smtClean="0"/>
+              <a:t> activation – Interpretation  </a:t>
+            </a:r>
+            <a:endParaRPr lang="en-US" dirty="0"/>
+          </a:p>
+        </p:txBody>
+      </p:sp>
+      <p:sp>
+        <p:nvSpPr>
+          <p:cNvPr id="3" name="Content Placeholder 2"/>
+          <p:cNvSpPr>
+            <a:spLocks noGrp="1"/>
+          </p:cNvSpPr>
+          <p:nvPr>
+            <p:ph idx="1"/>
+          </p:nvPr>
+        </p:nvSpPr>
+        <p:spPr/>
+        <p:txBody>
+          <a:bodyPr/>
+          <a:lstStyle/>
+          <a:p>
+            <a:r>
+              <a:rPr lang="en-US" dirty="0" err="1" smtClean="0"/>
+              <a:t>ReLU</a:t>
+            </a:r>
+            <a:r>
+              <a:rPr lang="en-US" dirty="0" smtClean="0"/>
+              <a:t>(Z) ~ Z – For Z &gt; 0 </a:t>
+            </a:r>
+          </a:p>
+          <a:p>
+            <a:r>
+              <a:rPr lang="en-US" dirty="0" err="1" smtClean="0"/>
+              <a:t>ReLU</a:t>
+            </a:r>
+            <a:r>
+              <a:rPr lang="en-US" dirty="0" smtClean="0"/>
+              <a:t>(Z) ~ 0 – For Z &lt; 0 </a:t>
+            </a:r>
+          </a:p>
+          <a:p>
+            <a:r>
+              <a:rPr lang="en-US" dirty="0" err="1" smtClean="0"/>
+              <a:t>ReLU</a:t>
+            </a:r>
+            <a:r>
+              <a:rPr lang="en-US" dirty="0" smtClean="0"/>
+              <a:t>(Z) = </a:t>
+            </a:r>
+            <a:r>
+              <a:rPr lang="en-US" dirty="0" smtClean="0">
+                <a:solidFill>
+                  <a:srgbClr val="FF0000"/>
+                </a:solidFill>
+              </a:rPr>
+              <a:t>?</a:t>
+            </a:r>
+            <a:r>
+              <a:rPr lang="en-US" dirty="0" smtClean="0"/>
+              <a:t> – For Z = 0</a:t>
+            </a:r>
+          </a:p>
+          <a:p>
+            <a:endParaRPr lang="en-US" dirty="0" smtClean="0"/>
+          </a:p>
+          <a:p>
+            <a:endParaRPr lang="en-US" dirty="0"/>
+          </a:p>
+        </p:txBody>
+      </p:sp>
+    </p:spTree>
+  </p:cSld>
+  <p:clrMapOvr>
+    <a:masterClrMapping/>
+  </p:clrMapOvr>
+  <p:timing>
+    <p:tnLst>
+      <p:par>
+        <p:cTn id="1" dur="indefinite" restart="never" nodeType="tmRoot"/>
+      </p:par>
+    </p:tnLst>
+  </p:timing>
+</p:sld>
+</file>
+
 <file path=ppt/slides/slide59.xml><?xml version="1.0" encoding="utf-8"?>
 <p:sld xmlns:a="http://schemas.openxmlformats.org/drawingml/2006/main" xmlns:r="http://schemas.openxmlformats.org/officeDocument/2006/relationships" xmlns:p="http://schemas.openxmlformats.org/presentationml/2006/main">
   <p:cSld>
@@ -33530,7 +33133,7 @@
             </a:r>
             <a:r>
               <a:rPr lang="en-US" dirty="0" smtClean="0"/>
-              <a:t> activation – Interpretation  </a:t>
+              <a:t> activation - Applications </a:t>
             </a:r>
             <a:endParaRPr lang="en-US" dirty="0"/>
           </a:p>
@@ -33552,44 +33155,14 @@
           <a:lstStyle/>
           <a:p>
             <a:r>
-              <a:rPr lang="en-US" dirty="0" err="1" smtClean="0"/>
-              <a:t>ReLU</a:t>
-            </a:r>
-            <a:r>
-              <a:rPr lang="en-US" dirty="0" smtClean="0"/>
-              <a:t>(Z) ~ Z – For Z &gt; 0 </a:t>
-            </a:r>
-          </a:p>
-          <a:p>
-            <a:r>
-              <a:rPr lang="en-US" dirty="0" err="1" smtClean="0"/>
-              <a:t>ReLU</a:t>
-            </a:r>
-            <a:r>
-              <a:rPr lang="en-US" dirty="0" smtClean="0"/>
-              <a:t>(Z) ~ 0 – For Z &lt; 0 </a:t>
-            </a:r>
-          </a:p>
-          <a:p>
-            <a:r>
-              <a:rPr lang="en-US" dirty="0" err="1" smtClean="0"/>
-              <a:t>ReLU</a:t>
-            </a:r>
-            <a:r>
-              <a:rPr lang="en-US" dirty="0" smtClean="0"/>
-              <a:t>(Z) = </a:t>
-            </a:r>
-            <a:r>
-              <a:rPr lang="en-US" dirty="0" smtClean="0">
-                <a:solidFill>
-                  <a:srgbClr val="FF0000"/>
-                </a:solidFill>
-              </a:rPr>
-              <a:t>?</a:t>
-            </a:r>
-            <a:r>
-              <a:rPr lang="en-US" dirty="0" smtClean="0"/>
-              <a:t> – For Z = 0</a:t>
+              <a:rPr lang="en-US" dirty="0" smtClean="0"/>
+              <a:t>Neural network </a:t>
+            </a:r>
+          </a:p>
+          <a:p>
+            <a:r>
+              <a:rPr lang="en-US" dirty="0" smtClean="0"/>
+              <a:t>Convolutional neural network</a:t>
             </a:r>
           </a:p>
           <a:p>
@@ -33651,7 +33224,11 @@
           <a:p>
             <a:r>
               <a:rPr lang="en-US" dirty="0" smtClean="0"/>
-              <a:t>Sigmoid function – Interpretation  </a:t>
+              <a:t>Logistic </a:t>
+            </a:r>
+            <a:r>
+              <a:rPr lang="en-US" dirty="0" smtClean="0"/>
+              <a:t>Regression</a:t>
             </a:r>
             <a:endParaRPr lang="en-US" dirty="0"/>
           </a:p>
@@ -33673,540 +33250,66 @@
           <a:lstStyle/>
           <a:p>
             <a:r>
+              <a:rPr lang="en-US" dirty="0" smtClean="0"/>
+              <a:t>Input – X  </a:t>
+            </a:r>
+          </a:p>
+          <a:p>
+            <a:pPr lvl="1"/>
+            <a:r>
+              <a:rPr lang="en-US" dirty="0" smtClean="0"/>
+              <a:t>Vector</a:t>
+            </a:r>
+          </a:p>
+          <a:p>
+            <a:pPr lvl="1"/>
+            <a:r>
+              <a:rPr lang="en-US" dirty="0" smtClean="0"/>
+              <a:t>X </a:t>
+            </a:r>
+            <a:r>
               <a:rPr lang="el-GR" dirty="0" smtClean="0"/>
-              <a:t>σ</a:t>
-            </a:r>
-            <a:r>
-              <a:rPr lang="en-US" dirty="0" smtClean="0"/>
-              <a:t>(Z) ~ 1 – For Z &gt;&gt; 0 </a:t>
-            </a:r>
-          </a:p>
-          <a:p>
-            <a:r>
-              <a:rPr lang="el-GR" dirty="0" smtClean="0"/>
-              <a:t>σ</a:t>
-            </a:r>
-            <a:r>
-              <a:rPr lang="en-US" dirty="0" smtClean="0"/>
-              <a:t>(Z) ~ 0 – For Z &lt;&lt; 0 </a:t>
-            </a:r>
-          </a:p>
-          <a:p>
-            <a:r>
-              <a:rPr lang="el-GR" dirty="0" smtClean="0"/>
-              <a:t>σ</a:t>
-            </a:r>
-            <a:r>
-              <a:rPr lang="en-US" dirty="0" smtClean="0"/>
-              <a:t>(Z) = 0.5 – For Z = 0</a:t>
-            </a:r>
-            <a:endParaRPr lang="en-US" dirty="0"/>
-          </a:p>
-        </p:txBody>
-      </p:sp>
-      <p:graphicFrame>
-        <p:nvGraphicFramePr>
-          <p:cNvPr id="5" name="Table 4"/>
-          <p:cNvGraphicFramePr>
-            <a:graphicFrameLocks noGrp="1"/>
-          </p:cNvGraphicFramePr>
-          <p:nvPr>
-            <p:extLst>
-              <p:ext uri="{D42A27DB-BD31-4B8C-83A1-F6EECF244321}">
-                <p14:modId xmlns:p14="http://schemas.microsoft.com/office/powerpoint/2010/main" xmlns="" val="3926379348"/>
-              </p:ext>
-            </p:extLst>
-          </p:nvPr>
-        </p:nvGraphicFramePr>
-        <p:xfrm>
-          <a:off x="5486400" y="1752600"/>
-          <a:ext cx="2895600" cy="3657600"/>
-        </p:xfrm>
-        <a:graphic>
-          <a:graphicData uri="http://schemas.openxmlformats.org/drawingml/2006/table">
-            <a:tbl>
-              <a:tblPr firstRow="1" bandRow="1">
-                <a:tableStyleId>{5940675A-B579-460E-94D1-54222C63F5DA}</a:tableStyleId>
-              </a:tblPr>
-              <a:tblGrid>
-                <a:gridCol w="1447800">
-                  <a:extLst>
-                    <a:ext uri="{9D8B030D-6E8A-4147-A177-3AD203B41FA5}">
-                      <a16:colId xmlns:a16="http://schemas.microsoft.com/office/drawing/2014/main" xmlns="" val="20000"/>
-                    </a:ext>
-                  </a:extLst>
-                </a:gridCol>
-                <a:gridCol w="1447800">
-                  <a:extLst>
-                    <a:ext uri="{9D8B030D-6E8A-4147-A177-3AD203B41FA5}">
-                      <a16:colId xmlns:a16="http://schemas.microsoft.com/office/drawing/2014/main" xmlns="" val="20001"/>
-                    </a:ext>
-                  </a:extLst>
-                </a:gridCol>
-              </a:tblGrid>
-              <a:tr h="298873">
-                <a:tc>
-                  <a:txBody>
-                    <a:bodyPr/>
-                    <a:lstStyle/>
-                    <a:p>
-                      <a:pPr algn="ctr"/>
-                      <a:r>
-                        <a:rPr lang="en-US" b="1" dirty="0" smtClean="0"/>
-                        <a:t>Z</a:t>
-                      </a:r>
-                      <a:endParaRPr lang="en-US" b="1" dirty="0"/>
-                    </a:p>
-                  </a:txBody>
-                  <a:tcPr/>
-                </a:tc>
-                <a:tc>
-                  <a:txBody>
-                    <a:bodyPr/>
-                    <a:lstStyle/>
-                    <a:p>
-                      <a:pPr algn="ctr"/>
-                      <a:r>
-                        <a:rPr lang="el-GR" b="1" dirty="0" smtClean="0"/>
-                        <a:t>σ(</a:t>
-                      </a:r>
-                      <a:r>
-                        <a:rPr lang="en-US" b="1" dirty="0" smtClean="0"/>
-                        <a:t>Z)</a:t>
-                      </a:r>
-                      <a:endParaRPr lang="en-US" b="1" dirty="0"/>
-                    </a:p>
-                  </a:txBody>
-                  <a:tcPr/>
-                </a:tc>
-                <a:extLst>
-                  <a:ext uri="{0D108BD9-81ED-4DB2-BD59-A6C34878D82A}">
-                    <a16:rowId xmlns:a16="http://schemas.microsoft.com/office/drawing/2014/main" xmlns="" val="10000"/>
-                  </a:ext>
-                </a:extLst>
-              </a:tr>
-              <a:tr h="298873">
-                <a:tc>
-                  <a:txBody>
-                    <a:bodyPr/>
-                    <a:lstStyle/>
-                    <a:p>
-                      <a:pPr algn="ctr"/>
-                      <a:r>
-                        <a:rPr lang="en-US" b="0" dirty="0"/>
-                        <a:t>-2</a:t>
-                      </a:r>
-                    </a:p>
-                  </a:txBody>
-                  <a:tcPr/>
-                </a:tc>
-                <a:tc>
-                  <a:txBody>
-                    <a:bodyPr/>
-                    <a:lstStyle/>
-                    <a:p>
-                      <a:pPr algn="ctr"/>
-                      <a:r>
-                        <a:rPr lang="en-US" dirty="0" smtClean="0"/>
-                        <a:t>0.12</a:t>
-                      </a:r>
-                      <a:endParaRPr lang="en-US" dirty="0"/>
-                    </a:p>
-                  </a:txBody>
-                  <a:tcPr/>
-                </a:tc>
-                <a:extLst>
-                  <a:ext uri="{0D108BD9-81ED-4DB2-BD59-A6C34878D82A}">
-                    <a16:rowId xmlns:a16="http://schemas.microsoft.com/office/drawing/2014/main" xmlns="" val="10001"/>
-                  </a:ext>
-                </a:extLst>
-              </a:tr>
-              <a:tr h="298873">
-                <a:tc>
-                  <a:txBody>
-                    <a:bodyPr/>
-                    <a:lstStyle/>
-                    <a:p>
-                      <a:pPr algn="ctr"/>
-                      <a:r>
-                        <a:rPr lang="en-US" b="0" dirty="0"/>
-                        <a:t>-1.5</a:t>
-                      </a:r>
-                    </a:p>
-                  </a:txBody>
-                  <a:tcPr/>
-                </a:tc>
-                <a:tc>
-                  <a:txBody>
-                    <a:bodyPr/>
-                    <a:lstStyle/>
-                    <a:p>
-                      <a:pPr algn="ctr"/>
-                      <a:r>
-                        <a:rPr lang="en-US" dirty="0" smtClean="0"/>
-                        <a:t>0.18</a:t>
-                      </a:r>
-                      <a:endParaRPr lang="en-US" dirty="0"/>
-                    </a:p>
-                  </a:txBody>
-                  <a:tcPr/>
-                </a:tc>
-                <a:extLst>
-                  <a:ext uri="{0D108BD9-81ED-4DB2-BD59-A6C34878D82A}">
-                    <a16:rowId xmlns:a16="http://schemas.microsoft.com/office/drawing/2014/main" xmlns="" val="10002"/>
-                  </a:ext>
-                </a:extLst>
-              </a:tr>
-              <a:tr h="298873">
-                <a:tc>
-                  <a:txBody>
-                    <a:bodyPr/>
-                    <a:lstStyle/>
-                    <a:p>
-                      <a:pPr algn="ctr"/>
-                      <a:r>
-                        <a:rPr lang="en-US" b="0" dirty="0"/>
-                        <a:t>-1</a:t>
-                      </a:r>
-                    </a:p>
-                  </a:txBody>
-                  <a:tcPr/>
-                </a:tc>
-                <a:tc>
-                  <a:txBody>
-                    <a:bodyPr/>
-                    <a:lstStyle/>
-                    <a:p>
-                      <a:pPr algn="ctr"/>
-                      <a:r>
-                        <a:rPr lang="en-US" dirty="0" smtClean="0"/>
-                        <a:t>0.27</a:t>
-                      </a:r>
-                      <a:endParaRPr lang="en-US" dirty="0"/>
-                    </a:p>
-                  </a:txBody>
-                  <a:tcPr/>
-                </a:tc>
-                <a:extLst>
-                  <a:ext uri="{0D108BD9-81ED-4DB2-BD59-A6C34878D82A}">
-                    <a16:rowId xmlns:a16="http://schemas.microsoft.com/office/drawing/2014/main" xmlns="" val="10003"/>
-                  </a:ext>
-                </a:extLst>
-              </a:tr>
-              <a:tr h="298873">
-                <a:tc>
-                  <a:txBody>
-                    <a:bodyPr/>
-                    <a:lstStyle/>
-                    <a:p>
-                      <a:pPr algn="ctr"/>
-                      <a:r>
-                        <a:rPr lang="en-US" b="0" dirty="0" smtClean="0"/>
-                        <a:t>-0.5</a:t>
-                      </a:r>
-                      <a:endParaRPr lang="en-US" b="0" dirty="0"/>
-                    </a:p>
-                  </a:txBody>
-                  <a:tcPr/>
-                </a:tc>
-                <a:tc>
-                  <a:txBody>
-                    <a:bodyPr/>
-                    <a:lstStyle/>
-                    <a:p>
-                      <a:pPr algn="ctr"/>
-                      <a:r>
-                        <a:rPr lang="en-US" dirty="0" smtClean="0"/>
-                        <a:t>0.38</a:t>
-                      </a:r>
-                      <a:endParaRPr lang="en-US" dirty="0"/>
-                    </a:p>
-                  </a:txBody>
-                  <a:tcPr/>
-                </a:tc>
-                <a:extLst>
-                  <a:ext uri="{0D108BD9-81ED-4DB2-BD59-A6C34878D82A}">
-                    <a16:rowId xmlns:a16="http://schemas.microsoft.com/office/drawing/2014/main" xmlns="" val="10004"/>
-                  </a:ext>
-                </a:extLst>
-              </a:tr>
-              <a:tr h="298873">
-                <a:tc>
-                  <a:txBody>
-                    <a:bodyPr/>
-                    <a:lstStyle/>
-                    <a:p>
-                      <a:pPr algn="ctr"/>
-                      <a:r>
-                        <a:rPr lang="en-US" b="0" dirty="0"/>
-                        <a:t>0</a:t>
-                      </a:r>
-                    </a:p>
-                  </a:txBody>
-                  <a:tcPr/>
-                </a:tc>
-                <a:tc>
-                  <a:txBody>
-                    <a:bodyPr/>
-                    <a:lstStyle/>
-                    <a:p>
-                      <a:pPr algn="ctr"/>
-                      <a:r>
-                        <a:rPr lang="en-US" dirty="0" smtClean="0"/>
-                        <a:t>0.50</a:t>
-                      </a:r>
-                      <a:endParaRPr lang="en-US" dirty="0"/>
-                    </a:p>
-                  </a:txBody>
-                  <a:tcPr/>
-                </a:tc>
-                <a:extLst>
-                  <a:ext uri="{0D108BD9-81ED-4DB2-BD59-A6C34878D82A}">
-                    <a16:rowId xmlns:a16="http://schemas.microsoft.com/office/drawing/2014/main" xmlns="" val="10005"/>
-                  </a:ext>
-                </a:extLst>
-              </a:tr>
-              <a:tr h="298873">
-                <a:tc>
-                  <a:txBody>
-                    <a:bodyPr/>
-                    <a:lstStyle/>
-                    <a:p>
-                      <a:pPr algn="ctr"/>
-                      <a:r>
-                        <a:rPr lang="en-US" b="0" dirty="0" smtClean="0"/>
-                        <a:t>0.5</a:t>
-                      </a:r>
-                      <a:endParaRPr lang="en-US" b="0" dirty="0"/>
-                    </a:p>
-                  </a:txBody>
-                  <a:tcPr/>
-                </a:tc>
-                <a:tc>
-                  <a:txBody>
-                    <a:bodyPr/>
-                    <a:lstStyle/>
-                    <a:p>
-                      <a:pPr algn="ctr"/>
-                      <a:r>
-                        <a:rPr lang="en-US" dirty="0" smtClean="0"/>
-                        <a:t>0.62</a:t>
-                      </a:r>
-                      <a:endParaRPr lang="en-US" dirty="0"/>
-                    </a:p>
-                  </a:txBody>
-                  <a:tcPr/>
-                </a:tc>
-                <a:extLst>
-                  <a:ext uri="{0D108BD9-81ED-4DB2-BD59-A6C34878D82A}">
-                    <a16:rowId xmlns:a16="http://schemas.microsoft.com/office/drawing/2014/main" xmlns="" val="10006"/>
-                  </a:ext>
-                </a:extLst>
-              </a:tr>
-              <a:tr h="298873">
-                <a:tc>
-                  <a:txBody>
-                    <a:bodyPr/>
-                    <a:lstStyle/>
-                    <a:p>
-                      <a:pPr algn="ctr"/>
-                      <a:r>
-                        <a:rPr lang="en-US" b="0" dirty="0"/>
-                        <a:t>1</a:t>
-                      </a:r>
-                    </a:p>
-                  </a:txBody>
-                  <a:tcPr/>
-                </a:tc>
-                <a:tc>
-                  <a:txBody>
-                    <a:bodyPr/>
-                    <a:lstStyle/>
-                    <a:p>
-                      <a:pPr algn="ctr"/>
-                      <a:r>
-                        <a:rPr lang="en-US" dirty="0" smtClean="0"/>
-                        <a:t>0.73</a:t>
-                      </a:r>
-                      <a:endParaRPr lang="en-US" dirty="0"/>
-                    </a:p>
-                  </a:txBody>
-                  <a:tcPr/>
-                </a:tc>
-                <a:extLst>
-                  <a:ext uri="{0D108BD9-81ED-4DB2-BD59-A6C34878D82A}">
-                    <a16:rowId xmlns:a16="http://schemas.microsoft.com/office/drawing/2014/main" xmlns="" val="10007"/>
-                  </a:ext>
-                </a:extLst>
-              </a:tr>
-              <a:tr h="298873">
-                <a:tc>
-                  <a:txBody>
-                    <a:bodyPr/>
-                    <a:lstStyle/>
-                    <a:p>
-                      <a:pPr algn="ctr"/>
-                      <a:r>
-                        <a:rPr lang="en-US" b="0" dirty="0"/>
-                        <a:t>1.5</a:t>
-                      </a:r>
-                    </a:p>
-                  </a:txBody>
-                  <a:tcPr/>
-                </a:tc>
-                <a:tc>
-                  <a:txBody>
-                    <a:bodyPr/>
-                    <a:lstStyle/>
-                    <a:p>
-                      <a:pPr algn="ctr"/>
-                      <a:r>
-                        <a:rPr lang="en-US" dirty="0" smtClean="0"/>
-                        <a:t>0.82</a:t>
-                      </a:r>
-                      <a:endParaRPr lang="en-US" dirty="0"/>
-                    </a:p>
-                  </a:txBody>
-                  <a:tcPr/>
-                </a:tc>
-                <a:extLst>
-                  <a:ext uri="{0D108BD9-81ED-4DB2-BD59-A6C34878D82A}">
-                    <a16:rowId xmlns:a16="http://schemas.microsoft.com/office/drawing/2014/main" xmlns="" val="10008"/>
-                  </a:ext>
-                </a:extLst>
-              </a:tr>
-              <a:tr h="298873">
-                <a:tc>
-                  <a:txBody>
-                    <a:bodyPr/>
-                    <a:lstStyle/>
-                    <a:p>
-                      <a:pPr algn="ctr"/>
-                      <a:r>
-                        <a:rPr lang="en-US" b="0" dirty="0"/>
-                        <a:t>2</a:t>
-                      </a:r>
-                    </a:p>
-                  </a:txBody>
-                  <a:tcPr/>
-                </a:tc>
-                <a:tc>
-                  <a:txBody>
-                    <a:bodyPr/>
-                    <a:lstStyle/>
-                    <a:p>
-                      <a:pPr algn="ctr"/>
-                      <a:r>
-                        <a:rPr lang="en-US" dirty="0" smtClean="0"/>
-                        <a:t>0.88</a:t>
-                      </a:r>
-                      <a:endParaRPr lang="en-US" dirty="0"/>
-                    </a:p>
-                  </a:txBody>
-                  <a:tcPr/>
-                </a:tc>
-                <a:extLst>
-                  <a:ext uri="{0D108BD9-81ED-4DB2-BD59-A6C34878D82A}">
-                    <a16:rowId xmlns:a16="http://schemas.microsoft.com/office/drawing/2014/main" xmlns="" val="10009"/>
-                  </a:ext>
-                </a:extLst>
-              </a:tr>
-            </a:tbl>
-          </a:graphicData>
-        </a:graphic>
-      </p:graphicFrame>
-    </p:spTree>
-  </p:cSld>
-  <p:clrMapOvr>
-    <a:masterClrMapping/>
-  </p:clrMapOvr>
-  <p:timing>
-    <p:tnLst>
-      <p:par>
-        <p:cTn id="1" dur="indefinite" restart="never" nodeType="tmRoot"/>
-      </p:par>
-    </p:tnLst>
-  </p:timing>
-</p:sld>
-</file>
-
-<file path=ppt/slides/slide60.xml><?xml version="1.0" encoding="utf-8"?>
-<p:sld xmlns:a="http://schemas.openxmlformats.org/drawingml/2006/main" xmlns:r="http://schemas.openxmlformats.org/officeDocument/2006/relationships" xmlns:p="http://schemas.openxmlformats.org/presentationml/2006/main">
-  <p:cSld>
-    <p:spTree>
-      <p:nvGrpSpPr>
-        <p:cNvPr id="1" name=""/>
-        <p:cNvGrpSpPr/>
-        <p:nvPr/>
-      </p:nvGrpSpPr>
-      <p:grpSpPr>
-        <a:xfrm>
-          <a:off x="0" y="0"/>
-          <a:ext cx="0" cy="0"/>
-          <a:chOff x="0" y="0"/>
-          <a:chExt cx="0" cy="0"/>
-        </a:xfrm>
-      </p:grpSpPr>
-      <p:sp>
-        <p:nvSpPr>
-          <p:cNvPr id="2" name="Title 1"/>
-          <p:cNvSpPr>
-            <a:spLocks noGrp="1"/>
-          </p:cNvSpPr>
-          <p:nvPr>
-            <p:ph type="title"/>
-          </p:nvPr>
-        </p:nvSpPr>
-        <p:spPr/>
-        <p:txBody>
-          <a:bodyPr>
-            <a:normAutofit/>
-          </a:bodyPr>
-          <a:lstStyle/>
-          <a:p>
-            <a:r>
-              <a:rPr lang="en-US" dirty="0" err="1" smtClean="0"/>
-              <a:t>ReLU</a:t>
-            </a:r>
-            <a:r>
-              <a:rPr lang="en-US" dirty="0" smtClean="0"/>
-              <a:t> activation - Applications </a:t>
-            </a:r>
-            <a:endParaRPr lang="en-US" dirty="0"/>
-          </a:p>
-        </p:txBody>
-      </p:sp>
-      <p:sp>
-        <p:nvSpPr>
-          <p:cNvPr id="3" name="Content Placeholder 2"/>
-          <p:cNvSpPr>
-            <a:spLocks noGrp="1"/>
-          </p:cNvSpPr>
-          <p:nvPr>
-            <p:ph idx="1"/>
-          </p:nvPr>
-        </p:nvSpPr>
-        <p:spPr/>
-        <p:txBody>
-          <a:bodyPr/>
-          <a:lstStyle/>
-          <a:p>
-            <a:r>
-              <a:rPr lang="en-US" dirty="0" smtClean="0"/>
-              <a:t>Neural network </a:t>
-            </a:r>
-          </a:p>
-          <a:p>
-            <a:r>
-              <a:rPr lang="en-US" dirty="0" smtClean="0"/>
-              <a:t>Convolutional neural network</a:t>
-            </a:r>
-          </a:p>
-          <a:p>
-            <a:endParaRPr lang="en-US" dirty="0" smtClean="0"/>
-          </a:p>
-          <a:p>
-            <a:endParaRPr lang="en-US" dirty="0"/>
+              <a:t>ε</a:t>
+            </a:r>
+            <a:r>
+              <a:rPr lang="en-US" dirty="0" smtClean="0"/>
+              <a:t> R</a:t>
+            </a:r>
+          </a:p>
+          <a:p>
+            <a:pPr lvl="1"/>
+            <a:r>
+              <a:rPr lang="en-US" dirty="0" smtClean="0"/>
+              <a:t>Dimension – n</a:t>
+            </a:r>
+            <a:r>
+              <a:rPr lang="en-US" baseline="-25000" dirty="0" smtClean="0"/>
+              <a:t>X </a:t>
+            </a:r>
+          </a:p>
+          <a:p>
+            <a:r>
+              <a:rPr lang="en-US" dirty="0" smtClean="0"/>
+              <a:t>Output – ŷ </a:t>
+            </a:r>
+          </a:p>
+          <a:p>
+            <a:pPr lvl="1"/>
+            <a:r>
+              <a:rPr lang="en-US" dirty="0" smtClean="0"/>
+              <a:t>Scalar</a:t>
+            </a:r>
+          </a:p>
+          <a:p>
+            <a:pPr lvl="1"/>
+            <a:r>
+              <a:rPr lang="en-US" dirty="0" smtClean="0"/>
+              <a:t>0 &lt;= ŷ &lt;= 1.0</a:t>
+            </a:r>
+          </a:p>
+          <a:p>
+            <a:pPr lvl="1"/>
+            <a:endParaRPr lang="en-US" baseline="-25000" dirty="0"/>
           </a:p>
         </p:txBody>
       </p:sp>
@@ -34225,7 +33328,7 @@
 </p:sld>
 </file>
 
-<file path=ppt/slides/slide61.xml><?xml version="1.0" encoding="utf-8"?>
+<file path=ppt/slides/slide60.xml><?xml version="1.0" encoding="utf-8"?>
 <p:sld xmlns:a="http://schemas.openxmlformats.org/drawingml/2006/main" xmlns:r="http://schemas.openxmlformats.org/officeDocument/2006/relationships" xmlns:p="http://schemas.openxmlformats.org/presentationml/2006/main">
   <p:cSld>
     <p:spTree>
@@ -34326,7 +33429,7 @@
 </p:sld>
 </file>
 
-<file path=ppt/slides/slide62.xml><?xml version="1.0" encoding="utf-8"?>
+<file path=ppt/slides/slide61.xml><?xml version="1.0" encoding="utf-8"?>
 <p:sld xmlns:a="http://schemas.openxmlformats.org/drawingml/2006/main" xmlns:r="http://schemas.openxmlformats.org/officeDocument/2006/relationships" xmlns:p="http://schemas.openxmlformats.org/presentationml/2006/main">
   <p:cSld>
     <p:spTree>
@@ -34438,6 +33541,147 @@
 </p:sld>
 </file>
 
+<file path=ppt/slides/slide62.xml><?xml version="1.0" encoding="utf-8"?>
+<p:sld xmlns:a="http://schemas.openxmlformats.org/drawingml/2006/main" xmlns:r="http://schemas.openxmlformats.org/officeDocument/2006/relationships" xmlns:p="http://schemas.openxmlformats.org/presentationml/2006/main">
+  <p:cSld>
+    <p:spTree>
+      <p:nvGrpSpPr>
+        <p:cNvPr id="1" name=""/>
+        <p:cNvGrpSpPr/>
+        <p:nvPr/>
+      </p:nvGrpSpPr>
+      <p:grpSpPr>
+        <a:xfrm>
+          <a:off x="0" y="0"/>
+          <a:ext cx="0" cy="0"/>
+          <a:chOff x="0" y="0"/>
+          <a:chExt cx="0" cy="0"/>
+        </a:xfrm>
+      </p:grpSpPr>
+      <p:sp>
+        <p:nvSpPr>
+          <p:cNvPr id="2" name="Title 1"/>
+          <p:cNvSpPr>
+            <a:spLocks noGrp="1"/>
+          </p:cNvSpPr>
+          <p:nvPr>
+            <p:ph type="title"/>
+          </p:nvPr>
+        </p:nvSpPr>
+        <p:spPr/>
+        <p:txBody>
+          <a:bodyPr>
+            <a:normAutofit fontScale="90000"/>
+          </a:bodyPr>
+          <a:lstStyle/>
+          <a:p>
+            <a:r>
+              <a:rPr lang="en-US" dirty="0" smtClean="0"/>
+              <a:t>Leaky </a:t>
+            </a:r>
+            <a:r>
+              <a:rPr lang="en-US" dirty="0" err="1" smtClean="0"/>
+              <a:t>ReLU</a:t>
+            </a:r>
+            <a:r>
+              <a:rPr lang="en-US" dirty="0" smtClean="0"/>
+              <a:t> activation – Interpretation  </a:t>
+            </a:r>
+            <a:endParaRPr lang="en-US" dirty="0"/>
+          </a:p>
+        </p:txBody>
+      </p:sp>
+      <p:sp>
+        <p:nvSpPr>
+          <p:cNvPr id="3" name="Content Placeholder 2"/>
+          <p:cNvSpPr>
+            <a:spLocks noGrp="1"/>
+          </p:cNvSpPr>
+          <p:nvPr>
+            <p:ph idx="1"/>
+          </p:nvPr>
+        </p:nvSpPr>
+        <p:spPr/>
+        <p:txBody>
+          <a:bodyPr/>
+          <a:lstStyle/>
+          <a:p>
+            <a:r>
+              <a:rPr lang="en-US" dirty="0" smtClean="0"/>
+              <a:t>Leaky </a:t>
+            </a:r>
+            <a:r>
+              <a:rPr lang="en-US" dirty="0" err="1" smtClean="0"/>
+              <a:t>ReLU</a:t>
+            </a:r>
+            <a:r>
+              <a:rPr lang="en-US" dirty="0" smtClean="0"/>
+              <a:t>(Z) ~ Z – For Z &gt; 0 </a:t>
+            </a:r>
+          </a:p>
+          <a:p>
+            <a:r>
+              <a:rPr lang="en-US" dirty="0" smtClean="0"/>
+              <a:t>Leaky </a:t>
+            </a:r>
+            <a:r>
+              <a:rPr lang="en-US" dirty="0" err="1" smtClean="0"/>
+              <a:t>ReLU</a:t>
+            </a:r>
+            <a:r>
+              <a:rPr lang="en-US" dirty="0" smtClean="0"/>
+              <a:t>(Z) ~ 0.01 * Z – For Z &lt; 0 </a:t>
+            </a:r>
+          </a:p>
+          <a:p>
+            <a:r>
+              <a:rPr lang="en-US" dirty="0" smtClean="0"/>
+              <a:t>Leaky </a:t>
+            </a:r>
+            <a:r>
+              <a:rPr lang="en-US" dirty="0" err="1" smtClean="0"/>
+              <a:t>ReLU</a:t>
+            </a:r>
+            <a:r>
+              <a:rPr lang="en-US" dirty="0" smtClean="0"/>
+              <a:t>(Z) = </a:t>
+            </a:r>
+            <a:r>
+              <a:rPr lang="en-US" dirty="0" smtClean="0">
+                <a:solidFill>
+                  <a:srgbClr val="FF0000"/>
+                </a:solidFill>
+              </a:rPr>
+              <a:t>?</a:t>
+            </a:r>
+            <a:r>
+              <a:rPr lang="en-US" dirty="0" smtClean="0"/>
+              <a:t> – For Z = 0</a:t>
+            </a:r>
+          </a:p>
+          <a:p>
+            <a:endParaRPr lang="en-US" dirty="0" smtClean="0"/>
+          </a:p>
+          <a:p>
+            <a:endParaRPr lang="en-US" dirty="0"/>
+          </a:p>
+        </p:txBody>
+      </p:sp>
+    </p:spTree>
+  </p:cSld>
+  <p:clrMapOvr>
+    <a:masterClrMapping/>
+  </p:clrMapOvr>
+  <p:timing>
+    <p:tnLst>
+      <p:par>
+        <p:cTn id="1" dur="indefinite" restart="never" nodeType="tmRoot"/>
+      </p:par>
+    </p:tnLst>
+  </p:timing>
+</p:sld>
+</file>
+
 <file path=ppt/slides/slide63.xml><?xml version="1.0" encoding="utf-8"?>
 <p:sld xmlns:a="http://schemas.openxmlformats.org/drawingml/2006/main" xmlns:r="http://schemas.openxmlformats.org/officeDocument/2006/relationships" xmlns:p="http://schemas.openxmlformats.org/presentationml/2006/main">
   <p:cSld>
@@ -34482,7 +33726,7 @@
             </a:r>
             <a:r>
               <a:rPr lang="en-US" dirty="0" smtClean="0"/>
-              <a:t> activation – Interpretation  </a:t>
+              <a:t> activation - Applications </a:t>
             </a:r>
             <a:endParaRPr lang="en-US" dirty="0"/>
           </a:p>
@@ -34505,55 +33749,13 @@
           <a:p>
             <a:r>
               <a:rPr lang="en-US" dirty="0" smtClean="0"/>
-              <a:t>Leaky </a:t>
-            </a:r>
-            <a:r>
-              <a:rPr lang="en-US" dirty="0" err="1" smtClean="0"/>
-              <a:t>ReLU</a:t>
-            </a:r>
-            <a:r>
-              <a:rPr lang="en-US" dirty="0" smtClean="0"/>
-              <a:t>(Z) ~ Z – For Z &gt; 0 </a:t>
-            </a:r>
-          </a:p>
-          <a:p>
-            <a:r>
-              <a:rPr lang="en-US" dirty="0" smtClean="0"/>
-              <a:t>Leaky </a:t>
-            </a:r>
-            <a:r>
-              <a:rPr lang="en-US" dirty="0" err="1" smtClean="0"/>
-              <a:t>ReLU</a:t>
-            </a:r>
-            <a:r>
-              <a:rPr lang="en-US" dirty="0" smtClean="0"/>
-              <a:t>(Z) ~ 0.01 * Z – For Z &lt; 0 </a:t>
-            </a:r>
-          </a:p>
-          <a:p>
-            <a:r>
-              <a:rPr lang="en-US" dirty="0" smtClean="0"/>
-              <a:t>Leaky </a:t>
-            </a:r>
-            <a:r>
-              <a:rPr lang="en-US" dirty="0" err="1" smtClean="0"/>
-              <a:t>ReLU</a:t>
-            </a:r>
-            <a:r>
-              <a:rPr lang="en-US" dirty="0" smtClean="0"/>
-              <a:t>(Z) = </a:t>
-            </a:r>
-            <a:r>
-              <a:rPr lang="en-US" dirty="0" smtClean="0">
-                <a:solidFill>
-                  <a:srgbClr val="FF0000"/>
-                </a:solidFill>
-              </a:rPr>
-              <a:t>?</a:t>
-            </a:r>
-            <a:r>
-              <a:rPr lang="en-US" dirty="0" smtClean="0"/>
-              <a:t> – For Z = 0</a:t>
+              <a:t>Neural network </a:t>
+            </a:r>
+          </a:p>
+          <a:p>
+            <a:r>
+              <a:rPr lang="en-US" dirty="0" smtClean="0"/>
+              <a:t>Convolutional neural network</a:t>
             </a:r>
           </a:p>
           <a:p>
@@ -34580,105 +33782,6 @@
 </file>
 
 <file path=ppt/slides/slide64.xml><?xml version="1.0" encoding="utf-8"?>
-<p:sld xmlns:a="http://schemas.openxmlformats.org/drawingml/2006/main" xmlns:r="http://schemas.openxmlformats.org/officeDocument/2006/relationships" xmlns:p="http://schemas.openxmlformats.org/presentationml/2006/main">
-  <p:cSld>
-    <p:spTree>
-      <p:nvGrpSpPr>
-        <p:cNvPr id="1" name=""/>
-        <p:cNvGrpSpPr/>
-        <p:nvPr/>
-      </p:nvGrpSpPr>
-      <p:grpSpPr>
-        <a:xfrm>
-          <a:off x="0" y="0"/>
-          <a:ext cx="0" cy="0"/>
-          <a:chOff x="0" y="0"/>
-          <a:chExt cx="0" cy="0"/>
-        </a:xfrm>
-      </p:grpSpPr>
-      <p:sp>
-        <p:nvSpPr>
-          <p:cNvPr id="2" name="Title 1"/>
-          <p:cNvSpPr>
-            <a:spLocks noGrp="1"/>
-          </p:cNvSpPr>
-          <p:nvPr>
-            <p:ph type="title"/>
-          </p:nvPr>
-        </p:nvSpPr>
-        <p:spPr/>
-        <p:txBody>
-          <a:bodyPr>
-            <a:normAutofit fontScale="90000"/>
-          </a:bodyPr>
-          <a:lstStyle/>
-          <a:p>
-            <a:r>
-              <a:rPr lang="en-US" dirty="0" smtClean="0"/>
-              <a:t>Leaky </a:t>
-            </a:r>
-            <a:r>
-              <a:rPr lang="en-US" dirty="0" err="1" smtClean="0"/>
-              <a:t>ReLU</a:t>
-            </a:r>
-            <a:r>
-              <a:rPr lang="en-US" dirty="0" smtClean="0"/>
-              <a:t> activation - Applications </a:t>
-            </a:r>
-            <a:endParaRPr lang="en-US" dirty="0"/>
-          </a:p>
-        </p:txBody>
-      </p:sp>
-      <p:sp>
-        <p:nvSpPr>
-          <p:cNvPr id="3" name="Content Placeholder 2"/>
-          <p:cNvSpPr>
-            <a:spLocks noGrp="1"/>
-          </p:cNvSpPr>
-          <p:nvPr>
-            <p:ph idx="1"/>
-          </p:nvPr>
-        </p:nvSpPr>
-        <p:spPr/>
-        <p:txBody>
-          <a:bodyPr/>
-          <a:lstStyle/>
-          <a:p>
-            <a:r>
-              <a:rPr lang="en-US" dirty="0" smtClean="0"/>
-              <a:t>Neural network </a:t>
-            </a:r>
-          </a:p>
-          <a:p>
-            <a:r>
-              <a:rPr lang="en-US" dirty="0" smtClean="0"/>
-              <a:t>Convolutional neural network</a:t>
-            </a:r>
-          </a:p>
-          <a:p>
-            <a:endParaRPr lang="en-US" dirty="0" smtClean="0"/>
-          </a:p>
-          <a:p>
-            <a:endParaRPr lang="en-US" dirty="0"/>
-          </a:p>
-        </p:txBody>
-      </p:sp>
-    </p:spTree>
-  </p:cSld>
-  <p:clrMapOvr>
-    <a:masterClrMapping/>
-  </p:clrMapOvr>
-  <p:timing>
-    <p:tnLst>
-      <p:par>
-        <p:cTn id="1" dur="indefinite" restart="never" nodeType="tmRoot"/>
-      </p:par>
-    </p:tnLst>
-  </p:timing>
-</p:sld>
-</file>
-
-<file path=ppt/slides/slide65.xml><?xml version="1.0" encoding="utf-8"?>
 <p:sld xmlns:a="http://schemas.openxmlformats.org/drawingml/2006/main" xmlns:r="http://schemas.openxmlformats.org/officeDocument/2006/relationships" xmlns:p="http://schemas.openxmlformats.org/presentationml/2006/main">
   <p:cSld>
     <p:spTree>
@@ -34783,7 +33886,7 @@
 </p:sld>
 </file>
 
-<file path=ppt/slides/slide66.xml><?xml version="1.0" encoding="utf-8"?>
+<file path=ppt/slides/slide65.xml><?xml version="1.0" encoding="utf-8"?>
 <p:sld xmlns:a="http://schemas.openxmlformats.org/drawingml/2006/main" xmlns:r="http://schemas.openxmlformats.org/officeDocument/2006/relationships" xmlns:p="http://schemas.openxmlformats.org/presentationml/2006/main">
   <p:cSld>
     <p:spTree>
@@ -34891,13 +33994,17 @@
         <p:spPr/>
         <p:txBody>
           <a:bodyPr>
-            <a:normAutofit fontScale="90000"/>
+            <a:normAutofit/>
           </a:bodyPr>
           <a:lstStyle/>
           <a:p>
             <a:r>
               <a:rPr lang="en-US" dirty="0" smtClean="0"/>
-              <a:t>Logistic regression – Input &amp; output </a:t>
+              <a:t>Linear </a:t>
+            </a:r>
+            <a:r>
+              <a:rPr lang="en-US" dirty="0" smtClean="0"/>
+              <a:t>Regression</a:t>
             </a:r>
             <a:endParaRPr lang="en-US" dirty="0"/>
           </a:p>
@@ -34915,12 +34022,14 @@
         </p:nvSpPr>
         <p:spPr/>
         <p:txBody>
-          <a:bodyPr/>
+          <a:bodyPr>
+            <a:normAutofit/>
+          </a:bodyPr>
           <a:lstStyle/>
           <a:p>
             <a:r>
               <a:rPr lang="en-US" dirty="0" smtClean="0"/>
-              <a:t>Input – X  </a:t>
+              <a:t>Weights – W  </a:t>
             </a:r>
           </a:p>
           <a:p>
@@ -34934,7 +34043,7 @@
             <a:pPr lvl="1"/>
             <a:r>
               <a:rPr lang="en-US" dirty="0" smtClean="0"/>
-              <a:t>X </a:t>
+              <a:t>W </a:t>
             </a:r>
             <a:r>
               <a:rPr lang="el-GR" dirty="0" smtClean="0"/>
@@ -34959,7 +34068,7 @@
           <a:p>
             <a:r>
               <a:rPr lang="en-US" dirty="0" smtClean="0"/>
-              <a:t>Output – ŷ </a:t>
+              <a:t>Bias – b  </a:t>
             </a:r>
           </a:p>
           <a:p>
@@ -34973,11 +34082,30 @@
             <a:pPr lvl="1"/>
             <a:r>
               <a:rPr lang="en-US" dirty="0" smtClean="0"/>
-              <a:t>0 &lt;= ŷ &lt;= 1.0</a:t>
-            </a:r>
-          </a:p>
-          <a:p>
-            <a:pPr lvl="1"/>
+              <a:t>b </a:t>
+            </a:r>
+            <a:r>
+              <a:rPr lang="el-GR" dirty="0" smtClean="0"/>
+              <a:t>ε </a:t>
+            </a:r>
+            <a:r>
+              <a:rPr lang="en-US" dirty="0" smtClean="0"/>
+              <a:t>R</a:t>
+            </a:r>
+          </a:p>
+          <a:p>
+            <a:r>
+              <a:rPr lang="en-US" dirty="0" smtClean="0"/>
+              <a:t>y = W</a:t>
+            </a:r>
+            <a:r>
+              <a:rPr lang="en-US" baseline="30000" dirty="0" smtClean="0"/>
+              <a:t>T</a:t>
+            </a:r>
+            <a:r>
+              <a:rPr lang="en-US" dirty="0" smtClean="0"/>
+              <a:t>X + b</a:t>
+            </a:r>
             <a:endParaRPr lang="en-US" baseline="-25000" dirty="0"/>
           </a:p>
         </p:txBody>
@@ -35033,7 +34161,11 @@
           <a:p>
             <a:r>
               <a:rPr lang="en-US" dirty="0" smtClean="0"/>
-              <a:t>Linear regression – Equation  </a:t>
+              <a:t>Logistic </a:t>
+            </a:r>
+            <a:r>
+              <a:rPr lang="en-US" dirty="0" smtClean="0"/>
+              <a:t>Regression</a:t>
             </a:r>
             <a:endParaRPr lang="en-US" dirty="0"/>
           </a:p>
@@ -35139,6 +34271,41 @@
           </a:p>
         </p:txBody>
       </p:sp>
+      <p:cxnSp>
+        <p:nvCxnSpPr>
+          <p:cNvPr id="5" name="Straight Connector 4"/>
+          <p:cNvCxnSpPr/>
+          <p:nvPr/>
+        </p:nvCxnSpPr>
+        <p:spPr>
+          <a:xfrm>
+            <a:off x="762000" y="5638800"/>
+            <a:ext cx="2133600" cy="1588"/>
+          </a:xfrm>
+          <a:prstGeom prst="line">
+            <a:avLst/>
+          </a:prstGeom>
+          <a:ln w="25400">
+            <a:solidFill>
+              <a:srgbClr val="FF0000"/>
+            </a:solidFill>
+          </a:ln>
+        </p:spPr>
+        <p:style>
+          <a:lnRef idx="1">
+            <a:schemeClr val="accent1"/>
+          </a:lnRef>
+          <a:fillRef idx="0">
+            <a:schemeClr val="accent1"/>
+          </a:fillRef>
+          <a:effectRef idx="0">
+            <a:schemeClr val="accent1"/>
+          </a:effectRef>
+          <a:fontRef idx="minor">
+            <a:schemeClr val="tx1"/>
+          </a:fontRef>
+        </p:style>
+      </p:cxnSp>
     </p:spTree>
   </p:cSld>
   <p:clrMapOvr>
@@ -35190,7 +34357,11 @@
           <a:p>
             <a:r>
               <a:rPr lang="en-US" dirty="0" smtClean="0"/>
-              <a:t>Logistic regression – Equation  </a:t>
+              <a:t>Logistic </a:t>
+            </a:r>
+            <a:r>
+              <a:rPr lang="en-US" dirty="0" smtClean="0"/>
+              <a:t>Regression</a:t>
             </a:r>
             <a:endParaRPr lang="en-US" dirty="0"/>
           </a:p>
@@ -35206,10 +34377,15 @@
             <p:ph idx="1"/>
           </p:nvPr>
         </p:nvSpPr>
-        <p:spPr/>
+        <p:spPr>
+          <a:xfrm>
+            <a:off x="457200" y="1600200"/>
+            <a:ext cx="8077200" cy="4525963"/>
+          </a:xfrm>
+        </p:spPr>
         <p:txBody>
           <a:bodyPr>
-            <a:normAutofit/>
+            <a:normAutofit fontScale="92500" lnSpcReduction="10000"/>
           </a:bodyPr>
           <a:lstStyle/>
           <a:p>
@@ -35281,56 +34457,620 @@
           </a:p>
           <a:p>
             <a:r>
-              <a:rPr lang="en-US" dirty="0" smtClean="0"/>
-              <a:t>y = W</a:t>
-            </a:r>
-            <a:r>
-              <a:rPr lang="en-US" baseline="30000" dirty="0" smtClean="0"/>
+              <a:rPr lang="en-US" dirty="0" smtClean="0">
+                <a:solidFill>
+                  <a:srgbClr val="00B050"/>
+                </a:solidFill>
+              </a:rPr>
+              <a:t>Z = W</a:t>
+            </a:r>
+            <a:r>
+              <a:rPr lang="en-US" baseline="30000" dirty="0" smtClean="0">
+                <a:solidFill>
+                  <a:srgbClr val="00B050"/>
+                </a:solidFill>
+              </a:rPr>
               <a:t>T</a:t>
             </a:r>
             <a:r>
-              <a:rPr lang="en-US" dirty="0" smtClean="0"/>
+              <a:rPr lang="en-US" dirty="0" smtClean="0">
+                <a:solidFill>
+                  <a:srgbClr val="00B050"/>
+                </a:solidFill>
+              </a:rPr>
               <a:t>X + b</a:t>
             </a:r>
+          </a:p>
+          <a:p>
+            <a:r>
+              <a:rPr lang="en-US" dirty="0" smtClean="0">
+                <a:solidFill>
+                  <a:srgbClr val="00B050"/>
+                </a:solidFill>
+              </a:rPr>
+              <a:t>ŷ = </a:t>
+            </a:r>
+            <a:r>
+              <a:rPr lang="el-GR" dirty="0" smtClean="0">
+                <a:solidFill>
+                  <a:srgbClr val="00B050"/>
+                </a:solidFill>
+              </a:rPr>
+              <a:t>σ</a:t>
+            </a:r>
+            <a:r>
+              <a:rPr lang="en-US" dirty="0" smtClean="0">
+                <a:solidFill>
+                  <a:srgbClr val="00B050"/>
+                </a:solidFill>
+              </a:rPr>
+              <a:t>(Z)</a:t>
+            </a:r>
+            <a:r>
+              <a:rPr lang="en-US" dirty="0" smtClean="0"/>
+              <a:t> </a:t>
+            </a:r>
+            <a:r>
+              <a:rPr lang="en-US" dirty="0" smtClean="0">
+                <a:solidFill>
+                  <a:srgbClr val="00B050"/>
+                </a:solidFill>
+              </a:rPr>
+              <a:t>– Activation (sigmoid) function</a:t>
+            </a:r>
+          </a:p>
+          <a:p>
             <a:endParaRPr lang="en-US" baseline="-25000" dirty="0"/>
           </a:p>
         </p:txBody>
       </p:sp>
-      <p:cxnSp>
-        <p:nvCxnSpPr>
-          <p:cNvPr id="5" name="Straight Connector 4"/>
-          <p:cNvCxnSpPr/>
+      <p:grpSp>
+        <p:nvGrpSpPr>
+          <p:cNvPr id="43" name="Group 42"/>
+          <p:cNvGrpSpPr/>
           <p:nvPr/>
-        </p:nvCxnSpPr>
-        <p:spPr>
+        </p:nvGrpSpPr>
+        <p:grpSpPr>
           <a:xfrm>
-            <a:off x="762000" y="5638800"/>
-            <a:ext cx="2133600" cy="1588"/>
+            <a:off x="5003460" y="2129135"/>
+            <a:ext cx="3759540" cy="2290465"/>
+            <a:chOff x="1752600" y="2057400"/>
+            <a:chExt cx="3759540" cy="2290465"/>
           </a:xfrm>
-          <a:prstGeom prst="line">
-            <a:avLst/>
-          </a:prstGeom>
-          <a:ln w="25400">
-            <a:solidFill>
-              <a:srgbClr val="FF0000"/>
-            </a:solidFill>
-          </a:ln>
-        </p:spPr>
-        <p:style>
-          <a:lnRef idx="1">
-            <a:schemeClr val="accent1"/>
-          </a:lnRef>
-          <a:fillRef idx="0">
-            <a:schemeClr val="accent1"/>
-          </a:fillRef>
-          <a:effectRef idx="0">
-            <a:schemeClr val="accent1"/>
-          </a:effectRef>
-          <a:fontRef idx="minor">
-            <a:schemeClr val="tx1"/>
-          </a:fontRef>
-        </p:style>
-      </p:cxnSp>
+        </p:grpSpPr>
+        <p:sp>
+          <p:nvSpPr>
+            <p:cNvPr id="44" name="TextBox 43"/>
+            <p:cNvSpPr txBox="1"/>
+            <p:nvPr/>
+          </p:nvSpPr>
+          <p:spPr>
+            <a:xfrm>
+              <a:off x="1752600" y="2057400"/>
+              <a:ext cx="429926" cy="461665"/>
+            </a:xfrm>
+            <a:prstGeom prst="rect">
+              <a:avLst/>
+            </a:prstGeom>
+            <a:noFill/>
+          </p:spPr>
+          <p:txBody>
+            <a:bodyPr wrap="none" rtlCol="0">
+              <a:spAutoFit/>
+            </a:bodyPr>
+            <a:lstStyle/>
+            <a:p>
+              <a:r>
+                <a:rPr lang="en-US" sz="2400" b="1" dirty="0" smtClean="0"/>
+                <a:t>x</a:t>
+              </a:r>
+              <a:r>
+                <a:rPr lang="en-US" sz="2400" b="1" baseline="-25000" dirty="0" smtClean="0"/>
+                <a:t>1</a:t>
+              </a:r>
+              <a:endParaRPr lang="en-US" sz="2400" b="1" baseline="-25000" dirty="0"/>
+            </a:p>
+          </p:txBody>
+        </p:sp>
+        <p:sp>
+          <p:nvSpPr>
+            <p:cNvPr id="45" name="TextBox 44"/>
+            <p:cNvSpPr txBox="1"/>
+            <p:nvPr/>
+          </p:nvSpPr>
+          <p:spPr>
+            <a:xfrm>
+              <a:off x="1752600" y="3048000"/>
+              <a:ext cx="429926" cy="461665"/>
+            </a:xfrm>
+            <a:prstGeom prst="rect">
+              <a:avLst/>
+            </a:prstGeom>
+            <a:noFill/>
+          </p:spPr>
+          <p:txBody>
+            <a:bodyPr wrap="none" rtlCol="0">
+              <a:spAutoFit/>
+            </a:bodyPr>
+            <a:lstStyle/>
+            <a:p>
+              <a:r>
+                <a:rPr lang="en-US" sz="2400" b="1" dirty="0" smtClean="0"/>
+                <a:t>x</a:t>
+              </a:r>
+              <a:r>
+                <a:rPr lang="en-US" sz="2400" b="1" baseline="-25000" dirty="0" smtClean="0"/>
+                <a:t>2</a:t>
+              </a:r>
+              <a:endParaRPr lang="en-US" sz="2400" b="1" baseline="-25000" dirty="0"/>
+            </a:p>
+          </p:txBody>
+        </p:sp>
+        <p:sp>
+          <p:nvSpPr>
+            <p:cNvPr id="46" name="TextBox 45"/>
+            <p:cNvSpPr txBox="1"/>
+            <p:nvPr/>
+          </p:nvSpPr>
+          <p:spPr>
+            <a:xfrm>
+              <a:off x="1752600" y="3886200"/>
+              <a:ext cx="429926" cy="461665"/>
+            </a:xfrm>
+            <a:prstGeom prst="rect">
+              <a:avLst/>
+            </a:prstGeom>
+            <a:noFill/>
+          </p:spPr>
+          <p:txBody>
+            <a:bodyPr wrap="none" rtlCol="0">
+              <a:spAutoFit/>
+            </a:bodyPr>
+            <a:lstStyle/>
+            <a:p>
+              <a:r>
+                <a:rPr lang="en-US" sz="2400" b="1" dirty="0" smtClean="0"/>
+                <a:t>x</a:t>
+              </a:r>
+              <a:r>
+                <a:rPr lang="en-US" sz="2400" b="1" baseline="-25000" dirty="0" smtClean="0"/>
+                <a:t>3</a:t>
+              </a:r>
+              <a:endParaRPr lang="en-US" sz="2400" b="1" baseline="-25000" dirty="0"/>
+            </a:p>
+          </p:txBody>
+        </p:sp>
+        <p:sp>
+          <p:nvSpPr>
+            <p:cNvPr id="47" name="Oval 46"/>
+            <p:cNvSpPr>
+              <a:spLocks noChangeAspect="1"/>
+            </p:cNvSpPr>
+            <p:nvPr/>
+          </p:nvSpPr>
+          <p:spPr>
+            <a:xfrm>
+              <a:off x="3429000" y="3048000"/>
+              <a:ext cx="533400" cy="533400"/>
+            </a:xfrm>
+            <a:prstGeom prst="ellipse">
+              <a:avLst/>
+            </a:prstGeom>
+            <a:noFill/>
+            <a:ln>
+              <a:solidFill>
+                <a:schemeClr val="tx1"/>
+              </a:solidFill>
+            </a:ln>
+          </p:spPr>
+          <p:style>
+            <a:lnRef idx="2">
+              <a:schemeClr val="accent1">
+                <a:shade val="50000"/>
+              </a:schemeClr>
+            </a:lnRef>
+            <a:fillRef idx="1">
+              <a:schemeClr val="accent1"/>
+            </a:fillRef>
+            <a:effectRef idx="0">
+              <a:schemeClr val="accent1"/>
+            </a:effectRef>
+            <a:fontRef idx="minor">
+              <a:schemeClr val="lt1"/>
+            </a:fontRef>
+          </p:style>
+          <p:txBody>
+            <a:bodyPr rtlCol="0" anchor="ctr"/>
+            <a:lstStyle/>
+            <a:p>
+              <a:pPr algn="ctr"/>
+              <a:endParaRPr lang="en-US"/>
+            </a:p>
+          </p:txBody>
+        </p:sp>
+        <p:sp>
+          <p:nvSpPr>
+            <p:cNvPr id="48" name="TextBox 47"/>
+            <p:cNvSpPr txBox="1"/>
+            <p:nvPr/>
+          </p:nvSpPr>
+          <p:spPr>
+            <a:xfrm>
+              <a:off x="5181600" y="3043535"/>
+              <a:ext cx="330540" cy="461665"/>
+            </a:xfrm>
+            <a:prstGeom prst="rect">
+              <a:avLst/>
+            </a:prstGeom>
+            <a:noFill/>
+          </p:spPr>
+          <p:txBody>
+            <a:bodyPr wrap="none" rtlCol="0">
+              <a:spAutoFit/>
+            </a:bodyPr>
+            <a:lstStyle/>
+            <a:p>
+              <a:r>
+                <a:rPr lang="en-US" sz="2400" b="1" dirty="0" smtClean="0"/>
+                <a:t>ŷ</a:t>
+              </a:r>
+              <a:endParaRPr lang="en-US" sz="2400" b="1" dirty="0"/>
+            </a:p>
+          </p:txBody>
+        </p:sp>
+        <p:cxnSp>
+          <p:nvCxnSpPr>
+            <p:cNvPr id="49" name="Straight Arrow Connector 48"/>
+            <p:cNvCxnSpPr>
+              <a:stCxn id="47" idx="6"/>
+            </p:cNvCxnSpPr>
+            <p:nvPr/>
+          </p:nvCxnSpPr>
+          <p:spPr>
+            <a:xfrm flipV="1">
+              <a:off x="3962400" y="3278188"/>
+              <a:ext cx="1143000" cy="36512"/>
+            </a:xfrm>
+            <a:prstGeom prst="straightConnector1">
+              <a:avLst/>
+            </a:prstGeom>
+            <a:ln w="25400">
+              <a:solidFill>
+                <a:schemeClr val="tx1"/>
+              </a:solidFill>
+              <a:tailEnd type="arrow"/>
+            </a:ln>
+          </p:spPr>
+          <p:style>
+            <a:lnRef idx="1">
+              <a:schemeClr val="accent1"/>
+            </a:lnRef>
+            <a:fillRef idx="0">
+              <a:schemeClr val="accent1"/>
+            </a:fillRef>
+            <a:effectRef idx="0">
+              <a:schemeClr val="accent1"/>
+            </a:effectRef>
+            <a:fontRef idx="minor">
+              <a:schemeClr val="tx1"/>
+            </a:fontRef>
+          </p:style>
+        </p:cxnSp>
+        <p:cxnSp>
+          <p:nvCxnSpPr>
+            <p:cNvPr id="50" name="Straight Arrow Connector 49"/>
+            <p:cNvCxnSpPr>
+              <a:endCxn id="47" idx="2"/>
+            </p:cNvCxnSpPr>
+            <p:nvPr/>
+          </p:nvCxnSpPr>
+          <p:spPr>
+            <a:xfrm flipV="1">
+              <a:off x="2148840" y="3314700"/>
+              <a:ext cx="1280160" cy="38100"/>
+            </a:xfrm>
+            <a:prstGeom prst="straightConnector1">
+              <a:avLst/>
+            </a:prstGeom>
+            <a:ln w="25400">
+              <a:solidFill>
+                <a:schemeClr val="tx1"/>
+              </a:solidFill>
+              <a:tailEnd type="arrow"/>
+            </a:ln>
+          </p:spPr>
+          <p:style>
+            <a:lnRef idx="1">
+              <a:schemeClr val="accent1"/>
+            </a:lnRef>
+            <a:fillRef idx="0">
+              <a:schemeClr val="accent1"/>
+            </a:fillRef>
+            <a:effectRef idx="0">
+              <a:schemeClr val="accent1"/>
+            </a:effectRef>
+            <a:fontRef idx="minor">
+              <a:schemeClr val="tx1"/>
+            </a:fontRef>
+          </p:style>
+        </p:cxnSp>
+        <p:cxnSp>
+          <p:nvCxnSpPr>
+            <p:cNvPr id="51" name="Straight Arrow Connector 50"/>
+            <p:cNvCxnSpPr>
+              <a:endCxn id="47" idx="1"/>
+            </p:cNvCxnSpPr>
+            <p:nvPr/>
+          </p:nvCxnSpPr>
+          <p:spPr>
+            <a:xfrm>
+              <a:off x="2286000" y="2438400"/>
+              <a:ext cx="1221115" cy="687715"/>
+            </a:xfrm>
+            <a:prstGeom prst="straightConnector1">
+              <a:avLst/>
+            </a:prstGeom>
+            <a:ln w="25400">
+              <a:solidFill>
+                <a:schemeClr val="tx1"/>
+              </a:solidFill>
+              <a:tailEnd type="arrow"/>
+            </a:ln>
+          </p:spPr>
+          <p:style>
+            <a:lnRef idx="1">
+              <a:schemeClr val="accent1"/>
+            </a:lnRef>
+            <a:fillRef idx="0">
+              <a:schemeClr val="accent1"/>
+            </a:fillRef>
+            <a:effectRef idx="0">
+              <a:schemeClr val="accent1"/>
+            </a:effectRef>
+            <a:fontRef idx="minor">
+              <a:schemeClr val="tx1"/>
+            </a:fontRef>
+          </p:style>
+        </p:cxnSp>
+        <p:cxnSp>
+          <p:nvCxnSpPr>
+            <p:cNvPr id="52" name="Straight Arrow Connector 51"/>
+            <p:cNvCxnSpPr>
+              <a:endCxn id="47" idx="3"/>
+            </p:cNvCxnSpPr>
+            <p:nvPr/>
+          </p:nvCxnSpPr>
+          <p:spPr>
+            <a:xfrm flipV="1">
+              <a:off x="2286000" y="3503285"/>
+              <a:ext cx="1221115" cy="535315"/>
+            </a:xfrm>
+            <a:prstGeom prst="straightConnector1">
+              <a:avLst/>
+            </a:prstGeom>
+            <a:ln w="25400">
+              <a:solidFill>
+                <a:schemeClr val="tx1"/>
+              </a:solidFill>
+              <a:tailEnd type="arrow"/>
+            </a:ln>
+          </p:spPr>
+          <p:style>
+            <a:lnRef idx="1">
+              <a:schemeClr val="accent1"/>
+            </a:lnRef>
+            <a:fillRef idx="0">
+              <a:schemeClr val="accent1"/>
+            </a:fillRef>
+            <a:effectRef idx="0">
+              <a:schemeClr val="accent1"/>
+            </a:effectRef>
+            <a:fontRef idx="minor">
+              <a:schemeClr val="tx1"/>
+            </a:fontRef>
+          </p:style>
+        </p:cxnSp>
+        <p:sp>
+          <p:nvSpPr>
+            <p:cNvPr id="53" name="TextBox 52"/>
+            <p:cNvSpPr txBox="1"/>
+            <p:nvPr/>
+          </p:nvSpPr>
+          <p:spPr>
+            <a:xfrm>
+              <a:off x="2389474" y="2205335"/>
+              <a:ext cx="567784" cy="461665"/>
+            </a:xfrm>
+            <a:prstGeom prst="rect">
+              <a:avLst/>
+            </a:prstGeom>
+            <a:noFill/>
+          </p:spPr>
+          <p:txBody>
+            <a:bodyPr wrap="none" rtlCol="0">
+              <a:spAutoFit/>
+            </a:bodyPr>
+            <a:lstStyle/>
+            <a:p>
+              <a:r>
+                <a:rPr lang="en-US" sz="2400" b="1" dirty="0" smtClean="0"/>
+                <a:t>W</a:t>
+              </a:r>
+              <a:r>
+                <a:rPr lang="en-US" sz="2400" b="1" baseline="-25000" dirty="0" smtClean="0"/>
+                <a:t>1</a:t>
+              </a:r>
+              <a:endParaRPr lang="en-US" sz="2400" b="1" baseline="-25000" dirty="0"/>
+            </a:p>
+          </p:txBody>
+        </p:sp>
+        <p:sp>
+          <p:nvSpPr>
+            <p:cNvPr id="54" name="TextBox 53"/>
+            <p:cNvSpPr txBox="1"/>
+            <p:nvPr/>
+          </p:nvSpPr>
+          <p:spPr>
+            <a:xfrm>
+              <a:off x="2362200" y="2895600"/>
+              <a:ext cx="567784" cy="461665"/>
+            </a:xfrm>
+            <a:prstGeom prst="rect">
+              <a:avLst/>
+            </a:prstGeom>
+            <a:noFill/>
+          </p:spPr>
+          <p:txBody>
+            <a:bodyPr wrap="none" rtlCol="0">
+              <a:spAutoFit/>
+            </a:bodyPr>
+            <a:lstStyle/>
+            <a:p>
+              <a:r>
+                <a:rPr lang="en-US" sz="2400" b="1" dirty="0" smtClean="0"/>
+                <a:t>W</a:t>
+              </a:r>
+              <a:r>
+                <a:rPr lang="en-US" sz="2400" b="1" baseline="-25000" dirty="0" smtClean="0"/>
+                <a:t>2</a:t>
+              </a:r>
+              <a:endParaRPr lang="en-US" sz="2400" b="1" baseline="-25000" dirty="0"/>
+            </a:p>
+          </p:txBody>
+        </p:sp>
+        <p:sp>
+          <p:nvSpPr>
+            <p:cNvPr id="55" name="TextBox 54"/>
+            <p:cNvSpPr txBox="1"/>
+            <p:nvPr/>
+          </p:nvSpPr>
+          <p:spPr>
+            <a:xfrm>
+              <a:off x="2480216" y="3810000"/>
+              <a:ext cx="567784" cy="461665"/>
+            </a:xfrm>
+            <a:prstGeom prst="rect">
+              <a:avLst/>
+            </a:prstGeom>
+            <a:noFill/>
+          </p:spPr>
+          <p:txBody>
+            <a:bodyPr wrap="none" rtlCol="0">
+              <a:spAutoFit/>
+            </a:bodyPr>
+            <a:lstStyle/>
+            <a:p>
+              <a:r>
+                <a:rPr lang="en-US" sz="2400" b="1" dirty="0" smtClean="0"/>
+                <a:t>W</a:t>
+              </a:r>
+              <a:r>
+                <a:rPr lang="en-US" sz="2400" b="1" baseline="-25000" dirty="0" smtClean="0"/>
+                <a:t>3</a:t>
+              </a:r>
+              <a:endParaRPr lang="en-US" sz="2400" b="1" baseline="-25000" dirty="0"/>
+            </a:p>
+          </p:txBody>
+        </p:sp>
+        <p:sp>
+          <p:nvSpPr>
+            <p:cNvPr id="56" name="TextBox 55"/>
+            <p:cNvSpPr txBox="1"/>
+            <p:nvPr/>
+          </p:nvSpPr>
+          <p:spPr>
+            <a:xfrm>
+              <a:off x="3352800" y="2438400"/>
+              <a:ext cx="503664" cy="461665"/>
+            </a:xfrm>
+            <a:prstGeom prst="rect">
+              <a:avLst/>
+            </a:prstGeom>
+            <a:noFill/>
+          </p:spPr>
+          <p:txBody>
+            <a:bodyPr wrap="none" rtlCol="0">
+              <a:spAutoFit/>
+            </a:bodyPr>
+            <a:lstStyle/>
+            <a:p>
+              <a:r>
+                <a:rPr lang="en-US" sz="2400" b="1" dirty="0" smtClean="0"/>
+                <a:t>+b</a:t>
+              </a:r>
+              <a:endParaRPr lang="en-US" sz="2400" b="1" baseline="-25000" dirty="0"/>
+            </a:p>
+          </p:txBody>
+        </p:sp>
+        <p:cxnSp>
+          <p:nvCxnSpPr>
+            <p:cNvPr id="57" name="Straight Connector 56"/>
+            <p:cNvCxnSpPr>
+              <a:stCxn id="47" idx="0"/>
+              <a:endCxn id="47" idx="4"/>
+            </p:cNvCxnSpPr>
+            <p:nvPr/>
+          </p:nvCxnSpPr>
+          <p:spPr>
+            <a:xfrm rot="16200000" flipH="1">
+              <a:off x="3429000" y="3314700"/>
+              <a:ext cx="533400" cy="1588"/>
+            </a:xfrm>
+            <a:prstGeom prst="line">
+              <a:avLst/>
+            </a:prstGeom>
+            <a:ln w="25400">
+              <a:solidFill>
+                <a:schemeClr val="tx1"/>
+              </a:solidFill>
+            </a:ln>
+          </p:spPr>
+          <p:style>
+            <a:lnRef idx="1">
+              <a:schemeClr val="accent1"/>
+            </a:lnRef>
+            <a:fillRef idx="0">
+              <a:schemeClr val="accent1"/>
+            </a:fillRef>
+            <a:effectRef idx="0">
+              <a:schemeClr val="accent1"/>
+            </a:effectRef>
+            <a:fontRef idx="minor">
+              <a:schemeClr val="tx1"/>
+            </a:fontRef>
+          </p:style>
+        </p:cxnSp>
+        <p:sp>
+          <p:nvSpPr>
+            <p:cNvPr id="58" name="TextBox 57"/>
+            <p:cNvSpPr txBox="1"/>
+            <p:nvPr/>
+          </p:nvSpPr>
+          <p:spPr>
+            <a:xfrm>
+              <a:off x="3810000" y="3505200"/>
+              <a:ext cx="1451679" cy="461665"/>
+            </a:xfrm>
+            <a:prstGeom prst="rect">
+              <a:avLst/>
+            </a:prstGeom>
+            <a:noFill/>
+          </p:spPr>
+          <p:txBody>
+            <a:bodyPr wrap="none" rtlCol="0">
+              <a:spAutoFit/>
+            </a:bodyPr>
+            <a:lstStyle/>
+            <a:p>
+              <a:r>
+                <a:rPr lang="en-US" sz="2400" b="1" dirty="0" smtClean="0"/>
+                <a:t>activation</a:t>
+              </a:r>
+              <a:endParaRPr lang="en-US" sz="2400" b="1" baseline="-25000" dirty="0"/>
+            </a:p>
+          </p:txBody>
+        </p:sp>
+      </p:grpSp>
     </p:spTree>
   </p:cSld>
   <p:clrMapOvr>

--- a/ArtificialNeuralNetwork/ArtificialNeuralNetwork.pptx
+++ b/ArtificialNeuralNetwork/ArtificialNeuralNetwork.pptx
@@ -5,7 +5,7 @@
     <p:sldMasterId id="2147483648" r:id="rId1"/>
   </p:sldMasterIdLst>
   <p:notesMasterIdLst>
-    <p:notesMasterId r:id="rId50"/>
+    <p:notesMasterId r:id="rId51"/>
   </p:notesMasterIdLst>
   <p:sldIdLst>
     <p:sldId id="256" r:id="rId2"/>
@@ -33,29 +33,30 @@
     <p:sldId id="478" r:id="rId24"/>
     <p:sldId id="497" r:id="rId25"/>
     <p:sldId id="474" r:id="rId26"/>
-    <p:sldId id="479" r:id="rId27"/>
-    <p:sldId id="480" r:id="rId28"/>
-    <p:sldId id="481" r:id="rId29"/>
-    <p:sldId id="482" r:id="rId30"/>
-    <p:sldId id="483" r:id="rId31"/>
-    <p:sldId id="484" r:id="rId32"/>
-    <p:sldId id="415" r:id="rId33"/>
-    <p:sldId id="438" r:id="rId34"/>
-    <p:sldId id="440" r:id="rId35"/>
-    <p:sldId id="439" r:id="rId36"/>
-    <p:sldId id="422" r:id="rId37"/>
-    <p:sldId id="444" r:id="rId38"/>
-    <p:sldId id="442" r:id="rId39"/>
-    <p:sldId id="443" r:id="rId40"/>
-    <p:sldId id="423" r:id="rId41"/>
-    <p:sldId id="445" r:id="rId42"/>
-    <p:sldId id="446" r:id="rId43"/>
-    <p:sldId id="447" r:id="rId44"/>
-    <p:sldId id="448" r:id="rId45"/>
-    <p:sldId id="449" r:id="rId46"/>
-    <p:sldId id="450" r:id="rId47"/>
-    <p:sldId id="451" r:id="rId48"/>
-    <p:sldId id="269" r:id="rId49"/>
+    <p:sldId id="498" r:id="rId27"/>
+    <p:sldId id="479" r:id="rId28"/>
+    <p:sldId id="480" r:id="rId29"/>
+    <p:sldId id="481" r:id="rId30"/>
+    <p:sldId id="482" r:id="rId31"/>
+    <p:sldId id="483" r:id="rId32"/>
+    <p:sldId id="484" r:id="rId33"/>
+    <p:sldId id="415" r:id="rId34"/>
+    <p:sldId id="438" r:id="rId35"/>
+    <p:sldId id="440" r:id="rId36"/>
+    <p:sldId id="439" r:id="rId37"/>
+    <p:sldId id="422" r:id="rId38"/>
+    <p:sldId id="444" r:id="rId39"/>
+    <p:sldId id="442" r:id="rId40"/>
+    <p:sldId id="443" r:id="rId41"/>
+    <p:sldId id="423" r:id="rId42"/>
+    <p:sldId id="445" r:id="rId43"/>
+    <p:sldId id="446" r:id="rId44"/>
+    <p:sldId id="447" r:id="rId45"/>
+    <p:sldId id="448" r:id="rId46"/>
+    <p:sldId id="449" r:id="rId47"/>
+    <p:sldId id="450" r:id="rId48"/>
+    <p:sldId id="451" r:id="rId49"/>
+    <p:sldId id="269" r:id="rId50"/>
   </p:sldIdLst>
   <p:sldSz cx="9144000" cy="6858000" type="screen4x3"/>
   <p:notesSz cx="6858000" cy="9144000"/>
@@ -21095,427 +21096,94 @@
           </a:p>
         </p:txBody>
       </p:sp>
-      <p:sp>
-        <p:nvSpPr>
-          <p:cNvPr id="3" name="Content Placeholder 2"/>
-          <p:cNvSpPr>
-            <a:spLocks noGrp="1"/>
-          </p:cNvSpPr>
-          <p:nvPr>
-            <p:ph idx="1"/>
-          </p:nvPr>
-        </p:nvSpPr>
+      <p:pic>
+        <p:nvPicPr>
+          <p:cNvPr id="12" name="Picture 11" descr="Backpropagation.png"/>
+          <p:cNvPicPr>
+            <a:picLocks noChangeAspect="1"/>
+          </p:cNvPicPr>
+          <p:nvPr/>
+        </p:nvPicPr>
+        <p:blipFill>
+          <a:blip r:embed="rId2"/>
+          <a:stretch>
+            <a:fillRect/>
+          </a:stretch>
+        </p:blipFill>
         <p:spPr>
           <a:xfrm>
-            <a:off x="457200" y="1600200"/>
-            <a:ext cx="4114800" cy="4525963"/>
-          </a:xfrm>
-        </p:spPr>
-        <p:txBody>
-          <a:bodyPr/>
-          <a:lstStyle/>
-          <a:p>
-            <a:r>
-              <a:rPr lang="en-US" dirty="0" smtClean="0"/>
-              <a:t>Parameters</a:t>
-            </a:r>
-          </a:p>
-          <a:p>
-            <a:pPr lvl="1"/>
-            <a:r>
-              <a:rPr lang="en-US" dirty="0" smtClean="0"/>
-              <a:t>W</a:t>
-            </a:r>
-            <a:r>
-              <a:rPr lang="en-US" baseline="30000" dirty="0" smtClean="0"/>
-              <a:t>[1]</a:t>
-            </a:r>
-            <a:r>
-              <a:rPr lang="en-US" dirty="0" smtClean="0"/>
-              <a:t>, b</a:t>
-            </a:r>
-            <a:r>
-              <a:rPr lang="en-US" baseline="30000" dirty="0" smtClean="0"/>
-              <a:t>[1]</a:t>
-            </a:r>
-            <a:r>
-              <a:rPr lang="en-US" dirty="0" smtClean="0"/>
-              <a:t>, W</a:t>
-            </a:r>
-            <a:r>
-              <a:rPr lang="en-US" baseline="30000" dirty="0" smtClean="0"/>
-              <a:t>[2]</a:t>
-            </a:r>
-            <a:r>
-              <a:rPr lang="en-US" dirty="0" smtClean="0"/>
-              <a:t>, b</a:t>
-            </a:r>
-            <a:r>
-              <a:rPr lang="en-US" baseline="30000" dirty="0" smtClean="0"/>
-              <a:t>[2]</a:t>
-            </a:r>
-          </a:p>
-          <a:p>
-            <a:pPr lvl="0">
-              <a:defRPr/>
-            </a:pPr>
-            <a:r>
-              <a:rPr lang="en-US" dirty="0" smtClean="0"/>
-              <a:t>Cost function</a:t>
-            </a:r>
-          </a:p>
-          <a:p>
-            <a:pPr lvl="1">
-              <a:defRPr/>
-            </a:pPr>
-            <a:r>
-              <a:rPr lang="en-US" dirty="0" smtClean="0"/>
-              <a:t>J(W</a:t>
-            </a:r>
-            <a:r>
-              <a:rPr lang="en-US" baseline="30000" dirty="0" smtClean="0"/>
-              <a:t>[1]</a:t>
-            </a:r>
-            <a:r>
-              <a:rPr lang="en-US" dirty="0" smtClean="0"/>
-              <a:t>, b</a:t>
-            </a:r>
-            <a:r>
-              <a:rPr lang="en-US" baseline="30000" dirty="0" smtClean="0"/>
-              <a:t>[1]</a:t>
-            </a:r>
-            <a:r>
-              <a:rPr lang="en-US" dirty="0" smtClean="0"/>
-              <a:t>, W</a:t>
-            </a:r>
-            <a:r>
-              <a:rPr lang="en-US" baseline="30000" dirty="0" smtClean="0"/>
-              <a:t>[2]</a:t>
-            </a:r>
-            <a:r>
-              <a:rPr lang="en-US" dirty="0" smtClean="0"/>
-              <a:t>, b</a:t>
-            </a:r>
-            <a:r>
-              <a:rPr lang="en-US" baseline="30000" dirty="0" smtClean="0"/>
-              <a:t>[2]</a:t>
-            </a:r>
-            <a:r>
-              <a:rPr lang="en-US" dirty="0" smtClean="0"/>
-              <a:t>)</a:t>
-            </a:r>
-            <a:r>
-              <a:rPr lang="en-US" baseline="30000" dirty="0" smtClean="0"/>
-              <a:t>    </a:t>
-            </a:r>
-            <a:endParaRPr lang="en-US" dirty="0" smtClean="0"/>
-          </a:p>
-          <a:p>
-            <a:endParaRPr lang="en-US" dirty="0" smtClean="0"/>
-          </a:p>
-          <a:p>
-            <a:pPr lvl="1"/>
-            <a:endParaRPr lang="en-US" dirty="0"/>
-          </a:p>
-        </p:txBody>
-      </p:sp>
-      <p:sp>
-        <p:nvSpPr>
-          <p:cNvPr id="4" name="Content Placeholder 2"/>
-          <p:cNvSpPr txBox="1">
-            <a:spLocks/>
-          </p:cNvSpPr>
-          <p:nvPr/>
-        </p:nvSpPr>
-        <p:spPr>
-          <a:xfrm>
-            <a:off x="4648200" y="1600200"/>
-            <a:ext cx="4114800" cy="4525963"/>
+            <a:off x="423862" y="1800225"/>
+            <a:ext cx="8296275" cy="4371975"/>
           </a:xfrm>
           <a:prstGeom prst="rect">
             <a:avLst/>
           </a:prstGeom>
         </p:spPr>
-        <p:txBody>
-          <a:bodyPr vert="horz" lIns="91440" tIns="45720" rIns="91440" bIns="45720" rtlCol="0">
-            <a:normAutofit/>
-          </a:bodyPr>
-          <a:lstStyle/>
-          <a:p>
-            <a:pPr marL="742950" marR="0" lvl="1" indent="-285750" algn="l" defTabSz="914400" rtl="0" eaLnBrk="1" fontAlgn="auto" latinLnBrk="0" hangingPunct="1">
-              <a:lnSpc>
-                <a:spcPct val="100000"/>
-              </a:lnSpc>
-              <a:spcBef>
-                <a:spcPct val="20000"/>
-              </a:spcBef>
-              <a:spcAft>
-                <a:spcPts val="0"/>
-              </a:spcAft>
-              <a:buClrTx/>
-              <a:buSzTx/>
-              <a:buFont typeface="Arial" pitchFamily="34" charset="0"/>
-              <a:buChar char="–"/>
-              <a:tabLst/>
-              <a:defRPr/>
-            </a:pPr>
-            <a:endParaRPr kumimoji="0" lang="en-US" sz="2800" b="0" i="0" u="none" strike="noStrike" kern="1200" cap="none" spc="0" normalizeH="0" baseline="0" noProof="0" dirty="0">
-              <a:ln>
-                <a:noFill/>
-              </a:ln>
-              <a:solidFill>
-                <a:schemeClr val="tx1"/>
-              </a:solidFill>
-              <a:effectLst/>
-              <a:uLnTx/>
-              <a:uFillTx/>
-              <a:latin typeface="+mn-lt"/>
-              <a:ea typeface="+mn-ea"/>
-              <a:cs typeface="+mn-cs"/>
-            </a:endParaRPr>
-          </a:p>
-        </p:txBody>
-      </p:sp>
+      </p:pic>
       <p:sp>
         <p:nvSpPr>
-          <p:cNvPr id="6" name="Content Placeholder 2"/>
+          <p:cNvPr id="13" name="Text Box 10"/>
           <p:cNvSpPr txBox="1">
-            <a:spLocks/>
+            <a:spLocks noChangeArrowheads="1"/>
           </p:cNvSpPr>
           <p:nvPr/>
         </p:nvSpPr>
-        <p:spPr>
-          <a:xfrm>
-            <a:off x="4724400" y="1600200"/>
-            <a:ext cx="4114800" cy="4525963"/>
+        <p:spPr bwMode="auto">
+          <a:xfrm rot="10800000" flipV="1">
+            <a:off x="0" y="6519446"/>
+            <a:ext cx="1828800" cy="338554"/>
           </a:xfrm>
           <a:prstGeom prst="rect">
             <a:avLst/>
           </a:prstGeom>
+          <a:noFill/>
+          <a:ln w="9525">
+            <a:noFill/>
+            <a:miter lim="800000"/>
+            <a:headEnd/>
+            <a:tailEnd/>
+          </a:ln>
+          <a:effectLst/>
         </p:spPr>
         <p:txBody>
-          <a:bodyPr vert="horz" lIns="91440" tIns="45720" rIns="91440" bIns="45720" rtlCol="0">
-            <a:normAutofit/>
+          <a:bodyPr wrap="square">
+            <a:spAutoFit/>
           </a:bodyPr>
           <a:lstStyle/>
           <a:p>
-            <a:pPr marL="342900" marR="0" lvl="0" indent="-342900" algn="l" defTabSz="914400" rtl="0" eaLnBrk="1" fontAlgn="auto" latinLnBrk="0" hangingPunct="1">
-              <a:lnSpc>
-                <a:spcPct val="100000"/>
-              </a:lnSpc>
+            <a:pPr>
               <a:spcBef>
-                <a:spcPct val="20000"/>
+                <a:spcPct val="50000"/>
               </a:spcBef>
-              <a:spcAft>
-                <a:spcPts val="0"/>
-              </a:spcAft>
-              <a:buClrTx/>
-              <a:buSzTx/>
-              <a:buFont typeface="Arial" pitchFamily="34" charset="0"/>
-              <a:buChar char="•"/>
-              <a:tabLst/>
-              <a:defRPr/>
             </a:pPr>
             <a:r>
-              <a:rPr kumimoji="0" lang="en-US" sz="3200" b="0" i="0" u="none" strike="noStrike" kern="1200" cap="none" spc="0" normalizeH="0" baseline="0" noProof="0" dirty="0" smtClean="0">
-                <a:ln>
-                  <a:noFill/>
-                </a:ln>
+              <a:rPr lang="en-US" sz="1600" b="1" dirty="0">
                 <a:solidFill>
-                  <a:schemeClr val="tx1"/>
+                  <a:srgbClr val="FF0000"/>
                 </a:solidFill>
-                <a:effectLst/>
-                <a:uLnTx/>
-                <a:uFillTx/>
-                <a:latin typeface="+mn-lt"/>
-                <a:ea typeface="+mn-ea"/>
-                <a:cs typeface="+mn-cs"/>
               </a:rPr>
-              <a:t>Forward pass</a:t>
-            </a:r>
-          </a:p>
-          <a:p>
-            <a:pPr marL="742950" lvl="1" indent="-285750">
-              <a:spcBef>
-                <a:spcPct val="20000"/>
-              </a:spcBef>
-              <a:buFont typeface="Arial" pitchFamily="34" charset="0"/>
-              <a:buChar char="–"/>
-            </a:pPr>
-            <a:r>
-              <a:rPr lang="en-US" sz="2800" dirty="0" smtClean="0"/>
-              <a:t>Z</a:t>
-            </a:r>
-            <a:r>
-              <a:rPr lang="en-US" sz="2800" baseline="30000" dirty="0" smtClean="0"/>
-              <a:t>[1]</a:t>
-            </a:r>
-            <a:r>
-              <a:rPr lang="en-US" sz="2800" dirty="0" smtClean="0"/>
-              <a:t>= W</a:t>
-            </a:r>
-            <a:r>
-              <a:rPr lang="en-US" sz="2800" baseline="30000" dirty="0" smtClean="0"/>
-              <a:t>[1]</a:t>
-            </a:r>
-            <a:r>
-              <a:rPr lang="en-US" sz="2800" dirty="0" smtClean="0"/>
-              <a:t>a</a:t>
-            </a:r>
-            <a:r>
-              <a:rPr lang="en-US" sz="2800" baseline="30000" dirty="0" smtClean="0"/>
-              <a:t>[0] </a:t>
-            </a:r>
-            <a:r>
-              <a:rPr kumimoji="0" lang="en-US" sz="2800" b="0" i="0" u="none" strike="noStrike" kern="1200" cap="none" spc="0" normalizeH="0" baseline="0" noProof="0" dirty="0" smtClean="0">
-                <a:ln>
-                  <a:noFill/>
-                </a:ln>
+              <a:t>Image </a:t>
+            </a:r>
+            <a:r>
+              <a:rPr lang="en-US" sz="1600" b="1" dirty="0" err="1" smtClean="0">
                 <a:solidFill>
-                  <a:schemeClr val="tx1"/>
+                  <a:srgbClr val="FF0000"/>
                 </a:solidFill>
-                <a:effectLst/>
-                <a:uLnTx/>
-                <a:uFillTx/>
-                <a:latin typeface="+mn-lt"/>
-                <a:ea typeface="+mn-ea"/>
-                <a:cs typeface="+mn-cs"/>
               </a:rPr>
-              <a:t>+ b</a:t>
-            </a:r>
-            <a:r>
-              <a:rPr kumimoji="0" lang="en-US" sz="2800" b="0" i="0" u="none" strike="noStrike" kern="1200" cap="none" spc="0" normalizeH="0" baseline="30000" noProof="0" dirty="0" smtClean="0">
-                <a:ln>
-                  <a:noFill/>
-                </a:ln>
+              <a:t>ack</a:t>
+            </a:r>
+            <a:r>
+              <a:rPr lang="en-US" sz="1600" b="1" dirty="0" smtClean="0">
                 <a:solidFill>
-                  <a:schemeClr val="tx1"/>
+                  <a:srgbClr val="FF0000"/>
                 </a:solidFill>
-                <a:effectLst/>
-                <a:uLnTx/>
-                <a:uFillTx/>
-                <a:latin typeface="+mn-lt"/>
-                <a:ea typeface="+mn-ea"/>
-                <a:cs typeface="+mn-cs"/>
               </a:rPr>
-              <a:t>[1]</a:t>
-            </a:r>
-          </a:p>
-          <a:p>
-            <a:pPr marL="742950" lvl="1" indent="-285750">
-              <a:spcBef>
-                <a:spcPct val="20000"/>
-              </a:spcBef>
-              <a:buFont typeface="Arial" pitchFamily="34" charset="0"/>
-              <a:buChar char="–"/>
-            </a:pPr>
-            <a:r>
-              <a:rPr lang="en-US" sz="2800" dirty="0" smtClean="0"/>
-              <a:t>a</a:t>
-            </a:r>
-            <a:r>
-              <a:rPr lang="en-US" sz="2800" baseline="30000" dirty="0" smtClean="0"/>
-              <a:t>[1]  </a:t>
-            </a:r>
-            <a:r>
-              <a:rPr lang="en-US" sz="2800" dirty="0" smtClean="0"/>
-              <a:t>= </a:t>
-            </a:r>
-            <a:r>
-              <a:rPr lang="el-GR" sz="2800" dirty="0" smtClean="0"/>
-              <a:t>σ</a:t>
-            </a:r>
-            <a:r>
-              <a:rPr lang="en-US" sz="2800" dirty="0" smtClean="0"/>
-              <a:t>(Z</a:t>
-            </a:r>
-            <a:r>
-              <a:rPr lang="en-US" sz="2800" baseline="30000" dirty="0" smtClean="0"/>
-              <a:t>[1]</a:t>
-            </a:r>
-            <a:r>
-              <a:rPr lang="en-US" sz="2800" dirty="0" smtClean="0"/>
-              <a:t>)</a:t>
-            </a:r>
-            <a:endParaRPr kumimoji="0" lang="en-US" sz="2800" b="0" i="0" u="none" strike="noStrike" kern="1200" cap="none" spc="0" normalizeH="0" noProof="0" dirty="0" smtClean="0">
-              <a:ln>
-                <a:noFill/>
-              </a:ln>
+              <a:t> – Google</a:t>
+            </a:r>
+            <a:endParaRPr lang="en-US" sz="1600" b="1" dirty="0">
               <a:solidFill>
-                <a:schemeClr val="tx1"/>
+                <a:srgbClr val="FF0000"/>
               </a:solidFill>
-              <a:effectLst/>
-              <a:uLnTx/>
-              <a:uFillTx/>
-              <a:latin typeface="+mn-lt"/>
-              <a:ea typeface="+mn-ea"/>
-              <a:cs typeface="+mn-cs"/>
-            </a:endParaRPr>
-          </a:p>
-          <a:p>
-            <a:pPr marL="342900" marR="0" lvl="0" indent="-342900" algn="l" defTabSz="914400" rtl="0" eaLnBrk="1" fontAlgn="auto" latinLnBrk="0" hangingPunct="1">
-              <a:lnSpc>
-                <a:spcPct val="100000"/>
-              </a:lnSpc>
-              <a:spcBef>
-                <a:spcPct val="20000"/>
-              </a:spcBef>
-              <a:spcAft>
-                <a:spcPts val="0"/>
-              </a:spcAft>
-              <a:buClrTx/>
-              <a:buSzTx/>
-              <a:buFont typeface="Arial" pitchFamily="34" charset="0"/>
-              <a:buChar char="•"/>
-              <a:tabLst/>
-              <a:defRPr/>
-            </a:pPr>
-            <a:endParaRPr kumimoji="0" lang="en-US" sz="3200" b="0" i="0" u="none" strike="noStrike" kern="1200" cap="none" spc="0" normalizeH="0" baseline="0" noProof="0" dirty="0" smtClean="0">
-              <a:ln>
-                <a:noFill/>
-              </a:ln>
-              <a:solidFill>
-                <a:schemeClr val="tx1"/>
-              </a:solidFill>
-              <a:effectLst/>
-              <a:uLnTx/>
-              <a:uFillTx/>
-              <a:latin typeface="+mn-lt"/>
-              <a:ea typeface="+mn-ea"/>
-              <a:cs typeface="+mn-cs"/>
-            </a:endParaRPr>
-          </a:p>
-          <a:p>
-            <a:pPr marL="742950" marR="0" lvl="1" indent="-285750" algn="l" defTabSz="914400" rtl="0" eaLnBrk="1" fontAlgn="auto" latinLnBrk="0" hangingPunct="1">
-              <a:lnSpc>
-                <a:spcPct val="100000"/>
-              </a:lnSpc>
-              <a:spcBef>
-                <a:spcPct val="20000"/>
-              </a:spcBef>
-              <a:spcAft>
-                <a:spcPts val="0"/>
-              </a:spcAft>
-              <a:buClrTx/>
-              <a:buSzTx/>
-              <a:buFont typeface="Arial" pitchFamily="34" charset="0"/>
-              <a:buChar char="–"/>
-              <a:tabLst/>
-              <a:defRPr/>
-            </a:pPr>
-            <a:endParaRPr kumimoji="0" lang="en-US" sz="2800" b="0" i="0" u="none" strike="noStrike" kern="1200" cap="none" spc="0" normalizeH="0" baseline="0" noProof="0" dirty="0">
-              <a:ln>
-                <a:noFill/>
-              </a:ln>
-              <a:solidFill>
-                <a:schemeClr val="tx1"/>
-              </a:solidFill>
-              <a:effectLst/>
-              <a:uLnTx/>
-              <a:uFillTx/>
-              <a:latin typeface="+mn-lt"/>
-              <a:ea typeface="+mn-ea"/>
-              <a:cs typeface="+mn-cs"/>
             </a:endParaRPr>
           </a:p>
         </p:txBody>
@@ -21571,7 +21239,7 @@
           <a:p>
             <a:r>
               <a:rPr lang="en-US" dirty="0" smtClean="0"/>
-              <a:t>Back Propagation </a:t>
+              <a:t>Back Propagation</a:t>
             </a:r>
             <a:endParaRPr lang="en-US" dirty="0"/>
           </a:p>
@@ -21914,84 +21582,6 @@
             <a:r>
               <a:rPr lang="en-US" sz="2800" baseline="30000" dirty="0" smtClean="0"/>
               <a:t>[1]</a:t>
-            </a:r>
-            <a:r>
-              <a:rPr lang="en-US" sz="2800" dirty="0" smtClean="0"/>
-              <a:t>)</a:t>
-            </a:r>
-          </a:p>
-          <a:p>
-            <a:pPr marL="742950" lvl="1" indent="-285750">
-              <a:spcBef>
-                <a:spcPct val="20000"/>
-              </a:spcBef>
-              <a:buFont typeface="Arial" pitchFamily="34" charset="0"/>
-              <a:buChar char="–"/>
-            </a:pPr>
-            <a:r>
-              <a:rPr lang="en-US" sz="2800" dirty="0" smtClean="0"/>
-              <a:t>Z</a:t>
-            </a:r>
-            <a:r>
-              <a:rPr lang="en-US" sz="2800" baseline="30000" dirty="0" smtClean="0"/>
-              <a:t>[2]</a:t>
-            </a:r>
-            <a:r>
-              <a:rPr lang="en-US" sz="2800" dirty="0" smtClean="0"/>
-              <a:t>= W</a:t>
-            </a:r>
-            <a:r>
-              <a:rPr lang="en-US" sz="2800" baseline="30000" dirty="0" smtClean="0"/>
-              <a:t>[2]</a:t>
-            </a:r>
-            <a:r>
-              <a:rPr lang="en-US" sz="2800" dirty="0" smtClean="0"/>
-              <a:t>a</a:t>
-            </a:r>
-            <a:r>
-              <a:rPr lang="en-US" sz="2800" baseline="30000" dirty="0" smtClean="0"/>
-              <a:t>[1] </a:t>
-            </a:r>
-            <a:r>
-              <a:rPr lang="en-US" sz="2800" dirty="0" smtClean="0"/>
-              <a:t>+ b</a:t>
-            </a:r>
-            <a:r>
-              <a:rPr lang="en-US" sz="2800" baseline="30000" dirty="0" smtClean="0"/>
-              <a:t>[2]</a:t>
-            </a:r>
-          </a:p>
-          <a:p>
-            <a:pPr marL="742950" lvl="1" indent="-285750">
-              <a:spcBef>
-                <a:spcPct val="20000"/>
-              </a:spcBef>
-              <a:buFont typeface="Arial" pitchFamily="34" charset="0"/>
-              <a:buChar char="–"/>
-            </a:pPr>
-            <a:r>
-              <a:rPr lang="en-US" sz="2800" dirty="0" smtClean="0"/>
-              <a:t>ŷ = a</a:t>
-            </a:r>
-            <a:r>
-              <a:rPr lang="en-US" sz="2800" baseline="30000" dirty="0" smtClean="0"/>
-              <a:t>[2]  </a:t>
-            </a:r>
-            <a:r>
-              <a:rPr lang="en-US" sz="2800" dirty="0" smtClean="0"/>
-              <a:t>= </a:t>
-            </a:r>
-            <a:r>
-              <a:rPr lang="el-GR" sz="2800" dirty="0" smtClean="0"/>
-              <a:t>σ</a:t>
-            </a:r>
-            <a:r>
-              <a:rPr lang="en-US" sz="2800" dirty="0" smtClean="0"/>
-              <a:t>(Z</a:t>
-            </a:r>
-            <a:r>
-              <a:rPr lang="en-US" sz="2800" baseline="30000" dirty="0" smtClean="0"/>
-              <a:t>[2]</a:t>
             </a:r>
             <a:r>
               <a:rPr lang="en-US" sz="2800" dirty="0" smtClean="0"/>
@@ -22557,96 +22147,6 @@
               <a:rPr lang="en-US" sz="2800" dirty="0" smtClean="0"/>
               <a:t>)</a:t>
             </a:r>
-          </a:p>
-          <a:p>
-            <a:pPr marL="742950" lvl="1" indent="-285750">
-              <a:spcBef>
-                <a:spcPct val="20000"/>
-              </a:spcBef>
-              <a:buFont typeface="Arial" pitchFamily="34" charset="0"/>
-              <a:buChar char="–"/>
-            </a:pPr>
-            <a:r>
-              <a:rPr lang="en-US" sz="2800" dirty="0" smtClean="0"/>
-              <a:t>L(ŷ</a:t>
-            </a:r>
-            <a:r>
-              <a:rPr lang="en-US" sz="2800" baseline="30000" dirty="0" smtClean="0"/>
-              <a:t>(</a:t>
-            </a:r>
-            <a:r>
-              <a:rPr lang="en-US" sz="2800" baseline="30000" dirty="0" err="1" smtClean="0"/>
-              <a:t>i</a:t>
-            </a:r>
-            <a:r>
-              <a:rPr lang="en-US" sz="2800" baseline="30000" dirty="0" smtClean="0"/>
-              <a:t>)</a:t>
-            </a:r>
-            <a:r>
-              <a:rPr lang="en-US" sz="2800" dirty="0" smtClean="0"/>
-              <a:t>, y</a:t>
-            </a:r>
-            <a:r>
-              <a:rPr lang="en-US" sz="2800" baseline="30000" dirty="0" smtClean="0"/>
-              <a:t>(</a:t>
-            </a:r>
-            <a:r>
-              <a:rPr lang="en-US" sz="2800" baseline="30000" dirty="0" err="1" smtClean="0"/>
-              <a:t>i</a:t>
-            </a:r>
-            <a:r>
-              <a:rPr lang="en-US" sz="2800" baseline="30000" dirty="0" smtClean="0"/>
-              <a:t>)</a:t>
-            </a:r>
-            <a:r>
-              <a:rPr lang="en-US" sz="2800" dirty="0" smtClean="0"/>
-              <a:t>)</a:t>
-            </a:r>
-          </a:p>
-          <a:p>
-            <a:pPr marL="742950" lvl="1" indent="-285750">
-              <a:spcBef>
-                <a:spcPct val="20000"/>
-              </a:spcBef>
-              <a:buFont typeface="Arial" pitchFamily="34" charset="0"/>
-              <a:buChar char="–"/>
-            </a:pPr>
-            <a:r>
-              <a:rPr lang="en-US" sz="2800" dirty="0" smtClean="0"/>
-              <a:t>J(W</a:t>
-            </a:r>
-            <a:r>
-              <a:rPr lang="en-US" sz="2800" baseline="30000" dirty="0" smtClean="0"/>
-              <a:t>[1]</a:t>
-            </a:r>
-            <a:r>
-              <a:rPr lang="en-US" sz="2800" dirty="0" smtClean="0"/>
-              <a:t>, b</a:t>
-            </a:r>
-            <a:r>
-              <a:rPr lang="en-US" sz="2800" baseline="30000" dirty="0" smtClean="0"/>
-              <a:t>[1]</a:t>
-            </a:r>
-            <a:r>
-              <a:rPr lang="en-US" sz="2800" dirty="0" smtClean="0"/>
-              <a:t>, W</a:t>
-            </a:r>
-            <a:r>
-              <a:rPr lang="en-US" sz="2800" baseline="30000" dirty="0" smtClean="0"/>
-              <a:t>[2]</a:t>
-            </a:r>
-            <a:r>
-              <a:rPr lang="en-US" sz="2800" dirty="0" smtClean="0"/>
-              <a:t>, b</a:t>
-            </a:r>
-            <a:r>
-              <a:rPr lang="en-US" sz="2800" baseline="30000" dirty="0" smtClean="0"/>
-              <a:t>[2]</a:t>
-            </a:r>
-            <a:r>
-              <a:rPr lang="en-US" sz="2800" dirty="0" smtClean="0"/>
-              <a:t>)</a:t>
-            </a:r>
             <a:endParaRPr kumimoji="0" lang="en-US" sz="2800" b="0" i="0" u="none" strike="noStrike" kern="1200" cap="none" spc="0" normalizeH="0" noProof="0" dirty="0" smtClean="0">
               <a:ln>
                 <a:noFill/>
@@ -23023,8 +22523,294 @@
                 <a:ea typeface="+mn-ea"/>
                 <a:cs typeface="+mn-cs"/>
               </a:rPr>
-              <a:t>Backward pass</a:t>
-            </a:r>
+              <a:t>Forward pass</a:t>
+            </a:r>
+          </a:p>
+          <a:p>
+            <a:pPr marL="742950" lvl="1" indent="-285750">
+              <a:spcBef>
+                <a:spcPct val="20000"/>
+              </a:spcBef>
+              <a:buFont typeface="Arial" pitchFamily="34" charset="0"/>
+              <a:buChar char="–"/>
+            </a:pPr>
+            <a:r>
+              <a:rPr lang="en-US" sz="2800" dirty="0" smtClean="0"/>
+              <a:t>Z</a:t>
+            </a:r>
+            <a:r>
+              <a:rPr lang="en-US" sz="2800" baseline="30000" dirty="0" smtClean="0"/>
+              <a:t>[1]</a:t>
+            </a:r>
+            <a:r>
+              <a:rPr lang="en-US" sz="2800" dirty="0" smtClean="0"/>
+              <a:t>= W</a:t>
+            </a:r>
+            <a:r>
+              <a:rPr lang="en-US" sz="2800" baseline="30000" dirty="0" smtClean="0"/>
+              <a:t>[1]</a:t>
+            </a:r>
+            <a:r>
+              <a:rPr lang="en-US" sz="2800" dirty="0" smtClean="0"/>
+              <a:t>a</a:t>
+            </a:r>
+            <a:r>
+              <a:rPr lang="en-US" sz="2800" baseline="30000" dirty="0" smtClean="0"/>
+              <a:t>[0] </a:t>
+            </a:r>
+            <a:r>
+              <a:rPr kumimoji="0" lang="en-US" sz="2800" b="0" i="0" u="none" strike="noStrike" kern="1200" cap="none" spc="0" normalizeH="0" baseline="0" noProof="0" dirty="0" smtClean="0">
+                <a:ln>
+                  <a:noFill/>
+                </a:ln>
+                <a:solidFill>
+                  <a:schemeClr val="tx1"/>
+                </a:solidFill>
+                <a:effectLst/>
+                <a:uLnTx/>
+                <a:uFillTx/>
+                <a:latin typeface="+mn-lt"/>
+                <a:ea typeface="+mn-ea"/>
+                <a:cs typeface="+mn-cs"/>
+              </a:rPr>
+              <a:t>+ b</a:t>
+            </a:r>
+            <a:r>
+              <a:rPr kumimoji="0" lang="en-US" sz="2800" b="0" i="0" u="none" strike="noStrike" kern="1200" cap="none" spc="0" normalizeH="0" baseline="30000" noProof="0" dirty="0" smtClean="0">
+                <a:ln>
+                  <a:noFill/>
+                </a:ln>
+                <a:solidFill>
+                  <a:schemeClr val="tx1"/>
+                </a:solidFill>
+                <a:effectLst/>
+                <a:uLnTx/>
+                <a:uFillTx/>
+                <a:latin typeface="+mn-lt"/>
+                <a:ea typeface="+mn-ea"/>
+                <a:cs typeface="+mn-cs"/>
+              </a:rPr>
+              <a:t>[1]</a:t>
+            </a:r>
+          </a:p>
+          <a:p>
+            <a:pPr marL="742950" lvl="1" indent="-285750">
+              <a:spcBef>
+                <a:spcPct val="20000"/>
+              </a:spcBef>
+              <a:buFont typeface="Arial" pitchFamily="34" charset="0"/>
+              <a:buChar char="–"/>
+            </a:pPr>
+            <a:r>
+              <a:rPr lang="en-US" sz="2800" dirty="0" smtClean="0"/>
+              <a:t>a</a:t>
+            </a:r>
+            <a:r>
+              <a:rPr lang="en-US" sz="2800" baseline="30000" dirty="0" smtClean="0"/>
+              <a:t>[1]  </a:t>
+            </a:r>
+            <a:r>
+              <a:rPr lang="en-US" sz="2800" dirty="0" smtClean="0"/>
+              <a:t>= </a:t>
+            </a:r>
+            <a:r>
+              <a:rPr lang="el-GR" sz="2800" dirty="0" smtClean="0"/>
+              <a:t>σ</a:t>
+            </a:r>
+            <a:r>
+              <a:rPr lang="en-US" sz="2800" dirty="0" smtClean="0"/>
+              <a:t>(Z</a:t>
+            </a:r>
+            <a:r>
+              <a:rPr lang="en-US" sz="2800" baseline="30000" dirty="0" smtClean="0"/>
+              <a:t>[1]</a:t>
+            </a:r>
+            <a:r>
+              <a:rPr lang="en-US" sz="2800" dirty="0" smtClean="0"/>
+              <a:t>)</a:t>
+            </a:r>
+          </a:p>
+          <a:p>
+            <a:pPr marL="742950" lvl="1" indent="-285750">
+              <a:spcBef>
+                <a:spcPct val="20000"/>
+              </a:spcBef>
+              <a:buFont typeface="Arial" pitchFamily="34" charset="0"/>
+              <a:buChar char="–"/>
+            </a:pPr>
+            <a:r>
+              <a:rPr lang="en-US" sz="2800" dirty="0" smtClean="0"/>
+              <a:t>Z</a:t>
+            </a:r>
+            <a:r>
+              <a:rPr lang="en-US" sz="2800" baseline="30000" dirty="0" smtClean="0"/>
+              <a:t>[2]</a:t>
+            </a:r>
+            <a:r>
+              <a:rPr lang="en-US" sz="2800" dirty="0" smtClean="0"/>
+              <a:t>= W</a:t>
+            </a:r>
+            <a:r>
+              <a:rPr lang="en-US" sz="2800" baseline="30000" dirty="0" smtClean="0"/>
+              <a:t>[2]</a:t>
+            </a:r>
+            <a:r>
+              <a:rPr lang="en-US" sz="2800" dirty="0" smtClean="0"/>
+              <a:t>a</a:t>
+            </a:r>
+            <a:r>
+              <a:rPr lang="en-US" sz="2800" baseline="30000" dirty="0" smtClean="0"/>
+              <a:t>[1] </a:t>
+            </a:r>
+            <a:r>
+              <a:rPr lang="en-US" sz="2800" dirty="0" smtClean="0"/>
+              <a:t>+ b</a:t>
+            </a:r>
+            <a:r>
+              <a:rPr lang="en-US" sz="2800" baseline="30000" dirty="0" smtClean="0"/>
+              <a:t>[2]</a:t>
+            </a:r>
+          </a:p>
+          <a:p>
+            <a:pPr marL="742950" lvl="1" indent="-285750">
+              <a:spcBef>
+                <a:spcPct val="20000"/>
+              </a:spcBef>
+              <a:buFont typeface="Arial" pitchFamily="34" charset="0"/>
+              <a:buChar char="–"/>
+            </a:pPr>
+            <a:r>
+              <a:rPr lang="en-US" sz="2800" dirty="0" smtClean="0"/>
+              <a:t>ŷ = a</a:t>
+            </a:r>
+            <a:r>
+              <a:rPr lang="en-US" sz="2800" baseline="30000" dirty="0" smtClean="0"/>
+              <a:t>[2]  </a:t>
+            </a:r>
+            <a:r>
+              <a:rPr lang="en-US" sz="2800" dirty="0" smtClean="0"/>
+              <a:t>= </a:t>
+            </a:r>
+            <a:r>
+              <a:rPr lang="el-GR" sz="2800" dirty="0" smtClean="0"/>
+              <a:t>σ</a:t>
+            </a:r>
+            <a:r>
+              <a:rPr lang="en-US" sz="2800" dirty="0" smtClean="0"/>
+              <a:t>(Z</a:t>
+            </a:r>
+            <a:r>
+              <a:rPr lang="en-US" sz="2800" baseline="30000" dirty="0" smtClean="0"/>
+              <a:t>[2]</a:t>
+            </a:r>
+            <a:r>
+              <a:rPr lang="en-US" sz="2800" dirty="0" smtClean="0"/>
+              <a:t>)</a:t>
+            </a:r>
+          </a:p>
+          <a:p>
+            <a:pPr marL="742950" lvl="1" indent="-285750">
+              <a:spcBef>
+                <a:spcPct val="20000"/>
+              </a:spcBef>
+              <a:buFont typeface="Arial" pitchFamily="34" charset="0"/>
+              <a:buChar char="–"/>
+            </a:pPr>
+            <a:r>
+              <a:rPr lang="en-US" sz="2800" dirty="0" smtClean="0"/>
+              <a:t>L(ŷ</a:t>
+            </a:r>
+            <a:r>
+              <a:rPr lang="en-US" sz="2800" baseline="30000" dirty="0" smtClean="0"/>
+              <a:t>(</a:t>
+            </a:r>
+            <a:r>
+              <a:rPr lang="en-US" sz="2800" baseline="30000" dirty="0" err="1" smtClean="0"/>
+              <a:t>i</a:t>
+            </a:r>
+            <a:r>
+              <a:rPr lang="en-US" sz="2800" baseline="30000" dirty="0" smtClean="0"/>
+              <a:t>)</a:t>
+            </a:r>
+            <a:r>
+              <a:rPr lang="en-US" sz="2800" dirty="0" smtClean="0"/>
+              <a:t>, y</a:t>
+            </a:r>
+            <a:r>
+              <a:rPr lang="en-US" sz="2800" baseline="30000" dirty="0" smtClean="0"/>
+              <a:t>(</a:t>
+            </a:r>
+            <a:r>
+              <a:rPr lang="en-US" sz="2800" baseline="30000" dirty="0" err="1" smtClean="0"/>
+              <a:t>i</a:t>
+            </a:r>
+            <a:r>
+              <a:rPr lang="en-US" sz="2800" baseline="30000" dirty="0" smtClean="0"/>
+              <a:t>)</a:t>
+            </a:r>
+            <a:r>
+              <a:rPr lang="en-US" sz="2800" dirty="0" smtClean="0"/>
+              <a:t>)</a:t>
+            </a:r>
+          </a:p>
+          <a:p>
+            <a:pPr marL="742950" lvl="1" indent="-285750">
+              <a:spcBef>
+                <a:spcPct val="20000"/>
+              </a:spcBef>
+              <a:buFont typeface="Arial" pitchFamily="34" charset="0"/>
+              <a:buChar char="–"/>
+            </a:pPr>
+            <a:r>
+              <a:rPr lang="en-US" sz="2800" dirty="0" smtClean="0"/>
+              <a:t>J(W</a:t>
+            </a:r>
+            <a:r>
+              <a:rPr lang="en-US" sz="2800" baseline="30000" dirty="0" smtClean="0"/>
+              <a:t>[1]</a:t>
+            </a:r>
+            <a:r>
+              <a:rPr lang="en-US" sz="2800" dirty="0" smtClean="0"/>
+              <a:t>, b</a:t>
+            </a:r>
+            <a:r>
+              <a:rPr lang="en-US" sz="2800" baseline="30000" dirty="0" smtClean="0"/>
+              <a:t>[1]</a:t>
+            </a:r>
+            <a:r>
+              <a:rPr lang="en-US" sz="2800" dirty="0" smtClean="0"/>
+              <a:t>, W</a:t>
+            </a:r>
+            <a:r>
+              <a:rPr lang="en-US" sz="2800" baseline="30000" dirty="0" smtClean="0"/>
+              <a:t>[2]</a:t>
+            </a:r>
+            <a:r>
+              <a:rPr lang="en-US" sz="2800" dirty="0" smtClean="0"/>
+              <a:t>, b</a:t>
+            </a:r>
+            <a:r>
+              <a:rPr lang="en-US" sz="2800" baseline="30000" dirty="0" smtClean="0"/>
+              <a:t>[2]</a:t>
+            </a:r>
+            <a:r>
+              <a:rPr lang="en-US" sz="2800" dirty="0" smtClean="0"/>
+              <a:t>)</a:t>
+            </a:r>
+            <a:endParaRPr kumimoji="0" lang="en-US" sz="2800" b="0" i="0" u="none" strike="noStrike" kern="1200" cap="none" spc="0" normalizeH="0" noProof="0" dirty="0" smtClean="0">
+              <a:ln>
+                <a:noFill/>
+              </a:ln>
+              <a:solidFill>
+                <a:schemeClr val="tx1"/>
+              </a:solidFill>
+              <a:effectLst/>
+              <a:uLnTx/>
+              <a:uFillTx/>
+              <a:latin typeface="+mn-lt"/>
+              <a:ea typeface="+mn-ea"/>
+              <a:cs typeface="+mn-cs"/>
+            </a:endParaRPr>
           </a:p>
           <a:p>
             <a:pPr marL="342900" marR="0" lvl="0" indent="-342900" algn="l" defTabSz="914400" rtl="0" eaLnBrk="1" fontAlgn="auto" latinLnBrk="0" hangingPunct="1">
@@ -23094,26 +22880,6 @@
           </a:p>
         </p:txBody>
       </p:sp>
-      <p:graphicFrame>
-        <p:nvGraphicFramePr>
-          <p:cNvPr id="7" name="Object 6"/>
-          <p:cNvGraphicFramePr>
-            <a:graphicFrameLocks noChangeAspect="1"/>
-          </p:cNvGraphicFramePr>
-          <p:nvPr/>
-        </p:nvGraphicFramePr>
-        <p:xfrm>
-          <a:off x="4935538" y="2284413"/>
-          <a:ext cx="3460750" cy="1263650"/>
-        </p:xfrm>
-        <a:graphic>
-          <a:graphicData uri="http://schemas.openxmlformats.org/presentationml/2006/ole">
-            <p:oleObj spid="_x0000_s74754" name="Equation" r:id="rId3" imgW="1739880" imgH="634680" progId="Equation.3">
-              <p:embed/>
-            </p:oleObj>
-          </a:graphicData>
-        </a:graphic>
-      </p:graphicFrame>
     </p:spTree>
   </p:cSld>
   <p:clrMapOvr>
@@ -23165,7 +22931,7 @@
           <a:p>
             <a:r>
               <a:rPr lang="en-US" dirty="0" smtClean="0"/>
-              <a:t>Back Propagation  </a:t>
+              <a:t>Back Propagation </a:t>
             </a:r>
             <a:endParaRPr lang="en-US" dirty="0"/>
           </a:p>
@@ -23488,11 +23254,11 @@
         </p:nvGraphicFramePr>
         <p:xfrm>
           <a:off x="4935538" y="2284413"/>
-          <a:ext cx="3460750" cy="2071687"/>
+          <a:ext cx="3460750" cy="1263650"/>
         </p:xfrm>
         <a:graphic>
           <a:graphicData uri="http://schemas.openxmlformats.org/presentationml/2006/ole">
-            <p:oleObj spid="_x0000_s75778" name="Equation" r:id="rId3" imgW="1739880" imgH="1041120" progId="Equation.3">
+            <p:oleObj spid="_x0000_s74754" name="Equation" r:id="rId3" imgW="1739880" imgH="634680" progId="Equation.3">
               <p:embed/>
             </p:oleObj>
           </a:graphicData>
@@ -24027,11 +23793,11 @@
         </p:nvGraphicFramePr>
         <p:xfrm>
           <a:off x="4935538" y="2284413"/>
-          <a:ext cx="3460750" cy="2525712"/>
+          <a:ext cx="3460750" cy="2071687"/>
         </p:xfrm>
         <a:graphic>
           <a:graphicData uri="http://schemas.openxmlformats.org/presentationml/2006/ole">
-            <p:oleObj spid="_x0000_s76802" name="Equation" r:id="rId3" imgW="1739880" imgH="1269720" progId="Equation.3">
+            <p:oleObj spid="_x0000_s75778" name="Equation" r:id="rId3" imgW="1739880" imgH="1041120" progId="Equation.3">
               <p:embed/>
             </p:oleObj>
           </a:graphicData>
@@ -24088,7 +23854,7 @@
           <a:p>
             <a:r>
               <a:rPr lang="en-US" dirty="0" smtClean="0"/>
-              <a:t>Back Propagation </a:t>
+              <a:t>Back Propagation  </a:t>
             </a:r>
             <a:endParaRPr lang="en-US" dirty="0"/>
           </a:p>
@@ -24411,11 +24177,11 @@
         </p:nvGraphicFramePr>
         <p:xfrm>
           <a:off x="4935538" y="2284413"/>
-          <a:ext cx="3460750" cy="3536950"/>
+          <a:ext cx="3460750" cy="2525712"/>
         </p:xfrm>
         <a:graphic>
           <a:graphicData uri="http://schemas.openxmlformats.org/presentationml/2006/ole">
-            <p:oleObj spid="_x0000_s77826" name="Equation" r:id="rId3" imgW="1739880" imgH="1777680" progId="Equation.3">
+            <p:oleObj spid="_x0000_s76802" name="Equation" r:id="rId3" imgW="1739880" imgH="1269720" progId="Equation.3">
               <p:embed/>
             </p:oleObj>
           </a:graphicData>
@@ -24472,6 +24238,390 @@
           <a:p>
             <a:r>
               <a:rPr lang="en-US" dirty="0" smtClean="0"/>
+              <a:t>Back Propagation </a:t>
+            </a:r>
+            <a:endParaRPr lang="en-US" dirty="0"/>
+          </a:p>
+        </p:txBody>
+      </p:sp>
+      <p:sp>
+        <p:nvSpPr>
+          <p:cNvPr id="3" name="Content Placeholder 2"/>
+          <p:cNvSpPr>
+            <a:spLocks noGrp="1"/>
+          </p:cNvSpPr>
+          <p:nvPr>
+            <p:ph idx="1"/>
+          </p:nvPr>
+        </p:nvSpPr>
+        <p:spPr>
+          <a:xfrm>
+            <a:off x="457200" y="1600200"/>
+            <a:ext cx="4114800" cy="4525963"/>
+          </a:xfrm>
+        </p:spPr>
+        <p:txBody>
+          <a:bodyPr/>
+          <a:lstStyle/>
+          <a:p>
+            <a:r>
+              <a:rPr lang="en-US" dirty="0" smtClean="0"/>
+              <a:t>Parameters</a:t>
+            </a:r>
+          </a:p>
+          <a:p>
+            <a:pPr lvl="1"/>
+            <a:r>
+              <a:rPr lang="en-US" dirty="0" smtClean="0"/>
+              <a:t>W</a:t>
+            </a:r>
+            <a:r>
+              <a:rPr lang="en-US" baseline="30000" dirty="0" smtClean="0"/>
+              <a:t>[1]</a:t>
+            </a:r>
+            <a:r>
+              <a:rPr lang="en-US" dirty="0" smtClean="0"/>
+              <a:t>, b</a:t>
+            </a:r>
+            <a:r>
+              <a:rPr lang="en-US" baseline="30000" dirty="0" smtClean="0"/>
+              <a:t>[1]</a:t>
+            </a:r>
+            <a:r>
+              <a:rPr lang="en-US" dirty="0" smtClean="0"/>
+              <a:t>, W</a:t>
+            </a:r>
+            <a:r>
+              <a:rPr lang="en-US" baseline="30000" dirty="0" smtClean="0"/>
+              <a:t>[2]</a:t>
+            </a:r>
+            <a:r>
+              <a:rPr lang="en-US" dirty="0" smtClean="0"/>
+              <a:t>, b</a:t>
+            </a:r>
+            <a:r>
+              <a:rPr lang="en-US" baseline="30000" dirty="0" smtClean="0"/>
+              <a:t>[2]</a:t>
+            </a:r>
+          </a:p>
+          <a:p>
+            <a:pPr lvl="0">
+              <a:defRPr/>
+            </a:pPr>
+            <a:r>
+              <a:rPr lang="en-US" dirty="0" smtClean="0"/>
+              <a:t>Cost function</a:t>
+            </a:r>
+          </a:p>
+          <a:p>
+            <a:pPr lvl="1">
+              <a:defRPr/>
+            </a:pPr>
+            <a:r>
+              <a:rPr lang="en-US" dirty="0" smtClean="0"/>
+              <a:t>J(W</a:t>
+            </a:r>
+            <a:r>
+              <a:rPr lang="en-US" baseline="30000" dirty="0" smtClean="0"/>
+              <a:t>[1]</a:t>
+            </a:r>
+            <a:r>
+              <a:rPr lang="en-US" dirty="0" smtClean="0"/>
+              <a:t>, b</a:t>
+            </a:r>
+            <a:r>
+              <a:rPr lang="en-US" baseline="30000" dirty="0" smtClean="0"/>
+              <a:t>[1]</a:t>
+            </a:r>
+            <a:r>
+              <a:rPr lang="en-US" dirty="0" smtClean="0"/>
+              <a:t>, W</a:t>
+            </a:r>
+            <a:r>
+              <a:rPr lang="en-US" baseline="30000" dirty="0" smtClean="0"/>
+              <a:t>[2]</a:t>
+            </a:r>
+            <a:r>
+              <a:rPr lang="en-US" dirty="0" smtClean="0"/>
+              <a:t>, b</a:t>
+            </a:r>
+            <a:r>
+              <a:rPr lang="en-US" baseline="30000" dirty="0" smtClean="0"/>
+              <a:t>[2]</a:t>
+            </a:r>
+            <a:r>
+              <a:rPr lang="en-US" dirty="0" smtClean="0"/>
+              <a:t>)</a:t>
+            </a:r>
+            <a:r>
+              <a:rPr lang="en-US" baseline="30000" dirty="0" smtClean="0"/>
+              <a:t>    </a:t>
+            </a:r>
+            <a:endParaRPr lang="en-US" dirty="0" smtClean="0"/>
+          </a:p>
+          <a:p>
+            <a:endParaRPr lang="en-US" dirty="0" smtClean="0"/>
+          </a:p>
+          <a:p>
+            <a:pPr lvl="1"/>
+            <a:endParaRPr lang="en-US" dirty="0"/>
+          </a:p>
+        </p:txBody>
+      </p:sp>
+      <p:sp>
+        <p:nvSpPr>
+          <p:cNvPr id="4" name="Content Placeholder 2"/>
+          <p:cNvSpPr txBox="1">
+            <a:spLocks/>
+          </p:cNvSpPr>
+          <p:nvPr/>
+        </p:nvSpPr>
+        <p:spPr>
+          <a:xfrm>
+            <a:off x="4648200" y="1600200"/>
+            <a:ext cx="4114800" cy="4525963"/>
+          </a:xfrm>
+          <a:prstGeom prst="rect">
+            <a:avLst/>
+          </a:prstGeom>
+        </p:spPr>
+        <p:txBody>
+          <a:bodyPr vert="horz" lIns="91440" tIns="45720" rIns="91440" bIns="45720" rtlCol="0">
+            <a:normAutofit/>
+          </a:bodyPr>
+          <a:lstStyle/>
+          <a:p>
+            <a:pPr marL="742950" marR="0" lvl="1" indent="-285750" algn="l" defTabSz="914400" rtl="0" eaLnBrk="1" fontAlgn="auto" latinLnBrk="0" hangingPunct="1">
+              <a:lnSpc>
+                <a:spcPct val="100000"/>
+              </a:lnSpc>
+              <a:spcBef>
+                <a:spcPct val="20000"/>
+              </a:spcBef>
+              <a:spcAft>
+                <a:spcPts val="0"/>
+              </a:spcAft>
+              <a:buClrTx/>
+              <a:buSzTx/>
+              <a:buFont typeface="Arial" pitchFamily="34" charset="0"/>
+              <a:buChar char="–"/>
+              <a:tabLst/>
+              <a:defRPr/>
+            </a:pPr>
+            <a:endParaRPr kumimoji="0" lang="en-US" sz="2800" b="0" i="0" u="none" strike="noStrike" kern="1200" cap="none" spc="0" normalizeH="0" baseline="0" noProof="0" dirty="0">
+              <a:ln>
+                <a:noFill/>
+              </a:ln>
+              <a:solidFill>
+                <a:schemeClr val="tx1"/>
+              </a:solidFill>
+              <a:effectLst/>
+              <a:uLnTx/>
+              <a:uFillTx/>
+              <a:latin typeface="+mn-lt"/>
+              <a:ea typeface="+mn-ea"/>
+              <a:cs typeface="+mn-cs"/>
+            </a:endParaRPr>
+          </a:p>
+        </p:txBody>
+      </p:sp>
+      <p:sp>
+        <p:nvSpPr>
+          <p:cNvPr id="6" name="Content Placeholder 2"/>
+          <p:cNvSpPr txBox="1">
+            <a:spLocks/>
+          </p:cNvSpPr>
+          <p:nvPr/>
+        </p:nvSpPr>
+        <p:spPr>
+          <a:xfrm>
+            <a:off x="4724400" y="1600200"/>
+            <a:ext cx="4114800" cy="4525963"/>
+          </a:xfrm>
+          <a:prstGeom prst="rect">
+            <a:avLst/>
+          </a:prstGeom>
+        </p:spPr>
+        <p:txBody>
+          <a:bodyPr vert="horz" lIns="91440" tIns="45720" rIns="91440" bIns="45720" rtlCol="0">
+            <a:normAutofit/>
+          </a:bodyPr>
+          <a:lstStyle/>
+          <a:p>
+            <a:pPr marL="342900" marR="0" lvl="0" indent="-342900" algn="l" defTabSz="914400" rtl="0" eaLnBrk="1" fontAlgn="auto" latinLnBrk="0" hangingPunct="1">
+              <a:lnSpc>
+                <a:spcPct val="100000"/>
+              </a:lnSpc>
+              <a:spcBef>
+                <a:spcPct val="20000"/>
+              </a:spcBef>
+              <a:spcAft>
+                <a:spcPts val="0"/>
+              </a:spcAft>
+              <a:buClrTx/>
+              <a:buSzTx/>
+              <a:buFont typeface="Arial" pitchFamily="34" charset="0"/>
+              <a:buChar char="•"/>
+              <a:tabLst/>
+              <a:defRPr/>
+            </a:pPr>
+            <a:r>
+              <a:rPr kumimoji="0" lang="en-US" sz="3200" b="0" i="0" u="none" strike="noStrike" kern="1200" cap="none" spc="0" normalizeH="0" baseline="0" noProof="0" dirty="0" smtClean="0">
+                <a:ln>
+                  <a:noFill/>
+                </a:ln>
+                <a:solidFill>
+                  <a:schemeClr val="tx1"/>
+                </a:solidFill>
+                <a:effectLst/>
+                <a:uLnTx/>
+                <a:uFillTx/>
+                <a:latin typeface="+mn-lt"/>
+                <a:ea typeface="+mn-ea"/>
+                <a:cs typeface="+mn-cs"/>
+              </a:rPr>
+              <a:t>Backward pass</a:t>
+            </a:r>
+          </a:p>
+          <a:p>
+            <a:pPr marL="342900" marR="0" lvl="0" indent="-342900" algn="l" defTabSz="914400" rtl="0" eaLnBrk="1" fontAlgn="auto" latinLnBrk="0" hangingPunct="1">
+              <a:lnSpc>
+                <a:spcPct val="100000"/>
+              </a:lnSpc>
+              <a:spcBef>
+                <a:spcPct val="20000"/>
+              </a:spcBef>
+              <a:spcAft>
+                <a:spcPts val="0"/>
+              </a:spcAft>
+              <a:buClrTx/>
+              <a:buSzTx/>
+              <a:buFont typeface="Arial" pitchFamily="34" charset="0"/>
+              <a:buChar char="•"/>
+              <a:tabLst/>
+              <a:defRPr/>
+            </a:pPr>
+            <a:endParaRPr kumimoji="0" lang="en-US" sz="3200" b="0" i="0" u="none" strike="noStrike" kern="1200" cap="none" spc="0" normalizeH="0" baseline="0" noProof="0" dirty="0" smtClean="0">
+              <a:ln>
+                <a:noFill/>
+              </a:ln>
+              <a:solidFill>
+                <a:schemeClr val="tx1"/>
+              </a:solidFill>
+              <a:effectLst/>
+              <a:uLnTx/>
+              <a:uFillTx/>
+              <a:latin typeface="+mn-lt"/>
+              <a:ea typeface="+mn-ea"/>
+              <a:cs typeface="+mn-cs"/>
+            </a:endParaRPr>
+          </a:p>
+          <a:p>
+            <a:pPr marL="742950" marR="0" lvl="1" indent="-285750" algn="l" defTabSz="914400" rtl="0" eaLnBrk="1" fontAlgn="auto" latinLnBrk="0" hangingPunct="1">
+              <a:lnSpc>
+                <a:spcPct val="100000"/>
+              </a:lnSpc>
+              <a:spcBef>
+                <a:spcPct val="20000"/>
+              </a:spcBef>
+              <a:spcAft>
+                <a:spcPts val="0"/>
+              </a:spcAft>
+              <a:buClrTx/>
+              <a:buSzTx/>
+              <a:buFont typeface="Arial" pitchFamily="34" charset="0"/>
+              <a:buChar char="–"/>
+              <a:tabLst/>
+              <a:defRPr/>
+            </a:pPr>
+            <a:endParaRPr kumimoji="0" lang="en-US" sz="2800" b="0" i="0" u="none" strike="noStrike" kern="1200" cap="none" spc="0" normalizeH="0" baseline="0" noProof="0" dirty="0">
+              <a:ln>
+                <a:noFill/>
+              </a:ln>
+              <a:solidFill>
+                <a:schemeClr val="tx1"/>
+              </a:solidFill>
+              <a:effectLst/>
+              <a:uLnTx/>
+              <a:uFillTx/>
+              <a:latin typeface="+mn-lt"/>
+              <a:ea typeface="+mn-ea"/>
+              <a:cs typeface="+mn-cs"/>
+            </a:endParaRPr>
+          </a:p>
+        </p:txBody>
+      </p:sp>
+      <p:graphicFrame>
+        <p:nvGraphicFramePr>
+          <p:cNvPr id="7" name="Object 6"/>
+          <p:cNvGraphicFramePr>
+            <a:graphicFrameLocks noChangeAspect="1"/>
+          </p:cNvGraphicFramePr>
+          <p:nvPr/>
+        </p:nvGraphicFramePr>
+        <p:xfrm>
+          <a:off x="4935538" y="2284413"/>
+          <a:ext cx="3460750" cy="3536950"/>
+        </p:xfrm>
+        <a:graphic>
+          <a:graphicData uri="http://schemas.openxmlformats.org/presentationml/2006/ole">
+            <p:oleObj spid="_x0000_s77826" name="Equation" r:id="rId3" imgW="1739880" imgH="1777680" progId="Equation.3">
+              <p:embed/>
+            </p:oleObj>
+          </a:graphicData>
+        </a:graphic>
+      </p:graphicFrame>
+    </p:spTree>
+  </p:cSld>
+  <p:clrMapOvr>
+    <a:masterClrMapping/>
+  </p:clrMapOvr>
+  <p:timing>
+    <p:tnLst>
+      <p:par>
+        <p:cTn id="1" dur="indefinite" restart="never" nodeType="tmRoot"/>
+      </p:par>
+    </p:tnLst>
+  </p:timing>
+</p:sld>
+</file>
+
+<file path=ppt/slides/slide33.xml><?xml version="1.0" encoding="utf-8"?>
+<p:sld xmlns:a="http://schemas.openxmlformats.org/drawingml/2006/main" xmlns:r="http://schemas.openxmlformats.org/officeDocument/2006/relationships" xmlns:p="http://schemas.openxmlformats.org/presentationml/2006/main">
+  <p:cSld>
+    <p:spTree>
+      <p:nvGrpSpPr>
+        <p:cNvPr id="1" name=""/>
+        <p:cNvGrpSpPr/>
+        <p:nvPr/>
+      </p:nvGrpSpPr>
+      <p:grpSpPr>
+        <a:xfrm>
+          <a:off x="0" y="0"/>
+          <a:ext cx="0" cy="0"/>
+          <a:chOff x="0" y="0"/>
+          <a:chExt cx="0" cy="0"/>
+        </a:xfrm>
+      </p:grpSpPr>
+      <p:sp>
+        <p:nvSpPr>
+          <p:cNvPr id="2" name="Title 1"/>
+          <p:cNvSpPr>
+            <a:spLocks noGrp="1"/>
+          </p:cNvSpPr>
+          <p:nvPr>
+            <p:ph type="title"/>
+          </p:nvPr>
+        </p:nvSpPr>
+        <p:spPr/>
+        <p:txBody>
+          <a:bodyPr>
+            <a:normAutofit/>
+          </a:bodyPr>
+          <a:lstStyle/>
+          <a:p>
+            <a:r>
+              <a:rPr lang="en-US" dirty="0" smtClean="0"/>
               <a:t>Activation Functions </a:t>
             </a:r>
             <a:endParaRPr lang="en-US" dirty="0"/>
@@ -24545,7 +24695,7 @@
 </p:sld>
 </file>
 
-<file path=ppt/slides/slide33.xml><?xml version="1.0" encoding="utf-8"?>
+<file path=ppt/slides/slide34.xml><?xml version="1.0" encoding="utf-8"?>
 <p:sld xmlns:a="http://schemas.openxmlformats.org/drawingml/2006/main" xmlns:r="http://schemas.openxmlformats.org/officeDocument/2006/relationships" xmlns:p="http://schemas.openxmlformats.org/presentationml/2006/main">
   <p:cSld>
     <p:spTree>
@@ -24649,7 +24799,7 @@
 </p:sld>
 </file>
 
-<file path=ppt/slides/slide34.xml><?xml version="1.0" encoding="utf-8"?>
+<file path=ppt/slides/slide35.xml><?xml version="1.0" encoding="utf-8"?>
 <p:sld xmlns:a="http://schemas.openxmlformats.org/drawingml/2006/main" xmlns:r="http://schemas.openxmlformats.org/officeDocument/2006/relationships" xmlns:p="http://schemas.openxmlformats.org/presentationml/2006/main">
   <p:cSld>
     <p:spTree>
@@ -24737,7 +24887,7 @@
 </p:sld>
 </file>
 
-<file path=ppt/slides/slide35.xml><?xml version="1.0" encoding="utf-8"?>
+<file path=ppt/slides/slide36.xml><?xml version="1.0" encoding="utf-8"?>
 <p:sld xmlns:a="http://schemas.openxmlformats.org/drawingml/2006/main" xmlns:r="http://schemas.openxmlformats.org/officeDocument/2006/relationships" xmlns:p="http://schemas.openxmlformats.org/presentationml/2006/main">
   <p:cSld>
     <p:spTree>
@@ -24834,7 +24984,7 @@
 </p:sld>
 </file>
 
-<file path=ppt/slides/slide36.xml><?xml version="1.0" encoding="utf-8"?>
+<file path=ppt/slides/slide37.xml><?xml version="1.0" encoding="utf-8"?>
 <p:sld xmlns:a="http://schemas.openxmlformats.org/drawingml/2006/main" xmlns:r="http://schemas.openxmlformats.org/officeDocument/2006/relationships" xmlns:p="http://schemas.openxmlformats.org/presentationml/2006/main">
   <p:cSld>
     <p:spTree>
@@ -24939,114 +25089,6 @@
 </p:sld>
 </file>
 
-<file path=ppt/slides/slide37.xml><?xml version="1.0" encoding="utf-8"?>
-<p:sld xmlns:a="http://schemas.openxmlformats.org/drawingml/2006/main" xmlns:r="http://schemas.openxmlformats.org/officeDocument/2006/relationships" xmlns:p="http://schemas.openxmlformats.org/presentationml/2006/main">
-  <p:cSld>
-    <p:spTree>
-      <p:nvGrpSpPr>
-        <p:cNvPr id="1" name=""/>
-        <p:cNvGrpSpPr/>
-        <p:nvPr/>
-      </p:nvGrpSpPr>
-      <p:grpSpPr>
-        <a:xfrm>
-          <a:off x="0" y="0"/>
-          <a:ext cx="0" cy="0"/>
-          <a:chOff x="0" y="0"/>
-          <a:chExt cx="0" cy="0"/>
-        </a:xfrm>
-      </p:grpSpPr>
-      <p:sp>
-        <p:nvSpPr>
-          <p:cNvPr id="2" name="Title 1"/>
-          <p:cNvSpPr>
-            <a:spLocks noGrp="1"/>
-          </p:cNvSpPr>
-          <p:nvPr>
-            <p:ph type="title"/>
-          </p:nvPr>
-        </p:nvSpPr>
-        <p:spPr/>
-        <p:txBody>
-          <a:bodyPr>
-            <a:normAutofit/>
-          </a:bodyPr>
-          <a:lstStyle/>
-          <a:p>
-            <a:r>
-              <a:rPr lang="en-US" dirty="0" err="1" smtClean="0"/>
-              <a:t>tanh</a:t>
-            </a:r>
-            <a:r>
-              <a:rPr lang="en-US" dirty="0" smtClean="0"/>
-              <a:t> Activation  </a:t>
-            </a:r>
-            <a:endParaRPr lang="en-US" dirty="0"/>
-          </a:p>
-        </p:txBody>
-      </p:sp>
-      <p:sp>
-        <p:nvSpPr>
-          <p:cNvPr id="3" name="Content Placeholder 2"/>
-          <p:cNvSpPr>
-            <a:spLocks noGrp="1"/>
-          </p:cNvSpPr>
-          <p:nvPr>
-            <p:ph idx="1"/>
-          </p:nvPr>
-        </p:nvSpPr>
-        <p:spPr/>
-        <p:txBody>
-          <a:bodyPr/>
-          <a:lstStyle/>
-          <a:p>
-            <a:r>
-              <a:rPr lang="en-US" dirty="0" err="1" smtClean="0"/>
-              <a:t>tanh</a:t>
-            </a:r>
-            <a:r>
-              <a:rPr lang="en-US" dirty="0" smtClean="0"/>
-              <a:t>(Z) ~ 1 – For Z &gt;&gt; 0 </a:t>
-            </a:r>
-          </a:p>
-          <a:p>
-            <a:r>
-              <a:rPr lang="en-US" dirty="0" err="1" smtClean="0"/>
-              <a:t>tanh</a:t>
-            </a:r>
-            <a:r>
-              <a:rPr lang="en-US" dirty="0" smtClean="0"/>
-              <a:t>(Z) ~ -1 – For Z &lt;&lt; 0 </a:t>
-            </a:r>
-          </a:p>
-          <a:p>
-            <a:r>
-              <a:rPr lang="en-US" dirty="0" err="1" smtClean="0"/>
-              <a:t>tanh</a:t>
-            </a:r>
-            <a:r>
-              <a:rPr lang="en-US" dirty="0" smtClean="0"/>
-              <a:t>(Z) = 0 – For Z = 0</a:t>
-            </a:r>
-            <a:endParaRPr lang="en-US" dirty="0"/>
-          </a:p>
-        </p:txBody>
-      </p:sp>
-    </p:spTree>
-  </p:cSld>
-  <p:clrMapOvr>
-    <a:masterClrMapping/>
-  </p:clrMapOvr>
-  <p:timing>
-    <p:tnLst>
-      <p:par>
-        <p:cTn id="1" dur="indefinite" restart="never" nodeType="tmRoot"/>
-      </p:par>
-    </p:tnLst>
-  </p:timing>
-</p:sld>
-</file>
-
 <file path=ppt/slides/slide38.xml><?xml version="1.0" encoding="utf-8"?>
 <p:sld xmlns:a="http://schemas.openxmlformats.org/drawingml/2006/main" xmlns:r="http://schemas.openxmlformats.org/officeDocument/2006/relationships" xmlns:p="http://schemas.openxmlformats.org/presentationml/2006/main">
   <p:cSld>
@@ -25087,7 +25129,7 @@
             </a:r>
             <a:r>
               <a:rPr lang="en-US" dirty="0" smtClean="0"/>
-              <a:t> Activation </a:t>
+              <a:t> Activation  </a:t>
             </a:r>
             <a:endParaRPr lang="en-US" dirty="0"/>
           </a:p>
@@ -25103,52 +25145,39 @@
             <p:ph idx="1"/>
           </p:nvPr>
         </p:nvSpPr>
-        <p:spPr>
-          <a:xfrm>
-            <a:off x="457200" y="1600200"/>
-            <a:ext cx="8305800" cy="4525963"/>
-          </a:xfrm>
-        </p:spPr>
+        <p:spPr/>
         <p:txBody>
           <a:bodyPr/>
           <a:lstStyle/>
           <a:p>
             <a:r>
-              <a:rPr lang="en-US" dirty="0" smtClean="0"/>
-              <a:t>Zero mean </a:t>
-            </a:r>
-          </a:p>
-          <a:p>
-            <a:r>
-              <a:rPr lang="en-US" dirty="0" smtClean="0"/>
-              <a:t>Range – -1.0 to +1.0 </a:t>
-            </a:r>
-          </a:p>
-          <a:p>
-            <a:r>
-              <a:rPr lang="en-US" dirty="0" smtClean="0"/>
-              <a:t>Scaled and zero mean Sigmoid function</a:t>
-            </a:r>
-          </a:p>
-          <a:p>
-            <a:r>
-              <a:rPr lang="en-US" dirty="0" smtClean="0"/>
-              <a:t>Better than Sigmoid activation function</a:t>
-            </a:r>
-          </a:p>
-          <a:p>
-            <a:r>
-              <a:rPr lang="en-US" dirty="0" smtClean="0"/>
-              <a:t>Neural network</a:t>
-            </a:r>
-          </a:p>
-          <a:p>
-            <a:r>
-              <a:rPr lang="en-US" dirty="0" smtClean="0"/>
-              <a:t>Recurrent neural network</a:t>
-            </a:r>
-          </a:p>
-          <a:p>
+              <a:rPr lang="en-US" dirty="0" err="1" smtClean="0"/>
+              <a:t>tanh</a:t>
+            </a:r>
+            <a:r>
+              <a:rPr lang="en-US" dirty="0" smtClean="0"/>
+              <a:t>(Z) ~ 1 – For Z &gt;&gt; 0 </a:t>
+            </a:r>
+          </a:p>
+          <a:p>
+            <a:r>
+              <a:rPr lang="en-US" dirty="0" err="1" smtClean="0"/>
+              <a:t>tanh</a:t>
+            </a:r>
+            <a:r>
+              <a:rPr lang="en-US" dirty="0" smtClean="0"/>
+              <a:t>(Z) ~ -1 – For Z &lt;&lt; 0 </a:t>
+            </a:r>
+          </a:p>
+          <a:p>
+            <a:r>
+              <a:rPr lang="en-US" dirty="0" err="1" smtClean="0"/>
+              <a:t>tanh</a:t>
+            </a:r>
+            <a:r>
+              <a:rPr lang="en-US" dirty="0" smtClean="0"/>
+              <a:t>(Z) = 0 – For Z = 0</a:t>
+            </a:r>
             <a:endParaRPr lang="en-US" dirty="0"/>
           </a:p>
         </p:txBody>
@@ -25208,52 +25237,72 @@
             </a:r>
             <a:r>
               <a:rPr lang="en-US" dirty="0" smtClean="0"/>
-              <a:t> Activation  </a:t>
+              <a:t> Activation </a:t>
             </a:r>
             <a:endParaRPr lang="en-US" dirty="0"/>
           </a:p>
         </p:txBody>
       </p:sp>
-      <p:graphicFrame>
-        <p:nvGraphicFramePr>
-          <p:cNvPr id="7170" name="Object 2"/>
-          <p:cNvGraphicFramePr>
-            <a:graphicFrameLocks noChangeAspect="1"/>
-          </p:cNvGraphicFramePr>
-          <p:nvPr/>
-        </p:nvGraphicFramePr>
-        <p:xfrm>
-          <a:off x="930275" y="1600200"/>
-          <a:ext cx="2390775" cy="814388"/>
-        </p:xfrm>
-        <a:graphic>
-          <a:graphicData uri="http://schemas.openxmlformats.org/presentationml/2006/ole">
-            <p:oleObj spid="_x0000_s7170" name="Equation" r:id="rId3" imgW="1244520" imgH="419040" progId="Equation.3">
-              <p:embed/>
-            </p:oleObj>
-          </a:graphicData>
-        </a:graphic>
-      </p:graphicFrame>
-      <p:graphicFrame>
-        <p:nvGraphicFramePr>
-          <p:cNvPr id="7171" name="Object 3"/>
-          <p:cNvGraphicFramePr>
-            <a:graphicFrameLocks noChangeAspect="1"/>
-          </p:cNvGraphicFramePr>
-          <p:nvPr/>
-        </p:nvGraphicFramePr>
-        <p:xfrm>
-          <a:off x="973138" y="2714625"/>
-          <a:ext cx="3025775" cy="765175"/>
-        </p:xfrm>
-        <a:graphic>
-          <a:graphicData uri="http://schemas.openxmlformats.org/presentationml/2006/ole">
-            <p:oleObj spid="_x0000_s7171" name="Equation" r:id="rId4" imgW="1574640" imgH="393480" progId="Equation.3">
-              <p:embed/>
-            </p:oleObj>
-          </a:graphicData>
-        </a:graphic>
-      </p:graphicFrame>
+      <p:sp>
+        <p:nvSpPr>
+          <p:cNvPr id="3" name="Content Placeholder 2"/>
+          <p:cNvSpPr>
+            <a:spLocks noGrp="1"/>
+          </p:cNvSpPr>
+          <p:nvPr>
+            <p:ph idx="1"/>
+          </p:nvPr>
+        </p:nvSpPr>
+        <p:spPr>
+          <a:xfrm>
+            <a:off x="457200" y="1600200"/>
+            <a:ext cx="8305800" cy="4525963"/>
+          </a:xfrm>
+        </p:spPr>
+        <p:txBody>
+          <a:bodyPr/>
+          <a:lstStyle/>
+          <a:p>
+            <a:r>
+              <a:rPr lang="en-US" dirty="0" smtClean="0"/>
+              <a:t>Zero mean </a:t>
+            </a:r>
+          </a:p>
+          <a:p>
+            <a:r>
+              <a:rPr lang="en-US" dirty="0" smtClean="0"/>
+              <a:t>Range – -1.0 to +1.0 </a:t>
+            </a:r>
+          </a:p>
+          <a:p>
+            <a:r>
+              <a:rPr lang="en-US" dirty="0" smtClean="0"/>
+              <a:t>Scaled and zero mean Sigmoid function</a:t>
+            </a:r>
+          </a:p>
+          <a:p>
+            <a:r>
+              <a:rPr lang="en-US" dirty="0" smtClean="0"/>
+              <a:t>Better than Sigmoid activation function</a:t>
+            </a:r>
+          </a:p>
+          <a:p>
+            <a:r>
+              <a:rPr lang="en-US" dirty="0" smtClean="0"/>
+              <a:t>Neural network</a:t>
+            </a:r>
+          </a:p>
+          <a:p>
+            <a:r>
+              <a:rPr lang="en-US" dirty="0" smtClean="0"/>
+              <a:t>Recurrent neural network</a:t>
+            </a:r>
+          </a:p>
+          <a:p>
+            <a:endParaRPr lang="en-US" dirty="0"/>
+          </a:p>
+        </p:txBody>
+      </p:sp>
     </p:spTree>
   </p:cSld>
   <p:clrMapOvr>
@@ -25409,6 +25458,107 @@
           <a:p>
             <a:r>
               <a:rPr lang="en-US" dirty="0" err="1" smtClean="0"/>
+              <a:t>tanh</a:t>
+            </a:r>
+            <a:r>
+              <a:rPr lang="en-US" dirty="0" smtClean="0"/>
+              <a:t> Activation  </a:t>
+            </a:r>
+            <a:endParaRPr lang="en-US" dirty="0"/>
+          </a:p>
+        </p:txBody>
+      </p:sp>
+      <p:graphicFrame>
+        <p:nvGraphicFramePr>
+          <p:cNvPr id="7170" name="Object 2"/>
+          <p:cNvGraphicFramePr>
+            <a:graphicFrameLocks noChangeAspect="1"/>
+          </p:cNvGraphicFramePr>
+          <p:nvPr/>
+        </p:nvGraphicFramePr>
+        <p:xfrm>
+          <a:off x="930275" y="1600200"/>
+          <a:ext cx="2390775" cy="814388"/>
+        </p:xfrm>
+        <a:graphic>
+          <a:graphicData uri="http://schemas.openxmlformats.org/presentationml/2006/ole">
+            <p:oleObj spid="_x0000_s7170" name="Equation" r:id="rId3" imgW="1244520" imgH="419040" progId="Equation.3">
+              <p:embed/>
+            </p:oleObj>
+          </a:graphicData>
+        </a:graphic>
+      </p:graphicFrame>
+      <p:graphicFrame>
+        <p:nvGraphicFramePr>
+          <p:cNvPr id="7171" name="Object 3"/>
+          <p:cNvGraphicFramePr>
+            <a:graphicFrameLocks noChangeAspect="1"/>
+          </p:cNvGraphicFramePr>
+          <p:nvPr/>
+        </p:nvGraphicFramePr>
+        <p:xfrm>
+          <a:off x="973138" y="2714625"/>
+          <a:ext cx="3025775" cy="765175"/>
+        </p:xfrm>
+        <a:graphic>
+          <a:graphicData uri="http://schemas.openxmlformats.org/presentationml/2006/ole">
+            <p:oleObj spid="_x0000_s7171" name="Equation" r:id="rId4" imgW="1574640" imgH="393480" progId="Equation.3">
+              <p:embed/>
+            </p:oleObj>
+          </a:graphicData>
+        </a:graphic>
+      </p:graphicFrame>
+    </p:spTree>
+  </p:cSld>
+  <p:clrMapOvr>
+    <a:masterClrMapping/>
+  </p:clrMapOvr>
+  <p:timing>
+    <p:tnLst>
+      <p:par>
+        <p:cTn id="1" dur="indefinite" restart="never" nodeType="tmRoot"/>
+      </p:par>
+    </p:tnLst>
+  </p:timing>
+</p:sld>
+</file>
+
+<file path=ppt/slides/slide41.xml><?xml version="1.0" encoding="utf-8"?>
+<p:sld xmlns:a="http://schemas.openxmlformats.org/drawingml/2006/main" xmlns:r="http://schemas.openxmlformats.org/officeDocument/2006/relationships" xmlns:p="http://schemas.openxmlformats.org/presentationml/2006/main">
+  <p:cSld>
+    <p:spTree>
+      <p:nvGrpSpPr>
+        <p:cNvPr id="1" name=""/>
+        <p:cNvGrpSpPr/>
+        <p:nvPr/>
+      </p:nvGrpSpPr>
+      <p:grpSpPr>
+        <a:xfrm>
+          <a:off x="0" y="0"/>
+          <a:ext cx="0" cy="0"/>
+          <a:chOff x="0" y="0"/>
+          <a:chExt cx="0" cy="0"/>
+        </a:xfrm>
+      </p:grpSpPr>
+      <p:sp>
+        <p:nvSpPr>
+          <p:cNvPr id="2" name="Title 1"/>
+          <p:cNvSpPr>
+            <a:spLocks noGrp="1"/>
+          </p:cNvSpPr>
+          <p:nvPr>
+            <p:ph type="title"/>
+          </p:nvPr>
+        </p:nvSpPr>
+        <p:spPr/>
+        <p:txBody>
+          <a:bodyPr>
+            <a:normAutofit/>
+          </a:bodyPr>
+          <a:lstStyle/>
+          <a:p>
+            <a:r>
+              <a:rPr lang="en-US" dirty="0" err="1" smtClean="0"/>
               <a:t>ReLU</a:t>
             </a:r>
             <a:r>
@@ -25481,131 +25631,6 @@
 </p:sld>
 </file>
 
-<file path=ppt/slides/slide41.xml><?xml version="1.0" encoding="utf-8"?>
-<p:sld xmlns:a="http://schemas.openxmlformats.org/drawingml/2006/main" xmlns:r="http://schemas.openxmlformats.org/officeDocument/2006/relationships" xmlns:p="http://schemas.openxmlformats.org/presentationml/2006/main">
-  <p:cSld>
-    <p:spTree>
-      <p:nvGrpSpPr>
-        <p:cNvPr id="1" name=""/>
-        <p:cNvGrpSpPr/>
-        <p:nvPr/>
-      </p:nvGrpSpPr>
-      <p:grpSpPr>
-        <a:xfrm>
-          <a:off x="0" y="0"/>
-          <a:ext cx="0" cy="0"/>
-          <a:chOff x="0" y="0"/>
-          <a:chExt cx="0" cy="0"/>
-        </a:xfrm>
-      </p:grpSpPr>
-      <p:sp>
-        <p:nvSpPr>
-          <p:cNvPr id="2" name="Title 1"/>
-          <p:cNvSpPr>
-            <a:spLocks noGrp="1"/>
-          </p:cNvSpPr>
-          <p:nvPr>
-            <p:ph type="title"/>
-          </p:nvPr>
-        </p:nvSpPr>
-        <p:spPr/>
-        <p:txBody>
-          <a:bodyPr>
-            <a:normAutofit/>
-          </a:bodyPr>
-          <a:lstStyle/>
-          <a:p>
-            <a:r>
-              <a:rPr lang="en-US" dirty="0" err="1" smtClean="0"/>
-              <a:t>ReLU</a:t>
-            </a:r>
-            <a:r>
-              <a:rPr lang="en-US" dirty="0" smtClean="0"/>
-              <a:t> Activation</a:t>
-            </a:r>
-            <a:endParaRPr lang="en-US" dirty="0"/>
-          </a:p>
-        </p:txBody>
-      </p:sp>
-      <p:sp>
-        <p:nvSpPr>
-          <p:cNvPr id="3" name="Content Placeholder 2"/>
-          <p:cNvSpPr>
-            <a:spLocks noGrp="1"/>
-          </p:cNvSpPr>
-          <p:nvPr>
-            <p:ph idx="1"/>
-          </p:nvPr>
-        </p:nvSpPr>
-        <p:spPr/>
-        <p:txBody>
-          <a:bodyPr/>
-          <a:lstStyle/>
-          <a:p>
-            <a:r>
-              <a:rPr lang="en-US" dirty="0" err="1" smtClean="0"/>
-              <a:t>ReLU</a:t>
-            </a:r>
-            <a:r>
-              <a:rPr lang="en-US" dirty="0" smtClean="0"/>
-              <a:t>(Z) ~ Z – For Z &gt; 0 </a:t>
-            </a:r>
-          </a:p>
-          <a:p>
-            <a:r>
-              <a:rPr lang="en-US" dirty="0" err="1" smtClean="0"/>
-              <a:t>ReLU</a:t>
-            </a:r>
-            <a:r>
-              <a:rPr lang="en-US" dirty="0" smtClean="0"/>
-              <a:t>(Z) ~ 0 – For Z &lt; 0 </a:t>
-            </a:r>
-          </a:p>
-          <a:p>
-            <a:r>
-              <a:rPr lang="en-US" dirty="0" err="1" smtClean="0"/>
-              <a:t>ReLU</a:t>
-            </a:r>
-            <a:r>
-              <a:rPr lang="en-US" dirty="0" smtClean="0"/>
-              <a:t>(Z) = </a:t>
-            </a:r>
-            <a:r>
-              <a:rPr lang="en-US" dirty="0" smtClean="0">
-                <a:solidFill>
-                  <a:srgbClr val="FF0000"/>
-                </a:solidFill>
-              </a:rPr>
-              <a:t>?</a:t>
-            </a:r>
-            <a:r>
-              <a:rPr lang="en-US" dirty="0" smtClean="0"/>
-              <a:t> – For Z = 0</a:t>
-            </a:r>
-          </a:p>
-          <a:p>
-            <a:endParaRPr lang="en-US" dirty="0" smtClean="0"/>
-          </a:p>
-          <a:p>
-            <a:endParaRPr lang="en-US" dirty="0"/>
-          </a:p>
-        </p:txBody>
-      </p:sp>
-    </p:spTree>
-  </p:cSld>
-  <p:clrMapOvr>
-    <a:masterClrMapping/>
-  </p:clrMapOvr>
-  <p:timing>
-    <p:tnLst>
-      <p:par>
-        <p:cTn id="1" dur="indefinite" restart="never" nodeType="tmRoot"/>
-      </p:par>
-    </p:tnLst>
-  </p:timing>
-</p:sld>
-</file>
-
 <file path=ppt/slides/slide42.xml><?xml version="1.0" encoding="utf-8"?>
 <p:sld xmlns:a="http://schemas.openxmlformats.org/drawingml/2006/main" xmlns:r="http://schemas.openxmlformats.org/officeDocument/2006/relationships" xmlns:p="http://schemas.openxmlformats.org/presentationml/2006/main">
   <p:cSld>
@@ -25668,14 +25693,44 @@
           <a:lstStyle/>
           <a:p>
             <a:r>
-              <a:rPr lang="en-US" dirty="0" smtClean="0"/>
-              <a:t>Neural network </a:t>
-            </a:r>
-          </a:p>
-          <a:p>
-            <a:r>
-              <a:rPr lang="en-US" dirty="0" smtClean="0"/>
-              <a:t>Convolutional neural network</a:t>
+              <a:rPr lang="en-US" dirty="0" err="1" smtClean="0"/>
+              <a:t>ReLU</a:t>
+            </a:r>
+            <a:r>
+              <a:rPr lang="en-US" dirty="0" smtClean="0"/>
+              <a:t>(Z) ~ Z – For Z &gt; 0 </a:t>
+            </a:r>
+          </a:p>
+          <a:p>
+            <a:r>
+              <a:rPr lang="en-US" dirty="0" err="1" smtClean="0"/>
+              <a:t>ReLU</a:t>
+            </a:r>
+            <a:r>
+              <a:rPr lang="en-US" dirty="0" smtClean="0"/>
+              <a:t>(Z) ~ 0 – For Z &lt; 0 </a:t>
+            </a:r>
+          </a:p>
+          <a:p>
+            <a:r>
+              <a:rPr lang="en-US" dirty="0" err="1" smtClean="0"/>
+              <a:t>ReLU</a:t>
+            </a:r>
+            <a:r>
+              <a:rPr lang="en-US" dirty="0" smtClean="0"/>
+              <a:t>(Z) = </a:t>
+            </a:r>
+            <a:r>
+              <a:rPr lang="en-US" dirty="0" smtClean="0">
+                <a:solidFill>
+                  <a:srgbClr val="FF0000"/>
+                </a:solidFill>
+              </a:rPr>
+              <a:t>?</a:t>
+            </a:r>
+            <a:r>
+              <a:rPr lang="en-US" dirty="0" smtClean="0"/>
+              <a:t> – For Z = 0</a:t>
             </a:r>
           </a:p>
           <a:p>
@@ -25702,6 +25757,101 @@
 </file>
 
 <file path=ppt/slides/slide43.xml><?xml version="1.0" encoding="utf-8"?>
+<p:sld xmlns:a="http://schemas.openxmlformats.org/drawingml/2006/main" xmlns:r="http://schemas.openxmlformats.org/officeDocument/2006/relationships" xmlns:p="http://schemas.openxmlformats.org/presentationml/2006/main">
+  <p:cSld>
+    <p:spTree>
+      <p:nvGrpSpPr>
+        <p:cNvPr id="1" name=""/>
+        <p:cNvGrpSpPr/>
+        <p:nvPr/>
+      </p:nvGrpSpPr>
+      <p:grpSpPr>
+        <a:xfrm>
+          <a:off x="0" y="0"/>
+          <a:ext cx="0" cy="0"/>
+          <a:chOff x="0" y="0"/>
+          <a:chExt cx="0" cy="0"/>
+        </a:xfrm>
+      </p:grpSpPr>
+      <p:sp>
+        <p:nvSpPr>
+          <p:cNvPr id="2" name="Title 1"/>
+          <p:cNvSpPr>
+            <a:spLocks noGrp="1"/>
+          </p:cNvSpPr>
+          <p:nvPr>
+            <p:ph type="title"/>
+          </p:nvPr>
+        </p:nvSpPr>
+        <p:spPr/>
+        <p:txBody>
+          <a:bodyPr>
+            <a:normAutofit/>
+          </a:bodyPr>
+          <a:lstStyle/>
+          <a:p>
+            <a:r>
+              <a:rPr lang="en-US" dirty="0" err="1" smtClean="0"/>
+              <a:t>ReLU</a:t>
+            </a:r>
+            <a:r>
+              <a:rPr lang="en-US" dirty="0" smtClean="0"/>
+              <a:t> Activation</a:t>
+            </a:r>
+            <a:endParaRPr lang="en-US" dirty="0"/>
+          </a:p>
+        </p:txBody>
+      </p:sp>
+      <p:sp>
+        <p:nvSpPr>
+          <p:cNvPr id="3" name="Content Placeholder 2"/>
+          <p:cNvSpPr>
+            <a:spLocks noGrp="1"/>
+          </p:cNvSpPr>
+          <p:nvPr>
+            <p:ph idx="1"/>
+          </p:nvPr>
+        </p:nvSpPr>
+        <p:spPr/>
+        <p:txBody>
+          <a:bodyPr/>
+          <a:lstStyle/>
+          <a:p>
+            <a:r>
+              <a:rPr lang="en-US" dirty="0" smtClean="0"/>
+              <a:t>Neural network </a:t>
+            </a:r>
+          </a:p>
+          <a:p>
+            <a:r>
+              <a:rPr lang="en-US" dirty="0" smtClean="0"/>
+              <a:t>Convolutional neural network</a:t>
+            </a:r>
+          </a:p>
+          <a:p>
+            <a:endParaRPr lang="en-US" dirty="0" smtClean="0"/>
+          </a:p>
+          <a:p>
+            <a:endParaRPr lang="en-US" dirty="0"/>
+          </a:p>
+        </p:txBody>
+      </p:sp>
+    </p:spTree>
+  </p:cSld>
+  <p:clrMapOvr>
+    <a:masterClrMapping/>
+  </p:clrMapOvr>
+  <p:timing>
+    <p:tnLst>
+      <p:par>
+        <p:cTn id="1" dur="indefinite" restart="never" nodeType="tmRoot"/>
+      </p:par>
+    </p:tnLst>
+  </p:timing>
+</p:sld>
+</file>
+
+<file path=ppt/slides/slide44.xml><?xml version="1.0" encoding="utf-8"?>
 <p:sld xmlns:a="http://schemas.openxmlformats.org/drawingml/2006/main" xmlns:r="http://schemas.openxmlformats.org/officeDocument/2006/relationships" xmlns:p="http://schemas.openxmlformats.org/presentationml/2006/main">
   <p:cSld>
     <p:spTree>
@@ -25802,7 +25952,7 @@
 </p:sld>
 </file>
 
-<file path=ppt/slides/slide44.xml><?xml version="1.0" encoding="utf-8"?>
+<file path=ppt/slides/slide45.xml><?xml version="1.0" encoding="utf-8"?>
 <p:sld xmlns:a="http://schemas.openxmlformats.org/drawingml/2006/main" xmlns:r="http://schemas.openxmlformats.org/officeDocument/2006/relationships" xmlns:p="http://schemas.openxmlformats.org/presentationml/2006/main">
   <p:cSld>
     <p:spTree>
@@ -25914,147 +26064,6 @@
 </p:sld>
 </file>
 
-<file path=ppt/slides/slide45.xml><?xml version="1.0" encoding="utf-8"?>
-<p:sld xmlns:a="http://schemas.openxmlformats.org/drawingml/2006/main" xmlns:r="http://schemas.openxmlformats.org/officeDocument/2006/relationships" xmlns:p="http://schemas.openxmlformats.org/presentationml/2006/main">
-  <p:cSld>
-    <p:spTree>
-      <p:nvGrpSpPr>
-        <p:cNvPr id="1" name=""/>
-        <p:cNvGrpSpPr/>
-        <p:nvPr/>
-      </p:nvGrpSpPr>
-      <p:grpSpPr>
-        <a:xfrm>
-          <a:off x="0" y="0"/>
-          <a:ext cx="0" cy="0"/>
-          <a:chOff x="0" y="0"/>
-          <a:chExt cx="0" cy="0"/>
-        </a:xfrm>
-      </p:grpSpPr>
-      <p:sp>
-        <p:nvSpPr>
-          <p:cNvPr id="2" name="Title 1"/>
-          <p:cNvSpPr>
-            <a:spLocks noGrp="1"/>
-          </p:cNvSpPr>
-          <p:nvPr>
-            <p:ph type="title"/>
-          </p:nvPr>
-        </p:nvSpPr>
-        <p:spPr/>
-        <p:txBody>
-          <a:bodyPr>
-            <a:normAutofit/>
-          </a:bodyPr>
-          <a:lstStyle/>
-          <a:p>
-            <a:r>
-              <a:rPr lang="en-US" dirty="0" smtClean="0"/>
-              <a:t>Leaky </a:t>
-            </a:r>
-            <a:r>
-              <a:rPr lang="en-US" dirty="0" err="1" smtClean="0"/>
-              <a:t>ReLU</a:t>
-            </a:r>
-            <a:r>
-              <a:rPr lang="en-US" dirty="0" smtClean="0"/>
-              <a:t> Activation</a:t>
-            </a:r>
-            <a:endParaRPr lang="en-US" dirty="0"/>
-          </a:p>
-        </p:txBody>
-      </p:sp>
-      <p:sp>
-        <p:nvSpPr>
-          <p:cNvPr id="3" name="Content Placeholder 2"/>
-          <p:cNvSpPr>
-            <a:spLocks noGrp="1"/>
-          </p:cNvSpPr>
-          <p:nvPr>
-            <p:ph idx="1"/>
-          </p:nvPr>
-        </p:nvSpPr>
-        <p:spPr/>
-        <p:txBody>
-          <a:bodyPr/>
-          <a:lstStyle/>
-          <a:p>
-            <a:r>
-              <a:rPr lang="en-US" dirty="0" smtClean="0"/>
-              <a:t>Leaky </a:t>
-            </a:r>
-            <a:r>
-              <a:rPr lang="en-US" dirty="0" err="1" smtClean="0"/>
-              <a:t>ReLU</a:t>
-            </a:r>
-            <a:r>
-              <a:rPr lang="en-US" dirty="0" smtClean="0"/>
-              <a:t>(Z) ~ Z – For Z &gt; 0 </a:t>
-            </a:r>
-          </a:p>
-          <a:p>
-            <a:r>
-              <a:rPr lang="en-US" dirty="0" smtClean="0"/>
-              <a:t>Leaky </a:t>
-            </a:r>
-            <a:r>
-              <a:rPr lang="en-US" dirty="0" err="1" smtClean="0"/>
-              <a:t>ReLU</a:t>
-            </a:r>
-            <a:r>
-              <a:rPr lang="en-US" dirty="0" smtClean="0"/>
-              <a:t>(Z) ~ 0.01 * Z – For Z &lt; 0 </a:t>
-            </a:r>
-          </a:p>
-          <a:p>
-            <a:r>
-              <a:rPr lang="en-US" dirty="0" smtClean="0"/>
-              <a:t>Leaky </a:t>
-            </a:r>
-            <a:r>
-              <a:rPr lang="en-US" dirty="0" err="1" smtClean="0"/>
-              <a:t>ReLU</a:t>
-            </a:r>
-            <a:r>
-              <a:rPr lang="en-US" dirty="0" smtClean="0"/>
-              <a:t>(Z) = </a:t>
-            </a:r>
-            <a:r>
-              <a:rPr lang="en-US" dirty="0" smtClean="0">
-                <a:solidFill>
-                  <a:srgbClr val="FF0000"/>
-                </a:solidFill>
-              </a:rPr>
-              <a:t>?</a:t>
-            </a:r>
-            <a:r>
-              <a:rPr lang="en-US" dirty="0" smtClean="0"/>
-              <a:t> – For Z = 0</a:t>
-            </a:r>
-          </a:p>
-          <a:p>
-            <a:endParaRPr lang="en-US" dirty="0" smtClean="0"/>
-          </a:p>
-          <a:p>
-            <a:endParaRPr lang="en-US" dirty="0"/>
-          </a:p>
-        </p:txBody>
-      </p:sp>
-    </p:spTree>
-  </p:cSld>
-  <p:clrMapOvr>
-    <a:masterClrMapping/>
-  </p:clrMapOvr>
-  <p:timing>
-    <p:tnLst>
-      <p:par>
-        <p:cTn id="1" dur="indefinite" restart="never" nodeType="tmRoot"/>
-      </p:par>
-    </p:tnLst>
-  </p:timing>
-</p:sld>
-</file>
-
 <file path=ppt/slides/slide46.xml><?xml version="1.0" encoding="utf-8"?>
 <p:sld xmlns:a="http://schemas.openxmlformats.org/drawingml/2006/main" xmlns:r="http://schemas.openxmlformats.org/officeDocument/2006/relationships" xmlns:p="http://schemas.openxmlformats.org/presentationml/2006/main">
   <p:cSld>
@@ -26122,13 +26131,55 @@
           <a:p>
             <a:r>
               <a:rPr lang="en-US" dirty="0" smtClean="0"/>
-              <a:t>Neural network </a:t>
-            </a:r>
-          </a:p>
-          <a:p>
-            <a:r>
-              <a:rPr lang="en-US" dirty="0" smtClean="0"/>
-              <a:t>Convolutional neural network</a:t>
+              <a:t>Leaky </a:t>
+            </a:r>
+            <a:r>
+              <a:rPr lang="en-US" dirty="0" err="1" smtClean="0"/>
+              <a:t>ReLU</a:t>
+            </a:r>
+            <a:r>
+              <a:rPr lang="en-US" dirty="0" smtClean="0"/>
+              <a:t>(Z) ~ Z – For Z &gt; 0 </a:t>
+            </a:r>
+          </a:p>
+          <a:p>
+            <a:r>
+              <a:rPr lang="en-US" dirty="0" smtClean="0"/>
+              <a:t>Leaky </a:t>
+            </a:r>
+            <a:r>
+              <a:rPr lang="en-US" dirty="0" err="1" smtClean="0"/>
+              <a:t>ReLU</a:t>
+            </a:r>
+            <a:r>
+              <a:rPr lang="en-US" dirty="0" smtClean="0"/>
+              <a:t>(Z) ~ 0.01 * Z – For Z &lt; 0 </a:t>
+            </a:r>
+          </a:p>
+          <a:p>
+            <a:r>
+              <a:rPr lang="en-US" dirty="0" smtClean="0"/>
+              <a:t>Leaky </a:t>
+            </a:r>
+            <a:r>
+              <a:rPr lang="en-US" dirty="0" err="1" smtClean="0"/>
+              <a:t>ReLU</a:t>
+            </a:r>
+            <a:r>
+              <a:rPr lang="en-US" dirty="0" smtClean="0"/>
+              <a:t>(Z) = </a:t>
+            </a:r>
+            <a:r>
+              <a:rPr lang="en-US" dirty="0" smtClean="0">
+                <a:solidFill>
+                  <a:srgbClr val="FF0000"/>
+                </a:solidFill>
+              </a:rPr>
+              <a:t>?</a:t>
+            </a:r>
+            <a:r>
+              <a:rPr lang="en-US" dirty="0" smtClean="0"/>
+              <a:t> – For Z = 0</a:t>
             </a:r>
           </a:p>
           <a:p>
@@ -26155,6 +26206,105 @@
 </file>
 
 <file path=ppt/slides/slide47.xml><?xml version="1.0" encoding="utf-8"?>
+<p:sld xmlns:a="http://schemas.openxmlformats.org/drawingml/2006/main" xmlns:r="http://schemas.openxmlformats.org/officeDocument/2006/relationships" xmlns:p="http://schemas.openxmlformats.org/presentationml/2006/main">
+  <p:cSld>
+    <p:spTree>
+      <p:nvGrpSpPr>
+        <p:cNvPr id="1" name=""/>
+        <p:cNvGrpSpPr/>
+        <p:nvPr/>
+      </p:nvGrpSpPr>
+      <p:grpSpPr>
+        <a:xfrm>
+          <a:off x="0" y="0"/>
+          <a:ext cx="0" cy="0"/>
+          <a:chOff x="0" y="0"/>
+          <a:chExt cx="0" cy="0"/>
+        </a:xfrm>
+      </p:grpSpPr>
+      <p:sp>
+        <p:nvSpPr>
+          <p:cNvPr id="2" name="Title 1"/>
+          <p:cNvSpPr>
+            <a:spLocks noGrp="1"/>
+          </p:cNvSpPr>
+          <p:nvPr>
+            <p:ph type="title"/>
+          </p:nvPr>
+        </p:nvSpPr>
+        <p:spPr/>
+        <p:txBody>
+          <a:bodyPr>
+            <a:normAutofit/>
+          </a:bodyPr>
+          <a:lstStyle/>
+          <a:p>
+            <a:r>
+              <a:rPr lang="en-US" dirty="0" smtClean="0"/>
+              <a:t>Leaky </a:t>
+            </a:r>
+            <a:r>
+              <a:rPr lang="en-US" dirty="0" err="1" smtClean="0"/>
+              <a:t>ReLU</a:t>
+            </a:r>
+            <a:r>
+              <a:rPr lang="en-US" dirty="0" smtClean="0"/>
+              <a:t> Activation</a:t>
+            </a:r>
+            <a:endParaRPr lang="en-US" dirty="0"/>
+          </a:p>
+        </p:txBody>
+      </p:sp>
+      <p:sp>
+        <p:nvSpPr>
+          <p:cNvPr id="3" name="Content Placeholder 2"/>
+          <p:cNvSpPr>
+            <a:spLocks noGrp="1"/>
+          </p:cNvSpPr>
+          <p:nvPr>
+            <p:ph idx="1"/>
+          </p:nvPr>
+        </p:nvSpPr>
+        <p:spPr/>
+        <p:txBody>
+          <a:bodyPr/>
+          <a:lstStyle/>
+          <a:p>
+            <a:r>
+              <a:rPr lang="en-US" dirty="0" smtClean="0"/>
+              <a:t>Neural network </a:t>
+            </a:r>
+          </a:p>
+          <a:p>
+            <a:r>
+              <a:rPr lang="en-US" dirty="0" smtClean="0"/>
+              <a:t>Convolutional neural network</a:t>
+            </a:r>
+          </a:p>
+          <a:p>
+            <a:endParaRPr lang="en-US" dirty="0" smtClean="0"/>
+          </a:p>
+          <a:p>
+            <a:endParaRPr lang="en-US" dirty="0"/>
+          </a:p>
+        </p:txBody>
+      </p:sp>
+    </p:spTree>
+  </p:cSld>
+  <p:clrMapOvr>
+    <a:masterClrMapping/>
+  </p:clrMapOvr>
+  <p:timing>
+    <p:tnLst>
+      <p:par>
+        <p:cTn id="1" dur="indefinite" restart="never" nodeType="tmRoot"/>
+      </p:par>
+    </p:tnLst>
+  </p:timing>
+</p:sld>
+</file>
+
+<file path=ppt/slides/slide48.xml><?xml version="1.0" encoding="utf-8"?>
 <p:sld xmlns:a="http://schemas.openxmlformats.org/drawingml/2006/main" xmlns:r="http://schemas.openxmlformats.org/officeDocument/2006/relationships" xmlns:p="http://schemas.openxmlformats.org/presentationml/2006/main">
   <p:cSld>
     <p:spTree>
@@ -26259,7 +26409,7 @@
 </p:sld>
 </file>
 
-<file path=ppt/slides/slide48.xml><?xml version="1.0" encoding="utf-8"?>
+<file path=ppt/slides/slide49.xml><?xml version="1.0" encoding="utf-8"?>
 <p:sld xmlns:a="http://schemas.openxmlformats.org/drawingml/2006/main" xmlns:r="http://schemas.openxmlformats.org/officeDocument/2006/relationships" xmlns:p="http://schemas.openxmlformats.org/presentationml/2006/main">
   <p:cSld>
     <p:spTree>

--- a/ArtificialNeuralNetwork/ArtificialNeuralNetwork.pptx
+++ b/ArtificialNeuralNetwork/ArtificialNeuralNetwork.pptx
@@ -155,6 +155,22 @@
       </a:defRPr>
     </a:lvl9pPr>
   </p:defaultTextStyle>
+  <p:extLst>
+    <p:ext uri="{EFAFB233-063F-42B5-8137-9DF3F51BA10A}">
+      <p15:sldGuideLst xmlns:p15="http://schemas.microsoft.com/office/powerpoint/2012/main">
+        <p15:guide id="1" orient="horz" pos="2160">
+          <p15:clr>
+            <a:srgbClr val="A4A3A4"/>
+          </p15:clr>
+        </p15:guide>
+        <p15:guide id="2" pos="2880">
+          <p15:clr>
+            <a:srgbClr val="A4A3A4"/>
+          </p15:clr>
+        </p15:guide>
+      </p15:sldGuideLst>
+    </p:ext>
+  </p:extLst>
 </p:presentation>
 </file>
 
@@ -241,7 +257,7 @@
             <a:fld id="{98BFDCCA-FFB9-49F6-B56E-F6432283D67C}" type="datetimeFigureOut">
               <a:rPr lang="en-US" smtClean="0"/>
               <a:pPr/>
-              <a:t>2/10/2023</a:t>
+              <a:t>3/7/2024</a:t>
             </a:fld>
             <a:endParaRPr lang="en-US"/>
           </a:p>
@@ -307,38 +323,37 @@
           <a:p>
             <a:pPr lvl="0"/>
             <a:r>
-              <a:rPr lang="en-US" smtClean="0"/>
+              <a:rPr lang="en-US"/>
               <a:t>Click to edit Master text styles</a:t>
             </a:r>
           </a:p>
           <a:p>
             <a:pPr lvl="1"/>
             <a:r>
-              <a:rPr lang="en-US" smtClean="0"/>
+              <a:rPr lang="en-US"/>
               <a:t>Second level</a:t>
             </a:r>
           </a:p>
           <a:p>
             <a:pPr lvl="2"/>
             <a:r>
-              <a:rPr lang="en-US" smtClean="0"/>
+              <a:rPr lang="en-US"/>
               <a:t>Third level</a:t>
             </a:r>
           </a:p>
           <a:p>
             <a:pPr lvl="3"/>
             <a:r>
-              <a:rPr lang="en-US" smtClean="0"/>
+              <a:rPr lang="en-US"/>
               <a:t>Fourth level</a:t>
             </a:r>
           </a:p>
           <a:p>
             <a:pPr lvl="4"/>
             <a:r>
-              <a:rPr lang="en-US" smtClean="0"/>
+              <a:rPr lang="en-US"/>
               <a:t>Fifth level</a:t>
             </a:r>
-            <a:endParaRPr lang="en-US"/>
           </a:p>
         </p:txBody>
       </p:sp>
@@ -545,10 +560,9 @@
           <a:lstStyle/>
           <a:p>
             <a:r>
-              <a:rPr lang="en-US" smtClean="0"/>
+              <a:rPr lang="en-US"/>
               <a:t>Click to edit Master title style</a:t>
             </a:r>
-            <a:endParaRPr lang="en-US"/>
           </a:p>
         </p:txBody>
       </p:sp>
@@ -664,10 +678,9 @@
           </a:lstStyle>
           <a:p>
             <a:r>
-              <a:rPr lang="en-US" smtClean="0"/>
+              <a:rPr lang="en-US"/>
               <a:t>Click to edit Master subtitle style</a:t>
             </a:r>
-            <a:endParaRPr lang="en-US"/>
           </a:p>
         </p:txBody>
       </p:sp>
@@ -689,7 +702,7 @@
             <a:fld id="{9099FEDA-6AC3-495C-A467-2B0399D71BB7}" type="datetimeFigureOut">
               <a:rPr lang="en-US" smtClean="0"/>
               <a:pPr/>
-              <a:t>2/10/2023</a:t>
+              <a:t>3/7/2024</a:t>
             </a:fld>
             <a:endParaRPr lang="en-US"/>
           </a:p>
@@ -779,10 +792,9 @@
           <a:lstStyle/>
           <a:p>
             <a:r>
-              <a:rPr lang="en-US" smtClean="0"/>
+              <a:rPr lang="en-US"/>
               <a:t>Click to edit Master title style</a:t>
             </a:r>
-            <a:endParaRPr lang="en-US"/>
           </a:p>
         </p:txBody>
       </p:sp>
@@ -803,38 +815,37 @@
           <a:p>
             <a:pPr lvl="0"/>
             <a:r>
-              <a:rPr lang="en-US" smtClean="0"/>
+              <a:rPr lang="en-US"/>
               <a:t>Click to edit Master text styles</a:t>
             </a:r>
           </a:p>
           <a:p>
             <a:pPr lvl="1"/>
             <a:r>
-              <a:rPr lang="en-US" smtClean="0"/>
+              <a:rPr lang="en-US"/>
               <a:t>Second level</a:t>
             </a:r>
           </a:p>
           <a:p>
             <a:pPr lvl="2"/>
             <a:r>
-              <a:rPr lang="en-US" smtClean="0"/>
+              <a:rPr lang="en-US"/>
               <a:t>Third level</a:t>
             </a:r>
           </a:p>
           <a:p>
             <a:pPr lvl="3"/>
             <a:r>
-              <a:rPr lang="en-US" smtClean="0"/>
+              <a:rPr lang="en-US"/>
               <a:t>Fourth level</a:t>
             </a:r>
           </a:p>
           <a:p>
             <a:pPr lvl="4"/>
             <a:r>
-              <a:rPr lang="en-US" smtClean="0"/>
+              <a:rPr lang="en-US"/>
               <a:t>Fifth level</a:t>
             </a:r>
-            <a:endParaRPr lang="en-US"/>
           </a:p>
         </p:txBody>
       </p:sp>
@@ -856,7 +867,7 @@
             <a:fld id="{9099FEDA-6AC3-495C-A467-2B0399D71BB7}" type="datetimeFigureOut">
               <a:rPr lang="en-US" smtClean="0"/>
               <a:pPr/>
-              <a:t>2/10/2023</a:t>
+              <a:t>3/7/2024</a:t>
             </a:fld>
             <a:endParaRPr lang="en-US"/>
           </a:p>
@@ -951,10 +962,9 @@
           <a:lstStyle/>
           <a:p>
             <a:r>
-              <a:rPr lang="en-US" smtClean="0"/>
+              <a:rPr lang="en-US"/>
               <a:t>Click to edit Master title style</a:t>
             </a:r>
-            <a:endParaRPr lang="en-US"/>
           </a:p>
         </p:txBody>
       </p:sp>
@@ -980,38 +990,37 @@
           <a:p>
             <a:pPr lvl="0"/>
             <a:r>
-              <a:rPr lang="en-US" smtClean="0"/>
+              <a:rPr lang="en-US"/>
               <a:t>Click to edit Master text styles</a:t>
             </a:r>
           </a:p>
           <a:p>
             <a:pPr lvl="1"/>
             <a:r>
-              <a:rPr lang="en-US" smtClean="0"/>
+              <a:rPr lang="en-US"/>
               <a:t>Second level</a:t>
             </a:r>
           </a:p>
           <a:p>
             <a:pPr lvl="2"/>
             <a:r>
-              <a:rPr lang="en-US" smtClean="0"/>
+              <a:rPr lang="en-US"/>
               <a:t>Third level</a:t>
             </a:r>
           </a:p>
           <a:p>
             <a:pPr lvl="3"/>
             <a:r>
-              <a:rPr lang="en-US" smtClean="0"/>
+              <a:rPr lang="en-US"/>
               <a:t>Fourth level</a:t>
             </a:r>
           </a:p>
           <a:p>
             <a:pPr lvl="4"/>
             <a:r>
-              <a:rPr lang="en-US" smtClean="0"/>
+              <a:rPr lang="en-US"/>
               <a:t>Fifth level</a:t>
             </a:r>
-            <a:endParaRPr lang="en-US"/>
           </a:p>
         </p:txBody>
       </p:sp>
@@ -1033,7 +1042,7 @@
             <a:fld id="{9099FEDA-6AC3-495C-A467-2B0399D71BB7}" type="datetimeFigureOut">
               <a:rPr lang="en-US" smtClean="0"/>
               <a:pPr/>
-              <a:t>2/10/2023</a:t>
+              <a:t>3/7/2024</a:t>
             </a:fld>
             <a:endParaRPr lang="en-US"/>
           </a:p>
@@ -1123,10 +1132,9 @@
           <a:lstStyle/>
           <a:p>
             <a:r>
-              <a:rPr lang="en-US" smtClean="0"/>
+              <a:rPr lang="en-US"/>
               <a:t>Click to edit Master title style</a:t>
             </a:r>
-            <a:endParaRPr lang="en-US"/>
           </a:p>
         </p:txBody>
       </p:sp>
@@ -1147,38 +1155,37 @@
           <a:p>
             <a:pPr lvl="0"/>
             <a:r>
-              <a:rPr lang="en-US" smtClean="0"/>
+              <a:rPr lang="en-US"/>
               <a:t>Click to edit Master text styles</a:t>
             </a:r>
           </a:p>
           <a:p>
             <a:pPr lvl="1"/>
             <a:r>
-              <a:rPr lang="en-US" smtClean="0"/>
+              <a:rPr lang="en-US"/>
               <a:t>Second level</a:t>
             </a:r>
           </a:p>
           <a:p>
             <a:pPr lvl="2"/>
             <a:r>
-              <a:rPr lang="en-US" smtClean="0"/>
+              <a:rPr lang="en-US"/>
               <a:t>Third level</a:t>
             </a:r>
           </a:p>
           <a:p>
             <a:pPr lvl="3"/>
             <a:r>
-              <a:rPr lang="en-US" smtClean="0"/>
+              <a:rPr lang="en-US"/>
               <a:t>Fourth level</a:t>
             </a:r>
           </a:p>
           <a:p>
             <a:pPr lvl="4"/>
             <a:r>
-              <a:rPr lang="en-US" smtClean="0"/>
+              <a:rPr lang="en-US"/>
               <a:t>Fifth level</a:t>
             </a:r>
-            <a:endParaRPr lang="en-US"/>
           </a:p>
         </p:txBody>
       </p:sp>
@@ -1200,7 +1207,7 @@
             <a:fld id="{9099FEDA-6AC3-495C-A467-2B0399D71BB7}" type="datetimeFigureOut">
               <a:rPr lang="en-US" smtClean="0"/>
               <a:pPr/>
-              <a:t>2/10/2023</a:t>
+              <a:t>3/7/2024</a:t>
             </a:fld>
             <a:endParaRPr lang="en-US"/>
           </a:p>
@@ -1299,10 +1306,9 @@
           </a:lstStyle>
           <a:p>
             <a:r>
-              <a:rPr lang="en-US" smtClean="0"/>
+              <a:rPr lang="en-US"/>
               <a:t>Click to edit Master title style</a:t>
             </a:r>
-            <a:endParaRPr lang="en-US"/>
           </a:p>
         </p:txBody>
       </p:sp>
@@ -1419,7 +1425,7 @@
           <a:p>
             <a:pPr lvl="0"/>
             <a:r>
-              <a:rPr lang="en-US" smtClean="0"/>
+              <a:rPr lang="en-US"/>
               <a:t>Click to edit Master text styles</a:t>
             </a:r>
           </a:p>
@@ -1443,7 +1449,7 @@
             <a:fld id="{9099FEDA-6AC3-495C-A467-2B0399D71BB7}" type="datetimeFigureOut">
               <a:rPr lang="en-US" smtClean="0"/>
               <a:pPr/>
-              <a:t>2/10/2023</a:t>
+              <a:t>3/7/2024</a:t>
             </a:fld>
             <a:endParaRPr lang="en-US"/>
           </a:p>
@@ -1533,10 +1539,9 @@
           <a:lstStyle/>
           <a:p>
             <a:r>
-              <a:rPr lang="en-US" smtClean="0"/>
+              <a:rPr lang="en-US"/>
               <a:t>Click to edit Master title style</a:t>
             </a:r>
-            <a:endParaRPr lang="en-US"/>
           </a:p>
         </p:txBody>
       </p:sp>
@@ -1590,38 +1595,37 @@
           <a:p>
             <a:pPr lvl="0"/>
             <a:r>
-              <a:rPr lang="en-US" smtClean="0"/>
+              <a:rPr lang="en-US"/>
               <a:t>Click to edit Master text styles</a:t>
             </a:r>
           </a:p>
           <a:p>
             <a:pPr lvl="1"/>
             <a:r>
-              <a:rPr lang="en-US" smtClean="0"/>
+              <a:rPr lang="en-US"/>
               <a:t>Second level</a:t>
             </a:r>
           </a:p>
           <a:p>
             <a:pPr lvl="2"/>
             <a:r>
-              <a:rPr lang="en-US" smtClean="0"/>
+              <a:rPr lang="en-US"/>
               <a:t>Third level</a:t>
             </a:r>
           </a:p>
           <a:p>
             <a:pPr lvl="3"/>
             <a:r>
-              <a:rPr lang="en-US" smtClean="0"/>
+              <a:rPr lang="en-US"/>
               <a:t>Fourth level</a:t>
             </a:r>
           </a:p>
           <a:p>
             <a:pPr lvl="4"/>
             <a:r>
-              <a:rPr lang="en-US" smtClean="0"/>
+              <a:rPr lang="en-US"/>
               <a:t>Fifth level</a:t>
             </a:r>
-            <a:endParaRPr lang="en-US"/>
           </a:p>
         </p:txBody>
       </p:sp>
@@ -1675,38 +1679,37 @@
           <a:p>
             <a:pPr lvl="0"/>
             <a:r>
-              <a:rPr lang="en-US" smtClean="0"/>
+              <a:rPr lang="en-US"/>
               <a:t>Click to edit Master text styles</a:t>
             </a:r>
           </a:p>
           <a:p>
             <a:pPr lvl="1"/>
             <a:r>
-              <a:rPr lang="en-US" smtClean="0"/>
+              <a:rPr lang="en-US"/>
               <a:t>Second level</a:t>
             </a:r>
           </a:p>
           <a:p>
             <a:pPr lvl="2"/>
             <a:r>
-              <a:rPr lang="en-US" smtClean="0"/>
+              <a:rPr lang="en-US"/>
               <a:t>Third level</a:t>
             </a:r>
           </a:p>
           <a:p>
             <a:pPr lvl="3"/>
             <a:r>
-              <a:rPr lang="en-US" smtClean="0"/>
+              <a:rPr lang="en-US"/>
               <a:t>Fourth level</a:t>
             </a:r>
           </a:p>
           <a:p>
             <a:pPr lvl="4"/>
             <a:r>
-              <a:rPr lang="en-US" smtClean="0"/>
+              <a:rPr lang="en-US"/>
               <a:t>Fifth level</a:t>
             </a:r>
-            <a:endParaRPr lang="en-US"/>
           </a:p>
         </p:txBody>
       </p:sp>
@@ -1728,7 +1731,7 @@
             <a:fld id="{9099FEDA-6AC3-495C-A467-2B0399D71BB7}" type="datetimeFigureOut">
               <a:rPr lang="en-US" smtClean="0"/>
               <a:pPr/>
-              <a:t>2/10/2023</a:t>
+              <a:t>3/7/2024</a:t>
             </a:fld>
             <a:endParaRPr lang="en-US"/>
           </a:p>
@@ -1822,10 +1825,9 @@
           </a:lstStyle>
           <a:p>
             <a:r>
-              <a:rPr lang="en-US" smtClean="0"/>
+              <a:rPr lang="en-US"/>
               <a:t>Click to edit Master title style</a:t>
             </a:r>
-            <a:endParaRPr lang="en-US"/>
           </a:p>
         </p:txBody>
       </p:sp>
@@ -1888,7 +1890,7 @@
           <a:p>
             <a:pPr lvl="0"/>
             <a:r>
-              <a:rPr lang="en-US" smtClean="0"/>
+              <a:rPr lang="en-US"/>
               <a:t>Click to edit Master text styles</a:t>
             </a:r>
           </a:p>
@@ -1944,38 +1946,37 @@
           <a:p>
             <a:pPr lvl="0"/>
             <a:r>
-              <a:rPr lang="en-US" smtClean="0"/>
+              <a:rPr lang="en-US"/>
               <a:t>Click to edit Master text styles</a:t>
             </a:r>
           </a:p>
           <a:p>
             <a:pPr lvl="1"/>
             <a:r>
-              <a:rPr lang="en-US" smtClean="0"/>
+              <a:rPr lang="en-US"/>
               <a:t>Second level</a:t>
             </a:r>
           </a:p>
           <a:p>
             <a:pPr lvl="2"/>
             <a:r>
-              <a:rPr lang="en-US" smtClean="0"/>
+              <a:rPr lang="en-US"/>
               <a:t>Third level</a:t>
             </a:r>
           </a:p>
           <a:p>
             <a:pPr lvl="3"/>
             <a:r>
-              <a:rPr lang="en-US" smtClean="0"/>
+              <a:rPr lang="en-US"/>
               <a:t>Fourth level</a:t>
             </a:r>
           </a:p>
           <a:p>
             <a:pPr lvl="4"/>
             <a:r>
-              <a:rPr lang="en-US" smtClean="0"/>
+              <a:rPr lang="en-US"/>
               <a:t>Fifth level</a:t>
             </a:r>
-            <a:endParaRPr lang="en-US"/>
           </a:p>
         </p:txBody>
       </p:sp>
@@ -2038,7 +2039,7 @@
           <a:p>
             <a:pPr lvl="0"/>
             <a:r>
-              <a:rPr lang="en-US" smtClean="0"/>
+              <a:rPr lang="en-US"/>
               <a:t>Click to edit Master text styles</a:t>
             </a:r>
           </a:p>
@@ -2094,38 +2095,37 @@
           <a:p>
             <a:pPr lvl="0"/>
             <a:r>
-              <a:rPr lang="en-US" smtClean="0"/>
+              <a:rPr lang="en-US"/>
               <a:t>Click to edit Master text styles</a:t>
             </a:r>
           </a:p>
           <a:p>
             <a:pPr lvl="1"/>
             <a:r>
-              <a:rPr lang="en-US" smtClean="0"/>
+              <a:rPr lang="en-US"/>
               <a:t>Second level</a:t>
             </a:r>
           </a:p>
           <a:p>
             <a:pPr lvl="2"/>
             <a:r>
-              <a:rPr lang="en-US" smtClean="0"/>
+              <a:rPr lang="en-US"/>
               <a:t>Third level</a:t>
             </a:r>
           </a:p>
           <a:p>
             <a:pPr lvl="3"/>
             <a:r>
-              <a:rPr lang="en-US" smtClean="0"/>
+              <a:rPr lang="en-US"/>
               <a:t>Fourth level</a:t>
             </a:r>
           </a:p>
           <a:p>
             <a:pPr lvl="4"/>
             <a:r>
-              <a:rPr lang="en-US" smtClean="0"/>
+              <a:rPr lang="en-US"/>
               <a:t>Fifth level</a:t>
             </a:r>
-            <a:endParaRPr lang="en-US"/>
           </a:p>
         </p:txBody>
       </p:sp>
@@ -2147,7 +2147,7 @@
             <a:fld id="{9099FEDA-6AC3-495C-A467-2B0399D71BB7}" type="datetimeFigureOut">
               <a:rPr lang="en-US" smtClean="0"/>
               <a:pPr/>
-              <a:t>2/10/2023</a:t>
+              <a:t>3/7/2024</a:t>
             </a:fld>
             <a:endParaRPr lang="en-US"/>
           </a:p>
@@ -2237,10 +2237,9 @@
           <a:lstStyle/>
           <a:p>
             <a:r>
-              <a:rPr lang="en-US" smtClean="0"/>
+              <a:rPr lang="en-US"/>
               <a:t>Click to edit Master title style</a:t>
             </a:r>
-            <a:endParaRPr lang="en-US"/>
           </a:p>
         </p:txBody>
       </p:sp>
@@ -2262,7 +2261,7 @@
             <a:fld id="{9099FEDA-6AC3-495C-A467-2B0399D71BB7}" type="datetimeFigureOut">
               <a:rPr lang="en-US" smtClean="0"/>
               <a:pPr/>
-              <a:t>2/10/2023</a:t>
+              <a:t>3/7/2024</a:t>
             </a:fld>
             <a:endParaRPr lang="en-US"/>
           </a:p>
@@ -2354,7 +2353,7 @@
             <a:fld id="{9099FEDA-6AC3-495C-A467-2B0399D71BB7}" type="datetimeFigureOut">
               <a:rPr lang="en-US" smtClean="0"/>
               <a:pPr/>
-              <a:t>2/10/2023</a:t>
+              <a:t>3/7/2024</a:t>
             </a:fld>
             <a:endParaRPr lang="en-US"/>
           </a:p>
@@ -2453,10 +2452,9 @@
           </a:lstStyle>
           <a:p>
             <a:r>
-              <a:rPr lang="en-US" smtClean="0"/>
+              <a:rPr lang="en-US"/>
               <a:t>Click to edit Master title style</a:t>
             </a:r>
-            <a:endParaRPr lang="en-US"/>
           </a:p>
         </p:txBody>
       </p:sp>
@@ -2510,38 +2508,37 @@
           <a:p>
             <a:pPr lvl="0"/>
             <a:r>
-              <a:rPr lang="en-US" smtClean="0"/>
+              <a:rPr lang="en-US"/>
               <a:t>Click to edit Master text styles</a:t>
             </a:r>
           </a:p>
           <a:p>
             <a:pPr lvl="1"/>
             <a:r>
-              <a:rPr lang="en-US" smtClean="0"/>
+              <a:rPr lang="en-US"/>
               <a:t>Second level</a:t>
             </a:r>
           </a:p>
           <a:p>
             <a:pPr lvl="2"/>
             <a:r>
-              <a:rPr lang="en-US" smtClean="0"/>
+              <a:rPr lang="en-US"/>
               <a:t>Third level</a:t>
             </a:r>
           </a:p>
           <a:p>
             <a:pPr lvl="3"/>
             <a:r>
-              <a:rPr lang="en-US" smtClean="0"/>
+              <a:rPr lang="en-US"/>
               <a:t>Fourth level</a:t>
             </a:r>
           </a:p>
           <a:p>
             <a:pPr lvl="4"/>
             <a:r>
-              <a:rPr lang="en-US" smtClean="0"/>
+              <a:rPr lang="en-US"/>
               <a:t>Fifth level</a:t>
             </a:r>
-            <a:endParaRPr lang="en-US"/>
           </a:p>
         </p:txBody>
       </p:sp>
@@ -2604,7 +2601,7 @@
           <a:p>
             <a:pPr lvl="0"/>
             <a:r>
-              <a:rPr lang="en-US" smtClean="0"/>
+              <a:rPr lang="en-US"/>
               <a:t>Click to edit Master text styles</a:t>
             </a:r>
           </a:p>
@@ -2628,7 +2625,7 @@
             <a:fld id="{9099FEDA-6AC3-495C-A467-2B0399D71BB7}" type="datetimeFigureOut">
               <a:rPr lang="en-US" smtClean="0"/>
               <a:pPr/>
-              <a:t>2/10/2023</a:t>
+              <a:t>3/7/2024</a:t>
             </a:fld>
             <a:endParaRPr lang="en-US"/>
           </a:p>
@@ -2727,10 +2724,9 @@
           </a:lstStyle>
           <a:p>
             <a:r>
-              <a:rPr lang="en-US" smtClean="0"/>
+              <a:rPr lang="en-US"/>
               <a:t>Click to edit Master title style</a:t>
             </a:r>
-            <a:endParaRPr lang="en-US"/>
           </a:p>
         </p:txBody>
       </p:sp>
@@ -2854,7 +2850,7 @@
           <a:p>
             <a:pPr lvl="0"/>
             <a:r>
-              <a:rPr lang="en-US" smtClean="0"/>
+              <a:rPr lang="en-US"/>
               <a:t>Click to edit Master text styles</a:t>
             </a:r>
           </a:p>
@@ -2878,7 +2874,7 @@
             <a:fld id="{9099FEDA-6AC3-495C-A467-2B0399D71BB7}" type="datetimeFigureOut">
               <a:rPr lang="en-US" smtClean="0"/>
               <a:pPr/>
-              <a:t>2/10/2023</a:t>
+              <a:t>3/7/2024</a:t>
             </a:fld>
             <a:endParaRPr lang="en-US"/>
           </a:p>
@@ -2983,10 +2979,9 @@
           <a:lstStyle/>
           <a:p>
             <a:r>
-              <a:rPr lang="en-US" smtClean="0"/>
+              <a:rPr lang="en-US"/>
               <a:t>Click to edit Master title style</a:t>
             </a:r>
-            <a:endParaRPr lang="en-US"/>
           </a:p>
         </p:txBody>
       </p:sp>
@@ -3017,38 +3012,37 @@
           <a:p>
             <a:pPr lvl="0"/>
             <a:r>
-              <a:rPr lang="en-US" smtClean="0"/>
+              <a:rPr lang="en-US"/>
               <a:t>Click to edit Master text styles</a:t>
             </a:r>
           </a:p>
           <a:p>
             <a:pPr lvl="1"/>
             <a:r>
-              <a:rPr lang="en-US" smtClean="0"/>
+              <a:rPr lang="en-US"/>
               <a:t>Second level</a:t>
             </a:r>
           </a:p>
           <a:p>
             <a:pPr lvl="2"/>
             <a:r>
-              <a:rPr lang="en-US" smtClean="0"/>
+              <a:rPr lang="en-US"/>
               <a:t>Third level</a:t>
             </a:r>
           </a:p>
           <a:p>
             <a:pPr lvl="3"/>
             <a:r>
-              <a:rPr lang="en-US" smtClean="0"/>
+              <a:rPr lang="en-US"/>
               <a:t>Fourth level</a:t>
             </a:r>
           </a:p>
           <a:p>
             <a:pPr lvl="4"/>
             <a:r>
-              <a:rPr lang="en-US" smtClean="0"/>
+              <a:rPr lang="en-US"/>
               <a:t>Fifth level</a:t>
             </a:r>
-            <a:endParaRPr lang="en-US"/>
           </a:p>
         </p:txBody>
       </p:sp>
@@ -3088,7 +3082,7 @@
             <a:fld id="{9099FEDA-6AC3-495C-A467-2B0399D71BB7}" type="datetimeFigureOut">
               <a:rPr lang="en-US" smtClean="0"/>
               <a:pPr/>
-              <a:t>2/10/2023</a:t>
+              <a:t>3/7/2024</a:t>
             </a:fld>
             <a:endParaRPr lang="en-US"/>
           </a:p>
@@ -3475,14 +3469,13 @@
           <a:lstStyle/>
           <a:p>
             <a:r>
-              <a:rPr lang="en-US" smtClean="0"/>
+              <a:rPr lang="en-US"/>
               <a:t>Artificial Neural </a:t>
             </a:r>
             <a:r>
-              <a:rPr lang="en-US" dirty="0" smtClean="0"/>
+              <a:rPr lang="en-US" dirty="0"/>
               <a:t>Network</a:t>
             </a:r>
-            <a:endParaRPr lang="en-US" dirty="0"/>
           </a:p>
         </p:txBody>
       </p:sp>
@@ -3509,19 +3502,19 @@
           <a:lstStyle/>
           <a:p>
             <a:r>
-              <a:rPr lang="en-US" dirty="0" smtClean="0"/>
+              <a:rPr lang="en-US" dirty="0"/>
               <a:t>Pritam Prakash Shete</a:t>
             </a:r>
           </a:p>
           <a:p>
             <a:r>
-              <a:rPr lang="en-US" dirty="0" smtClean="0"/>
+              <a:rPr lang="en-US" dirty="0"/>
               <a:t>Computer Division, BARC </a:t>
             </a:r>
           </a:p>
           <a:p>
             <a:r>
-              <a:rPr lang="en-IN" dirty="0" smtClean="0"/>
+              <a:rPr lang="en-IN" dirty="0"/>
               <a:t>Centre for Excellence in Basic Sciences</a:t>
             </a:r>
             <a:endParaRPr lang="en-US" dirty="0"/>
@@ -3533,13 +3526,6 @@
   <p:clrMapOvr>
     <a:masterClrMapping/>
   </p:clrMapOvr>
-  <p:timing>
-    <p:tnLst>
-      <p:par>
-        <p:cTn id="1" dur="indefinite" restart="never" nodeType="tmRoot"/>
-      </p:par>
-    </p:tnLst>
-  </p:timing>
 </p:sld>
 </file>
 
@@ -3578,10 +3564,9 @@
           <a:lstStyle/>
           <a:p>
             <a:r>
-              <a:rPr lang="en-US" dirty="0" smtClean="0"/>
+              <a:rPr lang="en-US" dirty="0"/>
               <a:t>Logistic Regression</a:t>
             </a:r>
-            <a:endParaRPr lang="en-US" dirty="0"/>
           </a:p>
         </p:txBody>
       </p:sp>
@@ -3603,74 +3588,74 @@
           <a:lstStyle/>
           <a:p>
             <a:r>
-              <a:rPr lang="en-US" dirty="0" smtClean="0"/>
+              <a:rPr lang="en-US" dirty="0"/>
               <a:t>Weights – W  </a:t>
             </a:r>
           </a:p>
           <a:p>
             <a:pPr lvl="1"/>
             <a:r>
-              <a:rPr lang="en-US" dirty="0" smtClean="0"/>
+              <a:rPr lang="en-US" dirty="0"/>
               <a:t>Vector</a:t>
             </a:r>
           </a:p>
           <a:p>
             <a:pPr lvl="1"/>
             <a:r>
-              <a:rPr lang="en-US" dirty="0" smtClean="0"/>
+              <a:rPr lang="en-US" dirty="0"/>
               <a:t>W </a:t>
             </a:r>
             <a:r>
-              <a:rPr lang="el-GR" dirty="0" smtClean="0"/>
+              <a:rPr lang="el-GR" dirty="0"/>
               <a:t>ε</a:t>
             </a:r>
             <a:r>
-              <a:rPr lang="en-US" dirty="0" smtClean="0"/>
+              <a:rPr lang="en-US" dirty="0"/>
               <a:t> R</a:t>
             </a:r>
           </a:p>
           <a:p>
             <a:pPr lvl="1"/>
             <a:r>
-              <a:rPr lang="en-US" dirty="0" smtClean="0"/>
+              <a:rPr lang="en-US" dirty="0"/>
               <a:t>Dimension – n</a:t>
             </a:r>
             <a:r>
-              <a:rPr lang="en-US" baseline="-25000" dirty="0" smtClean="0"/>
+              <a:rPr lang="en-US" baseline="-25000" dirty="0"/>
               <a:t>X </a:t>
             </a:r>
           </a:p>
           <a:p>
             <a:r>
-              <a:rPr lang="en-US" dirty="0" smtClean="0"/>
+              <a:rPr lang="en-US" dirty="0"/>
               <a:t>Bias – b  </a:t>
             </a:r>
           </a:p>
           <a:p>
             <a:pPr lvl="1"/>
             <a:r>
-              <a:rPr lang="en-US" dirty="0" smtClean="0"/>
+              <a:rPr lang="en-US" dirty="0"/>
               <a:t>Scalar</a:t>
             </a:r>
           </a:p>
           <a:p>
             <a:pPr lvl="1"/>
             <a:r>
-              <a:rPr lang="en-US" dirty="0" smtClean="0"/>
+              <a:rPr lang="en-US" dirty="0"/>
               <a:t>b </a:t>
             </a:r>
             <a:r>
-              <a:rPr lang="el-GR" dirty="0" smtClean="0"/>
+              <a:rPr lang="el-GR" dirty="0"/>
               <a:t>ε </a:t>
             </a:r>
             <a:r>
-              <a:rPr lang="en-US" dirty="0" smtClean="0"/>
+              <a:rPr lang="en-US" dirty="0"/>
               <a:t>R</a:t>
             </a:r>
           </a:p>
           <a:p>
             <a:r>
-              <a:rPr lang="en-US" dirty="0" smtClean="0">
+              <a:rPr lang="en-US" dirty="0">
                 <a:solidFill>
                   <a:srgbClr val="00B050"/>
                 </a:solidFill>
@@ -3678,7 +3663,7 @@
               <a:t>Z = W</a:t>
             </a:r>
             <a:r>
-              <a:rPr lang="en-US" baseline="30000" dirty="0" smtClean="0">
+              <a:rPr lang="en-US" baseline="30000" dirty="0">
                 <a:solidFill>
                   <a:srgbClr val="00B050"/>
                 </a:solidFill>
@@ -3686,7 +3671,7 @@
               <a:t>T</a:t>
             </a:r>
             <a:r>
-              <a:rPr lang="en-US" dirty="0" smtClean="0">
+              <a:rPr lang="en-US" dirty="0">
                 <a:solidFill>
                   <a:srgbClr val="00B050"/>
                 </a:solidFill>
@@ -3696,7 +3681,7 @@
           </a:p>
           <a:p>
             <a:r>
-              <a:rPr lang="en-US" dirty="0" smtClean="0">
+              <a:rPr lang="en-US" dirty="0">
                 <a:solidFill>
                   <a:srgbClr val="00B050"/>
                 </a:solidFill>
@@ -3714,13 +3699,6 @@
   <p:clrMapOvr>
     <a:masterClrMapping/>
   </p:clrMapOvr>
-  <p:timing>
-    <p:tnLst>
-      <p:par>
-        <p:cTn id="1" dur="indefinite" restart="never" nodeType="tmRoot"/>
-      </p:par>
-    </p:tnLst>
-  </p:timing>
 </p:sld>
 </file>
 
@@ -3759,10 +3737,9 @@
           <a:lstStyle/>
           <a:p>
             <a:r>
-              <a:rPr lang="en-US" dirty="0" smtClean="0"/>
+              <a:rPr lang="en-US" dirty="0"/>
               <a:t>Artificial Neural Network</a:t>
             </a:r>
-            <a:endParaRPr lang="en-US" dirty="0"/>
           </a:p>
         </p:txBody>
       </p:sp>
@@ -3787,28 +3764,28 @@
           <a:lstStyle/>
           <a:p>
             <a:r>
-              <a:rPr lang="en-US" dirty="0" smtClean="0"/>
+              <a:rPr lang="en-US" dirty="0"/>
               <a:t>Z = W</a:t>
             </a:r>
             <a:r>
-              <a:rPr lang="en-US" baseline="30000" dirty="0" smtClean="0"/>
+              <a:rPr lang="en-US" baseline="30000" dirty="0"/>
               <a:t>T</a:t>
             </a:r>
             <a:r>
-              <a:rPr lang="en-US" dirty="0" smtClean="0"/>
+              <a:rPr lang="en-US" dirty="0"/>
               <a:t>X + b</a:t>
             </a:r>
           </a:p>
           <a:p>
             <a:pPr lvl="1"/>
             <a:r>
-              <a:rPr lang="en-US" dirty="0" smtClean="0"/>
+              <a:rPr lang="en-US" dirty="0"/>
               <a:t>Linear regression</a:t>
             </a:r>
           </a:p>
           <a:p>
             <a:pPr lvl="1"/>
-            <a:endParaRPr lang="en-US" dirty="0" smtClean="0"/>
+            <a:endParaRPr lang="en-US" dirty="0"/>
           </a:p>
         </p:txBody>
       </p:sp>
@@ -3849,14 +3826,13 @@
             <a:lstStyle/>
             <a:p>
               <a:r>
-                <a:rPr lang="en-US" sz="2400" b="1" dirty="0" smtClean="0"/>
+                <a:rPr lang="en-US" sz="2400" b="1" dirty="0"/>
                 <a:t>x</a:t>
               </a:r>
               <a:r>
-                <a:rPr lang="en-US" sz="2400" b="1" baseline="-25000" dirty="0" smtClean="0"/>
+                <a:rPr lang="en-US" sz="2400" b="1" baseline="-25000" dirty="0"/>
                 <a:t>1</a:t>
               </a:r>
-              <a:endParaRPr lang="en-US" sz="2400" b="1" baseline="-25000" dirty="0"/>
             </a:p>
           </p:txBody>
         </p:sp>
@@ -3883,14 +3859,13 @@
             <a:lstStyle/>
             <a:p>
               <a:r>
-                <a:rPr lang="en-US" sz="2400" b="1" dirty="0" smtClean="0"/>
+                <a:rPr lang="en-US" sz="2400" b="1" dirty="0"/>
                 <a:t>x</a:t>
               </a:r>
               <a:r>
-                <a:rPr lang="en-US" sz="2400" b="1" baseline="-25000" dirty="0" smtClean="0"/>
+                <a:rPr lang="en-US" sz="2400" b="1" baseline="-25000" dirty="0"/>
                 <a:t>2</a:t>
               </a:r>
-              <a:endParaRPr lang="en-US" sz="2400" b="1" baseline="-25000" dirty="0"/>
             </a:p>
           </p:txBody>
         </p:sp>
@@ -3917,14 +3892,13 @@
             <a:lstStyle/>
             <a:p>
               <a:r>
-                <a:rPr lang="en-US" sz="2400" b="1" dirty="0" smtClean="0"/>
+                <a:rPr lang="en-US" sz="2400" b="1" dirty="0"/>
                 <a:t>x</a:t>
               </a:r>
               <a:r>
-                <a:rPr lang="en-US" sz="2400" b="1" baseline="-25000" dirty="0" smtClean="0"/>
+                <a:rPr lang="en-US" sz="2400" b="1" baseline="-25000" dirty="0"/>
                 <a:t>3</a:t>
               </a:r>
-              <a:endParaRPr lang="en-US" sz="2400" b="1" baseline="-25000" dirty="0"/>
             </a:p>
           </p:txBody>
         </p:sp>
@@ -3999,10 +3973,9 @@
             <a:lstStyle/>
             <a:p>
               <a:r>
-                <a:rPr lang="en-US" sz="2400" b="1" dirty="0" smtClean="0"/>
+                <a:rPr lang="en-US" sz="2400" b="1" dirty="0"/>
                 <a:t>a = ŷ</a:t>
               </a:r>
-              <a:endParaRPr lang="en-US" sz="2400" b="1" dirty="0"/>
             </a:p>
           </p:txBody>
         </p:sp>
@@ -4181,14 +4154,13 @@
             <a:lstStyle/>
             <a:p>
               <a:r>
-                <a:rPr lang="en-US" sz="2400" b="1" dirty="0" smtClean="0"/>
+                <a:rPr lang="en-US" sz="2400" b="1" dirty="0"/>
                 <a:t>W</a:t>
               </a:r>
               <a:r>
-                <a:rPr lang="en-US" sz="2400" b="1" baseline="-25000" dirty="0" smtClean="0"/>
+                <a:rPr lang="en-US" sz="2400" b="1" baseline="-25000" dirty="0"/>
                 <a:t>1</a:t>
               </a:r>
-              <a:endParaRPr lang="en-US" sz="2400" b="1" baseline="-25000" dirty="0"/>
             </a:p>
           </p:txBody>
         </p:sp>
@@ -4215,14 +4187,13 @@
             <a:lstStyle/>
             <a:p>
               <a:r>
-                <a:rPr lang="en-US" sz="2400" b="1" dirty="0" smtClean="0"/>
+                <a:rPr lang="en-US" sz="2400" b="1" dirty="0"/>
                 <a:t>W</a:t>
               </a:r>
               <a:r>
-                <a:rPr lang="en-US" sz="2400" b="1" baseline="-25000" dirty="0" smtClean="0"/>
+                <a:rPr lang="en-US" sz="2400" b="1" baseline="-25000" dirty="0"/>
                 <a:t>2</a:t>
               </a:r>
-              <a:endParaRPr lang="en-US" sz="2400" b="1" baseline="-25000" dirty="0"/>
             </a:p>
           </p:txBody>
         </p:sp>
@@ -4249,14 +4220,13 @@
             <a:lstStyle/>
             <a:p>
               <a:r>
-                <a:rPr lang="en-US" sz="2400" b="1" dirty="0" smtClean="0"/>
+                <a:rPr lang="en-US" sz="2400" b="1" dirty="0"/>
                 <a:t>W</a:t>
               </a:r>
               <a:r>
-                <a:rPr lang="en-US" sz="2400" b="1" baseline="-25000" dirty="0" smtClean="0"/>
+                <a:rPr lang="en-US" sz="2400" b="1" baseline="-25000" dirty="0"/>
                 <a:t>3</a:t>
               </a:r>
-              <a:endParaRPr lang="en-US" sz="2400" b="1" baseline="-25000" dirty="0"/>
             </a:p>
           </p:txBody>
         </p:sp>
@@ -4283,7 +4253,7 @@
             <a:lstStyle/>
             <a:p>
               <a:r>
-                <a:rPr lang="en-US" sz="2400" b="1" dirty="0" smtClean="0"/>
+                <a:rPr lang="en-US" sz="2400" b="1" dirty="0"/>
                 <a:t>+b</a:t>
               </a:r>
               <a:endParaRPr lang="en-US" sz="2400" b="1" baseline="-25000" dirty="0"/>
@@ -4351,7 +4321,7 @@
             <a:lstStyle/>
             <a:p>
               <a:r>
-                <a:rPr lang="en-US" sz="2400" b="1" dirty="0" smtClean="0"/>
+                <a:rPr lang="en-US" sz="2400" b="1" dirty="0"/>
                 <a:t>activation</a:t>
               </a:r>
               <a:endParaRPr lang="en-US" sz="2400" b="1" baseline="-25000" dirty="0"/>
@@ -4364,13 +4334,6 @@
   <p:clrMapOvr>
     <a:masterClrMapping/>
   </p:clrMapOvr>
-  <p:timing>
-    <p:tnLst>
-      <p:par>
-        <p:cTn id="1" dur="indefinite" restart="never" nodeType="tmRoot"/>
-      </p:par>
-    </p:tnLst>
-  </p:timing>
 </p:sld>
 </file>
 
@@ -4409,10 +4372,9 @@
           <a:lstStyle/>
           <a:p>
             <a:r>
-              <a:rPr lang="en-US" dirty="0" smtClean="0"/>
+              <a:rPr lang="en-US" dirty="0"/>
               <a:t>Artificial Neural Network </a:t>
             </a:r>
-            <a:endParaRPr lang="en-US" dirty="0"/>
           </a:p>
         </p:txBody>
       </p:sp>
@@ -4437,56 +4399,56 @@
           <a:lstStyle/>
           <a:p>
             <a:r>
-              <a:rPr lang="en-US" dirty="0" smtClean="0"/>
+              <a:rPr lang="en-US" dirty="0"/>
               <a:t>Z = W</a:t>
             </a:r>
             <a:r>
-              <a:rPr lang="en-US" baseline="30000" dirty="0" smtClean="0"/>
+              <a:rPr lang="en-US" baseline="30000" dirty="0"/>
               <a:t>T</a:t>
             </a:r>
             <a:r>
-              <a:rPr lang="en-US" dirty="0" smtClean="0"/>
+              <a:rPr lang="en-US" dirty="0"/>
               <a:t>X + b</a:t>
             </a:r>
           </a:p>
           <a:p>
             <a:pPr lvl="1"/>
             <a:r>
-              <a:rPr lang="en-US" dirty="0" smtClean="0"/>
+              <a:rPr lang="en-US" dirty="0"/>
               <a:t>Linear regression</a:t>
             </a:r>
           </a:p>
           <a:p>
             <a:r>
-              <a:rPr lang="en-US" dirty="0" smtClean="0"/>
+              <a:rPr lang="en-US" dirty="0"/>
               <a:t>ŷ = </a:t>
             </a:r>
             <a:r>
-              <a:rPr lang="el-GR" dirty="0" smtClean="0"/>
+              <a:rPr lang="el-GR" dirty="0"/>
               <a:t>σ</a:t>
             </a:r>
             <a:r>
-              <a:rPr lang="en-US" dirty="0" smtClean="0"/>
+              <a:rPr lang="en-US" dirty="0"/>
               <a:t>(Z) = a</a:t>
             </a:r>
           </a:p>
           <a:p>
             <a:pPr lvl="1"/>
             <a:r>
-              <a:rPr lang="en-US" dirty="0" smtClean="0"/>
+              <a:rPr lang="en-US" dirty="0"/>
               <a:t>Activation function</a:t>
             </a:r>
           </a:p>
           <a:p>
             <a:pPr lvl="1"/>
             <a:r>
-              <a:rPr lang="en-US" dirty="0" smtClean="0"/>
+              <a:rPr lang="en-US" dirty="0"/>
               <a:t>e.g. sigmoid function</a:t>
             </a:r>
           </a:p>
           <a:p>
             <a:pPr lvl="1"/>
-            <a:endParaRPr lang="en-US" dirty="0" smtClean="0"/>
+            <a:endParaRPr lang="en-US" dirty="0"/>
           </a:p>
         </p:txBody>
       </p:sp>
@@ -4527,14 +4489,13 @@
             <a:lstStyle/>
             <a:p>
               <a:r>
-                <a:rPr lang="en-US" sz="2400" b="1" dirty="0" smtClean="0"/>
+                <a:rPr lang="en-US" sz="2400" b="1" dirty="0"/>
                 <a:t>x</a:t>
               </a:r>
               <a:r>
-                <a:rPr lang="en-US" sz="2400" b="1" baseline="-25000" dirty="0" smtClean="0"/>
+                <a:rPr lang="en-US" sz="2400" b="1" baseline="-25000" dirty="0"/>
                 <a:t>1</a:t>
               </a:r>
-              <a:endParaRPr lang="en-US" sz="2400" b="1" baseline="-25000" dirty="0"/>
             </a:p>
           </p:txBody>
         </p:sp>
@@ -4561,14 +4522,13 @@
             <a:lstStyle/>
             <a:p>
               <a:r>
-                <a:rPr lang="en-US" sz="2400" b="1" dirty="0" smtClean="0"/>
+                <a:rPr lang="en-US" sz="2400" b="1" dirty="0"/>
                 <a:t>x</a:t>
               </a:r>
               <a:r>
-                <a:rPr lang="en-US" sz="2400" b="1" baseline="-25000" dirty="0" smtClean="0"/>
+                <a:rPr lang="en-US" sz="2400" b="1" baseline="-25000" dirty="0"/>
                 <a:t>2</a:t>
               </a:r>
-              <a:endParaRPr lang="en-US" sz="2400" b="1" baseline="-25000" dirty="0"/>
             </a:p>
           </p:txBody>
         </p:sp>
@@ -4595,14 +4555,13 @@
             <a:lstStyle/>
             <a:p>
               <a:r>
-                <a:rPr lang="en-US" sz="2400" b="1" dirty="0" smtClean="0"/>
+                <a:rPr lang="en-US" sz="2400" b="1" dirty="0"/>
                 <a:t>x</a:t>
               </a:r>
               <a:r>
-                <a:rPr lang="en-US" sz="2400" b="1" baseline="-25000" dirty="0" smtClean="0"/>
+                <a:rPr lang="en-US" sz="2400" b="1" baseline="-25000" dirty="0"/>
                 <a:t>3</a:t>
               </a:r>
-              <a:endParaRPr lang="en-US" sz="2400" b="1" baseline="-25000" dirty="0"/>
             </a:p>
           </p:txBody>
         </p:sp>
@@ -4677,10 +4636,9 @@
             <a:lstStyle/>
             <a:p>
               <a:r>
-                <a:rPr lang="en-US" sz="2400" b="1" dirty="0" smtClean="0"/>
+                <a:rPr lang="en-US" sz="2400" b="1" dirty="0"/>
                 <a:t>a = ŷ</a:t>
               </a:r>
-              <a:endParaRPr lang="en-US" sz="2400" b="1" dirty="0"/>
             </a:p>
           </p:txBody>
         </p:sp>
@@ -4859,14 +4817,13 @@
             <a:lstStyle/>
             <a:p>
               <a:r>
-                <a:rPr lang="en-US" sz="2400" b="1" dirty="0" smtClean="0"/>
+                <a:rPr lang="en-US" sz="2400" b="1" dirty="0"/>
                 <a:t>W</a:t>
               </a:r>
               <a:r>
-                <a:rPr lang="en-US" sz="2400" b="1" baseline="-25000" dirty="0" smtClean="0"/>
+                <a:rPr lang="en-US" sz="2400" b="1" baseline="-25000" dirty="0"/>
                 <a:t>1</a:t>
               </a:r>
-              <a:endParaRPr lang="en-US" sz="2400" b="1" baseline="-25000" dirty="0"/>
             </a:p>
           </p:txBody>
         </p:sp>
@@ -4893,14 +4850,13 @@
             <a:lstStyle/>
             <a:p>
               <a:r>
-                <a:rPr lang="en-US" sz="2400" b="1" dirty="0" smtClean="0"/>
+                <a:rPr lang="en-US" sz="2400" b="1" dirty="0"/>
                 <a:t>W</a:t>
               </a:r>
               <a:r>
-                <a:rPr lang="en-US" sz="2400" b="1" baseline="-25000" dirty="0" smtClean="0"/>
+                <a:rPr lang="en-US" sz="2400" b="1" baseline="-25000" dirty="0"/>
                 <a:t>2</a:t>
               </a:r>
-              <a:endParaRPr lang="en-US" sz="2400" b="1" baseline="-25000" dirty="0"/>
             </a:p>
           </p:txBody>
         </p:sp>
@@ -4927,14 +4883,13 @@
             <a:lstStyle/>
             <a:p>
               <a:r>
-                <a:rPr lang="en-US" sz="2400" b="1" dirty="0" smtClean="0"/>
+                <a:rPr lang="en-US" sz="2400" b="1" dirty="0"/>
                 <a:t>W</a:t>
               </a:r>
               <a:r>
-                <a:rPr lang="en-US" sz="2400" b="1" baseline="-25000" dirty="0" smtClean="0"/>
+                <a:rPr lang="en-US" sz="2400" b="1" baseline="-25000" dirty="0"/>
                 <a:t>3</a:t>
               </a:r>
-              <a:endParaRPr lang="en-US" sz="2400" b="1" baseline="-25000" dirty="0"/>
             </a:p>
           </p:txBody>
         </p:sp>
@@ -4961,7 +4916,7 @@
             <a:lstStyle/>
             <a:p>
               <a:r>
-                <a:rPr lang="en-US" sz="2400" b="1" dirty="0" smtClean="0"/>
+                <a:rPr lang="en-US" sz="2400" b="1" dirty="0"/>
                 <a:t>+b</a:t>
               </a:r>
               <a:endParaRPr lang="en-US" sz="2400" b="1" baseline="-25000" dirty="0"/>
@@ -5029,7 +4984,7 @@
             <a:lstStyle/>
             <a:p>
               <a:r>
-                <a:rPr lang="en-US" sz="2400" b="1" dirty="0" smtClean="0"/>
+                <a:rPr lang="en-US" sz="2400" b="1" dirty="0"/>
                 <a:t>activation</a:t>
               </a:r>
               <a:endParaRPr lang="en-US" sz="2400" b="1" baseline="-25000" dirty="0"/>
@@ -5042,13 +4997,6 @@
   <p:clrMapOvr>
     <a:masterClrMapping/>
   </p:clrMapOvr>
-  <p:timing>
-    <p:tnLst>
-      <p:par>
-        <p:cTn id="1" dur="indefinite" restart="never" nodeType="tmRoot"/>
-      </p:par>
-    </p:tnLst>
-  </p:timing>
 </p:sld>
 </file>
 
@@ -5087,10 +5035,9 @@
           <a:lstStyle/>
           <a:p>
             <a:r>
-              <a:rPr lang="en-US" dirty="0" smtClean="0"/>
+              <a:rPr lang="en-US" dirty="0"/>
               <a:t>Artificial Neural Network </a:t>
             </a:r>
-            <a:endParaRPr lang="en-US" dirty="0"/>
           </a:p>
         </p:txBody>
       </p:sp>
@@ -5115,113 +5062,113 @@
           <a:lstStyle/>
           <a:p>
             <a:r>
-              <a:rPr lang="en-US" dirty="0" smtClean="0"/>
+              <a:rPr lang="en-US" dirty="0"/>
               <a:t>Z = W</a:t>
             </a:r>
             <a:r>
-              <a:rPr lang="en-US" baseline="30000" dirty="0" smtClean="0"/>
+              <a:rPr lang="en-US" baseline="30000" dirty="0"/>
               <a:t>T</a:t>
             </a:r>
             <a:r>
-              <a:rPr lang="en-US" dirty="0" smtClean="0"/>
+              <a:rPr lang="en-US" dirty="0"/>
               <a:t>X + b</a:t>
             </a:r>
           </a:p>
           <a:p>
             <a:pPr lvl="1"/>
             <a:r>
-              <a:rPr lang="en-US" dirty="0" smtClean="0"/>
+              <a:rPr lang="en-US" dirty="0"/>
               <a:t>Linear regression</a:t>
             </a:r>
           </a:p>
           <a:p>
             <a:r>
-              <a:rPr lang="en-US" dirty="0" smtClean="0"/>
+              <a:rPr lang="en-US" dirty="0"/>
               <a:t>ŷ = </a:t>
             </a:r>
             <a:r>
-              <a:rPr lang="el-GR" dirty="0" smtClean="0"/>
+              <a:rPr lang="el-GR" dirty="0"/>
               <a:t>σ</a:t>
             </a:r>
             <a:r>
-              <a:rPr lang="en-US" dirty="0" smtClean="0"/>
+              <a:rPr lang="en-US" dirty="0"/>
               <a:t>(Z) = a</a:t>
             </a:r>
           </a:p>
           <a:p>
             <a:pPr lvl="1"/>
             <a:r>
-              <a:rPr lang="en-US" dirty="0" smtClean="0"/>
+              <a:rPr lang="en-US" dirty="0"/>
               <a:t>Activation function</a:t>
             </a:r>
           </a:p>
           <a:p>
             <a:pPr lvl="1"/>
             <a:r>
-              <a:rPr lang="en-US" dirty="0" smtClean="0"/>
+              <a:rPr lang="en-US" dirty="0"/>
               <a:t>e.g. sigmoid function</a:t>
             </a:r>
           </a:p>
           <a:p>
             <a:r>
-              <a:rPr lang="en-US" dirty="0" smtClean="0"/>
+              <a:rPr lang="en-US" dirty="0"/>
               <a:t>Loss function</a:t>
             </a:r>
           </a:p>
           <a:p>
             <a:pPr lvl="1"/>
             <a:r>
-              <a:rPr lang="en-US" dirty="0" smtClean="0"/>
+              <a:rPr lang="en-US" dirty="0"/>
               <a:t>L(ŷ</a:t>
             </a:r>
             <a:r>
-              <a:rPr lang="en-US" baseline="30000" dirty="0" smtClean="0"/>
+              <a:rPr lang="en-US" baseline="30000" dirty="0"/>
               <a:t>(</a:t>
             </a:r>
             <a:r>
-              <a:rPr lang="en-US" baseline="30000" dirty="0" err="1" smtClean="0"/>
+              <a:rPr lang="en-US" baseline="30000" dirty="0" err="1"/>
               <a:t>i</a:t>
             </a:r>
             <a:r>
-              <a:rPr lang="en-US" baseline="30000" dirty="0" smtClean="0"/>
+              <a:rPr lang="en-US" baseline="30000" dirty="0"/>
               <a:t>)</a:t>
             </a:r>
             <a:r>
-              <a:rPr lang="en-US" dirty="0" smtClean="0"/>
+              <a:rPr lang="en-US" dirty="0"/>
               <a:t>, y</a:t>
             </a:r>
             <a:r>
-              <a:rPr lang="en-US" baseline="30000" dirty="0" smtClean="0"/>
+              <a:rPr lang="en-US" baseline="30000" dirty="0"/>
               <a:t>(</a:t>
             </a:r>
             <a:r>
-              <a:rPr lang="en-US" baseline="30000" dirty="0" err="1" smtClean="0"/>
+              <a:rPr lang="en-US" baseline="30000" dirty="0" err="1"/>
               <a:t>i</a:t>
             </a:r>
             <a:r>
-              <a:rPr lang="en-US" baseline="30000" dirty="0" smtClean="0"/>
+              <a:rPr lang="en-US" baseline="30000" dirty="0"/>
               <a:t>)</a:t>
             </a:r>
             <a:r>
-              <a:rPr lang="en-US" dirty="0" smtClean="0"/>
+              <a:rPr lang="en-US" dirty="0"/>
               <a:t>) – One </a:t>
             </a:r>
             <a:r>
-              <a:rPr lang="en-US" dirty="0" err="1" smtClean="0"/>
+              <a:rPr lang="en-US" dirty="0" err="1"/>
               <a:t>i</a:t>
             </a:r>
             <a:r>
-              <a:rPr lang="en-US" baseline="30000" dirty="0" err="1" smtClean="0"/>
+              <a:rPr lang="en-US" baseline="30000" dirty="0" err="1"/>
               <a:t>th</a:t>
             </a:r>
             <a:r>
-              <a:rPr lang="en-US" dirty="0" smtClean="0"/>
+              <a:rPr lang="en-US" dirty="0"/>
               <a:t> sample</a:t>
             </a:r>
           </a:p>
           <a:p>
             <a:pPr lvl="1"/>
-            <a:endParaRPr lang="en-US" dirty="0" smtClean="0"/>
+            <a:endParaRPr lang="en-US" dirty="0"/>
           </a:p>
         </p:txBody>
       </p:sp>
@@ -5262,14 +5209,13 @@
             <a:lstStyle/>
             <a:p>
               <a:r>
-                <a:rPr lang="en-US" sz="2400" b="1" dirty="0" smtClean="0"/>
+                <a:rPr lang="en-US" sz="2400" b="1" dirty="0"/>
                 <a:t>x</a:t>
               </a:r>
               <a:r>
-                <a:rPr lang="en-US" sz="2400" b="1" baseline="-25000" dirty="0" smtClean="0"/>
+                <a:rPr lang="en-US" sz="2400" b="1" baseline="-25000" dirty="0"/>
                 <a:t>1</a:t>
               </a:r>
-              <a:endParaRPr lang="en-US" sz="2400" b="1" baseline="-25000" dirty="0"/>
             </a:p>
           </p:txBody>
         </p:sp>
@@ -5296,14 +5242,13 @@
             <a:lstStyle/>
             <a:p>
               <a:r>
-                <a:rPr lang="en-US" sz="2400" b="1" dirty="0" smtClean="0"/>
+                <a:rPr lang="en-US" sz="2400" b="1" dirty="0"/>
                 <a:t>x</a:t>
               </a:r>
               <a:r>
-                <a:rPr lang="en-US" sz="2400" b="1" baseline="-25000" dirty="0" smtClean="0"/>
+                <a:rPr lang="en-US" sz="2400" b="1" baseline="-25000" dirty="0"/>
                 <a:t>2</a:t>
               </a:r>
-              <a:endParaRPr lang="en-US" sz="2400" b="1" baseline="-25000" dirty="0"/>
             </a:p>
           </p:txBody>
         </p:sp>
@@ -5330,14 +5275,13 @@
             <a:lstStyle/>
             <a:p>
               <a:r>
-                <a:rPr lang="en-US" sz="2400" b="1" dirty="0" smtClean="0"/>
+                <a:rPr lang="en-US" sz="2400" b="1" dirty="0"/>
                 <a:t>x</a:t>
               </a:r>
               <a:r>
-                <a:rPr lang="en-US" sz="2400" b="1" baseline="-25000" dirty="0" smtClean="0"/>
+                <a:rPr lang="en-US" sz="2400" b="1" baseline="-25000" dirty="0"/>
                 <a:t>3</a:t>
               </a:r>
-              <a:endParaRPr lang="en-US" sz="2400" b="1" baseline="-25000" dirty="0"/>
             </a:p>
           </p:txBody>
         </p:sp>
@@ -5412,10 +5356,9 @@
             <a:lstStyle/>
             <a:p>
               <a:r>
-                <a:rPr lang="en-US" sz="2400" b="1" dirty="0" smtClean="0"/>
+                <a:rPr lang="en-US" sz="2400" b="1" dirty="0"/>
                 <a:t>a = ŷ</a:t>
               </a:r>
-              <a:endParaRPr lang="en-US" sz="2400" b="1" dirty="0"/>
             </a:p>
           </p:txBody>
         </p:sp>
@@ -5594,14 +5537,13 @@
             <a:lstStyle/>
             <a:p>
               <a:r>
-                <a:rPr lang="en-US" sz="2400" b="1" dirty="0" smtClean="0"/>
+                <a:rPr lang="en-US" sz="2400" b="1" dirty="0"/>
                 <a:t>W</a:t>
               </a:r>
               <a:r>
-                <a:rPr lang="en-US" sz="2400" b="1" baseline="-25000" dirty="0" smtClean="0"/>
+                <a:rPr lang="en-US" sz="2400" b="1" baseline="-25000" dirty="0"/>
                 <a:t>1</a:t>
               </a:r>
-              <a:endParaRPr lang="en-US" sz="2400" b="1" baseline="-25000" dirty="0"/>
             </a:p>
           </p:txBody>
         </p:sp>
@@ -5628,14 +5570,13 @@
             <a:lstStyle/>
             <a:p>
               <a:r>
-                <a:rPr lang="en-US" sz="2400" b="1" dirty="0" smtClean="0"/>
+                <a:rPr lang="en-US" sz="2400" b="1" dirty="0"/>
                 <a:t>W</a:t>
               </a:r>
               <a:r>
-                <a:rPr lang="en-US" sz="2400" b="1" baseline="-25000" dirty="0" smtClean="0"/>
+                <a:rPr lang="en-US" sz="2400" b="1" baseline="-25000" dirty="0"/>
                 <a:t>2</a:t>
               </a:r>
-              <a:endParaRPr lang="en-US" sz="2400" b="1" baseline="-25000" dirty="0"/>
             </a:p>
           </p:txBody>
         </p:sp>
@@ -5662,14 +5603,13 @@
             <a:lstStyle/>
             <a:p>
               <a:r>
-                <a:rPr lang="en-US" sz="2400" b="1" dirty="0" smtClean="0"/>
+                <a:rPr lang="en-US" sz="2400" b="1" dirty="0"/>
                 <a:t>W</a:t>
               </a:r>
               <a:r>
-                <a:rPr lang="en-US" sz="2400" b="1" baseline="-25000" dirty="0" smtClean="0"/>
+                <a:rPr lang="en-US" sz="2400" b="1" baseline="-25000" dirty="0"/>
                 <a:t>3</a:t>
               </a:r>
-              <a:endParaRPr lang="en-US" sz="2400" b="1" baseline="-25000" dirty="0"/>
             </a:p>
           </p:txBody>
         </p:sp>
@@ -5696,7 +5636,7 @@
             <a:lstStyle/>
             <a:p>
               <a:r>
-                <a:rPr lang="en-US" sz="2400" b="1" dirty="0" smtClean="0"/>
+                <a:rPr lang="en-US" sz="2400" b="1" dirty="0"/>
                 <a:t>+b</a:t>
               </a:r>
               <a:endParaRPr lang="en-US" sz="2400" b="1" baseline="-25000" dirty="0"/>
@@ -5764,7 +5704,7 @@
             <a:lstStyle/>
             <a:p>
               <a:r>
-                <a:rPr lang="en-US" sz="2400" b="1" dirty="0" smtClean="0"/>
+                <a:rPr lang="en-US" sz="2400" b="1" dirty="0"/>
                 <a:t>activation</a:t>
               </a:r>
               <a:endParaRPr lang="en-US" sz="2400" b="1" baseline="-25000" dirty="0"/>
@@ -5777,13 +5717,6 @@
   <p:clrMapOvr>
     <a:masterClrMapping/>
   </p:clrMapOvr>
-  <p:timing>
-    <p:tnLst>
-      <p:par>
-        <p:cTn id="1" dur="indefinite" restart="never" nodeType="tmRoot"/>
-      </p:par>
-    </p:tnLst>
-  </p:timing>
 </p:sld>
 </file>
 
@@ -5822,10 +5755,9 @@
           <a:lstStyle/>
           <a:p>
             <a:r>
-              <a:rPr lang="en-US" dirty="0" smtClean="0"/>
+              <a:rPr lang="en-US" dirty="0"/>
               <a:t>Artificial Neural Network</a:t>
             </a:r>
-            <a:endParaRPr lang="en-US" dirty="0"/>
           </a:p>
         </p:txBody>
       </p:sp>
@@ -5850,125 +5782,125 @@
           <a:lstStyle/>
           <a:p>
             <a:r>
-              <a:rPr lang="en-US" dirty="0" smtClean="0"/>
+              <a:rPr lang="en-US" dirty="0"/>
               <a:t>Z = W</a:t>
             </a:r>
             <a:r>
-              <a:rPr lang="en-US" baseline="30000" dirty="0" smtClean="0"/>
+              <a:rPr lang="en-US" baseline="30000" dirty="0"/>
               <a:t>T</a:t>
             </a:r>
             <a:r>
-              <a:rPr lang="en-US" dirty="0" smtClean="0"/>
+              <a:rPr lang="en-US" dirty="0"/>
               <a:t>X + b</a:t>
             </a:r>
           </a:p>
           <a:p>
             <a:pPr lvl="1"/>
             <a:r>
-              <a:rPr lang="en-US" dirty="0" smtClean="0"/>
+              <a:rPr lang="en-US" dirty="0"/>
               <a:t>Linear regression</a:t>
             </a:r>
           </a:p>
           <a:p>
             <a:r>
-              <a:rPr lang="en-US" dirty="0" smtClean="0"/>
+              <a:rPr lang="en-US" dirty="0"/>
               <a:t>ŷ = </a:t>
             </a:r>
             <a:r>
-              <a:rPr lang="el-GR" dirty="0" smtClean="0"/>
+              <a:rPr lang="el-GR" dirty="0"/>
               <a:t>σ</a:t>
             </a:r>
             <a:r>
-              <a:rPr lang="en-US" dirty="0" smtClean="0"/>
+              <a:rPr lang="en-US" dirty="0"/>
               <a:t>(Z) = a</a:t>
             </a:r>
           </a:p>
           <a:p>
             <a:pPr lvl="1"/>
             <a:r>
-              <a:rPr lang="en-US" dirty="0" smtClean="0"/>
+              <a:rPr lang="en-US" dirty="0"/>
               <a:t>Activation function</a:t>
             </a:r>
           </a:p>
           <a:p>
             <a:pPr lvl="1"/>
             <a:r>
-              <a:rPr lang="en-US" dirty="0" smtClean="0"/>
+              <a:rPr lang="en-US" dirty="0"/>
               <a:t>e.g. sigmoid function</a:t>
             </a:r>
           </a:p>
           <a:p>
             <a:r>
-              <a:rPr lang="en-US" dirty="0" smtClean="0"/>
+              <a:rPr lang="en-US" dirty="0"/>
               <a:t>Loss function</a:t>
             </a:r>
           </a:p>
           <a:p>
             <a:pPr lvl="1"/>
             <a:r>
-              <a:rPr lang="en-US" dirty="0" smtClean="0"/>
+              <a:rPr lang="en-US" dirty="0"/>
               <a:t>L(ŷ</a:t>
             </a:r>
             <a:r>
-              <a:rPr lang="en-US" baseline="30000" dirty="0" smtClean="0"/>
+              <a:rPr lang="en-US" baseline="30000" dirty="0"/>
               <a:t>(</a:t>
             </a:r>
             <a:r>
-              <a:rPr lang="en-US" baseline="30000" dirty="0" err="1" smtClean="0"/>
+              <a:rPr lang="en-US" baseline="30000" dirty="0" err="1"/>
               <a:t>i</a:t>
             </a:r>
             <a:r>
-              <a:rPr lang="en-US" baseline="30000" dirty="0" smtClean="0"/>
+              <a:rPr lang="en-US" baseline="30000" dirty="0"/>
               <a:t>)</a:t>
             </a:r>
             <a:r>
-              <a:rPr lang="en-US" dirty="0" smtClean="0"/>
+              <a:rPr lang="en-US" dirty="0"/>
               <a:t>, y</a:t>
             </a:r>
             <a:r>
-              <a:rPr lang="en-US" baseline="30000" dirty="0" smtClean="0"/>
+              <a:rPr lang="en-US" baseline="30000" dirty="0"/>
               <a:t>(</a:t>
             </a:r>
             <a:r>
-              <a:rPr lang="en-US" baseline="30000" dirty="0" err="1" smtClean="0"/>
+              <a:rPr lang="en-US" baseline="30000" dirty="0" err="1"/>
               <a:t>i</a:t>
             </a:r>
             <a:r>
-              <a:rPr lang="en-US" baseline="30000" dirty="0" smtClean="0"/>
+              <a:rPr lang="en-US" baseline="30000" dirty="0"/>
               <a:t>)</a:t>
             </a:r>
             <a:r>
-              <a:rPr lang="en-US" dirty="0" smtClean="0"/>
+              <a:rPr lang="en-US" dirty="0"/>
               <a:t>) – One i</a:t>
             </a:r>
             <a:r>
-              <a:rPr lang="en-US" baseline="30000" dirty="0" smtClean="0"/>
+              <a:rPr lang="en-US" baseline="30000" dirty="0"/>
               <a:t>th</a:t>
             </a:r>
             <a:r>
-              <a:rPr lang="en-US" dirty="0" smtClean="0"/>
+              <a:rPr lang="en-US" dirty="0"/>
               <a:t> sample</a:t>
             </a:r>
           </a:p>
           <a:p>
             <a:r>
-              <a:rPr lang="en-US" dirty="0" smtClean="0"/>
+              <a:rPr lang="en-US" dirty="0"/>
               <a:t>Cost function</a:t>
             </a:r>
           </a:p>
           <a:p>
             <a:pPr lvl="1"/>
             <a:r>
-              <a:rPr lang="en-US" dirty="0" smtClean="0"/>
+              <a:rPr lang="en-US" dirty="0"/>
               <a:t>J(W, b) – Average of loss function for all samples</a:t>
             </a:r>
           </a:p>
           <a:p>
-            <a:endParaRPr lang="en-US" dirty="0" smtClean="0"/>
+            <a:endParaRPr lang="en-US" dirty="0"/>
           </a:p>
           <a:p>
             <a:pPr lvl="1"/>
-            <a:endParaRPr lang="en-US" dirty="0" smtClean="0"/>
+            <a:endParaRPr lang="en-US" dirty="0"/>
           </a:p>
         </p:txBody>
       </p:sp>
@@ -6009,14 +5941,13 @@
             <a:lstStyle/>
             <a:p>
               <a:r>
-                <a:rPr lang="en-US" sz="2400" b="1" dirty="0" smtClean="0"/>
+                <a:rPr lang="en-US" sz="2400" b="1" dirty="0"/>
                 <a:t>x</a:t>
               </a:r>
               <a:r>
-                <a:rPr lang="en-US" sz="2400" b="1" baseline="-25000" dirty="0" smtClean="0"/>
+                <a:rPr lang="en-US" sz="2400" b="1" baseline="-25000" dirty="0"/>
                 <a:t>1</a:t>
               </a:r>
-              <a:endParaRPr lang="en-US" sz="2400" b="1" baseline="-25000" dirty="0"/>
             </a:p>
           </p:txBody>
         </p:sp>
@@ -6043,14 +5974,13 @@
             <a:lstStyle/>
             <a:p>
               <a:r>
-                <a:rPr lang="en-US" sz="2400" b="1" dirty="0" smtClean="0"/>
+                <a:rPr lang="en-US" sz="2400" b="1" dirty="0"/>
                 <a:t>x</a:t>
               </a:r>
               <a:r>
-                <a:rPr lang="en-US" sz="2400" b="1" baseline="-25000" dirty="0" smtClean="0"/>
+                <a:rPr lang="en-US" sz="2400" b="1" baseline="-25000" dirty="0"/>
                 <a:t>2</a:t>
               </a:r>
-              <a:endParaRPr lang="en-US" sz="2400" b="1" baseline="-25000" dirty="0"/>
             </a:p>
           </p:txBody>
         </p:sp>
@@ -6077,14 +6007,13 @@
             <a:lstStyle/>
             <a:p>
               <a:r>
-                <a:rPr lang="en-US" sz="2400" b="1" dirty="0" smtClean="0"/>
+                <a:rPr lang="en-US" sz="2400" b="1" dirty="0"/>
                 <a:t>x</a:t>
               </a:r>
               <a:r>
-                <a:rPr lang="en-US" sz="2400" b="1" baseline="-25000" dirty="0" smtClean="0"/>
+                <a:rPr lang="en-US" sz="2400" b="1" baseline="-25000" dirty="0"/>
                 <a:t>3</a:t>
               </a:r>
-              <a:endParaRPr lang="en-US" sz="2400" b="1" baseline="-25000" dirty="0"/>
             </a:p>
           </p:txBody>
         </p:sp>
@@ -6159,10 +6088,9 @@
             <a:lstStyle/>
             <a:p>
               <a:r>
-                <a:rPr lang="en-US" sz="2400" b="1" dirty="0" smtClean="0"/>
+                <a:rPr lang="en-US" sz="2400" b="1" dirty="0"/>
                 <a:t>a = ŷ</a:t>
               </a:r>
-              <a:endParaRPr lang="en-US" sz="2400" b="1" dirty="0"/>
             </a:p>
           </p:txBody>
         </p:sp>
@@ -6341,14 +6269,13 @@
             <a:lstStyle/>
             <a:p>
               <a:r>
-                <a:rPr lang="en-US" sz="2400" b="1" dirty="0" smtClean="0"/>
+                <a:rPr lang="en-US" sz="2400" b="1" dirty="0"/>
                 <a:t>W</a:t>
               </a:r>
               <a:r>
-                <a:rPr lang="en-US" sz="2400" b="1" baseline="-25000" dirty="0" smtClean="0"/>
+                <a:rPr lang="en-US" sz="2400" b="1" baseline="-25000" dirty="0"/>
                 <a:t>1</a:t>
               </a:r>
-              <a:endParaRPr lang="en-US" sz="2400" b="1" baseline="-25000" dirty="0"/>
             </a:p>
           </p:txBody>
         </p:sp>
@@ -6375,14 +6302,13 @@
             <a:lstStyle/>
             <a:p>
               <a:r>
-                <a:rPr lang="en-US" sz="2400" b="1" dirty="0" smtClean="0"/>
+                <a:rPr lang="en-US" sz="2400" b="1" dirty="0"/>
                 <a:t>W</a:t>
               </a:r>
               <a:r>
-                <a:rPr lang="en-US" sz="2400" b="1" baseline="-25000" dirty="0" smtClean="0"/>
+                <a:rPr lang="en-US" sz="2400" b="1" baseline="-25000" dirty="0"/>
                 <a:t>2</a:t>
               </a:r>
-              <a:endParaRPr lang="en-US" sz="2400" b="1" baseline="-25000" dirty="0"/>
             </a:p>
           </p:txBody>
         </p:sp>
@@ -6409,14 +6335,13 @@
             <a:lstStyle/>
             <a:p>
               <a:r>
-                <a:rPr lang="en-US" sz="2400" b="1" dirty="0" smtClean="0"/>
+                <a:rPr lang="en-US" sz="2400" b="1" dirty="0"/>
                 <a:t>W</a:t>
               </a:r>
               <a:r>
-                <a:rPr lang="en-US" sz="2400" b="1" baseline="-25000" dirty="0" smtClean="0"/>
+                <a:rPr lang="en-US" sz="2400" b="1" baseline="-25000" dirty="0"/>
                 <a:t>3</a:t>
               </a:r>
-              <a:endParaRPr lang="en-US" sz="2400" b="1" baseline="-25000" dirty="0"/>
             </a:p>
           </p:txBody>
         </p:sp>
@@ -6443,7 +6368,7 @@
             <a:lstStyle/>
             <a:p>
               <a:r>
-                <a:rPr lang="en-US" sz="2400" b="1" dirty="0" smtClean="0"/>
+                <a:rPr lang="en-US" sz="2400" b="1" dirty="0"/>
                 <a:t>+b</a:t>
               </a:r>
               <a:endParaRPr lang="en-US" sz="2400" b="1" baseline="-25000" dirty="0"/>
@@ -6511,7 +6436,7 @@
             <a:lstStyle/>
             <a:p>
               <a:r>
-                <a:rPr lang="en-US" sz="2400" b="1" dirty="0" smtClean="0"/>
+                <a:rPr lang="en-US" sz="2400" b="1" dirty="0"/>
                 <a:t>activation</a:t>
               </a:r>
               <a:endParaRPr lang="en-US" sz="2400" b="1" baseline="-25000" dirty="0"/>
@@ -6524,13 +6449,6 @@
   <p:clrMapOvr>
     <a:masterClrMapping/>
   </p:clrMapOvr>
-  <p:timing>
-    <p:tnLst>
-      <p:par>
-        <p:cTn id="1" dur="indefinite" restart="never" nodeType="tmRoot"/>
-      </p:par>
-    </p:tnLst>
-  </p:timing>
 </p:sld>
 </file>
 
@@ -6569,10 +6487,9 @@
           <a:lstStyle/>
           <a:p>
             <a:r>
-              <a:rPr lang="en-US" dirty="0" smtClean="0"/>
+              <a:rPr lang="en-US" dirty="0"/>
               <a:t>Two Layer Neural Network</a:t>
             </a:r>
-            <a:endParaRPr lang="en-US" dirty="0"/>
           </a:p>
         </p:txBody>
       </p:sp>
@@ -6597,7 +6514,7 @@
           <a:lstStyle/>
           <a:p>
             <a:r>
-              <a:rPr lang="en-US" dirty="0" smtClean="0">
+              <a:rPr lang="en-US" dirty="0">
                 <a:solidFill>
                   <a:srgbClr val="0000FF"/>
                 </a:solidFill>
@@ -6607,7 +6524,7 @@
           </a:p>
           <a:p>
             <a:r>
-              <a:rPr lang="en-US" dirty="0" smtClean="0">
+              <a:rPr lang="en-US" dirty="0">
                 <a:solidFill>
                   <a:srgbClr val="00B050"/>
                 </a:solidFill>
@@ -6617,7 +6534,7 @@
           </a:p>
           <a:p>
             <a:r>
-              <a:rPr lang="en-US" dirty="0" smtClean="0">
+              <a:rPr lang="en-US" dirty="0">
                 <a:solidFill>
                   <a:schemeClr val="accent6">
                     <a:lumMod val="50000"/>
@@ -6629,7 +6546,7 @@
           </a:p>
           <a:p>
             <a:pPr lvl="1"/>
-            <a:endParaRPr lang="en-US" dirty="0" smtClean="0"/>
+            <a:endParaRPr lang="en-US" dirty="0"/>
           </a:p>
         </p:txBody>
       </p:sp>
@@ -6684,14 +6601,13 @@
               <a:lstStyle/>
               <a:p>
                 <a:r>
-                  <a:rPr lang="en-US" sz="2400" b="1" dirty="0" smtClean="0"/>
+                  <a:rPr lang="en-US" sz="2400" b="1" dirty="0"/>
                   <a:t>x</a:t>
                 </a:r>
                 <a:r>
-                  <a:rPr lang="en-US" sz="2400" b="1" baseline="-25000" dirty="0" smtClean="0"/>
+                  <a:rPr lang="en-US" sz="2400" b="1" baseline="-25000" dirty="0"/>
                   <a:t>1</a:t>
                 </a:r>
-                <a:endParaRPr lang="en-US" sz="2400" b="1" baseline="-25000" dirty="0"/>
               </a:p>
             </p:txBody>
           </p:sp>
@@ -6718,14 +6634,13 @@
               <a:lstStyle/>
               <a:p>
                 <a:r>
-                  <a:rPr lang="en-US" sz="2400" b="1" dirty="0" smtClean="0"/>
+                  <a:rPr lang="en-US" sz="2400" b="1" dirty="0"/>
                   <a:t>x</a:t>
                 </a:r>
                 <a:r>
-                  <a:rPr lang="en-US" sz="2400" b="1" baseline="-25000" dirty="0" smtClean="0"/>
+                  <a:rPr lang="en-US" sz="2400" b="1" baseline="-25000" dirty="0"/>
                   <a:t>2</a:t>
                 </a:r>
-                <a:endParaRPr lang="en-US" sz="2400" b="1" baseline="-25000" dirty="0"/>
               </a:p>
             </p:txBody>
           </p:sp>
@@ -6752,14 +6667,13 @@
               <a:lstStyle/>
               <a:p>
                 <a:r>
-                  <a:rPr lang="en-US" sz="2400" b="1" dirty="0" smtClean="0"/>
+                  <a:rPr lang="en-US" sz="2400" b="1" dirty="0"/>
                   <a:t>x</a:t>
                 </a:r>
                 <a:r>
-                  <a:rPr lang="en-US" sz="2400" b="1" baseline="-25000" dirty="0" smtClean="0"/>
+                  <a:rPr lang="en-US" sz="2400" b="1" baseline="-25000" dirty="0"/>
                   <a:t>3</a:t>
                 </a:r>
-                <a:endParaRPr lang="en-US" sz="2400" b="1" baseline="-25000" dirty="0"/>
               </a:p>
             </p:txBody>
           </p:sp>
@@ -6786,10 +6700,9 @@
               <a:lstStyle/>
               <a:p>
                 <a:r>
-                  <a:rPr lang="en-US" sz="2400" b="1" dirty="0" smtClean="0"/>
+                  <a:rPr lang="en-US" sz="2400" b="1" dirty="0"/>
                   <a:t>ŷ</a:t>
                 </a:r>
-                <a:endParaRPr lang="en-US" sz="2400" b="1" dirty="0"/>
               </a:p>
             </p:txBody>
           </p:sp>
@@ -8130,13 +8043,6 @@
   <p:clrMapOvr>
     <a:masterClrMapping/>
   </p:clrMapOvr>
-  <p:timing>
-    <p:tnLst>
-      <p:par>
-        <p:cTn id="1" dur="indefinite" restart="never" nodeType="tmRoot"/>
-      </p:par>
-    </p:tnLst>
-  </p:timing>
 </p:sld>
 </file>
 
@@ -8175,10 +8081,9 @@
           <a:lstStyle/>
           <a:p>
             <a:r>
-              <a:rPr lang="en-US" dirty="0" smtClean="0"/>
+              <a:rPr lang="en-US" dirty="0"/>
               <a:t>Two Layer Neural Network</a:t>
             </a:r>
-            <a:endParaRPr lang="en-US" dirty="0"/>
           </a:p>
         </p:txBody>
       </p:sp>
@@ -8203,43 +8108,43 @@
           <a:lstStyle/>
           <a:p>
             <a:r>
-              <a:rPr lang="en-US" dirty="0" smtClean="0"/>
+              <a:rPr lang="en-US" dirty="0"/>
               <a:t>Layer 1</a:t>
             </a:r>
           </a:p>
           <a:p>
             <a:pPr lvl="1"/>
             <a:r>
-              <a:rPr lang="en-US" dirty="0" smtClean="0"/>
+              <a:rPr lang="en-US" dirty="0"/>
               <a:t>Z</a:t>
             </a:r>
             <a:r>
-              <a:rPr lang="en-US" baseline="30000" dirty="0" smtClean="0"/>
+              <a:rPr lang="en-US" baseline="30000" dirty="0"/>
               <a:t>[1]</a:t>
             </a:r>
             <a:r>
-              <a:rPr lang="en-US" dirty="0" smtClean="0"/>
+              <a:rPr lang="en-US" dirty="0"/>
               <a:t> = W</a:t>
             </a:r>
             <a:r>
-              <a:rPr lang="en-US" baseline="30000" dirty="0" smtClean="0"/>
+              <a:rPr lang="en-US" baseline="30000" dirty="0"/>
               <a:t>[1]</a:t>
             </a:r>
             <a:r>
-              <a:rPr lang="en-US" dirty="0" smtClean="0"/>
+              <a:rPr lang="en-US" dirty="0"/>
               <a:t>X + b</a:t>
             </a:r>
             <a:r>
-              <a:rPr lang="en-US" baseline="30000" dirty="0" smtClean="0"/>
+              <a:rPr lang="en-US" baseline="30000" dirty="0"/>
               <a:t>[1]</a:t>
             </a:r>
           </a:p>
           <a:p>
-            <a:endParaRPr lang="en-US" dirty="0" smtClean="0"/>
+            <a:endParaRPr lang="en-US" dirty="0"/>
           </a:p>
           <a:p>
             <a:pPr lvl="1"/>
-            <a:endParaRPr lang="en-US" dirty="0" smtClean="0"/>
+            <a:endParaRPr lang="en-US" dirty="0"/>
           </a:p>
         </p:txBody>
       </p:sp>
@@ -8294,14 +8199,13 @@
               <a:lstStyle/>
               <a:p>
                 <a:r>
-                  <a:rPr lang="en-US" sz="2400" b="1" dirty="0" smtClean="0"/>
+                  <a:rPr lang="en-US" sz="2400" b="1" dirty="0"/>
                   <a:t>x</a:t>
                 </a:r>
                 <a:r>
-                  <a:rPr lang="en-US" sz="2400" b="1" baseline="-25000" dirty="0" smtClean="0"/>
+                  <a:rPr lang="en-US" sz="2400" b="1" baseline="-25000" dirty="0"/>
                   <a:t>1</a:t>
                 </a:r>
-                <a:endParaRPr lang="en-US" sz="2400" b="1" baseline="-25000" dirty="0"/>
               </a:p>
             </p:txBody>
           </p:sp>
@@ -8328,14 +8232,13 @@
               <a:lstStyle/>
               <a:p>
                 <a:r>
-                  <a:rPr lang="en-US" sz="2400" b="1" dirty="0" smtClean="0"/>
+                  <a:rPr lang="en-US" sz="2400" b="1" dirty="0"/>
                   <a:t>x</a:t>
                 </a:r>
                 <a:r>
-                  <a:rPr lang="en-US" sz="2400" b="1" baseline="-25000" dirty="0" smtClean="0"/>
+                  <a:rPr lang="en-US" sz="2400" b="1" baseline="-25000" dirty="0"/>
                   <a:t>2</a:t>
                 </a:r>
-                <a:endParaRPr lang="en-US" sz="2400" b="1" baseline="-25000" dirty="0"/>
               </a:p>
             </p:txBody>
           </p:sp>
@@ -8362,14 +8265,13 @@
               <a:lstStyle/>
               <a:p>
                 <a:r>
-                  <a:rPr lang="en-US" sz="2400" b="1" dirty="0" smtClean="0"/>
+                  <a:rPr lang="en-US" sz="2400" b="1" dirty="0"/>
                   <a:t>x</a:t>
                 </a:r>
                 <a:r>
-                  <a:rPr lang="en-US" sz="2400" b="1" baseline="-25000" dirty="0" smtClean="0"/>
+                  <a:rPr lang="en-US" sz="2400" b="1" baseline="-25000" dirty="0"/>
                   <a:t>3</a:t>
                 </a:r>
-                <a:endParaRPr lang="en-US" sz="2400" b="1" baseline="-25000" dirty="0"/>
               </a:p>
             </p:txBody>
           </p:sp>
@@ -8396,10 +8298,9 @@
               <a:lstStyle/>
               <a:p>
                 <a:r>
-                  <a:rPr lang="en-US" sz="2400" b="1" dirty="0" smtClean="0"/>
+                  <a:rPr lang="en-US" sz="2400" b="1" dirty="0"/>
                   <a:t>ŷ</a:t>
                 </a:r>
-                <a:endParaRPr lang="en-US" sz="2400" b="1" dirty="0"/>
               </a:p>
             </p:txBody>
           </p:sp>
@@ -9637,13 +9538,6 @@
   <p:clrMapOvr>
     <a:masterClrMapping/>
   </p:clrMapOvr>
-  <p:timing>
-    <p:tnLst>
-      <p:par>
-        <p:cTn id="1" dur="indefinite" restart="never" nodeType="tmRoot"/>
-      </p:par>
-    </p:tnLst>
-  </p:timing>
 </p:sld>
 </file>
 
@@ -9682,10 +9576,9 @@
           <a:lstStyle/>
           <a:p>
             <a:r>
-              <a:rPr lang="en-US" dirty="0" smtClean="0"/>
+              <a:rPr lang="en-US" dirty="0"/>
               <a:t>Two Layer Neural Network</a:t>
             </a:r>
-            <a:endParaRPr lang="en-US" dirty="0"/>
           </a:p>
         </p:txBody>
       </p:sp>
@@ -9710,51 +9603,51 @@
           <a:lstStyle/>
           <a:p>
             <a:r>
-              <a:rPr lang="en-US" dirty="0" smtClean="0"/>
+              <a:rPr lang="en-US" dirty="0"/>
               <a:t>Layer 1</a:t>
             </a:r>
           </a:p>
           <a:p>
             <a:pPr lvl="1"/>
             <a:r>
-              <a:rPr lang="en-US" dirty="0" smtClean="0"/>
+              <a:rPr lang="en-US" dirty="0"/>
               <a:t>Z</a:t>
             </a:r>
             <a:r>
-              <a:rPr lang="en-US" baseline="30000" dirty="0" smtClean="0"/>
+              <a:rPr lang="en-US" baseline="30000" dirty="0"/>
               <a:t>[1]</a:t>
             </a:r>
             <a:r>
-              <a:rPr lang="en-US" dirty="0" smtClean="0"/>
+              <a:rPr lang="en-US" dirty="0"/>
               <a:t> = W</a:t>
             </a:r>
             <a:r>
-              <a:rPr lang="en-US" baseline="30000" dirty="0" smtClean="0"/>
+              <a:rPr lang="en-US" baseline="30000" dirty="0"/>
               <a:t>[1]</a:t>
             </a:r>
             <a:r>
-              <a:rPr lang="en-US" dirty="0" smtClean="0"/>
+              <a:rPr lang="en-US" dirty="0"/>
               <a:t>a</a:t>
             </a:r>
             <a:r>
-              <a:rPr lang="en-US" baseline="30000" dirty="0" smtClean="0"/>
+              <a:rPr lang="en-US" baseline="30000" dirty="0"/>
               <a:t>[0]</a:t>
             </a:r>
             <a:r>
-              <a:rPr lang="en-US" dirty="0" smtClean="0"/>
+              <a:rPr lang="en-US" dirty="0"/>
               <a:t> + b</a:t>
             </a:r>
             <a:r>
-              <a:rPr lang="en-US" baseline="30000" dirty="0" smtClean="0"/>
+              <a:rPr lang="en-US" baseline="30000" dirty="0"/>
               <a:t>[1]</a:t>
             </a:r>
           </a:p>
           <a:p>
-            <a:endParaRPr lang="en-US" dirty="0" smtClean="0"/>
+            <a:endParaRPr lang="en-US" dirty="0"/>
           </a:p>
           <a:p>
             <a:pPr lvl="1"/>
-            <a:endParaRPr lang="en-US" dirty="0" smtClean="0"/>
+            <a:endParaRPr lang="en-US" dirty="0"/>
           </a:p>
         </p:txBody>
       </p:sp>
@@ -9809,14 +9702,13 @@
               <a:lstStyle/>
               <a:p>
                 <a:r>
-                  <a:rPr lang="en-US" sz="2400" b="1" dirty="0" smtClean="0"/>
+                  <a:rPr lang="en-US" sz="2400" b="1" dirty="0"/>
                   <a:t>x</a:t>
                 </a:r>
                 <a:r>
-                  <a:rPr lang="en-US" sz="2400" b="1" baseline="-25000" dirty="0" smtClean="0"/>
+                  <a:rPr lang="en-US" sz="2400" b="1" baseline="-25000" dirty="0"/>
                   <a:t>1</a:t>
                 </a:r>
-                <a:endParaRPr lang="en-US" sz="2400" b="1" baseline="-25000" dirty="0"/>
               </a:p>
             </p:txBody>
           </p:sp>
@@ -9843,14 +9735,13 @@
               <a:lstStyle/>
               <a:p>
                 <a:r>
-                  <a:rPr lang="en-US" sz="2400" b="1" dirty="0" smtClean="0"/>
+                  <a:rPr lang="en-US" sz="2400" b="1" dirty="0"/>
                   <a:t>x</a:t>
                 </a:r>
                 <a:r>
-                  <a:rPr lang="en-US" sz="2400" b="1" baseline="-25000" dirty="0" smtClean="0"/>
+                  <a:rPr lang="en-US" sz="2400" b="1" baseline="-25000" dirty="0"/>
                   <a:t>2</a:t>
                 </a:r>
-                <a:endParaRPr lang="en-US" sz="2400" b="1" baseline="-25000" dirty="0"/>
               </a:p>
             </p:txBody>
           </p:sp>
@@ -9877,14 +9768,13 @@
               <a:lstStyle/>
               <a:p>
                 <a:r>
-                  <a:rPr lang="en-US" sz="2400" b="1" dirty="0" smtClean="0"/>
+                  <a:rPr lang="en-US" sz="2400" b="1" dirty="0"/>
                   <a:t>x</a:t>
                 </a:r>
                 <a:r>
-                  <a:rPr lang="en-US" sz="2400" b="1" baseline="-25000" dirty="0" smtClean="0"/>
+                  <a:rPr lang="en-US" sz="2400" b="1" baseline="-25000" dirty="0"/>
                   <a:t>3</a:t>
                 </a:r>
-                <a:endParaRPr lang="en-US" sz="2400" b="1" baseline="-25000" dirty="0"/>
               </a:p>
             </p:txBody>
           </p:sp>
@@ -9911,10 +9801,9 @@
               <a:lstStyle/>
               <a:p>
                 <a:r>
-                  <a:rPr lang="en-US" sz="2400" b="1" dirty="0" smtClean="0"/>
+                  <a:rPr lang="en-US" sz="2400" b="1" dirty="0"/>
                   <a:t>ŷ</a:t>
                 </a:r>
-                <a:endParaRPr lang="en-US" sz="2400" b="1" dirty="0"/>
               </a:p>
             </p:txBody>
           </p:sp>
@@ -11152,13 +11041,6 @@
   <p:clrMapOvr>
     <a:masterClrMapping/>
   </p:clrMapOvr>
-  <p:timing>
-    <p:tnLst>
-      <p:par>
-        <p:cTn id="1" dur="indefinite" restart="never" nodeType="tmRoot"/>
-      </p:par>
-    </p:tnLst>
-  </p:timing>
 </p:sld>
 </file>
 
@@ -11197,10 +11079,9 @@
           <a:lstStyle/>
           <a:p>
             <a:r>
-              <a:rPr lang="en-US" dirty="0" smtClean="0"/>
+              <a:rPr lang="en-US" dirty="0"/>
               <a:t>Two Layer Neural Network</a:t>
             </a:r>
-            <a:endParaRPr lang="en-US" dirty="0"/>
           </a:p>
         </p:txBody>
       </p:sp>
@@ -11225,83 +11106,83 @@
           <a:lstStyle/>
           <a:p>
             <a:r>
-              <a:rPr lang="en-US" dirty="0" smtClean="0"/>
+              <a:rPr lang="en-US" dirty="0"/>
               <a:t>Layer 1</a:t>
             </a:r>
           </a:p>
           <a:p>
             <a:pPr lvl="1"/>
             <a:r>
-              <a:rPr lang="en-US" dirty="0" smtClean="0"/>
+              <a:rPr lang="en-US" dirty="0"/>
               <a:t>Z</a:t>
             </a:r>
             <a:r>
-              <a:rPr lang="en-US" baseline="30000" dirty="0" smtClean="0"/>
+              <a:rPr lang="en-US" baseline="30000" dirty="0"/>
               <a:t>[1]</a:t>
             </a:r>
             <a:r>
-              <a:rPr lang="en-US" dirty="0" smtClean="0"/>
+              <a:rPr lang="en-US" dirty="0"/>
               <a:t> = W</a:t>
             </a:r>
             <a:r>
-              <a:rPr lang="en-US" baseline="30000" dirty="0" smtClean="0"/>
+              <a:rPr lang="en-US" baseline="30000" dirty="0"/>
               <a:t>[1]</a:t>
             </a:r>
             <a:r>
-              <a:rPr lang="en-US" dirty="0" smtClean="0"/>
+              <a:rPr lang="en-US" dirty="0"/>
               <a:t>a</a:t>
             </a:r>
             <a:r>
-              <a:rPr lang="en-US" baseline="30000" dirty="0" smtClean="0"/>
+              <a:rPr lang="en-US" baseline="30000" dirty="0"/>
               <a:t>[0]</a:t>
             </a:r>
             <a:r>
-              <a:rPr lang="en-US" dirty="0" smtClean="0"/>
+              <a:rPr lang="en-US" dirty="0"/>
               <a:t> + b</a:t>
             </a:r>
             <a:r>
-              <a:rPr lang="en-US" baseline="30000" dirty="0" smtClean="0"/>
+              <a:rPr lang="en-US" baseline="30000" dirty="0"/>
               <a:t>[1]</a:t>
             </a:r>
           </a:p>
           <a:p>
             <a:pPr lvl="1"/>
             <a:r>
-              <a:rPr lang="en-US" dirty="0" smtClean="0"/>
+              <a:rPr lang="en-US" dirty="0"/>
               <a:t>a</a:t>
             </a:r>
             <a:r>
-              <a:rPr lang="en-US" baseline="30000" dirty="0" smtClean="0"/>
+              <a:rPr lang="en-US" baseline="30000" dirty="0"/>
               <a:t>[1]  </a:t>
             </a:r>
             <a:r>
-              <a:rPr lang="en-US" dirty="0" smtClean="0"/>
+              <a:rPr lang="en-US" dirty="0"/>
               <a:t>= </a:t>
             </a:r>
             <a:r>
-              <a:rPr lang="el-GR" dirty="0" smtClean="0"/>
+              <a:rPr lang="el-GR" dirty="0"/>
               <a:t>σ</a:t>
             </a:r>
             <a:r>
-              <a:rPr lang="en-US" dirty="0" smtClean="0"/>
+              <a:rPr lang="en-US" dirty="0"/>
               <a:t>(Z</a:t>
             </a:r>
             <a:r>
-              <a:rPr lang="en-US" baseline="30000" dirty="0" smtClean="0"/>
+              <a:rPr lang="en-US" baseline="30000" dirty="0"/>
               <a:t>[1]</a:t>
             </a:r>
             <a:r>
-              <a:rPr lang="en-US" dirty="0" smtClean="0"/>
+              <a:rPr lang="en-US" dirty="0"/>
               <a:t>)</a:t>
             </a:r>
-            <a:endParaRPr lang="en-US" baseline="30000" dirty="0" smtClean="0"/>
-          </a:p>
-          <a:p>
-            <a:endParaRPr lang="en-US" dirty="0" smtClean="0"/>
+            <a:endParaRPr lang="en-US" baseline="30000" dirty="0"/>
+          </a:p>
+          <a:p>
+            <a:endParaRPr lang="en-US" dirty="0"/>
           </a:p>
           <a:p>
             <a:pPr lvl="1"/>
-            <a:endParaRPr lang="en-US" dirty="0" smtClean="0"/>
+            <a:endParaRPr lang="en-US" dirty="0"/>
           </a:p>
         </p:txBody>
       </p:sp>
@@ -11356,14 +11237,13 @@
               <a:lstStyle/>
               <a:p>
                 <a:r>
-                  <a:rPr lang="en-US" sz="2400" b="1" dirty="0" smtClean="0"/>
+                  <a:rPr lang="en-US" sz="2400" b="1" dirty="0"/>
                   <a:t>x</a:t>
                 </a:r>
                 <a:r>
-                  <a:rPr lang="en-US" sz="2400" b="1" baseline="-25000" dirty="0" smtClean="0"/>
+                  <a:rPr lang="en-US" sz="2400" b="1" baseline="-25000" dirty="0"/>
                   <a:t>1</a:t>
                 </a:r>
-                <a:endParaRPr lang="en-US" sz="2400" b="1" baseline="-25000" dirty="0"/>
               </a:p>
             </p:txBody>
           </p:sp>
@@ -11390,14 +11270,13 @@
               <a:lstStyle/>
               <a:p>
                 <a:r>
-                  <a:rPr lang="en-US" sz="2400" b="1" dirty="0" smtClean="0"/>
+                  <a:rPr lang="en-US" sz="2400" b="1" dirty="0"/>
                   <a:t>x</a:t>
                 </a:r>
                 <a:r>
-                  <a:rPr lang="en-US" sz="2400" b="1" baseline="-25000" dirty="0" smtClean="0"/>
+                  <a:rPr lang="en-US" sz="2400" b="1" baseline="-25000" dirty="0"/>
                   <a:t>2</a:t>
                 </a:r>
-                <a:endParaRPr lang="en-US" sz="2400" b="1" baseline="-25000" dirty="0"/>
               </a:p>
             </p:txBody>
           </p:sp>
@@ -11424,14 +11303,13 @@
               <a:lstStyle/>
               <a:p>
                 <a:r>
-                  <a:rPr lang="en-US" sz="2400" b="1" dirty="0" smtClean="0"/>
+                  <a:rPr lang="en-US" sz="2400" b="1" dirty="0"/>
                   <a:t>x</a:t>
                 </a:r>
                 <a:r>
-                  <a:rPr lang="en-US" sz="2400" b="1" baseline="-25000" dirty="0" smtClean="0"/>
+                  <a:rPr lang="en-US" sz="2400" b="1" baseline="-25000" dirty="0"/>
                   <a:t>3</a:t>
                 </a:r>
-                <a:endParaRPr lang="en-US" sz="2400" b="1" baseline="-25000" dirty="0"/>
               </a:p>
             </p:txBody>
           </p:sp>
@@ -11458,10 +11336,9 @@
               <a:lstStyle/>
               <a:p>
                 <a:r>
-                  <a:rPr lang="en-US" sz="2400" b="1" dirty="0" smtClean="0"/>
+                  <a:rPr lang="en-US" sz="2400" b="1" dirty="0"/>
                   <a:t>ŷ</a:t>
                 </a:r>
-                <a:endParaRPr lang="en-US" sz="2400" b="1" dirty="0"/>
               </a:p>
             </p:txBody>
           </p:sp>
@@ -12699,13 +12576,6 @@
   <p:clrMapOvr>
     <a:masterClrMapping/>
   </p:clrMapOvr>
-  <p:timing>
-    <p:tnLst>
-      <p:par>
-        <p:cTn id="1" dur="indefinite" restart="never" nodeType="tmRoot"/>
-      </p:par>
-    </p:tnLst>
-  </p:timing>
 </p:sld>
 </file>
 
@@ -12744,10 +12614,9 @@
           <a:lstStyle/>
           <a:p>
             <a:r>
-              <a:rPr lang="en-US" dirty="0" smtClean="0"/>
+              <a:rPr lang="en-US" dirty="0"/>
               <a:t>Two Layer Neural Network</a:t>
             </a:r>
-            <a:endParaRPr lang="en-US" dirty="0"/>
           </a:p>
         </p:txBody>
       </p:sp>
@@ -12772,129 +12641,129 @@
           <a:lstStyle/>
           <a:p>
             <a:r>
-              <a:rPr lang="en-US" dirty="0" smtClean="0"/>
+              <a:rPr lang="en-US" dirty="0"/>
               <a:t>Layer 1</a:t>
             </a:r>
           </a:p>
           <a:p>
             <a:pPr lvl="1"/>
             <a:r>
-              <a:rPr lang="en-US" dirty="0" smtClean="0"/>
+              <a:rPr lang="en-US" dirty="0"/>
               <a:t>Z</a:t>
             </a:r>
             <a:r>
-              <a:rPr lang="en-US" baseline="30000" dirty="0" smtClean="0"/>
+              <a:rPr lang="en-US" baseline="30000" dirty="0"/>
               <a:t>[1]</a:t>
             </a:r>
             <a:r>
-              <a:rPr lang="en-US" dirty="0" smtClean="0"/>
+              <a:rPr lang="en-US" dirty="0"/>
               <a:t> = W</a:t>
             </a:r>
             <a:r>
-              <a:rPr lang="en-US" baseline="30000" dirty="0" smtClean="0"/>
+              <a:rPr lang="en-US" baseline="30000" dirty="0"/>
               <a:t>[1]</a:t>
             </a:r>
             <a:r>
-              <a:rPr lang="en-US" dirty="0" smtClean="0"/>
+              <a:rPr lang="en-US" dirty="0"/>
               <a:t>a</a:t>
             </a:r>
             <a:r>
-              <a:rPr lang="en-US" baseline="30000" dirty="0" smtClean="0"/>
+              <a:rPr lang="en-US" baseline="30000" dirty="0"/>
               <a:t>[0]</a:t>
             </a:r>
             <a:r>
-              <a:rPr lang="en-US" dirty="0" smtClean="0"/>
+              <a:rPr lang="en-US" dirty="0"/>
               <a:t> + b</a:t>
             </a:r>
             <a:r>
-              <a:rPr lang="en-US" baseline="30000" dirty="0" smtClean="0"/>
+              <a:rPr lang="en-US" baseline="30000" dirty="0"/>
               <a:t>[1]</a:t>
             </a:r>
           </a:p>
           <a:p>
             <a:pPr lvl="1"/>
             <a:r>
-              <a:rPr lang="en-US" dirty="0" smtClean="0"/>
+              <a:rPr lang="en-US" dirty="0"/>
               <a:t>a</a:t>
             </a:r>
             <a:r>
-              <a:rPr lang="en-US" baseline="30000" dirty="0" smtClean="0"/>
+              <a:rPr lang="en-US" baseline="30000" dirty="0"/>
               <a:t>[1]  </a:t>
             </a:r>
             <a:r>
-              <a:rPr lang="en-US" dirty="0" smtClean="0"/>
+              <a:rPr lang="en-US" dirty="0"/>
               <a:t>= </a:t>
             </a:r>
             <a:r>
-              <a:rPr lang="el-GR" dirty="0" smtClean="0"/>
+              <a:rPr lang="el-GR" dirty="0"/>
               <a:t>σ</a:t>
             </a:r>
             <a:r>
-              <a:rPr lang="en-US" dirty="0" smtClean="0"/>
+              <a:rPr lang="en-US" dirty="0"/>
               <a:t>(Z</a:t>
             </a:r>
             <a:r>
-              <a:rPr lang="en-US" baseline="30000" dirty="0" smtClean="0"/>
+              <a:rPr lang="en-US" baseline="30000" dirty="0"/>
               <a:t>[1]</a:t>
             </a:r>
             <a:r>
-              <a:rPr lang="en-US" dirty="0" smtClean="0"/>
+              <a:rPr lang="en-US" dirty="0"/>
               <a:t>)</a:t>
             </a:r>
           </a:p>
           <a:p>
             <a:r>
-              <a:rPr lang="en-US" dirty="0" smtClean="0"/>
+              <a:rPr lang="en-US" dirty="0"/>
               <a:t>Layer 2</a:t>
             </a:r>
           </a:p>
           <a:p>
             <a:pPr lvl="1"/>
             <a:r>
-              <a:rPr lang="en-US" dirty="0" smtClean="0"/>
+              <a:rPr lang="en-US" dirty="0"/>
               <a:t>Z</a:t>
             </a:r>
             <a:r>
-              <a:rPr lang="en-US" baseline="30000" dirty="0" smtClean="0"/>
+              <a:rPr lang="en-US" baseline="30000" dirty="0"/>
               <a:t>[2]</a:t>
             </a:r>
             <a:r>
-              <a:rPr lang="en-US" dirty="0" smtClean="0"/>
+              <a:rPr lang="en-US" dirty="0"/>
               <a:t> = W</a:t>
             </a:r>
             <a:r>
-              <a:rPr lang="en-US" baseline="30000" dirty="0" smtClean="0"/>
+              <a:rPr lang="en-US" baseline="30000" dirty="0"/>
               <a:t>[2]</a:t>
             </a:r>
             <a:r>
-              <a:rPr lang="en-US" dirty="0" smtClean="0"/>
+              <a:rPr lang="en-US" dirty="0"/>
               <a:t>a</a:t>
             </a:r>
             <a:r>
-              <a:rPr lang="en-US" baseline="30000" dirty="0" smtClean="0"/>
+              <a:rPr lang="en-US" baseline="30000" dirty="0"/>
               <a:t>[1]</a:t>
             </a:r>
             <a:r>
-              <a:rPr lang="en-US" dirty="0" smtClean="0"/>
+              <a:rPr lang="en-US" dirty="0"/>
               <a:t> + b</a:t>
             </a:r>
             <a:r>
-              <a:rPr lang="en-US" baseline="30000" dirty="0" smtClean="0"/>
+              <a:rPr lang="en-US" baseline="30000" dirty="0"/>
               <a:t>[2]</a:t>
             </a:r>
           </a:p>
           <a:p>
-            <a:endParaRPr lang="en-US" dirty="0" smtClean="0"/>
-          </a:p>
-          <a:p>
-            <a:endParaRPr lang="en-US" baseline="30000" dirty="0" smtClean="0"/>
-          </a:p>
-          <a:p>
-            <a:endParaRPr lang="en-US" dirty="0" smtClean="0"/>
+            <a:endParaRPr lang="en-US" dirty="0"/>
+          </a:p>
+          <a:p>
+            <a:endParaRPr lang="en-US" baseline="30000" dirty="0"/>
+          </a:p>
+          <a:p>
+            <a:endParaRPr lang="en-US" dirty="0"/>
           </a:p>
           <a:p>
             <a:pPr lvl="1"/>
-            <a:endParaRPr lang="en-US" dirty="0" smtClean="0"/>
+            <a:endParaRPr lang="en-US" dirty="0"/>
           </a:p>
         </p:txBody>
       </p:sp>
@@ -12949,14 +12818,13 @@
               <a:lstStyle/>
               <a:p>
                 <a:r>
-                  <a:rPr lang="en-US" sz="2400" b="1" dirty="0" smtClean="0"/>
+                  <a:rPr lang="en-US" sz="2400" b="1" dirty="0"/>
                   <a:t>x</a:t>
                 </a:r>
                 <a:r>
-                  <a:rPr lang="en-US" sz="2400" b="1" baseline="-25000" dirty="0" smtClean="0"/>
+                  <a:rPr lang="en-US" sz="2400" b="1" baseline="-25000" dirty="0"/>
                   <a:t>1</a:t>
                 </a:r>
-                <a:endParaRPr lang="en-US" sz="2400" b="1" baseline="-25000" dirty="0"/>
               </a:p>
             </p:txBody>
           </p:sp>
@@ -12983,14 +12851,13 @@
               <a:lstStyle/>
               <a:p>
                 <a:r>
-                  <a:rPr lang="en-US" sz="2400" b="1" dirty="0" smtClean="0"/>
+                  <a:rPr lang="en-US" sz="2400" b="1" dirty="0"/>
                   <a:t>x</a:t>
                 </a:r>
                 <a:r>
-                  <a:rPr lang="en-US" sz="2400" b="1" baseline="-25000" dirty="0" smtClean="0"/>
+                  <a:rPr lang="en-US" sz="2400" b="1" baseline="-25000" dirty="0"/>
                   <a:t>2</a:t>
                 </a:r>
-                <a:endParaRPr lang="en-US" sz="2400" b="1" baseline="-25000" dirty="0"/>
               </a:p>
             </p:txBody>
           </p:sp>
@@ -13017,14 +12884,13 @@
               <a:lstStyle/>
               <a:p>
                 <a:r>
-                  <a:rPr lang="en-US" sz="2400" b="1" dirty="0" smtClean="0"/>
+                  <a:rPr lang="en-US" sz="2400" b="1" dirty="0"/>
                   <a:t>x</a:t>
                 </a:r>
                 <a:r>
-                  <a:rPr lang="en-US" sz="2400" b="1" baseline="-25000" dirty="0" smtClean="0"/>
+                  <a:rPr lang="en-US" sz="2400" b="1" baseline="-25000" dirty="0"/>
                   <a:t>3</a:t>
                 </a:r>
-                <a:endParaRPr lang="en-US" sz="2400" b="1" baseline="-25000" dirty="0"/>
               </a:p>
             </p:txBody>
           </p:sp>
@@ -13051,10 +12917,9 @@
               <a:lstStyle/>
               <a:p>
                 <a:r>
-                  <a:rPr lang="en-US" sz="2400" b="1" dirty="0" smtClean="0"/>
+                  <a:rPr lang="en-US" sz="2400" b="1" dirty="0"/>
                   <a:t>ŷ</a:t>
                 </a:r>
-                <a:endParaRPr lang="en-US" sz="2400" b="1" dirty="0"/>
               </a:p>
             </p:txBody>
           </p:sp>
@@ -14292,13 +14157,6 @@
   <p:clrMapOvr>
     <a:masterClrMapping/>
   </p:clrMapOvr>
-  <p:timing>
-    <p:tnLst>
-      <p:par>
-        <p:cTn id="1" dur="indefinite" restart="never" nodeType="tmRoot"/>
-      </p:par>
-    </p:tnLst>
-  </p:timing>
 </p:sld>
 </file>
 
@@ -14335,10 +14193,9 @@
           <a:lstStyle/>
           <a:p>
             <a:r>
-              <a:rPr lang="en-US" dirty="0" smtClean="0"/>
+              <a:rPr lang="en-US" dirty="0"/>
               <a:t>Topics</a:t>
             </a:r>
-            <a:endParaRPr lang="en-US" dirty="0"/>
           </a:p>
         </p:txBody>
       </p:sp>
@@ -14360,37 +14217,37 @@
           <a:lstStyle/>
           <a:p>
             <a:r>
-              <a:rPr lang="en-US" dirty="0" smtClean="0"/>
+              <a:rPr lang="en-US" dirty="0"/>
               <a:t>Linear regression</a:t>
             </a:r>
           </a:p>
           <a:p>
             <a:r>
-              <a:rPr lang="en-US" dirty="0" smtClean="0"/>
+              <a:rPr lang="en-US" dirty="0"/>
               <a:t>Logistic regression</a:t>
             </a:r>
           </a:p>
           <a:p>
             <a:r>
-              <a:rPr lang="en-US" dirty="0" smtClean="0"/>
+              <a:rPr lang="en-US" dirty="0"/>
               <a:t>Artificial neural network</a:t>
             </a:r>
           </a:p>
           <a:p>
             <a:r>
-              <a:rPr lang="en-US" dirty="0" smtClean="0"/>
+              <a:rPr lang="en-US" dirty="0"/>
               <a:t>Gradient descent</a:t>
             </a:r>
           </a:p>
           <a:p>
             <a:r>
-              <a:rPr lang="en-US" dirty="0" smtClean="0"/>
+              <a:rPr lang="en-US" dirty="0"/>
               <a:t>Back propagation</a:t>
             </a:r>
           </a:p>
           <a:p>
             <a:r>
-              <a:rPr lang="en-US" dirty="0" smtClean="0"/>
+              <a:rPr lang="en-US" dirty="0"/>
               <a:t>Activation functions</a:t>
             </a:r>
           </a:p>
@@ -14404,13 +14261,6 @@
   <p:clrMapOvr>
     <a:masterClrMapping/>
   </p:clrMapOvr>
-  <p:timing>
-    <p:tnLst>
-      <p:par>
-        <p:cTn id="1" dur="indefinite" restart="never" nodeType="tmRoot"/>
-      </p:par>
-    </p:tnLst>
-  </p:timing>
 </p:sld>
 </file>
 
@@ -14449,10 +14299,9 @@
           <a:lstStyle/>
           <a:p>
             <a:r>
-              <a:rPr lang="en-US" dirty="0" smtClean="0"/>
+              <a:rPr lang="en-US" dirty="0"/>
               <a:t>Two Layer Neural Network</a:t>
             </a:r>
-            <a:endParaRPr lang="en-US" dirty="0"/>
           </a:p>
         </p:txBody>
       </p:sp>
@@ -14477,157 +14326,157 @@
           <a:lstStyle/>
           <a:p>
             <a:r>
-              <a:rPr lang="en-US" dirty="0" smtClean="0"/>
+              <a:rPr lang="en-US" dirty="0"/>
               <a:t>Layer 1</a:t>
             </a:r>
           </a:p>
           <a:p>
             <a:pPr lvl="1"/>
             <a:r>
-              <a:rPr lang="en-US" dirty="0" smtClean="0"/>
+              <a:rPr lang="en-US" dirty="0"/>
               <a:t>Z</a:t>
             </a:r>
             <a:r>
-              <a:rPr lang="en-US" baseline="30000" dirty="0" smtClean="0"/>
+              <a:rPr lang="en-US" baseline="30000" dirty="0"/>
               <a:t>[1]</a:t>
             </a:r>
             <a:r>
-              <a:rPr lang="en-US" dirty="0" smtClean="0"/>
+              <a:rPr lang="en-US" dirty="0"/>
               <a:t> = W</a:t>
             </a:r>
             <a:r>
-              <a:rPr lang="en-US" baseline="30000" dirty="0" smtClean="0"/>
+              <a:rPr lang="en-US" baseline="30000" dirty="0"/>
               <a:t>[1]</a:t>
             </a:r>
             <a:r>
-              <a:rPr lang="en-US" dirty="0" smtClean="0"/>
+              <a:rPr lang="en-US" dirty="0"/>
               <a:t>a</a:t>
             </a:r>
             <a:r>
-              <a:rPr lang="en-US" baseline="30000" dirty="0" smtClean="0"/>
+              <a:rPr lang="en-US" baseline="30000" dirty="0"/>
               <a:t>[0]</a:t>
             </a:r>
             <a:r>
-              <a:rPr lang="en-US" dirty="0" smtClean="0"/>
+              <a:rPr lang="en-US" dirty="0"/>
               <a:t> + b</a:t>
             </a:r>
             <a:r>
-              <a:rPr lang="en-US" baseline="30000" dirty="0" smtClean="0"/>
+              <a:rPr lang="en-US" baseline="30000" dirty="0"/>
               <a:t>[1]</a:t>
             </a:r>
           </a:p>
           <a:p>
             <a:pPr lvl="1"/>
             <a:r>
-              <a:rPr lang="en-US" dirty="0" smtClean="0"/>
+              <a:rPr lang="en-US" dirty="0"/>
               <a:t>a</a:t>
             </a:r>
             <a:r>
-              <a:rPr lang="en-US" baseline="30000" dirty="0" smtClean="0"/>
+              <a:rPr lang="en-US" baseline="30000" dirty="0"/>
               <a:t>[1]  </a:t>
             </a:r>
             <a:r>
-              <a:rPr lang="en-US" dirty="0" smtClean="0"/>
+              <a:rPr lang="en-US" dirty="0"/>
               <a:t>= </a:t>
             </a:r>
             <a:r>
-              <a:rPr lang="el-GR" dirty="0" smtClean="0"/>
+              <a:rPr lang="el-GR" dirty="0"/>
               <a:t>σ</a:t>
             </a:r>
             <a:r>
-              <a:rPr lang="en-US" dirty="0" smtClean="0"/>
+              <a:rPr lang="en-US" dirty="0"/>
               <a:t>(Z</a:t>
             </a:r>
             <a:r>
-              <a:rPr lang="en-US" baseline="30000" dirty="0" smtClean="0"/>
+              <a:rPr lang="en-US" baseline="30000" dirty="0"/>
               <a:t>[1]</a:t>
             </a:r>
             <a:r>
-              <a:rPr lang="en-US" dirty="0" smtClean="0"/>
+              <a:rPr lang="en-US" dirty="0"/>
               <a:t>)</a:t>
             </a:r>
           </a:p>
           <a:p>
             <a:r>
-              <a:rPr lang="en-US" dirty="0" smtClean="0"/>
+              <a:rPr lang="en-US" dirty="0"/>
               <a:t>Layer 2</a:t>
             </a:r>
           </a:p>
           <a:p>
             <a:pPr lvl="1"/>
             <a:r>
-              <a:rPr lang="en-US" dirty="0" smtClean="0"/>
+              <a:rPr lang="en-US" dirty="0"/>
               <a:t>Z</a:t>
             </a:r>
             <a:r>
-              <a:rPr lang="en-US" baseline="30000" dirty="0" smtClean="0"/>
+              <a:rPr lang="en-US" baseline="30000" dirty="0"/>
               <a:t>[2]</a:t>
             </a:r>
             <a:r>
-              <a:rPr lang="en-US" dirty="0" smtClean="0"/>
+              <a:rPr lang="en-US" dirty="0"/>
               <a:t> = W</a:t>
             </a:r>
             <a:r>
-              <a:rPr lang="en-US" baseline="30000" dirty="0" smtClean="0"/>
+              <a:rPr lang="en-US" baseline="30000" dirty="0"/>
               <a:t>[2]</a:t>
             </a:r>
             <a:r>
-              <a:rPr lang="en-US" dirty="0" smtClean="0"/>
+              <a:rPr lang="en-US" dirty="0"/>
               <a:t>a</a:t>
             </a:r>
             <a:r>
-              <a:rPr lang="en-US" baseline="30000" dirty="0" smtClean="0"/>
+              <a:rPr lang="en-US" baseline="30000" dirty="0"/>
               <a:t>[1]</a:t>
             </a:r>
             <a:r>
-              <a:rPr lang="en-US" dirty="0" smtClean="0"/>
+              <a:rPr lang="en-US" dirty="0"/>
               <a:t> + b</a:t>
             </a:r>
             <a:r>
-              <a:rPr lang="en-US" baseline="30000" dirty="0" smtClean="0"/>
+              <a:rPr lang="en-US" baseline="30000" dirty="0"/>
               <a:t>[2]</a:t>
             </a:r>
           </a:p>
           <a:p>
             <a:pPr lvl="1"/>
             <a:r>
-              <a:rPr lang="en-US" dirty="0" smtClean="0"/>
+              <a:rPr lang="en-US" dirty="0"/>
               <a:t>a</a:t>
             </a:r>
             <a:r>
-              <a:rPr lang="en-US" baseline="30000" dirty="0" smtClean="0"/>
+              <a:rPr lang="en-US" baseline="30000" dirty="0"/>
               <a:t>[2]  </a:t>
             </a:r>
             <a:r>
-              <a:rPr lang="en-US" dirty="0" smtClean="0"/>
+              <a:rPr lang="en-US" dirty="0"/>
               <a:t>= </a:t>
             </a:r>
             <a:r>
-              <a:rPr lang="el-GR" dirty="0" smtClean="0"/>
+              <a:rPr lang="el-GR" dirty="0"/>
               <a:t>σ</a:t>
             </a:r>
             <a:r>
-              <a:rPr lang="en-US" dirty="0" smtClean="0"/>
+              <a:rPr lang="en-US" dirty="0"/>
               <a:t>(Z</a:t>
             </a:r>
             <a:r>
-              <a:rPr lang="en-US" baseline="30000" dirty="0" smtClean="0"/>
+              <a:rPr lang="en-US" baseline="30000" dirty="0"/>
               <a:t>[2]</a:t>
             </a:r>
             <a:r>
-              <a:rPr lang="en-US" dirty="0" smtClean="0"/>
+              <a:rPr lang="en-US" dirty="0"/>
               <a:t>)</a:t>
             </a:r>
           </a:p>
           <a:p>
-            <a:endParaRPr lang="en-US" baseline="30000" dirty="0" smtClean="0"/>
-          </a:p>
-          <a:p>
-            <a:endParaRPr lang="en-US" dirty="0" smtClean="0"/>
+            <a:endParaRPr lang="en-US" baseline="30000" dirty="0"/>
+          </a:p>
+          <a:p>
+            <a:endParaRPr lang="en-US" dirty="0"/>
           </a:p>
           <a:p>
             <a:pPr lvl="1"/>
-            <a:endParaRPr lang="en-US" dirty="0" smtClean="0"/>
+            <a:endParaRPr lang="en-US" dirty="0"/>
           </a:p>
         </p:txBody>
       </p:sp>
@@ -14682,14 +14531,13 @@
               <a:lstStyle/>
               <a:p>
                 <a:r>
-                  <a:rPr lang="en-US" sz="2400" b="1" dirty="0" smtClean="0"/>
+                  <a:rPr lang="en-US" sz="2400" b="1" dirty="0"/>
                   <a:t>x</a:t>
                 </a:r>
                 <a:r>
-                  <a:rPr lang="en-US" sz="2400" b="1" baseline="-25000" dirty="0" smtClean="0"/>
+                  <a:rPr lang="en-US" sz="2400" b="1" baseline="-25000" dirty="0"/>
                   <a:t>1</a:t>
                 </a:r>
-                <a:endParaRPr lang="en-US" sz="2400" b="1" baseline="-25000" dirty="0"/>
               </a:p>
             </p:txBody>
           </p:sp>
@@ -14716,14 +14564,13 @@
               <a:lstStyle/>
               <a:p>
                 <a:r>
-                  <a:rPr lang="en-US" sz="2400" b="1" dirty="0" smtClean="0"/>
+                  <a:rPr lang="en-US" sz="2400" b="1" dirty="0"/>
                   <a:t>x</a:t>
                 </a:r>
                 <a:r>
-                  <a:rPr lang="en-US" sz="2400" b="1" baseline="-25000" dirty="0" smtClean="0"/>
+                  <a:rPr lang="en-US" sz="2400" b="1" baseline="-25000" dirty="0"/>
                   <a:t>2</a:t>
                 </a:r>
-                <a:endParaRPr lang="en-US" sz="2400" b="1" baseline="-25000" dirty="0"/>
               </a:p>
             </p:txBody>
           </p:sp>
@@ -14750,14 +14597,13 @@
               <a:lstStyle/>
               <a:p>
                 <a:r>
-                  <a:rPr lang="en-US" sz="2400" b="1" dirty="0" smtClean="0"/>
+                  <a:rPr lang="en-US" sz="2400" b="1" dirty="0"/>
                   <a:t>x</a:t>
                 </a:r>
                 <a:r>
-                  <a:rPr lang="en-US" sz="2400" b="1" baseline="-25000" dirty="0" smtClean="0"/>
+                  <a:rPr lang="en-US" sz="2400" b="1" baseline="-25000" dirty="0"/>
                   <a:t>3</a:t>
                 </a:r>
-                <a:endParaRPr lang="en-US" sz="2400" b="1" baseline="-25000" dirty="0"/>
               </a:p>
             </p:txBody>
           </p:sp>
@@ -14784,10 +14630,9 @@
               <a:lstStyle/>
               <a:p>
                 <a:r>
-                  <a:rPr lang="en-US" sz="2400" b="1" dirty="0" smtClean="0"/>
+                  <a:rPr lang="en-US" sz="2400" b="1" dirty="0"/>
                   <a:t>ŷ</a:t>
                 </a:r>
-                <a:endParaRPr lang="en-US" sz="2400" b="1" dirty="0"/>
               </a:p>
             </p:txBody>
           </p:sp>
@@ -16025,13 +15870,6 @@
   <p:clrMapOvr>
     <a:masterClrMapping/>
   </p:clrMapOvr>
-  <p:timing>
-    <p:tnLst>
-      <p:par>
-        <p:cTn id="1" dur="indefinite" restart="never" nodeType="tmRoot"/>
-      </p:par>
-    </p:tnLst>
-  </p:timing>
 </p:sld>
 </file>
 
@@ -16070,10 +15908,9 @@
           <a:lstStyle/>
           <a:p>
             <a:r>
-              <a:rPr lang="en-US" dirty="0" smtClean="0"/>
+              <a:rPr lang="en-US" dirty="0"/>
               <a:t>Two Layer Neural Network</a:t>
             </a:r>
-            <a:endParaRPr lang="en-US" dirty="0"/>
           </a:p>
         </p:txBody>
       </p:sp>
@@ -16098,158 +15935,158 @@
           <a:lstStyle/>
           <a:p>
             <a:r>
-              <a:rPr lang="en-US" dirty="0" smtClean="0"/>
+              <a:rPr lang="en-US" dirty="0"/>
               <a:t>Layer 1</a:t>
             </a:r>
           </a:p>
           <a:p>
             <a:pPr lvl="1"/>
             <a:r>
-              <a:rPr lang="en-US" dirty="0" smtClean="0"/>
+              <a:rPr lang="en-US" dirty="0"/>
               <a:t>Z</a:t>
             </a:r>
             <a:r>
-              <a:rPr lang="en-US" baseline="30000" dirty="0" smtClean="0"/>
+              <a:rPr lang="en-US" baseline="30000" dirty="0"/>
               <a:t>[1]</a:t>
             </a:r>
             <a:r>
-              <a:rPr lang="en-US" dirty="0" smtClean="0"/>
+              <a:rPr lang="en-US" dirty="0"/>
               <a:t> = W</a:t>
             </a:r>
             <a:r>
-              <a:rPr lang="en-US" baseline="30000" dirty="0" smtClean="0"/>
+              <a:rPr lang="en-US" baseline="30000" dirty="0"/>
               <a:t>[1]</a:t>
             </a:r>
             <a:r>
-              <a:rPr lang="en-US" dirty="0" smtClean="0"/>
+              <a:rPr lang="en-US" dirty="0"/>
               <a:t>a</a:t>
             </a:r>
             <a:r>
-              <a:rPr lang="en-US" baseline="30000" dirty="0" smtClean="0"/>
+              <a:rPr lang="en-US" baseline="30000" dirty="0"/>
               <a:t>[0]</a:t>
             </a:r>
             <a:r>
-              <a:rPr lang="en-US" dirty="0" smtClean="0"/>
+              <a:rPr lang="en-US" dirty="0"/>
               <a:t> + b</a:t>
             </a:r>
             <a:r>
-              <a:rPr lang="en-US" baseline="30000" dirty="0" smtClean="0"/>
+              <a:rPr lang="en-US" baseline="30000" dirty="0"/>
               <a:t>[1]</a:t>
             </a:r>
           </a:p>
           <a:p>
             <a:pPr lvl="1"/>
             <a:r>
-              <a:rPr lang="en-US" dirty="0" smtClean="0"/>
+              <a:rPr lang="en-US" dirty="0"/>
               <a:t>a</a:t>
             </a:r>
             <a:r>
-              <a:rPr lang="en-US" baseline="30000" dirty="0" smtClean="0"/>
+              <a:rPr lang="en-US" baseline="30000" dirty="0"/>
               <a:t>[1]  </a:t>
             </a:r>
             <a:r>
-              <a:rPr lang="en-US" dirty="0" smtClean="0"/>
+              <a:rPr lang="en-US" dirty="0"/>
               <a:t>= </a:t>
             </a:r>
             <a:r>
-              <a:rPr lang="el-GR" dirty="0" smtClean="0"/>
+              <a:rPr lang="el-GR" dirty="0"/>
               <a:t>σ</a:t>
             </a:r>
             <a:r>
-              <a:rPr lang="en-US" dirty="0" smtClean="0"/>
+              <a:rPr lang="en-US" dirty="0"/>
               <a:t>(Z</a:t>
             </a:r>
             <a:r>
-              <a:rPr lang="en-US" baseline="30000" dirty="0" smtClean="0"/>
+              <a:rPr lang="en-US" baseline="30000" dirty="0"/>
               <a:t>[1]</a:t>
             </a:r>
             <a:r>
-              <a:rPr lang="en-US" dirty="0" smtClean="0"/>
+              <a:rPr lang="en-US" dirty="0"/>
               <a:t>)</a:t>
             </a:r>
           </a:p>
           <a:p>
             <a:r>
-              <a:rPr lang="en-US" dirty="0" smtClean="0"/>
+              <a:rPr lang="en-US" dirty="0"/>
               <a:t>Layer 2</a:t>
             </a:r>
           </a:p>
           <a:p>
             <a:pPr lvl="1"/>
             <a:r>
-              <a:rPr lang="en-US" dirty="0" smtClean="0"/>
+              <a:rPr lang="en-US" dirty="0"/>
               <a:t>Z</a:t>
             </a:r>
             <a:r>
-              <a:rPr lang="en-US" baseline="30000" dirty="0" smtClean="0"/>
+              <a:rPr lang="en-US" baseline="30000" dirty="0"/>
               <a:t>[2]</a:t>
             </a:r>
             <a:r>
-              <a:rPr lang="en-US" dirty="0" smtClean="0"/>
+              <a:rPr lang="en-US" dirty="0"/>
               <a:t> = W</a:t>
             </a:r>
             <a:r>
-              <a:rPr lang="en-US" baseline="30000" dirty="0" smtClean="0"/>
+              <a:rPr lang="en-US" baseline="30000" dirty="0"/>
               <a:t>[2]</a:t>
             </a:r>
             <a:r>
-              <a:rPr lang="en-US" dirty="0" smtClean="0"/>
+              <a:rPr lang="en-US" dirty="0"/>
               <a:t>a</a:t>
             </a:r>
             <a:r>
-              <a:rPr lang="en-US" baseline="30000" dirty="0" smtClean="0"/>
+              <a:rPr lang="en-US" baseline="30000" dirty="0"/>
               <a:t>[1]</a:t>
             </a:r>
             <a:r>
-              <a:rPr lang="en-US" dirty="0" smtClean="0"/>
+              <a:rPr lang="en-US" dirty="0"/>
               <a:t> + b</a:t>
             </a:r>
             <a:r>
-              <a:rPr lang="en-US" baseline="30000" dirty="0" smtClean="0"/>
+              <a:rPr lang="en-US" baseline="30000" dirty="0"/>
               <a:t>[2]</a:t>
             </a:r>
           </a:p>
           <a:p>
             <a:pPr lvl="1"/>
             <a:r>
-              <a:rPr lang="en-US" dirty="0" smtClean="0"/>
+              <a:rPr lang="en-US" dirty="0"/>
               <a:t>ŷ = a</a:t>
             </a:r>
             <a:r>
-              <a:rPr lang="en-US" baseline="30000" dirty="0" smtClean="0"/>
+              <a:rPr lang="en-US" baseline="30000" dirty="0"/>
               <a:t>[2]  </a:t>
             </a:r>
             <a:r>
-              <a:rPr lang="en-US" dirty="0" smtClean="0"/>
+              <a:rPr lang="en-US" dirty="0"/>
               <a:t>= </a:t>
             </a:r>
             <a:r>
-              <a:rPr lang="el-GR" dirty="0" smtClean="0"/>
+              <a:rPr lang="el-GR" dirty="0"/>
               <a:t>σ</a:t>
             </a:r>
             <a:r>
-              <a:rPr lang="en-US" dirty="0" smtClean="0"/>
+              <a:rPr lang="en-US" dirty="0"/>
               <a:t>(Z</a:t>
             </a:r>
             <a:r>
-              <a:rPr lang="en-US" baseline="30000" dirty="0" smtClean="0"/>
+              <a:rPr lang="en-US" baseline="30000" dirty="0"/>
               <a:t>[2]</a:t>
             </a:r>
             <a:r>
-              <a:rPr lang="en-US" dirty="0" smtClean="0"/>
+              <a:rPr lang="en-US" dirty="0"/>
               <a:t>)</a:t>
             </a:r>
           </a:p>
           <a:p>
             <a:r>
-              <a:rPr lang="en-US" dirty="0" smtClean="0"/>
+              <a:rPr lang="en-US" dirty="0"/>
               <a:t>Loss function</a:t>
             </a:r>
           </a:p>
           <a:p>
             <a:pPr lvl="1"/>
             <a:r>
-              <a:rPr lang="en-US" dirty="0" smtClean="0"/>
+              <a:rPr lang="en-US" dirty="0"/>
               <a:t>L(ŷ, y)</a:t>
             </a:r>
           </a:p>
@@ -16306,14 +16143,13 @@
               <a:lstStyle/>
               <a:p>
                 <a:r>
-                  <a:rPr lang="en-US" sz="2400" b="1" dirty="0" smtClean="0"/>
+                  <a:rPr lang="en-US" sz="2400" b="1" dirty="0"/>
                   <a:t>x</a:t>
                 </a:r>
                 <a:r>
-                  <a:rPr lang="en-US" sz="2400" b="1" baseline="-25000" dirty="0" smtClean="0"/>
+                  <a:rPr lang="en-US" sz="2400" b="1" baseline="-25000" dirty="0"/>
                   <a:t>1</a:t>
                 </a:r>
-                <a:endParaRPr lang="en-US" sz="2400" b="1" baseline="-25000" dirty="0"/>
               </a:p>
             </p:txBody>
           </p:sp>
@@ -16340,14 +16176,13 @@
               <a:lstStyle/>
               <a:p>
                 <a:r>
-                  <a:rPr lang="en-US" sz="2400" b="1" dirty="0" smtClean="0"/>
+                  <a:rPr lang="en-US" sz="2400" b="1" dirty="0"/>
                   <a:t>x</a:t>
                 </a:r>
                 <a:r>
-                  <a:rPr lang="en-US" sz="2400" b="1" baseline="-25000" dirty="0" smtClean="0"/>
+                  <a:rPr lang="en-US" sz="2400" b="1" baseline="-25000" dirty="0"/>
                   <a:t>2</a:t>
                 </a:r>
-                <a:endParaRPr lang="en-US" sz="2400" b="1" baseline="-25000" dirty="0"/>
               </a:p>
             </p:txBody>
           </p:sp>
@@ -16374,14 +16209,13 @@
               <a:lstStyle/>
               <a:p>
                 <a:r>
-                  <a:rPr lang="en-US" sz="2400" b="1" dirty="0" smtClean="0"/>
+                  <a:rPr lang="en-US" sz="2400" b="1" dirty="0"/>
                   <a:t>x</a:t>
                 </a:r>
                 <a:r>
-                  <a:rPr lang="en-US" sz="2400" b="1" baseline="-25000" dirty="0" smtClean="0"/>
+                  <a:rPr lang="en-US" sz="2400" b="1" baseline="-25000" dirty="0"/>
                   <a:t>3</a:t>
                 </a:r>
-                <a:endParaRPr lang="en-US" sz="2400" b="1" baseline="-25000" dirty="0"/>
               </a:p>
             </p:txBody>
           </p:sp>
@@ -16408,10 +16242,9 @@
               <a:lstStyle/>
               <a:p>
                 <a:r>
-                  <a:rPr lang="en-US" sz="2400" b="1" dirty="0" smtClean="0"/>
+                  <a:rPr lang="en-US" sz="2400" b="1" dirty="0"/>
                   <a:t>ŷ</a:t>
                 </a:r>
-                <a:endParaRPr lang="en-US" sz="2400" b="1" dirty="0"/>
               </a:p>
             </p:txBody>
           </p:sp>
@@ -17649,13 +17482,6 @@
   <p:clrMapOvr>
     <a:masterClrMapping/>
   </p:clrMapOvr>
-  <p:timing>
-    <p:tnLst>
-      <p:par>
-        <p:cTn id="1" dur="indefinite" restart="never" nodeType="tmRoot"/>
-      </p:par>
-    </p:tnLst>
-  </p:timing>
 </p:sld>
 </file>
 
@@ -17694,10 +17520,9 @@
           <a:lstStyle/>
           <a:p>
             <a:r>
-              <a:rPr lang="en-US" dirty="0" smtClean="0"/>
+              <a:rPr lang="en-US" dirty="0"/>
               <a:t>Two Layer Neural Network</a:t>
             </a:r>
-            <a:endParaRPr lang="en-US" dirty="0"/>
           </a:p>
         </p:txBody>
       </p:sp>
@@ -17722,190 +17547,190 @@
           <a:lstStyle/>
           <a:p>
             <a:r>
-              <a:rPr lang="en-US" dirty="0" smtClean="0"/>
+              <a:rPr lang="en-US" dirty="0"/>
               <a:t>Layer 1</a:t>
             </a:r>
           </a:p>
           <a:p>
             <a:pPr lvl="1"/>
             <a:r>
-              <a:rPr lang="en-US" dirty="0" smtClean="0"/>
+              <a:rPr lang="en-US" dirty="0"/>
               <a:t>Z</a:t>
             </a:r>
             <a:r>
-              <a:rPr lang="en-US" baseline="30000" dirty="0" smtClean="0"/>
+              <a:rPr lang="en-US" baseline="30000" dirty="0"/>
               <a:t>[1]</a:t>
             </a:r>
             <a:r>
-              <a:rPr lang="en-US" dirty="0" smtClean="0"/>
+              <a:rPr lang="en-US" dirty="0"/>
               <a:t> = W</a:t>
             </a:r>
             <a:r>
-              <a:rPr lang="en-US" baseline="30000" dirty="0" smtClean="0"/>
+              <a:rPr lang="en-US" baseline="30000" dirty="0"/>
               <a:t>[1]</a:t>
             </a:r>
             <a:r>
-              <a:rPr lang="en-US" dirty="0" smtClean="0"/>
+              <a:rPr lang="en-US" dirty="0"/>
               <a:t>a</a:t>
             </a:r>
             <a:r>
-              <a:rPr lang="en-US" baseline="30000" dirty="0" smtClean="0"/>
+              <a:rPr lang="en-US" baseline="30000" dirty="0"/>
               <a:t>[0]</a:t>
             </a:r>
             <a:r>
-              <a:rPr lang="en-US" dirty="0" smtClean="0"/>
+              <a:rPr lang="en-US" dirty="0"/>
               <a:t> + b</a:t>
             </a:r>
             <a:r>
-              <a:rPr lang="en-US" baseline="30000" dirty="0" smtClean="0"/>
+              <a:rPr lang="en-US" baseline="30000" dirty="0"/>
               <a:t>[1]</a:t>
             </a:r>
           </a:p>
           <a:p>
             <a:pPr lvl="1"/>
             <a:r>
-              <a:rPr lang="en-US" dirty="0" smtClean="0"/>
+              <a:rPr lang="en-US" dirty="0"/>
               <a:t>a</a:t>
             </a:r>
             <a:r>
-              <a:rPr lang="en-US" baseline="30000" dirty="0" smtClean="0"/>
+              <a:rPr lang="en-US" baseline="30000" dirty="0"/>
               <a:t>[1]  </a:t>
             </a:r>
             <a:r>
-              <a:rPr lang="en-US" dirty="0" smtClean="0"/>
+              <a:rPr lang="en-US" dirty="0"/>
               <a:t>= </a:t>
             </a:r>
             <a:r>
-              <a:rPr lang="el-GR" dirty="0" smtClean="0"/>
+              <a:rPr lang="el-GR" dirty="0"/>
               <a:t>σ</a:t>
             </a:r>
             <a:r>
-              <a:rPr lang="en-US" dirty="0" smtClean="0"/>
+              <a:rPr lang="en-US" dirty="0"/>
               <a:t>(Z</a:t>
             </a:r>
             <a:r>
-              <a:rPr lang="en-US" baseline="30000" dirty="0" smtClean="0"/>
+              <a:rPr lang="en-US" baseline="30000" dirty="0"/>
               <a:t>[1]</a:t>
             </a:r>
             <a:r>
-              <a:rPr lang="en-US" dirty="0" smtClean="0"/>
+              <a:rPr lang="en-US" dirty="0"/>
               <a:t>)</a:t>
             </a:r>
           </a:p>
           <a:p>
             <a:r>
-              <a:rPr lang="en-US" dirty="0" smtClean="0"/>
+              <a:rPr lang="en-US" dirty="0"/>
               <a:t>Layer 2</a:t>
             </a:r>
           </a:p>
           <a:p>
             <a:pPr lvl="1"/>
             <a:r>
-              <a:rPr lang="en-US" dirty="0" smtClean="0"/>
+              <a:rPr lang="en-US" dirty="0"/>
               <a:t>Z</a:t>
             </a:r>
             <a:r>
-              <a:rPr lang="en-US" baseline="30000" dirty="0" smtClean="0"/>
+              <a:rPr lang="en-US" baseline="30000" dirty="0"/>
               <a:t>[2]</a:t>
             </a:r>
             <a:r>
-              <a:rPr lang="en-US" dirty="0" smtClean="0"/>
+              <a:rPr lang="en-US" dirty="0"/>
               <a:t> = W</a:t>
             </a:r>
             <a:r>
-              <a:rPr lang="en-US" baseline="30000" dirty="0" smtClean="0"/>
+              <a:rPr lang="en-US" baseline="30000" dirty="0"/>
               <a:t>[2]</a:t>
             </a:r>
             <a:r>
-              <a:rPr lang="en-US" dirty="0" smtClean="0"/>
+              <a:rPr lang="en-US" dirty="0"/>
               <a:t>a</a:t>
             </a:r>
             <a:r>
-              <a:rPr lang="en-US" baseline="30000" dirty="0" smtClean="0"/>
+              <a:rPr lang="en-US" baseline="30000" dirty="0"/>
               <a:t>[1]</a:t>
             </a:r>
             <a:r>
-              <a:rPr lang="en-US" dirty="0" smtClean="0"/>
+              <a:rPr lang="en-US" dirty="0"/>
               <a:t> + b</a:t>
             </a:r>
             <a:r>
-              <a:rPr lang="en-US" baseline="30000" dirty="0" smtClean="0"/>
+              <a:rPr lang="en-US" baseline="30000" dirty="0"/>
               <a:t>[2]</a:t>
             </a:r>
           </a:p>
           <a:p>
             <a:pPr lvl="1"/>
             <a:r>
-              <a:rPr lang="en-US" dirty="0" smtClean="0"/>
+              <a:rPr lang="en-US" dirty="0"/>
               <a:t>ŷ = a</a:t>
             </a:r>
             <a:r>
-              <a:rPr lang="en-US" baseline="30000" dirty="0" smtClean="0"/>
+              <a:rPr lang="en-US" baseline="30000" dirty="0"/>
               <a:t>[2]  </a:t>
             </a:r>
             <a:r>
-              <a:rPr lang="en-US" dirty="0" smtClean="0"/>
+              <a:rPr lang="en-US" dirty="0"/>
               <a:t>= </a:t>
             </a:r>
             <a:r>
-              <a:rPr lang="el-GR" dirty="0" smtClean="0"/>
+              <a:rPr lang="el-GR" dirty="0"/>
               <a:t>σ</a:t>
             </a:r>
             <a:r>
-              <a:rPr lang="en-US" dirty="0" smtClean="0"/>
+              <a:rPr lang="en-US" dirty="0"/>
               <a:t>(Z</a:t>
             </a:r>
             <a:r>
-              <a:rPr lang="en-US" baseline="30000" dirty="0" smtClean="0"/>
+              <a:rPr lang="en-US" baseline="30000" dirty="0"/>
               <a:t>[2]</a:t>
             </a:r>
             <a:r>
-              <a:rPr lang="en-US" dirty="0" smtClean="0"/>
+              <a:rPr lang="en-US" dirty="0"/>
               <a:t>)</a:t>
             </a:r>
           </a:p>
           <a:p>
             <a:r>
-              <a:rPr lang="en-US" dirty="0" smtClean="0"/>
+              <a:rPr lang="en-US" dirty="0"/>
               <a:t>Loss function</a:t>
             </a:r>
           </a:p>
           <a:p>
             <a:pPr lvl="1"/>
             <a:r>
-              <a:rPr lang="en-US" dirty="0" smtClean="0"/>
+              <a:rPr lang="en-US" dirty="0"/>
               <a:t>L(ŷ</a:t>
             </a:r>
             <a:r>
-              <a:rPr lang="en-US" baseline="30000" dirty="0" smtClean="0"/>
+              <a:rPr lang="en-US" baseline="30000" dirty="0"/>
               <a:t>(</a:t>
             </a:r>
             <a:r>
-              <a:rPr lang="en-US" baseline="30000" dirty="0" err="1" smtClean="0"/>
+              <a:rPr lang="en-US" baseline="30000" dirty="0" err="1"/>
               <a:t>i</a:t>
             </a:r>
             <a:r>
-              <a:rPr lang="en-US" baseline="30000" dirty="0" smtClean="0"/>
+              <a:rPr lang="en-US" baseline="30000" dirty="0"/>
               <a:t>)</a:t>
             </a:r>
             <a:r>
-              <a:rPr lang="en-US" dirty="0" smtClean="0"/>
+              <a:rPr lang="en-US" dirty="0"/>
               <a:t>, y</a:t>
             </a:r>
             <a:r>
-              <a:rPr lang="en-US" baseline="30000" dirty="0" smtClean="0"/>
+              <a:rPr lang="en-US" baseline="30000" dirty="0"/>
               <a:t>(</a:t>
             </a:r>
             <a:r>
-              <a:rPr lang="en-US" baseline="30000" dirty="0" err="1" smtClean="0"/>
+              <a:rPr lang="en-US" baseline="30000" dirty="0" err="1"/>
               <a:t>i</a:t>
             </a:r>
             <a:r>
-              <a:rPr lang="en-US" baseline="30000" dirty="0" smtClean="0"/>
+              <a:rPr lang="en-US" baseline="30000" dirty="0"/>
               <a:t>)</a:t>
             </a:r>
             <a:r>
-              <a:rPr lang="en-US" dirty="0" smtClean="0"/>
+              <a:rPr lang="en-US" dirty="0"/>
               <a:t>)</a:t>
             </a:r>
           </a:p>
@@ -17962,14 +17787,13 @@
               <a:lstStyle/>
               <a:p>
                 <a:r>
-                  <a:rPr lang="en-US" sz="2400" b="1" dirty="0" smtClean="0"/>
+                  <a:rPr lang="en-US" sz="2400" b="1" dirty="0"/>
                   <a:t>x</a:t>
                 </a:r>
                 <a:r>
-                  <a:rPr lang="en-US" sz="2400" b="1" baseline="-25000" dirty="0" smtClean="0"/>
+                  <a:rPr lang="en-US" sz="2400" b="1" baseline="-25000" dirty="0"/>
                   <a:t>1</a:t>
                 </a:r>
-                <a:endParaRPr lang="en-US" sz="2400" b="1" baseline="-25000" dirty="0"/>
               </a:p>
             </p:txBody>
           </p:sp>
@@ -17996,14 +17820,13 @@
               <a:lstStyle/>
               <a:p>
                 <a:r>
-                  <a:rPr lang="en-US" sz="2400" b="1" dirty="0" smtClean="0"/>
+                  <a:rPr lang="en-US" sz="2400" b="1" dirty="0"/>
                   <a:t>x</a:t>
                 </a:r>
                 <a:r>
-                  <a:rPr lang="en-US" sz="2400" b="1" baseline="-25000" dirty="0" smtClean="0"/>
+                  <a:rPr lang="en-US" sz="2400" b="1" baseline="-25000" dirty="0"/>
                   <a:t>2</a:t>
                 </a:r>
-                <a:endParaRPr lang="en-US" sz="2400" b="1" baseline="-25000" dirty="0"/>
               </a:p>
             </p:txBody>
           </p:sp>
@@ -18030,14 +17853,13 @@
               <a:lstStyle/>
               <a:p>
                 <a:r>
-                  <a:rPr lang="en-US" sz="2400" b="1" dirty="0" smtClean="0"/>
+                  <a:rPr lang="en-US" sz="2400" b="1" dirty="0"/>
                   <a:t>x</a:t>
                 </a:r>
                 <a:r>
-                  <a:rPr lang="en-US" sz="2400" b="1" baseline="-25000" dirty="0" smtClean="0"/>
+                  <a:rPr lang="en-US" sz="2400" b="1" baseline="-25000" dirty="0"/>
                   <a:t>3</a:t>
                 </a:r>
-                <a:endParaRPr lang="en-US" sz="2400" b="1" baseline="-25000" dirty="0"/>
               </a:p>
             </p:txBody>
           </p:sp>
@@ -18064,10 +17886,9 @@
               <a:lstStyle/>
               <a:p>
                 <a:r>
-                  <a:rPr lang="en-US" sz="2400" b="1" dirty="0" smtClean="0"/>
+                  <a:rPr lang="en-US" sz="2400" b="1" dirty="0"/>
                   <a:t>ŷ</a:t>
                 </a:r>
-                <a:endParaRPr lang="en-US" sz="2400" b="1" dirty="0"/>
               </a:p>
             </p:txBody>
           </p:sp>
@@ -19305,13 +19126,6 @@
   <p:clrMapOvr>
     <a:masterClrMapping/>
   </p:clrMapOvr>
-  <p:timing>
-    <p:tnLst>
-      <p:par>
-        <p:cTn id="1" dur="indefinite" restart="never" nodeType="tmRoot"/>
-      </p:par>
-    </p:tnLst>
-  </p:timing>
 </p:sld>
 </file>
 
@@ -19350,10 +19164,9 @@
           <a:lstStyle/>
           <a:p>
             <a:r>
-              <a:rPr lang="en-US" dirty="0" smtClean="0"/>
+              <a:rPr lang="en-US" dirty="0"/>
               <a:t>Two Layer Neural Network</a:t>
             </a:r>
-            <a:endParaRPr lang="en-US" dirty="0"/>
           </a:p>
         </p:txBody>
       </p:sp>
@@ -19378,158 +19191,158 @@
           <a:lstStyle/>
           <a:p>
             <a:r>
-              <a:rPr lang="en-US" dirty="0" smtClean="0"/>
+              <a:rPr lang="en-US" dirty="0"/>
               <a:t>Layer 1</a:t>
             </a:r>
           </a:p>
           <a:p>
             <a:pPr lvl="1"/>
             <a:r>
-              <a:rPr lang="en-US" dirty="0" smtClean="0"/>
+              <a:rPr lang="en-US" dirty="0"/>
               <a:t>Z</a:t>
             </a:r>
             <a:r>
-              <a:rPr lang="en-US" baseline="30000" dirty="0" smtClean="0"/>
+              <a:rPr lang="en-US" baseline="30000" dirty="0"/>
               <a:t>[1]</a:t>
             </a:r>
             <a:r>
-              <a:rPr lang="en-US" dirty="0" smtClean="0"/>
+              <a:rPr lang="en-US" dirty="0"/>
               <a:t> = W</a:t>
             </a:r>
             <a:r>
-              <a:rPr lang="en-US" baseline="30000" dirty="0" smtClean="0"/>
+              <a:rPr lang="en-US" baseline="30000" dirty="0"/>
               <a:t>[1]</a:t>
             </a:r>
             <a:r>
-              <a:rPr lang="en-US" dirty="0" smtClean="0"/>
+              <a:rPr lang="en-US" dirty="0"/>
               <a:t>a</a:t>
             </a:r>
             <a:r>
-              <a:rPr lang="en-US" baseline="30000" dirty="0" smtClean="0"/>
+              <a:rPr lang="en-US" baseline="30000" dirty="0"/>
               <a:t>[0]</a:t>
             </a:r>
             <a:r>
-              <a:rPr lang="en-US" dirty="0" smtClean="0"/>
+              <a:rPr lang="en-US" dirty="0"/>
               <a:t> + b</a:t>
             </a:r>
             <a:r>
-              <a:rPr lang="en-US" baseline="30000" dirty="0" smtClean="0"/>
+              <a:rPr lang="en-US" baseline="30000" dirty="0"/>
               <a:t>[1]</a:t>
             </a:r>
           </a:p>
           <a:p>
             <a:pPr lvl="1"/>
             <a:r>
-              <a:rPr lang="en-US" dirty="0" smtClean="0"/>
+              <a:rPr lang="en-US" dirty="0"/>
               <a:t>a</a:t>
             </a:r>
             <a:r>
-              <a:rPr lang="en-US" baseline="30000" dirty="0" smtClean="0"/>
+              <a:rPr lang="en-US" baseline="30000" dirty="0"/>
               <a:t>[1]  </a:t>
             </a:r>
             <a:r>
-              <a:rPr lang="en-US" dirty="0" smtClean="0"/>
+              <a:rPr lang="en-US" dirty="0"/>
               <a:t>= </a:t>
             </a:r>
             <a:r>
-              <a:rPr lang="el-GR" dirty="0" smtClean="0"/>
+              <a:rPr lang="el-GR" dirty="0"/>
               <a:t>σ</a:t>
             </a:r>
             <a:r>
-              <a:rPr lang="en-US" dirty="0" smtClean="0"/>
+              <a:rPr lang="en-US" dirty="0"/>
               <a:t>(Z</a:t>
             </a:r>
             <a:r>
-              <a:rPr lang="en-US" baseline="30000" dirty="0" smtClean="0"/>
+              <a:rPr lang="en-US" baseline="30000" dirty="0"/>
               <a:t>[1]</a:t>
             </a:r>
             <a:r>
-              <a:rPr lang="en-US" dirty="0" smtClean="0"/>
+              <a:rPr lang="en-US" dirty="0"/>
               <a:t>)</a:t>
             </a:r>
           </a:p>
           <a:p>
             <a:r>
-              <a:rPr lang="en-US" dirty="0" smtClean="0"/>
+              <a:rPr lang="en-US" dirty="0"/>
               <a:t>Layer 2</a:t>
             </a:r>
           </a:p>
           <a:p>
             <a:pPr lvl="1"/>
             <a:r>
-              <a:rPr lang="en-US" dirty="0" smtClean="0"/>
+              <a:rPr lang="en-US" dirty="0"/>
               <a:t>Z</a:t>
             </a:r>
             <a:r>
-              <a:rPr lang="en-US" baseline="30000" dirty="0" smtClean="0"/>
+              <a:rPr lang="en-US" baseline="30000" dirty="0"/>
               <a:t>[2]</a:t>
             </a:r>
             <a:r>
-              <a:rPr lang="en-US" dirty="0" smtClean="0"/>
+              <a:rPr lang="en-US" dirty="0"/>
               <a:t> = W</a:t>
             </a:r>
             <a:r>
-              <a:rPr lang="en-US" baseline="30000" dirty="0" smtClean="0"/>
+              <a:rPr lang="en-US" baseline="30000" dirty="0"/>
               <a:t>[2]</a:t>
             </a:r>
             <a:r>
-              <a:rPr lang="en-US" dirty="0" smtClean="0"/>
+              <a:rPr lang="en-US" dirty="0"/>
               <a:t>a</a:t>
             </a:r>
             <a:r>
-              <a:rPr lang="en-US" baseline="30000" dirty="0" smtClean="0"/>
+              <a:rPr lang="en-US" baseline="30000" dirty="0"/>
               <a:t>[1]</a:t>
             </a:r>
             <a:r>
-              <a:rPr lang="en-US" dirty="0" smtClean="0"/>
+              <a:rPr lang="en-US" dirty="0"/>
               <a:t> + b</a:t>
             </a:r>
             <a:r>
-              <a:rPr lang="en-US" baseline="30000" dirty="0" smtClean="0"/>
+              <a:rPr lang="en-US" baseline="30000" dirty="0"/>
               <a:t>[2]</a:t>
             </a:r>
           </a:p>
           <a:p>
             <a:pPr lvl="1"/>
             <a:r>
-              <a:rPr lang="en-US" dirty="0" smtClean="0"/>
+              <a:rPr lang="en-US" dirty="0"/>
               <a:t>ŷ = a</a:t>
             </a:r>
             <a:r>
-              <a:rPr lang="en-US" baseline="30000" dirty="0" smtClean="0"/>
+              <a:rPr lang="en-US" baseline="30000" dirty="0"/>
               <a:t>[2]  </a:t>
             </a:r>
             <a:r>
-              <a:rPr lang="en-US" dirty="0" smtClean="0"/>
+              <a:rPr lang="en-US" dirty="0"/>
               <a:t>= </a:t>
             </a:r>
             <a:r>
-              <a:rPr lang="el-GR" dirty="0" smtClean="0"/>
+              <a:rPr lang="el-GR" dirty="0"/>
               <a:t>σ</a:t>
             </a:r>
             <a:r>
-              <a:rPr lang="en-US" dirty="0" smtClean="0"/>
+              <a:rPr lang="en-US" dirty="0"/>
               <a:t>(Z</a:t>
             </a:r>
             <a:r>
-              <a:rPr lang="en-US" baseline="30000" dirty="0" smtClean="0"/>
+              <a:rPr lang="en-US" baseline="30000" dirty="0"/>
               <a:t>[2]</a:t>
             </a:r>
             <a:r>
-              <a:rPr lang="en-US" dirty="0" smtClean="0"/>
+              <a:rPr lang="en-US" dirty="0"/>
               <a:t>)</a:t>
             </a:r>
           </a:p>
           <a:p>
             <a:r>
-              <a:rPr lang="en-US" dirty="0" smtClean="0"/>
+              <a:rPr lang="en-US" dirty="0"/>
               <a:t>Cost function</a:t>
             </a:r>
           </a:p>
           <a:p>
             <a:pPr lvl="1"/>
             <a:r>
-              <a:rPr lang="en-US" dirty="0" smtClean="0"/>
+              <a:rPr lang="en-US" dirty="0"/>
               <a:t>J(W, b)</a:t>
             </a:r>
           </a:p>
@@ -19586,14 +19399,13 @@
               <a:lstStyle/>
               <a:p>
                 <a:r>
-                  <a:rPr lang="en-US" sz="2400" b="1" dirty="0" smtClean="0"/>
+                  <a:rPr lang="en-US" sz="2400" b="1" dirty="0"/>
                   <a:t>x</a:t>
                 </a:r>
                 <a:r>
-                  <a:rPr lang="en-US" sz="2400" b="1" baseline="-25000" dirty="0" smtClean="0"/>
+                  <a:rPr lang="en-US" sz="2400" b="1" baseline="-25000" dirty="0"/>
                   <a:t>1</a:t>
                 </a:r>
-                <a:endParaRPr lang="en-US" sz="2400" b="1" baseline="-25000" dirty="0"/>
               </a:p>
             </p:txBody>
           </p:sp>
@@ -19620,14 +19432,13 @@
               <a:lstStyle/>
               <a:p>
                 <a:r>
-                  <a:rPr lang="en-US" sz="2400" b="1" dirty="0" smtClean="0"/>
+                  <a:rPr lang="en-US" sz="2400" b="1" dirty="0"/>
                   <a:t>x</a:t>
                 </a:r>
                 <a:r>
-                  <a:rPr lang="en-US" sz="2400" b="1" baseline="-25000" dirty="0" smtClean="0"/>
+                  <a:rPr lang="en-US" sz="2400" b="1" baseline="-25000" dirty="0"/>
                   <a:t>2</a:t>
                 </a:r>
-                <a:endParaRPr lang="en-US" sz="2400" b="1" baseline="-25000" dirty="0"/>
               </a:p>
             </p:txBody>
           </p:sp>
@@ -19654,14 +19465,13 @@
               <a:lstStyle/>
               <a:p>
                 <a:r>
-                  <a:rPr lang="en-US" sz="2400" b="1" dirty="0" smtClean="0"/>
+                  <a:rPr lang="en-US" sz="2400" b="1" dirty="0"/>
                   <a:t>x</a:t>
                 </a:r>
                 <a:r>
-                  <a:rPr lang="en-US" sz="2400" b="1" baseline="-25000" dirty="0" smtClean="0"/>
+                  <a:rPr lang="en-US" sz="2400" b="1" baseline="-25000" dirty="0"/>
                   <a:t>3</a:t>
                 </a:r>
-                <a:endParaRPr lang="en-US" sz="2400" b="1" baseline="-25000" dirty="0"/>
               </a:p>
             </p:txBody>
           </p:sp>
@@ -19688,10 +19498,9 @@
               <a:lstStyle/>
               <a:p>
                 <a:r>
-                  <a:rPr lang="en-US" sz="2400" b="1" dirty="0" smtClean="0"/>
+                  <a:rPr lang="en-US" sz="2400" b="1" dirty="0"/>
                   <a:t>ŷ</a:t>
                 </a:r>
-                <a:endParaRPr lang="en-US" sz="2400" b="1" dirty="0"/>
               </a:p>
             </p:txBody>
           </p:sp>
@@ -20929,13 +20738,6 @@
   <p:clrMapOvr>
     <a:masterClrMapping/>
   </p:clrMapOvr>
-  <p:timing>
-    <p:tnLst>
-      <p:par>
-        <p:cTn id="1" dur="indefinite" restart="never" nodeType="tmRoot"/>
-      </p:par>
-    </p:tnLst>
-  </p:timing>
 </p:sld>
 </file>
 
@@ -20998,10 +20800,9 @@
           <a:lstStyle/>
           <a:p>
             <a:r>
-              <a:rPr lang="en-US" dirty="0" smtClean="0"/>
+              <a:rPr lang="en-US" dirty="0"/>
               <a:t>Gradient Descent</a:t>
             </a:r>
-            <a:endParaRPr lang="en-US" dirty="0"/>
           </a:p>
         </p:txBody>
       </p:sp>
@@ -21021,21 +20822,90 @@
           <a:lstStyle/>
           <a:p>
             <a:r>
-              <a:rPr lang="en-US" dirty="0" smtClean="0"/>
+              <a:rPr lang="en-US" dirty="0"/>
               <a:t>Convex function </a:t>
             </a:r>
           </a:p>
           <a:p>
             <a:r>
-              <a:rPr lang="en-US" dirty="0" smtClean="0"/>
+              <a:rPr lang="en-US" dirty="0"/>
               <a:t>Global optimum</a:t>
             </a:r>
           </a:p>
           <a:p>
-            <a:endParaRPr lang="en-US" dirty="0" smtClean="0"/>
-          </a:p>
-          <a:p>
             <a:endParaRPr lang="en-US" dirty="0"/>
+          </a:p>
+          <a:p>
+            <a:endParaRPr lang="en-US" dirty="0"/>
+          </a:p>
+        </p:txBody>
+      </p:sp>
+      <p:sp>
+        <p:nvSpPr>
+          <p:cNvPr id="5" name="Text Box 10">
+            <a:extLst>
+              <a:ext uri="{FF2B5EF4-FFF2-40B4-BE49-F238E27FC236}">
+                <a16:creationId xmlns:a16="http://schemas.microsoft.com/office/drawing/2014/main" id="{2FC73BC8-AE7E-14DB-88AA-CDF72D1979E6}"/>
+              </a:ext>
+            </a:extLst>
+          </p:cNvPr>
+          <p:cNvSpPr txBox="1">
+            <a:spLocks noChangeArrowheads="1"/>
+          </p:cNvSpPr>
+          <p:nvPr/>
+        </p:nvSpPr>
+        <p:spPr bwMode="auto">
+          <a:xfrm rot="10800000" flipV="1">
+            <a:off x="0" y="6519446"/>
+            <a:ext cx="1828800" cy="338554"/>
+          </a:xfrm>
+          <a:prstGeom prst="rect">
+            <a:avLst/>
+          </a:prstGeom>
+          <a:noFill/>
+          <a:ln w="9525">
+            <a:noFill/>
+            <a:miter lim="800000"/>
+            <a:headEnd/>
+            <a:tailEnd/>
+          </a:ln>
+          <a:effectLst/>
+        </p:spPr>
+        <p:txBody>
+          <a:bodyPr wrap="square">
+            <a:spAutoFit/>
+          </a:bodyPr>
+          <a:lstStyle/>
+          <a:p>
+            <a:pPr>
+              <a:spcBef>
+                <a:spcPct val="50000"/>
+              </a:spcBef>
+            </a:pPr>
+            <a:r>
+              <a:rPr lang="en-US" sz="1600" b="1" dirty="0">
+                <a:solidFill>
+                  <a:srgbClr val="FF0000"/>
+                </a:solidFill>
+              </a:rPr>
+              <a:t>Image </a:t>
+            </a:r>
+            <a:r>
+              <a:rPr lang="en-US" sz="1600" b="1" dirty="0" err="1">
+                <a:solidFill>
+                  <a:srgbClr val="FF0000"/>
+                </a:solidFill>
+              </a:rPr>
+              <a:t>ack</a:t>
+            </a:r>
+            <a:r>
+              <a:rPr lang="en-US" sz="1600" b="1" dirty="0">
+                <a:solidFill>
+                  <a:srgbClr val="FF0000"/>
+                </a:solidFill>
+              </a:rPr>
+              <a:t> – Google</a:t>
+            </a:r>
           </a:p>
         </p:txBody>
       </p:sp>
@@ -21044,13 +20914,6 @@
   <p:clrMapOvr>
     <a:masterClrMapping/>
   </p:clrMapOvr>
-  <p:timing>
-    <p:tnLst>
-      <p:par>
-        <p:cTn id="1" dur="indefinite" restart="never" nodeType="tmRoot"/>
-      </p:par>
-    </p:tnLst>
-  </p:timing>
 </p:sld>
 </file>
 
@@ -21089,10 +20952,9 @@
           <a:lstStyle/>
           <a:p>
             <a:r>
-              <a:rPr lang="en-US" dirty="0" smtClean="0"/>
+              <a:rPr lang="en-US" dirty="0"/>
               <a:t>Back Propagation</a:t>
             </a:r>
-            <a:endParaRPr lang="en-US" dirty="0"/>
           </a:p>
         </p:txBody>
       </p:sp>
@@ -21165,7 +21027,7 @@
               <a:t>Image </a:t>
             </a:r>
             <a:r>
-              <a:rPr lang="en-US" sz="1600" b="1" dirty="0" err="1" smtClean="0">
+              <a:rPr lang="en-US" sz="1600" b="1" dirty="0" err="1">
                 <a:solidFill>
                   <a:srgbClr val="FF0000"/>
                 </a:solidFill>
@@ -21173,18 +21035,13 @@
               <a:t>ack</a:t>
             </a:r>
             <a:r>
-              <a:rPr lang="en-US" sz="1600" b="1" dirty="0" smtClean="0">
+              <a:rPr lang="en-US" sz="1600" b="1" dirty="0">
                 <a:solidFill>
                   <a:srgbClr val="FF0000"/>
                 </a:solidFill>
               </a:rPr>
               <a:t> – Google</a:t>
             </a:r>
-            <a:endParaRPr lang="en-US" sz="1600" b="1" dirty="0">
-              <a:solidFill>
-                <a:srgbClr val="FF0000"/>
-              </a:solidFill>
-            </a:endParaRPr>
           </a:p>
         </p:txBody>
       </p:sp>
@@ -21193,13 +21050,6 @@
   <p:clrMapOvr>
     <a:masterClrMapping/>
   </p:clrMapOvr>
-  <p:timing>
-    <p:tnLst>
-      <p:par>
-        <p:cTn id="1" dur="indefinite" restart="never" nodeType="tmRoot"/>
-      </p:par>
-    </p:tnLst>
-  </p:timing>
 </p:sld>
 </file>
 
@@ -21238,10 +21088,9 @@
           <a:lstStyle/>
           <a:p>
             <a:r>
-              <a:rPr lang="en-US" dirty="0" smtClean="0"/>
+              <a:rPr lang="en-US" dirty="0"/>
               <a:t>Back Propagation</a:t>
             </a:r>
-            <a:endParaRPr lang="en-US" dirty="0"/>
           </a:p>
         </p:txBody>
       </p:sp>
@@ -21266,42 +21115,42 @@
           <a:lstStyle/>
           <a:p>
             <a:r>
-              <a:rPr lang="en-US" dirty="0" smtClean="0"/>
+              <a:rPr lang="en-US" dirty="0"/>
               <a:t>Parameters</a:t>
             </a:r>
           </a:p>
           <a:p>
             <a:pPr lvl="1"/>
             <a:r>
-              <a:rPr lang="en-US" dirty="0" smtClean="0"/>
+              <a:rPr lang="en-US" dirty="0"/>
               <a:t>W</a:t>
             </a:r>
             <a:r>
-              <a:rPr lang="en-US" baseline="30000" dirty="0" smtClean="0"/>
+              <a:rPr lang="en-US" baseline="30000" dirty="0"/>
               <a:t>[1]</a:t>
             </a:r>
             <a:r>
-              <a:rPr lang="en-US" dirty="0" smtClean="0"/>
+              <a:rPr lang="en-US" dirty="0"/>
               <a:t>, b</a:t>
             </a:r>
             <a:r>
-              <a:rPr lang="en-US" baseline="30000" dirty="0" smtClean="0"/>
+              <a:rPr lang="en-US" baseline="30000" dirty="0"/>
               <a:t>[1]</a:t>
             </a:r>
             <a:r>
-              <a:rPr lang="en-US" dirty="0" smtClean="0"/>
+              <a:rPr lang="en-US" dirty="0"/>
               <a:t>, W</a:t>
             </a:r>
             <a:r>
-              <a:rPr lang="en-US" baseline="30000" dirty="0" smtClean="0"/>
+              <a:rPr lang="en-US" baseline="30000" dirty="0"/>
               <a:t>[2]</a:t>
             </a:r>
             <a:r>
-              <a:rPr lang="en-US" dirty="0" smtClean="0"/>
+              <a:rPr lang="en-US" dirty="0"/>
               <a:t>, b</a:t>
             </a:r>
             <a:r>
-              <a:rPr lang="en-US" baseline="30000" dirty="0" smtClean="0"/>
+              <a:rPr lang="en-US" baseline="30000" dirty="0"/>
               <a:t>[2]</a:t>
             </a:r>
           </a:p>
@@ -21310,7 +21159,7 @@
               <a:defRPr/>
             </a:pPr>
             <a:r>
-              <a:rPr lang="en-US" dirty="0" smtClean="0"/>
+              <a:rPr lang="en-US" dirty="0"/>
               <a:t>Cost function</a:t>
             </a:r>
           </a:p>
@@ -21319,49 +21168,49 @@
               <a:defRPr/>
             </a:pPr>
             <a:r>
-              <a:rPr lang="en-US" dirty="0" smtClean="0"/>
+              <a:rPr lang="en-US" dirty="0"/>
               <a:t>J(W</a:t>
             </a:r>
             <a:r>
-              <a:rPr lang="en-US" baseline="30000" dirty="0" smtClean="0"/>
+              <a:rPr lang="en-US" baseline="30000" dirty="0"/>
               <a:t>[1]</a:t>
             </a:r>
             <a:r>
-              <a:rPr lang="en-US" dirty="0" smtClean="0"/>
+              <a:rPr lang="en-US" dirty="0"/>
               <a:t>, b</a:t>
             </a:r>
             <a:r>
-              <a:rPr lang="en-US" baseline="30000" dirty="0" smtClean="0"/>
+              <a:rPr lang="en-US" baseline="30000" dirty="0"/>
               <a:t>[1]</a:t>
             </a:r>
             <a:r>
-              <a:rPr lang="en-US" dirty="0" smtClean="0"/>
+              <a:rPr lang="en-US" dirty="0"/>
               <a:t>, W</a:t>
             </a:r>
             <a:r>
-              <a:rPr lang="en-US" baseline="30000" dirty="0" smtClean="0"/>
+              <a:rPr lang="en-US" baseline="30000" dirty="0"/>
               <a:t>[2]</a:t>
             </a:r>
             <a:r>
-              <a:rPr lang="en-US" dirty="0" smtClean="0"/>
+              <a:rPr lang="en-US" dirty="0"/>
               <a:t>, b</a:t>
             </a:r>
             <a:r>
-              <a:rPr lang="en-US" baseline="30000" dirty="0" smtClean="0"/>
+              <a:rPr lang="en-US" baseline="30000" dirty="0"/>
               <a:t>[2]</a:t>
             </a:r>
             <a:r>
-              <a:rPr lang="en-US" dirty="0" smtClean="0"/>
+              <a:rPr lang="en-US" dirty="0"/>
               <a:t>)</a:t>
             </a:r>
             <a:r>
-              <a:rPr lang="en-US" baseline="30000" dirty="0" smtClean="0"/>
+              <a:rPr lang="en-US" baseline="30000" dirty="0"/>
               <a:t>    </a:t>
             </a:r>
-            <a:endParaRPr lang="en-US" dirty="0" smtClean="0"/>
-          </a:p>
-          <a:p>
-            <a:endParaRPr lang="en-US" dirty="0" smtClean="0"/>
+            <a:endParaRPr lang="en-US" dirty="0"/>
+          </a:p>
+          <a:p>
+            <a:endParaRPr lang="en-US" dirty="0"/>
           </a:p>
           <a:p>
             <a:pPr lvl="1"/>
@@ -21467,7 +21316,7 @@
               <a:defRPr/>
             </a:pPr>
             <a:r>
-              <a:rPr kumimoji="0" lang="en-US" sz="3200" b="0" i="0" u="none" strike="noStrike" kern="1200" cap="none" spc="0" normalizeH="0" baseline="0" noProof="0" dirty="0" smtClean="0">
+              <a:rPr kumimoji="0" lang="en-US" sz="3200" b="0" i="0" u="none" strike="noStrike" kern="1200" cap="none" spc="0" normalizeH="0" baseline="0" noProof="0" dirty="0">
                 <a:ln>
                   <a:noFill/>
                 </a:ln>
@@ -21493,31 +21342,31 @@
               <a:buChar char="–"/>
             </a:pPr>
             <a:r>
-              <a:rPr lang="en-US" sz="2800" dirty="0" smtClean="0"/>
+              <a:rPr lang="en-US" sz="2800" dirty="0"/>
               <a:t>Z</a:t>
             </a:r>
             <a:r>
-              <a:rPr lang="en-US" sz="2800" baseline="30000" dirty="0" smtClean="0"/>
+              <a:rPr lang="en-US" sz="2800" baseline="30000" dirty="0"/>
               <a:t>[1]</a:t>
             </a:r>
             <a:r>
-              <a:rPr lang="en-US" sz="2800" dirty="0" smtClean="0"/>
+              <a:rPr lang="en-US" sz="2800" dirty="0"/>
               <a:t>= W</a:t>
             </a:r>
             <a:r>
-              <a:rPr lang="en-US" sz="2800" baseline="30000" dirty="0" smtClean="0"/>
+              <a:rPr lang="en-US" sz="2800" baseline="30000" dirty="0"/>
               <a:t>[1]</a:t>
             </a:r>
             <a:r>
-              <a:rPr lang="en-US" sz="2800" dirty="0" smtClean="0"/>
+              <a:rPr lang="en-US" sz="2800" dirty="0"/>
               <a:t>a</a:t>
             </a:r>
             <a:r>
-              <a:rPr lang="en-US" sz="2800" baseline="30000" dirty="0" smtClean="0"/>
+              <a:rPr lang="en-US" sz="2800" baseline="30000" dirty="0"/>
               <a:t>[0] </a:t>
             </a:r>
             <a:r>
-              <a:rPr kumimoji="0" lang="en-US" sz="2800" b="0" i="0" u="none" strike="noStrike" kern="1200" cap="none" spc="0" normalizeH="0" baseline="0" noProof="0" dirty="0" smtClean="0">
+              <a:rPr kumimoji="0" lang="en-US" sz="2800" b="0" i="0" u="none" strike="noStrike" kern="1200" cap="none" spc="0" normalizeH="0" baseline="0" noProof="0" dirty="0">
                 <a:ln>
                   <a:noFill/>
                 </a:ln>
@@ -21534,7 +21383,7 @@
               <a:t>+ b</a:t>
             </a:r>
             <a:r>
-              <a:rPr kumimoji="0" lang="en-US" sz="2800" b="0" i="0" u="none" strike="noStrike" kern="1200" cap="none" spc="0" normalizeH="0" baseline="30000" noProof="0" dirty="0" smtClean="0">
+              <a:rPr kumimoji="0" lang="en-US" sz="2800" b="0" i="0" u="none" strike="noStrike" kern="1200" cap="none" spc="0" normalizeH="0" baseline="30000" noProof="0" dirty="0">
                 <a:ln>
                   <a:noFill/>
                 </a:ln>
@@ -21560,34 +21409,34 @@
               <a:buChar char="–"/>
             </a:pPr>
             <a:r>
-              <a:rPr lang="en-US" sz="2800" dirty="0" smtClean="0"/>
+              <a:rPr lang="en-US" sz="2800" dirty="0"/>
               <a:t>a</a:t>
             </a:r>
             <a:r>
-              <a:rPr lang="en-US" sz="2800" baseline="30000" dirty="0" smtClean="0"/>
+              <a:rPr lang="en-US" sz="2800" baseline="30000" dirty="0"/>
               <a:t>[1]  </a:t>
             </a:r>
             <a:r>
-              <a:rPr lang="en-US" sz="2800" dirty="0" smtClean="0"/>
+              <a:rPr lang="en-US" sz="2800" dirty="0"/>
               <a:t>= </a:t>
             </a:r>
             <a:r>
-              <a:rPr lang="el-GR" sz="2800" dirty="0" smtClean="0"/>
+              <a:rPr lang="el-GR" sz="2800" dirty="0"/>
               <a:t>σ</a:t>
             </a:r>
             <a:r>
-              <a:rPr lang="en-US" sz="2800" dirty="0" smtClean="0"/>
+              <a:rPr lang="en-US" sz="2800" dirty="0"/>
               <a:t>(Z</a:t>
             </a:r>
             <a:r>
-              <a:rPr lang="en-US" sz="2800" baseline="30000" dirty="0" smtClean="0"/>
+              <a:rPr lang="en-US" sz="2800" baseline="30000" dirty="0"/>
               <a:t>[1]</a:t>
             </a:r>
             <a:r>
-              <a:rPr lang="en-US" sz="2800" dirty="0" smtClean="0"/>
+              <a:rPr lang="en-US" sz="2800" dirty="0"/>
               <a:t>)</a:t>
             </a:r>
-            <a:endParaRPr kumimoji="0" lang="en-US" sz="2800" b="0" i="0" u="none" strike="noStrike" kern="1200" cap="none" spc="0" normalizeH="0" noProof="0" dirty="0" smtClean="0">
+            <a:endParaRPr kumimoji="0" lang="en-US" sz="2800" b="0" i="0" u="none" strike="noStrike" kern="1200" cap="none" spc="0" normalizeH="0" noProof="0" dirty="0">
               <a:ln>
                 <a:noFill/>
               </a:ln>
@@ -21620,7 +21469,7 @@
               <a:tabLst/>
               <a:defRPr/>
             </a:pPr>
-            <a:endParaRPr kumimoji="0" lang="en-US" sz="3200" b="0" i="0" u="none" strike="noStrike" kern="1200" cap="none" spc="0" normalizeH="0" baseline="0" noProof="0" dirty="0" smtClean="0">
+            <a:endParaRPr kumimoji="0" lang="en-US" sz="3200" b="0" i="0" u="none" strike="noStrike" kern="1200" cap="none" spc="0" normalizeH="0" baseline="0" noProof="0" dirty="0">
               <a:ln>
                 <a:noFill/>
               </a:ln>
@@ -21675,13 +21524,6 @@
   <p:clrMapOvr>
     <a:masterClrMapping/>
   </p:clrMapOvr>
-  <p:timing>
-    <p:tnLst>
-      <p:par>
-        <p:cTn id="1" dur="indefinite" restart="never" nodeType="tmRoot"/>
-      </p:par>
-    </p:tnLst>
-  </p:timing>
 </p:sld>
 </file>
 
@@ -21720,10 +21562,9 @@
           <a:lstStyle/>
           <a:p>
             <a:r>
-              <a:rPr lang="en-US" dirty="0" smtClean="0"/>
+              <a:rPr lang="en-US" dirty="0"/>
               <a:t>Back Propagation </a:t>
             </a:r>
-            <a:endParaRPr lang="en-US" dirty="0"/>
           </a:p>
         </p:txBody>
       </p:sp>
@@ -21748,42 +21589,42 @@
           <a:lstStyle/>
           <a:p>
             <a:r>
-              <a:rPr lang="en-US" dirty="0" smtClean="0"/>
+              <a:rPr lang="en-US" dirty="0"/>
               <a:t>Parameters</a:t>
             </a:r>
           </a:p>
           <a:p>
             <a:pPr lvl="1"/>
             <a:r>
-              <a:rPr lang="en-US" dirty="0" smtClean="0"/>
+              <a:rPr lang="en-US" dirty="0"/>
               <a:t>W</a:t>
             </a:r>
             <a:r>
-              <a:rPr lang="en-US" baseline="30000" dirty="0" smtClean="0"/>
+              <a:rPr lang="en-US" baseline="30000" dirty="0"/>
               <a:t>[1]</a:t>
             </a:r>
             <a:r>
-              <a:rPr lang="en-US" dirty="0" smtClean="0"/>
+              <a:rPr lang="en-US" dirty="0"/>
               <a:t>, b</a:t>
             </a:r>
             <a:r>
-              <a:rPr lang="en-US" baseline="30000" dirty="0" smtClean="0"/>
+              <a:rPr lang="en-US" baseline="30000" dirty="0"/>
               <a:t>[1]</a:t>
             </a:r>
             <a:r>
-              <a:rPr lang="en-US" dirty="0" smtClean="0"/>
+              <a:rPr lang="en-US" dirty="0"/>
               <a:t>, W</a:t>
             </a:r>
             <a:r>
-              <a:rPr lang="en-US" baseline="30000" dirty="0" smtClean="0"/>
+              <a:rPr lang="en-US" baseline="30000" dirty="0"/>
               <a:t>[2]</a:t>
             </a:r>
             <a:r>
-              <a:rPr lang="en-US" dirty="0" smtClean="0"/>
+              <a:rPr lang="en-US" dirty="0"/>
               <a:t>, b</a:t>
             </a:r>
             <a:r>
-              <a:rPr lang="en-US" baseline="30000" dirty="0" smtClean="0"/>
+              <a:rPr lang="en-US" baseline="30000" dirty="0"/>
               <a:t>[2]</a:t>
             </a:r>
           </a:p>
@@ -21792,7 +21633,7 @@
               <a:defRPr/>
             </a:pPr>
             <a:r>
-              <a:rPr lang="en-US" dirty="0" smtClean="0"/>
+              <a:rPr lang="en-US" dirty="0"/>
               <a:t>Cost function</a:t>
             </a:r>
           </a:p>
@@ -21801,49 +21642,49 @@
               <a:defRPr/>
             </a:pPr>
             <a:r>
-              <a:rPr lang="en-US" dirty="0" smtClean="0"/>
+              <a:rPr lang="en-US" dirty="0"/>
               <a:t>J(W</a:t>
             </a:r>
             <a:r>
-              <a:rPr lang="en-US" baseline="30000" dirty="0" smtClean="0"/>
+              <a:rPr lang="en-US" baseline="30000" dirty="0"/>
               <a:t>[1]</a:t>
             </a:r>
             <a:r>
-              <a:rPr lang="en-US" dirty="0" smtClean="0"/>
+              <a:rPr lang="en-US" dirty="0"/>
               <a:t>, b</a:t>
             </a:r>
             <a:r>
-              <a:rPr lang="en-US" baseline="30000" dirty="0" smtClean="0"/>
+              <a:rPr lang="en-US" baseline="30000" dirty="0"/>
               <a:t>[1]</a:t>
             </a:r>
             <a:r>
-              <a:rPr lang="en-US" dirty="0" smtClean="0"/>
+              <a:rPr lang="en-US" dirty="0"/>
               <a:t>, W</a:t>
             </a:r>
             <a:r>
-              <a:rPr lang="en-US" baseline="30000" dirty="0" smtClean="0"/>
+              <a:rPr lang="en-US" baseline="30000" dirty="0"/>
               <a:t>[2]</a:t>
             </a:r>
             <a:r>
-              <a:rPr lang="en-US" dirty="0" smtClean="0"/>
+              <a:rPr lang="en-US" dirty="0"/>
               <a:t>, b</a:t>
             </a:r>
             <a:r>
-              <a:rPr lang="en-US" baseline="30000" dirty="0" smtClean="0"/>
+              <a:rPr lang="en-US" baseline="30000" dirty="0"/>
               <a:t>[2]</a:t>
             </a:r>
             <a:r>
-              <a:rPr lang="en-US" dirty="0" smtClean="0"/>
+              <a:rPr lang="en-US" dirty="0"/>
               <a:t>)</a:t>
             </a:r>
             <a:r>
-              <a:rPr lang="en-US" baseline="30000" dirty="0" smtClean="0"/>
+              <a:rPr lang="en-US" baseline="30000" dirty="0"/>
               <a:t>    </a:t>
             </a:r>
-            <a:endParaRPr lang="en-US" dirty="0" smtClean="0"/>
-          </a:p>
-          <a:p>
-            <a:endParaRPr lang="en-US" dirty="0" smtClean="0"/>
+            <a:endParaRPr lang="en-US" dirty="0"/>
+          </a:p>
+          <a:p>
+            <a:endParaRPr lang="en-US" dirty="0"/>
           </a:p>
           <a:p>
             <a:pPr lvl="1"/>
@@ -21949,7 +21790,7 @@
               <a:defRPr/>
             </a:pPr>
             <a:r>
-              <a:rPr kumimoji="0" lang="en-US" sz="3200" b="0" i="0" u="none" strike="noStrike" kern="1200" cap="none" spc="0" normalizeH="0" baseline="0" noProof="0" dirty="0" smtClean="0">
+              <a:rPr kumimoji="0" lang="en-US" sz="3200" b="0" i="0" u="none" strike="noStrike" kern="1200" cap="none" spc="0" normalizeH="0" baseline="0" noProof="0" dirty="0">
                 <a:ln>
                   <a:noFill/>
                 </a:ln>
@@ -21975,31 +21816,31 @@
               <a:buChar char="–"/>
             </a:pPr>
             <a:r>
-              <a:rPr lang="en-US" sz="2800" dirty="0" smtClean="0"/>
+              <a:rPr lang="en-US" sz="2800" dirty="0"/>
               <a:t>Z</a:t>
             </a:r>
             <a:r>
-              <a:rPr lang="en-US" sz="2800" baseline="30000" dirty="0" smtClean="0"/>
+              <a:rPr lang="en-US" sz="2800" baseline="30000" dirty="0"/>
               <a:t>[1]</a:t>
             </a:r>
             <a:r>
-              <a:rPr lang="en-US" sz="2800" dirty="0" smtClean="0"/>
+              <a:rPr lang="en-US" sz="2800" dirty="0"/>
               <a:t>= W</a:t>
             </a:r>
             <a:r>
-              <a:rPr lang="en-US" sz="2800" baseline="30000" dirty="0" smtClean="0"/>
+              <a:rPr lang="en-US" sz="2800" baseline="30000" dirty="0"/>
               <a:t>[1]</a:t>
             </a:r>
             <a:r>
-              <a:rPr lang="en-US" sz="2800" dirty="0" smtClean="0"/>
+              <a:rPr lang="en-US" sz="2800" dirty="0"/>
               <a:t>a</a:t>
             </a:r>
             <a:r>
-              <a:rPr lang="en-US" sz="2800" baseline="30000" dirty="0" smtClean="0"/>
+              <a:rPr lang="en-US" sz="2800" baseline="30000" dirty="0"/>
               <a:t>[0] </a:t>
             </a:r>
             <a:r>
-              <a:rPr kumimoji="0" lang="en-US" sz="2800" b="0" i="0" u="none" strike="noStrike" kern="1200" cap="none" spc="0" normalizeH="0" baseline="0" noProof="0" dirty="0" smtClean="0">
+              <a:rPr kumimoji="0" lang="en-US" sz="2800" b="0" i="0" u="none" strike="noStrike" kern="1200" cap="none" spc="0" normalizeH="0" baseline="0" noProof="0" dirty="0">
                 <a:ln>
                   <a:noFill/>
                 </a:ln>
@@ -22016,7 +21857,7 @@
               <a:t>+ b</a:t>
             </a:r>
             <a:r>
-              <a:rPr kumimoji="0" lang="en-US" sz="2800" b="0" i="0" u="none" strike="noStrike" kern="1200" cap="none" spc="0" normalizeH="0" baseline="30000" noProof="0" dirty="0" smtClean="0">
+              <a:rPr kumimoji="0" lang="en-US" sz="2800" b="0" i="0" u="none" strike="noStrike" kern="1200" cap="none" spc="0" normalizeH="0" baseline="30000" noProof="0" dirty="0">
                 <a:ln>
                   <a:noFill/>
                 </a:ln>
@@ -22042,31 +21883,31 @@
               <a:buChar char="–"/>
             </a:pPr>
             <a:r>
-              <a:rPr lang="en-US" sz="2800" dirty="0" smtClean="0"/>
+              <a:rPr lang="en-US" sz="2800" dirty="0"/>
               <a:t>a</a:t>
             </a:r>
             <a:r>
-              <a:rPr lang="en-US" sz="2800" baseline="30000" dirty="0" smtClean="0"/>
+              <a:rPr lang="en-US" sz="2800" baseline="30000" dirty="0"/>
               <a:t>[1]  </a:t>
             </a:r>
             <a:r>
-              <a:rPr lang="en-US" sz="2800" dirty="0" smtClean="0"/>
+              <a:rPr lang="en-US" sz="2800" dirty="0"/>
               <a:t>= </a:t>
             </a:r>
             <a:r>
-              <a:rPr lang="el-GR" sz="2800" dirty="0" smtClean="0"/>
+              <a:rPr lang="el-GR" sz="2800" dirty="0"/>
               <a:t>σ</a:t>
             </a:r>
             <a:r>
-              <a:rPr lang="en-US" sz="2800" dirty="0" smtClean="0"/>
+              <a:rPr lang="en-US" sz="2800" dirty="0"/>
               <a:t>(Z</a:t>
             </a:r>
             <a:r>
-              <a:rPr lang="en-US" sz="2800" baseline="30000" dirty="0" smtClean="0"/>
+              <a:rPr lang="en-US" sz="2800" baseline="30000" dirty="0"/>
               <a:t>[1]</a:t>
             </a:r>
             <a:r>
-              <a:rPr lang="en-US" sz="2800" dirty="0" smtClean="0"/>
+              <a:rPr lang="en-US" sz="2800" dirty="0"/>
               <a:t>)</a:t>
             </a:r>
           </a:p>
@@ -22079,35 +21920,35 @@
               <a:buChar char="–"/>
             </a:pPr>
             <a:r>
-              <a:rPr lang="en-US" sz="2800" dirty="0" smtClean="0"/>
+              <a:rPr lang="en-US" sz="2800" dirty="0"/>
               <a:t>Z</a:t>
             </a:r>
             <a:r>
-              <a:rPr lang="en-US" sz="2800" baseline="30000" dirty="0" smtClean="0"/>
+              <a:rPr lang="en-US" sz="2800" baseline="30000" dirty="0"/>
               <a:t>[2]</a:t>
             </a:r>
             <a:r>
-              <a:rPr lang="en-US" sz="2800" dirty="0" smtClean="0"/>
+              <a:rPr lang="en-US" sz="2800" dirty="0"/>
               <a:t>= W</a:t>
             </a:r>
             <a:r>
-              <a:rPr lang="en-US" sz="2800" baseline="30000" dirty="0" smtClean="0"/>
+              <a:rPr lang="en-US" sz="2800" baseline="30000" dirty="0"/>
               <a:t>[2]</a:t>
             </a:r>
             <a:r>
-              <a:rPr lang="en-US" sz="2800" dirty="0" smtClean="0"/>
+              <a:rPr lang="en-US" sz="2800" dirty="0"/>
               <a:t>a</a:t>
             </a:r>
             <a:r>
-              <a:rPr lang="en-US" sz="2800" baseline="30000" dirty="0" smtClean="0"/>
+              <a:rPr lang="en-US" sz="2800" baseline="30000" dirty="0"/>
               <a:t>[1] </a:t>
             </a:r>
             <a:r>
-              <a:rPr lang="en-US" sz="2800" dirty="0" smtClean="0"/>
+              <a:rPr lang="en-US" sz="2800" dirty="0"/>
               <a:t>+ b</a:t>
             </a:r>
             <a:r>
-              <a:rPr lang="en-US" sz="2800" baseline="30000" dirty="0" smtClean="0"/>
+              <a:rPr lang="en-US" sz="2800" baseline="30000" dirty="0"/>
               <a:t>[2]</a:t>
             </a:r>
           </a:p>
@@ -22120,34 +21961,34 @@
               <a:buChar char="–"/>
             </a:pPr>
             <a:r>
-              <a:rPr lang="en-US" sz="2800" dirty="0" smtClean="0"/>
+              <a:rPr lang="en-US" sz="2800" dirty="0"/>
               <a:t>ŷ = a</a:t>
             </a:r>
             <a:r>
-              <a:rPr lang="en-US" sz="2800" baseline="30000" dirty="0" smtClean="0"/>
+              <a:rPr lang="en-US" sz="2800" baseline="30000" dirty="0"/>
               <a:t>[2]  </a:t>
             </a:r>
             <a:r>
-              <a:rPr lang="en-US" sz="2800" dirty="0" smtClean="0"/>
+              <a:rPr lang="en-US" sz="2800" dirty="0"/>
               <a:t>= </a:t>
             </a:r>
             <a:r>
-              <a:rPr lang="el-GR" sz="2800" dirty="0" smtClean="0"/>
+              <a:rPr lang="el-GR" sz="2800" dirty="0"/>
               <a:t>σ</a:t>
             </a:r>
             <a:r>
-              <a:rPr lang="en-US" sz="2800" dirty="0" smtClean="0"/>
+              <a:rPr lang="en-US" sz="2800" dirty="0"/>
               <a:t>(Z</a:t>
             </a:r>
             <a:r>
-              <a:rPr lang="en-US" sz="2800" baseline="30000" dirty="0" smtClean="0"/>
+              <a:rPr lang="en-US" sz="2800" baseline="30000" dirty="0"/>
               <a:t>[2]</a:t>
             </a:r>
             <a:r>
-              <a:rPr lang="en-US" sz="2800" dirty="0" smtClean="0"/>
+              <a:rPr lang="en-US" sz="2800" dirty="0"/>
               <a:t>)</a:t>
             </a:r>
-            <a:endParaRPr kumimoji="0" lang="en-US" sz="2800" b="0" i="0" u="none" strike="noStrike" kern="1200" cap="none" spc="0" normalizeH="0" noProof="0" dirty="0" smtClean="0">
+            <a:endParaRPr kumimoji="0" lang="en-US" sz="2800" b="0" i="0" u="none" strike="noStrike" kern="1200" cap="none" spc="0" normalizeH="0" noProof="0" dirty="0">
               <a:ln>
                 <a:noFill/>
               </a:ln>
@@ -22180,7 +22021,7 @@
               <a:tabLst/>
               <a:defRPr/>
             </a:pPr>
-            <a:endParaRPr kumimoji="0" lang="en-US" sz="3200" b="0" i="0" u="none" strike="noStrike" kern="1200" cap="none" spc="0" normalizeH="0" baseline="0" noProof="0" dirty="0" smtClean="0">
+            <a:endParaRPr kumimoji="0" lang="en-US" sz="3200" b="0" i="0" u="none" strike="noStrike" kern="1200" cap="none" spc="0" normalizeH="0" baseline="0" noProof="0" dirty="0">
               <a:ln>
                 <a:noFill/>
               </a:ln>
@@ -22235,13 +22076,6 @@
   <p:clrMapOvr>
     <a:masterClrMapping/>
   </p:clrMapOvr>
-  <p:timing>
-    <p:tnLst>
-      <p:par>
-        <p:cTn id="1" dur="indefinite" restart="never" nodeType="tmRoot"/>
-      </p:par>
-    </p:tnLst>
-  </p:timing>
 </p:sld>
 </file>
 
@@ -22280,10 +22114,9 @@
           <a:lstStyle/>
           <a:p>
             <a:r>
-              <a:rPr lang="en-US" dirty="0" smtClean="0"/>
+              <a:rPr lang="en-US" dirty="0"/>
               <a:t>Back Propagation </a:t>
             </a:r>
-            <a:endParaRPr lang="en-US" dirty="0"/>
           </a:p>
         </p:txBody>
       </p:sp>
@@ -22308,42 +22141,42 @@
           <a:lstStyle/>
           <a:p>
             <a:r>
-              <a:rPr lang="en-US" dirty="0" smtClean="0"/>
+              <a:rPr lang="en-US" dirty="0"/>
               <a:t>Parameters</a:t>
             </a:r>
           </a:p>
           <a:p>
             <a:pPr lvl="1"/>
             <a:r>
-              <a:rPr lang="en-US" dirty="0" smtClean="0"/>
+              <a:rPr lang="en-US" dirty="0"/>
               <a:t>W</a:t>
             </a:r>
             <a:r>
-              <a:rPr lang="en-US" baseline="30000" dirty="0" smtClean="0"/>
+              <a:rPr lang="en-US" baseline="30000" dirty="0"/>
               <a:t>[1]</a:t>
             </a:r>
             <a:r>
-              <a:rPr lang="en-US" dirty="0" smtClean="0"/>
+              <a:rPr lang="en-US" dirty="0"/>
               <a:t>, b</a:t>
             </a:r>
             <a:r>
-              <a:rPr lang="en-US" baseline="30000" dirty="0" smtClean="0"/>
+              <a:rPr lang="en-US" baseline="30000" dirty="0"/>
               <a:t>[1]</a:t>
             </a:r>
             <a:r>
-              <a:rPr lang="en-US" dirty="0" smtClean="0"/>
+              <a:rPr lang="en-US" dirty="0"/>
               <a:t>, W</a:t>
             </a:r>
             <a:r>
-              <a:rPr lang="en-US" baseline="30000" dirty="0" smtClean="0"/>
+              <a:rPr lang="en-US" baseline="30000" dirty="0"/>
               <a:t>[2]</a:t>
             </a:r>
             <a:r>
-              <a:rPr lang="en-US" dirty="0" smtClean="0"/>
+              <a:rPr lang="en-US" dirty="0"/>
               <a:t>, b</a:t>
             </a:r>
             <a:r>
-              <a:rPr lang="en-US" baseline="30000" dirty="0" smtClean="0"/>
+              <a:rPr lang="en-US" baseline="30000" dirty="0"/>
               <a:t>[2]</a:t>
             </a:r>
           </a:p>
@@ -22352,7 +22185,7 @@
               <a:defRPr/>
             </a:pPr>
             <a:r>
-              <a:rPr lang="en-US" dirty="0" smtClean="0"/>
+              <a:rPr lang="en-US" dirty="0"/>
               <a:t>Cost function</a:t>
             </a:r>
           </a:p>
@@ -22361,49 +22194,49 @@
               <a:defRPr/>
             </a:pPr>
             <a:r>
-              <a:rPr lang="en-US" dirty="0" smtClean="0"/>
+              <a:rPr lang="en-US" dirty="0"/>
               <a:t>J(W</a:t>
             </a:r>
             <a:r>
-              <a:rPr lang="en-US" baseline="30000" dirty="0" smtClean="0"/>
+              <a:rPr lang="en-US" baseline="30000" dirty="0"/>
               <a:t>[1]</a:t>
             </a:r>
             <a:r>
-              <a:rPr lang="en-US" dirty="0" smtClean="0"/>
+              <a:rPr lang="en-US" dirty="0"/>
               <a:t>, b</a:t>
             </a:r>
             <a:r>
-              <a:rPr lang="en-US" baseline="30000" dirty="0" smtClean="0"/>
+              <a:rPr lang="en-US" baseline="30000" dirty="0"/>
               <a:t>[1]</a:t>
             </a:r>
             <a:r>
-              <a:rPr lang="en-US" dirty="0" smtClean="0"/>
+              <a:rPr lang="en-US" dirty="0"/>
               <a:t>, W</a:t>
             </a:r>
             <a:r>
-              <a:rPr lang="en-US" baseline="30000" dirty="0" smtClean="0"/>
+              <a:rPr lang="en-US" baseline="30000" dirty="0"/>
               <a:t>[2]</a:t>
             </a:r>
             <a:r>
-              <a:rPr lang="en-US" dirty="0" smtClean="0"/>
+              <a:rPr lang="en-US" dirty="0"/>
               <a:t>, b</a:t>
             </a:r>
             <a:r>
-              <a:rPr lang="en-US" baseline="30000" dirty="0" smtClean="0"/>
+              <a:rPr lang="en-US" baseline="30000" dirty="0"/>
               <a:t>[2]</a:t>
             </a:r>
             <a:r>
-              <a:rPr lang="en-US" dirty="0" smtClean="0"/>
+              <a:rPr lang="en-US" dirty="0"/>
               <a:t>)</a:t>
             </a:r>
             <a:r>
-              <a:rPr lang="en-US" baseline="30000" dirty="0" smtClean="0"/>
+              <a:rPr lang="en-US" baseline="30000" dirty="0"/>
               <a:t>    </a:t>
             </a:r>
-            <a:endParaRPr lang="en-US" dirty="0" smtClean="0"/>
-          </a:p>
-          <a:p>
-            <a:endParaRPr lang="en-US" dirty="0" smtClean="0"/>
+            <a:endParaRPr lang="en-US" dirty="0"/>
+          </a:p>
+          <a:p>
+            <a:endParaRPr lang="en-US" dirty="0"/>
           </a:p>
           <a:p>
             <a:pPr lvl="1"/>
@@ -22509,7 +22342,7 @@
               <a:defRPr/>
             </a:pPr>
             <a:r>
-              <a:rPr kumimoji="0" lang="en-US" sz="3200" b="0" i="0" u="none" strike="noStrike" kern="1200" cap="none" spc="0" normalizeH="0" baseline="0" noProof="0" dirty="0" smtClean="0">
+              <a:rPr kumimoji="0" lang="en-US" sz="3200" b="0" i="0" u="none" strike="noStrike" kern="1200" cap="none" spc="0" normalizeH="0" baseline="0" noProof="0" dirty="0">
                 <a:ln>
                   <a:noFill/>
                 </a:ln>
@@ -22535,31 +22368,31 @@
               <a:buChar char="–"/>
             </a:pPr>
             <a:r>
-              <a:rPr lang="en-US" sz="2800" dirty="0" smtClean="0"/>
+              <a:rPr lang="en-US" sz="2800" dirty="0"/>
               <a:t>Z</a:t>
             </a:r>
             <a:r>
-              <a:rPr lang="en-US" sz="2800" baseline="30000" dirty="0" smtClean="0"/>
+              <a:rPr lang="en-US" sz="2800" baseline="30000" dirty="0"/>
               <a:t>[1]</a:t>
             </a:r>
             <a:r>
-              <a:rPr lang="en-US" sz="2800" dirty="0" smtClean="0"/>
+              <a:rPr lang="en-US" sz="2800" dirty="0"/>
               <a:t>= W</a:t>
             </a:r>
             <a:r>
-              <a:rPr lang="en-US" sz="2800" baseline="30000" dirty="0" smtClean="0"/>
+              <a:rPr lang="en-US" sz="2800" baseline="30000" dirty="0"/>
               <a:t>[1]</a:t>
             </a:r>
             <a:r>
-              <a:rPr lang="en-US" sz="2800" dirty="0" smtClean="0"/>
+              <a:rPr lang="en-US" sz="2800" dirty="0"/>
               <a:t>a</a:t>
             </a:r>
             <a:r>
-              <a:rPr lang="en-US" sz="2800" baseline="30000" dirty="0" smtClean="0"/>
+              <a:rPr lang="en-US" sz="2800" baseline="30000" dirty="0"/>
               <a:t>[0] </a:t>
             </a:r>
             <a:r>
-              <a:rPr kumimoji="0" lang="en-US" sz="2800" b="0" i="0" u="none" strike="noStrike" kern="1200" cap="none" spc="0" normalizeH="0" baseline="0" noProof="0" dirty="0" smtClean="0">
+              <a:rPr kumimoji="0" lang="en-US" sz="2800" b="0" i="0" u="none" strike="noStrike" kern="1200" cap="none" spc="0" normalizeH="0" baseline="0" noProof="0" dirty="0">
                 <a:ln>
                   <a:noFill/>
                 </a:ln>
@@ -22576,7 +22409,7 @@
               <a:t>+ b</a:t>
             </a:r>
             <a:r>
-              <a:rPr kumimoji="0" lang="en-US" sz="2800" b="0" i="0" u="none" strike="noStrike" kern="1200" cap="none" spc="0" normalizeH="0" baseline="30000" noProof="0" dirty="0" smtClean="0">
+              <a:rPr kumimoji="0" lang="en-US" sz="2800" b="0" i="0" u="none" strike="noStrike" kern="1200" cap="none" spc="0" normalizeH="0" baseline="30000" noProof="0" dirty="0">
                 <a:ln>
                   <a:noFill/>
                 </a:ln>
@@ -22602,31 +22435,31 @@
               <a:buChar char="–"/>
             </a:pPr>
             <a:r>
-              <a:rPr lang="en-US" sz="2800" dirty="0" smtClean="0"/>
+              <a:rPr lang="en-US" sz="2800" dirty="0"/>
               <a:t>a</a:t>
             </a:r>
             <a:r>
-              <a:rPr lang="en-US" sz="2800" baseline="30000" dirty="0" smtClean="0"/>
+              <a:rPr lang="en-US" sz="2800" baseline="30000" dirty="0"/>
               <a:t>[1]  </a:t>
             </a:r>
             <a:r>
-              <a:rPr lang="en-US" sz="2800" dirty="0" smtClean="0"/>
+              <a:rPr lang="en-US" sz="2800" dirty="0"/>
               <a:t>= </a:t>
             </a:r>
             <a:r>
-              <a:rPr lang="el-GR" sz="2800" dirty="0" smtClean="0"/>
+              <a:rPr lang="el-GR" sz="2800" dirty="0"/>
               <a:t>σ</a:t>
             </a:r>
             <a:r>
-              <a:rPr lang="en-US" sz="2800" dirty="0" smtClean="0"/>
+              <a:rPr lang="en-US" sz="2800" dirty="0"/>
               <a:t>(Z</a:t>
             </a:r>
             <a:r>
-              <a:rPr lang="en-US" sz="2800" baseline="30000" dirty="0" smtClean="0"/>
+              <a:rPr lang="en-US" sz="2800" baseline="30000" dirty="0"/>
               <a:t>[1]</a:t>
             </a:r>
             <a:r>
-              <a:rPr lang="en-US" sz="2800" dirty="0" smtClean="0"/>
+              <a:rPr lang="en-US" sz="2800" dirty="0"/>
               <a:t>)</a:t>
             </a:r>
           </a:p>
@@ -22639,35 +22472,35 @@
               <a:buChar char="–"/>
             </a:pPr>
             <a:r>
-              <a:rPr lang="en-US" sz="2800" dirty="0" smtClean="0"/>
+              <a:rPr lang="en-US" sz="2800" dirty="0"/>
               <a:t>Z</a:t>
             </a:r>
             <a:r>
-              <a:rPr lang="en-US" sz="2800" baseline="30000" dirty="0" smtClean="0"/>
+              <a:rPr lang="en-US" sz="2800" baseline="30000" dirty="0"/>
               <a:t>[2]</a:t>
             </a:r>
             <a:r>
-              <a:rPr lang="en-US" sz="2800" dirty="0" smtClean="0"/>
+              <a:rPr lang="en-US" sz="2800" dirty="0"/>
               <a:t>= W</a:t>
             </a:r>
             <a:r>
-              <a:rPr lang="en-US" sz="2800" baseline="30000" dirty="0" smtClean="0"/>
+              <a:rPr lang="en-US" sz="2800" baseline="30000" dirty="0"/>
               <a:t>[2]</a:t>
             </a:r>
             <a:r>
-              <a:rPr lang="en-US" sz="2800" dirty="0" smtClean="0"/>
+              <a:rPr lang="en-US" sz="2800" dirty="0"/>
               <a:t>a</a:t>
             </a:r>
             <a:r>
-              <a:rPr lang="en-US" sz="2800" baseline="30000" dirty="0" smtClean="0"/>
+              <a:rPr lang="en-US" sz="2800" baseline="30000" dirty="0"/>
               <a:t>[1] </a:t>
             </a:r>
             <a:r>
-              <a:rPr lang="en-US" sz="2800" dirty="0" smtClean="0"/>
+              <a:rPr lang="en-US" sz="2800" dirty="0"/>
               <a:t>+ b</a:t>
             </a:r>
             <a:r>
-              <a:rPr lang="en-US" sz="2800" baseline="30000" dirty="0" smtClean="0"/>
+              <a:rPr lang="en-US" sz="2800" baseline="30000" dirty="0"/>
               <a:t>[2]</a:t>
             </a:r>
           </a:p>
@@ -22680,31 +22513,31 @@
               <a:buChar char="–"/>
             </a:pPr>
             <a:r>
-              <a:rPr lang="en-US" sz="2800" dirty="0" smtClean="0"/>
+              <a:rPr lang="en-US" sz="2800" dirty="0"/>
               <a:t>ŷ = a</a:t>
             </a:r>
             <a:r>
-              <a:rPr lang="en-US" sz="2800" baseline="30000" dirty="0" smtClean="0"/>
+              <a:rPr lang="en-US" sz="2800" baseline="30000" dirty="0"/>
               <a:t>[2]  </a:t>
             </a:r>
             <a:r>
-              <a:rPr lang="en-US" sz="2800" dirty="0" smtClean="0"/>
+              <a:rPr lang="en-US" sz="2800" dirty="0"/>
               <a:t>= </a:t>
             </a:r>
             <a:r>
-              <a:rPr lang="el-GR" sz="2800" dirty="0" smtClean="0"/>
+              <a:rPr lang="el-GR" sz="2800" dirty="0"/>
               <a:t>σ</a:t>
             </a:r>
             <a:r>
-              <a:rPr lang="en-US" sz="2800" dirty="0" smtClean="0"/>
+              <a:rPr lang="en-US" sz="2800" dirty="0"/>
               <a:t>(Z</a:t>
             </a:r>
             <a:r>
-              <a:rPr lang="en-US" sz="2800" baseline="30000" dirty="0" smtClean="0"/>
+              <a:rPr lang="en-US" sz="2800" baseline="30000" dirty="0"/>
               <a:t>[2]</a:t>
             </a:r>
             <a:r>
-              <a:rPr lang="en-US" sz="2800" dirty="0" smtClean="0"/>
+              <a:rPr lang="en-US" sz="2800" dirty="0"/>
               <a:t>)</a:t>
             </a:r>
           </a:p>
@@ -22717,39 +22550,39 @@
               <a:buChar char="–"/>
             </a:pPr>
             <a:r>
-              <a:rPr lang="en-US" sz="2800" dirty="0" smtClean="0"/>
+              <a:rPr lang="en-US" sz="2800" dirty="0"/>
               <a:t>L(ŷ</a:t>
             </a:r>
             <a:r>
-              <a:rPr lang="en-US" sz="2800" baseline="30000" dirty="0" smtClean="0"/>
+              <a:rPr lang="en-US" sz="2800" baseline="30000" dirty="0"/>
               <a:t>(</a:t>
             </a:r>
             <a:r>
-              <a:rPr lang="en-US" sz="2800" baseline="30000" dirty="0" err="1" smtClean="0"/>
+              <a:rPr lang="en-US" sz="2800" baseline="30000" dirty="0" err="1"/>
               <a:t>i</a:t>
             </a:r>
             <a:r>
-              <a:rPr lang="en-US" sz="2800" baseline="30000" dirty="0" smtClean="0"/>
+              <a:rPr lang="en-US" sz="2800" baseline="30000" dirty="0"/>
               <a:t>)</a:t>
             </a:r>
             <a:r>
-              <a:rPr lang="en-US" sz="2800" dirty="0" smtClean="0"/>
+              <a:rPr lang="en-US" sz="2800" dirty="0"/>
               <a:t>, y</a:t>
             </a:r>
             <a:r>
-              <a:rPr lang="en-US" sz="2800" baseline="30000" dirty="0" smtClean="0"/>
+              <a:rPr lang="en-US" sz="2800" baseline="30000" dirty="0"/>
               <a:t>(</a:t>
             </a:r>
             <a:r>
-              <a:rPr lang="en-US" sz="2800" baseline="30000" dirty="0" err="1" smtClean="0"/>
+              <a:rPr lang="en-US" sz="2800" baseline="30000" dirty="0" err="1"/>
               <a:t>i</a:t>
             </a:r>
             <a:r>
-              <a:rPr lang="en-US" sz="2800" baseline="30000" dirty="0" smtClean="0"/>
+              <a:rPr lang="en-US" sz="2800" baseline="30000" dirty="0"/>
               <a:t>)</a:t>
             </a:r>
             <a:r>
-              <a:rPr lang="en-US" sz="2800" dirty="0" smtClean="0"/>
+              <a:rPr lang="en-US" sz="2800" dirty="0"/>
               <a:t>)</a:t>
             </a:r>
           </a:p>
@@ -22762,42 +22595,42 @@
               <a:buChar char="–"/>
             </a:pPr>
             <a:r>
-              <a:rPr lang="en-US" sz="2800" dirty="0" smtClean="0"/>
+              <a:rPr lang="en-US" sz="2800" dirty="0"/>
               <a:t>J(W</a:t>
             </a:r>
             <a:r>
-              <a:rPr lang="en-US" sz="2800" baseline="30000" dirty="0" smtClean="0"/>
+              <a:rPr lang="en-US" sz="2800" baseline="30000" dirty="0"/>
               <a:t>[1]</a:t>
             </a:r>
             <a:r>
-              <a:rPr lang="en-US" sz="2800" dirty="0" smtClean="0"/>
+              <a:rPr lang="en-US" sz="2800" dirty="0"/>
               <a:t>, b</a:t>
             </a:r>
             <a:r>
-              <a:rPr lang="en-US" sz="2800" baseline="30000" dirty="0" smtClean="0"/>
+              <a:rPr lang="en-US" sz="2800" baseline="30000" dirty="0"/>
               <a:t>[1]</a:t>
             </a:r>
             <a:r>
-              <a:rPr lang="en-US" sz="2800" dirty="0" smtClean="0"/>
+              <a:rPr lang="en-US" sz="2800" dirty="0"/>
               <a:t>, W</a:t>
             </a:r>
             <a:r>
-              <a:rPr lang="en-US" sz="2800" baseline="30000" dirty="0" smtClean="0"/>
+              <a:rPr lang="en-US" sz="2800" baseline="30000" dirty="0"/>
               <a:t>[2]</a:t>
             </a:r>
             <a:r>
-              <a:rPr lang="en-US" sz="2800" dirty="0" smtClean="0"/>
+              <a:rPr lang="en-US" sz="2800" dirty="0"/>
               <a:t>, b</a:t>
             </a:r>
             <a:r>
-              <a:rPr lang="en-US" sz="2800" baseline="30000" dirty="0" smtClean="0"/>
+              <a:rPr lang="en-US" sz="2800" baseline="30000" dirty="0"/>
               <a:t>[2]</a:t>
             </a:r>
             <a:r>
-              <a:rPr lang="en-US" sz="2800" dirty="0" smtClean="0"/>
+              <a:rPr lang="en-US" sz="2800" dirty="0"/>
               <a:t>)</a:t>
             </a:r>
-            <a:endParaRPr kumimoji="0" lang="en-US" sz="2800" b="0" i="0" u="none" strike="noStrike" kern="1200" cap="none" spc="0" normalizeH="0" noProof="0" dirty="0" smtClean="0">
+            <a:endParaRPr kumimoji="0" lang="en-US" sz="2800" b="0" i="0" u="none" strike="noStrike" kern="1200" cap="none" spc="0" normalizeH="0" noProof="0" dirty="0">
               <a:ln>
                 <a:noFill/>
               </a:ln>
@@ -22830,7 +22663,7 @@
               <a:tabLst/>
               <a:defRPr/>
             </a:pPr>
-            <a:endParaRPr kumimoji="0" lang="en-US" sz="3200" b="0" i="0" u="none" strike="noStrike" kern="1200" cap="none" spc="0" normalizeH="0" baseline="0" noProof="0" dirty="0" smtClean="0">
+            <a:endParaRPr kumimoji="0" lang="en-US" sz="3200" b="0" i="0" u="none" strike="noStrike" kern="1200" cap="none" spc="0" normalizeH="0" baseline="0" noProof="0" dirty="0">
               <a:ln>
                 <a:noFill/>
               </a:ln>
@@ -22885,13 +22718,6 @@
   <p:clrMapOvr>
     <a:masterClrMapping/>
   </p:clrMapOvr>
-  <p:timing>
-    <p:tnLst>
-      <p:par>
-        <p:cTn id="1" dur="indefinite" restart="never" nodeType="tmRoot"/>
-      </p:par>
-    </p:tnLst>
-  </p:timing>
 </p:sld>
 </file>
 
@@ -22930,10 +22756,9 @@
           <a:lstStyle/>
           <a:p>
             <a:r>
-              <a:rPr lang="en-US" dirty="0" smtClean="0"/>
+              <a:rPr lang="en-US" dirty="0"/>
               <a:t>Back Propagation </a:t>
             </a:r>
-            <a:endParaRPr lang="en-US" dirty="0"/>
           </a:p>
         </p:txBody>
       </p:sp>
@@ -22958,42 +22783,42 @@
           <a:lstStyle/>
           <a:p>
             <a:r>
-              <a:rPr lang="en-US" dirty="0" smtClean="0"/>
+              <a:rPr lang="en-US" dirty="0"/>
               <a:t>Parameters</a:t>
             </a:r>
           </a:p>
           <a:p>
             <a:pPr lvl="1"/>
             <a:r>
-              <a:rPr lang="en-US" dirty="0" smtClean="0"/>
+              <a:rPr lang="en-US" dirty="0"/>
               <a:t>W</a:t>
             </a:r>
             <a:r>
-              <a:rPr lang="en-US" baseline="30000" dirty="0" smtClean="0"/>
+              <a:rPr lang="en-US" baseline="30000" dirty="0"/>
               <a:t>[1]</a:t>
             </a:r>
             <a:r>
-              <a:rPr lang="en-US" dirty="0" smtClean="0"/>
+              <a:rPr lang="en-US" dirty="0"/>
               <a:t>, b</a:t>
             </a:r>
             <a:r>
-              <a:rPr lang="en-US" baseline="30000" dirty="0" smtClean="0"/>
+              <a:rPr lang="en-US" baseline="30000" dirty="0"/>
               <a:t>[1]</a:t>
             </a:r>
             <a:r>
-              <a:rPr lang="en-US" dirty="0" smtClean="0"/>
+              <a:rPr lang="en-US" dirty="0"/>
               <a:t>, W</a:t>
             </a:r>
             <a:r>
-              <a:rPr lang="en-US" baseline="30000" dirty="0" smtClean="0"/>
+              <a:rPr lang="en-US" baseline="30000" dirty="0"/>
               <a:t>[2]</a:t>
             </a:r>
             <a:r>
-              <a:rPr lang="en-US" dirty="0" smtClean="0"/>
+              <a:rPr lang="en-US" dirty="0"/>
               <a:t>, b</a:t>
             </a:r>
             <a:r>
-              <a:rPr lang="en-US" baseline="30000" dirty="0" smtClean="0"/>
+              <a:rPr lang="en-US" baseline="30000" dirty="0"/>
               <a:t>[2]</a:t>
             </a:r>
           </a:p>
@@ -23002,7 +22827,7 @@
               <a:defRPr/>
             </a:pPr>
             <a:r>
-              <a:rPr lang="en-US" dirty="0" smtClean="0"/>
+              <a:rPr lang="en-US" dirty="0"/>
               <a:t>Cost function</a:t>
             </a:r>
           </a:p>
@@ -23011,49 +22836,49 @@
               <a:defRPr/>
             </a:pPr>
             <a:r>
-              <a:rPr lang="en-US" dirty="0" smtClean="0"/>
+              <a:rPr lang="en-US" dirty="0"/>
               <a:t>J(W</a:t>
             </a:r>
             <a:r>
-              <a:rPr lang="en-US" baseline="30000" dirty="0" smtClean="0"/>
+              <a:rPr lang="en-US" baseline="30000" dirty="0"/>
               <a:t>[1]</a:t>
             </a:r>
             <a:r>
-              <a:rPr lang="en-US" dirty="0" smtClean="0"/>
+              <a:rPr lang="en-US" dirty="0"/>
               <a:t>, b</a:t>
             </a:r>
             <a:r>
-              <a:rPr lang="en-US" baseline="30000" dirty="0" smtClean="0"/>
+              <a:rPr lang="en-US" baseline="30000" dirty="0"/>
               <a:t>[1]</a:t>
             </a:r>
             <a:r>
-              <a:rPr lang="en-US" dirty="0" smtClean="0"/>
+              <a:rPr lang="en-US" dirty="0"/>
               <a:t>, W</a:t>
             </a:r>
             <a:r>
-              <a:rPr lang="en-US" baseline="30000" dirty="0" smtClean="0"/>
+              <a:rPr lang="en-US" baseline="30000" dirty="0"/>
               <a:t>[2]</a:t>
             </a:r>
             <a:r>
-              <a:rPr lang="en-US" dirty="0" smtClean="0"/>
+              <a:rPr lang="en-US" dirty="0"/>
               <a:t>, b</a:t>
             </a:r>
             <a:r>
-              <a:rPr lang="en-US" baseline="30000" dirty="0" smtClean="0"/>
+              <a:rPr lang="en-US" baseline="30000" dirty="0"/>
               <a:t>[2]</a:t>
             </a:r>
             <a:r>
-              <a:rPr lang="en-US" dirty="0" smtClean="0"/>
+              <a:rPr lang="en-US" dirty="0"/>
               <a:t>)</a:t>
             </a:r>
             <a:r>
-              <a:rPr lang="en-US" baseline="30000" dirty="0" smtClean="0"/>
+              <a:rPr lang="en-US" baseline="30000" dirty="0"/>
               <a:t>    </a:t>
             </a:r>
-            <a:endParaRPr lang="en-US" dirty="0" smtClean="0"/>
-          </a:p>
-          <a:p>
-            <a:endParaRPr lang="en-US" dirty="0" smtClean="0"/>
+            <a:endParaRPr lang="en-US" dirty="0"/>
+          </a:p>
+          <a:p>
+            <a:endParaRPr lang="en-US" dirty="0"/>
           </a:p>
           <a:p>
             <a:pPr lvl="1"/>
@@ -23159,7 +22984,7 @@
               <a:defRPr/>
             </a:pPr>
             <a:r>
-              <a:rPr kumimoji="0" lang="en-US" sz="3200" b="0" i="0" u="none" strike="noStrike" kern="1200" cap="none" spc="0" normalizeH="0" baseline="0" noProof="0" dirty="0" smtClean="0">
+              <a:rPr kumimoji="0" lang="en-US" sz="3200" b="0" i="0" u="none" strike="noStrike" kern="1200" cap="none" spc="0" normalizeH="0" baseline="0" noProof="0" dirty="0">
                 <a:ln>
                   <a:noFill/>
                 </a:ln>
@@ -23194,7 +23019,7 @@
               <a:tabLst/>
               <a:defRPr/>
             </a:pPr>
-            <a:endParaRPr kumimoji="0" lang="en-US" sz="3200" b="0" i="0" u="none" strike="noStrike" kern="1200" cap="none" spc="0" normalizeH="0" baseline="0" noProof="0" dirty="0" smtClean="0">
+            <a:endParaRPr kumimoji="0" lang="en-US" sz="3200" b="0" i="0" u="none" strike="noStrike" kern="1200" cap="none" spc="0" normalizeH="0" baseline="0" noProof="0" dirty="0">
               <a:ln>
                 <a:noFill/>
               </a:ln>
@@ -23258,9 +23083,59 @@
         </p:xfrm>
         <a:graphic>
           <a:graphicData uri="http://schemas.openxmlformats.org/presentationml/2006/ole">
-            <p:oleObj spid="_x0000_s74754" name="Equation" r:id="rId3" imgW="1739880" imgH="634680" progId="Equation.3">
-              <p:embed/>
-            </p:oleObj>
+            <mc:AlternateContent xmlns:mc="http://schemas.openxmlformats.org/markup-compatibility/2006">
+              <mc:Choice xmlns:v="urn:schemas-microsoft-com:vml" Requires="v">
+                <p:oleObj spid="_x0000_s74754" name="Equation" r:id="rId2" imgW="1739880" imgH="634680" progId="Equation.3">
+                  <p:embed/>
+                </p:oleObj>
+              </mc:Choice>
+              <mc:Fallback>
+                <p:oleObj name="Equation" r:id="rId2" imgW="1739880" imgH="634680" progId="Equation.3">
+                  <p:embed/>
+                  <p:pic>
+                    <p:nvPicPr>
+                      <p:cNvPr id="0" name="Picture 2"/>
+                      <p:cNvPicPr>
+                        <a:picLocks noChangeAspect="1" noChangeArrowheads="1"/>
+                      </p:cNvPicPr>
+                      <p:nvPr/>
+                    </p:nvPicPr>
+                    <p:blipFill>
+                      <a:blip r:embed="rId3">
+                        <a:extLst>
+                          <a:ext uri="{28A0092B-C50C-407E-A947-70E740481C1C}">
+                            <a14:useLocalDpi xmlns:a14="http://schemas.microsoft.com/office/drawing/2010/main" val="0"/>
+                          </a:ext>
+                        </a:extLst>
+                      </a:blip>
+                      <a:srcRect/>
+                      <a:stretch>
+                        <a:fillRect/>
+                      </a:stretch>
+                    </p:blipFill>
+                    <p:spPr bwMode="auto">
+                      <a:xfrm>
+                        <a:off x="4935538" y="2284413"/>
+                        <a:ext cx="3460750" cy="1263650"/>
+                      </a:xfrm>
+                      <a:prstGeom prst="rect">
+                        <a:avLst/>
+                      </a:prstGeom>
+                      <a:noFill/>
+                      <a:extLst>
+                        <a:ext uri="{909E8E84-426E-40DD-AFC4-6F175D3DCCD1}">
+                          <a14:hiddenFill xmlns:a14="http://schemas.microsoft.com/office/drawing/2010/main">
+                            <a:solidFill>
+                              <a:srgbClr val="FFFFFF"/>
+                            </a:solidFill>
+                          </a14:hiddenFill>
+                        </a:ext>
+                      </a:extLst>
+                    </p:spPr>
+                  </p:pic>
+                </p:oleObj>
+              </mc:Fallback>
+            </mc:AlternateContent>
           </a:graphicData>
         </a:graphic>
       </p:graphicFrame>
@@ -23269,13 +23144,6 @@
   <p:clrMapOvr>
     <a:masterClrMapping/>
   </p:clrMapOvr>
-  <p:timing>
-    <p:tnLst>
-      <p:par>
-        <p:cTn id="1" dur="indefinite" restart="never" nodeType="tmRoot"/>
-      </p:par>
-    </p:tnLst>
-  </p:timing>
 </p:sld>
 </file>
 
@@ -23314,10 +23182,9 @@
           <a:lstStyle/>
           <a:p>
             <a:r>
-              <a:rPr lang="en-US" dirty="0" smtClean="0"/>
+              <a:rPr lang="en-US" dirty="0"/>
               <a:t>Linear Regression</a:t>
             </a:r>
-            <a:endParaRPr lang="en-US" dirty="0"/>
           </a:p>
         </p:txBody>
       </p:sp>
@@ -23337,82 +23204,82 @@
           <a:lstStyle/>
           <a:p>
             <a:r>
-              <a:rPr lang="en-US" dirty="0" smtClean="0"/>
+              <a:rPr lang="en-US" dirty="0"/>
               <a:t>Weights – W  </a:t>
             </a:r>
           </a:p>
           <a:p>
             <a:pPr lvl="1"/>
             <a:r>
-              <a:rPr lang="en-US" dirty="0" smtClean="0"/>
+              <a:rPr lang="en-US" dirty="0"/>
               <a:t>Vector</a:t>
             </a:r>
           </a:p>
           <a:p>
             <a:pPr lvl="1"/>
             <a:r>
-              <a:rPr lang="en-US" dirty="0" smtClean="0"/>
+              <a:rPr lang="en-US" dirty="0"/>
               <a:t>W </a:t>
             </a:r>
             <a:r>
-              <a:rPr lang="el-GR" dirty="0" smtClean="0"/>
+              <a:rPr lang="el-GR" dirty="0"/>
               <a:t>ε</a:t>
             </a:r>
             <a:r>
-              <a:rPr lang="en-US" dirty="0" smtClean="0"/>
+              <a:rPr lang="en-US" dirty="0"/>
               <a:t> R</a:t>
             </a:r>
           </a:p>
           <a:p>
             <a:pPr lvl="1"/>
             <a:r>
-              <a:rPr lang="en-US" dirty="0" smtClean="0"/>
+              <a:rPr lang="en-US" dirty="0"/>
               <a:t>Dimension – n</a:t>
             </a:r>
             <a:r>
-              <a:rPr lang="en-US" baseline="-25000" dirty="0" smtClean="0"/>
+              <a:rPr lang="en-US" baseline="-25000" dirty="0"/>
               <a:t>X </a:t>
             </a:r>
           </a:p>
           <a:p>
             <a:r>
-              <a:rPr lang="en-US" dirty="0" smtClean="0"/>
+              <a:rPr lang="en-US" dirty="0"/>
               <a:t>Bias – b  </a:t>
             </a:r>
           </a:p>
           <a:p>
             <a:pPr lvl="1"/>
             <a:r>
-              <a:rPr lang="en-US" dirty="0" smtClean="0"/>
+              <a:rPr lang="en-US" dirty="0"/>
               <a:t>Scalar</a:t>
             </a:r>
           </a:p>
           <a:p>
             <a:pPr lvl="1"/>
             <a:r>
-              <a:rPr lang="en-US" dirty="0" smtClean="0"/>
+              <a:rPr lang="en-US" dirty="0"/>
               <a:t>b </a:t>
             </a:r>
             <a:r>
-              <a:rPr lang="el-GR" dirty="0" smtClean="0"/>
+              <a:rPr lang="el-GR" dirty="0"/>
               <a:t>ε </a:t>
             </a:r>
             <a:r>
-              <a:rPr lang="en-US" dirty="0" smtClean="0"/>
+              <a:rPr lang="en-US" dirty="0"/>
               <a:t>R</a:t>
             </a:r>
           </a:p>
           <a:p>
             <a:r>
-              <a:rPr lang="en-US" dirty="0" smtClean="0"/>
+              <a:rPr lang="en-US" dirty="0"/>
               <a:t>y = W</a:t>
             </a:r>
             <a:r>
-              <a:rPr lang="en-US" baseline="30000" dirty="0" smtClean="0"/>
+              <a:rPr lang="en-US" baseline="30000" dirty="0"/>
               <a:t>T</a:t>
             </a:r>
             <a:r>
-              <a:rPr lang="en-US" dirty="0" smtClean="0"/>
+              <a:rPr lang="en-US" dirty="0"/>
               <a:t>X + b</a:t>
             </a:r>
             <a:endParaRPr lang="en-US" baseline="-25000" dirty="0"/>
@@ -23424,13 +23291,6 @@
   <p:clrMapOvr>
     <a:masterClrMapping/>
   </p:clrMapOvr>
-  <p:timing>
-    <p:tnLst>
-      <p:par>
-        <p:cTn id="1" dur="indefinite" restart="never" nodeType="tmRoot"/>
-      </p:par>
-    </p:tnLst>
-  </p:timing>
 </p:sld>
 </file>
 
@@ -23469,10 +23329,9 @@
           <a:lstStyle/>
           <a:p>
             <a:r>
-              <a:rPr lang="en-US" dirty="0" smtClean="0"/>
+              <a:rPr lang="en-US" dirty="0"/>
               <a:t>Back Propagation  </a:t>
             </a:r>
-            <a:endParaRPr lang="en-US" dirty="0"/>
           </a:p>
         </p:txBody>
       </p:sp>
@@ -23497,42 +23356,42 @@
           <a:lstStyle/>
           <a:p>
             <a:r>
-              <a:rPr lang="en-US" dirty="0" smtClean="0"/>
+              <a:rPr lang="en-US" dirty="0"/>
               <a:t>Parameters</a:t>
             </a:r>
           </a:p>
           <a:p>
             <a:pPr lvl="1"/>
             <a:r>
-              <a:rPr lang="en-US" dirty="0" smtClean="0"/>
+              <a:rPr lang="en-US" dirty="0"/>
               <a:t>W</a:t>
             </a:r>
             <a:r>
-              <a:rPr lang="en-US" baseline="30000" dirty="0" smtClean="0"/>
+              <a:rPr lang="en-US" baseline="30000" dirty="0"/>
               <a:t>[1]</a:t>
             </a:r>
             <a:r>
-              <a:rPr lang="en-US" dirty="0" smtClean="0"/>
+              <a:rPr lang="en-US" dirty="0"/>
               <a:t>, b</a:t>
             </a:r>
             <a:r>
-              <a:rPr lang="en-US" baseline="30000" dirty="0" smtClean="0"/>
+              <a:rPr lang="en-US" baseline="30000" dirty="0"/>
               <a:t>[1]</a:t>
             </a:r>
             <a:r>
-              <a:rPr lang="en-US" dirty="0" smtClean="0"/>
+              <a:rPr lang="en-US" dirty="0"/>
               <a:t>, W</a:t>
             </a:r>
             <a:r>
-              <a:rPr lang="en-US" baseline="30000" dirty="0" smtClean="0"/>
+              <a:rPr lang="en-US" baseline="30000" dirty="0"/>
               <a:t>[2]</a:t>
             </a:r>
             <a:r>
-              <a:rPr lang="en-US" dirty="0" smtClean="0"/>
+              <a:rPr lang="en-US" dirty="0"/>
               <a:t>, b</a:t>
             </a:r>
             <a:r>
-              <a:rPr lang="en-US" baseline="30000" dirty="0" smtClean="0"/>
+              <a:rPr lang="en-US" baseline="30000" dirty="0"/>
               <a:t>[2]</a:t>
             </a:r>
           </a:p>
@@ -23541,7 +23400,7 @@
               <a:defRPr/>
             </a:pPr>
             <a:r>
-              <a:rPr lang="en-US" dirty="0" smtClean="0"/>
+              <a:rPr lang="en-US" dirty="0"/>
               <a:t>Cost function</a:t>
             </a:r>
           </a:p>
@@ -23550,49 +23409,49 @@
               <a:defRPr/>
             </a:pPr>
             <a:r>
-              <a:rPr lang="en-US" dirty="0" smtClean="0"/>
+              <a:rPr lang="en-US" dirty="0"/>
               <a:t>J(W</a:t>
             </a:r>
             <a:r>
-              <a:rPr lang="en-US" baseline="30000" dirty="0" smtClean="0"/>
+              <a:rPr lang="en-US" baseline="30000" dirty="0"/>
               <a:t>[1]</a:t>
             </a:r>
             <a:r>
-              <a:rPr lang="en-US" dirty="0" smtClean="0"/>
+              <a:rPr lang="en-US" dirty="0"/>
               <a:t>, b</a:t>
             </a:r>
             <a:r>
-              <a:rPr lang="en-US" baseline="30000" dirty="0" smtClean="0"/>
+              <a:rPr lang="en-US" baseline="30000" dirty="0"/>
               <a:t>[1]</a:t>
             </a:r>
             <a:r>
-              <a:rPr lang="en-US" dirty="0" smtClean="0"/>
+              <a:rPr lang="en-US" dirty="0"/>
               <a:t>, W</a:t>
             </a:r>
             <a:r>
-              <a:rPr lang="en-US" baseline="30000" dirty="0" smtClean="0"/>
+              <a:rPr lang="en-US" baseline="30000" dirty="0"/>
               <a:t>[2]</a:t>
             </a:r>
             <a:r>
-              <a:rPr lang="en-US" dirty="0" smtClean="0"/>
+              <a:rPr lang="en-US" dirty="0"/>
               <a:t>, b</a:t>
             </a:r>
             <a:r>
-              <a:rPr lang="en-US" baseline="30000" dirty="0" smtClean="0"/>
+              <a:rPr lang="en-US" baseline="30000" dirty="0"/>
               <a:t>[2]</a:t>
             </a:r>
             <a:r>
-              <a:rPr lang="en-US" dirty="0" smtClean="0"/>
+              <a:rPr lang="en-US" dirty="0"/>
               <a:t>)</a:t>
             </a:r>
             <a:r>
-              <a:rPr lang="en-US" baseline="30000" dirty="0" smtClean="0"/>
+              <a:rPr lang="en-US" baseline="30000" dirty="0"/>
               <a:t>    </a:t>
             </a:r>
-            <a:endParaRPr lang="en-US" dirty="0" smtClean="0"/>
-          </a:p>
-          <a:p>
-            <a:endParaRPr lang="en-US" dirty="0" smtClean="0"/>
+            <a:endParaRPr lang="en-US" dirty="0"/>
+          </a:p>
+          <a:p>
+            <a:endParaRPr lang="en-US" dirty="0"/>
           </a:p>
           <a:p>
             <a:pPr lvl="1"/>
@@ -23698,7 +23557,7 @@
               <a:defRPr/>
             </a:pPr>
             <a:r>
-              <a:rPr kumimoji="0" lang="en-US" sz="3200" b="0" i="0" u="none" strike="noStrike" kern="1200" cap="none" spc="0" normalizeH="0" baseline="0" noProof="0" dirty="0" smtClean="0">
+              <a:rPr kumimoji="0" lang="en-US" sz="3200" b="0" i="0" u="none" strike="noStrike" kern="1200" cap="none" spc="0" normalizeH="0" baseline="0" noProof="0" dirty="0">
                 <a:ln>
                   <a:noFill/>
                 </a:ln>
@@ -23733,7 +23592,7 @@
               <a:tabLst/>
               <a:defRPr/>
             </a:pPr>
-            <a:endParaRPr kumimoji="0" lang="en-US" sz="3200" b="0" i="0" u="none" strike="noStrike" kern="1200" cap="none" spc="0" normalizeH="0" baseline="0" noProof="0" dirty="0" smtClean="0">
+            <a:endParaRPr kumimoji="0" lang="en-US" sz="3200" b="0" i="0" u="none" strike="noStrike" kern="1200" cap="none" spc="0" normalizeH="0" baseline="0" noProof="0" dirty="0">
               <a:ln>
                 <a:noFill/>
               </a:ln>
@@ -23797,9 +23656,59 @@
         </p:xfrm>
         <a:graphic>
           <a:graphicData uri="http://schemas.openxmlformats.org/presentationml/2006/ole">
-            <p:oleObj spid="_x0000_s75778" name="Equation" r:id="rId3" imgW="1739880" imgH="1041120" progId="Equation.3">
-              <p:embed/>
-            </p:oleObj>
+            <mc:AlternateContent xmlns:mc="http://schemas.openxmlformats.org/markup-compatibility/2006">
+              <mc:Choice xmlns:v="urn:schemas-microsoft-com:vml" Requires="v">
+                <p:oleObj spid="_x0000_s75778" name="Equation" r:id="rId2" imgW="1739880" imgH="1041120" progId="Equation.3">
+                  <p:embed/>
+                </p:oleObj>
+              </mc:Choice>
+              <mc:Fallback>
+                <p:oleObj name="Equation" r:id="rId2" imgW="1739880" imgH="1041120" progId="Equation.3">
+                  <p:embed/>
+                  <p:pic>
+                    <p:nvPicPr>
+                      <p:cNvPr id="0" name="Picture 2"/>
+                      <p:cNvPicPr>
+                        <a:picLocks noChangeAspect="1" noChangeArrowheads="1"/>
+                      </p:cNvPicPr>
+                      <p:nvPr/>
+                    </p:nvPicPr>
+                    <p:blipFill>
+                      <a:blip r:embed="rId3">
+                        <a:extLst>
+                          <a:ext uri="{28A0092B-C50C-407E-A947-70E740481C1C}">
+                            <a14:useLocalDpi xmlns:a14="http://schemas.microsoft.com/office/drawing/2010/main" val="0"/>
+                          </a:ext>
+                        </a:extLst>
+                      </a:blip>
+                      <a:srcRect/>
+                      <a:stretch>
+                        <a:fillRect/>
+                      </a:stretch>
+                    </p:blipFill>
+                    <p:spPr bwMode="auto">
+                      <a:xfrm>
+                        <a:off x="4935538" y="2284413"/>
+                        <a:ext cx="3460750" cy="2071687"/>
+                      </a:xfrm>
+                      <a:prstGeom prst="rect">
+                        <a:avLst/>
+                      </a:prstGeom>
+                      <a:noFill/>
+                      <a:extLst>
+                        <a:ext uri="{909E8E84-426E-40DD-AFC4-6F175D3DCCD1}">
+                          <a14:hiddenFill xmlns:a14="http://schemas.microsoft.com/office/drawing/2010/main">
+                            <a:solidFill>
+                              <a:srgbClr val="FFFFFF"/>
+                            </a:solidFill>
+                          </a14:hiddenFill>
+                        </a:ext>
+                      </a:extLst>
+                    </p:spPr>
+                  </p:pic>
+                </p:oleObj>
+              </mc:Fallback>
+            </mc:AlternateContent>
           </a:graphicData>
         </a:graphic>
       </p:graphicFrame>
@@ -23808,13 +23717,6 @@
   <p:clrMapOvr>
     <a:masterClrMapping/>
   </p:clrMapOvr>
-  <p:timing>
-    <p:tnLst>
-      <p:par>
-        <p:cTn id="1" dur="indefinite" restart="never" nodeType="tmRoot"/>
-      </p:par>
-    </p:tnLst>
-  </p:timing>
 </p:sld>
 </file>
 
@@ -23853,10 +23755,9 @@
           <a:lstStyle/>
           <a:p>
             <a:r>
-              <a:rPr lang="en-US" dirty="0" smtClean="0"/>
+              <a:rPr lang="en-US" dirty="0"/>
               <a:t>Back Propagation  </a:t>
             </a:r>
-            <a:endParaRPr lang="en-US" dirty="0"/>
           </a:p>
         </p:txBody>
       </p:sp>
@@ -23881,42 +23782,42 @@
           <a:lstStyle/>
           <a:p>
             <a:r>
-              <a:rPr lang="en-US" dirty="0" smtClean="0"/>
+              <a:rPr lang="en-US" dirty="0"/>
               <a:t>Parameters</a:t>
             </a:r>
           </a:p>
           <a:p>
             <a:pPr lvl="1"/>
             <a:r>
-              <a:rPr lang="en-US" dirty="0" smtClean="0"/>
+              <a:rPr lang="en-US" dirty="0"/>
               <a:t>W</a:t>
             </a:r>
             <a:r>
-              <a:rPr lang="en-US" baseline="30000" dirty="0" smtClean="0"/>
+              <a:rPr lang="en-US" baseline="30000" dirty="0"/>
               <a:t>[1]</a:t>
             </a:r>
             <a:r>
-              <a:rPr lang="en-US" dirty="0" smtClean="0"/>
+              <a:rPr lang="en-US" dirty="0"/>
               <a:t>, b</a:t>
             </a:r>
             <a:r>
-              <a:rPr lang="en-US" baseline="30000" dirty="0" smtClean="0"/>
+              <a:rPr lang="en-US" baseline="30000" dirty="0"/>
               <a:t>[1]</a:t>
             </a:r>
             <a:r>
-              <a:rPr lang="en-US" dirty="0" smtClean="0"/>
+              <a:rPr lang="en-US" dirty="0"/>
               <a:t>, W</a:t>
             </a:r>
             <a:r>
-              <a:rPr lang="en-US" baseline="30000" dirty="0" smtClean="0"/>
+              <a:rPr lang="en-US" baseline="30000" dirty="0"/>
               <a:t>[2]</a:t>
             </a:r>
             <a:r>
-              <a:rPr lang="en-US" dirty="0" smtClean="0"/>
+              <a:rPr lang="en-US" dirty="0"/>
               <a:t>, b</a:t>
             </a:r>
             <a:r>
-              <a:rPr lang="en-US" baseline="30000" dirty="0" smtClean="0"/>
+              <a:rPr lang="en-US" baseline="30000" dirty="0"/>
               <a:t>[2]</a:t>
             </a:r>
           </a:p>
@@ -23925,7 +23826,7 @@
               <a:defRPr/>
             </a:pPr>
             <a:r>
-              <a:rPr lang="en-US" dirty="0" smtClean="0"/>
+              <a:rPr lang="en-US" dirty="0"/>
               <a:t>Cost function</a:t>
             </a:r>
           </a:p>
@@ -23934,49 +23835,49 @@
               <a:defRPr/>
             </a:pPr>
             <a:r>
-              <a:rPr lang="en-US" dirty="0" smtClean="0"/>
+              <a:rPr lang="en-US" dirty="0"/>
               <a:t>J(W</a:t>
             </a:r>
             <a:r>
-              <a:rPr lang="en-US" baseline="30000" dirty="0" smtClean="0"/>
+              <a:rPr lang="en-US" baseline="30000" dirty="0"/>
               <a:t>[1]</a:t>
             </a:r>
             <a:r>
-              <a:rPr lang="en-US" dirty="0" smtClean="0"/>
+              <a:rPr lang="en-US" dirty="0"/>
               <a:t>, b</a:t>
             </a:r>
             <a:r>
-              <a:rPr lang="en-US" baseline="30000" dirty="0" smtClean="0"/>
+              <a:rPr lang="en-US" baseline="30000" dirty="0"/>
               <a:t>[1]</a:t>
             </a:r>
             <a:r>
-              <a:rPr lang="en-US" dirty="0" smtClean="0"/>
+              <a:rPr lang="en-US" dirty="0"/>
               <a:t>, W</a:t>
             </a:r>
             <a:r>
-              <a:rPr lang="en-US" baseline="30000" dirty="0" smtClean="0"/>
+              <a:rPr lang="en-US" baseline="30000" dirty="0"/>
               <a:t>[2]</a:t>
             </a:r>
             <a:r>
-              <a:rPr lang="en-US" dirty="0" smtClean="0"/>
+              <a:rPr lang="en-US" dirty="0"/>
               <a:t>, b</a:t>
             </a:r>
             <a:r>
-              <a:rPr lang="en-US" baseline="30000" dirty="0" smtClean="0"/>
+              <a:rPr lang="en-US" baseline="30000" dirty="0"/>
               <a:t>[2]</a:t>
             </a:r>
             <a:r>
-              <a:rPr lang="en-US" dirty="0" smtClean="0"/>
+              <a:rPr lang="en-US" dirty="0"/>
               <a:t>)</a:t>
             </a:r>
             <a:r>
-              <a:rPr lang="en-US" baseline="30000" dirty="0" smtClean="0"/>
+              <a:rPr lang="en-US" baseline="30000" dirty="0"/>
               <a:t>    </a:t>
             </a:r>
-            <a:endParaRPr lang="en-US" dirty="0" smtClean="0"/>
-          </a:p>
-          <a:p>
-            <a:endParaRPr lang="en-US" dirty="0" smtClean="0"/>
+            <a:endParaRPr lang="en-US" dirty="0"/>
+          </a:p>
+          <a:p>
+            <a:endParaRPr lang="en-US" dirty="0"/>
           </a:p>
           <a:p>
             <a:pPr lvl="1"/>
@@ -24082,7 +23983,7 @@
               <a:defRPr/>
             </a:pPr>
             <a:r>
-              <a:rPr kumimoji="0" lang="en-US" sz="3200" b="0" i="0" u="none" strike="noStrike" kern="1200" cap="none" spc="0" normalizeH="0" baseline="0" noProof="0" dirty="0" smtClean="0">
+              <a:rPr kumimoji="0" lang="en-US" sz="3200" b="0" i="0" u="none" strike="noStrike" kern="1200" cap="none" spc="0" normalizeH="0" baseline="0" noProof="0" dirty="0">
                 <a:ln>
                   <a:noFill/>
                 </a:ln>
@@ -24117,7 +24018,7 @@
               <a:tabLst/>
               <a:defRPr/>
             </a:pPr>
-            <a:endParaRPr kumimoji="0" lang="en-US" sz="3200" b="0" i="0" u="none" strike="noStrike" kern="1200" cap="none" spc="0" normalizeH="0" baseline="0" noProof="0" dirty="0" smtClean="0">
+            <a:endParaRPr kumimoji="0" lang="en-US" sz="3200" b="0" i="0" u="none" strike="noStrike" kern="1200" cap="none" spc="0" normalizeH="0" baseline="0" noProof="0" dirty="0">
               <a:ln>
                 <a:noFill/>
               </a:ln>
@@ -24181,9 +24082,59 @@
         </p:xfrm>
         <a:graphic>
           <a:graphicData uri="http://schemas.openxmlformats.org/presentationml/2006/ole">
-            <p:oleObj spid="_x0000_s76802" name="Equation" r:id="rId3" imgW="1739880" imgH="1269720" progId="Equation.3">
-              <p:embed/>
-            </p:oleObj>
+            <mc:AlternateContent xmlns:mc="http://schemas.openxmlformats.org/markup-compatibility/2006">
+              <mc:Choice xmlns:v="urn:schemas-microsoft-com:vml" Requires="v">
+                <p:oleObj spid="_x0000_s76802" name="Equation" r:id="rId2" imgW="1739880" imgH="1269720" progId="Equation.3">
+                  <p:embed/>
+                </p:oleObj>
+              </mc:Choice>
+              <mc:Fallback>
+                <p:oleObj name="Equation" r:id="rId2" imgW="1739880" imgH="1269720" progId="Equation.3">
+                  <p:embed/>
+                  <p:pic>
+                    <p:nvPicPr>
+                      <p:cNvPr id="0" name="Picture 2"/>
+                      <p:cNvPicPr>
+                        <a:picLocks noChangeAspect="1" noChangeArrowheads="1"/>
+                      </p:cNvPicPr>
+                      <p:nvPr/>
+                    </p:nvPicPr>
+                    <p:blipFill>
+                      <a:blip r:embed="rId3">
+                        <a:extLst>
+                          <a:ext uri="{28A0092B-C50C-407E-A947-70E740481C1C}">
+                            <a14:useLocalDpi xmlns:a14="http://schemas.microsoft.com/office/drawing/2010/main" val="0"/>
+                          </a:ext>
+                        </a:extLst>
+                      </a:blip>
+                      <a:srcRect/>
+                      <a:stretch>
+                        <a:fillRect/>
+                      </a:stretch>
+                    </p:blipFill>
+                    <p:spPr bwMode="auto">
+                      <a:xfrm>
+                        <a:off x="4935538" y="2284413"/>
+                        <a:ext cx="3460750" cy="2525712"/>
+                      </a:xfrm>
+                      <a:prstGeom prst="rect">
+                        <a:avLst/>
+                      </a:prstGeom>
+                      <a:noFill/>
+                      <a:extLst>
+                        <a:ext uri="{909E8E84-426E-40DD-AFC4-6F175D3DCCD1}">
+                          <a14:hiddenFill xmlns:a14="http://schemas.microsoft.com/office/drawing/2010/main">
+                            <a:solidFill>
+                              <a:srgbClr val="FFFFFF"/>
+                            </a:solidFill>
+                          </a14:hiddenFill>
+                        </a:ext>
+                      </a:extLst>
+                    </p:spPr>
+                  </p:pic>
+                </p:oleObj>
+              </mc:Fallback>
+            </mc:AlternateContent>
           </a:graphicData>
         </a:graphic>
       </p:graphicFrame>
@@ -24192,13 +24143,6 @@
   <p:clrMapOvr>
     <a:masterClrMapping/>
   </p:clrMapOvr>
-  <p:timing>
-    <p:tnLst>
-      <p:par>
-        <p:cTn id="1" dur="indefinite" restart="never" nodeType="tmRoot"/>
-      </p:par>
-    </p:tnLst>
-  </p:timing>
 </p:sld>
 </file>
 
@@ -24237,10 +24181,9 @@
           <a:lstStyle/>
           <a:p>
             <a:r>
-              <a:rPr lang="en-US" dirty="0" smtClean="0"/>
+              <a:rPr lang="en-US" dirty="0"/>
               <a:t>Back Propagation </a:t>
             </a:r>
-            <a:endParaRPr lang="en-US" dirty="0"/>
           </a:p>
         </p:txBody>
       </p:sp>
@@ -24265,42 +24208,42 @@
           <a:lstStyle/>
           <a:p>
             <a:r>
-              <a:rPr lang="en-US" dirty="0" smtClean="0"/>
+              <a:rPr lang="en-US" dirty="0"/>
               <a:t>Parameters</a:t>
             </a:r>
           </a:p>
           <a:p>
             <a:pPr lvl="1"/>
             <a:r>
-              <a:rPr lang="en-US" dirty="0" smtClean="0"/>
+              <a:rPr lang="en-US" dirty="0"/>
               <a:t>W</a:t>
             </a:r>
             <a:r>
-              <a:rPr lang="en-US" baseline="30000" dirty="0" smtClean="0"/>
+              <a:rPr lang="en-US" baseline="30000" dirty="0"/>
               <a:t>[1]</a:t>
             </a:r>
             <a:r>
-              <a:rPr lang="en-US" dirty="0" smtClean="0"/>
+              <a:rPr lang="en-US" dirty="0"/>
               <a:t>, b</a:t>
             </a:r>
             <a:r>
-              <a:rPr lang="en-US" baseline="30000" dirty="0" smtClean="0"/>
+              <a:rPr lang="en-US" baseline="30000" dirty="0"/>
               <a:t>[1]</a:t>
             </a:r>
             <a:r>
-              <a:rPr lang="en-US" dirty="0" smtClean="0"/>
+              <a:rPr lang="en-US" dirty="0"/>
               <a:t>, W</a:t>
             </a:r>
             <a:r>
-              <a:rPr lang="en-US" baseline="30000" dirty="0" smtClean="0"/>
+              <a:rPr lang="en-US" baseline="30000" dirty="0"/>
               <a:t>[2]</a:t>
             </a:r>
             <a:r>
-              <a:rPr lang="en-US" dirty="0" smtClean="0"/>
+              <a:rPr lang="en-US" dirty="0"/>
               <a:t>, b</a:t>
             </a:r>
             <a:r>
-              <a:rPr lang="en-US" baseline="30000" dirty="0" smtClean="0"/>
+              <a:rPr lang="en-US" baseline="30000" dirty="0"/>
               <a:t>[2]</a:t>
             </a:r>
           </a:p>
@@ -24309,7 +24252,7 @@
               <a:defRPr/>
             </a:pPr>
             <a:r>
-              <a:rPr lang="en-US" dirty="0" smtClean="0"/>
+              <a:rPr lang="en-US" dirty="0"/>
               <a:t>Cost function</a:t>
             </a:r>
           </a:p>
@@ -24318,49 +24261,49 @@
               <a:defRPr/>
             </a:pPr>
             <a:r>
-              <a:rPr lang="en-US" dirty="0" smtClean="0"/>
+              <a:rPr lang="en-US" dirty="0"/>
               <a:t>J(W</a:t>
             </a:r>
             <a:r>
-              <a:rPr lang="en-US" baseline="30000" dirty="0" smtClean="0"/>
+              <a:rPr lang="en-US" baseline="30000" dirty="0"/>
               <a:t>[1]</a:t>
             </a:r>
             <a:r>
-              <a:rPr lang="en-US" dirty="0" smtClean="0"/>
+              <a:rPr lang="en-US" dirty="0"/>
               <a:t>, b</a:t>
             </a:r>
             <a:r>
-              <a:rPr lang="en-US" baseline="30000" dirty="0" smtClean="0"/>
+              <a:rPr lang="en-US" baseline="30000" dirty="0"/>
               <a:t>[1]</a:t>
             </a:r>
             <a:r>
-              <a:rPr lang="en-US" dirty="0" smtClean="0"/>
+              <a:rPr lang="en-US" dirty="0"/>
               <a:t>, W</a:t>
             </a:r>
             <a:r>
-              <a:rPr lang="en-US" baseline="30000" dirty="0" smtClean="0"/>
+              <a:rPr lang="en-US" baseline="30000" dirty="0"/>
               <a:t>[2]</a:t>
             </a:r>
             <a:r>
-              <a:rPr lang="en-US" dirty="0" smtClean="0"/>
+              <a:rPr lang="en-US" dirty="0"/>
               <a:t>, b</a:t>
             </a:r>
             <a:r>
-              <a:rPr lang="en-US" baseline="30000" dirty="0" smtClean="0"/>
+              <a:rPr lang="en-US" baseline="30000" dirty="0"/>
               <a:t>[2]</a:t>
             </a:r>
             <a:r>
-              <a:rPr lang="en-US" dirty="0" smtClean="0"/>
+              <a:rPr lang="en-US" dirty="0"/>
               <a:t>)</a:t>
             </a:r>
             <a:r>
-              <a:rPr lang="en-US" baseline="30000" dirty="0" smtClean="0"/>
+              <a:rPr lang="en-US" baseline="30000" dirty="0"/>
               <a:t>    </a:t>
             </a:r>
-            <a:endParaRPr lang="en-US" dirty="0" smtClean="0"/>
-          </a:p>
-          <a:p>
-            <a:endParaRPr lang="en-US" dirty="0" smtClean="0"/>
+            <a:endParaRPr lang="en-US" dirty="0"/>
+          </a:p>
+          <a:p>
+            <a:endParaRPr lang="en-US" dirty="0"/>
           </a:p>
           <a:p>
             <a:pPr lvl="1"/>
@@ -24466,7 +24409,7 @@
               <a:defRPr/>
             </a:pPr>
             <a:r>
-              <a:rPr kumimoji="0" lang="en-US" sz="3200" b="0" i="0" u="none" strike="noStrike" kern="1200" cap="none" spc="0" normalizeH="0" baseline="0" noProof="0" dirty="0" smtClean="0">
+              <a:rPr kumimoji="0" lang="en-US" sz="3200" b="0" i="0" u="none" strike="noStrike" kern="1200" cap="none" spc="0" normalizeH="0" baseline="0" noProof="0" dirty="0">
                 <a:ln>
                   <a:noFill/>
                 </a:ln>
@@ -24501,7 +24444,7 @@
               <a:tabLst/>
               <a:defRPr/>
             </a:pPr>
-            <a:endParaRPr kumimoji="0" lang="en-US" sz="3200" b="0" i="0" u="none" strike="noStrike" kern="1200" cap="none" spc="0" normalizeH="0" baseline="0" noProof="0" dirty="0" smtClean="0">
+            <a:endParaRPr kumimoji="0" lang="en-US" sz="3200" b="0" i="0" u="none" strike="noStrike" kern="1200" cap="none" spc="0" normalizeH="0" baseline="0" noProof="0" dirty="0">
               <a:ln>
                 <a:noFill/>
               </a:ln>
@@ -24565,9 +24508,59 @@
         </p:xfrm>
         <a:graphic>
           <a:graphicData uri="http://schemas.openxmlformats.org/presentationml/2006/ole">
-            <p:oleObj spid="_x0000_s77826" name="Equation" r:id="rId3" imgW="1739880" imgH="1777680" progId="Equation.3">
-              <p:embed/>
-            </p:oleObj>
+            <mc:AlternateContent xmlns:mc="http://schemas.openxmlformats.org/markup-compatibility/2006">
+              <mc:Choice xmlns:v="urn:schemas-microsoft-com:vml" Requires="v">
+                <p:oleObj spid="_x0000_s77826" name="Equation" r:id="rId2" imgW="1739880" imgH="1777680" progId="Equation.3">
+                  <p:embed/>
+                </p:oleObj>
+              </mc:Choice>
+              <mc:Fallback>
+                <p:oleObj name="Equation" r:id="rId2" imgW="1739880" imgH="1777680" progId="Equation.3">
+                  <p:embed/>
+                  <p:pic>
+                    <p:nvPicPr>
+                      <p:cNvPr id="0" name="Picture 2"/>
+                      <p:cNvPicPr>
+                        <a:picLocks noChangeAspect="1" noChangeArrowheads="1"/>
+                      </p:cNvPicPr>
+                      <p:nvPr/>
+                    </p:nvPicPr>
+                    <p:blipFill>
+                      <a:blip r:embed="rId3">
+                        <a:extLst>
+                          <a:ext uri="{28A0092B-C50C-407E-A947-70E740481C1C}">
+                            <a14:useLocalDpi xmlns:a14="http://schemas.microsoft.com/office/drawing/2010/main" val="0"/>
+                          </a:ext>
+                        </a:extLst>
+                      </a:blip>
+                      <a:srcRect/>
+                      <a:stretch>
+                        <a:fillRect/>
+                      </a:stretch>
+                    </p:blipFill>
+                    <p:spPr bwMode="auto">
+                      <a:xfrm>
+                        <a:off x="4935538" y="2284413"/>
+                        <a:ext cx="3460750" cy="3536950"/>
+                      </a:xfrm>
+                      <a:prstGeom prst="rect">
+                        <a:avLst/>
+                      </a:prstGeom>
+                      <a:noFill/>
+                      <a:extLst>
+                        <a:ext uri="{909E8E84-426E-40DD-AFC4-6F175D3DCCD1}">
+                          <a14:hiddenFill xmlns:a14="http://schemas.microsoft.com/office/drawing/2010/main">
+                            <a:solidFill>
+                              <a:srgbClr val="FFFFFF"/>
+                            </a:solidFill>
+                          </a14:hiddenFill>
+                        </a:ext>
+                      </a:extLst>
+                    </p:spPr>
+                  </p:pic>
+                </p:oleObj>
+              </mc:Fallback>
+            </mc:AlternateContent>
           </a:graphicData>
         </a:graphic>
       </p:graphicFrame>
@@ -24576,13 +24569,6 @@
   <p:clrMapOvr>
     <a:masterClrMapping/>
   </p:clrMapOvr>
-  <p:timing>
-    <p:tnLst>
-      <p:par>
-        <p:cTn id="1" dur="indefinite" restart="never" nodeType="tmRoot"/>
-      </p:par>
-    </p:tnLst>
-  </p:timing>
 </p:sld>
 </file>
 
@@ -24621,10 +24607,9 @@
           <a:lstStyle/>
           <a:p>
             <a:r>
-              <a:rPr lang="en-US" dirty="0" smtClean="0"/>
+              <a:rPr lang="en-US" dirty="0"/>
               <a:t>Activation Functions </a:t>
             </a:r>
-            <a:endParaRPr lang="en-US" dirty="0"/>
           </a:p>
         </p:txBody>
       </p:sp>
@@ -24644,36 +24629,36 @@
           <a:lstStyle/>
           <a:p>
             <a:r>
-              <a:rPr lang="en-US" dirty="0" smtClean="0"/>
+              <a:rPr lang="en-US" dirty="0"/>
               <a:t>Sigmoid activation</a:t>
             </a:r>
           </a:p>
           <a:p>
             <a:r>
-              <a:rPr lang="en-US" dirty="0" smtClean="0"/>
+              <a:rPr lang="en-US" dirty="0"/>
               <a:t>tanh activation</a:t>
             </a:r>
           </a:p>
           <a:p>
             <a:r>
-              <a:rPr lang="en-US" dirty="0" err="1" smtClean="0"/>
+              <a:rPr lang="en-US" dirty="0" err="1"/>
               <a:t>ReLU</a:t>
             </a:r>
             <a:r>
-              <a:rPr lang="en-US" dirty="0" smtClean="0"/>
+              <a:rPr lang="en-US" dirty="0"/>
               <a:t> – Rectified Linear Units</a:t>
             </a:r>
           </a:p>
           <a:p>
             <a:r>
-              <a:rPr lang="en-US" dirty="0" smtClean="0"/>
+              <a:rPr lang="en-US" dirty="0"/>
               <a:t>Leaky </a:t>
             </a:r>
             <a:r>
-              <a:rPr lang="en-US" dirty="0" err="1" smtClean="0"/>
+              <a:rPr lang="en-US" dirty="0" err="1"/>
               <a:t>ReLU</a:t>
             </a:r>
-            <a:endParaRPr lang="en-US" dirty="0" smtClean="0"/>
+            <a:endParaRPr lang="en-US" dirty="0"/>
           </a:p>
           <a:p>
             <a:endParaRPr lang="en-US" dirty="0"/>
@@ -24685,13 +24670,6 @@
   <p:clrMapOvr>
     <a:masterClrMapping/>
   </p:clrMapOvr>
-  <p:timing>
-    <p:tnLst>
-      <p:par>
-        <p:cTn id="1" dur="indefinite" restart="never" nodeType="tmRoot"/>
-      </p:par>
-    </p:tnLst>
-  </p:timing>
 </p:sld>
 </file>
 
@@ -24730,10 +24708,9 @@
           <a:lstStyle/>
           <a:p>
             <a:r>
-              <a:rPr lang="en-US" dirty="0" smtClean="0"/>
+              <a:rPr lang="en-US" dirty="0"/>
               <a:t>Sigmoid Activation</a:t>
             </a:r>
-            <a:endParaRPr lang="en-US" dirty="0"/>
           </a:p>
         </p:txBody>
       </p:sp>
@@ -24751,9 +24728,59 @@
         </p:xfrm>
         <a:graphic>
           <a:graphicData uri="http://schemas.openxmlformats.org/presentationml/2006/ole">
-            <p:oleObj spid="_x0000_s4098" name="Equation" r:id="rId3" imgW="876240" imgH="393480" progId="Equation.3">
-              <p:embed/>
-            </p:oleObj>
+            <mc:AlternateContent xmlns:mc="http://schemas.openxmlformats.org/markup-compatibility/2006">
+              <mc:Choice xmlns:v="urn:schemas-microsoft-com:vml" Requires="v">
+                <p:oleObj spid="_x0000_s4098" name="Equation" r:id="rId2" imgW="876240" imgH="393480" progId="Equation.3">
+                  <p:embed/>
+                </p:oleObj>
+              </mc:Choice>
+              <mc:Fallback>
+                <p:oleObj name="Equation" r:id="rId2" imgW="876240" imgH="393480" progId="Equation.3">
+                  <p:embed/>
+                  <p:pic>
+                    <p:nvPicPr>
+                      <p:cNvPr id="0" name="Picture 2"/>
+                      <p:cNvPicPr>
+                        <a:picLocks noChangeAspect="1" noChangeArrowheads="1"/>
+                      </p:cNvPicPr>
+                      <p:nvPr/>
+                    </p:nvPicPr>
+                    <p:blipFill>
+                      <a:blip r:embed="rId3">
+                        <a:extLst>
+                          <a:ext uri="{28A0092B-C50C-407E-A947-70E740481C1C}">
+                            <a14:useLocalDpi xmlns:a14="http://schemas.microsoft.com/office/drawing/2010/main" val="0"/>
+                          </a:ext>
+                        </a:extLst>
+                      </a:blip>
+                      <a:srcRect/>
+                      <a:stretch>
+                        <a:fillRect/>
+                      </a:stretch>
+                    </p:blipFill>
+                    <p:spPr bwMode="auto">
+                      <a:xfrm>
+                        <a:off x="3505200" y="5027612"/>
+                        <a:ext cx="1684337" cy="763588"/>
+                      </a:xfrm>
+                      <a:prstGeom prst="rect">
+                        <a:avLst/>
+                      </a:prstGeom>
+                      <a:noFill/>
+                      <a:extLst>
+                        <a:ext uri="{909E8E84-426E-40DD-AFC4-6F175D3DCCD1}">
+                          <a14:hiddenFill xmlns:a14="http://schemas.microsoft.com/office/drawing/2010/main">
+                            <a:solidFill>
+                              <a:srgbClr val="FFFFFF"/>
+                            </a:solidFill>
+                          </a14:hiddenFill>
+                        </a:ext>
+                      </a:extLst>
+                    </p:spPr>
+                  </p:pic>
+                </p:oleObj>
+              </mc:Fallback>
+            </mc:AlternateContent>
           </a:graphicData>
         </a:graphic>
       </p:graphicFrame>
@@ -24789,13 +24816,6 @@
   <p:clrMapOvr>
     <a:masterClrMapping/>
   </p:clrMapOvr>
-  <p:timing>
-    <p:tnLst>
-      <p:par>
-        <p:cTn id="1" dur="indefinite" restart="never" nodeType="tmRoot"/>
-      </p:par>
-    </p:tnLst>
-  </p:timing>
 </p:sld>
 </file>
 
@@ -24834,10 +24854,9 @@
           <a:lstStyle/>
           <a:p>
             <a:r>
-              <a:rPr lang="en-US" dirty="0" smtClean="0"/>
+              <a:rPr lang="en-US" dirty="0"/>
               <a:t>Sigmoid Activation </a:t>
             </a:r>
-            <a:endParaRPr lang="en-US" dirty="0"/>
           </a:p>
         </p:txBody>
       </p:sp>
@@ -24857,13 +24876,13 @@
           <a:lstStyle/>
           <a:p>
             <a:r>
-              <a:rPr lang="en-US" dirty="0" smtClean="0"/>
+              <a:rPr lang="en-US" dirty="0"/>
               <a:t>0 &lt;= ŷ &lt;= 1.0</a:t>
             </a:r>
           </a:p>
           <a:p>
             <a:r>
-              <a:rPr lang="en-US" dirty="0" smtClean="0"/>
+              <a:rPr lang="en-US" dirty="0"/>
               <a:t>Binary classification </a:t>
             </a:r>
           </a:p>
@@ -24877,13 +24896,6 @@
   <p:clrMapOvr>
     <a:masterClrMapping/>
   </p:clrMapOvr>
-  <p:timing>
-    <p:tnLst>
-      <p:par>
-        <p:cTn id="1" dur="indefinite" restart="never" nodeType="tmRoot"/>
-      </p:par>
-    </p:tnLst>
-  </p:timing>
 </p:sld>
 </file>
 
@@ -24922,10 +24934,9 @@
           <a:lstStyle/>
           <a:p>
             <a:r>
-              <a:rPr lang="en-US" dirty="0" smtClean="0"/>
+              <a:rPr lang="en-US" dirty="0"/>
               <a:t>Sigmoid Activation</a:t>
             </a:r>
-            <a:endParaRPr lang="en-US" dirty="0"/>
           </a:p>
         </p:txBody>
       </p:sp>
@@ -24943,9 +24954,67 @@
         </p:xfrm>
         <a:graphic>
           <a:graphicData uri="http://schemas.openxmlformats.org/presentationml/2006/ole">
-            <p:oleObj spid="_x0000_s5122" name="Equation" r:id="rId3" imgW="1755360" imgH="2550600" progId="Equation.3">
-              <p:embed/>
-            </p:oleObj>
+            <mc:AlternateContent xmlns:mc="http://schemas.openxmlformats.org/markup-compatibility/2006">
+              <mc:Choice xmlns:v="urn:schemas-microsoft-com:vml" Requires="v">
+                <p:oleObj spid="_x0000_s5122" name="Equation" r:id="rId2" imgW="1755360" imgH="2550600" progId="Equation.3">
+                  <p:embed/>
+                </p:oleObj>
+              </mc:Choice>
+              <mc:Fallback>
+                <p:oleObj name="Equation" r:id="rId2" imgW="1755360" imgH="2550600" progId="Equation.3">
+                  <p:embed/>
+                  <p:pic>
+                    <p:nvPicPr>
+                      <p:cNvPr id="0" name="Picture 2"/>
+                      <p:cNvPicPr>
+                        <a:picLocks noChangeAspect="1" noChangeArrowheads="1"/>
+                      </p:cNvPicPr>
+                      <p:nvPr/>
+                    </p:nvPicPr>
+                    <p:blipFill>
+                      <a:blip r:embed="rId3">
+                        <a:extLst>
+                          <a:ext uri="{28A0092B-C50C-407E-A947-70E740481C1C}">
+                            <a14:useLocalDpi xmlns:a14="http://schemas.microsoft.com/office/drawing/2010/main" val="0"/>
+                          </a:ext>
+                        </a:extLst>
+                      </a:blip>
+                      <a:srcRect/>
+                      <a:stretch>
+                        <a:fillRect/>
+                      </a:stretch>
+                    </p:blipFill>
+                    <p:spPr bwMode="auto">
+                      <a:xfrm>
+                        <a:off x="1066800" y="1600200"/>
+                        <a:ext cx="3251200" cy="4724400"/>
+                      </a:xfrm>
+                      <a:prstGeom prst="rect">
+                        <a:avLst/>
+                      </a:prstGeom>
+                      <a:noFill/>
+                      <a:ln w="9525">
+                        <a:solidFill>
+                          <a:schemeClr val="tx1"/>
+                        </a:solidFill>
+                        <a:miter lim="800000"/>
+                        <a:headEnd/>
+                        <a:tailEnd/>
+                      </a:ln>
+                      <a:extLst>
+                        <a:ext uri="{909E8E84-426E-40DD-AFC4-6F175D3DCCD1}">
+                          <a14:hiddenFill xmlns:a14="http://schemas.microsoft.com/office/drawing/2010/main">
+                            <a:solidFill>
+                              <a:srgbClr val="FFFFFF"/>
+                            </a:solidFill>
+                          </a14:hiddenFill>
+                        </a:ext>
+                      </a:extLst>
+                    </p:spPr>
+                  </p:pic>
+                </p:oleObj>
+              </mc:Fallback>
+            </mc:AlternateContent>
           </a:graphicData>
         </a:graphic>
       </p:graphicFrame>
@@ -24963,9 +25032,67 @@
         </p:xfrm>
         <a:graphic>
           <a:graphicData uri="http://schemas.openxmlformats.org/presentationml/2006/ole">
-            <p:oleObj spid="_x0000_s5123" name="Equation" r:id="rId4" imgW="1599840" imgH="2532240" progId="Equation.3">
-              <p:embed/>
-            </p:oleObj>
+            <mc:AlternateContent xmlns:mc="http://schemas.openxmlformats.org/markup-compatibility/2006">
+              <mc:Choice xmlns:v="urn:schemas-microsoft-com:vml" Requires="v">
+                <p:oleObj spid="_x0000_s5123" name="Equation" r:id="rId4" imgW="1599840" imgH="2532240" progId="Equation.3">
+                  <p:embed/>
+                </p:oleObj>
+              </mc:Choice>
+              <mc:Fallback>
+                <p:oleObj name="Equation" r:id="rId4" imgW="1599840" imgH="2532240" progId="Equation.3">
+                  <p:embed/>
+                  <p:pic>
+                    <p:nvPicPr>
+                      <p:cNvPr id="0" name="Picture 3"/>
+                      <p:cNvPicPr>
+                        <a:picLocks noChangeAspect="1" noChangeArrowheads="1"/>
+                      </p:cNvPicPr>
+                      <p:nvPr/>
+                    </p:nvPicPr>
+                    <p:blipFill>
+                      <a:blip r:embed="rId5">
+                        <a:extLst>
+                          <a:ext uri="{28A0092B-C50C-407E-A947-70E740481C1C}">
+                            <a14:useLocalDpi xmlns:a14="http://schemas.microsoft.com/office/drawing/2010/main" val="0"/>
+                          </a:ext>
+                        </a:extLst>
+                      </a:blip>
+                      <a:srcRect/>
+                      <a:stretch>
+                        <a:fillRect/>
+                      </a:stretch>
+                    </p:blipFill>
+                    <p:spPr bwMode="auto">
+                      <a:xfrm>
+                        <a:off x="4978400" y="1625600"/>
+                        <a:ext cx="2946400" cy="4648200"/>
+                      </a:xfrm>
+                      <a:prstGeom prst="rect">
+                        <a:avLst/>
+                      </a:prstGeom>
+                      <a:noFill/>
+                      <a:ln w="9525">
+                        <a:solidFill>
+                          <a:srgbClr val="000000"/>
+                        </a:solidFill>
+                        <a:miter lim="800000"/>
+                        <a:headEnd/>
+                        <a:tailEnd/>
+                      </a:ln>
+                      <a:extLst>
+                        <a:ext uri="{909E8E84-426E-40DD-AFC4-6F175D3DCCD1}">
+                          <a14:hiddenFill xmlns:a14="http://schemas.microsoft.com/office/drawing/2010/main">
+                            <a:solidFill>
+                              <a:srgbClr val="FFFFFF"/>
+                            </a:solidFill>
+                          </a14:hiddenFill>
+                        </a:ext>
+                      </a:extLst>
+                    </p:spPr>
+                  </p:pic>
+                </p:oleObj>
+              </mc:Fallback>
+            </mc:AlternateContent>
           </a:graphicData>
         </a:graphic>
       </p:graphicFrame>
@@ -24974,13 +25101,6 @@
   <p:clrMapOvr>
     <a:masterClrMapping/>
   </p:clrMapOvr>
-  <p:timing>
-    <p:tnLst>
-      <p:par>
-        <p:cTn id="1" dur="indefinite" restart="never" nodeType="tmRoot"/>
-      </p:par>
-    </p:tnLst>
-  </p:timing>
 </p:sld>
 </file>
 
@@ -25019,14 +25139,13 @@
           <a:lstStyle/>
           <a:p>
             <a:r>
-              <a:rPr lang="en-US" dirty="0" err="1" smtClean="0"/>
+              <a:rPr lang="en-US" dirty="0" err="1"/>
               <a:t>tanh</a:t>
             </a:r>
             <a:r>
-              <a:rPr lang="en-US" dirty="0" smtClean="0"/>
+              <a:rPr lang="en-US" dirty="0"/>
               <a:t> Activation</a:t>
             </a:r>
-            <a:endParaRPr lang="en-US" dirty="0"/>
           </a:p>
         </p:txBody>
       </p:sp>
@@ -25039,7 +25158,7 @@
           <p:nvPr/>
         </p:nvPicPr>
         <p:blipFill>
-          <a:blip r:embed="rId3"/>
+          <a:blip r:embed="rId2"/>
           <a:stretch>
             <a:fillRect/>
           </a:stretch>
@@ -25068,9 +25187,59 @@
         </p:xfrm>
         <a:graphic>
           <a:graphicData uri="http://schemas.openxmlformats.org/presentationml/2006/ole">
-            <p:oleObj spid="_x0000_s6146" name="Equation" r:id="rId4" imgW="1180800" imgH="419040" progId="Equation.3">
-              <p:embed/>
-            </p:oleObj>
+            <mc:AlternateContent xmlns:mc="http://schemas.openxmlformats.org/markup-compatibility/2006">
+              <mc:Choice xmlns:v="urn:schemas-microsoft-com:vml" Requires="v">
+                <p:oleObj spid="_x0000_s6146" name="Equation" r:id="rId3" imgW="1180800" imgH="419040" progId="Equation.3">
+                  <p:embed/>
+                </p:oleObj>
+              </mc:Choice>
+              <mc:Fallback>
+                <p:oleObj name="Equation" r:id="rId3" imgW="1180800" imgH="419040" progId="Equation.3">
+                  <p:embed/>
+                  <p:pic>
+                    <p:nvPicPr>
+                      <p:cNvPr id="0" name="Picture 2"/>
+                      <p:cNvPicPr>
+                        <a:picLocks noChangeAspect="1" noChangeArrowheads="1"/>
+                      </p:cNvPicPr>
+                      <p:nvPr/>
+                    </p:nvPicPr>
+                    <p:blipFill>
+                      <a:blip r:embed="rId4">
+                        <a:extLst>
+                          <a:ext uri="{28A0092B-C50C-407E-A947-70E740481C1C}">
+                            <a14:useLocalDpi xmlns:a14="http://schemas.microsoft.com/office/drawing/2010/main" val="0"/>
+                          </a:ext>
+                        </a:extLst>
+                      </a:blip>
+                      <a:srcRect/>
+                      <a:stretch>
+                        <a:fillRect/>
+                      </a:stretch>
+                    </p:blipFill>
+                    <p:spPr bwMode="auto">
+                      <a:xfrm>
+                        <a:off x="2755900" y="5080000"/>
+                        <a:ext cx="2270125" cy="814388"/>
+                      </a:xfrm>
+                      <a:prstGeom prst="rect">
+                        <a:avLst/>
+                      </a:prstGeom>
+                      <a:noFill/>
+                      <a:extLst>
+                        <a:ext uri="{909E8E84-426E-40DD-AFC4-6F175D3DCCD1}">
+                          <a14:hiddenFill xmlns:a14="http://schemas.microsoft.com/office/drawing/2010/main">
+                            <a:solidFill>
+                              <a:srgbClr val="FFFFFF"/>
+                            </a:solidFill>
+                          </a14:hiddenFill>
+                        </a:ext>
+                      </a:extLst>
+                    </p:spPr>
+                  </p:pic>
+                </p:oleObj>
+              </mc:Fallback>
+            </mc:AlternateContent>
           </a:graphicData>
         </a:graphic>
       </p:graphicFrame>
@@ -25079,13 +25248,6 @@
   <p:clrMapOvr>
     <a:masterClrMapping/>
   </p:clrMapOvr>
-  <p:timing>
-    <p:tnLst>
-      <p:par>
-        <p:cTn id="1" dur="indefinite" restart="never" nodeType="tmRoot"/>
-      </p:par>
-    </p:tnLst>
-  </p:timing>
 </p:sld>
 </file>
 
@@ -25124,14 +25286,13 @@
           <a:lstStyle/>
           <a:p>
             <a:r>
-              <a:rPr lang="en-US" dirty="0" err="1" smtClean="0"/>
+              <a:rPr lang="en-US" dirty="0" err="1"/>
               <a:t>tanh</a:t>
             </a:r>
             <a:r>
-              <a:rPr lang="en-US" dirty="0" smtClean="0"/>
+              <a:rPr lang="en-US" dirty="0"/>
               <a:t> Activation  </a:t>
             </a:r>
-            <a:endParaRPr lang="en-US" dirty="0"/>
           </a:p>
         </p:txBody>
       </p:sp>
@@ -25151,34 +25312,33 @@
           <a:lstStyle/>
           <a:p>
             <a:r>
-              <a:rPr lang="en-US" dirty="0" err="1" smtClean="0"/>
+              <a:rPr lang="en-US" dirty="0" err="1"/>
               <a:t>tanh</a:t>
             </a:r>
             <a:r>
-              <a:rPr lang="en-US" dirty="0" smtClean="0"/>
+              <a:rPr lang="en-US" dirty="0"/>
               <a:t>(Z) ~ 1 – For Z &gt;&gt; 0 </a:t>
             </a:r>
           </a:p>
           <a:p>
             <a:r>
-              <a:rPr lang="en-US" dirty="0" err="1" smtClean="0"/>
+              <a:rPr lang="en-US" dirty="0" err="1"/>
               <a:t>tanh</a:t>
             </a:r>
             <a:r>
-              <a:rPr lang="en-US" dirty="0" smtClean="0"/>
+              <a:rPr lang="en-US" dirty="0"/>
               <a:t>(Z) ~ -1 – For Z &lt;&lt; 0 </a:t>
             </a:r>
           </a:p>
           <a:p>
             <a:r>
-              <a:rPr lang="en-US" dirty="0" err="1" smtClean="0"/>
+              <a:rPr lang="en-US" dirty="0" err="1"/>
               <a:t>tanh</a:t>
             </a:r>
             <a:r>
-              <a:rPr lang="en-US" dirty="0" smtClean="0"/>
+              <a:rPr lang="en-US" dirty="0"/>
               <a:t>(Z) = 0 – For Z = 0</a:t>
             </a:r>
-            <a:endParaRPr lang="en-US" dirty="0"/>
           </a:p>
         </p:txBody>
       </p:sp>
@@ -25187,13 +25347,6 @@
   <p:clrMapOvr>
     <a:masterClrMapping/>
   </p:clrMapOvr>
-  <p:timing>
-    <p:tnLst>
-      <p:par>
-        <p:cTn id="1" dur="indefinite" restart="never" nodeType="tmRoot"/>
-      </p:par>
-    </p:tnLst>
-  </p:timing>
 </p:sld>
 </file>
 
@@ -25232,14 +25385,13 @@
           <a:lstStyle/>
           <a:p>
             <a:r>
-              <a:rPr lang="en-US" dirty="0" err="1" smtClean="0"/>
+              <a:rPr lang="en-US" dirty="0" err="1"/>
               <a:t>tanh</a:t>
             </a:r>
             <a:r>
-              <a:rPr lang="en-US" dirty="0" smtClean="0"/>
+              <a:rPr lang="en-US" dirty="0"/>
               <a:t> Activation </a:t>
             </a:r>
-            <a:endParaRPr lang="en-US" dirty="0"/>
           </a:p>
         </p:txBody>
       </p:sp>
@@ -25264,37 +25416,37 @@
           <a:lstStyle/>
           <a:p>
             <a:r>
-              <a:rPr lang="en-US" dirty="0" smtClean="0"/>
+              <a:rPr lang="en-US" dirty="0"/>
               <a:t>Zero mean </a:t>
             </a:r>
           </a:p>
           <a:p>
             <a:r>
-              <a:rPr lang="en-US" dirty="0" smtClean="0"/>
+              <a:rPr lang="en-US" dirty="0"/>
               <a:t>Range – -1.0 to +1.0 </a:t>
             </a:r>
           </a:p>
           <a:p>
             <a:r>
-              <a:rPr lang="en-US" dirty="0" smtClean="0"/>
+              <a:rPr lang="en-US" dirty="0"/>
               <a:t>Scaled and zero mean Sigmoid function</a:t>
             </a:r>
           </a:p>
           <a:p>
             <a:r>
-              <a:rPr lang="en-US" dirty="0" smtClean="0"/>
+              <a:rPr lang="en-US" dirty="0"/>
               <a:t>Better than Sigmoid activation function</a:t>
             </a:r>
           </a:p>
           <a:p>
             <a:r>
-              <a:rPr lang="en-US" dirty="0" smtClean="0"/>
+              <a:rPr lang="en-US" dirty="0"/>
               <a:t>Neural network</a:t>
             </a:r>
           </a:p>
           <a:p>
             <a:r>
-              <a:rPr lang="en-US" dirty="0" smtClean="0"/>
+              <a:rPr lang="en-US" dirty="0"/>
               <a:t>Recurrent neural network</a:t>
             </a:r>
           </a:p>
@@ -25308,13 +25460,6 @@
   <p:clrMapOvr>
     <a:masterClrMapping/>
   </p:clrMapOvr>
-  <p:timing>
-    <p:tnLst>
-      <p:par>
-        <p:cTn id="1" dur="indefinite" restart="never" nodeType="tmRoot"/>
-      </p:par>
-    </p:tnLst>
-  </p:timing>
 </p:sld>
 </file>
 
@@ -25353,10 +25498,9 @@
           <a:lstStyle/>
           <a:p>
             <a:r>
-              <a:rPr lang="en-US" dirty="0" smtClean="0"/>
+              <a:rPr lang="en-US" dirty="0"/>
               <a:t>Sigmoid Function</a:t>
             </a:r>
-            <a:endParaRPr lang="en-US" dirty="0"/>
           </a:p>
         </p:txBody>
       </p:sp>
@@ -25374,9 +25518,59 @@
         </p:xfrm>
         <a:graphic>
           <a:graphicData uri="http://schemas.openxmlformats.org/presentationml/2006/ole">
-            <p:oleObj spid="_x0000_s13314" name="Equation" r:id="rId3" imgW="876240" imgH="393480" progId="Equation.3">
-              <p:embed/>
-            </p:oleObj>
+            <mc:AlternateContent xmlns:mc="http://schemas.openxmlformats.org/markup-compatibility/2006">
+              <mc:Choice xmlns:v="urn:schemas-microsoft-com:vml" Requires="v">
+                <p:oleObj spid="_x0000_s13314" name="Equation" r:id="rId2" imgW="876240" imgH="393480" progId="Equation.3">
+                  <p:embed/>
+                </p:oleObj>
+              </mc:Choice>
+              <mc:Fallback>
+                <p:oleObj name="Equation" r:id="rId2" imgW="876240" imgH="393480" progId="Equation.3">
+                  <p:embed/>
+                  <p:pic>
+                    <p:nvPicPr>
+                      <p:cNvPr id="0" name="Picture 2"/>
+                      <p:cNvPicPr>
+                        <a:picLocks noChangeAspect="1" noChangeArrowheads="1"/>
+                      </p:cNvPicPr>
+                      <p:nvPr/>
+                    </p:nvPicPr>
+                    <p:blipFill>
+                      <a:blip r:embed="rId3">
+                        <a:extLst>
+                          <a:ext uri="{28A0092B-C50C-407E-A947-70E740481C1C}">
+                            <a14:useLocalDpi xmlns:a14="http://schemas.microsoft.com/office/drawing/2010/main" val="0"/>
+                          </a:ext>
+                        </a:extLst>
+                      </a:blip>
+                      <a:srcRect/>
+                      <a:stretch>
+                        <a:fillRect/>
+                      </a:stretch>
+                    </p:blipFill>
+                    <p:spPr bwMode="auto">
+                      <a:xfrm>
+                        <a:off x="3505200" y="5027612"/>
+                        <a:ext cx="1684337" cy="763588"/>
+                      </a:xfrm>
+                      <a:prstGeom prst="rect">
+                        <a:avLst/>
+                      </a:prstGeom>
+                      <a:noFill/>
+                      <a:extLst>
+                        <a:ext uri="{909E8E84-426E-40DD-AFC4-6F175D3DCCD1}">
+                          <a14:hiddenFill xmlns:a14="http://schemas.microsoft.com/office/drawing/2010/main">
+                            <a:solidFill>
+                              <a:srgbClr val="FFFFFF"/>
+                            </a:solidFill>
+                          </a14:hiddenFill>
+                        </a:ext>
+                      </a:extLst>
+                    </p:spPr>
+                  </p:pic>
+                </p:oleObj>
+              </mc:Fallback>
+            </mc:AlternateContent>
           </a:graphicData>
         </a:graphic>
       </p:graphicFrame>
@@ -25412,13 +25606,6 @@
   <p:clrMapOvr>
     <a:masterClrMapping/>
   </p:clrMapOvr>
-  <p:timing>
-    <p:tnLst>
-      <p:par>
-        <p:cTn id="1" dur="indefinite" restart="never" nodeType="tmRoot"/>
-      </p:par>
-    </p:tnLst>
-  </p:timing>
 </p:sld>
 </file>
 
@@ -25457,14 +25644,13 @@
           <a:lstStyle/>
           <a:p>
             <a:r>
-              <a:rPr lang="en-US" dirty="0" err="1" smtClean="0"/>
+              <a:rPr lang="en-US" dirty="0" err="1"/>
               <a:t>tanh</a:t>
             </a:r>
             <a:r>
-              <a:rPr lang="en-US" dirty="0" smtClean="0"/>
+              <a:rPr lang="en-US" dirty="0"/>
               <a:t> Activation  </a:t>
             </a:r>
-            <a:endParaRPr lang="en-US" dirty="0"/>
           </a:p>
         </p:txBody>
       </p:sp>
@@ -25482,9 +25668,59 @@
         </p:xfrm>
         <a:graphic>
           <a:graphicData uri="http://schemas.openxmlformats.org/presentationml/2006/ole">
-            <p:oleObj spid="_x0000_s7170" name="Equation" r:id="rId3" imgW="1244520" imgH="419040" progId="Equation.3">
-              <p:embed/>
-            </p:oleObj>
+            <mc:AlternateContent xmlns:mc="http://schemas.openxmlformats.org/markup-compatibility/2006">
+              <mc:Choice xmlns:v="urn:schemas-microsoft-com:vml" Requires="v">
+                <p:oleObj spid="_x0000_s7170" name="Equation" r:id="rId2" imgW="1244520" imgH="419040" progId="Equation.3">
+                  <p:embed/>
+                </p:oleObj>
+              </mc:Choice>
+              <mc:Fallback>
+                <p:oleObj name="Equation" r:id="rId2" imgW="1244520" imgH="419040" progId="Equation.3">
+                  <p:embed/>
+                  <p:pic>
+                    <p:nvPicPr>
+                      <p:cNvPr id="0" name="Picture 2"/>
+                      <p:cNvPicPr>
+                        <a:picLocks noChangeAspect="1" noChangeArrowheads="1"/>
+                      </p:cNvPicPr>
+                      <p:nvPr/>
+                    </p:nvPicPr>
+                    <p:blipFill>
+                      <a:blip r:embed="rId3">
+                        <a:extLst>
+                          <a:ext uri="{28A0092B-C50C-407E-A947-70E740481C1C}">
+                            <a14:useLocalDpi xmlns:a14="http://schemas.microsoft.com/office/drawing/2010/main" val="0"/>
+                          </a:ext>
+                        </a:extLst>
+                      </a:blip>
+                      <a:srcRect/>
+                      <a:stretch>
+                        <a:fillRect/>
+                      </a:stretch>
+                    </p:blipFill>
+                    <p:spPr bwMode="auto">
+                      <a:xfrm>
+                        <a:off x="930275" y="1600200"/>
+                        <a:ext cx="2390775" cy="814388"/>
+                      </a:xfrm>
+                      <a:prstGeom prst="rect">
+                        <a:avLst/>
+                      </a:prstGeom>
+                      <a:noFill/>
+                      <a:extLst>
+                        <a:ext uri="{909E8E84-426E-40DD-AFC4-6F175D3DCCD1}">
+                          <a14:hiddenFill xmlns:a14="http://schemas.microsoft.com/office/drawing/2010/main">
+                            <a:solidFill>
+                              <a:srgbClr val="FFFFFF"/>
+                            </a:solidFill>
+                          </a14:hiddenFill>
+                        </a:ext>
+                      </a:extLst>
+                    </p:spPr>
+                  </p:pic>
+                </p:oleObj>
+              </mc:Fallback>
+            </mc:AlternateContent>
           </a:graphicData>
         </a:graphic>
       </p:graphicFrame>
@@ -25502,9 +25738,59 @@
         </p:xfrm>
         <a:graphic>
           <a:graphicData uri="http://schemas.openxmlformats.org/presentationml/2006/ole">
-            <p:oleObj spid="_x0000_s7171" name="Equation" r:id="rId4" imgW="1574640" imgH="393480" progId="Equation.3">
-              <p:embed/>
-            </p:oleObj>
+            <mc:AlternateContent xmlns:mc="http://schemas.openxmlformats.org/markup-compatibility/2006">
+              <mc:Choice xmlns:v="urn:schemas-microsoft-com:vml" Requires="v">
+                <p:oleObj spid="_x0000_s7171" name="Equation" r:id="rId4" imgW="1574640" imgH="393480" progId="Equation.3">
+                  <p:embed/>
+                </p:oleObj>
+              </mc:Choice>
+              <mc:Fallback>
+                <p:oleObj name="Equation" r:id="rId4" imgW="1574640" imgH="393480" progId="Equation.3">
+                  <p:embed/>
+                  <p:pic>
+                    <p:nvPicPr>
+                      <p:cNvPr id="0" name="Picture 3"/>
+                      <p:cNvPicPr>
+                        <a:picLocks noChangeAspect="1" noChangeArrowheads="1"/>
+                      </p:cNvPicPr>
+                      <p:nvPr/>
+                    </p:nvPicPr>
+                    <p:blipFill>
+                      <a:blip r:embed="rId5">
+                        <a:extLst>
+                          <a:ext uri="{28A0092B-C50C-407E-A947-70E740481C1C}">
+                            <a14:useLocalDpi xmlns:a14="http://schemas.microsoft.com/office/drawing/2010/main" val="0"/>
+                          </a:ext>
+                        </a:extLst>
+                      </a:blip>
+                      <a:srcRect/>
+                      <a:stretch>
+                        <a:fillRect/>
+                      </a:stretch>
+                    </p:blipFill>
+                    <p:spPr bwMode="auto">
+                      <a:xfrm>
+                        <a:off x="973138" y="2714625"/>
+                        <a:ext cx="3025775" cy="765175"/>
+                      </a:xfrm>
+                      <a:prstGeom prst="rect">
+                        <a:avLst/>
+                      </a:prstGeom>
+                      <a:noFill/>
+                      <a:extLst>
+                        <a:ext uri="{909E8E84-426E-40DD-AFC4-6F175D3DCCD1}">
+                          <a14:hiddenFill xmlns:a14="http://schemas.microsoft.com/office/drawing/2010/main">
+                            <a:solidFill>
+                              <a:srgbClr val="FFFFFF"/>
+                            </a:solidFill>
+                          </a14:hiddenFill>
+                        </a:ext>
+                      </a:extLst>
+                    </p:spPr>
+                  </p:pic>
+                </p:oleObj>
+              </mc:Fallback>
+            </mc:AlternateContent>
           </a:graphicData>
         </a:graphic>
       </p:graphicFrame>
@@ -25513,13 +25799,6 @@
   <p:clrMapOvr>
     <a:masterClrMapping/>
   </p:clrMapOvr>
-  <p:timing>
-    <p:tnLst>
-      <p:par>
-        <p:cTn id="1" dur="indefinite" restart="never" nodeType="tmRoot"/>
-      </p:par>
-    </p:tnLst>
-  </p:timing>
 </p:sld>
 </file>
 
@@ -25558,14 +25837,13 @@
           <a:lstStyle/>
           <a:p>
             <a:r>
-              <a:rPr lang="en-US" dirty="0" err="1" smtClean="0"/>
+              <a:rPr lang="en-US" dirty="0" err="1"/>
               <a:t>ReLU</a:t>
             </a:r>
             <a:r>
-              <a:rPr lang="en-US" dirty="0" smtClean="0"/>
+              <a:rPr lang="en-US" dirty="0"/>
               <a:t> Activation</a:t>
             </a:r>
-            <a:endParaRPr lang="en-US" dirty="0"/>
           </a:p>
         </p:txBody>
       </p:sp>
@@ -25578,7 +25856,7 @@
           <p:nvPr/>
         </p:nvPicPr>
         <p:blipFill>
-          <a:blip r:embed="rId3"/>
+          <a:blip r:embed="rId2"/>
           <a:stretch>
             <a:fillRect/>
           </a:stretch>
@@ -25610,9 +25888,59 @@
         </p:xfrm>
         <a:graphic>
           <a:graphicData uri="http://schemas.openxmlformats.org/presentationml/2006/ole">
-            <p:oleObj spid="_x0000_s8194" name="Equation" r:id="rId4" imgW="1422360" imgH="203040" progId="Equation.3">
-              <p:embed/>
-            </p:oleObj>
+            <mc:AlternateContent xmlns:mc="http://schemas.openxmlformats.org/markup-compatibility/2006">
+              <mc:Choice xmlns:v="urn:schemas-microsoft-com:vml" Requires="v">
+                <p:oleObj spid="_x0000_s8194" name="Equation" r:id="rId3" imgW="1422360" imgH="203040" progId="Equation.3">
+                  <p:embed/>
+                </p:oleObj>
+              </mc:Choice>
+              <mc:Fallback>
+                <p:oleObj name="Equation" r:id="rId3" imgW="1422360" imgH="203040" progId="Equation.3">
+                  <p:embed/>
+                  <p:pic>
+                    <p:nvPicPr>
+                      <p:cNvPr id="0" name="Picture 2"/>
+                      <p:cNvPicPr>
+                        <a:picLocks noChangeAspect="1" noChangeArrowheads="1"/>
+                      </p:cNvPicPr>
+                      <p:nvPr/>
+                    </p:nvPicPr>
+                    <p:blipFill>
+                      <a:blip r:embed="rId4">
+                        <a:extLst>
+                          <a:ext uri="{28A0092B-C50C-407E-A947-70E740481C1C}">
+                            <a14:useLocalDpi xmlns:a14="http://schemas.microsoft.com/office/drawing/2010/main" val="0"/>
+                          </a:ext>
+                        </a:extLst>
+                      </a:blip>
+                      <a:srcRect/>
+                      <a:stretch>
+                        <a:fillRect/>
+                      </a:stretch>
+                    </p:blipFill>
+                    <p:spPr bwMode="auto">
+                      <a:xfrm>
+                        <a:off x="3208337" y="5410200"/>
+                        <a:ext cx="2735263" cy="393700"/>
+                      </a:xfrm>
+                      <a:prstGeom prst="rect">
+                        <a:avLst/>
+                      </a:prstGeom>
+                      <a:noFill/>
+                      <a:extLst>
+                        <a:ext uri="{909E8E84-426E-40DD-AFC4-6F175D3DCCD1}">
+                          <a14:hiddenFill xmlns:a14="http://schemas.microsoft.com/office/drawing/2010/main">
+                            <a:solidFill>
+                              <a:srgbClr val="FFFFFF"/>
+                            </a:solidFill>
+                          </a14:hiddenFill>
+                        </a:ext>
+                      </a:extLst>
+                    </p:spPr>
+                  </p:pic>
+                </p:oleObj>
+              </mc:Fallback>
+            </mc:AlternateContent>
           </a:graphicData>
         </a:graphic>
       </p:graphicFrame>
@@ -25621,13 +25949,6 @@
   <p:clrMapOvr>
     <a:masterClrMapping/>
   </p:clrMapOvr>
-  <p:timing>
-    <p:tnLst>
-      <p:par>
-        <p:cTn id="1" dur="indefinite" restart="never" nodeType="tmRoot"/>
-      </p:par>
-    </p:tnLst>
-  </p:timing>
 </p:sld>
 </file>
 
@@ -25666,14 +25987,13 @@
           <a:lstStyle/>
           <a:p>
             <a:r>
-              <a:rPr lang="en-US" dirty="0" err="1" smtClean="0"/>
+              <a:rPr lang="en-US" dirty="0" err="1"/>
               <a:t>ReLU</a:t>
             </a:r>
             <a:r>
-              <a:rPr lang="en-US" dirty="0" smtClean="0"/>
+              <a:rPr lang="en-US" dirty="0"/>
               <a:t> Activation</a:t>
             </a:r>
-            <a:endParaRPr lang="en-US" dirty="0"/>
           </a:p>
         </p:txBody>
       </p:sp>
@@ -25693,35 +26013,35 @@
           <a:lstStyle/>
           <a:p>
             <a:r>
-              <a:rPr lang="en-US" dirty="0" err="1" smtClean="0"/>
+              <a:rPr lang="en-US" dirty="0" err="1"/>
               <a:t>ReLU</a:t>
             </a:r>
             <a:r>
-              <a:rPr lang="en-US" dirty="0" smtClean="0"/>
+              <a:rPr lang="en-US" dirty="0"/>
               <a:t>(Z) ~ Z – For Z &gt; 0 </a:t>
             </a:r>
           </a:p>
           <a:p>
             <a:r>
-              <a:rPr lang="en-US" dirty="0" err="1" smtClean="0"/>
+              <a:rPr lang="en-US" dirty="0" err="1"/>
               <a:t>ReLU</a:t>
             </a:r>
             <a:r>
-              <a:rPr lang="en-US" dirty="0" smtClean="0"/>
+              <a:rPr lang="en-US" dirty="0"/>
               <a:t>(Z) ~ 0 – For Z &lt; 0 </a:t>
             </a:r>
           </a:p>
           <a:p>
             <a:r>
-              <a:rPr lang="en-US" dirty="0" err="1" smtClean="0"/>
+              <a:rPr lang="en-US" dirty="0" err="1"/>
               <a:t>ReLU</a:t>
             </a:r>
             <a:r>
-              <a:rPr lang="en-US" dirty="0" smtClean="0"/>
+              <a:rPr lang="en-US" dirty="0"/>
               <a:t>(Z) = </a:t>
             </a:r>
             <a:r>
-              <a:rPr lang="en-US" dirty="0" smtClean="0">
+              <a:rPr lang="en-US" dirty="0">
                 <a:solidFill>
                   <a:srgbClr val="FF0000"/>
                 </a:solidFill>
@@ -25729,12 +26049,12 @@
               <a:t>?</a:t>
             </a:r>
             <a:r>
-              <a:rPr lang="en-US" dirty="0" smtClean="0"/>
+              <a:rPr lang="en-US" dirty="0"/>
               <a:t> – For Z = 0</a:t>
             </a:r>
           </a:p>
           <a:p>
-            <a:endParaRPr lang="en-US" dirty="0" smtClean="0"/>
+            <a:endParaRPr lang="en-US" dirty="0"/>
           </a:p>
           <a:p>
             <a:endParaRPr lang="en-US" dirty="0"/>
@@ -25746,13 +26066,6 @@
   <p:clrMapOvr>
     <a:masterClrMapping/>
   </p:clrMapOvr>
-  <p:timing>
-    <p:tnLst>
-      <p:par>
-        <p:cTn id="1" dur="indefinite" restart="never" nodeType="tmRoot"/>
-      </p:par>
-    </p:tnLst>
-  </p:timing>
 </p:sld>
 </file>
 
@@ -25791,14 +26104,13 @@
           <a:lstStyle/>
           <a:p>
             <a:r>
-              <a:rPr lang="en-US" dirty="0" err="1" smtClean="0"/>
+              <a:rPr lang="en-US" dirty="0" err="1"/>
               <a:t>ReLU</a:t>
             </a:r>
             <a:r>
-              <a:rPr lang="en-US" dirty="0" smtClean="0"/>
+              <a:rPr lang="en-US" dirty="0"/>
               <a:t> Activation</a:t>
             </a:r>
-            <a:endParaRPr lang="en-US" dirty="0"/>
           </a:p>
         </p:txBody>
       </p:sp>
@@ -25818,18 +26130,18 @@
           <a:lstStyle/>
           <a:p>
             <a:r>
-              <a:rPr lang="en-US" dirty="0" smtClean="0"/>
+              <a:rPr lang="en-US" dirty="0"/>
               <a:t>Neural network </a:t>
             </a:r>
           </a:p>
           <a:p>
             <a:r>
-              <a:rPr lang="en-US" dirty="0" smtClean="0"/>
+              <a:rPr lang="en-US" dirty="0"/>
               <a:t>Convolutional neural network</a:t>
             </a:r>
           </a:p>
           <a:p>
-            <a:endParaRPr lang="en-US" dirty="0" smtClean="0"/>
+            <a:endParaRPr lang="en-US" dirty="0"/>
           </a:p>
           <a:p>
             <a:endParaRPr lang="en-US" dirty="0"/>
@@ -25841,13 +26153,6 @@
   <p:clrMapOvr>
     <a:masterClrMapping/>
   </p:clrMapOvr>
-  <p:timing>
-    <p:tnLst>
-      <p:par>
-        <p:cTn id="1" dur="indefinite" restart="never" nodeType="tmRoot"/>
-      </p:par>
-    </p:tnLst>
-  </p:timing>
 </p:sld>
 </file>
 
@@ -25886,14 +26191,13 @@
           <a:lstStyle/>
           <a:p>
             <a:r>
-              <a:rPr lang="en-US" dirty="0" err="1" smtClean="0"/>
+              <a:rPr lang="en-US" dirty="0" err="1"/>
               <a:t>ReLU</a:t>
             </a:r>
             <a:r>
-              <a:rPr lang="en-US" dirty="0" smtClean="0"/>
+              <a:rPr lang="en-US" dirty="0"/>
               <a:t> Activation</a:t>
             </a:r>
-            <a:endParaRPr lang="en-US" dirty="0"/>
           </a:p>
         </p:txBody>
       </p:sp>
@@ -25911,9 +26215,59 @@
         </p:xfrm>
         <a:graphic>
           <a:graphicData uri="http://schemas.openxmlformats.org/presentationml/2006/ole">
-            <p:oleObj spid="_x0000_s9218" name="Equation" r:id="rId3" imgW="1422360" imgH="203040" progId="Equation.3">
-              <p:embed/>
-            </p:oleObj>
+            <mc:AlternateContent xmlns:mc="http://schemas.openxmlformats.org/markup-compatibility/2006">
+              <mc:Choice xmlns:v="urn:schemas-microsoft-com:vml" Requires="v">
+                <p:oleObj spid="_x0000_s9218" name="Equation" r:id="rId2" imgW="1422360" imgH="203040" progId="Equation.3">
+                  <p:embed/>
+                </p:oleObj>
+              </mc:Choice>
+              <mc:Fallback>
+                <p:oleObj name="Equation" r:id="rId2" imgW="1422360" imgH="203040" progId="Equation.3">
+                  <p:embed/>
+                  <p:pic>
+                    <p:nvPicPr>
+                      <p:cNvPr id="0" name="Picture 2"/>
+                      <p:cNvPicPr>
+                        <a:picLocks noChangeAspect="1" noChangeArrowheads="1"/>
+                      </p:cNvPicPr>
+                      <p:nvPr/>
+                    </p:nvPicPr>
+                    <p:blipFill>
+                      <a:blip r:embed="rId3">
+                        <a:extLst>
+                          <a:ext uri="{28A0092B-C50C-407E-A947-70E740481C1C}">
+                            <a14:useLocalDpi xmlns:a14="http://schemas.microsoft.com/office/drawing/2010/main" val="0"/>
+                          </a:ext>
+                        </a:extLst>
+                      </a:blip>
+                      <a:srcRect/>
+                      <a:stretch>
+                        <a:fillRect/>
+                      </a:stretch>
+                    </p:blipFill>
+                    <p:spPr bwMode="auto">
+                      <a:xfrm>
+                        <a:off x="760413" y="1809750"/>
+                        <a:ext cx="2732087" cy="393700"/>
+                      </a:xfrm>
+                      <a:prstGeom prst="rect">
+                        <a:avLst/>
+                      </a:prstGeom>
+                      <a:noFill/>
+                      <a:extLst>
+                        <a:ext uri="{909E8E84-426E-40DD-AFC4-6F175D3DCCD1}">
+                          <a14:hiddenFill xmlns:a14="http://schemas.microsoft.com/office/drawing/2010/main">
+                            <a:solidFill>
+                              <a:srgbClr val="FFFFFF"/>
+                            </a:solidFill>
+                          </a14:hiddenFill>
+                        </a:ext>
+                      </a:extLst>
+                    </p:spPr>
+                  </p:pic>
+                </p:oleObj>
+              </mc:Fallback>
+            </mc:AlternateContent>
           </a:graphicData>
         </a:graphic>
       </p:graphicFrame>
@@ -25931,9 +26285,59 @@
         </p:xfrm>
         <a:graphic>
           <a:graphicData uri="http://schemas.openxmlformats.org/presentationml/2006/ole">
-            <p:oleObj spid="_x0000_s9219" name="Equation" r:id="rId4" imgW="1562040" imgH="1218960" progId="Equation.3">
-              <p:embed/>
-            </p:oleObj>
+            <mc:AlternateContent xmlns:mc="http://schemas.openxmlformats.org/markup-compatibility/2006">
+              <mc:Choice xmlns:v="urn:schemas-microsoft-com:vml" Requires="v">
+                <p:oleObj spid="_x0000_s9219" name="Equation" r:id="rId4" imgW="1562040" imgH="1218960" progId="Equation.3">
+                  <p:embed/>
+                </p:oleObj>
+              </mc:Choice>
+              <mc:Fallback>
+                <p:oleObj name="Equation" r:id="rId4" imgW="1562040" imgH="1218960" progId="Equation.3">
+                  <p:embed/>
+                  <p:pic>
+                    <p:nvPicPr>
+                      <p:cNvPr id="0" name="Picture 3"/>
+                      <p:cNvPicPr>
+                        <a:picLocks noChangeAspect="1" noChangeArrowheads="1"/>
+                      </p:cNvPicPr>
+                      <p:nvPr/>
+                    </p:nvPicPr>
+                    <p:blipFill>
+                      <a:blip r:embed="rId5">
+                        <a:extLst>
+                          <a:ext uri="{28A0092B-C50C-407E-A947-70E740481C1C}">
+                            <a14:useLocalDpi xmlns:a14="http://schemas.microsoft.com/office/drawing/2010/main" val="0"/>
+                          </a:ext>
+                        </a:extLst>
+                      </a:blip>
+                      <a:srcRect/>
+                      <a:stretch>
+                        <a:fillRect/>
+                      </a:stretch>
+                    </p:blipFill>
+                    <p:spPr bwMode="auto">
+                      <a:xfrm>
+                        <a:off x="762000" y="2286000"/>
+                        <a:ext cx="3001963" cy="2370137"/>
+                      </a:xfrm>
+                      <a:prstGeom prst="rect">
+                        <a:avLst/>
+                      </a:prstGeom>
+                      <a:noFill/>
+                      <a:extLst>
+                        <a:ext uri="{909E8E84-426E-40DD-AFC4-6F175D3DCCD1}">
+                          <a14:hiddenFill xmlns:a14="http://schemas.microsoft.com/office/drawing/2010/main">
+                            <a:solidFill>
+                              <a:srgbClr val="FFFFFF"/>
+                            </a:solidFill>
+                          </a14:hiddenFill>
+                        </a:ext>
+                      </a:extLst>
+                    </p:spPr>
+                  </p:pic>
+                </p:oleObj>
+              </mc:Fallback>
+            </mc:AlternateContent>
           </a:graphicData>
         </a:graphic>
       </p:graphicFrame>
@@ -25942,13 +26346,6 @@
   <p:clrMapOvr>
     <a:masterClrMapping/>
   </p:clrMapOvr>
-  <p:timing>
-    <p:tnLst>
-      <p:par>
-        <p:cTn id="1" dur="indefinite" restart="never" nodeType="tmRoot"/>
-      </p:par>
-    </p:tnLst>
-  </p:timing>
 </p:sld>
 </file>
 
@@ -25987,18 +26384,17 @@
           <a:lstStyle/>
           <a:p>
             <a:r>
-              <a:rPr lang="en-US" dirty="0" smtClean="0"/>
+              <a:rPr lang="en-US" dirty="0"/>
               <a:t>Leaky </a:t>
             </a:r>
             <a:r>
-              <a:rPr lang="en-US" dirty="0" err="1" smtClean="0"/>
+              <a:rPr lang="en-US" dirty="0" err="1"/>
               <a:t>ReLU</a:t>
             </a:r>
             <a:r>
-              <a:rPr lang="en-US" dirty="0" smtClean="0"/>
+              <a:rPr lang="en-US" dirty="0"/>
               <a:t> Activation</a:t>
             </a:r>
-            <a:endParaRPr lang="en-US" dirty="0"/>
           </a:p>
         </p:txBody>
       </p:sp>
@@ -26016,9 +26412,59 @@
         </p:xfrm>
         <a:graphic>
           <a:graphicData uri="http://schemas.openxmlformats.org/presentationml/2006/ole">
-            <p:oleObj spid="_x0000_s10242" name="Equation" r:id="rId3" imgW="2298600" imgH="431640" progId="Equation.3">
-              <p:embed/>
-            </p:oleObj>
+            <mc:AlternateContent xmlns:mc="http://schemas.openxmlformats.org/markup-compatibility/2006">
+              <mc:Choice xmlns:v="urn:schemas-microsoft-com:vml" Requires="v">
+                <p:oleObj spid="_x0000_s10242" name="Equation" r:id="rId2" imgW="2298600" imgH="431640" progId="Equation.3">
+                  <p:embed/>
+                </p:oleObj>
+              </mc:Choice>
+              <mc:Fallback>
+                <p:oleObj name="Equation" r:id="rId2" imgW="2298600" imgH="431640" progId="Equation.3">
+                  <p:embed/>
+                  <p:pic>
+                    <p:nvPicPr>
+                      <p:cNvPr id="0" name="Picture 2"/>
+                      <p:cNvPicPr>
+                        <a:picLocks noChangeAspect="1" noChangeArrowheads="1"/>
+                      </p:cNvPicPr>
+                      <p:nvPr/>
+                    </p:nvPicPr>
+                    <p:blipFill>
+                      <a:blip r:embed="rId3">
+                        <a:extLst>
+                          <a:ext uri="{28A0092B-C50C-407E-A947-70E740481C1C}">
+                            <a14:useLocalDpi xmlns:a14="http://schemas.microsoft.com/office/drawing/2010/main" val="0"/>
+                          </a:ext>
+                        </a:extLst>
+                      </a:blip>
+                      <a:srcRect/>
+                      <a:stretch>
+                        <a:fillRect/>
+                      </a:stretch>
+                    </p:blipFill>
+                    <p:spPr bwMode="auto">
+                      <a:xfrm>
+                        <a:off x="2366963" y="5411788"/>
+                        <a:ext cx="4419600" cy="836612"/>
+                      </a:xfrm>
+                      <a:prstGeom prst="rect">
+                        <a:avLst/>
+                      </a:prstGeom>
+                      <a:noFill/>
+                      <a:extLst>
+                        <a:ext uri="{909E8E84-426E-40DD-AFC4-6F175D3DCCD1}">
+                          <a14:hiddenFill xmlns:a14="http://schemas.microsoft.com/office/drawing/2010/main">
+                            <a:solidFill>
+                              <a:srgbClr val="FFFFFF"/>
+                            </a:solidFill>
+                          </a14:hiddenFill>
+                        </a:ext>
+                      </a:extLst>
+                    </p:spPr>
+                  </p:pic>
+                </p:oleObj>
+              </mc:Fallback>
+            </mc:AlternateContent>
           </a:graphicData>
         </a:graphic>
       </p:graphicFrame>
@@ -26054,13 +26500,6 @@
   <p:clrMapOvr>
     <a:masterClrMapping/>
   </p:clrMapOvr>
-  <p:timing>
-    <p:tnLst>
-      <p:par>
-        <p:cTn id="1" dur="indefinite" restart="never" nodeType="tmRoot"/>
-      </p:par>
-    </p:tnLst>
-  </p:timing>
 </p:sld>
 </file>
 
@@ -26099,18 +26538,17 @@
           <a:lstStyle/>
           <a:p>
             <a:r>
-              <a:rPr lang="en-US" dirty="0" smtClean="0"/>
+              <a:rPr lang="en-US" dirty="0"/>
               <a:t>Leaky </a:t>
             </a:r>
             <a:r>
-              <a:rPr lang="en-US" dirty="0" err="1" smtClean="0"/>
+              <a:rPr lang="en-US" dirty="0" err="1"/>
               <a:t>ReLU</a:t>
             </a:r>
             <a:r>
-              <a:rPr lang="en-US" dirty="0" smtClean="0"/>
+              <a:rPr lang="en-US" dirty="0"/>
               <a:t> Activation</a:t>
             </a:r>
-            <a:endParaRPr lang="en-US" dirty="0"/>
           </a:p>
         </p:txBody>
       </p:sp>
@@ -26130,47 +26568,47 @@
           <a:lstStyle/>
           <a:p>
             <a:r>
-              <a:rPr lang="en-US" dirty="0" smtClean="0"/>
+              <a:rPr lang="en-US" dirty="0"/>
               <a:t>Leaky </a:t>
             </a:r>
             <a:r>
-              <a:rPr lang="en-US" dirty="0" err="1" smtClean="0"/>
+              <a:rPr lang="en-US" dirty="0" err="1"/>
               <a:t>ReLU</a:t>
             </a:r>
             <a:r>
-              <a:rPr lang="en-US" dirty="0" smtClean="0"/>
+              <a:rPr lang="en-US" dirty="0"/>
               <a:t>(Z) ~ Z – For Z &gt; 0 </a:t>
             </a:r>
           </a:p>
           <a:p>
             <a:r>
-              <a:rPr lang="en-US" dirty="0" smtClean="0"/>
+              <a:rPr lang="en-US" dirty="0"/>
               <a:t>Leaky </a:t>
             </a:r>
             <a:r>
-              <a:rPr lang="en-US" dirty="0" err="1" smtClean="0"/>
+              <a:rPr lang="en-US" dirty="0" err="1"/>
               <a:t>ReLU</a:t>
             </a:r>
             <a:r>
-              <a:rPr lang="en-US" dirty="0" smtClean="0"/>
+              <a:rPr lang="en-US" dirty="0"/>
               <a:t>(Z) ~ 0.01 * Z – For Z &lt; 0 </a:t>
             </a:r>
           </a:p>
           <a:p>
             <a:r>
-              <a:rPr lang="en-US" dirty="0" smtClean="0"/>
+              <a:rPr lang="en-US" dirty="0"/>
               <a:t>Leaky </a:t>
             </a:r>
             <a:r>
-              <a:rPr lang="en-US" dirty="0" err="1" smtClean="0"/>
+              <a:rPr lang="en-US" dirty="0" err="1"/>
               <a:t>ReLU</a:t>
             </a:r>
             <a:r>
-              <a:rPr lang="en-US" dirty="0" smtClean="0"/>
+              <a:rPr lang="en-US" dirty="0"/>
               <a:t>(Z) = </a:t>
             </a:r>
             <a:r>
-              <a:rPr lang="en-US" dirty="0" smtClean="0">
+              <a:rPr lang="en-US" dirty="0">
                 <a:solidFill>
                   <a:srgbClr val="FF0000"/>
                 </a:solidFill>
@@ -26178,12 +26616,12 @@
               <a:t>?</a:t>
             </a:r>
             <a:r>
-              <a:rPr lang="en-US" dirty="0" smtClean="0"/>
+              <a:rPr lang="en-US" dirty="0"/>
               <a:t> – For Z = 0</a:t>
             </a:r>
           </a:p>
           <a:p>
-            <a:endParaRPr lang="en-US" dirty="0" smtClean="0"/>
+            <a:endParaRPr lang="en-US" dirty="0"/>
           </a:p>
           <a:p>
             <a:endParaRPr lang="en-US" dirty="0"/>
@@ -26195,13 +26633,6 @@
   <p:clrMapOvr>
     <a:masterClrMapping/>
   </p:clrMapOvr>
-  <p:timing>
-    <p:tnLst>
-      <p:par>
-        <p:cTn id="1" dur="indefinite" restart="never" nodeType="tmRoot"/>
-      </p:par>
-    </p:tnLst>
-  </p:timing>
 </p:sld>
 </file>
 
@@ -26240,18 +26671,17 @@
           <a:lstStyle/>
           <a:p>
             <a:r>
-              <a:rPr lang="en-US" dirty="0" smtClean="0"/>
+              <a:rPr lang="en-US" dirty="0"/>
               <a:t>Leaky </a:t>
             </a:r>
             <a:r>
-              <a:rPr lang="en-US" dirty="0" err="1" smtClean="0"/>
+              <a:rPr lang="en-US" dirty="0" err="1"/>
               <a:t>ReLU</a:t>
             </a:r>
             <a:r>
-              <a:rPr lang="en-US" dirty="0" smtClean="0"/>
+              <a:rPr lang="en-US" dirty="0"/>
               <a:t> Activation</a:t>
             </a:r>
-            <a:endParaRPr lang="en-US" dirty="0"/>
           </a:p>
         </p:txBody>
       </p:sp>
@@ -26271,18 +26701,18 @@
           <a:lstStyle/>
           <a:p>
             <a:r>
-              <a:rPr lang="en-US" dirty="0" smtClean="0"/>
+              <a:rPr lang="en-US" dirty="0"/>
               <a:t>Neural network </a:t>
             </a:r>
           </a:p>
           <a:p>
             <a:r>
-              <a:rPr lang="en-US" dirty="0" smtClean="0"/>
+              <a:rPr lang="en-US" dirty="0"/>
               <a:t>Convolutional neural network</a:t>
             </a:r>
           </a:p>
           <a:p>
-            <a:endParaRPr lang="en-US" dirty="0" smtClean="0"/>
+            <a:endParaRPr lang="en-US" dirty="0"/>
           </a:p>
           <a:p>
             <a:endParaRPr lang="en-US" dirty="0"/>
@@ -26294,13 +26724,6 @@
   <p:clrMapOvr>
     <a:masterClrMapping/>
   </p:clrMapOvr>
-  <p:timing>
-    <p:tnLst>
-      <p:par>
-        <p:cTn id="1" dur="indefinite" restart="never" nodeType="tmRoot"/>
-      </p:par>
-    </p:tnLst>
-  </p:timing>
 </p:sld>
 </file>
 
@@ -26339,18 +26762,17 @@
           <a:lstStyle/>
           <a:p>
             <a:r>
-              <a:rPr lang="en-US" dirty="0" smtClean="0"/>
+              <a:rPr lang="en-US" dirty="0"/>
               <a:t>Leaky </a:t>
             </a:r>
             <a:r>
-              <a:rPr lang="en-US" dirty="0" err="1" smtClean="0"/>
+              <a:rPr lang="en-US" dirty="0" err="1"/>
               <a:t>ReLU</a:t>
             </a:r>
             <a:r>
-              <a:rPr lang="en-US" dirty="0" smtClean="0"/>
+              <a:rPr lang="en-US" dirty="0"/>
               <a:t> Activation</a:t>
             </a:r>
-            <a:endParaRPr lang="en-US" dirty="0"/>
           </a:p>
         </p:txBody>
       </p:sp>
@@ -26368,9 +26790,59 @@
         </p:xfrm>
         <a:graphic>
           <a:graphicData uri="http://schemas.openxmlformats.org/presentationml/2006/ole">
-            <p:oleObj spid="_x0000_s11266" name="Equation" r:id="rId3" imgW="2590560" imgH="203040" progId="Equation.3">
-              <p:embed/>
-            </p:oleObj>
+            <mc:AlternateContent xmlns:mc="http://schemas.openxmlformats.org/markup-compatibility/2006">
+              <mc:Choice xmlns:v="urn:schemas-microsoft-com:vml" Requires="v">
+                <p:oleObj spid="_x0000_s11266" name="Equation" r:id="rId2" imgW="2590560" imgH="203040" progId="Equation.3">
+                  <p:embed/>
+                </p:oleObj>
+              </mc:Choice>
+              <mc:Fallback>
+                <p:oleObj name="Equation" r:id="rId2" imgW="2590560" imgH="203040" progId="Equation.3">
+                  <p:embed/>
+                  <p:pic>
+                    <p:nvPicPr>
+                      <p:cNvPr id="0" name="Picture 2"/>
+                      <p:cNvPicPr>
+                        <a:picLocks noChangeAspect="1" noChangeArrowheads="1"/>
+                      </p:cNvPicPr>
+                      <p:nvPr/>
+                    </p:nvPicPr>
+                    <p:blipFill>
+                      <a:blip r:embed="rId3">
+                        <a:extLst>
+                          <a:ext uri="{28A0092B-C50C-407E-A947-70E740481C1C}">
+                            <a14:useLocalDpi xmlns:a14="http://schemas.microsoft.com/office/drawing/2010/main" val="0"/>
+                          </a:ext>
+                        </a:extLst>
+                      </a:blip>
+                      <a:srcRect/>
+                      <a:stretch>
+                        <a:fillRect/>
+                      </a:stretch>
+                    </p:blipFill>
+                    <p:spPr bwMode="auto">
+                      <a:xfrm>
+                        <a:off x="762000" y="1828800"/>
+                        <a:ext cx="4976813" cy="393700"/>
+                      </a:xfrm>
+                      <a:prstGeom prst="rect">
+                        <a:avLst/>
+                      </a:prstGeom>
+                      <a:noFill/>
+                      <a:extLst>
+                        <a:ext uri="{909E8E84-426E-40DD-AFC4-6F175D3DCCD1}">
+                          <a14:hiddenFill xmlns:a14="http://schemas.microsoft.com/office/drawing/2010/main">
+                            <a:solidFill>
+                              <a:srgbClr val="FFFFFF"/>
+                            </a:solidFill>
+                          </a14:hiddenFill>
+                        </a:ext>
+                      </a:extLst>
+                    </p:spPr>
+                  </p:pic>
+                </p:oleObj>
+              </mc:Fallback>
+            </mc:AlternateContent>
           </a:graphicData>
         </a:graphic>
       </p:graphicFrame>
@@ -26388,9 +26860,59 @@
         </p:xfrm>
         <a:graphic>
           <a:graphicData uri="http://schemas.openxmlformats.org/presentationml/2006/ole">
-            <p:oleObj spid="_x0000_s11267" name="Equation" r:id="rId4" imgW="1638000" imgH="1218960" progId="Equation.3">
-              <p:embed/>
-            </p:oleObj>
+            <mc:AlternateContent xmlns:mc="http://schemas.openxmlformats.org/markup-compatibility/2006">
+              <mc:Choice xmlns:v="urn:schemas-microsoft-com:vml" Requires="v">
+                <p:oleObj spid="_x0000_s11267" name="Equation" r:id="rId4" imgW="1638000" imgH="1218960" progId="Equation.3">
+                  <p:embed/>
+                </p:oleObj>
+              </mc:Choice>
+              <mc:Fallback>
+                <p:oleObj name="Equation" r:id="rId4" imgW="1638000" imgH="1218960" progId="Equation.3">
+                  <p:embed/>
+                  <p:pic>
+                    <p:nvPicPr>
+                      <p:cNvPr id="0" name="Picture 3"/>
+                      <p:cNvPicPr>
+                        <a:picLocks noChangeAspect="1" noChangeArrowheads="1"/>
+                      </p:cNvPicPr>
+                      <p:nvPr/>
+                    </p:nvPicPr>
+                    <p:blipFill>
+                      <a:blip r:embed="rId5">
+                        <a:extLst>
+                          <a:ext uri="{28A0092B-C50C-407E-A947-70E740481C1C}">
+                            <a14:useLocalDpi xmlns:a14="http://schemas.microsoft.com/office/drawing/2010/main" val="0"/>
+                          </a:ext>
+                        </a:extLst>
+                      </a:blip>
+                      <a:srcRect/>
+                      <a:stretch>
+                        <a:fillRect/>
+                      </a:stretch>
+                    </p:blipFill>
+                    <p:spPr bwMode="auto">
+                      <a:xfrm>
+                        <a:off x="688975" y="2362200"/>
+                        <a:ext cx="3149600" cy="2370138"/>
+                      </a:xfrm>
+                      <a:prstGeom prst="rect">
+                        <a:avLst/>
+                      </a:prstGeom>
+                      <a:noFill/>
+                      <a:extLst>
+                        <a:ext uri="{909E8E84-426E-40DD-AFC4-6F175D3DCCD1}">
+                          <a14:hiddenFill xmlns:a14="http://schemas.microsoft.com/office/drawing/2010/main">
+                            <a:solidFill>
+                              <a:srgbClr val="FFFFFF"/>
+                            </a:solidFill>
+                          </a14:hiddenFill>
+                        </a:ext>
+                      </a:extLst>
+                    </p:spPr>
+                  </p:pic>
+                </p:oleObj>
+              </mc:Fallback>
+            </mc:AlternateContent>
           </a:graphicData>
         </a:graphic>
       </p:graphicFrame>
@@ -26399,13 +26921,6 @@
   <p:clrMapOvr>
     <a:masterClrMapping/>
   </p:clrMapOvr>
-  <p:timing>
-    <p:tnLst>
-      <p:par>
-        <p:cTn id="1" dur="indefinite" restart="never" nodeType="tmRoot"/>
-      </p:par>
-    </p:tnLst>
-  </p:timing>
 </p:sld>
 </file>
 
@@ -26442,10 +26957,9 @@
           <a:lstStyle/>
           <a:p>
             <a:r>
-              <a:rPr lang="en-US" dirty="0" smtClean="0"/>
+              <a:rPr lang="en-US" dirty="0"/>
               <a:t>Questions?</a:t>
             </a:r>
-            <a:endParaRPr lang="en-US" dirty="0"/>
           </a:p>
         </p:txBody>
       </p:sp>
@@ -26465,10 +26979,9 @@
           <a:lstStyle/>
           <a:p>
             <a:r>
-              <a:rPr lang="en-US" dirty="0" smtClean="0"/>
+              <a:rPr lang="en-US" dirty="0"/>
               <a:t>Thank you</a:t>
             </a:r>
-            <a:endParaRPr lang="en-US" dirty="0"/>
           </a:p>
         </p:txBody>
       </p:sp>
@@ -26477,13 +26990,6 @@
   <p:clrMapOvr>
     <a:masterClrMapping/>
   </p:clrMapOvr>
-  <p:timing>
-    <p:tnLst>
-      <p:par>
-        <p:cTn id="1" dur="indefinite" restart="never" nodeType="tmRoot"/>
-      </p:par>
-    </p:tnLst>
-  </p:timing>
 </p:sld>
 </file>
 
@@ -26522,10 +27028,9 @@
           <a:lstStyle/>
           <a:p>
             <a:r>
-              <a:rPr lang="en-US" dirty="0" smtClean="0"/>
+              <a:rPr lang="en-US" dirty="0"/>
               <a:t>Sigmoid Function</a:t>
             </a:r>
-            <a:endParaRPr lang="en-US" dirty="0"/>
           </a:p>
         </p:txBody>
       </p:sp>
@@ -26545,34 +27050,33 @@
           <a:lstStyle/>
           <a:p>
             <a:r>
-              <a:rPr lang="el-GR" dirty="0" smtClean="0"/>
+              <a:rPr lang="el-GR" dirty="0"/>
               <a:t>σ</a:t>
             </a:r>
             <a:r>
-              <a:rPr lang="en-US" dirty="0" smtClean="0"/>
+              <a:rPr lang="en-US" dirty="0"/>
               <a:t>(Z) ~ 1 – For Z &gt;&gt; 0 </a:t>
             </a:r>
           </a:p>
           <a:p>
             <a:r>
-              <a:rPr lang="el-GR" dirty="0" smtClean="0"/>
+              <a:rPr lang="el-GR" dirty="0"/>
               <a:t>σ</a:t>
             </a:r>
             <a:r>
-              <a:rPr lang="en-US" dirty="0" smtClean="0"/>
+              <a:rPr lang="en-US" dirty="0"/>
               <a:t>(Z) ~ 0 – For Z &lt;&lt; 0 </a:t>
             </a:r>
           </a:p>
           <a:p>
             <a:r>
-              <a:rPr lang="el-GR" dirty="0" smtClean="0"/>
+              <a:rPr lang="el-GR" dirty="0"/>
               <a:t>σ</a:t>
             </a:r>
             <a:r>
-              <a:rPr lang="en-US" dirty="0" smtClean="0"/>
+              <a:rPr lang="en-US" dirty="0"/>
               <a:t>(Z) = 0.5 – For Z = 0</a:t>
             </a:r>
-            <a:endParaRPr lang="en-US" dirty="0"/>
           </a:p>
         </p:txBody>
       </p:sp>
@@ -26585,7 +27089,7 @@
           <p:nvPr>
             <p:extLst>
               <p:ext uri="{D42A27DB-BD31-4B8C-83A1-F6EECF244321}">
-                <p14:modId xmlns:p14="http://schemas.microsoft.com/office/powerpoint/2010/main" xmlns="" val="3926379348"/>
+                <p14:modId xmlns:p14="http://schemas.microsoft.com/office/powerpoint/2010/main" val="3926379348"/>
               </p:ext>
             </p:extLst>
           </p:nvPr>
@@ -26604,14 +27108,14 @@
                 <a:gridCol w="1447800">
                   <a:extLst>
                     <a:ext uri="{9D8B030D-6E8A-4147-A177-3AD203B41FA5}">
-                      <a16:colId xmlns:a16="http://schemas.microsoft.com/office/drawing/2014/main" xmlns="" val="20000"/>
+                      <a16:colId xmlns:a16="http://schemas.microsoft.com/office/drawing/2014/main" val="20000"/>
                     </a:ext>
                   </a:extLst>
                 </a:gridCol>
                 <a:gridCol w="1447800">
                   <a:extLst>
                     <a:ext uri="{9D8B030D-6E8A-4147-A177-3AD203B41FA5}">
-                      <a16:colId xmlns:a16="http://schemas.microsoft.com/office/drawing/2014/main" xmlns="" val="20001"/>
+                      <a16:colId xmlns:a16="http://schemas.microsoft.com/office/drawing/2014/main" val="20001"/>
                     </a:ext>
                   </a:extLst>
                 </a:gridCol>
@@ -26624,10 +27128,9 @@
                     <a:p>
                       <a:pPr algn="ctr"/>
                       <a:r>
-                        <a:rPr lang="en-US" b="1" dirty="0" smtClean="0"/>
+                        <a:rPr lang="en-US" b="1" dirty="0"/>
                         <a:t>Z</a:t>
                       </a:r>
-                      <a:endParaRPr lang="en-US" b="1" dirty="0"/>
                     </a:p>
                   </a:txBody>
                   <a:tcPr/>
@@ -26639,21 +27142,20 @@
                     <a:p>
                       <a:pPr algn="ctr"/>
                       <a:r>
-                        <a:rPr lang="el-GR" b="1" dirty="0" smtClean="0"/>
+                        <a:rPr lang="el-GR" b="1" dirty="0"/>
                         <a:t>σ(</a:t>
                       </a:r>
                       <a:r>
-                        <a:rPr lang="en-US" b="1" dirty="0" smtClean="0"/>
+                        <a:rPr lang="en-US" b="1" dirty="0"/>
                         <a:t>Z)</a:t>
                       </a:r>
-                      <a:endParaRPr lang="en-US" b="1" dirty="0"/>
                     </a:p>
                   </a:txBody>
                   <a:tcPr/>
                 </a:tc>
                 <a:extLst>
                   <a:ext uri="{0D108BD9-81ED-4DB2-BD59-A6C34878D82A}">
-                    <a16:rowId xmlns:a16="http://schemas.microsoft.com/office/drawing/2014/main" xmlns="" val="10000"/>
+                    <a16:rowId xmlns:a16="http://schemas.microsoft.com/office/drawing/2014/main" val="10000"/>
                   </a:ext>
                 </a:extLst>
               </a:tr>
@@ -26679,17 +27181,16 @@
                     <a:p>
                       <a:pPr algn="ctr"/>
                       <a:r>
-                        <a:rPr lang="en-US" dirty="0" smtClean="0"/>
+                        <a:rPr lang="en-US" dirty="0"/>
                         <a:t>0.12</a:t>
                       </a:r>
-                      <a:endParaRPr lang="en-US" dirty="0"/>
                     </a:p>
                   </a:txBody>
                   <a:tcPr/>
                 </a:tc>
                 <a:extLst>
                   <a:ext uri="{0D108BD9-81ED-4DB2-BD59-A6C34878D82A}">
-                    <a16:rowId xmlns:a16="http://schemas.microsoft.com/office/drawing/2014/main" xmlns="" val="10001"/>
+                    <a16:rowId xmlns:a16="http://schemas.microsoft.com/office/drawing/2014/main" val="10001"/>
                   </a:ext>
                 </a:extLst>
               </a:tr>
@@ -26715,17 +27216,16 @@
                     <a:p>
                       <a:pPr algn="ctr"/>
                       <a:r>
-                        <a:rPr lang="en-US" dirty="0" smtClean="0"/>
+                        <a:rPr lang="en-US" dirty="0"/>
                         <a:t>0.18</a:t>
                       </a:r>
-                      <a:endParaRPr lang="en-US" dirty="0"/>
                     </a:p>
                   </a:txBody>
                   <a:tcPr/>
                 </a:tc>
                 <a:extLst>
                   <a:ext uri="{0D108BD9-81ED-4DB2-BD59-A6C34878D82A}">
-                    <a16:rowId xmlns:a16="http://schemas.microsoft.com/office/drawing/2014/main" xmlns="" val="10002"/>
+                    <a16:rowId xmlns:a16="http://schemas.microsoft.com/office/drawing/2014/main" val="10002"/>
                   </a:ext>
                 </a:extLst>
               </a:tr>
@@ -26751,17 +27251,16 @@
                     <a:p>
                       <a:pPr algn="ctr"/>
                       <a:r>
-                        <a:rPr lang="en-US" dirty="0" smtClean="0"/>
+                        <a:rPr lang="en-US" dirty="0"/>
                         <a:t>0.27</a:t>
                       </a:r>
-                      <a:endParaRPr lang="en-US" dirty="0"/>
                     </a:p>
                   </a:txBody>
                   <a:tcPr/>
                 </a:tc>
                 <a:extLst>
                   <a:ext uri="{0D108BD9-81ED-4DB2-BD59-A6C34878D82A}">
-                    <a16:rowId xmlns:a16="http://schemas.microsoft.com/office/drawing/2014/main" xmlns="" val="10003"/>
+                    <a16:rowId xmlns:a16="http://schemas.microsoft.com/office/drawing/2014/main" val="10003"/>
                   </a:ext>
                 </a:extLst>
               </a:tr>
@@ -26773,10 +27272,9 @@
                     <a:p>
                       <a:pPr algn="ctr"/>
                       <a:r>
-                        <a:rPr lang="en-US" b="0" dirty="0" smtClean="0"/>
+                        <a:rPr lang="en-US" b="0" dirty="0"/>
                         <a:t>-0.5</a:t>
                       </a:r>
-                      <a:endParaRPr lang="en-US" b="0" dirty="0"/>
                     </a:p>
                   </a:txBody>
                   <a:tcPr/>
@@ -26788,17 +27286,16 @@
                     <a:p>
                       <a:pPr algn="ctr"/>
                       <a:r>
-                        <a:rPr lang="en-US" dirty="0" smtClean="0"/>
+                        <a:rPr lang="en-US" dirty="0"/>
                         <a:t>0.38</a:t>
                       </a:r>
-                      <a:endParaRPr lang="en-US" dirty="0"/>
                     </a:p>
                   </a:txBody>
                   <a:tcPr/>
                 </a:tc>
                 <a:extLst>
                   <a:ext uri="{0D108BD9-81ED-4DB2-BD59-A6C34878D82A}">
-                    <a16:rowId xmlns:a16="http://schemas.microsoft.com/office/drawing/2014/main" xmlns="" val="10004"/>
+                    <a16:rowId xmlns:a16="http://schemas.microsoft.com/office/drawing/2014/main" val="10004"/>
                   </a:ext>
                 </a:extLst>
               </a:tr>
@@ -26824,17 +27321,16 @@
                     <a:p>
                       <a:pPr algn="ctr"/>
                       <a:r>
-                        <a:rPr lang="en-US" dirty="0" smtClean="0"/>
+                        <a:rPr lang="en-US" dirty="0"/>
                         <a:t>0.50</a:t>
                       </a:r>
-                      <a:endParaRPr lang="en-US" dirty="0"/>
                     </a:p>
                   </a:txBody>
                   <a:tcPr/>
                 </a:tc>
                 <a:extLst>
                   <a:ext uri="{0D108BD9-81ED-4DB2-BD59-A6C34878D82A}">
-                    <a16:rowId xmlns:a16="http://schemas.microsoft.com/office/drawing/2014/main" xmlns="" val="10005"/>
+                    <a16:rowId xmlns:a16="http://schemas.microsoft.com/office/drawing/2014/main" val="10005"/>
                   </a:ext>
                 </a:extLst>
               </a:tr>
@@ -26846,10 +27342,9 @@
                     <a:p>
                       <a:pPr algn="ctr"/>
                       <a:r>
-                        <a:rPr lang="en-US" b="0" dirty="0" smtClean="0"/>
+                        <a:rPr lang="en-US" b="0" dirty="0"/>
                         <a:t>0.5</a:t>
                       </a:r>
-                      <a:endParaRPr lang="en-US" b="0" dirty="0"/>
                     </a:p>
                   </a:txBody>
                   <a:tcPr/>
@@ -26861,17 +27356,16 @@
                     <a:p>
                       <a:pPr algn="ctr"/>
                       <a:r>
-                        <a:rPr lang="en-US" dirty="0" smtClean="0"/>
+                        <a:rPr lang="en-US" dirty="0"/>
                         <a:t>0.62</a:t>
                       </a:r>
-                      <a:endParaRPr lang="en-US" dirty="0"/>
                     </a:p>
                   </a:txBody>
                   <a:tcPr/>
                 </a:tc>
                 <a:extLst>
                   <a:ext uri="{0D108BD9-81ED-4DB2-BD59-A6C34878D82A}">
-                    <a16:rowId xmlns:a16="http://schemas.microsoft.com/office/drawing/2014/main" xmlns="" val="10006"/>
+                    <a16:rowId xmlns:a16="http://schemas.microsoft.com/office/drawing/2014/main" val="10006"/>
                   </a:ext>
                 </a:extLst>
               </a:tr>
@@ -26897,17 +27391,16 @@
                     <a:p>
                       <a:pPr algn="ctr"/>
                       <a:r>
-                        <a:rPr lang="en-US" dirty="0" smtClean="0"/>
+                        <a:rPr lang="en-US" dirty="0"/>
                         <a:t>0.73</a:t>
                       </a:r>
-                      <a:endParaRPr lang="en-US" dirty="0"/>
                     </a:p>
                   </a:txBody>
                   <a:tcPr/>
                 </a:tc>
                 <a:extLst>
                   <a:ext uri="{0D108BD9-81ED-4DB2-BD59-A6C34878D82A}">
-                    <a16:rowId xmlns:a16="http://schemas.microsoft.com/office/drawing/2014/main" xmlns="" val="10007"/>
+                    <a16:rowId xmlns:a16="http://schemas.microsoft.com/office/drawing/2014/main" val="10007"/>
                   </a:ext>
                 </a:extLst>
               </a:tr>
@@ -26933,17 +27426,16 @@
                     <a:p>
                       <a:pPr algn="ctr"/>
                       <a:r>
-                        <a:rPr lang="en-US" dirty="0" smtClean="0"/>
+                        <a:rPr lang="en-US" dirty="0"/>
                         <a:t>0.82</a:t>
                       </a:r>
-                      <a:endParaRPr lang="en-US" dirty="0"/>
                     </a:p>
                   </a:txBody>
                   <a:tcPr/>
                 </a:tc>
                 <a:extLst>
                   <a:ext uri="{0D108BD9-81ED-4DB2-BD59-A6C34878D82A}">
-                    <a16:rowId xmlns:a16="http://schemas.microsoft.com/office/drawing/2014/main" xmlns="" val="10008"/>
+                    <a16:rowId xmlns:a16="http://schemas.microsoft.com/office/drawing/2014/main" val="10008"/>
                   </a:ext>
                 </a:extLst>
               </a:tr>
@@ -26969,17 +27461,16 @@
                     <a:p>
                       <a:pPr algn="ctr"/>
                       <a:r>
-                        <a:rPr lang="en-US" dirty="0" smtClean="0"/>
+                        <a:rPr lang="en-US" dirty="0"/>
                         <a:t>0.88</a:t>
                       </a:r>
-                      <a:endParaRPr lang="en-US" dirty="0"/>
                     </a:p>
                   </a:txBody>
                   <a:tcPr/>
                 </a:tc>
                 <a:extLst>
                   <a:ext uri="{0D108BD9-81ED-4DB2-BD59-A6C34878D82A}">
-                    <a16:rowId xmlns:a16="http://schemas.microsoft.com/office/drawing/2014/main" xmlns="" val="10009"/>
+                    <a16:rowId xmlns:a16="http://schemas.microsoft.com/office/drawing/2014/main" val="10009"/>
                   </a:ext>
                 </a:extLst>
               </a:tr>
@@ -26992,13 +27483,6 @@
   <p:clrMapOvr>
     <a:masterClrMapping/>
   </p:clrMapOvr>
-  <p:timing>
-    <p:tnLst>
-      <p:par>
-        <p:cTn id="1" dur="indefinite" restart="never" nodeType="tmRoot"/>
-      </p:par>
-    </p:tnLst>
-  </p:timing>
 </p:sld>
 </file>
 
@@ -27037,10 +27521,9 @@
           <a:lstStyle/>
           <a:p>
             <a:r>
-              <a:rPr lang="en-US" dirty="0" smtClean="0"/>
+              <a:rPr lang="en-US" dirty="0"/>
               <a:t>Logistic Regression</a:t>
             </a:r>
-            <a:endParaRPr lang="en-US" dirty="0"/>
           </a:p>
         </p:txBody>
       </p:sp>
@@ -27060,60 +27543,60 @@
           <a:lstStyle/>
           <a:p>
             <a:r>
-              <a:rPr lang="en-US" dirty="0" smtClean="0"/>
+              <a:rPr lang="en-US" dirty="0"/>
               <a:t>Input – X  </a:t>
             </a:r>
           </a:p>
           <a:p>
             <a:pPr lvl="1"/>
             <a:r>
-              <a:rPr lang="en-US" dirty="0" smtClean="0"/>
+              <a:rPr lang="en-US" dirty="0"/>
               <a:t>Vector</a:t>
             </a:r>
           </a:p>
           <a:p>
             <a:pPr lvl="1"/>
             <a:r>
-              <a:rPr lang="en-US" dirty="0" smtClean="0"/>
+              <a:rPr lang="en-US" dirty="0"/>
               <a:t>X </a:t>
             </a:r>
             <a:r>
-              <a:rPr lang="el-GR" dirty="0" smtClean="0"/>
+              <a:rPr lang="el-GR" dirty="0"/>
               <a:t>ε</a:t>
             </a:r>
             <a:r>
-              <a:rPr lang="en-US" dirty="0" smtClean="0"/>
+              <a:rPr lang="en-US" dirty="0"/>
               <a:t> R</a:t>
             </a:r>
           </a:p>
           <a:p>
             <a:pPr lvl="1"/>
             <a:r>
-              <a:rPr lang="en-US" dirty="0" smtClean="0"/>
+              <a:rPr lang="en-US" dirty="0"/>
               <a:t>Dimension – n</a:t>
             </a:r>
             <a:r>
-              <a:rPr lang="en-US" baseline="-25000" dirty="0" smtClean="0"/>
+              <a:rPr lang="en-US" baseline="-25000" dirty="0"/>
               <a:t>X </a:t>
             </a:r>
           </a:p>
           <a:p>
             <a:r>
-              <a:rPr lang="en-US" dirty="0" smtClean="0"/>
+              <a:rPr lang="en-US" dirty="0"/>
               <a:t>Output – ŷ </a:t>
             </a:r>
           </a:p>
           <a:p>
             <a:pPr lvl="1"/>
             <a:r>
-              <a:rPr lang="en-US" dirty="0" smtClean="0"/>
+              <a:rPr lang="en-US" dirty="0"/>
               <a:t>Scalar</a:t>
             </a:r>
           </a:p>
           <a:p>
             <a:pPr lvl="1"/>
             <a:r>
-              <a:rPr lang="en-US" dirty="0" smtClean="0"/>
+              <a:rPr lang="en-US" dirty="0"/>
               <a:t>0 &lt;= ŷ &lt;= 1.0</a:t>
             </a:r>
           </a:p>
@@ -27128,13 +27611,6 @@
   <p:clrMapOvr>
     <a:masterClrMapping/>
   </p:clrMapOvr>
-  <p:timing>
-    <p:tnLst>
-      <p:par>
-        <p:cTn id="1" dur="indefinite" restart="never" nodeType="tmRoot"/>
-      </p:par>
-    </p:tnLst>
-  </p:timing>
 </p:sld>
 </file>
 
@@ -27173,10 +27649,9 @@
           <a:lstStyle/>
           <a:p>
             <a:r>
-              <a:rPr lang="en-US" dirty="0" smtClean="0"/>
+              <a:rPr lang="en-US" dirty="0"/>
               <a:t>Linear Regression</a:t>
             </a:r>
-            <a:endParaRPr lang="en-US" dirty="0"/>
           </a:p>
         </p:txBody>
       </p:sp>
@@ -27198,82 +27673,82 @@
           <a:lstStyle/>
           <a:p>
             <a:r>
-              <a:rPr lang="en-US" dirty="0" smtClean="0"/>
+              <a:rPr lang="en-US" dirty="0"/>
               <a:t>Weights – W  </a:t>
             </a:r>
           </a:p>
           <a:p>
             <a:pPr lvl="1"/>
             <a:r>
-              <a:rPr lang="en-US" dirty="0" smtClean="0"/>
+              <a:rPr lang="en-US" dirty="0"/>
               <a:t>Vector</a:t>
             </a:r>
           </a:p>
           <a:p>
             <a:pPr lvl="1"/>
             <a:r>
-              <a:rPr lang="en-US" dirty="0" smtClean="0"/>
+              <a:rPr lang="en-US" dirty="0"/>
               <a:t>W </a:t>
             </a:r>
             <a:r>
-              <a:rPr lang="el-GR" dirty="0" smtClean="0"/>
+              <a:rPr lang="el-GR" dirty="0"/>
               <a:t>ε</a:t>
             </a:r>
             <a:r>
-              <a:rPr lang="en-US" dirty="0" smtClean="0"/>
+              <a:rPr lang="en-US" dirty="0"/>
               <a:t> R</a:t>
             </a:r>
           </a:p>
           <a:p>
             <a:pPr lvl="1"/>
             <a:r>
-              <a:rPr lang="en-US" dirty="0" smtClean="0"/>
+              <a:rPr lang="en-US" dirty="0"/>
               <a:t>Dimension – n</a:t>
             </a:r>
             <a:r>
-              <a:rPr lang="en-US" baseline="-25000" dirty="0" smtClean="0"/>
+              <a:rPr lang="en-US" baseline="-25000" dirty="0"/>
               <a:t>X </a:t>
             </a:r>
           </a:p>
           <a:p>
             <a:r>
-              <a:rPr lang="en-US" dirty="0" smtClean="0"/>
+              <a:rPr lang="en-US" dirty="0"/>
               <a:t>Bias – b  </a:t>
             </a:r>
           </a:p>
           <a:p>
             <a:pPr lvl="1"/>
             <a:r>
-              <a:rPr lang="en-US" dirty="0" smtClean="0"/>
+              <a:rPr lang="en-US" dirty="0"/>
               <a:t>Scalar</a:t>
             </a:r>
           </a:p>
           <a:p>
             <a:pPr lvl="1"/>
             <a:r>
-              <a:rPr lang="en-US" dirty="0" smtClean="0"/>
+              <a:rPr lang="en-US" dirty="0"/>
               <a:t>b </a:t>
             </a:r>
             <a:r>
-              <a:rPr lang="el-GR" dirty="0" smtClean="0"/>
+              <a:rPr lang="el-GR" dirty="0"/>
               <a:t>ε </a:t>
             </a:r>
             <a:r>
-              <a:rPr lang="en-US" dirty="0" smtClean="0"/>
+              <a:rPr lang="en-US" dirty="0"/>
               <a:t>R</a:t>
             </a:r>
           </a:p>
           <a:p>
             <a:r>
-              <a:rPr lang="en-US" dirty="0" smtClean="0"/>
+              <a:rPr lang="en-US" dirty="0"/>
               <a:t>y = W</a:t>
             </a:r>
             <a:r>
-              <a:rPr lang="en-US" baseline="30000" dirty="0" smtClean="0"/>
+              <a:rPr lang="en-US" baseline="30000" dirty="0"/>
               <a:t>T</a:t>
             </a:r>
             <a:r>
-              <a:rPr lang="en-US" dirty="0" smtClean="0"/>
+              <a:rPr lang="en-US" dirty="0"/>
               <a:t>X + b</a:t>
             </a:r>
             <a:endParaRPr lang="en-US" baseline="-25000" dirty="0"/>
@@ -27285,13 +27760,6 @@
   <p:clrMapOvr>
     <a:masterClrMapping/>
   </p:clrMapOvr>
-  <p:timing>
-    <p:tnLst>
-      <p:par>
-        <p:cTn id="1" dur="indefinite" restart="never" nodeType="tmRoot"/>
-      </p:par>
-    </p:tnLst>
-  </p:timing>
 </p:sld>
 </file>
 
@@ -27330,10 +27798,9 @@
           <a:lstStyle/>
           <a:p>
             <a:r>
-              <a:rPr lang="en-US" dirty="0" smtClean="0"/>
+              <a:rPr lang="en-US" dirty="0"/>
               <a:t>Logistic Regression</a:t>
             </a:r>
-            <a:endParaRPr lang="en-US" dirty="0"/>
           </a:p>
         </p:txBody>
       </p:sp>
@@ -27355,82 +27822,82 @@
           <a:lstStyle/>
           <a:p>
             <a:r>
-              <a:rPr lang="en-US" dirty="0" smtClean="0"/>
+              <a:rPr lang="en-US" dirty="0"/>
               <a:t>Weights – W  </a:t>
             </a:r>
           </a:p>
           <a:p>
             <a:pPr lvl="1"/>
             <a:r>
-              <a:rPr lang="en-US" dirty="0" smtClean="0"/>
+              <a:rPr lang="en-US" dirty="0"/>
               <a:t>Vector</a:t>
             </a:r>
           </a:p>
           <a:p>
             <a:pPr lvl="1"/>
             <a:r>
-              <a:rPr lang="en-US" dirty="0" smtClean="0"/>
+              <a:rPr lang="en-US" dirty="0"/>
               <a:t>W </a:t>
             </a:r>
             <a:r>
-              <a:rPr lang="el-GR" dirty="0" smtClean="0"/>
+              <a:rPr lang="el-GR" dirty="0"/>
               <a:t>ε</a:t>
             </a:r>
             <a:r>
-              <a:rPr lang="en-US" dirty="0" smtClean="0"/>
+              <a:rPr lang="en-US" dirty="0"/>
               <a:t> R</a:t>
             </a:r>
           </a:p>
           <a:p>
             <a:pPr lvl="1"/>
             <a:r>
-              <a:rPr lang="en-US" dirty="0" smtClean="0"/>
+              <a:rPr lang="en-US" dirty="0"/>
               <a:t>Dimension – n</a:t>
             </a:r>
             <a:r>
-              <a:rPr lang="en-US" baseline="-25000" dirty="0" smtClean="0"/>
+              <a:rPr lang="en-US" baseline="-25000" dirty="0"/>
               <a:t>X </a:t>
             </a:r>
           </a:p>
           <a:p>
             <a:r>
-              <a:rPr lang="en-US" dirty="0" smtClean="0"/>
+              <a:rPr lang="en-US" dirty="0"/>
               <a:t>Bias – b  </a:t>
             </a:r>
           </a:p>
           <a:p>
             <a:pPr lvl="1"/>
             <a:r>
-              <a:rPr lang="en-US" dirty="0" smtClean="0"/>
+              <a:rPr lang="en-US" dirty="0"/>
               <a:t>Scalar</a:t>
             </a:r>
           </a:p>
           <a:p>
             <a:pPr lvl="1"/>
             <a:r>
-              <a:rPr lang="en-US" dirty="0" smtClean="0"/>
+              <a:rPr lang="en-US" dirty="0"/>
               <a:t>b </a:t>
             </a:r>
             <a:r>
-              <a:rPr lang="el-GR" dirty="0" smtClean="0"/>
+              <a:rPr lang="el-GR" dirty="0"/>
               <a:t>ε </a:t>
             </a:r>
             <a:r>
-              <a:rPr lang="en-US" dirty="0" smtClean="0"/>
+              <a:rPr lang="en-US" dirty="0"/>
               <a:t>R</a:t>
             </a:r>
           </a:p>
           <a:p>
             <a:r>
-              <a:rPr lang="en-US" dirty="0" smtClean="0"/>
+              <a:rPr lang="en-US" dirty="0"/>
               <a:t>y = W</a:t>
             </a:r>
             <a:r>
-              <a:rPr lang="en-US" baseline="30000" dirty="0" smtClean="0"/>
+              <a:rPr lang="en-US" baseline="30000" dirty="0"/>
               <a:t>T</a:t>
             </a:r>
             <a:r>
-              <a:rPr lang="en-US" dirty="0" smtClean="0"/>
+              <a:rPr lang="en-US" dirty="0"/>
               <a:t>X + b</a:t>
             </a:r>
             <a:endParaRPr lang="en-US" baseline="-25000" dirty="0"/>
@@ -27477,13 +27944,6 @@
   <p:clrMapOvr>
     <a:masterClrMapping/>
   </p:clrMapOvr>
-  <p:timing>
-    <p:tnLst>
-      <p:par>
-        <p:cTn id="1" dur="indefinite" restart="never" nodeType="tmRoot"/>
-      </p:par>
-    </p:tnLst>
-  </p:timing>
 </p:sld>
 </file>
 
@@ -27522,10 +27982,9 @@
           <a:lstStyle/>
           <a:p>
             <a:r>
-              <a:rPr lang="en-US" dirty="0" smtClean="0"/>
+              <a:rPr lang="en-US" dirty="0"/>
               <a:t>Logistic Regression</a:t>
             </a:r>
-            <a:endParaRPr lang="en-US" dirty="0"/>
           </a:p>
         </p:txBody>
       </p:sp>
@@ -27552,74 +28011,74 @@
           <a:lstStyle/>
           <a:p>
             <a:r>
-              <a:rPr lang="en-US" dirty="0" smtClean="0"/>
+              <a:rPr lang="en-US" dirty="0"/>
               <a:t>Weights – W  </a:t>
             </a:r>
           </a:p>
           <a:p>
             <a:pPr lvl="1"/>
             <a:r>
-              <a:rPr lang="en-US" dirty="0" smtClean="0"/>
+              <a:rPr lang="en-US" dirty="0"/>
               <a:t>Vector</a:t>
             </a:r>
           </a:p>
           <a:p>
             <a:pPr lvl="1"/>
             <a:r>
-              <a:rPr lang="en-US" dirty="0" smtClean="0"/>
+              <a:rPr lang="en-US" dirty="0"/>
               <a:t>W </a:t>
             </a:r>
             <a:r>
-              <a:rPr lang="el-GR" dirty="0" smtClean="0"/>
+              <a:rPr lang="el-GR" dirty="0"/>
               <a:t>ε</a:t>
             </a:r>
             <a:r>
-              <a:rPr lang="en-US" dirty="0" smtClean="0"/>
+              <a:rPr lang="en-US" dirty="0"/>
               <a:t> R</a:t>
             </a:r>
           </a:p>
           <a:p>
             <a:pPr lvl="1"/>
             <a:r>
-              <a:rPr lang="en-US" dirty="0" smtClean="0"/>
+              <a:rPr lang="en-US" dirty="0"/>
               <a:t>Dimension – n</a:t>
             </a:r>
             <a:r>
-              <a:rPr lang="en-US" baseline="-25000" dirty="0" smtClean="0"/>
+              <a:rPr lang="en-US" baseline="-25000" dirty="0"/>
               <a:t>X </a:t>
             </a:r>
           </a:p>
           <a:p>
             <a:r>
-              <a:rPr lang="en-US" dirty="0" smtClean="0"/>
+              <a:rPr lang="en-US" dirty="0"/>
               <a:t>Bias – b  </a:t>
             </a:r>
           </a:p>
           <a:p>
             <a:pPr lvl="1"/>
             <a:r>
-              <a:rPr lang="en-US" dirty="0" smtClean="0"/>
+              <a:rPr lang="en-US" dirty="0"/>
               <a:t>Scalar</a:t>
             </a:r>
           </a:p>
           <a:p>
             <a:pPr lvl="1"/>
             <a:r>
-              <a:rPr lang="en-US" dirty="0" smtClean="0"/>
+              <a:rPr lang="en-US" dirty="0"/>
               <a:t>b </a:t>
             </a:r>
             <a:r>
-              <a:rPr lang="el-GR" dirty="0" smtClean="0"/>
+              <a:rPr lang="el-GR" dirty="0"/>
               <a:t>ε </a:t>
             </a:r>
             <a:r>
-              <a:rPr lang="en-US" dirty="0" smtClean="0"/>
+              <a:rPr lang="en-US" dirty="0"/>
               <a:t>R</a:t>
             </a:r>
           </a:p>
           <a:p>
             <a:r>
-              <a:rPr lang="en-US" dirty="0" smtClean="0">
+              <a:rPr lang="en-US" dirty="0">
                 <a:solidFill>
                   <a:srgbClr val="00B050"/>
                 </a:solidFill>
@@ -27627,7 +28086,7 @@
               <a:t>Z = W</a:t>
             </a:r>
             <a:r>
-              <a:rPr lang="en-US" baseline="30000" dirty="0" smtClean="0">
+              <a:rPr lang="en-US" baseline="30000" dirty="0">
                 <a:solidFill>
                   <a:srgbClr val="00B050"/>
                 </a:solidFill>
@@ -27635,7 +28094,7 @@
               <a:t>T</a:t>
             </a:r>
             <a:r>
-              <a:rPr lang="en-US" dirty="0" smtClean="0">
+              <a:rPr lang="en-US" dirty="0">
                 <a:solidFill>
                   <a:srgbClr val="00B050"/>
                 </a:solidFill>
@@ -27645,7 +28104,7 @@
           </a:p>
           <a:p>
             <a:r>
-              <a:rPr lang="en-US" dirty="0" smtClean="0">
+              <a:rPr lang="en-US" dirty="0">
                 <a:solidFill>
                   <a:srgbClr val="00B050"/>
                 </a:solidFill>
@@ -27653,7 +28112,7 @@
               <a:t>ŷ = </a:t>
             </a:r>
             <a:r>
-              <a:rPr lang="el-GR" dirty="0" smtClean="0">
+              <a:rPr lang="el-GR" dirty="0">
                 <a:solidFill>
                   <a:srgbClr val="00B050"/>
                 </a:solidFill>
@@ -27661,7 +28120,7 @@
               <a:t>σ</a:t>
             </a:r>
             <a:r>
-              <a:rPr lang="en-US" dirty="0" smtClean="0">
+              <a:rPr lang="en-US" dirty="0">
                 <a:solidFill>
                   <a:srgbClr val="00B050"/>
                 </a:solidFill>
@@ -27669,11 +28128,11 @@
               <a:t>(Z)</a:t>
             </a:r>
             <a:r>
-              <a:rPr lang="en-US" dirty="0" smtClean="0"/>
+              <a:rPr lang="en-US" dirty="0"/>
               <a:t> </a:t>
             </a:r>
             <a:r>
-              <a:rPr lang="en-US" dirty="0" smtClean="0">
+              <a:rPr lang="en-US" dirty="0">
                 <a:solidFill>
                   <a:srgbClr val="00B050"/>
                 </a:solidFill>
@@ -27723,14 +28182,13 @@
             <a:lstStyle/>
             <a:p>
               <a:r>
-                <a:rPr lang="en-US" sz="2400" b="1" dirty="0" smtClean="0"/>
+                <a:rPr lang="en-US" sz="2400" b="1" dirty="0"/>
                 <a:t>x</a:t>
               </a:r>
               <a:r>
-                <a:rPr lang="en-US" sz="2400" b="1" baseline="-25000" dirty="0" smtClean="0"/>
+                <a:rPr lang="en-US" sz="2400" b="1" baseline="-25000" dirty="0"/>
                 <a:t>1</a:t>
               </a:r>
-              <a:endParaRPr lang="en-US" sz="2400" b="1" baseline="-25000" dirty="0"/>
             </a:p>
           </p:txBody>
         </p:sp>
@@ -27757,14 +28215,13 @@
             <a:lstStyle/>
             <a:p>
               <a:r>
-                <a:rPr lang="en-US" sz="2400" b="1" dirty="0" smtClean="0"/>
+                <a:rPr lang="en-US" sz="2400" b="1" dirty="0"/>
                 <a:t>x</a:t>
               </a:r>
               <a:r>
-                <a:rPr lang="en-US" sz="2400" b="1" baseline="-25000" dirty="0" smtClean="0"/>
+                <a:rPr lang="en-US" sz="2400" b="1" baseline="-25000" dirty="0"/>
                 <a:t>2</a:t>
               </a:r>
-              <a:endParaRPr lang="en-US" sz="2400" b="1" baseline="-25000" dirty="0"/>
             </a:p>
           </p:txBody>
         </p:sp>
@@ -27791,14 +28248,13 @@
             <a:lstStyle/>
             <a:p>
               <a:r>
-                <a:rPr lang="en-US" sz="2400" b="1" dirty="0" smtClean="0"/>
+                <a:rPr lang="en-US" sz="2400" b="1" dirty="0"/>
                 <a:t>x</a:t>
               </a:r>
               <a:r>
-                <a:rPr lang="en-US" sz="2400" b="1" baseline="-25000" dirty="0" smtClean="0"/>
+                <a:rPr lang="en-US" sz="2400" b="1" baseline="-25000" dirty="0"/>
                 <a:t>3</a:t>
               </a:r>
-              <a:endParaRPr lang="en-US" sz="2400" b="1" baseline="-25000" dirty="0"/>
             </a:p>
           </p:txBody>
         </p:sp>
@@ -27873,10 +28329,9 @@
             <a:lstStyle/>
             <a:p>
               <a:r>
-                <a:rPr lang="en-US" sz="2400" b="1" dirty="0" smtClean="0"/>
+                <a:rPr lang="en-US" sz="2400" b="1" dirty="0"/>
                 <a:t>ŷ</a:t>
               </a:r>
-              <a:endParaRPr lang="en-US" sz="2400" b="1" dirty="0"/>
             </a:p>
           </p:txBody>
         </p:sp>
@@ -28055,14 +28510,13 @@
             <a:lstStyle/>
             <a:p>
               <a:r>
-                <a:rPr lang="en-US" sz="2400" b="1" dirty="0" smtClean="0"/>
+                <a:rPr lang="en-US" sz="2400" b="1" dirty="0"/>
                 <a:t>W</a:t>
               </a:r>
               <a:r>
-                <a:rPr lang="en-US" sz="2400" b="1" baseline="-25000" dirty="0" smtClean="0"/>
+                <a:rPr lang="en-US" sz="2400" b="1" baseline="-25000" dirty="0"/>
                 <a:t>1</a:t>
               </a:r>
-              <a:endParaRPr lang="en-US" sz="2400" b="1" baseline="-25000" dirty="0"/>
             </a:p>
           </p:txBody>
         </p:sp>
@@ -28089,14 +28543,13 @@
             <a:lstStyle/>
             <a:p>
               <a:r>
-                <a:rPr lang="en-US" sz="2400" b="1" dirty="0" smtClean="0"/>
+                <a:rPr lang="en-US" sz="2400" b="1" dirty="0"/>
                 <a:t>W</a:t>
               </a:r>
               <a:r>
-                <a:rPr lang="en-US" sz="2400" b="1" baseline="-25000" dirty="0" smtClean="0"/>
+                <a:rPr lang="en-US" sz="2400" b="1" baseline="-25000" dirty="0"/>
                 <a:t>2</a:t>
               </a:r>
-              <a:endParaRPr lang="en-US" sz="2400" b="1" baseline="-25000" dirty="0"/>
             </a:p>
           </p:txBody>
         </p:sp>
@@ -28123,14 +28576,13 @@
             <a:lstStyle/>
             <a:p>
               <a:r>
-                <a:rPr lang="en-US" sz="2400" b="1" dirty="0" smtClean="0"/>
+                <a:rPr lang="en-US" sz="2400" b="1" dirty="0"/>
                 <a:t>W</a:t>
               </a:r>
               <a:r>
-                <a:rPr lang="en-US" sz="2400" b="1" baseline="-25000" dirty="0" smtClean="0"/>
+                <a:rPr lang="en-US" sz="2400" b="1" baseline="-25000" dirty="0"/>
                 <a:t>3</a:t>
               </a:r>
-              <a:endParaRPr lang="en-US" sz="2400" b="1" baseline="-25000" dirty="0"/>
             </a:p>
           </p:txBody>
         </p:sp>
@@ -28157,7 +28609,7 @@
             <a:lstStyle/>
             <a:p>
               <a:r>
-                <a:rPr lang="en-US" sz="2400" b="1" dirty="0" smtClean="0"/>
+                <a:rPr lang="en-US" sz="2400" b="1" dirty="0"/>
                 <a:t>+b</a:t>
               </a:r>
               <a:endParaRPr lang="en-US" sz="2400" b="1" baseline="-25000" dirty="0"/>
@@ -28225,7 +28677,7 @@
             <a:lstStyle/>
             <a:p>
               <a:r>
-                <a:rPr lang="en-US" sz="2400" b="1" dirty="0" smtClean="0"/>
+                <a:rPr lang="en-US" sz="2400" b="1" dirty="0"/>
                 <a:t>activation</a:t>
               </a:r>
               <a:endParaRPr lang="en-US" sz="2400" b="1" baseline="-25000" dirty="0"/>
@@ -28238,13 +28690,6 @@
   <p:clrMapOvr>
     <a:masterClrMapping/>
   </p:clrMapOvr>
-  <p:timing>
-    <p:tnLst>
-      <p:par>
-        <p:cTn id="1" dur="indefinite" restart="never" nodeType="tmRoot"/>
-      </p:par>
-    </p:tnLst>
-  </p:timing>
 </p:sld>
 </file>
 
